--- a/Microservice_plumbing_with_RabbitMQ.pptx
+++ b/Microservice_plumbing_with_RabbitMQ.pptx
@@ -5,26 +5,27 @@
     <p:sldMasterId id="2147483702" r:id="rId4"/>
   </p:sldMasterIdLst>
   <p:notesMasterIdLst>
-    <p:notesMasterId r:id="rId19"/>
+    <p:notesMasterId r:id="rId20"/>
   </p:notesMasterIdLst>
   <p:handoutMasterIdLst>
-    <p:handoutMasterId r:id="rId20"/>
+    <p:handoutMasterId r:id="rId21"/>
   </p:handoutMasterIdLst>
   <p:sldIdLst>
     <p:sldId id="257" r:id="rId5"/>
-    <p:sldId id="272" r:id="rId6"/>
-    <p:sldId id="273" r:id="rId7"/>
-    <p:sldId id="274" r:id="rId8"/>
-    <p:sldId id="268" r:id="rId9"/>
-    <p:sldId id="267" r:id="rId10"/>
-    <p:sldId id="269" r:id="rId11"/>
-    <p:sldId id="270" r:id="rId12"/>
-    <p:sldId id="259" r:id="rId13"/>
-    <p:sldId id="261" r:id="rId14"/>
-    <p:sldId id="262" r:id="rId15"/>
-    <p:sldId id="263" r:id="rId16"/>
-    <p:sldId id="271" r:id="rId17"/>
-    <p:sldId id="265" r:id="rId18"/>
+    <p:sldId id="275" r:id="rId6"/>
+    <p:sldId id="272" r:id="rId7"/>
+    <p:sldId id="273" r:id="rId8"/>
+    <p:sldId id="274" r:id="rId9"/>
+    <p:sldId id="268" r:id="rId10"/>
+    <p:sldId id="267" r:id="rId11"/>
+    <p:sldId id="269" r:id="rId12"/>
+    <p:sldId id="270" r:id="rId13"/>
+    <p:sldId id="259" r:id="rId14"/>
+    <p:sldId id="261" r:id="rId15"/>
+    <p:sldId id="262" r:id="rId16"/>
+    <p:sldId id="263" r:id="rId17"/>
+    <p:sldId id="271" r:id="rId18"/>
+    <p:sldId id="265" r:id="rId19"/>
   </p:sldIdLst>
   <p:sldSz cx="12188825" cy="6858000"/>
   <p:notesSz cx="6858000" cy="9144000"/>
@@ -403,11 +404,11 @@
         </c:dLbls>
         <c:gapWidth val="164"/>
         <c:overlap val="-35"/>
-        <c:axId val="479190248"/>
-        <c:axId val="479196520"/>
+        <c:axId val="577110552"/>
+        <c:axId val="577107024"/>
       </c:barChart>
       <c:catAx>
-        <c:axId val="479190248"/>
+        <c:axId val="577110552"/>
         <c:scaling>
           <c:orientation val="minMax"/>
         </c:scaling>
@@ -444,7 +445,7 @@
             <a:endParaRPr lang="en-US"/>
           </a:p>
         </c:txPr>
-        <c:crossAx val="479196520"/>
+        <c:crossAx val="577107024"/>
         <c:crosses val="autoZero"/>
         <c:auto val="1"/>
         <c:lblAlgn val="ctr"/>
@@ -452,7 +453,7 @@
         <c:noMultiLvlLbl val="0"/>
       </c:catAx>
       <c:valAx>
-        <c:axId val="479196520"/>
+        <c:axId val="577107024"/>
         <c:scaling>
           <c:orientation val="minMax"/>
         </c:scaling>
@@ -489,7 +490,7 @@
             <a:endParaRPr lang="en-US"/>
           </a:p>
         </c:txPr>
-        <c:crossAx val="479190248"/>
+        <c:crossAx val="577110552"/>
         <c:crosses val="autoZero"/>
         <c:crossBetween val="between"/>
       </c:valAx>
@@ -503,7 +504,6 @@
     </c:plotArea>
     <c:legend>
       <c:legendPos val="t"/>
-      <c:layout/>
       <c:overlay val="0"/>
       <c:spPr>
         <a:noFill/>
@@ -2363,461 +2363,6 @@
       <dsp:cNvGrpSpPr/>
     </dsp:nvGrpSpPr>
     <dsp:grpSpPr/>
-    <dsp:sp modelId="{124EF20B-D98C-45B2-BB13-7B93B5373CEB}">
-      <dsp:nvSpPr>
-        <dsp:cNvPr id="0" name=""/>
-        <dsp:cNvSpPr/>
-      </dsp:nvSpPr>
-      <dsp:spPr>
-        <a:xfrm>
-          <a:off x="0" y="0"/>
-          <a:ext cx="4195207" cy="1206817"/>
-        </a:xfrm>
-        <a:prstGeom prst="roundRect">
-          <a:avLst>
-            <a:gd name="adj" fmla="val 10000"/>
-          </a:avLst>
-        </a:prstGeom>
-        <a:gradFill rotWithShape="0">
-          <a:gsLst>
-            <a:gs pos="0">
-              <a:srgbClr val="703000"/>
-            </a:gs>
-            <a:gs pos="50000">
-              <a:srgbClr val="A44A00"/>
-            </a:gs>
-            <a:gs pos="70000">
-              <a:srgbClr val="BC5500"/>
-            </a:gs>
-            <a:gs pos="100000">
-              <a:srgbClr val="F26D00"/>
-            </a:gs>
-          </a:gsLst>
-          <a:path path="circle">
-            <a:fillToRect l="100000" t="100000" r="100000" b="100000"/>
-          </a:path>
-        </a:gradFill>
-        <a:ln>
-          <a:noFill/>
-        </a:ln>
-        <a:effectLst>
-          <a:outerShdw blurRad="38100" dist="25400" dir="2700000" algn="br" rotWithShape="0">
-            <a:srgbClr val="000000">
-              <a:alpha val="60000"/>
-            </a:srgbClr>
-          </a:outerShdw>
-        </a:effectLst>
-      </dsp:spPr>
-      <dsp:style>
-        <a:lnRef idx="0">
-          <a:scrgbClr r="0" g="0" b="0"/>
-        </a:lnRef>
-        <a:fillRef idx="3">
-          <a:scrgbClr r="0" g="0" b="0"/>
-        </a:fillRef>
-        <a:effectRef idx="2">
-          <a:scrgbClr r="0" g="0" b="0"/>
-        </a:effectRef>
-        <a:fontRef idx="minor">
-          <a:schemeClr val="lt1"/>
-        </a:fontRef>
-      </dsp:style>
-      <dsp:txBody>
-        <a:bodyPr spcFirstLastPara="0" vert="horz" wrap="square" lIns="198120" tIns="198120" rIns="198120" bIns="198120" numCol="1" spcCol="1270" anchor="ctr" anchorCtr="0">
-          <a:noAutofit/>
-        </a:bodyPr>
-        <a:lstStyle/>
-        <a:p>
-          <a:pPr lvl="0" algn="l" defTabSz="2311400">
-            <a:lnSpc>
-              <a:spcPct val="90000"/>
-            </a:lnSpc>
-            <a:spcBef>
-              <a:spcPct val="0"/>
-            </a:spcBef>
-            <a:spcAft>
-              <a:spcPct val="35000"/>
-            </a:spcAft>
-          </a:pPr>
-          <a:r>
-            <a:rPr lang="en-US" sz="5200" kern="1200" dirty="0"/>
-            <a:t>Task 1</a:t>
-          </a:r>
-        </a:p>
-      </dsp:txBody>
-      <dsp:txXfrm>
-        <a:off x="35346" y="35346"/>
-        <a:ext cx="2892958" cy="1136125"/>
-      </dsp:txXfrm>
-    </dsp:sp>
-    <dsp:sp modelId="{CA544AF7-F7B2-4CA5-9251-B4CDB8D06634}">
-      <dsp:nvSpPr>
-        <dsp:cNvPr id="0" name=""/>
-        <dsp:cNvSpPr/>
-      </dsp:nvSpPr>
-      <dsp:spPr>
-        <a:xfrm>
-          <a:off x="370165" y="1407953"/>
-          <a:ext cx="4195207" cy="1206817"/>
-        </a:xfrm>
-        <a:prstGeom prst="roundRect">
-          <a:avLst>
-            <a:gd name="adj" fmla="val 10000"/>
-          </a:avLst>
-        </a:prstGeom>
-        <a:gradFill rotWithShape="0">
-          <a:gsLst>
-            <a:gs pos="0">
-              <a:schemeClr val="accent3">
-                <a:hueOff val="0"/>
-                <a:satOff val="0"/>
-                <a:lumOff val="0"/>
-                <a:alphaOff val="0"/>
-                <a:shade val="85000"/>
-                <a:satMod val="130000"/>
-              </a:schemeClr>
-            </a:gs>
-            <a:gs pos="34000">
-              <a:schemeClr val="accent3">
-                <a:hueOff val="0"/>
-                <a:satOff val="0"/>
-                <a:lumOff val="0"/>
-                <a:alphaOff val="0"/>
-                <a:shade val="87000"/>
-                <a:satMod val="125000"/>
-              </a:schemeClr>
-            </a:gs>
-            <a:gs pos="70000">
-              <a:schemeClr val="accent3">
-                <a:hueOff val="0"/>
-                <a:satOff val="0"/>
-                <a:lumOff val="0"/>
-                <a:alphaOff val="0"/>
-                <a:tint val="100000"/>
-                <a:shade val="90000"/>
-                <a:satMod val="130000"/>
-              </a:schemeClr>
-            </a:gs>
-            <a:gs pos="100000">
-              <a:schemeClr val="accent3">
-                <a:hueOff val="0"/>
-                <a:satOff val="0"/>
-                <a:lumOff val="0"/>
-                <a:alphaOff val="0"/>
-                <a:tint val="100000"/>
-                <a:shade val="100000"/>
-                <a:satMod val="110000"/>
-              </a:schemeClr>
-            </a:gs>
-          </a:gsLst>
-          <a:path path="circle">
-            <a:fillToRect l="100000" t="100000" r="100000" b="100000"/>
-          </a:path>
-        </a:gradFill>
-        <a:ln>
-          <a:noFill/>
-        </a:ln>
-        <a:effectLst>
-          <a:outerShdw blurRad="38100" dist="25400" dir="2700000" algn="br" rotWithShape="0">
-            <a:srgbClr val="000000">
-              <a:alpha val="60000"/>
-            </a:srgbClr>
-          </a:outerShdw>
-        </a:effectLst>
-      </dsp:spPr>
-      <dsp:style>
-        <a:lnRef idx="0">
-          <a:scrgbClr r="0" g="0" b="0"/>
-        </a:lnRef>
-        <a:fillRef idx="3">
-          <a:scrgbClr r="0" g="0" b="0"/>
-        </a:fillRef>
-        <a:effectRef idx="2">
-          <a:scrgbClr r="0" g="0" b="0"/>
-        </a:effectRef>
-        <a:fontRef idx="minor">
-          <a:schemeClr val="lt1"/>
-        </a:fontRef>
-      </dsp:style>
-      <dsp:txBody>
-        <a:bodyPr spcFirstLastPara="0" vert="horz" wrap="square" lIns="198120" tIns="198120" rIns="198120" bIns="198120" numCol="1" spcCol="1270" anchor="ctr" anchorCtr="0">
-          <a:noAutofit/>
-        </a:bodyPr>
-        <a:lstStyle/>
-        <a:p>
-          <a:pPr lvl="0" algn="l" defTabSz="2311400">
-            <a:lnSpc>
-              <a:spcPct val="90000"/>
-            </a:lnSpc>
-            <a:spcBef>
-              <a:spcPct val="0"/>
-            </a:spcBef>
-            <a:spcAft>
-              <a:spcPct val="35000"/>
-            </a:spcAft>
-          </a:pPr>
-          <a:r>
-            <a:rPr lang="en-US" sz="5200" kern="1200" dirty="0"/>
-            <a:t>Task 2</a:t>
-          </a:r>
-        </a:p>
-      </dsp:txBody>
-      <dsp:txXfrm>
-        <a:off x="405511" y="1443299"/>
-        <a:ext cx="2969918" cy="1136125"/>
-      </dsp:txXfrm>
-    </dsp:sp>
-    <dsp:sp modelId="{2AE92D3F-F0FA-45DD-BB60-4C6FBC6BC016}">
-      <dsp:nvSpPr>
-        <dsp:cNvPr id="0" name=""/>
-        <dsp:cNvSpPr/>
-      </dsp:nvSpPr>
-      <dsp:spPr>
-        <a:xfrm>
-          <a:off x="740330" y="2815907"/>
-          <a:ext cx="4195207" cy="1206817"/>
-        </a:xfrm>
-        <a:prstGeom prst="roundRect">
-          <a:avLst>
-            <a:gd name="adj" fmla="val 10000"/>
-          </a:avLst>
-        </a:prstGeom>
-        <a:gradFill rotWithShape="0">
-          <a:gsLst>
-            <a:gs pos="0">
-              <a:srgbClr val="394404"/>
-            </a:gs>
-            <a:gs pos="50000">
-              <a:srgbClr val="5F6F0F"/>
-            </a:gs>
-            <a:gs pos="70000">
-              <a:srgbClr val="65741A"/>
-            </a:gs>
-            <a:gs pos="100000">
-              <a:schemeClr val="accent4">
-                <a:hueOff val="0"/>
-                <a:satOff val="0"/>
-                <a:lumOff val="0"/>
-                <a:alphaOff val="0"/>
-                <a:tint val="100000"/>
-                <a:shade val="100000"/>
-                <a:satMod val="155000"/>
-              </a:schemeClr>
-            </a:gs>
-          </a:gsLst>
-          <a:path path="circle">
-            <a:fillToRect l="100000" t="100000" r="100000" b="100000"/>
-          </a:path>
-        </a:gradFill>
-        <a:ln>
-          <a:noFill/>
-        </a:ln>
-        <a:effectLst>
-          <a:outerShdw blurRad="38100" dist="25400" dir="2700000" algn="br" rotWithShape="0">
-            <a:srgbClr val="000000">
-              <a:alpha val="60000"/>
-            </a:srgbClr>
-          </a:outerShdw>
-        </a:effectLst>
-      </dsp:spPr>
-      <dsp:style>
-        <a:lnRef idx="0">
-          <a:scrgbClr r="0" g="0" b="0"/>
-        </a:lnRef>
-        <a:fillRef idx="3">
-          <a:scrgbClr r="0" g="0" b="0"/>
-        </a:fillRef>
-        <a:effectRef idx="2">
-          <a:scrgbClr r="0" g="0" b="0"/>
-        </a:effectRef>
-        <a:fontRef idx="minor">
-          <a:schemeClr val="lt1"/>
-        </a:fontRef>
-      </dsp:style>
-      <dsp:txBody>
-        <a:bodyPr spcFirstLastPara="0" vert="horz" wrap="square" lIns="198120" tIns="198120" rIns="198120" bIns="198120" numCol="1" spcCol="1270" anchor="ctr" anchorCtr="0">
-          <a:noAutofit/>
-        </a:bodyPr>
-        <a:lstStyle/>
-        <a:p>
-          <a:pPr lvl="0" algn="l" defTabSz="2311400">
-            <a:lnSpc>
-              <a:spcPct val="90000"/>
-            </a:lnSpc>
-            <a:spcBef>
-              <a:spcPct val="0"/>
-            </a:spcBef>
-            <a:spcAft>
-              <a:spcPct val="35000"/>
-            </a:spcAft>
-          </a:pPr>
-          <a:r>
-            <a:rPr lang="en-US" sz="5200" kern="1200" dirty="0"/>
-            <a:t>Task 3</a:t>
-          </a:r>
-        </a:p>
-      </dsp:txBody>
-      <dsp:txXfrm>
-        <a:off x="775676" y="2851253"/>
-        <a:ext cx="2969918" cy="1136125"/>
-      </dsp:txXfrm>
-    </dsp:sp>
-    <dsp:sp modelId="{9CA877D8-99F8-40A0-89E9-59A61C9A70F4}">
-      <dsp:nvSpPr>
-        <dsp:cNvPr id="0" name=""/>
-        <dsp:cNvSpPr/>
-      </dsp:nvSpPr>
-      <dsp:spPr>
-        <a:xfrm>
-          <a:off x="3410775" y="915169"/>
-          <a:ext cx="784431" cy="784431"/>
-        </a:xfrm>
-        <a:prstGeom prst="downArrow">
-          <a:avLst>
-            <a:gd name="adj1" fmla="val 55000"/>
-            <a:gd name="adj2" fmla="val 45000"/>
-          </a:avLst>
-        </a:prstGeom>
-        <a:solidFill>
-          <a:schemeClr val="accent2">
-            <a:tint val="40000"/>
-            <a:alpha val="90000"/>
-            <a:hueOff val="0"/>
-            <a:satOff val="0"/>
-            <a:lumOff val="0"/>
-            <a:alphaOff val="0"/>
-          </a:schemeClr>
-        </a:solidFill>
-        <a:ln w="12700" cap="flat" cmpd="sng" algn="ctr">
-          <a:solidFill>
-            <a:schemeClr val="accent2">
-              <a:tint val="40000"/>
-              <a:alpha val="90000"/>
-              <a:hueOff val="0"/>
-              <a:satOff val="0"/>
-              <a:lumOff val="0"/>
-              <a:alphaOff val="0"/>
-            </a:schemeClr>
-          </a:solidFill>
-          <a:prstDash val="solid"/>
-        </a:ln>
-        <a:effectLst/>
-      </dsp:spPr>
-      <dsp:style>
-        <a:lnRef idx="1">
-          <a:scrgbClr r="0" g="0" b="0"/>
-        </a:lnRef>
-        <a:fillRef idx="1">
-          <a:scrgbClr r="0" g="0" b="0"/>
-        </a:fillRef>
-        <a:effectRef idx="0">
-          <a:scrgbClr r="0" g="0" b="0"/>
-        </a:effectRef>
-        <a:fontRef idx="minor"/>
-      </dsp:style>
-      <dsp:txBody>
-        <a:bodyPr spcFirstLastPara="0" vert="horz" wrap="square" lIns="44450" tIns="44450" rIns="44450" bIns="44450" numCol="1" spcCol="1270" anchor="ctr" anchorCtr="0">
-          <a:noAutofit/>
-        </a:bodyPr>
-        <a:lstStyle/>
-        <a:p>
-          <a:pPr lvl="0" algn="ctr" defTabSz="1555750">
-            <a:lnSpc>
-              <a:spcPct val="90000"/>
-            </a:lnSpc>
-            <a:spcBef>
-              <a:spcPct val="0"/>
-            </a:spcBef>
-            <a:spcAft>
-              <a:spcPct val="35000"/>
-            </a:spcAft>
-          </a:pPr>
-          <a:endParaRPr lang="en-US" sz="3500" kern="1200"/>
-        </a:p>
-      </dsp:txBody>
-      <dsp:txXfrm>
-        <a:off x="3587272" y="915169"/>
-        <a:ext cx="431437" cy="590284"/>
-      </dsp:txXfrm>
-    </dsp:sp>
-    <dsp:sp modelId="{62643EF2-016C-41F1-8CBC-398422A85727}">
-      <dsp:nvSpPr>
-        <dsp:cNvPr id="0" name=""/>
-        <dsp:cNvSpPr/>
-      </dsp:nvSpPr>
-      <dsp:spPr>
-        <a:xfrm>
-          <a:off x="3780941" y="2315078"/>
-          <a:ext cx="784431" cy="784431"/>
-        </a:xfrm>
-        <a:prstGeom prst="downArrow">
-          <a:avLst>
-            <a:gd name="adj1" fmla="val 55000"/>
-            <a:gd name="adj2" fmla="val 45000"/>
-          </a:avLst>
-        </a:prstGeom>
-        <a:solidFill>
-          <a:schemeClr val="accent3">
-            <a:tint val="40000"/>
-            <a:alpha val="90000"/>
-            <a:hueOff val="0"/>
-            <a:satOff val="0"/>
-            <a:lumOff val="0"/>
-            <a:alphaOff val="0"/>
-          </a:schemeClr>
-        </a:solidFill>
-        <a:ln w="12700" cap="flat" cmpd="sng" algn="ctr">
-          <a:solidFill>
-            <a:schemeClr val="accent3">
-              <a:tint val="40000"/>
-              <a:alpha val="90000"/>
-              <a:hueOff val="0"/>
-              <a:satOff val="0"/>
-              <a:lumOff val="0"/>
-              <a:alphaOff val="0"/>
-            </a:schemeClr>
-          </a:solidFill>
-          <a:prstDash val="solid"/>
-        </a:ln>
-        <a:effectLst/>
-      </dsp:spPr>
-      <dsp:style>
-        <a:lnRef idx="1">
-          <a:scrgbClr r="0" g="0" b="0"/>
-        </a:lnRef>
-        <a:fillRef idx="1">
-          <a:scrgbClr r="0" g="0" b="0"/>
-        </a:fillRef>
-        <a:effectRef idx="0">
-          <a:scrgbClr r="0" g="0" b="0"/>
-        </a:effectRef>
-        <a:fontRef idx="minor"/>
-      </dsp:style>
-      <dsp:txBody>
-        <a:bodyPr spcFirstLastPara="0" vert="horz" wrap="square" lIns="44450" tIns="44450" rIns="44450" bIns="44450" numCol="1" spcCol="1270" anchor="ctr" anchorCtr="0">
-          <a:noAutofit/>
-        </a:bodyPr>
-        <a:lstStyle/>
-        <a:p>
-          <a:pPr lvl="0" algn="ctr" defTabSz="1555750">
-            <a:lnSpc>
-              <a:spcPct val="90000"/>
-            </a:lnSpc>
-            <a:spcBef>
-              <a:spcPct val="0"/>
-            </a:spcBef>
-            <a:spcAft>
-              <a:spcPct val="35000"/>
-            </a:spcAft>
-          </a:pPr>
-          <a:endParaRPr lang="en-US" sz="3500" kern="1200"/>
-        </a:p>
-      </dsp:txBody>
-      <dsp:txXfrm>
-        <a:off x="3957438" y="2315078"/>
-        <a:ext cx="431437" cy="590284"/>
-      </dsp:txXfrm>
-    </dsp:sp>
   </dsp:spTree>
 </dsp:drawing>
 </file>
@@ -5164,7 +4709,7 @@
           <a:p>
             <a:fld id="{FE5B4EDC-59C0-49C7-8ADA-5A781B329E02}" type="datetimeFigureOut">
               <a:rPr lang="en-US"/>
-              <a:t>3/9/2019</a:t>
+              <a:t>3/16/2019</a:t>
             </a:fld>
             <a:endParaRPr/>
           </a:p>
@@ -5329,7 +4874,7 @@
           <a:p>
             <a:fld id="{F2D8D46A-B586-417D-BFBD-8C8FE0AAF762}" type="datetimeFigureOut">
               <a:rPr lang="en-US"/>
-              <a:t>3/9/2019</a:t>
+              <a:t>3/16/2019</a:t>
             </a:fld>
             <a:endParaRPr/>
           </a:p>
@@ -5661,7 +5206,7 @@
           <a:p>
             <a:fld id="{3EBA5BD7-F043-4D1B-AA17-CD412FC534DE}" type="slidenum">
               <a:rPr lang="en-US" smtClean="0"/>
-              <a:t>8</a:t>
+              <a:t>9</a:t>
             </a:fld>
             <a:endParaRPr lang="en-US"/>
           </a:p>
@@ -5906,7 +5451,7 @@
           <a:p>
             <a:fld id="{F0DFD029-FB74-4578-B929-F66AA97659CA}" type="datetimeFigureOut">
               <a:rPr lang="en-US" smtClean="0"/>
-              <a:t>3/9/2019</a:t>
+              <a:t>3/16/2019</a:t>
             </a:fld>
             <a:endParaRPr lang="en-US"/>
           </a:p>
@@ -6133,7 +5678,7 @@
           <a:p>
             <a:fld id="{F0DFD029-FB74-4578-B929-F66AA97659CA}" type="datetimeFigureOut">
               <a:rPr lang="en-US" smtClean="0"/>
-              <a:t>3/9/2019</a:t>
+              <a:t>3/16/2019</a:t>
             </a:fld>
             <a:endParaRPr lang="en-US"/>
           </a:p>
@@ -6408,7 +5953,7 @@
           <a:p>
             <a:fld id="{F0DFD029-FB74-4578-B929-F66AA97659CA}" type="datetimeFigureOut">
               <a:rPr lang="en-US" smtClean="0"/>
-              <a:t>3/9/2019</a:t>
+              <a:t>3/16/2019</a:t>
             </a:fld>
             <a:endParaRPr lang="en-US"/>
           </a:p>
@@ -6601,7 +6146,7 @@
           <a:p>
             <a:fld id="{F0DFD029-FB74-4578-B929-F66AA97659CA}" type="datetimeFigureOut">
               <a:rPr lang="en-US" smtClean="0"/>
-              <a:t>3/9/2019</a:t>
+              <a:t>3/16/2019</a:t>
             </a:fld>
             <a:endParaRPr lang="en-US"/>
           </a:p>
@@ -6963,7 +6508,7 @@
           <a:p>
             <a:fld id="{F0DFD029-FB74-4578-B929-F66AA97659CA}" type="datetimeFigureOut">
               <a:rPr lang="en-US" smtClean="0"/>
-              <a:t>3/9/2019</a:t>
+              <a:t>3/16/2019</a:t>
             </a:fld>
             <a:endParaRPr lang="en-US"/>
           </a:p>
@@ -7257,7 +6802,7 @@
           <a:p>
             <a:fld id="{F0DFD029-FB74-4578-B929-F66AA97659CA}" type="datetimeFigureOut">
               <a:rPr lang="en-US" smtClean="0"/>
-              <a:t>3/9/2019</a:t>
+              <a:t>3/16/2019</a:t>
             </a:fld>
             <a:endParaRPr lang="en-US"/>
           </a:p>
@@ -7655,7 +7200,7 @@
           <a:p>
             <a:fld id="{F0DFD029-FB74-4578-B929-F66AA97659CA}" type="datetimeFigureOut">
               <a:rPr lang="en-US" smtClean="0"/>
-              <a:t>3/9/2019</a:t>
+              <a:t>3/16/2019</a:t>
             </a:fld>
             <a:endParaRPr lang="en-US"/>
           </a:p>
@@ -7792,7 +7337,7 @@
           <a:p>
             <a:fld id="{F0DFD029-FB74-4578-B929-F66AA97659CA}" type="datetimeFigureOut">
               <a:rPr lang="en-US" smtClean="0"/>
-              <a:t>3/9/2019</a:t>
+              <a:t>3/16/2019</a:t>
             </a:fld>
             <a:endParaRPr lang="en-US"/>
           </a:p>
@@ -7982,7 +7527,7 @@
           <a:p>
             <a:fld id="{F0DFD029-FB74-4578-B929-F66AA97659CA}" type="datetimeFigureOut">
               <a:rPr lang="en-US" smtClean="0"/>
-              <a:t>3/9/2019</a:t>
+              <a:t>3/16/2019</a:t>
             </a:fld>
             <a:endParaRPr lang="en-US"/>
           </a:p>
@@ -8355,7 +7900,7 @@
           <a:p>
             <a:fld id="{F0DFD029-FB74-4578-B929-F66AA97659CA}" type="datetimeFigureOut">
               <a:rPr lang="en-US" smtClean="0"/>
-              <a:t>3/9/2019</a:t>
+              <a:t>3/16/2019</a:t>
             </a:fld>
             <a:endParaRPr lang="en-US"/>
           </a:p>
@@ -8756,7 +8301,7 @@
           <a:p>
             <a:fld id="{F0DFD029-FB74-4578-B929-F66AA97659CA}" type="datetimeFigureOut">
               <a:rPr lang="en-US" smtClean="0"/>
-              <a:t>3/9/2019</a:t>
+              <a:t>3/16/2019</a:t>
             </a:fld>
             <a:endParaRPr lang="en-US"/>
           </a:p>
@@ -9063,7 +8608,7 @@
             <a:fld id="{F0DFD029-FB74-4578-B929-F66AA97659CA}" type="datetimeFigureOut">
               <a:rPr lang="en-US" smtClean="0"/>
               <a:pPr/>
-              <a:t>3/9/2019</a:t>
+              <a:t>3/16/2019</a:t>
             </a:fld>
             <a:endParaRPr lang="en-US"/>
           </a:p>
@@ -9814,7 +9359,7 @@
       </p:grpSpPr>
       <p:sp>
         <p:nvSpPr>
-          <p:cNvPr id="7" name="Title 6"/>
+          <p:cNvPr id="4" name="Title 3"/>
           <p:cNvSpPr>
             <a:spLocks noGrp="1"/>
           </p:cNvSpPr>
@@ -9829,14 +9374,14 @@
           <a:p>
             <a:r>
               <a:rPr lang="en-US" dirty="0"/>
-              <a:t>Add a Slide Title - 2</a:t>
+              <a:t>Add a Slide Title - 1</a:t>
             </a:r>
           </a:p>
         </p:txBody>
       </p:sp>
       <p:sp>
         <p:nvSpPr>
-          <p:cNvPr id="8" name="Text Placeholder 7"/>
+          <p:cNvPr id="5" name="Text Placeholder 4"/>
           <p:cNvSpPr>
             <a:spLocks noGrp="1"/>
           </p:cNvSpPr>
@@ -9853,67 +9398,10 @@
           </a:p>
         </p:txBody>
       </p:sp>
-      <p:sp>
-        <p:nvSpPr>
-          <p:cNvPr id="10" name="Content Placeholder 9"/>
-          <p:cNvSpPr>
-            <a:spLocks noGrp="1"/>
-          </p:cNvSpPr>
-          <p:nvPr>
-            <p:ph sz="half" idx="2"/>
-          </p:nvPr>
-        </p:nvSpPr>
-        <p:spPr/>
-        <p:txBody>
-          <a:bodyPr/>
-          <a:lstStyle/>
-          <a:p>
-            <a:endParaRPr lang="en-US" dirty="0"/>
-          </a:p>
-        </p:txBody>
-      </p:sp>
-      <p:sp>
-        <p:nvSpPr>
-          <p:cNvPr id="9" name="Text Placeholder 8"/>
-          <p:cNvSpPr>
-            <a:spLocks noGrp="1"/>
-          </p:cNvSpPr>
-          <p:nvPr>
-            <p:ph type="body" sz="quarter" idx="3"/>
-          </p:nvPr>
-        </p:nvSpPr>
-        <p:spPr/>
-        <p:txBody>
-          <a:bodyPr/>
-          <a:lstStyle/>
-          <a:p>
-            <a:endParaRPr lang="en-US" dirty="0"/>
-          </a:p>
-        </p:txBody>
-      </p:sp>
-      <p:sp>
-        <p:nvSpPr>
-          <p:cNvPr id="11" name="Content Placeholder 10"/>
-          <p:cNvSpPr>
-            <a:spLocks noGrp="1"/>
-          </p:cNvSpPr>
-          <p:nvPr>
-            <p:ph sz="quarter" idx="4"/>
-          </p:nvPr>
-        </p:nvSpPr>
-        <p:spPr/>
-        <p:txBody>
-          <a:bodyPr/>
-          <a:lstStyle/>
-          <a:p>
-            <a:endParaRPr lang="en-US" dirty="0"/>
-          </a:p>
-        </p:txBody>
-      </p:sp>
     </p:spTree>
     <p:extLst>
       <p:ext uri="{BB962C8B-B14F-4D97-AF65-F5344CB8AC3E}">
-        <p14:creationId xmlns:p14="http://schemas.microsoft.com/office/powerpoint/2010/main" val="2672039197"/>
+        <p14:creationId xmlns:p14="http://schemas.microsoft.com/office/powerpoint/2010/main" val="4264977537"/>
       </p:ext>
     </p:extLst>
   </p:cSld>
@@ -9954,6 +9442,146 @@
       </p:grpSpPr>
       <p:sp>
         <p:nvSpPr>
+          <p:cNvPr id="7" name="Title 6"/>
+          <p:cNvSpPr>
+            <a:spLocks noGrp="1"/>
+          </p:cNvSpPr>
+          <p:nvPr>
+            <p:ph type="title"/>
+          </p:nvPr>
+        </p:nvSpPr>
+        <p:spPr/>
+        <p:txBody>
+          <a:bodyPr/>
+          <a:lstStyle/>
+          <a:p>
+            <a:r>
+              <a:rPr lang="en-US" dirty="0"/>
+              <a:t>Add a Slide Title - 2</a:t>
+            </a:r>
+          </a:p>
+        </p:txBody>
+      </p:sp>
+      <p:sp>
+        <p:nvSpPr>
+          <p:cNvPr id="8" name="Text Placeholder 7"/>
+          <p:cNvSpPr>
+            <a:spLocks noGrp="1"/>
+          </p:cNvSpPr>
+          <p:nvPr>
+            <p:ph type="body" idx="1"/>
+          </p:nvPr>
+        </p:nvSpPr>
+        <p:spPr/>
+        <p:txBody>
+          <a:bodyPr/>
+          <a:lstStyle/>
+          <a:p>
+            <a:endParaRPr lang="en-US" dirty="0"/>
+          </a:p>
+        </p:txBody>
+      </p:sp>
+      <p:sp>
+        <p:nvSpPr>
+          <p:cNvPr id="10" name="Content Placeholder 9"/>
+          <p:cNvSpPr>
+            <a:spLocks noGrp="1"/>
+          </p:cNvSpPr>
+          <p:nvPr>
+            <p:ph sz="half" idx="2"/>
+          </p:nvPr>
+        </p:nvSpPr>
+        <p:spPr/>
+        <p:txBody>
+          <a:bodyPr/>
+          <a:lstStyle/>
+          <a:p>
+            <a:endParaRPr lang="en-US" dirty="0"/>
+          </a:p>
+        </p:txBody>
+      </p:sp>
+      <p:sp>
+        <p:nvSpPr>
+          <p:cNvPr id="9" name="Text Placeholder 8"/>
+          <p:cNvSpPr>
+            <a:spLocks noGrp="1"/>
+          </p:cNvSpPr>
+          <p:nvPr>
+            <p:ph type="body" sz="quarter" idx="3"/>
+          </p:nvPr>
+        </p:nvSpPr>
+        <p:spPr/>
+        <p:txBody>
+          <a:bodyPr/>
+          <a:lstStyle/>
+          <a:p>
+            <a:endParaRPr lang="en-US" dirty="0"/>
+          </a:p>
+        </p:txBody>
+      </p:sp>
+      <p:sp>
+        <p:nvSpPr>
+          <p:cNvPr id="11" name="Content Placeholder 10"/>
+          <p:cNvSpPr>
+            <a:spLocks noGrp="1"/>
+          </p:cNvSpPr>
+          <p:nvPr>
+            <p:ph sz="quarter" idx="4"/>
+          </p:nvPr>
+        </p:nvSpPr>
+        <p:spPr/>
+        <p:txBody>
+          <a:bodyPr/>
+          <a:lstStyle/>
+          <a:p>
+            <a:endParaRPr lang="en-US" dirty="0"/>
+          </a:p>
+        </p:txBody>
+      </p:sp>
+    </p:spTree>
+    <p:extLst>
+      <p:ext uri="{BB962C8B-B14F-4D97-AF65-F5344CB8AC3E}">
+        <p14:creationId xmlns:p14="http://schemas.microsoft.com/office/powerpoint/2010/main" val="2672039197"/>
+      </p:ext>
+    </p:extLst>
+  </p:cSld>
+  <p:clrMapOvr>
+    <a:masterClrMapping/>
+  </p:clrMapOvr>
+  <mc:AlternateContent xmlns:mc="http://schemas.openxmlformats.org/markup-compatibility/2006" xmlns:p14="http://schemas.microsoft.com/office/powerpoint/2010/main">
+    <mc:Choice Requires="p14">
+      <p:transition spd="med" p14:dur="700">
+        <p:fade/>
+      </p:transition>
+    </mc:Choice>
+    <mc:Fallback xmlns="">
+      <p:transition spd="med">
+        <p:fade/>
+      </p:transition>
+    </mc:Fallback>
+  </mc:AlternateContent>
+</p:sld>
+</file>
+
+<file path=ppt/slides/slide12.xml><?xml version="1.0" encoding="utf-8"?>
+<p:sld xmlns:a="http://schemas.openxmlformats.org/drawingml/2006/main" xmlns:r="http://schemas.openxmlformats.org/officeDocument/2006/relationships" xmlns:p="http://schemas.openxmlformats.org/presentationml/2006/main">
+  <p:cSld>
+    <p:spTree>
+      <p:nvGrpSpPr>
+        <p:cNvPr id="1" name=""/>
+        <p:cNvGrpSpPr/>
+        <p:nvPr/>
+      </p:nvGrpSpPr>
+      <p:grpSpPr>
+        <a:xfrm>
+          <a:off x="0" y="0"/>
+          <a:ext cx="0" cy="0"/>
+          <a:chOff x="0" y="0"/>
+          <a:chExt cx="0" cy="0"/>
+        </a:xfrm>
+      </p:grpSpPr>
+      <p:sp>
+        <p:nvSpPr>
           <p:cNvPr id="3" name="Title 2"/>
           <p:cNvSpPr>
             <a:spLocks noGrp="1"/>
@@ -9999,7 +9627,7 @@
 </p:sld>
 </file>
 
-<file path=ppt/slides/slide12.xml><?xml version="1.0" encoding="utf-8"?>
+<file path=ppt/slides/slide13.xml><?xml version="1.0" encoding="utf-8"?>
 <p:sld xmlns:a="http://schemas.openxmlformats.org/drawingml/2006/main" xmlns:r="http://schemas.openxmlformats.org/officeDocument/2006/relationships" xmlns:p="http://schemas.openxmlformats.org/presentationml/2006/main">
   <p:cSld>
     <p:spTree>
@@ -10041,7 +9669,7 @@
 </p:sld>
 </file>
 
-<file path=ppt/slides/slide13.xml><?xml version="1.0" encoding="utf-8"?>
+<file path=ppt/slides/slide14.xml><?xml version="1.0" encoding="utf-8"?>
 <p:sld xmlns:a="http://schemas.openxmlformats.org/drawingml/2006/main" xmlns:r="http://schemas.openxmlformats.org/officeDocument/2006/relationships" xmlns:p="http://schemas.openxmlformats.org/presentationml/2006/main">
   <p:cSld>
     <p:spTree>
@@ -10143,7 +9771,7 @@
 </p:sld>
 </file>
 
-<file path=ppt/slides/slide14.xml><?xml version="1.0" encoding="utf-8"?>
+<file path=ppt/slides/slide15.xml><?xml version="1.0" encoding="utf-8"?>
 <p:sld xmlns:a="http://schemas.openxmlformats.org/drawingml/2006/main" xmlns:r="http://schemas.openxmlformats.org/officeDocument/2006/relationships" xmlns:p="http://schemas.openxmlformats.org/presentationml/2006/main">
   <p:cSld>
     <p:spTree>
@@ -10271,18 +9899,10 @@
           <a:lstStyle/>
           <a:p>
             <a:r>
-              <a:rPr lang="en-US" dirty="0" smtClean="0"/>
-              <a:t>What is </a:t>
-            </a:r>
-            <a:r>
-              <a:rPr lang="en-US" dirty="0" err="1" smtClean="0"/>
-              <a:t>RabbitMQ</a:t>
-            </a:r>
-            <a:r>
-              <a:rPr lang="en-US" dirty="0" smtClean="0"/>
-              <a:t>?</a:t>
-            </a:r>
-            <a:endParaRPr lang="en-US" dirty="0"/>
+              <a:rPr lang="en-US" smtClean="0"/>
+              <a:t>Microservice messaging landscape</a:t>
+            </a:r>
+            <a:endParaRPr lang="en-US"/>
           </a:p>
         </p:txBody>
       </p:sp>
@@ -10303,63 +9923,176 @@
           </a:bodyPr>
           <a:lstStyle/>
           <a:p>
-            <a:r>
-              <a:rPr lang="en-US" dirty="0"/>
-              <a:t>AMQP </a:t>
-            </a:r>
-            <a:r>
-              <a:rPr lang="en-US" dirty="0" smtClean="0"/>
-              <a:t>Protocol </a:t>
-            </a:r>
-            <a:r>
-              <a:rPr lang="en-US" dirty="0"/>
-              <a:t>"core" protocol supported by the broker</a:t>
-            </a:r>
-            <a:endParaRPr lang="en-US" dirty="0" smtClean="0"/>
-          </a:p>
-          <a:p>
-            <a:r>
-              <a:rPr lang="en-US" dirty="0" smtClean="0"/>
-              <a:t>Open Source Messaging System</a:t>
-            </a:r>
-          </a:p>
-          <a:p>
-            <a:r>
-              <a:rPr lang="en-US" dirty="0" smtClean="0"/>
-              <a:t>Reliability</a:t>
-            </a:r>
-          </a:p>
-          <a:p>
-            <a:r>
-              <a:rPr lang="en-US" dirty="0" smtClean="0"/>
-              <a:t>Routing</a:t>
-            </a:r>
-          </a:p>
-          <a:p>
-            <a:r>
-              <a:rPr lang="en-US" dirty="0" smtClean="0"/>
-              <a:t>Clustering and High Availability</a:t>
-            </a:r>
-          </a:p>
-          <a:p>
-            <a:r>
-              <a:rPr lang="en-US" dirty="0" smtClean="0"/>
-              <a:t>Management UI and API</a:t>
-            </a:r>
-          </a:p>
-          <a:p>
-            <a:r>
-              <a:rPr lang="en-US" dirty="0" smtClean="0"/>
-              <a:t>Client Libraries</a:t>
-            </a:r>
-            <a:endParaRPr lang="en-US" dirty="0"/>
+            <a:pPr marL="0" indent="0">
+              <a:buNone/>
+            </a:pPr>
+            <a:r>
+              <a:rPr lang="en-US" smtClean="0">
+                <a:latin typeface="+mj-lt"/>
+              </a:rPr>
+              <a:t>Historical Context - Control and standardize application integrations.</a:t>
+            </a:r>
+          </a:p>
+          <a:p>
+            <a:pPr>
+              <a:buFont typeface="Arial" panose="020B0604020202020204" pitchFamily="34" charset="0"/>
+              <a:buChar char="•"/>
+            </a:pPr>
+            <a:r>
+              <a:rPr lang="en-US" smtClean="0"/>
+              <a:t> SOA</a:t>
+            </a:r>
+          </a:p>
+          <a:p>
+            <a:pPr>
+              <a:buFont typeface="Arial" panose="020B0604020202020204" pitchFamily="34" charset="0"/>
+              <a:buChar char="•"/>
+            </a:pPr>
+            <a:r>
+              <a:rPr lang="en-US" smtClean="0"/>
+              <a:t> ESB</a:t>
+            </a:r>
+          </a:p>
+          <a:p>
+            <a:pPr>
+              <a:buFont typeface="Arial" panose="020B0604020202020204" pitchFamily="34" charset="0"/>
+              <a:buChar char="•"/>
+            </a:pPr>
+            <a:r>
+              <a:rPr lang="en-US" smtClean="0"/>
+              <a:t> WS-*</a:t>
+            </a:r>
+            <a:endParaRPr lang="en-US"/>
+          </a:p>
+          <a:p>
+            <a:pPr marL="0" indent="0">
+              <a:buNone/>
+            </a:pPr>
+            <a:r>
+              <a:rPr lang="en-US" smtClean="0">
+                <a:latin typeface="+mj-lt"/>
+              </a:rPr>
+              <a:t>Continuing Trends - </a:t>
+            </a:r>
+            <a:r>
+              <a:rPr lang="en-US">
+                <a:latin typeface="+mj-lt"/>
+              </a:rPr>
+              <a:t>D</a:t>
+            </a:r>
+            <a:r>
+              <a:rPr lang="en-US" smtClean="0">
+                <a:latin typeface="+mj-lt"/>
+              </a:rPr>
+              <a:t>ecentralization </a:t>
+            </a:r>
+            <a:r>
+              <a:rPr lang="en-US">
+                <a:latin typeface="+mj-lt"/>
+              </a:rPr>
+              <a:t>and </a:t>
+            </a:r>
+            <a:r>
+              <a:rPr lang="en-US">
+                <a:latin typeface="+mj-lt"/>
+              </a:rPr>
+              <a:t>team </a:t>
+            </a:r>
+            <a:r>
+              <a:rPr lang="en-US" smtClean="0">
+                <a:latin typeface="+mj-lt"/>
+              </a:rPr>
+              <a:t>autonomy. </a:t>
+            </a:r>
+          </a:p>
+          <a:p>
+            <a:pPr>
+              <a:buFont typeface="Arial" panose="020B0604020202020204" pitchFamily="34" charset="0"/>
+              <a:buChar char="•"/>
+            </a:pPr>
+            <a:r>
+              <a:rPr lang="en-US" smtClean="0"/>
+              <a:t> </a:t>
+            </a:r>
+            <a:r>
+              <a:rPr lang="en-US"/>
+              <a:t>I</a:t>
+            </a:r>
+            <a:r>
+              <a:rPr lang="en-US" smtClean="0"/>
+              <a:t>nteractions over </a:t>
+            </a:r>
+            <a:r>
+              <a:rPr lang="en-US"/>
+              <a:t>HTTP or lightweight messaging</a:t>
+            </a:r>
+            <a:endParaRPr lang="en-US" smtClean="0"/>
+          </a:p>
+          <a:p>
+            <a:pPr>
+              <a:buFont typeface="Arial" panose="020B0604020202020204" pitchFamily="34" charset="0"/>
+              <a:buChar char="•"/>
+            </a:pPr>
+            <a:r>
+              <a:rPr lang="en-US" smtClean="0"/>
+              <a:t> Focus </a:t>
+            </a:r>
+            <a:r>
+              <a:rPr lang="en-US"/>
+              <a:t>on the goals, intended benefits and principles </a:t>
+            </a:r>
+            <a:r>
+              <a:rPr lang="en-US"/>
+              <a:t>before </a:t>
+            </a:r>
+            <a:r>
+              <a:rPr lang="en-US" smtClean="0"/>
+              <a:t>technologies</a:t>
+            </a:r>
+          </a:p>
+          <a:p>
+            <a:pPr>
+              <a:buFont typeface="Arial" panose="020B0604020202020204" pitchFamily="34" charset="0"/>
+              <a:buChar char="•"/>
+            </a:pPr>
+            <a:r>
+              <a:rPr lang="en-US" smtClean="0"/>
+              <a:t> Follow development </a:t>
+            </a:r>
+            <a:r>
+              <a:rPr lang="en-US"/>
+              <a:t>patterns observed within </a:t>
+            </a:r>
+            <a:r>
+              <a:rPr lang="en-US"/>
+              <a:t>numerous </a:t>
+            </a:r>
+            <a:r>
+              <a:rPr lang="en-US" smtClean="0"/>
+              <a:t>organizations (</a:t>
+            </a:r>
+            <a:r>
+              <a:rPr lang="en-US" b="1" smtClean="0"/>
+              <a:t>TODO RabbiMQ Examples</a:t>
+            </a:r>
+            <a:r>
+              <a:rPr lang="en-US" smtClean="0"/>
+              <a:t>)</a:t>
+            </a:r>
+            <a:endParaRPr lang="en-US"/>
+          </a:p>
+          <a:p>
+            <a:pPr marL="0" indent="0">
+              <a:buNone/>
+            </a:pPr>
+            <a:endParaRPr lang="en-US"/>
           </a:p>
         </p:txBody>
       </p:sp>
     </p:spTree>
     <p:extLst>
       <p:ext uri="{BB962C8B-B14F-4D97-AF65-F5344CB8AC3E}">
-        <p14:creationId xmlns:p14="http://schemas.microsoft.com/office/powerpoint/2010/main" val="1334477121"/>
+        <p14:creationId xmlns:p14="http://schemas.microsoft.com/office/powerpoint/2010/main" val="2683457971"/>
       </p:ext>
     </p:extLst>
   </p:cSld>
@@ -10415,6 +10148,149 @@
           <a:p>
             <a:r>
               <a:rPr lang="en-US" dirty="0" smtClean="0"/>
+              <a:t>What is </a:t>
+            </a:r>
+            <a:r>
+              <a:rPr lang="en-US" dirty="0" err="1" smtClean="0"/>
+              <a:t>RabbitMQ</a:t>
+            </a:r>
+            <a:r>
+              <a:rPr lang="en-US" dirty="0" smtClean="0"/>
+              <a:t>?</a:t>
+            </a:r>
+            <a:endParaRPr lang="en-US" dirty="0"/>
+          </a:p>
+        </p:txBody>
+      </p:sp>
+      <p:sp>
+        <p:nvSpPr>
+          <p:cNvPr id="3" name="Content Placeholder 2"/>
+          <p:cNvSpPr>
+            <a:spLocks noGrp="1"/>
+          </p:cNvSpPr>
+          <p:nvPr>
+            <p:ph idx="1"/>
+          </p:nvPr>
+        </p:nvSpPr>
+        <p:spPr/>
+        <p:txBody>
+          <a:bodyPr>
+            <a:normAutofit/>
+          </a:bodyPr>
+          <a:lstStyle/>
+          <a:p>
+            <a:r>
+              <a:rPr lang="en-US" dirty="0"/>
+              <a:t>AMQP </a:t>
+            </a:r>
+            <a:r>
+              <a:rPr lang="en-US" dirty="0" smtClean="0"/>
+              <a:t>Protocol </a:t>
+            </a:r>
+            <a:r>
+              <a:rPr lang="en-US" dirty="0"/>
+              <a:t>"core" protocol supported by the broker</a:t>
+            </a:r>
+            <a:endParaRPr lang="en-US" dirty="0" smtClean="0"/>
+          </a:p>
+          <a:p>
+            <a:r>
+              <a:rPr lang="en-US" dirty="0" smtClean="0"/>
+              <a:t>Open Source Messaging System</a:t>
+            </a:r>
+          </a:p>
+          <a:p>
+            <a:r>
+              <a:rPr lang="en-US" dirty="0" smtClean="0"/>
+              <a:t>Reliability</a:t>
+            </a:r>
+          </a:p>
+          <a:p>
+            <a:r>
+              <a:rPr lang="en-US" dirty="0" smtClean="0"/>
+              <a:t>Routing</a:t>
+            </a:r>
+          </a:p>
+          <a:p>
+            <a:r>
+              <a:rPr lang="en-US" dirty="0" smtClean="0"/>
+              <a:t>Clustering and High Availability</a:t>
+            </a:r>
+          </a:p>
+          <a:p>
+            <a:r>
+              <a:rPr lang="en-US" dirty="0" smtClean="0"/>
+              <a:t>Management UI and API</a:t>
+            </a:r>
+          </a:p>
+          <a:p>
+            <a:r>
+              <a:rPr lang="en-US" dirty="0" smtClean="0"/>
+              <a:t>Client Libraries</a:t>
+            </a:r>
+            <a:endParaRPr lang="en-US" dirty="0"/>
+          </a:p>
+        </p:txBody>
+      </p:sp>
+    </p:spTree>
+    <p:extLst>
+      <p:ext uri="{BB962C8B-B14F-4D97-AF65-F5344CB8AC3E}">
+        <p14:creationId xmlns:p14="http://schemas.microsoft.com/office/powerpoint/2010/main" val="1334477121"/>
+      </p:ext>
+    </p:extLst>
+  </p:cSld>
+  <p:clrMapOvr>
+    <a:masterClrMapping/>
+  </p:clrMapOvr>
+  <mc:AlternateContent xmlns:mc="http://schemas.openxmlformats.org/markup-compatibility/2006" xmlns:p14="http://schemas.microsoft.com/office/powerpoint/2010/main">
+    <mc:Choice Requires="p14">
+      <p:transition spd="med" p14:dur="700">
+        <p:fade/>
+      </p:transition>
+    </mc:Choice>
+    <mc:Fallback xmlns="">
+      <p:transition spd="med">
+        <p:fade/>
+      </p:transition>
+    </mc:Fallback>
+  </mc:AlternateContent>
+</p:sld>
+</file>
+
+<file path=ppt/slides/slide4.xml><?xml version="1.0" encoding="utf-8"?>
+<p:sld xmlns:a="http://schemas.openxmlformats.org/drawingml/2006/main" xmlns:r="http://schemas.openxmlformats.org/officeDocument/2006/relationships" xmlns:p="http://schemas.openxmlformats.org/presentationml/2006/main">
+  <p:cSld>
+    <p:spTree>
+      <p:nvGrpSpPr>
+        <p:cNvPr id="1" name=""/>
+        <p:cNvGrpSpPr/>
+        <p:nvPr/>
+      </p:nvGrpSpPr>
+      <p:grpSpPr>
+        <a:xfrm>
+          <a:off x="0" y="0"/>
+          <a:ext cx="0" cy="0"/>
+          <a:chOff x="0" y="0"/>
+          <a:chExt cx="0" cy="0"/>
+        </a:xfrm>
+      </p:grpSpPr>
+      <p:sp>
+        <p:nvSpPr>
+          <p:cNvPr id="2" name="Title 1"/>
+          <p:cNvSpPr>
+            <a:spLocks noGrp="1"/>
+          </p:cNvSpPr>
+          <p:nvPr>
+            <p:ph type="title"/>
+          </p:nvPr>
+        </p:nvSpPr>
+        <p:spPr/>
+        <p:txBody>
+          <a:bodyPr/>
+          <a:lstStyle/>
+          <a:p>
+            <a:r>
+              <a:rPr lang="en-US" dirty="0" smtClean="0"/>
               <a:t>What is AMQP? </a:t>
             </a:r>
             <a:endParaRPr lang="en-US" dirty="0"/>
@@ -10543,7 +10419,7 @@
 </p:sld>
 </file>
 
-<file path=ppt/slides/slide4.xml><?xml version="1.0" encoding="utf-8"?>
+<file path=ppt/slides/slide5.xml><?xml version="1.0" encoding="utf-8"?>
 <p:sld xmlns:a="http://schemas.openxmlformats.org/drawingml/2006/main" xmlns:r="http://schemas.openxmlformats.org/officeDocument/2006/relationships" xmlns:p="http://schemas.openxmlformats.org/presentationml/2006/main">
   <p:cSld>
     <p:spTree>
@@ -10957,7 +10833,7 @@
 </p:sld>
 </file>
 
-<file path=ppt/slides/slide5.xml><?xml version="1.0" encoding="utf-8"?>
+<file path=ppt/slides/slide6.xml><?xml version="1.0" encoding="utf-8"?>
 <p:sld xmlns:a="http://schemas.openxmlformats.org/drawingml/2006/main" xmlns:r="http://schemas.openxmlformats.org/officeDocument/2006/relationships" xmlns:p="http://schemas.openxmlformats.org/presentationml/2006/main">
   <p:cSld>
     <p:spTree>
@@ -11277,11 +11153,7 @@
             </a:pPr>
             <a:r>
               <a:rPr lang="en-US" sz="1800" dirty="0" smtClean="0"/>
-              <a:t>Messaging doesn’t need to be hard, it can be boring, and boring is good</a:t>
-            </a:r>
-            <a:r>
-              <a:rPr lang="en-US" sz="1800" dirty="0" smtClean="0"/>
-              <a:t>.</a:t>
+              <a:t>Messaging doesn’t need to be hard, it can be boring, and boring is good.</a:t>
             </a:r>
           </a:p>
           <a:p>
@@ -11310,7 +11182,6 @@
               <a:rPr lang="en-US" sz="1800" dirty="0" smtClean="0"/>
               <a:t>Federation examples</a:t>
             </a:r>
-            <a:endParaRPr lang="en-US" sz="1800" dirty="0" smtClean="0"/>
           </a:p>
           <a:p>
             <a:pPr marL="171450" indent="-171450">
@@ -11346,7 +11217,7 @@
 </p:sld>
 </file>
 
-<file path=ppt/slides/slide6.xml><?xml version="1.0" encoding="utf-8"?>
+<file path=ppt/slides/slide7.xml><?xml version="1.0" encoding="utf-8"?>
 <p:sld xmlns:a="http://schemas.openxmlformats.org/drawingml/2006/main" xmlns:r="http://schemas.openxmlformats.org/officeDocument/2006/relationships" xmlns:p="http://schemas.openxmlformats.org/presentationml/2006/main">
   <p:cSld>
     <p:spTree>
@@ -11435,7 +11306,7 @@
 </p:sld>
 </file>
 
-<file path=ppt/slides/slide7.xml><?xml version="1.0" encoding="utf-8"?>
+<file path=ppt/slides/slide8.xml><?xml version="1.0" encoding="utf-8"?>
 <p:sld xmlns:a="http://schemas.openxmlformats.org/drawingml/2006/main" xmlns:r="http://schemas.openxmlformats.org/officeDocument/2006/relationships" xmlns:p="http://schemas.openxmlformats.org/presentationml/2006/main">
   <p:cSld>
     <p:spTree>
@@ -11537,21 +11408,21 @@
                 <a:gridCol w="1645179">
                   <a:extLst>
                     <a:ext uri="{9D8B030D-6E8A-4147-A177-3AD203B41FA5}">
-                      <a16:colId xmlns="" xmlns:a16="http://schemas.microsoft.com/office/drawing/2014/main" val="20000"/>
+                      <a16:colId xmlns:a16="http://schemas.microsoft.com/office/drawing/2014/main" xmlns="" val="20000"/>
                     </a:ext>
                   </a:extLst>
                 </a:gridCol>
                 <a:gridCol w="1645179">
                   <a:extLst>
                     <a:ext uri="{9D8B030D-6E8A-4147-A177-3AD203B41FA5}">
-                      <a16:colId xmlns="" xmlns:a16="http://schemas.microsoft.com/office/drawing/2014/main" val="20001"/>
+                      <a16:colId xmlns:a16="http://schemas.microsoft.com/office/drawing/2014/main" xmlns="" val="20001"/>
                     </a:ext>
                   </a:extLst>
                 </a:gridCol>
                 <a:gridCol w="1645179">
                   <a:extLst>
                     <a:ext uri="{9D8B030D-6E8A-4147-A177-3AD203B41FA5}">
-                      <a16:colId xmlns="" xmlns:a16="http://schemas.microsoft.com/office/drawing/2014/main" val="20002"/>
+                      <a16:colId xmlns:a16="http://schemas.microsoft.com/office/drawing/2014/main" xmlns="" val="20002"/>
                     </a:ext>
                   </a:extLst>
                 </a:gridCol>
@@ -11612,7 +11483,7 @@
                 </a:tc>
                 <a:extLst>
                   <a:ext uri="{0D108BD9-81ED-4DB2-BD59-A6C34878D82A}">
-                    <a16:rowId xmlns="" xmlns:a16="http://schemas.microsoft.com/office/drawing/2014/main" val="10000"/>
+                    <a16:rowId xmlns:a16="http://schemas.microsoft.com/office/drawing/2014/main" xmlns="" val="10000"/>
                   </a:ext>
                 </a:extLst>
               </a:tr>
@@ -11660,7 +11531,7 @@
                 </a:tc>
                 <a:extLst>
                   <a:ext uri="{0D108BD9-81ED-4DB2-BD59-A6C34878D82A}">
-                    <a16:rowId xmlns="" xmlns:a16="http://schemas.microsoft.com/office/drawing/2014/main" val="10001"/>
+                    <a16:rowId xmlns:a16="http://schemas.microsoft.com/office/drawing/2014/main" xmlns="" val="10001"/>
                   </a:ext>
                 </a:extLst>
               </a:tr>
@@ -11708,7 +11579,7 @@
                 </a:tc>
                 <a:extLst>
                   <a:ext uri="{0D108BD9-81ED-4DB2-BD59-A6C34878D82A}">
-                    <a16:rowId xmlns="" xmlns:a16="http://schemas.microsoft.com/office/drawing/2014/main" val="10002"/>
+                    <a16:rowId xmlns:a16="http://schemas.microsoft.com/office/drawing/2014/main" xmlns="" val="10002"/>
                   </a:ext>
                 </a:extLst>
               </a:tr>
@@ -11756,7 +11627,7 @@
                 </a:tc>
                 <a:extLst>
                   <a:ext uri="{0D108BD9-81ED-4DB2-BD59-A6C34878D82A}">
-                    <a16:rowId xmlns="" xmlns:a16="http://schemas.microsoft.com/office/drawing/2014/main" val="10003"/>
+                    <a16:rowId xmlns:a16="http://schemas.microsoft.com/office/drawing/2014/main" xmlns="" val="10003"/>
                   </a:ext>
                 </a:extLst>
               </a:tr>
@@ -11768,129 +11639,6 @@
     <p:extLst>
       <p:ext uri="{BB962C8B-B14F-4D97-AF65-F5344CB8AC3E}">
         <p14:creationId xmlns:p14="http://schemas.microsoft.com/office/powerpoint/2010/main" val="2341911148"/>
-      </p:ext>
-    </p:extLst>
-  </p:cSld>
-  <p:clrMapOvr>
-    <a:masterClrMapping/>
-  </p:clrMapOvr>
-  <mc:AlternateContent xmlns:mc="http://schemas.openxmlformats.org/markup-compatibility/2006" xmlns:p14="http://schemas.microsoft.com/office/powerpoint/2010/main">
-    <mc:Choice Requires="p14">
-      <p:transition spd="med" p14:dur="700">
-        <p:fade/>
-      </p:transition>
-    </mc:Choice>
-    <mc:Fallback xmlns="">
-      <p:transition spd="med">
-        <p:fade/>
-      </p:transition>
-    </mc:Fallback>
-  </mc:AlternateContent>
-</p:sld>
-</file>
-
-<file path=ppt/slides/slide8.xml><?xml version="1.0" encoding="utf-8"?>
-<p:sld xmlns:a="http://schemas.openxmlformats.org/drawingml/2006/main" xmlns:r="http://schemas.openxmlformats.org/officeDocument/2006/relationships" xmlns:p="http://schemas.openxmlformats.org/presentationml/2006/main">
-  <p:cSld>
-    <p:spTree>
-      <p:nvGrpSpPr>
-        <p:cNvPr id="1" name=""/>
-        <p:cNvGrpSpPr/>
-        <p:nvPr/>
-      </p:nvGrpSpPr>
-      <p:grpSpPr>
-        <a:xfrm>
-          <a:off x="0" y="0"/>
-          <a:ext cx="0" cy="0"/>
-          <a:chOff x="0" y="0"/>
-          <a:chExt cx="0" cy="0"/>
-        </a:xfrm>
-      </p:grpSpPr>
-      <p:sp>
-        <p:nvSpPr>
-          <p:cNvPr id="2" name="Title 1"/>
-          <p:cNvSpPr>
-            <a:spLocks noGrp="1"/>
-          </p:cNvSpPr>
-          <p:nvPr>
-            <p:ph type="title"/>
-          </p:nvPr>
-        </p:nvSpPr>
-        <p:spPr/>
-        <p:txBody>
-          <a:bodyPr/>
-          <a:lstStyle/>
-          <a:p>
-            <a:r>
-              <a:rPr lang="en-US" dirty="0"/>
-              <a:t>Two Content Layout with SmartArt</a:t>
-            </a:r>
-          </a:p>
-        </p:txBody>
-      </p:sp>
-      <p:sp>
-        <p:nvSpPr>
-          <p:cNvPr id="3" name="Content Placeholder 2"/>
-          <p:cNvSpPr>
-            <a:spLocks noGrp="1"/>
-          </p:cNvSpPr>
-          <p:nvPr>
-            <p:ph sz="half" idx="1"/>
-          </p:nvPr>
-        </p:nvSpPr>
-        <p:spPr/>
-        <p:txBody>
-          <a:bodyPr/>
-          <a:lstStyle/>
-          <a:p>
-            <a:r>
-              <a:rPr lang="en-US" dirty="0"/>
-              <a:t>First bullet point here</a:t>
-            </a:r>
-          </a:p>
-          <a:p>
-            <a:r>
-              <a:rPr lang="en-US" dirty="0"/>
-              <a:t>Second bullet point here</a:t>
-            </a:r>
-          </a:p>
-          <a:p>
-            <a:r>
-              <a:rPr lang="en-US" dirty="0"/>
-              <a:t>Third bullet point here</a:t>
-            </a:r>
-          </a:p>
-        </p:txBody>
-      </p:sp>
-      <p:graphicFrame>
-        <p:nvGraphicFramePr>
-          <p:cNvPr id="5" name="Content Placeholder 4" descr="Staggered process showing 3 tasks arranged one below the other and two downward pointing arrows are used to indicate progression from first task to second task and second task to third task."/>
-          <p:cNvGraphicFramePr>
-            <a:graphicFrameLocks noGrp="1"/>
-          </p:cNvGraphicFramePr>
-          <p:nvPr>
-            <p:ph sz="half" idx="2"/>
-            <p:extLst>
-              <p:ext uri="{D42A27DB-BD31-4B8C-83A1-F6EECF244321}">
-                <p14:modId xmlns:p14="http://schemas.microsoft.com/office/powerpoint/2010/main" val="2561100622"/>
-              </p:ext>
-            </p:extLst>
-          </p:nvPr>
-        </p:nvGraphicFramePr>
-        <p:xfrm>
-          <a:off x="6216650" y="1846263"/>
-          <a:ext cx="4935538" cy="4022725"/>
-        </p:xfrm>
-        <a:graphic>
-          <a:graphicData uri="http://schemas.openxmlformats.org/drawingml/2006/diagram">
-            <dgm:relIds xmlns:dgm="http://schemas.openxmlformats.org/drawingml/2006/diagram" xmlns:r="http://schemas.openxmlformats.org/officeDocument/2006/relationships" r:dm="rId3" r:lo="rId4" r:qs="rId5" r:cs="rId6"/>
-          </a:graphicData>
-        </a:graphic>
-      </p:graphicFrame>
-    </p:spTree>
-    <p:extLst>
-      <p:ext uri="{BB962C8B-B14F-4D97-AF65-F5344CB8AC3E}">
-        <p14:creationId xmlns:p14="http://schemas.microsoft.com/office/powerpoint/2010/main" val="4123189245"/>
       </p:ext>
     </p:extLst>
   </p:cSld>
@@ -11931,7 +11679,7 @@
       </p:grpSpPr>
       <p:sp>
         <p:nvSpPr>
-          <p:cNvPr id="4" name="Title 3"/>
+          <p:cNvPr id="2" name="Title 1"/>
           <p:cNvSpPr>
             <a:spLocks noGrp="1"/>
           </p:cNvSpPr>
@@ -11946,19 +11694,19 @@
           <a:p>
             <a:r>
               <a:rPr lang="en-US" dirty="0"/>
-              <a:t>Add a Slide Title - 1</a:t>
+              <a:t>Two Content Layout with SmartArt</a:t>
             </a:r>
           </a:p>
         </p:txBody>
       </p:sp>
       <p:sp>
         <p:nvSpPr>
-          <p:cNvPr id="5" name="Text Placeholder 4"/>
+          <p:cNvPr id="3" name="Content Placeholder 2"/>
           <p:cNvSpPr>
             <a:spLocks noGrp="1"/>
           </p:cNvSpPr>
           <p:nvPr>
-            <p:ph type="body" idx="1"/>
+            <p:ph sz="half" idx="1"/>
           </p:nvPr>
         </p:nvSpPr>
         <p:spPr/>
@@ -11966,14 +11714,54 @@
           <a:bodyPr/>
           <a:lstStyle/>
           <a:p>
-            <a:endParaRPr lang="en-US" dirty="0"/>
+            <a:r>
+              <a:rPr lang="en-US" dirty="0"/>
+              <a:t>First bullet point here</a:t>
+            </a:r>
+          </a:p>
+          <a:p>
+            <a:r>
+              <a:rPr lang="en-US" dirty="0"/>
+              <a:t>Second bullet point here</a:t>
+            </a:r>
+          </a:p>
+          <a:p>
+            <a:r>
+              <a:rPr lang="en-US" dirty="0"/>
+              <a:t>Third bullet point here</a:t>
+            </a:r>
           </a:p>
         </p:txBody>
       </p:sp>
+      <p:graphicFrame>
+        <p:nvGraphicFramePr>
+          <p:cNvPr id="5" name="Content Placeholder 4" descr="Staggered process showing 3 tasks arranged one below the other and two downward pointing arrows are used to indicate progression from first task to second task and second task to third task."/>
+          <p:cNvGraphicFramePr>
+            <a:graphicFrameLocks noGrp="1"/>
+          </p:cNvGraphicFramePr>
+          <p:nvPr>
+            <p:ph sz="half" idx="2"/>
+            <p:extLst>
+              <p:ext uri="{D42A27DB-BD31-4B8C-83A1-F6EECF244321}">
+                <p14:modId xmlns:p14="http://schemas.microsoft.com/office/powerpoint/2010/main" val="2561100622"/>
+              </p:ext>
+            </p:extLst>
+          </p:nvPr>
+        </p:nvGraphicFramePr>
+        <p:xfrm>
+          <a:off x="6216650" y="1846263"/>
+          <a:ext cx="4935538" cy="4022725"/>
+        </p:xfrm>
+        <a:graphic>
+          <a:graphicData uri="http://schemas.openxmlformats.org/drawingml/2006/diagram">
+            <dgm:relIds xmlns:dgm="http://schemas.openxmlformats.org/drawingml/2006/diagram" xmlns:r="http://schemas.openxmlformats.org/officeDocument/2006/relationships" r:dm="rId3" r:lo="rId4" r:qs="rId5" r:cs="rId6"/>
+          </a:graphicData>
+        </a:graphic>
+      </p:graphicFrame>
     </p:spTree>
     <p:extLst>
       <p:ext uri="{BB962C8B-B14F-4D97-AF65-F5344CB8AC3E}">
-        <p14:creationId xmlns:p14="http://schemas.microsoft.com/office/powerpoint/2010/main" val="4264977537"/>
+        <p14:creationId xmlns:p14="http://schemas.microsoft.com/office/powerpoint/2010/main" val="4123189245"/>
       </p:ext>
     </p:extLst>
   </p:cSld>
@@ -12869,15 +12657,6 @@
 </file>
 
 <file path=customXml/item1.xml><?xml version="1.0" encoding="utf-8"?>
-<?mso-contentType ?>
-<FormTemplates xmlns="http://schemas.microsoft.com/sharepoint/v3/contenttype/forms">
-  <Display>DocumentLibraryForm</Display>
-  <Edit>AssetEditForm</Edit>
-  <New>DocumentLibraryForm</New>
-</FormTemplates>
-</file>
-
-<file path=customXml/item2.xml><?xml version="1.0" encoding="utf-8"?>
 <ct:contentTypeSchema xmlns:ct="http://schemas.microsoft.com/office/2006/metadata/contentType" xmlns:ma="http://schemas.microsoft.com/office/2006/metadata/properties/metaAttributes" ct:_="" ma:_="" ma:contentTypeName="TemplateFile" ma:contentTypeID="0x0101006EDDDB5EE6D98C44930B742096920B300400F5B6D36B3EF94B4E9A635CDF2A18F5B8" ma:contentTypeVersion="72" ma:contentTypeDescription="Create a new document." ma:contentTypeScope="" ma:versionID="a23e56308344d904b51738559c3d67c9">
   <xsd:schema xmlns:xsd="http://www.w3.org/2001/XMLSchema" xmlns:xs="http://www.w3.org/2001/XMLSchema" xmlns:p="http://schemas.microsoft.com/office/2006/metadata/properties" xmlns:ns2="4873beb7-5857-4685-be1f-d57550cc96cc" targetNamespace="http://schemas.microsoft.com/office/2006/metadata/properties" ma:root="true" ma:fieldsID="cd0908cc4600e77bf5da051303e00c8d" ns2:_="">
     <xsd:import namespace="4873beb7-5857-4685-be1f-d57550cc96cc"/>
@@ -13917,6 +13696,15 @@
 </ct:contentTypeSchema>
 </file>
 
+<file path=customXml/item2.xml><?xml version="1.0" encoding="utf-8"?>
+<?mso-contentType ?>
+<FormTemplates xmlns="http://schemas.microsoft.com/sharepoint/v3/contenttype/forms">
+  <Display>DocumentLibraryForm</Display>
+  <Edit>AssetEditForm</Edit>
+  <New>DocumentLibraryForm</New>
+</FormTemplates>
+</file>
+
 <file path=customXml/item3.xml><?xml version="1.0" encoding="utf-8"?>
 <p:properties xmlns:p="http://schemas.microsoft.com/office/2006/metadata/properties" xmlns:xsi="http://www.w3.org/2001/XMLSchema-instance" xmlns:pc="http://schemas.microsoft.com/office/infopath/2007/PartnerControls">
   <documentManagement>
@@ -14054,14 +13842,6 @@
 </file>
 
 <file path=customXml/itemProps1.xml><?xml version="1.0" encoding="utf-8"?>
-<ds:datastoreItem xmlns:ds="http://schemas.openxmlformats.org/officeDocument/2006/customXml" ds:itemID="{3836F65B-1B07-41EE-A0E8-BC6EF3855225}">
-  <ds:schemaRefs>
-    <ds:schemaRef ds:uri="http://schemas.microsoft.com/sharepoint/v3/contenttype/forms"/>
-  </ds:schemaRefs>
-</ds:datastoreItem>
-</file>
-
-<file path=customXml/itemProps2.xml><?xml version="1.0" encoding="utf-8"?>
 <ds:datastoreItem xmlns:ds="http://schemas.openxmlformats.org/officeDocument/2006/customXml" ds:itemID="{A09BF4D4-EF60-4196-BFC3-9462D607978C}">
   <ds:schemaRefs>
     <ds:schemaRef ds:uri="http://schemas.microsoft.com/office/2006/metadata/contentType"/>
@@ -14079,16 +13859,24 @@
 </ds:datastoreItem>
 </file>
 
+<file path=customXml/itemProps2.xml><?xml version="1.0" encoding="utf-8"?>
+<ds:datastoreItem xmlns:ds="http://schemas.openxmlformats.org/officeDocument/2006/customXml" ds:itemID="{3836F65B-1B07-41EE-A0E8-BC6EF3855225}">
+  <ds:schemaRefs>
+    <ds:schemaRef ds:uri="http://schemas.microsoft.com/sharepoint/v3/contenttype/forms"/>
+  </ds:schemaRefs>
+</ds:datastoreItem>
+</file>
+
 <file path=customXml/itemProps3.xml><?xml version="1.0" encoding="utf-8"?>
 <ds:datastoreItem xmlns:ds="http://schemas.openxmlformats.org/officeDocument/2006/customXml" ds:itemID="{60C67BEE-D13F-4BD2-98A5-34D8A0977F68}">
   <ds:schemaRefs>
     <ds:schemaRef ds:uri="http://schemas.microsoft.com/office/2006/metadata/properties"/>
+    <ds:schemaRef ds:uri="4873beb7-5857-4685-be1f-d57550cc96cc"/>
+    <ds:schemaRef ds:uri="http://schemas.openxmlformats.org/package/2006/metadata/core-properties"/>
     <ds:schemaRef ds:uri="http://purl.org/dc/terms/"/>
-    <ds:schemaRef ds:uri="http://schemas.openxmlformats.org/package/2006/metadata/core-properties"/>
+    <ds:schemaRef ds:uri="http://schemas.microsoft.com/office/infopath/2007/PartnerControls"/>
     <ds:schemaRef ds:uri="http://schemas.microsoft.com/office/2006/documentManagement/types"/>
-    <ds:schemaRef ds:uri="4873beb7-5857-4685-be1f-d57550cc96cc"/>
     <ds:schemaRef ds:uri="http://purl.org/dc/elements/1.1/"/>
-    <ds:schemaRef ds:uri="http://schemas.microsoft.com/office/infopath/2007/PartnerControls"/>
     <ds:schemaRef ds:uri="http://www.w3.org/XML/1998/namespace"/>
     <ds:schemaRef ds:uri="http://purl.org/dc/dcmitype/"/>
   </ds:schemaRefs>

--- a/Microservice_plumbing_with_RabbitMQ.pptx
+++ b/Microservice_plumbing_with_RabbitMQ.pptx
@@ -5,27 +5,32 @@
     <p:sldMasterId id="2147483702" r:id="rId4"/>
   </p:sldMasterIdLst>
   <p:notesMasterIdLst>
-    <p:notesMasterId r:id="rId20"/>
+    <p:notesMasterId r:id="rId25"/>
   </p:notesMasterIdLst>
   <p:handoutMasterIdLst>
-    <p:handoutMasterId r:id="rId21"/>
+    <p:handoutMasterId r:id="rId26"/>
   </p:handoutMasterIdLst>
   <p:sldIdLst>
     <p:sldId id="257" r:id="rId5"/>
-    <p:sldId id="275" r:id="rId6"/>
-    <p:sldId id="272" r:id="rId7"/>
-    <p:sldId id="273" r:id="rId8"/>
-    <p:sldId id="274" r:id="rId9"/>
-    <p:sldId id="268" r:id="rId10"/>
-    <p:sldId id="267" r:id="rId11"/>
-    <p:sldId id="269" r:id="rId12"/>
-    <p:sldId id="270" r:id="rId13"/>
-    <p:sldId id="259" r:id="rId14"/>
-    <p:sldId id="261" r:id="rId15"/>
-    <p:sldId id="262" r:id="rId16"/>
-    <p:sldId id="263" r:id="rId17"/>
-    <p:sldId id="271" r:id="rId18"/>
-    <p:sldId id="265" r:id="rId19"/>
+    <p:sldId id="277" r:id="rId6"/>
+    <p:sldId id="279" r:id="rId7"/>
+    <p:sldId id="280" r:id="rId8"/>
+    <p:sldId id="278" r:id="rId9"/>
+    <p:sldId id="275" r:id="rId10"/>
+    <p:sldId id="276" r:id="rId11"/>
+    <p:sldId id="272" r:id="rId12"/>
+    <p:sldId id="273" r:id="rId13"/>
+    <p:sldId id="274" r:id="rId14"/>
+    <p:sldId id="268" r:id="rId15"/>
+    <p:sldId id="267" r:id="rId16"/>
+    <p:sldId id="269" r:id="rId17"/>
+    <p:sldId id="270" r:id="rId18"/>
+    <p:sldId id="259" r:id="rId19"/>
+    <p:sldId id="261" r:id="rId20"/>
+    <p:sldId id="262" r:id="rId21"/>
+    <p:sldId id="263" r:id="rId22"/>
+    <p:sldId id="271" r:id="rId23"/>
+    <p:sldId id="265" r:id="rId24"/>
   </p:sldIdLst>
   <p:sldSz cx="12188825" cy="6858000"/>
   <p:notesSz cx="6858000" cy="9144000"/>
@@ -404,11 +409,11 @@
         </c:dLbls>
         <c:gapWidth val="164"/>
         <c:overlap val="-35"/>
-        <c:axId val="577110552"/>
-        <c:axId val="577107024"/>
+        <c:axId val="456503160"/>
+        <c:axId val="456500416"/>
       </c:barChart>
       <c:catAx>
-        <c:axId val="577110552"/>
+        <c:axId val="456503160"/>
         <c:scaling>
           <c:orientation val="minMax"/>
         </c:scaling>
@@ -445,7 +450,7 @@
             <a:endParaRPr lang="en-US"/>
           </a:p>
         </c:txPr>
-        <c:crossAx val="577107024"/>
+        <c:crossAx val="456500416"/>
         <c:crosses val="autoZero"/>
         <c:auto val="1"/>
         <c:lblAlgn val="ctr"/>
@@ -453,7 +458,7 @@
         <c:noMultiLvlLbl val="0"/>
       </c:catAx>
       <c:valAx>
-        <c:axId val="577107024"/>
+        <c:axId val="456500416"/>
         <c:scaling>
           <c:orientation val="minMax"/>
         </c:scaling>
@@ -490,7 +495,7 @@
             <a:endParaRPr lang="en-US"/>
           </a:p>
         </c:txPr>
-        <c:crossAx val="577110552"/>
+        <c:crossAx val="456503160"/>
         <c:crosses val="autoZero"/>
         <c:crossBetween val="between"/>
       </c:valAx>
@@ -504,6 +509,7 @@
     </c:plotArea>
     <c:legend>
       <c:legendPos val="t"/>
+      <c:layout/>
       <c:overlay val="0"/>
       <c:spPr>
         <a:noFill/>
@@ -2363,6 +2369,461 @@
       <dsp:cNvGrpSpPr/>
     </dsp:nvGrpSpPr>
     <dsp:grpSpPr/>
+    <dsp:sp modelId="{124EF20B-D98C-45B2-BB13-7B93B5373CEB}">
+      <dsp:nvSpPr>
+        <dsp:cNvPr id="0" name=""/>
+        <dsp:cNvSpPr/>
+      </dsp:nvSpPr>
+      <dsp:spPr>
+        <a:xfrm>
+          <a:off x="0" y="0"/>
+          <a:ext cx="4195207" cy="1206817"/>
+        </a:xfrm>
+        <a:prstGeom prst="roundRect">
+          <a:avLst>
+            <a:gd name="adj" fmla="val 10000"/>
+          </a:avLst>
+        </a:prstGeom>
+        <a:gradFill rotWithShape="0">
+          <a:gsLst>
+            <a:gs pos="0">
+              <a:srgbClr val="703000"/>
+            </a:gs>
+            <a:gs pos="50000">
+              <a:srgbClr val="A44A00"/>
+            </a:gs>
+            <a:gs pos="70000">
+              <a:srgbClr val="BC5500"/>
+            </a:gs>
+            <a:gs pos="100000">
+              <a:srgbClr val="F26D00"/>
+            </a:gs>
+          </a:gsLst>
+          <a:path path="circle">
+            <a:fillToRect l="100000" t="100000" r="100000" b="100000"/>
+          </a:path>
+        </a:gradFill>
+        <a:ln>
+          <a:noFill/>
+        </a:ln>
+        <a:effectLst>
+          <a:outerShdw blurRad="38100" dist="25400" dir="2700000" algn="br" rotWithShape="0">
+            <a:srgbClr val="000000">
+              <a:alpha val="60000"/>
+            </a:srgbClr>
+          </a:outerShdw>
+        </a:effectLst>
+      </dsp:spPr>
+      <dsp:style>
+        <a:lnRef idx="0">
+          <a:scrgbClr r="0" g="0" b="0"/>
+        </a:lnRef>
+        <a:fillRef idx="3">
+          <a:scrgbClr r="0" g="0" b="0"/>
+        </a:fillRef>
+        <a:effectRef idx="2">
+          <a:scrgbClr r="0" g="0" b="0"/>
+        </a:effectRef>
+        <a:fontRef idx="minor">
+          <a:schemeClr val="lt1"/>
+        </a:fontRef>
+      </dsp:style>
+      <dsp:txBody>
+        <a:bodyPr spcFirstLastPara="0" vert="horz" wrap="square" lIns="198120" tIns="198120" rIns="198120" bIns="198120" numCol="1" spcCol="1270" anchor="ctr" anchorCtr="0">
+          <a:noAutofit/>
+        </a:bodyPr>
+        <a:lstStyle/>
+        <a:p>
+          <a:pPr lvl="0" algn="l" defTabSz="2311400">
+            <a:lnSpc>
+              <a:spcPct val="90000"/>
+            </a:lnSpc>
+            <a:spcBef>
+              <a:spcPct val="0"/>
+            </a:spcBef>
+            <a:spcAft>
+              <a:spcPct val="35000"/>
+            </a:spcAft>
+          </a:pPr>
+          <a:r>
+            <a:rPr lang="en-US" sz="5200" kern="1200" dirty="0"/>
+            <a:t>Task 1</a:t>
+          </a:r>
+        </a:p>
+      </dsp:txBody>
+      <dsp:txXfrm>
+        <a:off x="35346" y="35346"/>
+        <a:ext cx="2892958" cy="1136125"/>
+      </dsp:txXfrm>
+    </dsp:sp>
+    <dsp:sp modelId="{CA544AF7-F7B2-4CA5-9251-B4CDB8D06634}">
+      <dsp:nvSpPr>
+        <dsp:cNvPr id="0" name=""/>
+        <dsp:cNvSpPr/>
+      </dsp:nvSpPr>
+      <dsp:spPr>
+        <a:xfrm>
+          <a:off x="370165" y="1407953"/>
+          <a:ext cx="4195207" cy="1206817"/>
+        </a:xfrm>
+        <a:prstGeom prst="roundRect">
+          <a:avLst>
+            <a:gd name="adj" fmla="val 10000"/>
+          </a:avLst>
+        </a:prstGeom>
+        <a:gradFill rotWithShape="0">
+          <a:gsLst>
+            <a:gs pos="0">
+              <a:schemeClr val="accent3">
+                <a:hueOff val="0"/>
+                <a:satOff val="0"/>
+                <a:lumOff val="0"/>
+                <a:alphaOff val="0"/>
+                <a:shade val="85000"/>
+                <a:satMod val="130000"/>
+              </a:schemeClr>
+            </a:gs>
+            <a:gs pos="34000">
+              <a:schemeClr val="accent3">
+                <a:hueOff val="0"/>
+                <a:satOff val="0"/>
+                <a:lumOff val="0"/>
+                <a:alphaOff val="0"/>
+                <a:shade val="87000"/>
+                <a:satMod val="125000"/>
+              </a:schemeClr>
+            </a:gs>
+            <a:gs pos="70000">
+              <a:schemeClr val="accent3">
+                <a:hueOff val="0"/>
+                <a:satOff val="0"/>
+                <a:lumOff val="0"/>
+                <a:alphaOff val="0"/>
+                <a:tint val="100000"/>
+                <a:shade val="90000"/>
+                <a:satMod val="130000"/>
+              </a:schemeClr>
+            </a:gs>
+            <a:gs pos="100000">
+              <a:schemeClr val="accent3">
+                <a:hueOff val="0"/>
+                <a:satOff val="0"/>
+                <a:lumOff val="0"/>
+                <a:alphaOff val="0"/>
+                <a:tint val="100000"/>
+                <a:shade val="100000"/>
+                <a:satMod val="110000"/>
+              </a:schemeClr>
+            </a:gs>
+          </a:gsLst>
+          <a:path path="circle">
+            <a:fillToRect l="100000" t="100000" r="100000" b="100000"/>
+          </a:path>
+        </a:gradFill>
+        <a:ln>
+          <a:noFill/>
+        </a:ln>
+        <a:effectLst>
+          <a:outerShdw blurRad="38100" dist="25400" dir="2700000" algn="br" rotWithShape="0">
+            <a:srgbClr val="000000">
+              <a:alpha val="60000"/>
+            </a:srgbClr>
+          </a:outerShdw>
+        </a:effectLst>
+      </dsp:spPr>
+      <dsp:style>
+        <a:lnRef idx="0">
+          <a:scrgbClr r="0" g="0" b="0"/>
+        </a:lnRef>
+        <a:fillRef idx="3">
+          <a:scrgbClr r="0" g="0" b="0"/>
+        </a:fillRef>
+        <a:effectRef idx="2">
+          <a:scrgbClr r="0" g="0" b="0"/>
+        </a:effectRef>
+        <a:fontRef idx="minor">
+          <a:schemeClr val="lt1"/>
+        </a:fontRef>
+      </dsp:style>
+      <dsp:txBody>
+        <a:bodyPr spcFirstLastPara="0" vert="horz" wrap="square" lIns="198120" tIns="198120" rIns="198120" bIns="198120" numCol="1" spcCol="1270" anchor="ctr" anchorCtr="0">
+          <a:noAutofit/>
+        </a:bodyPr>
+        <a:lstStyle/>
+        <a:p>
+          <a:pPr lvl="0" algn="l" defTabSz="2311400">
+            <a:lnSpc>
+              <a:spcPct val="90000"/>
+            </a:lnSpc>
+            <a:spcBef>
+              <a:spcPct val="0"/>
+            </a:spcBef>
+            <a:spcAft>
+              <a:spcPct val="35000"/>
+            </a:spcAft>
+          </a:pPr>
+          <a:r>
+            <a:rPr lang="en-US" sz="5200" kern="1200" dirty="0"/>
+            <a:t>Task 2</a:t>
+          </a:r>
+        </a:p>
+      </dsp:txBody>
+      <dsp:txXfrm>
+        <a:off x="405511" y="1443299"/>
+        <a:ext cx="2969918" cy="1136125"/>
+      </dsp:txXfrm>
+    </dsp:sp>
+    <dsp:sp modelId="{2AE92D3F-F0FA-45DD-BB60-4C6FBC6BC016}">
+      <dsp:nvSpPr>
+        <dsp:cNvPr id="0" name=""/>
+        <dsp:cNvSpPr/>
+      </dsp:nvSpPr>
+      <dsp:spPr>
+        <a:xfrm>
+          <a:off x="740330" y="2815907"/>
+          <a:ext cx="4195207" cy="1206817"/>
+        </a:xfrm>
+        <a:prstGeom prst="roundRect">
+          <a:avLst>
+            <a:gd name="adj" fmla="val 10000"/>
+          </a:avLst>
+        </a:prstGeom>
+        <a:gradFill rotWithShape="0">
+          <a:gsLst>
+            <a:gs pos="0">
+              <a:srgbClr val="394404"/>
+            </a:gs>
+            <a:gs pos="50000">
+              <a:srgbClr val="5F6F0F"/>
+            </a:gs>
+            <a:gs pos="70000">
+              <a:srgbClr val="65741A"/>
+            </a:gs>
+            <a:gs pos="100000">
+              <a:schemeClr val="accent4">
+                <a:hueOff val="0"/>
+                <a:satOff val="0"/>
+                <a:lumOff val="0"/>
+                <a:alphaOff val="0"/>
+                <a:tint val="100000"/>
+                <a:shade val="100000"/>
+                <a:satMod val="155000"/>
+              </a:schemeClr>
+            </a:gs>
+          </a:gsLst>
+          <a:path path="circle">
+            <a:fillToRect l="100000" t="100000" r="100000" b="100000"/>
+          </a:path>
+        </a:gradFill>
+        <a:ln>
+          <a:noFill/>
+        </a:ln>
+        <a:effectLst>
+          <a:outerShdw blurRad="38100" dist="25400" dir="2700000" algn="br" rotWithShape="0">
+            <a:srgbClr val="000000">
+              <a:alpha val="60000"/>
+            </a:srgbClr>
+          </a:outerShdw>
+        </a:effectLst>
+      </dsp:spPr>
+      <dsp:style>
+        <a:lnRef idx="0">
+          <a:scrgbClr r="0" g="0" b="0"/>
+        </a:lnRef>
+        <a:fillRef idx="3">
+          <a:scrgbClr r="0" g="0" b="0"/>
+        </a:fillRef>
+        <a:effectRef idx="2">
+          <a:scrgbClr r="0" g="0" b="0"/>
+        </a:effectRef>
+        <a:fontRef idx="minor">
+          <a:schemeClr val="lt1"/>
+        </a:fontRef>
+      </dsp:style>
+      <dsp:txBody>
+        <a:bodyPr spcFirstLastPara="0" vert="horz" wrap="square" lIns="198120" tIns="198120" rIns="198120" bIns="198120" numCol="1" spcCol="1270" anchor="ctr" anchorCtr="0">
+          <a:noAutofit/>
+        </a:bodyPr>
+        <a:lstStyle/>
+        <a:p>
+          <a:pPr lvl="0" algn="l" defTabSz="2311400">
+            <a:lnSpc>
+              <a:spcPct val="90000"/>
+            </a:lnSpc>
+            <a:spcBef>
+              <a:spcPct val="0"/>
+            </a:spcBef>
+            <a:spcAft>
+              <a:spcPct val="35000"/>
+            </a:spcAft>
+          </a:pPr>
+          <a:r>
+            <a:rPr lang="en-US" sz="5200" kern="1200" dirty="0"/>
+            <a:t>Task 3</a:t>
+          </a:r>
+        </a:p>
+      </dsp:txBody>
+      <dsp:txXfrm>
+        <a:off x="775676" y="2851253"/>
+        <a:ext cx="2969918" cy="1136125"/>
+      </dsp:txXfrm>
+    </dsp:sp>
+    <dsp:sp modelId="{9CA877D8-99F8-40A0-89E9-59A61C9A70F4}">
+      <dsp:nvSpPr>
+        <dsp:cNvPr id="0" name=""/>
+        <dsp:cNvSpPr/>
+      </dsp:nvSpPr>
+      <dsp:spPr>
+        <a:xfrm>
+          <a:off x="3410775" y="915169"/>
+          <a:ext cx="784431" cy="784431"/>
+        </a:xfrm>
+        <a:prstGeom prst="downArrow">
+          <a:avLst>
+            <a:gd name="adj1" fmla="val 55000"/>
+            <a:gd name="adj2" fmla="val 45000"/>
+          </a:avLst>
+        </a:prstGeom>
+        <a:solidFill>
+          <a:schemeClr val="accent2">
+            <a:tint val="40000"/>
+            <a:alpha val="90000"/>
+            <a:hueOff val="0"/>
+            <a:satOff val="0"/>
+            <a:lumOff val="0"/>
+            <a:alphaOff val="0"/>
+          </a:schemeClr>
+        </a:solidFill>
+        <a:ln w="12700" cap="flat" cmpd="sng" algn="ctr">
+          <a:solidFill>
+            <a:schemeClr val="accent2">
+              <a:tint val="40000"/>
+              <a:alpha val="90000"/>
+              <a:hueOff val="0"/>
+              <a:satOff val="0"/>
+              <a:lumOff val="0"/>
+              <a:alphaOff val="0"/>
+            </a:schemeClr>
+          </a:solidFill>
+          <a:prstDash val="solid"/>
+        </a:ln>
+        <a:effectLst/>
+      </dsp:spPr>
+      <dsp:style>
+        <a:lnRef idx="1">
+          <a:scrgbClr r="0" g="0" b="0"/>
+        </a:lnRef>
+        <a:fillRef idx="1">
+          <a:scrgbClr r="0" g="0" b="0"/>
+        </a:fillRef>
+        <a:effectRef idx="0">
+          <a:scrgbClr r="0" g="0" b="0"/>
+        </a:effectRef>
+        <a:fontRef idx="minor"/>
+      </dsp:style>
+      <dsp:txBody>
+        <a:bodyPr spcFirstLastPara="0" vert="horz" wrap="square" lIns="44450" tIns="44450" rIns="44450" bIns="44450" numCol="1" spcCol="1270" anchor="ctr" anchorCtr="0">
+          <a:noAutofit/>
+        </a:bodyPr>
+        <a:lstStyle/>
+        <a:p>
+          <a:pPr lvl="0" algn="ctr" defTabSz="1555750">
+            <a:lnSpc>
+              <a:spcPct val="90000"/>
+            </a:lnSpc>
+            <a:spcBef>
+              <a:spcPct val="0"/>
+            </a:spcBef>
+            <a:spcAft>
+              <a:spcPct val="35000"/>
+            </a:spcAft>
+          </a:pPr>
+          <a:endParaRPr lang="en-US" sz="3500" kern="1200"/>
+        </a:p>
+      </dsp:txBody>
+      <dsp:txXfrm>
+        <a:off x="3587272" y="915169"/>
+        <a:ext cx="431437" cy="590284"/>
+      </dsp:txXfrm>
+    </dsp:sp>
+    <dsp:sp modelId="{62643EF2-016C-41F1-8CBC-398422A85727}">
+      <dsp:nvSpPr>
+        <dsp:cNvPr id="0" name=""/>
+        <dsp:cNvSpPr/>
+      </dsp:nvSpPr>
+      <dsp:spPr>
+        <a:xfrm>
+          <a:off x="3780941" y="2315078"/>
+          <a:ext cx="784431" cy="784431"/>
+        </a:xfrm>
+        <a:prstGeom prst="downArrow">
+          <a:avLst>
+            <a:gd name="adj1" fmla="val 55000"/>
+            <a:gd name="adj2" fmla="val 45000"/>
+          </a:avLst>
+        </a:prstGeom>
+        <a:solidFill>
+          <a:schemeClr val="accent3">
+            <a:tint val="40000"/>
+            <a:alpha val="90000"/>
+            <a:hueOff val="0"/>
+            <a:satOff val="0"/>
+            <a:lumOff val="0"/>
+            <a:alphaOff val="0"/>
+          </a:schemeClr>
+        </a:solidFill>
+        <a:ln w="12700" cap="flat" cmpd="sng" algn="ctr">
+          <a:solidFill>
+            <a:schemeClr val="accent3">
+              <a:tint val="40000"/>
+              <a:alpha val="90000"/>
+              <a:hueOff val="0"/>
+              <a:satOff val="0"/>
+              <a:lumOff val="0"/>
+              <a:alphaOff val="0"/>
+            </a:schemeClr>
+          </a:solidFill>
+          <a:prstDash val="solid"/>
+        </a:ln>
+        <a:effectLst/>
+      </dsp:spPr>
+      <dsp:style>
+        <a:lnRef idx="1">
+          <a:scrgbClr r="0" g="0" b="0"/>
+        </a:lnRef>
+        <a:fillRef idx="1">
+          <a:scrgbClr r="0" g="0" b="0"/>
+        </a:fillRef>
+        <a:effectRef idx="0">
+          <a:scrgbClr r="0" g="0" b="0"/>
+        </a:effectRef>
+        <a:fontRef idx="minor"/>
+      </dsp:style>
+      <dsp:txBody>
+        <a:bodyPr spcFirstLastPara="0" vert="horz" wrap="square" lIns="44450" tIns="44450" rIns="44450" bIns="44450" numCol="1" spcCol="1270" anchor="ctr" anchorCtr="0">
+          <a:noAutofit/>
+        </a:bodyPr>
+        <a:lstStyle/>
+        <a:p>
+          <a:pPr lvl="0" algn="ctr" defTabSz="1555750">
+            <a:lnSpc>
+              <a:spcPct val="90000"/>
+            </a:lnSpc>
+            <a:spcBef>
+              <a:spcPct val="0"/>
+            </a:spcBef>
+            <a:spcAft>
+              <a:spcPct val="35000"/>
+            </a:spcAft>
+          </a:pPr>
+          <a:endParaRPr lang="en-US" sz="3500" kern="1200"/>
+        </a:p>
+      </dsp:txBody>
+      <dsp:txXfrm>
+        <a:off x="3957438" y="2315078"/>
+        <a:ext cx="431437" cy="590284"/>
+      </dsp:txXfrm>
+    </dsp:sp>
   </dsp:spTree>
 </dsp:drawing>
 </file>
@@ -4709,7 +5170,7 @@
           <a:p>
             <a:fld id="{FE5B4EDC-59C0-49C7-8ADA-5A781B329E02}" type="datetimeFigureOut">
               <a:rPr lang="en-US"/>
-              <a:t>3/16/2019</a:t>
+              <a:t>3/20/2019</a:t>
             </a:fld>
             <a:endParaRPr/>
           </a:p>
@@ -4874,7 +5335,7 @@
           <a:p>
             <a:fld id="{F2D8D46A-B586-417D-BFBD-8C8FE0AAF762}" type="datetimeFigureOut">
               <a:rPr lang="en-US"/>
-              <a:t>3/16/2019</a:t>
+              <a:t>3/20/2019</a:t>
             </a:fld>
             <a:endParaRPr/>
           </a:p>
@@ -5206,7 +5667,7 @@
           <a:p>
             <a:fld id="{3EBA5BD7-F043-4D1B-AA17-CD412FC534DE}" type="slidenum">
               <a:rPr lang="en-US" smtClean="0"/>
-              <a:t>9</a:t>
+              <a:t>14</a:t>
             </a:fld>
             <a:endParaRPr lang="en-US"/>
           </a:p>
@@ -5451,7 +5912,7 @@
           <a:p>
             <a:fld id="{F0DFD029-FB74-4578-B929-F66AA97659CA}" type="datetimeFigureOut">
               <a:rPr lang="en-US" smtClean="0"/>
-              <a:t>3/16/2019</a:t>
+              <a:t>3/20/2019</a:t>
             </a:fld>
             <a:endParaRPr lang="en-US"/>
           </a:p>
@@ -5678,7 +6139,7 @@
           <a:p>
             <a:fld id="{F0DFD029-FB74-4578-B929-F66AA97659CA}" type="datetimeFigureOut">
               <a:rPr lang="en-US" smtClean="0"/>
-              <a:t>3/16/2019</a:t>
+              <a:t>3/20/2019</a:t>
             </a:fld>
             <a:endParaRPr lang="en-US"/>
           </a:p>
@@ -5953,7 +6414,7 @@
           <a:p>
             <a:fld id="{F0DFD029-FB74-4578-B929-F66AA97659CA}" type="datetimeFigureOut">
               <a:rPr lang="en-US" smtClean="0"/>
-              <a:t>3/16/2019</a:t>
+              <a:t>3/20/2019</a:t>
             </a:fld>
             <a:endParaRPr lang="en-US"/>
           </a:p>
@@ -6146,7 +6607,7 @@
           <a:p>
             <a:fld id="{F0DFD029-FB74-4578-B929-F66AA97659CA}" type="datetimeFigureOut">
               <a:rPr lang="en-US" smtClean="0"/>
-              <a:t>3/16/2019</a:t>
+              <a:t>3/20/2019</a:t>
             </a:fld>
             <a:endParaRPr lang="en-US"/>
           </a:p>
@@ -6508,7 +6969,7 @@
           <a:p>
             <a:fld id="{F0DFD029-FB74-4578-B929-F66AA97659CA}" type="datetimeFigureOut">
               <a:rPr lang="en-US" smtClean="0"/>
-              <a:t>3/16/2019</a:t>
+              <a:t>3/20/2019</a:t>
             </a:fld>
             <a:endParaRPr lang="en-US"/>
           </a:p>
@@ -6802,7 +7263,7 @@
           <a:p>
             <a:fld id="{F0DFD029-FB74-4578-B929-F66AA97659CA}" type="datetimeFigureOut">
               <a:rPr lang="en-US" smtClean="0"/>
-              <a:t>3/16/2019</a:t>
+              <a:t>3/20/2019</a:t>
             </a:fld>
             <a:endParaRPr lang="en-US"/>
           </a:p>
@@ -7200,7 +7661,7 @@
           <a:p>
             <a:fld id="{F0DFD029-FB74-4578-B929-F66AA97659CA}" type="datetimeFigureOut">
               <a:rPr lang="en-US" smtClean="0"/>
-              <a:t>3/16/2019</a:t>
+              <a:t>3/20/2019</a:t>
             </a:fld>
             <a:endParaRPr lang="en-US"/>
           </a:p>
@@ -7337,7 +7798,7 @@
           <a:p>
             <a:fld id="{F0DFD029-FB74-4578-B929-F66AA97659CA}" type="datetimeFigureOut">
               <a:rPr lang="en-US" smtClean="0"/>
-              <a:t>3/16/2019</a:t>
+              <a:t>3/20/2019</a:t>
             </a:fld>
             <a:endParaRPr lang="en-US"/>
           </a:p>
@@ -7527,7 +7988,7 @@
           <a:p>
             <a:fld id="{F0DFD029-FB74-4578-B929-F66AA97659CA}" type="datetimeFigureOut">
               <a:rPr lang="en-US" smtClean="0"/>
-              <a:t>3/16/2019</a:t>
+              <a:t>3/20/2019</a:t>
             </a:fld>
             <a:endParaRPr lang="en-US"/>
           </a:p>
@@ -7900,7 +8361,7 @@
           <a:p>
             <a:fld id="{F0DFD029-FB74-4578-B929-F66AA97659CA}" type="datetimeFigureOut">
               <a:rPr lang="en-US" smtClean="0"/>
-              <a:t>3/16/2019</a:t>
+              <a:t>3/20/2019</a:t>
             </a:fld>
             <a:endParaRPr lang="en-US"/>
           </a:p>
@@ -8301,7 +8762,7 @@
           <a:p>
             <a:fld id="{F0DFD029-FB74-4578-B929-F66AA97659CA}" type="datetimeFigureOut">
               <a:rPr lang="en-US" smtClean="0"/>
-              <a:t>3/16/2019</a:t>
+              <a:t>3/20/2019</a:t>
             </a:fld>
             <a:endParaRPr lang="en-US"/>
           </a:p>
@@ -8608,7 +9069,7 @@
             <a:fld id="{F0DFD029-FB74-4578-B929-F66AA97659CA}" type="datetimeFigureOut">
               <a:rPr lang="en-US" smtClean="0"/>
               <a:pPr/>
-              <a:t>3/16/2019</a:t>
+              <a:t>3/20/2019</a:t>
             </a:fld>
             <a:endParaRPr lang="en-US"/>
           </a:p>
@@ -9359,1085 +9820,6 @@
       </p:grpSpPr>
       <p:sp>
         <p:nvSpPr>
-          <p:cNvPr id="4" name="Title 3"/>
-          <p:cNvSpPr>
-            <a:spLocks noGrp="1"/>
-          </p:cNvSpPr>
-          <p:nvPr>
-            <p:ph type="title"/>
-          </p:nvPr>
-        </p:nvSpPr>
-        <p:spPr/>
-        <p:txBody>
-          <a:bodyPr/>
-          <a:lstStyle/>
-          <a:p>
-            <a:r>
-              <a:rPr lang="en-US" dirty="0"/>
-              <a:t>Add a Slide Title - 1</a:t>
-            </a:r>
-          </a:p>
-        </p:txBody>
-      </p:sp>
-      <p:sp>
-        <p:nvSpPr>
-          <p:cNvPr id="5" name="Text Placeholder 4"/>
-          <p:cNvSpPr>
-            <a:spLocks noGrp="1"/>
-          </p:cNvSpPr>
-          <p:nvPr>
-            <p:ph type="body" idx="1"/>
-          </p:nvPr>
-        </p:nvSpPr>
-        <p:spPr/>
-        <p:txBody>
-          <a:bodyPr/>
-          <a:lstStyle/>
-          <a:p>
-            <a:endParaRPr lang="en-US" dirty="0"/>
-          </a:p>
-        </p:txBody>
-      </p:sp>
-    </p:spTree>
-    <p:extLst>
-      <p:ext uri="{BB962C8B-B14F-4D97-AF65-F5344CB8AC3E}">
-        <p14:creationId xmlns:p14="http://schemas.microsoft.com/office/powerpoint/2010/main" val="4264977537"/>
-      </p:ext>
-    </p:extLst>
-  </p:cSld>
-  <p:clrMapOvr>
-    <a:masterClrMapping/>
-  </p:clrMapOvr>
-  <mc:AlternateContent xmlns:mc="http://schemas.openxmlformats.org/markup-compatibility/2006" xmlns:p14="http://schemas.microsoft.com/office/powerpoint/2010/main">
-    <mc:Choice Requires="p14">
-      <p:transition spd="med" p14:dur="700">
-        <p:fade/>
-      </p:transition>
-    </mc:Choice>
-    <mc:Fallback xmlns="">
-      <p:transition spd="med">
-        <p:fade/>
-      </p:transition>
-    </mc:Fallback>
-  </mc:AlternateContent>
-</p:sld>
-</file>
-
-<file path=ppt/slides/slide11.xml><?xml version="1.0" encoding="utf-8"?>
-<p:sld xmlns:a="http://schemas.openxmlformats.org/drawingml/2006/main" xmlns:r="http://schemas.openxmlformats.org/officeDocument/2006/relationships" xmlns:p="http://schemas.openxmlformats.org/presentationml/2006/main">
-  <p:cSld>
-    <p:spTree>
-      <p:nvGrpSpPr>
-        <p:cNvPr id="1" name=""/>
-        <p:cNvGrpSpPr/>
-        <p:nvPr/>
-      </p:nvGrpSpPr>
-      <p:grpSpPr>
-        <a:xfrm>
-          <a:off x="0" y="0"/>
-          <a:ext cx="0" cy="0"/>
-          <a:chOff x="0" y="0"/>
-          <a:chExt cx="0" cy="0"/>
-        </a:xfrm>
-      </p:grpSpPr>
-      <p:sp>
-        <p:nvSpPr>
-          <p:cNvPr id="7" name="Title 6"/>
-          <p:cNvSpPr>
-            <a:spLocks noGrp="1"/>
-          </p:cNvSpPr>
-          <p:nvPr>
-            <p:ph type="title"/>
-          </p:nvPr>
-        </p:nvSpPr>
-        <p:spPr/>
-        <p:txBody>
-          <a:bodyPr/>
-          <a:lstStyle/>
-          <a:p>
-            <a:r>
-              <a:rPr lang="en-US" dirty="0"/>
-              <a:t>Add a Slide Title - 2</a:t>
-            </a:r>
-          </a:p>
-        </p:txBody>
-      </p:sp>
-      <p:sp>
-        <p:nvSpPr>
-          <p:cNvPr id="8" name="Text Placeholder 7"/>
-          <p:cNvSpPr>
-            <a:spLocks noGrp="1"/>
-          </p:cNvSpPr>
-          <p:nvPr>
-            <p:ph type="body" idx="1"/>
-          </p:nvPr>
-        </p:nvSpPr>
-        <p:spPr/>
-        <p:txBody>
-          <a:bodyPr/>
-          <a:lstStyle/>
-          <a:p>
-            <a:endParaRPr lang="en-US" dirty="0"/>
-          </a:p>
-        </p:txBody>
-      </p:sp>
-      <p:sp>
-        <p:nvSpPr>
-          <p:cNvPr id="10" name="Content Placeholder 9"/>
-          <p:cNvSpPr>
-            <a:spLocks noGrp="1"/>
-          </p:cNvSpPr>
-          <p:nvPr>
-            <p:ph sz="half" idx="2"/>
-          </p:nvPr>
-        </p:nvSpPr>
-        <p:spPr/>
-        <p:txBody>
-          <a:bodyPr/>
-          <a:lstStyle/>
-          <a:p>
-            <a:endParaRPr lang="en-US" dirty="0"/>
-          </a:p>
-        </p:txBody>
-      </p:sp>
-      <p:sp>
-        <p:nvSpPr>
-          <p:cNvPr id="9" name="Text Placeholder 8"/>
-          <p:cNvSpPr>
-            <a:spLocks noGrp="1"/>
-          </p:cNvSpPr>
-          <p:nvPr>
-            <p:ph type="body" sz="quarter" idx="3"/>
-          </p:nvPr>
-        </p:nvSpPr>
-        <p:spPr/>
-        <p:txBody>
-          <a:bodyPr/>
-          <a:lstStyle/>
-          <a:p>
-            <a:endParaRPr lang="en-US" dirty="0"/>
-          </a:p>
-        </p:txBody>
-      </p:sp>
-      <p:sp>
-        <p:nvSpPr>
-          <p:cNvPr id="11" name="Content Placeholder 10"/>
-          <p:cNvSpPr>
-            <a:spLocks noGrp="1"/>
-          </p:cNvSpPr>
-          <p:nvPr>
-            <p:ph sz="quarter" idx="4"/>
-          </p:nvPr>
-        </p:nvSpPr>
-        <p:spPr/>
-        <p:txBody>
-          <a:bodyPr/>
-          <a:lstStyle/>
-          <a:p>
-            <a:endParaRPr lang="en-US" dirty="0"/>
-          </a:p>
-        </p:txBody>
-      </p:sp>
-    </p:spTree>
-    <p:extLst>
-      <p:ext uri="{BB962C8B-B14F-4D97-AF65-F5344CB8AC3E}">
-        <p14:creationId xmlns:p14="http://schemas.microsoft.com/office/powerpoint/2010/main" val="2672039197"/>
-      </p:ext>
-    </p:extLst>
-  </p:cSld>
-  <p:clrMapOvr>
-    <a:masterClrMapping/>
-  </p:clrMapOvr>
-  <mc:AlternateContent xmlns:mc="http://schemas.openxmlformats.org/markup-compatibility/2006" xmlns:p14="http://schemas.microsoft.com/office/powerpoint/2010/main">
-    <mc:Choice Requires="p14">
-      <p:transition spd="med" p14:dur="700">
-        <p:fade/>
-      </p:transition>
-    </mc:Choice>
-    <mc:Fallback xmlns="">
-      <p:transition spd="med">
-        <p:fade/>
-      </p:transition>
-    </mc:Fallback>
-  </mc:AlternateContent>
-</p:sld>
-</file>
-
-<file path=ppt/slides/slide12.xml><?xml version="1.0" encoding="utf-8"?>
-<p:sld xmlns:a="http://schemas.openxmlformats.org/drawingml/2006/main" xmlns:r="http://schemas.openxmlformats.org/officeDocument/2006/relationships" xmlns:p="http://schemas.openxmlformats.org/presentationml/2006/main">
-  <p:cSld>
-    <p:spTree>
-      <p:nvGrpSpPr>
-        <p:cNvPr id="1" name=""/>
-        <p:cNvGrpSpPr/>
-        <p:nvPr/>
-      </p:nvGrpSpPr>
-      <p:grpSpPr>
-        <a:xfrm>
-          <a:off x="0" y="0"/>
-          <a:ext cx="0" cy="0"/>
-          <a:chOff x="0" y="0"/>
-          <a:chExt cx="0" cy="0"/>
-        </a:xfrm>
-      </p:grpSpPr>
-      <p:sp>
-        <p:nvSpPr>
-          <p:cNvPr id="3" name="Title 2"/>
-          <p:cNvSpPr>
-            <a:spLocks noGrp="1"/>
-          </p:cNvSpPr>
-          <p:nvPr>
-            <p:ph type="title"/>
-          </p:nvPr>
-        </p:nvSpPr>
-        <p:spPr/>
-        <p:txBody>
-          <a:bodyPr/>
-          <a:lstStyle/>
-          <a:p>
-            <a:r>
-              <a:rPr lang="en-US" dirty="0"/>
-              <a:t>Add a Slide Title - 3</a:t>
-            </a:r>
-          </a:p>
-        </p:txBody>
-      </p:sp>
-    </p:spTree>
-    <p:extLst>
-      <p:ext uri="{BB962C8B-B14F-4D97-AF65-F5344CB8AC3E}">
-        <p14:creationId xmlns:p14="http://schemas.microsoft.com/office/powerpoint/2010/main" val="397710800"/>
-      </p:ext>
-    </p:extLst>
-  </p:cSld>
-  <p:clrMapOvr>
-    <a:masterClrMapping/>
-  </p:clrMapOvr>
-  <mc:AlternateContent xmlns:mc="http://schemas.openxmlformats.org/markup-compatibility/2006" xmlns:p14="http://schemas.microsoft.com/office/powerpoint/2010/main">
-    <mc:Choice Requires="p14">
-      <p:transition spd="med" p14:dur="700">
-        <p:fade/>
-      </p:transition>
-    </mc:Choice>
-    <mc:Fallback xmlns="">
-      <p:transition spd="med">
-        <p:fade/>
-      </p:transition>
-    </mc:Fallback>
-  </mc:AlternateContent>
-</p:sld>
-</file>
-
-<file path=ppt/slides/slide13.xml><?xml version="1.0" encoding="utf-8"?>
-<p:sld xmlns:a="http://schemas.openxmlformats.org/drawingml/2006/main" xmlns:r="http://schemas.openxmlformats.org/officeDocument/2006/relationships" xmlns:p="http://schemas.openxmlformats.org/presentationml/2006/main">
-  <p:cSld>
-    <p:spTree>
-      <p:nvGrpSpPr>
-        <p:cNvPr id="1" name=""/>
-        <p:cNvGrpSpPr/>
-        <p:nvPr/>
-      </p:nvGrpSpPr>
-      <p:grpSpPr>
-        <a:xfrm>
-          <a:off x="0" y="0"/>
-          <a:ext cx="0" cy="0"/>
-          <a:chOff x="0" y="0"/>
-          <a:chExt cx="0" cy="0"/>
-        </a:xfrm>
-      </p:grpSpPr>
-    </p:spTree>
-    <p:extLst>
-      <p:ext uri="{BB962C8B-B14F-4D97-AF65-F5344CB8AC3E}">
-        <p14:creationId xmlns:p14="http://schemas.microsoft.com/office/powerpoint/2010/main" val="1405850135"/>
-      </p:ext>
-    </p:extLst>
-  </p:cSld>
-  <p:clrMapOvr>
-    <a:masterClrMapping/>
-  </p:clrMapOvr>
-  <mc:AlternateContent xmlns:mc="http://schemas.openxmlformats.org/markup-compatibility/2006" xmlns:p14="http://schemas.microsoft.com/office/powerpoint/2010/main">
-    <mc:Choice Requires="p14">
-      <p:transition spd="med" p14:dur="700">
-        <p:fade/>
-      </p:transition>
-    </mc:Choice>
-    <mc:Fallback xmlns="">
-      <p:transition spd="med">
-        <p:fade/>
-      </p:transition>
-    </mc:Fallback>
-  </mc:AlternateContent>
-</p:sld>
-</file>
-
-<file path=ppt/slides/slide14.xml><?xml version="1.0" encoding="utf-8"?>
-<p:sld xmlns:a="http://schemas.openxmlformats.org/drawingml/2006/main" xmlns:r="http://schemas.openxmlformats.org/officeDocument/2006/relationships" xmlns:p="http://schemas.openxmlformats.org/presentationml/2006/main">
-  <p:cSld>
-    <p:spTree>
-      <p:nvGrpSpPr>
-        <p:cNvPr id="1" name=""/>
-        <p:cNvGrpSpPr/>
-        <p:nvPr/>
-      </p:nvGrpSpPr>
-      <p:grpSpPr>
-        <a:xfrm>
-          <a:off x="0" y="0"/>
-          <a:ext cx="0" cy="0"/>
-          <a:chOff x="0" y="0"/>
-          <a:chExt cx="0" cy="0"/>
-        </a:xfrm>
-      </p:grpSpPr>
-      <p:sp>
-        <p:nvSpPr>
-          <p:cNvPr id="2" name="Title 1"/>
-          <p:cNvSpPr>
-            <a:spLocks noGrp="1"/>
-          </p:cNvSpPr>
-          <p:nvPr>
-            <p:ph type="title"/>
-          </p:nvPr>
-        </p:nvSpPr>
-        <p:spPr/>
-        <p:txBody>
-          <a:bodyPr/>
-          <a:lstStyle/>
-          <a:p>
-            <a:r>
-              <a:rPr lang="en-US" dirty="0"/>
-              <a:t>Add a Slide Title - 4</a:t>
-            </a:r>
-          </a:p>
-        </p:txBody>
-      </p:sp>
-      <p:sp>
-        <p:nvSpPr>
-          <p:cNvPr id="3" name="Content Placeholder 2"/>
-          <p:cNvSpPr>
-            <a:spLocks noGrp="1"/>
-          </p:cNvSpPr>
-          <p:nvPr>
-            <p:ph idx="1"/>
-          </p:nvPr>
-        </p:nvSpPr>
-        <p:spPr/>
-        <p:txBody>
-          <a:bodyPr/>
-          <a:lstStyle/>
-          <a:p>
-            <a:endParaRPr lang="en-US" dirty="0"/>
-          </a:p>
-        </p:txBody>
-      </p:sp>
-      <p:sp>
-        <p:nvSpPr>
-          <p:cNvPr id="4" name="Text Placeholder 3"/>
-          <p:cNvSpPr>
-            <a:spLocks noGrp="1"/>
-          </p:cNvSpPr>
-          <p:nvPr>
-            <p:ph type="body" sz="half" idx="2"/>
-          </p:nvPr>
-        </p:nvSpPr>
-        <p:spPr/>
-        <p:txBody>
-          <a:bodyPr/>
-          <a:lstStyle/>
-          <a:p>
-            <a:endParaRPr lang="en-US" dirty="0"/>
-          </a:p>
-        </p:txBody>
-      </p:sp>
-    </p:spTree>
-    <p:extLst>
-      <p:ext uri="{BB962C8B-B14F-4D97-AF65-F5344CB8AC3E}">
-        <p14:creationId xmlns:p14="http://schemas.microsoft.com/office/powerpoint/2010/main" val="2319046984"/>
-      </p:ext>
-    </p:extLst>
-  </p:cSld>
-  <p:clrMapOvr>
-    <a:masterClrMapping/>
-  </p:clrMapOvr>
-  <mc:AlternateContent xmlns:mc="http://schemas.openxmlformats.org/markup-compatibility/2006" xmlns:p14="http://schemas.microsoft.com/office/powerpoint/2010/main">
-    <mc:Choice Requires="p14">
-      <p:transition spd="med" p14:dur="700">
-        <p:fade/>
-      </p:transition>
-    </mc:Choice>
-    <mc:Fallback xmlns="">
-      <p:transition spd="med">
-        <p:fade/>
-      </p:transition>
-    </mc:Fallback>
-  </mc:AlternateContent>
-</p:sld>
-</file>
-
-<file path=ppt/slides/slide15.xml><?xml version="1.0" encoding="utf-8"?>
-<p:sld xmlns:a="http://schemas.openxmlformats.org/drawingml/2006/main" xmlns:r="http://schemas.openxmlformats.org/officeDocument/2006/relationships" xmlns:p="http://schemas.openxmlformats.org/presentationml/2006/main">
-  <p:cSld>
-    <p:spTree>
-      <p:nvGrpSpPr>
-        <p:cNvPr id="1" name=""/>
-        <p:cNvGrpSpPr/>
-        <p:nvPr/>
-      </p:nvGrpSpPr>
-      <p:grpSpPr>
-        <a:xfrm>
-          <a:off x="0" y="0"/>
-          <a:ext cx="0" cy="0"/>
-          <a:chOff x="0" y="0"/>
-          <a:chExt cx="0" cy="0"/>
-        </a:xfrm>
-      </p:grpSpPr>
-      <p:sp>
-        <p:nvSpPr>
-          <p:cNvPr id="3" name="Title 2"/>
-          <p:cNvSpPr>
-            <a:spLocks noGrp="1"/>
-          </p:cNvSpPr>
-          <p:nvPr>
-            <p:ph type="title"/>
-          </p:nvPr>
-        </p:nvSpPr>
-        <p:spPr/>
-        <p:txBody>
-          <a:bodyPr/>
-          <a:lstStyle/>
-          <a:p>
-            <a:r>
-              <a:rPr lang="en-US" dirty="0"/>
-              <a:t>Add a Slide Title - 5</a:t>
-            </a:r>
-          </a:p>
-        </p:txBody>
-      </p:sp>
-      <p:sp>
-        <p:nvSpPr>
-          <p:cNvPr id="6" name="Picture Placeholder 5" descr="An empty placeholder to add an image. Click on the placeholder and select the image that you wish to add."/>
-          <p:cNvSpPr>
-            <a:spLocks noGrp="1"/>
-          </p:cNvSpPr>
-          <p:nvPr>
-            <p:ph type="pic" idx="1"/>
-          </p:nvPr>
-        </p:nvSpPr>
-        <p:spPr/>
-      </p:sp>
-      <p:sp>
-        <p:nvSpPr>
-          <p:cNvPr id="5" name="Text Placeholder 4"/>
-          <p:cNvSpPr>
-            <a:spLocks noGrp="1"/>
-          </p:cNvSpPr>
-          <p:nvPr>
-            <p:ph type="body" sz="half" idx="2"/>
-          </p:nvPr>
-        </p:nvSpPr>
-        <p:spPr/>
-        <p:txBody>
-          <a:bodyPr/>
-          <a:lstStyle/>
-          <a:p>
-            <a:endParaRPr lang="en-US" dirty="0"/>
-          </a:p>
-        </p:txBody>
-      </p:sp>
-    </p:spTree>
-    <p:extLst>
-      <p:ext uri="{BB962C8B-B14F-4D97-AF65-F5344CB8AC3E}">
-        <p14:creationId xmlns:p14="http://schemas.microsoft.com/office/powerpoint/2010/main" val="3480339974"/>
-      </p:ext>
-    </p:extLst>
-  </p:cSld>
-  <p:clrMapOvr>
-    <a:masterClrMapping/>
-  </p:clrMapOvr>
-  <mc:AlternateContent xmlns:mc="http://schemas.openxmlformats.org/markup-compatibility/2006" xmlns:p14="http://schemas.microsoft.com/office/powerpoint/2010/main">
-    <mc:Choice Requires="p14">
-      <p:transition spd="med" p14:dur="700">
-        <p:fade/>
-      </p:transition>
-    </mc:Choice>
-    <mc:Fallback xmlns="">
-      <p:transition spd="med">
-        <p:fade/>
-      </p:transition>
-    </mc:Fallback>
-  </mc:AlternateContent>
-</p:sld>
-</file>
-
-<file path=ppt/slides/slide2.xml><?xml version="1.0" encoding="utf-8"?>
-<p:sld xmlns:a="http://schemas.openxmlformats.org/drawingml/2006/main" xmlns:r="http://schemas.openxmlformats.org/officeDocument/2006/relationships" xmlns:p="http://schemas.openxmlformats.org/presentationml/2006/main">
-  <p:cSld>
-    <p:spTree>
-      <p:nvGrpSpPr>
-        <p:cNvPr id="1" name=""/>
-        <p:cNvGrpSpPr/>
-        <p:nvPr/>
-      </p:nvGrpSpPr>
-      <p:grpSpPr>
-        <a:xfrm>
-          <a:off x="0" y="0"/>
-          <a:ext cx="0" cy="0"/>
-          <a:chOff x="0" y="0"/>
-          <a:chExt cx="0" cy="0"/>
-        </a:xfrm>
-      </p:grpSpPr>
-      <p:sp>
-        <p:nvSpPr>
-          <p:cNvPr id="2" name="Title 1"/>
-          <p:cNvSpPr>
-            <a:spLocks noGrp="1"/>
-          </p:cNvSpPr>
-          <p:nvPr>
-            <p:ph type="title"/>
-          </p:nvPr>
-        </p:nvSpPr>
-        <p:spPr/>
-        <p:txBody>
-          <a:bodyPr/>
-          <a:lstStyle/>
-          <a:p>
-            <a:r>
-              <a:rPr lang="en-US" smtClean="0"/>
-              <a:t>Microservice messaging landscape</a:t>
-            </a:r>
-            <a:endParaRPr lang="en-US"/>
-          </a:p>
-        </p:txBody>
-      </p:sp>
-      <p:sp>
-        <p:nvSpPr>
-          <p:cNvPr id="3" name="Content Placeholder 2"/>
-          <p:cNvSpPr>
-            <a:spLocks noGrp="1"/>
-          </p:cNvSpPr>
-          <p:nvPr>
-            <p:ph idx="1"/>
-          </p:nvPr>
-        </p:nvSpPr>
-        <p:spPr/>
-        <p:txBody>
-          <a:bodyPr>
-            <a:normAutofit/>
-          </a:bodyPr>
-          <a:lstStyle/>
-          <a:p>
-            <a:pPr marL="0" indent="0">
-              <a:buNone/>
-            </a:pPr>
-            <a:r>
-              <a:rPr lang="en-US" smtClean="0">
-                <a:latin typeface="+mj-lt"/>
-              </a:rPr>
-              <a:t>Historical Context - Control and standardize application integrations.</a:t>
-            </a:r>
-          </a:p>
-          <a:p>
-            <a:pPr>
-              <a:buFont typeface="Arial" panose="020B0604020202020204" pitchFamily="34" charset="0"/>
-              <a:buChar char="•"/>
-            </a:pPr>
-            <a:r>
-              <a:rPr lang="en-US" smtClean="0"/>
-              <a:t> SOA</a:t>
-            </a:r>
-          </a:p>
-          <a:p>
-            <a:pPr>
-              <a:buFont typeface="Arial" panose="020B0604020202020204" pitchFamily="34" charset="0"/>
-              <a:buChar char="•"/>
-            </a:pPr>
-            <a:r>
-              <a:rPr lang="en-US" smtClean="0"/>
-              <a:t> ESB</a:t>
-            </a:r>
-          </a:p>
-          <a:p>
-            <a:pPr>
-              <a:buFont typeface="Arial" panose="020B0604020202020204" pitchFamily="34" charset="0"/>
-              <a:buChar char="•"/>
-            </a:pPr>
-            <a:r>
-              <a:rPr lang="en-US" smtClean="0"/>
-              <a:t> WS-*</a:t>
-            </a:r>
-            <a:endParaRPr lang="en-US"/>
-          </a:p>
-          <a:p>
-            <a:pPr marL="0" indent="0">
-              <a:buNone/>
-            </a:pPr>
-            <a:r>
-              <a:rPr lang="en-US" smtClean="0">
-                <a:latin typeface="+mj-lt"/>
-              </a:rPr>
-              <a:t>Continuing Trends - </a:t>
-            </a:r>
-            <a:r>
-              <a:rPr lang="en-US">
-                <a:latin typeface="+mj-lt"/>
-              </a:rPr>
-              <a:t>D</a:t>
-            </a:r>
-            <a:r>
-              <a:rPr lang="en-US" smtClean="0">
-                <a:latin typeface="+mj-lt"/>
-              </a:rPr>
-              <a:t>ecentralization </a:t>
-            </a:r>
-            <a:r>
-              <a:rPr lang="en-US">
-                <a:latin typeface="+mj-lt"/>
-              </a:rPr>
-              <a:t>and </a:t>
-            </a:r>
-            <a:r>
-              <a:rPr lang="en-US">
-                <a:latin typeface="+mj-lt"/>
-              </a:rPr>
-              <a:t>team </a:t>
-            </a:r>
-            <a:r>
-              <a:rPr lang="en-US" smtClean="0">
-                <a:latin typeface="+mj-lt"/>
-              </a:rPr>
-              <a:t>autonomy. </a:t>
-            </a:r>
-          </a:p>
-          <a:p>
-            <a:pPr>
-              <a:buFont typeface="Arial" panose="020B0604020202020204" pitchFamily="34" charset="0"/>
-              <a:buChar char="•"/>
-            </a:pPr>
-            <a:r>
-              <a:rPr lang="en-US" smtClean="0"/>
-              <a:t> </a:t>
-            </a:r>
-            <a:r>
-              <a:rPr lang="en-US"/>
-              <a:t>I</a:t>
-            </a:r>
-            <a:r>
-              <a:rPr lang="en-US" smtClean="0"/>
-              <a:t>nteractions over </a:t>
-            </a:r>
-            <a:r>
-              <a:rPr lang="en-US"/>
-              <a:t>HTTP or lightweight messaging</a:t>
-            </a:r>
-            <a:endParaRPr lang="en-US" smtClean="0"/>
-          </a:p>
-          <a:p>
-            <a:pPr>
-              <a:buFont typeface="Arial" panose="020B0604020202020204" pitchFamily="34" charset="0"/>
-              <a:buChar char="•"/>
-            </a:pPr>
-            <a:r>
-              <a:rPr lang="en-US" smtClean="0"/>
-              <a:t> Focus </a:t>
-            </a:r>
-            <a:r>
-              <a:rPr lang="en-US"/>
-              <a:t>on the goals, intended benefits and principles </a:t>
-            </a:r>
-            <a:r>
-              <a:rPr lang="en-US"/>
-              <a:t>before </a:t>
-            </a:r>
-            <a:r>
-              <a:rPr lang="en-US" smtClean="0"/>
-              <a:t>technologies</a:t>
-            </a:r>
-          </a:p>
-          <a:p>
-            <a:pPr>
-              <a:buFont typeface="Arial" panose="020B0604020202020204" pitchFamily="34" charset="0"/>
-              <a:buChar char="•"/>
-            </a:pPr>
-            <a:r>
-              <a:rPr lang="en-US" smtClean="0"/>
-              <a:t> Follow development </a:t>
-            </a:r>
-            <a:r>
-              <a:rPr lang="en-US"/>
-              <a:t>patterns observed within </a:t>
-            </a:r>
-            <a:r>
-              <a:rPr lang="en-US"/>
-              <a:t>numerous </a:t>
-            </a:r>
-            <a:r>
-              <a:rPr lang="en-US" smtClean="0"/>
-              <a:t>organizations (</a:t>
-            </a:r>
-            <a:r>
-              <a:rPr lang="en-US" b="1" smtClean="0"/>
-              <a:t>TODO RabbiMQ Examples</a:t>
-            </a:r>
-            <a:r>
-              <a:rPr lang="en-US" smtClean="0"/>
-              <a:t>)</a:t>
-            </a:r>
-            <a:endParaRPr lang="en-US"/>
-          </a:p>
-          <a:p>
-            <a:pPr marL="0" indent="0">
-              <a:buNone/>
-            </a:pPr>
-            <a:endParaRPr lang="en-US"/>
-          </a:p>
-        </p:txBody>
-      </p:sp>
-    </p:spTree>
-    <p:extLst>
-      <p:ext uri="{BB962C8B-B14F-4D97-AF65-F5344CB8AC3E}">
-        <p14:creationId xmlns:p14="http://schemas.microsoft.com/office/powerpoint/2010/main" val="2683457971"/>
-      </p:ext>
-    </p:extLst>
-  </p:cSld>
-  <p:clrMapOvr>
-    <a:masterClrMapping/>
-  </p:clrMapOvr>
-  <mc:AlternateContent xmlns:mc="http://schemas.openxmlformats.org/markup-compatibility/2006" xmlns:p14="http://schemas.microsoft.com/office/powerpoint/2010/main">
-    <mc:Choice Requires="p14">
-      <p:transition spd="med" p14:dur="700">
-        <p:fade/>
-      </p:transition>
-    </mc:Choice>
-    <mc:Fallback xmlns="">
-      <p:transition spd="med">
-        <p:fade/>
-      </p:transition>
-    </mc:Fallback>
-  </mc:AlternateContent>
-</p:sld>
-</file>
-
-<file path=ppt/slides/slide3.xml><?xml version="1.0" encoding="utf-8"?>
-<p:sld xmlns:a="http://schemas.openxmlformats.org/drawingml/2006/main" xmlns:r="http://schemas.openxmlformats.org/officeDocument/2006/relationships" xmlns:p="http://schemas.openxmlformats.org/presentationml/2006/main">
-  <p:cSld>
-    <p:spTree>
-      <p:nvGrpSpPr>
-        <p:cNvPr id="1" name=""/>
-        <p:cNvGrpSpPr/>
-        <p:nvPr/>
-      </p:nvGrpSpPr>
-      <p:grpSpPr>
-        <a:xfrm>
-          <a:off x="0" y="0"/>
-          <a:ext cx="0" cy="0"/>
-          <a:chOff x="0" y="0"/>
-          <a:chExt cx="0" cy="0"/>
-        </a:xfrm>
-      </p:grpSpPr>
-      <p:sp>
-        <p:nvSpPr>
-          <p:cNvPr id="2" name="Title 1"/>
-          <p:cNvSpPr>
-            <a:spLocks noGrp="1"/>
-          </p:cNvSpPr>
-          <p:nvPr>
-            <p:ph type="title"/>
-          </p:nvPr>
-        </p:nvSpPr>
-        <p:spPr/>
-        <p:txBody>
-          <a:bodyPr/>
-          <a:lstStyle/>
-          <a:p>
-            <a:r>
-              <a:rPr lang="en-US" dirty="0" smtClean="0"/>
-              <a:t>What is </a:t>
-            </a:r>
-            <a:r>
-              <a:rPr lang="en-US" dirty="0" err="1" smtClean="0"/>
-              <a:t>RabbitMQ</a:t>
-            </a:r>
-            <a:r>
-              <a:rPr lang="en-US" dirty="0" smtClean="0"/>
-              <a:t>?</a:t>
-            </a:r>
-            <a:endParaRPr lang="en-US" dirty="0"/>
-          </a:p>
-        </p:txBody>
-      </p:sp>
-      <p:sp>
-        <p:nvSpPr>
-          <p:cNvPr id="3" name="Content Placeholder 2"/>
-          <p:cNvSpPr>
-            <a:spLocks noGrp="1"/>
-          </p:cNvSpPr>
-          <p:nvPr>
-            <p:ph idx="1"/>
-          </p:nvPr>
-        </p:nvSpPr>
-        <p:spPr/>
-        <p:txBody>
-          <a:bodyPr>
-            <a:normAutofit/>
-          </a:bodyPr>
-          <a:lstStyle/>
-          <a:p>
-            <a:r>
-              <a:rPr lang="en-US" dirty="0"/>
-              <a:t>AMQP </a:t>
-            </a:r>
-            <a:r>
-              <a:rPr lang="en-US" dirty="0" smtClean="0"/>
-              <a:t>Protocol </a:t>
-            </a:r>
-            <a:r>
-              <a:rPr lang="en-US" dirty="0"/>
-              <a:t>"core" protocol supported by the broker</a:t>
-            </a:r>
-            <a:endParaRPr lang="en-US" dirty="0" smtClean="0"/>
-          </a:p>
-          <a:p>
-            <a:r>
-              <a:rPr lang="en-US" dirty="0" smtClean="0"/>
-              <a:t>Open Source Messaging System</a:t>
-            </a:r>
-          </a:p>
-          <a:p>
-            <a:r>
-              <a:rPr lang="en-US" dirty="0" smtClean="0"/>
-              <a:t>Reliability</a:t>
-            </a:r>
-          </a:p>
-          <a:p>
-            <a:r>
-              <a:rPr lang="en-US" dirty="0" smtClean="0"/>
-              <a:t>Routing</a:t>
-            </a:r>
-          </a:p>
-          <a:p>
-            <a:r>
-              <a:rPr lang="en-US" dirty="0" smtClean="0"/>
-              <a:t>Clustering and High Availability</a:t>
-            </a:r>
-          </a:p>
-          <a:p>
-            <a:r>
-              <a:rPr lang="en-US" dirty="0" smtClean="0"/>
-              <a:t>Management UI and API</a:t>
-            </a:r>
-          </a:p>
-          <a:p>
-            <a:r>
-              <a:rPr lang="en-US" dirty="0" smtClean="0"/>
-              <a:t>Client Libraries</a:t>
-            </a:r>
-            <a:endParaRPr lang="en-US" dirty="0"/>
-          </a:p>
-        </p:txBody>
-      </p:sp>
-    </p:spTree>
-    <p:extLst>
-      <p:ext uri="{BB962C8B-B14F-4D97-AF65-F5344CB8AC3E}">
-        <p14:creationId xmlns:p14="http://schemas.microsoft.com/office/powerpoint/2010/main" val="1334477121"/>
-      </p:ext>
-    </p:extLst>
-  </p:cSld>
-  <p:clrMapOvr>
-    <a:masterClrMapping/>
-  </p:clrMapOvr>
-  <mc:AlternateContent xmlns:mc="http://schemas.openxmlformats.org/markup-compatibility/2006" xmlns:p14="http://schemas.microsoft.com/office/powerpoint/2010/main">
-    <mc:Choice Requires="p14">
-      <p:transition spd="med" p14:dur="700">
-        <p:fade/>
-      </p:transition>
-    </mc:Choice>
-    <mc:Fallback xmlns="">
-      <p:transition spd="med">
-        <p:fade/>
-      </p:transition>
-    </mc:Fallback>
-  </mc:AlternateContent>
-</p:sld>
-</file>
-
-<file path=ppt/slides/slide4.xml><?xml version="1.0" encoding="utf-8"?>
-<p:sld xmlns:a="http://schemas.openxmlformats.org/drawingml/2006/main" xmlns:r="http://schemas.openxmlformats.org/officeDocument/2006/relationships" xmlns:p="http://schemas.openxmlformats.org/presentationml/2006/main">
-  <p:cSld>
-    <p:spTree>
-      <p:nvGrpSpPr>
-        <p:cNvPr id="1" name=""/>
-        <p:cNvGrpSpPr/>
-        <p:nvPr/>
-      </p:nvGrpSpPr>
-      <p:grpSpPr>
-        <a:xfrm>
-          <a:off x="0" y="0"/>
-          <a:ext cx="0" cy="0"/>
-          <a:chOff x="0" y="0"/>
-          <a:chExt cx="0" cy="0"/>
-        </a:xfrm>
-      </p:grpSpPr>
-      <p:sp>
-        <p:nvSpPr>
-          <p:cNvPr id="2" name="Title 1"/>
-          <p:cNvSpPr>
-            <a:spLocks noGrp="1"/>
-          </p:cNvSpPr>
-          <p:nvPr>
-            <p:ph type="title"/>
-          </p:nvPr>
-        </p:nvSpPr>
-        <p:spPr/>
-        <p:txBody>
-          <a:bodyPr/>
-          <a:lstStyle/>
-          <a:p>
-            <a:r>
-              <a:rPr lang="en-US" dirty="0" smtClean="0"/>
-              <a:t>What is AMQP? </a:t>
-            </a:r>
-            <a:endParaRPr lang="en-US" dirty="0"/>
-          </a:p>
-        </p:txBody>
-      </p:sp>
-      <p:sp>
-        <p:nvSpPr>
-          <p:cNvPr id="3" name="Content Placeholder 2"/>
-          <p:cNvSpPr>
-            <a:spLocks noGrp="1"/>
-          </p:cNvSpPr>
-          <p:nvPr>
-            <p:ph idx="1"/>
-          </p:nvPr>
-        </p:nvSpPr>
-        <p:spPr/>
-        <p:txBody>
-          <a:bodyPr/>
-          <a:lstStyle/>
-          <a:p>
-            <a:r>
-              <a:rPr lang="en-US" dirty="0" smtClean="0"/>
-              <a:t>Advanced Message Queue Protocol</a:t>
-            </a:r>
-          </a:p>
-          <a:p>
-            <a:r>
-              <a:rPr lang="en-US" dirty="0" smtClean="0"/>
-              <a:t>Network protocol to enable client apps to communicate with compatible messaging systems</a:t>
-            </a:r>
-          </a:p>
-          <a:p>
-            <a:r>
-              <a:rPr lang="en-US" dirty="0"/>
-              <a:t>AMQP was designed with the following main characteristics as goals:</a:t>
-            </a:r>
-          </a:p>
-          <a:p>
-            <a:endParaRPr lang="en-US" dirty="0"/>
-          </a:p>
-          <a:p>
-            <a:r>
-              <a:rPr lang="en-US" dirty="0"/>
-              <a:t>Security</a:t>
-            </a:r>
-          </a:p>
-          <a:p>
-            <a:r>
-              <a:rPr lang="en-US" dirty="0"/>
-              <a:t>Reliability</a:t>
-            </a:r>
-          </a:p>
-          <a:p>
-            <a:r>
-              <a:rPr lang="en-US" dirty="0"/>
-              <a:t>Interoperability</a:t>
-            </a:r>
-          </a:p>
-          <a:p>
-            <a:r>
-              <a:rPr lang="en-US" dirty="0"/>
-              <a:t>Standard</a:t>
-            </a:r>
-          </a:p>
-          <a:p>
-            <a:r>
-              <a:rPr lang="en-US" dirty="0"/>
-              <a:t>Open</a:t>
-            </a:r>
-          </a:p>
-          <a:p>
-            <a:endParaRPr lang="en-US" dirty="0" smtClean="0"/>
-          </a:p>
-          <a:p>
-            <a:endParaRPr lang="en-US" dirty="0"/>
-          </a:p>
-        </p:txBody>
-      </p:sp>
-      <p:pic>
-        <p:nvPicPr>
-          <p:cNvPr id="4" name="Content Placeholder 3"/>
-          <p:cNvPicPr>
-            <a:picLocks noChangeAspect="1"/>
-          </p:cNvPicPr>
-          <p:nvPr/>
-        </p:nvPicPr>
-        <p:blipFill>
-          <a:blip r:embed="rId2"/>
-          <a:stretch>
-            <a:fillRect/>
-          </a:stretch>
-        </p:blipFill>
-        <p:spPr>
-          <a:xfrm>
-            <a:off x="3960812" y="3163790"/>
-            <a:ext cx="7085019" cy="2676121"/>
-          </a:xfrm>
-          <a:prstGeom prst="rect">
-            <a:avLst/>
-          </a:prstGeom>
-        </p:spPr>
-      </p:pic>
-    </p:spTree>
-    <p:extLst>
-      <p:ext uri="{BB962C8B-B14F-4D97-AF65-F5344CB8AC3E}">
-        <p14:creationId xmlns:p14="http://schemas.microsoft.com/office/powerpoint/2010/main" val="1749204996"/>
-      </p:ext>
-    </p:extLst>
-  </p:cSld>
-  <p:clrMapOvr>
-    <a:masterClrMapping/>
-  </p:clrMapOvr>
-  <mc:AlternateContent xmlns:mc="http://schemas.openxmlformats.org/markup-compatibility/2006" xmlns:p14="http://schemas.microsoft.com/office/powerpoint/2010/main">
-    <mc:Choice Requires="p14">
-      <p:transition spd="med" p14:dur="700">
-        <p:fade/>
-      </p:transition>
-    </mc:Choice>
-    <mc:Fallback xmlns="">
-      <p:transition spd="med">
-        <p:fade/>
-      </p:transition>
-    </mc:Fallback>
-  </mc:AlternateContent>
-</p:sld>
-</file>
-
-<file path=ppt/slides/slide5.xml><?xml version="1.0" encoding="utf-8"?>
-<p:sld xmlns:a="http://schemas.openxmlformats.org/drawingml/2006/main" xmlns:r="http://schemas.openxmlformats.org/officeDocument/2006/relationships" xmlns:p="http://schemas.openxmlformats.org/presentationml/2006/main">
-  <p:cSld>
-    <p:spTree>
-      <p:nvGrpSpPr>
-        <p:cNvPr id="1" name=""/>
-        <p:cNvGrpSpPr/>
-        <p:nvPr/>
-      </p:nvGrpSpPr>
-      <p:grpSpPr>
-        <a:xfrm>
-          <a:off x="0" y="0"/>
-          <a:ext cx="0" cy="0"/>
-          <a:chOff x="0" y="0"/>
-          <a:chExt cx="0" cy="0"/>
-        </a:xfrm>
-      </p:grpSpPr>
-      <p:sp>
-        <p:nvSpPr>
           <p:cNvPr id="2" name="Title 1"/>
           <p:cNvSpPr>
             <a:spLocks noGrp="1"/>
@@ -10833,7 +10215,7 @@
 </p:sld>
 </file>
 
-<file path=ppt/slides/slide6.xml><?xml version="1.0" encoding="utf-8"?>
+<file path=ppt/slides/slide11.xml><?xml version="1.0" encoding="utf-8"?>
 <p:sld xmlns:a="http://schemas.openxmlformats.org/drawingml/2006/main" xmlns:r="http://schemas.openxmlformats.org/officeDocument/2006/relationships" xmlns:p="http://schemas.openxmlformats.org/presentationml/2006/main">
   <p:cSld>
     <p:spTree>
@@ -11217,7 +10599,7 @@
 </p:sld>
 </file>
 
-<file path=ppt/slides/slide7.xml><?xml version="1.0" encoding="utf-8"?>
+<file path=ppt/slides/slide12.xml><?xml version="1.0" encoding="utf-8"?>
 <p:sld xmlns:a="http://schemas.openxmlformats.org/drawingml/2006/main" xmlns:r="http://schemas.openxmlformats.org/officeDocument/2006/relationships" xmlns:p="http://schemas.openxmlformats.org/presentationml/2006/main">
   <p:cSld>
     <p:spTree>
@@ -11306,7 +10688,7 @@
 </p:sld>
 </file>
 
-<file path=ppt/slides/slide8.xml><?xml version="1.0" encoding="utf-8"?>
+<file path=ppt/slides/slide13.xml><?xml version="1.0" encoding="utf-8"?>
 <p:sld xmlns:a="http://schemas.openxmlformats.org/drawingml/2006/main" xmlns:r="http://schemas.openxmlformats.org/officeDocument/2006/relationships" xmlns:p="http://schemas.openxmlformats.org/presentationml/2006/main">
   <p:cSld>
     <p:spTree>
@@ -11660,6 +11042,1763 @@
 </p:sld>
 </file>
 
+<file path=ppt/slides/slide14.xml><?xml version="1.0" encoding="utf-8"?>
+<p:sld xmlns:a="http://schemas.openxmlformats.org/drawingml/2006/main" xmlns:r="http://schemas.openxmlformats.org/officeDocument/2006/relationships" xmlns:p="http://schemas.openxmlformats.org/presentationml/2006/main">
+  <p:cSld>
+    <p:spTree>
+      <p:nvGrpSpPr>
+        <p:cNvPr id="1" name=""/>
+        <p:cNvGrpSpPr/>
+        <p:nvPr/>
+      </p:nvGrpSpPr>
+      <p:grpSpPr>
+        <a:xfrm>
+          <a:off x="0" y="0"/>
+          <a:ext cx="0" cy="0"/>
+          <a:chOff x="0" y="0"/>
+          <a:chExt cx="0" cy="0"/>
+        </a:xfrm>
+      </p:grpSpPr>
+      <p:sp>
+        <p:nvSpPr>
+          <p:cNvPr id="2" name="Title 1"/>
+          <p:cNvSpPr>
+            <a:spLocks noGrp="1"/>
+          </p:cNvSpPr>
+          <p:nvPr>
+            <p:ph type="title"/>
+          </p:nvPr>
+        </p:nvSpPr>
+        <p:spPr/>
+        <p:txBody>
+          <a:bodyPr/>
+          <a:lstStyle/>
+          <a:p>
+            <a:r>
+              <a:rPr lang="en-US" dirty="0"/>
+              <a:t>Two Content Layout with SmartArt</a:t>
+            </a:r>
+          </a:p>
+        </p:txBody>
+      </p:sp>
+      <p:sp>
+        <p:nvSpPr>
+          <p:cNvPr id="3" name="Content Placeholder 2"/>
+          <p:cNvSpPr>
+            <a:spLocks noGrp="1"/>
+          </p:cNvSpPr>
+          <p:nvPr>
+            <p:ph sz="half" idx="1"/>
+          </p:nvPr>
+        </p:nvSpPr>
+        <p:spPr/>
+        <p:txBody>
+          <a:bodyPr/>
+          <a:lstStyle/>
+          <a:p>
+            <a:r>
+              <a:rPr lang="en-US" dirty="0"/>
+              <a:t>First bullet point here</a:t>
+            </a:r>
+          </a:p>
+          <a:p>
+            <a:r>
+              <a:rPr lang="en-US" dirty="0"/>
+              <a:t>Second bullet point here</a:t>
+            </a:r>
+          </a:p>
+          <a:p>
+            <a:r>
+              <a:rPr lang="en-US" dirty="0"/>
+              <a:t>Third bullet point here</a:t>
+            </a:r>
+          </a:p>
+        </p:txBody>
+      </p:sp>
+      <p:graphicFrame>
+        <p:nvGraphicFramePr>
+          <p:cNvPr id="5" name="Content Placeholder 4" descr="Staggered process showing 3 tasks arranged one below the other and two downward pointing arrows are used to indicate progression from first task to second task and second task to third task."/>
+          <p:cNvGraphicFramePr>
+            <a:graphicFrameLocks noGrp="1"/>
+          </p:cNvGraphicFramePr>
+          <p:nvPr>
+            <p:ph sz="half" idx="2"/>
+            <p:extLst>
+              <p:ext uri="{D42A27DB-BD31-4B8C-83A1-F6EECF244321}">
+                <p14:modId xmlns:p14="http://schemas.microsoft.com/office/powerpoint/2010/main" val="2561100622"/>
+              </p:ext>
+            </p:extLst>
+          </p:nvPr>
+        </p:nvGraphicFramePr>
+        <p:xfrm>
+          <a:off x="6216650" y="1846263"/>
+          <a:ext cx="4935538" cy="4022725"/>
+        </p:xfrm>
+        <a:graphic>
+          <a:graphicData uri="http://schemas.openxmlformats.org/drawingml/2006/diagram">
+            <dgm:relIds xmlns:dgm="http://schemas.openxmlformats.org/drawingml/2006/diagram" xmlns:r="http://schemas.openxmlformats.org/officeDocument/2006/relationships" r:dm="rId3" r:lo="rId4" r:qs="rId5" r:cs="rId6"/>
+          </a:graphicData>
+        </a:graphic>
+      </p:graphicFrame>
+    </p:spTree>
+    <p:extLst>
+      <p:ext uri="{BB962C8B-B14F-4D97-AF65-F5344CB8AC3E}">
+        <p14:creationId xmlns:p14="http://schemas.microsoft.com/office/powerpoint/2010/main" val="4123189245"/>
+      </p:ext>
+    </p:extLst>
+  </p:cSld>
+  <p:clrMapOvr>
+    <a:masterClrMapping/>
+  </p:clrMapOvr>
+  <mc:AlternateContent xmlns:mc="http://schemas.openxmlformats.org/markup-compatibility/2006" xmlns:p14="http://schemas.microsoft.com/office/powerpoint/2010/main">
+    <mc:Choice Requires="p14">
+      <p:transition spd="med" p14:dur="700">
+        <p:fade/>
+      </p:transition>
+    </mc:Choice>
+    <mc:Fallback xmlns="">
+      <p:transition spd="med">
+        <p:fade/>
+      </p:transition>
+    </mc:Fallback>
+  </mc:AlternateContent>
+</p:sld>
+</file>
+
+<file path=ppt/slides/slide15.xml><?xml version="1.0" encoding="utf-8"?>
+<p:sld xmlns:a="http://schemas.openxmlformats.org/drawingml/2006/main" xmlns:r="http://schemas.openxmlformats.org/officeDocument/2006/relationships" xmlns:p="http://schemas.openxmlformats.org/presentationml/2006/main">
+  <p:cSld>
+    <p:spTree>
+      <p:nvGrpSpPr>
+        <p:cNvPr id="1" name=""/>
+        <p:cNvGrpSpPr/>
+        <p:nvPr/>
+      </p:nvGrpSpPr>
+      <p:grpSpPr>
+        <a:xfrm>
+          <a:off x="0" y="0"/>
+          <a:ext cx="0" cy="0"/>
+          <a:chOff x="0" y="0"/>
+          <a:chExt cx="0" cy="0"/>
+        </a:xfrm>
+      </p:grpSpPr>
+      <p:sp>
+        <p:nvSpPr>
+          <p:cNvPr id="4" name="Title 3"/>
+          <p:cNvSpPr>
+            <a:spLocks noGrp="1"/>
+          </p:cNvSpPr>
+          <p:nvPr>
+            <p:ph type="title"/>
+          </p:nvPr>
+        </p:nvSpPr>
+        <p:spPr/>
+        <p:txBody>
+          <a:bodyPr/>
+          <a:lstStyle/>
+          <a:p>
+            <a:r>
+              <a:rPr lang="en-US" dirty="0"/>
+              <a:t>Add a Slide Title - 1</a:t>
+            </a:r>
+          </a:p>
+        </p:txBody>
+      </p:sp>
+      <p:sp>
+        <p:nvSpPr>
+          <p:cNvPr id="5" name="Text Placeholder 4"/>
+          <p:cNvSpPr>
+            <a:spLocks noGrp="1"/>
+          </p:cNvSpPr>
+          <p:nvPr>
+            <p:ph type="body" idx="1"/>
+          </p:nvPr>
+        </p:nvSpPr>
+        <p:spPr/>
+        <p:txBody>
+          <a:bodyPr/>
+          <a:lstStyle/>
+          <a:p>
+            <a:endParaRPr lang="en-US" dirty="0"/>
+          </a:p>
+        </p:txBody>
+      </p:sp>
+    </p:spTree>
+    <p:extLst>
+      <p:ext uri="{BB962C8B-B14F-4D97-AF65-F5344CB8AC3E}">
+        <p14:creationId xmlns:p14="http://schemas.microsoft.com/office/powerpoint/2010/main" val="4264977537"/>
+      </p:ext>
+    </p:extLst>
+  </p:cSld>
+  <p:clrMapOvr>
+    <a:masterClrMapping/>
+  </p:clrMapOvr>
+  <mc:AlternateContent xmlns:mc="http://schemas.openxmlformats.org/markup-compatibility/2006" xmlns:p14="http://schemas.microsoft.com/office/powerpoint/2010/main">
+    <mc:Choice Requires="p14">
+      <p:transition spd="med" p14:dur="700">
+        <p:fade/>
+      </p:transition>
+    </mc:Choice>
+    <mc:Fallback xmlns="">
+      <p:transition spd="med">
+        <p:fade/>
+      </p:transition>
+    </mc:Fallback>
+  </mc:AlternateContent>
+</p:sld>
+</file>
+
+<file path=ppt/slides/slide16.xml><?xml version="1.0" encoding="utf-8"?>
+<p:sld xmlns:a="http://schemas.openxmlformats.org/drawingml/2006/main" xmlns:r="http://schemas.openxmlformats.org/officeDocument/2006/relationships" xmlns:p="http://schemas.openxmlformats.org/presentationml/2006/main">
+  <p:cSld>
+    <p:spTree>
+      <p:nvGrpSpPr>
+        <p:cNvPr id="1" name=""/>
+        <p:cNvGrpSpPr/>
+        <p:nvPr/>
+      </p:nvGrpSpPr>
+      <p:grpSpPr>
+        <a:xfrm>
+          <a:off x="0" y="0"/>
+          <a:ext cx="0" cy="0"/>
+          <a:chOff x="0" y="0"/>
+          <a:chExt cx="0" cy="0"/>
+        </a:xfrm>
+      </p:grpSpPr>
+      <p:sp>
+        <p:nvSpPr>
+          <p:cNvPr id="7" name="Title 6"/>
+          <p:cNvSpPr>
+            <a:spLocks noGrp="1"/>
+          </p:cNvSpPr>
+          <p:nvPr>
+            <p:ph type="title"/>
+          </p:nvPr>
+        </p:nvSpPr>
+        <p:spPr/>
+        <p:txBody>
+          <a:bodyPr/>
+          <a:lstStyle/>
+          <a:p>
+            <a:r>
+              <a:rPr lang="en-US" dirty="0"/>
+              <a:t>Add a Slide Title - 2</a:t>
+            </a:r>
+          </a:p>
+        </p:txBody>
+      </p:sp>
+      <p:sp>
+        <p:nvSpPr>
+          <p:cNvPr id="8" name="Text Placeholder 7"/>
+          <p:cNvSpPr>
+            <a:spLocks noGrp="1"/>
+          </p:cNvSpPr>
+          <p:nvPr>
+            <p:ph type="body" idx="1"/>
+          </p:nvPr>
+        </p:nvSpPr>
+        <p:spPr/>
+        <p:txBody>
+          <a:bodyPr/>
+          <a:lstStyle/>
+          <a:p>
+            <a:endParaRPr lang="en-US" dirty="0"/>
+          </a:p>
+        </p:txBody>
+      </p:sp>
+      <p:sp>
+        <p:nvSpPr>
+          <p:cNvPr id="10" name="Content Placeholder 9"/>
+          <p:cNvSpPr>
+            <a:spLocks noGrp="1"/>
+          </p:cNvSpPr>
+          <p:nvPr>
+            <p:ph sz="half" idx="2"/>
+          </p:nvPr>
+        </p:nvSpPr>
+        <p:spPr/>
+        <p:txBody>
+          <a:bodyPr/>
+          <a:lstStyle/>
+          <a:p>
+            <a:endParaRPr lang="en-US" dirty="0"/>
+          </a:p>
+        </p:txBody>
+      </p:sp>
+      <p:sp>
+        <p:nvSpPr>
+          <p:cNvPr id="9" name="Text Placeholder 8"/>
+          <p:cNvSpPr>
+            <a:spLocks noGrp="1"/>
+          </p:cNvSpPr>
+          <p:nvPr>
+            <p:ph type="body" sz="quarter" idx="3"/>
+          </p:nvPr>
+        </p:nvSpPr>
+        <p:spPr/>
+        <p:txBody>
+          <a:bodyPr/>
+          <a:lstStyle/>
+          <a:p>
+            <a:endParaRPr lang="en-US" dirty="0"/>
+          </a:p>
+        </p:txBody>
+      </p:sp>
+      <p:sp>
+        <p:nvSpPr>
+          <p:cNvPr id="11" name="Content Placeholder 10"/>
+          <p:cNvSpPr>
+            <a:spLocks noGrp="1"/>
+          </p:cNvSpPr>
+          <p:nvPr>
+            <p:ph sz="quarter" idx="4"/>
+          </p:nvPr>
+        </p:nvSpPr>
+        <p:spPr/>
+        <p:txBody>
+          <a:bodyPr/>
+          <a:lstStyle/>
+          <a:p>
+            <a:endParaRPr lang="en-US" dirty="0"/>
+          </a:p>
+        </p:txBody>
+      </p:sp>
+    </p:spTree>
+    <p:extLst>
+      <p:ext uri="{BB962C8B-B14F-4D97-AF65-F5344CB8AC3E}">
+        <p14:creationId xmlns:p14="http://schemas.microsoft.com/office/powerpoint/2010/main" val="2672039197"/>
+      </p:ext>
+    </p:extLst>
+  </p:cSld>
+  <p:clrMapOvr>
+    <a:masterClrMapping/>
+  </p:clrMapOvr>
+  <mc:AlternateContent xmlns:mc="http://schemas.openxmlformats.org/markup-compatibility/2006" xmlns:p14="http://schemas.microsoft.com/office/powerpoint/2010/main">
+    <mc:Choice Requires="p14">
+      <p:transition spd="med" p14:dur="700">
+        <p:fade/>
+      </p:transition>
+    </mc:Choice>
+    <mc:Fallback xmlns="">
+      <p:transition spd="med">
+        <p:fade/>
+      </p:transition>
+    </mc:Fallback>
+  </mc:AlternateContent>
+</p:sld>
+</file>
+
+<file path=ppt/slides/slide17.xml><?xml version="1.0" encoding="utf-8"?>
+<p:sld xmlns:a="http://schemas.openxmlformats.org/drawingml/2006/main" xmlns:r="http://schemas.openxmlformats.org/officeDocument/2006/relationships" xmlns:p="http://schemas.openxmlformats.org/presentationml/2006/main">
+  <p:cSld>
+    <p:spTree>
+      <p:nvGrpSpPr>
+        <p:cNvPr id="1" name=""/>
+        <p:cNvGrpSpPr/>
+        <p:nvPr/>
+      </p:nvGrpSpPr>
+      <p:grpSpPr>
+        <a:xfrm>
+          <a:off x="0" y="0"/>
+          <a:ext cx="0" cy="0"/>
+          <a:chOff x="0" y="0"/>
+          <a:chExt cx="0" cy="0"/>
+        </a:xfrm>
+      </p:grpSpPr>
+      <p:sp>
+        <p:nvSpPr>
+          <p:cNvPr id="3" name="Title 2"/>
+          <p:cNvSpPr>
+            <a:spLocks noGrp="1"/>
+          </p:cNvSpPr>
+          <p:nvPr>
+            <p:ph type="title"/>
+          </p:nvPr>
+        </p:nvSpPr>
+        <p:spPr/>
+        <p:txBody>
+          <a:bodyPr/>
+          <a:lstStyle/>
+          <a:p>
+            <a:r>
+              <a:rPr lang="en-US" dirty="0"/>
+              <a:t>Add a Slide Title - 3</a:t>
+            </a:r>
+          </a:p>
+        </p:txBody>
+      </p:sp>
+    </p:spTree>
+    <p:extLst>
+      <p:ext uri="{BB962C8B-B14F-4D97-AF65-F5344CB8AC3E}">
+        <p14:creationId xmlns:p14="http://schemas.microsoft.com/office/powerpoint/2010/main" val="397710800"/>
+      </p:ext>
+    </p:extLst>
+  </p:cSld>
+  <p:clrMapOvr>
+    <a:masterClrMapping/>
+  </p:clrMapOvr>
+  <mc:AlternateContent xmlns:mc="http://schemas.openxmlformats.org/markup-compatibility/2006" xmlns:p14="http://schemas.microsoft.com/office/powerpoint/2010/main">
+    <mc:Choice Requires="p14">
+      <p:transition spd="med" p14:dur="700">
+        <p:fade/>
+      </p:transition>
+    </mc:Choice>
+    <mc:Fallback xmlns="">
+      <p:transition spd="med">
+        <p:fade/>
+      </p:transition>
+    </mc:Fallback>
+  </mc:AlternateContent>
+</p:sld>
+</file>
+
+<file path=ppt/slides/slide18.xml><?xml version="1.0" encoding="utf-8"?>
+<p:sld xmlns:a="http://schemas.openxmlformats.org/drawingml/2006/main" xmlns:r="http://schemas.openxmlformats.org/officeDocument/2006/relationships" xmlns:p="http://schemas.openxmlformats.org/presentationml/2006/main">
+  <p:cSld>
+    <p:spTree>
+      <p:nvGrpSpPr>
+        <p:cNvPr id="1" name=""/>
+        <p:cNvGrpSpPr/>
+        <p:nvPr/>
+      </p:nvGrpSpPr>
+      <p:grpSpPr>
+        <a:xfrm>
+          <a:off x="0" y="0"/>
+          <a:ext cx="0" cy="0"/>
+          <a:chOff x="0" y="0"/>
+          <a:chExt cx="0" cy="0"/>
+        </a:xfrm>
+      </p:grpSpPr>
+    </p:spTree>
+    <p:extLst>
+      <p:ext uri="{BB962C8B-B14F-4D97-AF65-F5344CB8AC3E}">
+        <p14:creationId xmlns:p14="http://schemas.microsoft.com/office/powerpoint/2010/main" val="1405850135"/>
+      </p:ext>
+    </p:extLst>
+  </p:cSld>
+  <p:clrMapOvr>
+    <a:masterClrMapping/>
+  </p:clrMapOvr>
+  <mc:AlternateContent xmlns:mc="http://schemas.openxmlformats.org/markup-compatibility/2006" xmlns:p14="http://schemas.microsoft.com/office/powerpoint/2010/main">
+    <mc:Choice Requires="p14">
+      <p:transition spd="med" p14:dur="700">
+        <p:fade/>
+      </p:transition>
+    </mc:Choice>
+    <mc:Fallback xmlns="">
+      <p:transition spd="med">
+        <p:fade/>
+      </p:transition>
+    </mc:Fallback>
+  </mc:AlternateContent>
+</p:sld>
+</file>
+
+<file path=ppt/slides/slide19.xml><?xml version="1.0" encoding="utf-8"?>
+<p:sld xmlns:a="http://schemas.openxmlformats.org/drawingml/2006/main" xmlns:r="http://schemas.openxmlformats.org/officeDocument/2006/relationships" xmlns:p="http://schemas.openxmlformats.org/presentationml/2006/main">
+  <p:cSld>
+    <p:spTree>
+      <p:nvGrpSpPr>
+        <p:cNvPr id="1" name=""/>
+        <p:cNvGrpSpPr/>
+        <p:nvPr/>
+      </p:nvGrpSpPr>
+      <p:grpSpPr>
+        <a:xfrm>
+          <a:off x="0" y="0"/>
+          <a:ext cx="0" cy="0"/>
+          <a:chOff x="0" y="0"/>
+          <a:chExt cx="0" cy="0"/>
+        </a:xfrm>
+      </p:grpSpPr>
+      <p:sp>
+        <p:nvSpPr>
+          <p:cNvPr id="2" name="Title 1"/>
+          <p:cNvSpPr>
+            <a:spLocks noGrp="1"/>
+          </p:cNvSpPr>
+          <p:nvPr>
+            <p:ph type="title"/>
+          </p:nvPr>
+        </p:nvSpPr>
+        <p:spPr/>
+        <p:txBody>
+          <a:bodyPr/>
+          <a:lstStyle/>
+          <a:p>
+            <a:r>
+              <a:rPr lang="en-US" dirty="0"/>
+              <a:t>Add a Slide Title - 4</a:t>
+            </a:r>
+          </a:p>
+        </p:txBody>
+      </p:sp>
+      <p:sp>
+        <p:nvSpPr>
+          <p:cNvPr id="3" name="Content Placeholder 2"/>
+          <p:cNvSpPr>
+            <a:spLocks noGrp="1"/>
+          </p:cNvSpPr>
+          <p:nvPr>
+            <p:ph idx="1"/>
+          </p:nvPr>
+        </p:nvSpPr>
+        <p:spPr/>
+        <p:txBody>
+          <a:bodyPr/>
+          <a:lstStyle/>
+          <a:p>
+            <a:endParaRPr lang="en-US" dirty="0"/>
+          </a:p>
+        </p:txBody>
+      </p:sp>
+      <p:sp>
+        <p:nvSpPr>
+          <p:cNvPr id="4" name="Text Placeholder 3"/>
+          <p:cNvSpPr>
+            <a:spLocks noGrp="1"/>
+          </p:cNvSpPr>
+          <p:nvPr>
+            <p:ph type="body" sz="half" idx="2"/>
+          </p:nvPr>
+        </p:nvSpPr>
+        <p:spPr/>
+        <p:txBody>
+          <a:bodyPr/>
+          <a:lstStyle/>
+          <a:p>
+            <a:endParaRPr lang="en-US" dirty="0"/>
+          </a:p>
+        </p:txBody>
+      </p:sp>
+    </p:spTree>
+    <p:extLst>
+      <p:ext uri="{BB962C8B-B14F-4D97-AF65-F5344CB8AC3E}">
+        <p14:creationId xmlns:p14="http://schemas.microsoft.com/office/powerpoint/2010/main" val="2319046984"/>
+      </p:ext>
+    </p:extLst>
+  </p:cSld>
+  <p:clrMapOvr>
+    <a:masterClrMapping/>
+  </p:clrMapOvr>
+  <mc:AlternateContent xmlns:mc="http://schemas.openxmlformats.org/markup-compatibility/2006" xmlns:p14="http://schemas.microsoft.com/office/powerpoint/2010/main">
+    <mc:Choice Requires="p14">
+      <p:transition spd="med" p14:dur="700">
+        <p:fade/>
+      </p:transition>
+    </mc:Choice>
+    <mc:Fallback xmlns="">
+      <p:transition spd="med">
+        <p:fade/>
+      </p:transition>
+    </mc:Fallback>
+  </mc:AlternateContent>
+</p:sld>
+</file>
+
+<file path=ppt/slides/slide2.xml><?xml version="1.0" encoding="utf-8"?>
+<p:sld xmlns:a="http://schemas.openxmlformats.org/drawingml/2006/main" xmlns:r="http://schemas.openxmlformats.org/officeDocument/2006/relationships" xmlns:p="http://schemas.openxmlformats.org/presentationml/2006/main">
+  <p:cSld>
+    <p:spTree>
+      <p:nvGrpSpPr>
+        <p:cNvPr id="1" name=""/>
+        <p:cNvGrpSpPr/>
+        <p:nvPr/>
+      </p:nvGrpSpPr>
+      <p:grpSpPr>
+        <a:xfrm>
+          <a:off x="0" y="0"/>
+          <a:ext cx="0" cy="0"/>
+          <a:chOff x="0" y="0"/>
+          <a:chExt cx="0" cy="0"/>
+        </a:xfrm>
+      </p:grpSpPr>
+      <p:sp>
+        <p:nvSpPr>
+          <p:cNvPr id="2" name="Title 1"/>
+          <p:cNvSpPr>
+            <a:spLocks noGrp="1"/>
+          </p:cNvSpPr>
+          <p:nvPr>
+            <p:ph type="title"/>
+          </p:nvPr>
+        </p:nvSpPr>
+        <p:spPr/>
+        <p:txBody>
+          <a:bodyPr/>
+          <a:lstStyle/>
+          <a:p>
+            <a:r>
+              <a:rPr lang="en-US" dirty="0" err="1" smtClean="0"/>
+              <a:t>ProtoLabs</a:t>
+            </a:r>
+            <a:r>
+              <a:rPr lang="en-US" dirty="0" smtClean="0"/>
+              <a:t> - </a:t>
+            </a:r>
+            <a:r>
+              <a:rPr lang="en-US" dirty="0" err="1" smtClean="0"/>
+              <a:t>Microservice</a:t>
+            </a:r>
+            <a:r>
+              <a:rPr lang="en-US" dirty="0" smtClean="0"/>
+              <a:t> and </a:t>
+            </a:r>
+            <a:r>
+              <a:rPr lang="en-US" dirty="0" err="1" smtClean="0"/>
+              <a:t>RabbitMQ</a:t>
+            </a:r>
+            <a:endParaRPr lang="en-US" dirty="0"/>
+          </a:p>
+        </p:txBody>
+      </p:sp>
+      <p:sp>
+        <p:nvSpPr>
+          <p:cNvPr id="3" name="Content Placeholder 2"/>
+          <p:cNvSpPr>
+            <a:spLocks noGrp="1"/>
+          </p:cNvSpPr>
+          <p:nvPr>
+            <p:ph idx="1"/>
+          </p:nvPr>
+        </p:nvSpPr>
+        <p:spPr/>
+        <p:txBody>
+          <a:bodyPr>
+            <a:normAutofit fontScale="92500" lnSpcReduction="10000"/>
+          </a:bodyPr>
+          <a:lstStyle/>
+          <a:p>
+            <a:r>
+              <a:rPr lang="en-US" b="1" dirty="0" smtClean="0"/>
+              <a:t>Breaking up a </a:t>
+            </a:r>
+            <a:r>
+              <a:rPr lang="en-US" b="1" dirty="0" err="1" smtClean="0"/>
+              <a:t>monilith</a:t>
+            </a:r>
+            <a:endParaRPr lang="en-US" b="1" dirty="0" smtClean="0"/>
+          </a:p>
+          <a:p>
+            <a:r>
+              <a:rPr lang="en-US" dirty="0" smtClean="0"/>
+              <a:t>Teams work in small teams organized around business domains</a:t>
+            </a:r>
+          </a:p>
+          <a:p>
+            <a:r>
+              <a:rPr lang="en-US" dirty="0" smtClean="0"/>
+              <a:t>Teams are a combination of developers, BA, SQE, and SRE.</a:t>
+            </a:r>
+          </a:p>
+          <a:p>
+            <a:r>
+              <a:rPr lang="en-US" dirty="0" smtClean="0"/>
+              <a:t>Notable Technologies - .NET Core, Vue.js, Docker, Linux, </a:t>
+            </a:r>
+            <a:r>
+              <a:rPr lang="en-US" dirty="0" err="1" smtClean="0"/>
+              <a:t>RabbitMQ</a:t>
+            </a:r>
+            <a:r>
+              <a:rPr lang="en-US" dirty="0" smtClean="0"/>
+              <a:t>, Chef, </a:t>
+            </a:r>
+            <a:r>
+              <a:rPr lang="en-US" dirty="0" err="1" smtClean="0"/>
+              <a:t>RavenDB</a:t>
+            </a:r>
+            <a:endParaRPr lang="en-US" dirty="0" smtClean="0"/>
+          </a:p>
+          <a:p>
+            <a:endParaRPr lang="en-US" dirty="0"/>
+          </a:p>
+          <a:p>
+            <a:pPr marL="0" indent="0">
+              <a:buNone/>
+            </a:pPr>
+            <a:r>
+              <a:rPr lang="en-US" b="1" dirty="0" err="1" smtClean="0"/>
+              <a:t>RabbitMQ</a:t>
+            </a:r>
+            <a:endParaRPr lang="en-US" b="1" dirty="0" smtClean="0"/>
+          </a:p>
+          <a:p>
+            <a:pPr marL="0" indent="0">
+              <a:buNone/>
+            </a:pPr>
+            <a:r>
+              <a:rPr lang="en-US" dirty="0" smtClean="0"/>
+              <a:t>3.7.7</a:t>
+            </a:r>
+          </a:p>
+          <a:p>
+            <a:pPr marL="0" indent="0">
+              <a:buNone/>
+            </a:pPr>
+            <a:r>
+              <a:rPr lang="en-US" dirty="0" smtClean="0"/>
+              <a:t>Clusters of 2 nodes</a:t>
+            </a:r>
+          </a:p>
+          <a:p>
+            <a:pPr marL="0" indent="0">
+              <a:buNone/>
+            </a:pPr>
+            <a:r>
+              <a:rPr lang="en-US" dirty="0" err="1" smtClean="0"/>
+              <a:t>HAProxy</a:t>
+            </a:r>
+            <a:r>
+              <a:rPr lang="en-US" dirty="0" smtClean="0"/>
+              <a:t> used as </a:t>
+            </a:r>
+            <a:r>
+              <a:rPr lang="en-US" dirty="0" err="1" smtClean="0"/>
+              <a:t>loadbalancer</a:t>
+            </a:r>
+            <a:r>
+              <a:rPr lang="en-US" dirty="0"/>
+              <a:t> </a:t>
+            </a:r>
+            <a:r>
+              <a:rPr lang="en-US" dirty="0" err="1" smtClean="0"/>
+              <a:t>infront</a:t>
+            </a:r>
+            <a:r>
+              <a:rPr lang="en-US" dirty="0" smtClean="0"/>
+              <a:t> of </a:t>
+            </a:r>
+            <a:r>
+              <a:rPr lang="en-US" dirty="0" err="1" smtClean="0"/>
+              <a:t>RabbitMQ</a:t>
+            </a:r>
+            <a:r>
+              <a:rPr lang="en-US" dirty="0" smtClean="0"/>
+              <a:t> instances</a:t>
+            </a:r>
+          </a:p>
+          <a:p>
+            <a:pPr marL="0" indent="0">
+              <a:buNone/>
+            </a:pPr>
+            <a:r>
+              <a:rPr lang="en-US" dirty="0" smtClean="0"/>
+              <a:t>HA queues synced between nodes</a:t>
+            </a:r>
+          </a:p>
+        </p:txBody>
+      </p:sp>
+    </p:spTree>
+    <p:extLst>
+      <p:ext uri="{BB962C8B-B14F-4D97-AF65-F5344CB8AC3E}">
+        <p14:creationId xmlns:p14="http://schemas.microsoft.com/office/powerpoint/2010/main" val="1881652"/>
+      </p:ext>
+    </p:extLst>
+  </p:cSld>
+  <p:clrMapOvr>
+    <a:masterClrMapping/>
+  </p:clrMapOvr>
+  <mc:AlternateContent xmlns:mc="http://schemas.openxmlformats.org/markup-compatibility/2006" xmlns:p14="http://schemas.microsoft.com/office/powerpoint/2010/main">
+    <mc:Choice Requires="p14">
+      <p:transition spd="med" p14:dur="700">
+        <p:fade/>
+      </p:transition>
+    </mc:Choice>
+    <mc:Fallback xmlns="">
+      <p:transition spd="med">
+        <p:fade/>
+      </p:transition>
+    </mc:Fallback>
+  </mc:AlternateContent>
+</p:sld>
+</file>
+
+<file path=ppt/slides/slide20.xml><?xml version="1.0" encoding="utf-8"?>
+<p:sld xmlns:a="http://schemas.openxmlformats.org/drawingml/2006/main" xmlns:r="http://schemas.openxmlformats.org/officeDocument/2006/relationships" xmlns:p="http://schemas.openxmlformats.org/presentationml/2006/main">
+  <p:cSld>
+    <p:spTree>
+      <p:nvGrpSpPr>
+        <p:cNvPr id="1" name=""/>
+        <p:cNvGrpSpPr/>
+        <p:nvPr/>
+      </p:nvGrpSpPr>
+      <p:grpSpPr>
+        <a:xfrm>
+          <a:off x="0" y="0"/>
+          <a:ext cx="0" cy="0"/>
+          <a:chOff x="0" y="0"/>
+          <a:chExt cx="0" cy="0"/>
+        </a:xfrm>
+      </p:grpSpPr>
+      <p:sp>
+        <p:nvSpPr>
+          <p:cNvPr id="3" name="Title 2"/>
+          <p:cNvSpPr>
+            <a:spLocks noGrp="1"/>
+          </p:cNvSpPr>
+          <p:nvPr>
+            <p:ph type="title"/>
+          </p:nvPr>
+        </p:nvSpPr>
+        <p:spPr/>
+        <p:txBody>
+          <a:bodyPr/>
+          <a:lstStyle/>
+          <a:p>
+            <a:r>
+              <a:rPr lang="en-US" dirty="0"/>
+              <a:t>Add a Slide Title - 5</a:t>
+            </a:r>
+          </a:p>
+        </p:txBody>
+      </p:sp>
+      <p:sp>
+        <p:nvSpPr>
+          <p:cNvPr id="6" name="Picture Placeholder 5" descr="An empty placeholder to add an image. Click on the placeholder and select the image that you wish to add."/>
+          <p:cNvSpPr>
+            <a:spLocks noGrp="1"/>
+          </p:cNvSpPr>
+          <p:nvPr>
+            <p:ph type="pic" idx="1"/>
+          </p:nvPr>
+        </p:nvSpPr>
+        <p:spPr/>
+      </p:sp>
+      <p:sp>
+        <p:nvSpPr>
+          <p:cNvPr id="5" name="Text Placeholder 4"/>
+          <p:cNvSpPr>
+            <a:spLocks noGrp="1"/>
+          </p:cNvSpPr>
+          <p:nvPr>
+            <p:ph type="body" sz="half" idx="2"/>
+          </p:nvPr>
+        </p:nvSpPr>
+        <p:spPr/>
+        <p:txBody>
+          <a:bodyPr/>
+          <a:lstStyle/>
+          <a:p>
+            <a:endParaRPr lang="en-US" dirty="0"/>
+          </a:p>
+        </p:txBody>
+      </p:sp>
+    </p:spTree>
+    <p:extLst>
+      <p:ext uri="{BB962C8B-B14F-4D97-AF65-F5344CB8AC3E}">
+        <p14:creationId xmlns:p14="http://schemas.microsoft.com/office/powerpoint/2010/main" val="3480339974"/>
+      </p:ext>
+    </p:extLst>
+  </p:cSld>
+  <p:clrMapOvr>
+    <a:masterClrMapping/>
+  </p:clrMapOvr>
+  <mc:AlternateContent xmlns:mc="http://schemas.openxmlformats.org/markup-compatibility/2006" xmlns:p14="http://schemas.microsoft.com/office/powerpoint/2010/main">
+    <mc:Choice Requires="p14">
+      <p:transition spd="med" p14:dur="700">
+        <p:fade/>
+      </p:transition>
+    </mc:Choice>
+    <mc:Fallback xmlns="">
+      <p:transition spd="med">
+        <p:fade/>
+      </p:transition>
+    </mc:Fallback>
+  </mc:AlternateContent>
+</p:sld>
+</file>
+
+<file path=ppt/slides/slide3.xml><?xml version="1.0" encoding="utf-8"?>
+<p:sld xmlns:a="http://schemas.openxmlformats.org/drawingml/2006/main" xmlns:r="http://schemas.openxmlformats.org/officeDocument/2006/relationships" xmlns:p="http://schemas.openxmlformats.org/presentationml/2006/main">
+  <p:cSld>
+    <p:spTree>
+      <p:nvGrpSpPr>
+        <p:cNvPr id="1" name=""/>
+        <p:cNvGrpSpPr/>
+        <p:nvPr/>
+      </p:nvGrpSpPr>
+      <p:grpSpPr>
+        <a:xfrm>
+          <a:off x="0" y="0"/>
+          <a:ext cx="0" cy="0"/>
+          <a:chOff x="0" y="0"/>
+          <a:chExt cx="0" cy="0"/>
+        </a:xfrm>
+      </p:grpSpPr>
+      <p:sp>
+        <p:nvSpPr>
+          <p:cNvPr id="2" name="Title 1"/>
+          <p:cNvSpPr>
+            <a:spLocks noGrp="1"/>
+          </p:cNvSpPr>
+          <p:nvPr>
+            <p:ph type="title"/>
+          </p:nvPr>
+        </p:nvSpPr>
+        <p:spPr/>
+        <p:txBody>
+          <a:bodyPr/>
+          <a:lstStyle/>
+          <a:p>
+            <a:r>
+              <a:rPr lang="en-US" dirty="0" err="1" smtClean="0"/>
+              <a:t>ProtoLabs</a:t>
+            </a:r>
+            <a:r>
+              <a:rPr lang="en-US" dirty="0" smtClean="0"/>
+              <a:t> </a:t>
+            </a:r>
+            <a:r>
+              <a:rPr lang="en-US" dirty="0" err="1" smtClean="0"/>
+              <a:t>RabbitMQ</a:t>
+            </a:r>
+            <a:r>
+              <a:rPr lang="en-US" dirty="0" smtClean="0"/>
+              <a:t> Evolution</a:t>
+            </a:r>
+            <a:endParaRPr lang="en-US" dirty="0"/>
+          </a:p>
+        </p:txBody>
+      </p:sp>
+      <p:sp>
+        <p:nvSpPr>
+          <p:cNvPr id="3" name="Content Placeholder 2"/>
+          <p:cNvSpPr>
+            <a:spLocks noGrp="1"/>
+          </p:cNvSpPr>
+          <p:nvPr>
+            <p:ph idx="1"/>
+          </p:nvPr>
+        </p:nvSpPr>
+        <p:spPr/>
+        <p:txBody>
+          <a:bodyPr>
+            <a:normAutofit fontScale="70000" lnSpcReduction="20000"/>
+          </a:bodyPr>
+          <a:lstStyle/>
+          <a:p>
+            <a:r>
+              <a:rPr lang="en-US" dirty="0" smtClean="0"/>
+              <a:t>Started with one team using it for a few high performance messaging where reliability wasn’t much concern (Single node between browser and backend server)</a:t>
+            </a:r>
+          </a:p>
+          <a:p>
+            <a:endParaRPr lang="en-US" dirty="0"/>
+          </a:p>
+          <a:p>
+            <a:endParaRPr lang="en-US" dirty="0" smtClean="0"/>
+          </a:p>
+          <a:p>
+            <a:endParaRPr lang="en-US" dirty="0"/>
+          </a:p>
+          <a:p>
+            <a:r>
+              <a:rPr lang="en-US" dirty="0" smtClean="0"/>
+              <a:t>Another team spun up one instance and started using it for non critical pub sub.</a:t>
+            </a:r>
+          </a:p>
+          <a:p>
+            <a:r>
+              <a:rPr lang="en-US" dirty="0" smtClean="0"/>
+              <a:t>(pub sub between monolith and another team)</a:t>
+            </a:r>
+          </a:p>
+          <a:p>
+            <a:endParaRPr lang="en-US" dirty="0"/>
+          </a:p>
+          <a:p>
+            <a:r>
+              <a:rPr lang="en-US" dirty="0" smtClean="0"/>
+              <a:t>Then new ordering system was developed to use it for submitting orders.</a:t>
+            </a:r>
+          </a:p>
+          <a:p>
+            <a:r>
+              <a:rPr lang="en-US" dirty="0" smtClean="0"/>
+              <a:t>(As the ordering and commerce team broke up they decided to use </a:t>
+            </a:r>
+            <a:r>
+              <a:rPr lang="en-US" dirty="0" err="1" smtClean="0"/>
+              <a:t>RabbitMQ</a:t>
+            </a:r>
+            <a:r>
+              <a:rPr lang="en-US" dirty="0" smtClean="0"/>
+              <a:t>  HA and clustering was added)</a:t>
+            </a:r>
+          </a:p>
+          <a:p>
+            <a:endParaRPr lang="en-US" dirty="0"/>
+          </a:p>
+          <a:p>
+            <a:r>
+              <a:rPr lang="en-US" dirty="0" smtClean="0"/>
+              <a:t>Then another team setup an exchange to coordinate messages from global service to regional services. Then those regional services started using it to publish messages back to global services. Complex topologies evolved with multiple clusters using federation to talk to other clusters.</a:t>
+            </a:r>
+          </a:p>
+          <a:p>
+            <a:endParaRPr lang="en-US" dirty="0"/>
+          </a:p>
+        </p:txBody>
+      </p:sp>
+    </p:spTree>
+    <p:extLst>
+      <p:ext uri="{BB962C8B-B14F-4D97-AF65-F5344CB8AC3E}">
+        <p14:creationId xmlns:p14="http://schemas.microsoft.com/office/powerpoint/2010/main" val="2961694818"/>
+      </p:ext>
+    </p:extLst>
+  </p:cSld>
+  <p:clrMapOvr>
+    <a:masterClrMapping/>
+  </p:clrMapOvr>
+  <mc:AlternateContent xmlns:mc="http://schemas.openxmlformats.org/markup-compatibility/2006" xmlns:p14="http://schemas.microsoft.com/office/powerpoint/2010/main">
+    <mc:Choice Requires="p14">
+      <p:transition spd="med" p14:dur="700">
+        <p:fade/>
+      </p:transition>
+    </mc:Choice>
+    <mc:Fallback xmlns="">
+      <p:transition spd="med">
+        <p:fade/>
+      </p:transition>
+    </mc:Fallback>
+  </mc:AlternateContent>
+</p:sld>
+</file>
+
+<file path=ppt/slides/slide4.xml><?xml version="1.0" encoding="utf-8"?>
+<p:sld xmlns:a="http://schemas.openxmlformats.org/drawingml/2006/main" xmlns:r="http://schemas.openxmlformats.org/officeDocument/2006/relationships" xmlns:p="http://schemas.openxmlformats.org/presentationml/2006/main">
+  <p:cSld>
+    <p:spTree>
+      <p:nvGrpSpPr>
+        <p:cNvPr id="1" name=""/>
+        <p:cNvGrpSpPr/>
+        <p:nvPr/>
+      </p:nvGrpSpPr>
+      <p:grpSpPr>
+        <a:xfrm>
+          <a:off x="0" y="0"/>
+          <a:ext cx="0" cy="0"/>
+          <a:chOff x="0" y="0"/>
+          <a:chExt cx="0" cy="0"/>
+        </a:xfrm>
+      </p:grpSpPr>
+      <p:sp>
+        <p:nvSpPr>
+          <p:cNvPr id="2" name="Title 1"/>
+          <p:cNvSpPr>
+            <a:spLocks noGrp="1"/>
+          </p:cNvSpPr>
+          <p:nvPr>
+            <p:ph type="title"/>
+          </p:nvPr>
+        </p:nvSpPr>
+        <p:spPr/>
+        <p:txBody>
+          <a:bodyPr/>
+          <a:lstStyle/>
+          <a:p>
+            <a:r>
+              <a:rPr lang="en-US" dirty="0" smtClean="0"/>
+              <a:t>Must Read Topics</a:t>
+            </a:r>
+            <a:endParaRPr lang="en-US" dirty="0"/>
+          </a:p>
+        </p:txBody>
+      </p:sp>
+      <p:sp>
+        <p:nvSpPr>
+          <p:cNvPr id="3" name="Content Placeholder 2"/>
+          <p:cNvSpPr>
+            <a:spLocks noGrp="1"/>
+          </p:cNvSpPr>
+          <p:nvPr>
+            <p:ph idx="1"/>
+          </p:nvPr>
+        </p:nvSpPr>
+        <p:spPr/>
+        <p:txBody>
+          <a:bodyPr/>
+          <a:lstStyle/>
+          <a:p>
+            <a:r>
+              <a:rPr lang="en-US" dirty="0">
+                <a:hlinkClick r:id="rId2"/>
+              </a:rPr>
+              <a:t>https://</a:t>
+            </a:r>
+            <a:r>
+              <a:rPr lang="en-US" dirty="0" smtClean="0">
+                <a:hlinkClick r:id="rId2"/>
+              </a:rPr>
+              <a:t>www.rabbitmq.com/production-checklist.html</a:t>
+            </a:r>
+            <a:endParaRPr lang="en-US" dirty="0" smtClean="0"/>
+          </a:p>
+          <a:p>
+            <a:r>
+              <a:rPr lang="en-US" dirty="0">
+                <a:hlinkClick r:id="rId3"/>
+              </a:rPr>
+              <a:t>https://</a:t>
+            </a:r>
+            <a:r>
+              <a:rPr lang="en-US" dirty="0" smtClean="0">
+                <a:hlinkClick r:id="rId3"/>
+              </a:rPr>
+              <a:t>www.rabbitmq.com/confirms.html</a:t>
+            </a:r>
+            <a:endParaRPr lang="en-US" dirty="0" smtClean="0"/>
+          </a:p>
+          <a:p>
+            <a:endParaRPr lang="en-US" dirty="0"/>
+          </a:p>
+        </p:txBody>
+      </p:sp>
+    </p:spTree>
+    <p:extLst>
+      <p:ext uri="{BB962C8B-B14F-4D97-AF65-F5344CB8AC3E}">
+        <p14:creationId xmlns:p14="http://schemas.microsoft.com/office/powerpoint/2010/main" val="3509578844"/>
+      </p:ext>
+    </p:extLst>
+  </p:cSld>
+  <p:clrMapOvr>
+    <a:masterClrMapping/>
+  </p:clrMapOvr>
+  <mc:AlternateContent xmlns:mc="http://schemas.openxmlformats.org/markup-compatibility/2006" xmlns:p14="http://schemas.microsoft.com/office/powerpoint/2010/main">
+    <mc:Choice Requires="p14">
+      <p:transition spd="med" p14:dur="700">
+        <p:fade/>
+      </p:transition>
+    </mc:Choice>
+    <mc:Fallback xmlns="">
+      <p:transition spd="med">
+        <p:fade/>
+      </p:transition>
+    </mc:Fallback>
+  </mc:AlternateContent>
+</p:sld>
+</file>
+
+<file path=ppt/slides/slide5.xml><?xml version="1.0" encoding="utf-8"?>
+<p:sld xmlns:a="http://schemas.openxmlformats.org/drawingml/2006/main" xmlns:r="http://schemas.openxmlformats.org/officeDocument/2006/relationships" xmlns:p="http://schemas.openxmlformats.org/presentationml/2006/main">
+  <p:cSld>
+    <p:spTree>
+      <p:nvGrpSpPr>
+        <p:cNvPr id="1" name=""/>
+        <p:cNvGrpSpPr/>
+        <p:nvPr/>
+      </p:nvGrpSpPr>
+      <p:grpSpPr>
+        <a:xfrm>
+          <a:off x="0" y="0"/>
+          <a:ext cx="0" cy="0"/>
+          <a:chOff x="0" y="0"/>
+          <a:chExt cx="0" cy="0"/>
+        </a:xfrm>
+      </p:grpSpPr>
+      <p:sp>
+        <p:nvSpPr>
+          <p:cNvPr id="2" name="Title 1"/>
+          <p:cNvSpPr>
+            <a:spLocks noGrp="1"/>
+          </p:cNvSpPr>
+          <p:nvPr>
+            <p:ph type="title"/>
+          </p:nvPr>
+        </p:nvSpPr>
+        <p:spPr/>
+        <p:txBody>
+          <a:bodyPr>
+            <a:normAutofit/>
+          </a:bodyPr>
+          <a:lstStyle/>
+          <a:p>
+            <a:r>
+              <a:rPr lang="en-US" dirty="0"/>
+              <a:t>Messaging </a:t>
+            </a:r>
+            <a:r>
+              <a:rPr lang="en-US" dirty="0" smtClean="0"/>
+              <a:t>topologies</a:t>
+            </a:r>
+            <a:r>
+              <a:rPr lang="en-US" dirty="0"/>
+              <a:t/>
+            </a:r>
+            <a:br>
+              <a:rPr lang="en-US" dirty="0"/>
+            </a:br>
+            <a:endParaRPr lang="en-US" dirty="0"/>
+          </a:p>
+        </p:txBody>
+      </p:sp>
+      <p:sp>
+        <p:nvSpPr>
+          <p:cNvPr id="3" name="Content Placeholder 2"/>
+          <p:cNvSpPr>
+            <a:spLocks noGrp="1"/>
+          </p:cNvSpPr>
+          <p:nvPr>
+            <p:ph idx="1"/>
+          </p:nvPr>
+        </p:nvSpPr>
+        <p:spPr/>
+        <p:txBody>
+          <a:bodyPr/>
+          <a:lstStyle/>
+          <a:p>
+            <a:r>
+              <a:rPr lang="en-US" dirty="0"/>
+              <a:t>Global routing to </a:t>
+            </a:r>
+            <a:r>
+              <a:rPr lang="en-US" dirty="0" smtClean="0"/>
+              <a:t>regional (federations policies)</a:t>
+            </a:r>
+          </a:p>
+          <a:p>
+            <a:r>
+              <a:rPr lang="en-US" dirty="0" smtClean="0"/>
+              <a:t>Short lived queues for browser interactions</a:t>
+            </a:r>
+          </a:p>
+          <a:p>
+            <a:r>
+              <a:rPr lang="en-US" dirty="0" smtClean="0"/>
+              <a:t>Private exchanges used inside teams processors Topic exchanges</a:t>
+            </a:r>
+          </a:p>
+          <a:p>
+            <a:endParaRPr lang="en-US" dirty="0" smtClean="0"/>
+          </a:p>
+          <a:p>
+            <a:endParaRPr lang="en-US" dirty="0"/>
+          </a:p>
+        </p:txBody>
+      </p:sp>
+    </p:spTree>
+    <p:extLst>
+      <p:ext uri="{BB962C8B-B14F-4D97-AF65-F5344CB8AC3E}">
+        <p14:creationId xmlns:p14="http://schemas.microsoft.com/office/powerpoint/2010/main" val="776094879"/>
+      </p:ext>
+    </p:extLst>
+  </p:cSld>
+  <p:clrMapOvr>
+    <a:masterClrMapping/>
+  </p:clrMapOvr>
+  <mc:AlternateContent xmlns:mc="http://schemas.openxmlformats.org/markup-compatibility/2006" xmlns:p14="http://schemas.microsoft.com/office/powerpoint/2010/main">
+    <mc:Choice Requires="p14">
+      <p:transition spd="med" p14:dur="700">
+        <p:fade/>
+      </p:transition>
+    </mc:Choice>
+    <mc:Fallback xmlns="">
+      <p:transition spd="med">
+        <p:fade/>
+      </p:transition>
+    </mc:Fallback>
+  </mc:AlternateContent>
+</p:sld>
+</file>
+
+<file path=ppt/slides/slide6.xml><?xml version="1.0" encoding="utf-8"?>
+<p:sld xmlns:a="http://schemas.openxmlformats.org/drawingml/2006/main" xmlns:r="http://schemas.openxmlformats.org/officeDocument/2006/relationships" xmlns:p="http://schemas.openxmlformats.org/presentationml/2006/main">
+  <p:cSld>
+    <p:spTree>
+      <p:nvGrpSpPr>
+        <p:cNvPr id="1" name=""/>
+        <p:cNvGrpSpPr/>
+        <p:nvPr/>
+      </p:nvGrpSpPr>
+      <p:grpSpPr>
+        <a:xfrm>
+          <a:off x="0" y="0"/>
+          <a:ext cx="0" cy="0"/>
+          <a:chOff x="0" y="0"/>
+          <a:chExt cx="0" cy="0"/>
+        </a:xfrm>
+      </p:grpSpPr>
+      <p:sp>
+        <p:nvSpPr>
+          <p:cNvPr id="2" name="Title 1"/>
+          <p:cNvSpPr>
+            <a:spLocks noGrp="1"/>
+          </p:cNvSpPr>
+          <p:nvPr>
+            <p:ph type="title"/>
+          </p:nvPr>
+        </p:nvSpPr>
+        <p:spPr/>
+        <p:txBody>
+          <a:bodyPr/>
+          <a:lstStyle/>
+          <a:p>
+            <a:r>
+              <a:rPr lang="en-US" smtClean="0"/>
+              <a:t>Microservice messaging landscape</a:t>
+            </a:r>
+            <a:endParaRPr lang="en-US"/>
+          </a:p>
+        </p:txBody>
+      </p:sp>
+      <p:sp>
+        <p:nvSpPr>
+          <p:cNvPr id="3" name="Content Placeholder 2"/>
+          <p:cNvSpPr>
+            <a:spLocks noGrp="1"/>
+          </p:cNvSpPr>
+          <p:nvPr>
+            <p:ph idx="1"/>
+          </p:nvPr>
+        </p:nvSpPr>
+        <p:spPr/>
+        <p:txBody>
+          <a:bodyPr>
+            <a:normAutofit/>
+          </a:bodyPr>
+          <a:lstStyle/>
+          <a:p>
+            <a:pPr marL="0" indent="0">
+              <a:buNone/>
+            </a:pPr>
+            <a:r>
+              <a:rPr lang="en-US" smtClean="0">
+                <a:latin typeface="+mj-lt"/>
+              </a:rPr>
+              <a:t>Historical Context - Control and standardize application integrations.</a:t>
+            </a:r>
+          </a:p>
+          <a:p>
+            <a:pPr>
+              <a:buFont typeface="Arial" panose="020B0604020202020204" pitchFamily="34" charset="0"/>
+              <a:buChar char="•"/>
+            </a:pPr>
+            <a:r>
+              <a:rPr lang="en-US" smtClean="0"/>
+              <a:t> SOA</a:t>
+            </a:r>
+          </a:p>
+          <a:p>
+            <a:pPr>
+              <a:buFont typeface="Arial" panose="020B0604020202020204" pitchFamily="34" charset="0"/>
+              <a:buChar char="•"/>
+            </a:pPr>
+            <a:r>
+              <a:rPr lang="en-US" smtClean="0"/>
+              <a:t> ESB</a:t>
+            </a:r>
+          </a:p>
+          <a:p>
+            <a:pPr>
+              <a:buFont typeface="Arial" panose="020B0604020202020204" pitchFamily="34" charset="0"/>
+              <a:buChar char="•"/>
+            </a:pPr>
+            <a:r>
+              <a:rPr lang="en-US" smtClean="0"/>
+              <a:t> WS-*</a:t>
+            </a:r>
+            <a:endParaRPr lang="en-US"/>
+          </a:p>
+          <a:p>
+            <a:pPr marL="0" indent="0">
+              <a:buNone/>
+            </a:pPr>
+            <a:r>
+              <a:rPr lang="en-US" smtClean="0">
+                <a:latin typeface="+mj-lt"/>
+              </a:rPr>
+              <a:t>Continuing Trends - </a:t>
+            </a:r>
+            <a:r>
+              <a:rPr lang="en-US">
+                <a:latin typeface="+mj-lt"/>
+              </a:rPr>
+              <a:t>D</a:t>
+            </a:r>
+            <a:r>
+              <a:rPr lang="en-US" smtClean="0">
+                <a:latin typeface="+mj-lt"/>
+              </a:rPr>
+              <a:t>ecentralization </a:t>
+            </a:r>
+            <a:r>
+              <a:rPr lang="en-US">
+                <a:latin typeface="+mj-lt"/>
+              </a:rPr>
+              <a:t>and team </a:t>
+            </a:r>
+            <a:r>
+              <a:rPr lang="en-US" smtClean="0">
+                <a:latin typeface="+mj-lt"/>
+              </a:rPr>
+              <a:t>autonomy. </a:t>
+            </a:r>
+          </a:p>
+          <a:p>
+            <a:pPr>
+              <a:buFont typeface="Arial" panose="020B0604020202020204" pitchFamily="34" charset="0"/>
+              <a:buChar char="•"/>
+            </a:pPr>
+            <a:r>
+              <a:rPr lang="en-US" smtClean="0"/>
+              <a:t> </a:t>
+            </a:r>
+            <a:r>
+              <a:rPr lang="en-US"/>
+              <a:t>I</a:t>
+            </a:r>
+            <a:r>
+              <a:rPr lang="en-US" smtClean="0"/>
+              <a:t>nteractions over </a:t>
+            </a:r>
+            <a:r>
+              <a:rPr lang="en-US"/>
+              <a:t>HTTP or lightweight messaging</a:t>
+            </a:r>
+            <a:endParaRPr lang="en-US" smtClean="0"/>
+          </a:p>
+          <a:p>
+            <a:pPr>
+              <a:buFont typeface="Arial" panose="020B0604020202020204" pitchFamily="34" charset="0"/>
+              <a:buChar char="•"/>
+            </a:pPr>
+            <a:r>
+              <a:rPr lang="en-US" smtClean="0"/>
+              <a:t> Focus </a:t>
+            </a:r>
+            <a:r>
+              <a:rPr lang="en-US"/>
+              <a:t>on the goals, intended benefits and principles before </a:t>
+            </a:r>
+            <a:r>
+              <a:rPr lang="en-US" smtClean="0"/>
+              <a:t>technologies</a:t>
+            </a:r>
+          </a:p>
+          <a:p>
+            <a:pPr>
+              <a:buFont typeface="Arial" panose="020B0604020202020204" pitchFamily="34" charset="0"/>
+              <a:buChar char="•"/>
+            </a:pPr>
+            <a:r>
+              <a:rPr lang="en-US" smtClean="0"/>
+              <a:t> Follow development </a:t>
+            </a:r>
+            <a:r>
+              <a:rPr lang="en-US"/>
+              <a:t>patterns observed within numerous </a:t>
+            </a:r>
+            <a:r>
+              <a:rPr lang="en-US" smtClean="0"/>
+              <a:t>organizations (</a:t>
+            </a:r>
+            <a:r>
+              <a:rPr lang="en-US" b="1" smtClean="0"/>
+              <a:t>TODO RabbiMQ Examples</a:t>
+            </a:r>
+            <a:r>
+              <a:rPr lang="en-US" smtClean="0"/>
+              <a:t>)</a:t>
+            </a:r>
+            <a:endParaRPr lang="en-US"/>
+          </a:p>
+          <a:p>
+            <a:pPr marL="0" indent="0">
+              <a:buNone/>
+            </a:pPr>
+            <a:endParaRPr lang="en-US"/>
+          </a:p>
+        </p:txBody>
+      </p:sp>
+    </p:spTree>
+    <p:extLst>
+      <p:ext uri="{BB962C8B-B14F-4D97-AF65-F5344CB8AC3E}">
+        <p14:creationId xmlns:p14="http://schemas.microsoft.com/office/powerpoint/2010/main" val="2683457971"/>
+      </p:ext>
+    </p:extLst>
+  </p:cSld>
+  <p:clrMapOvr>
+    <a:masterClrMapping/>
+  </p:clrMapOvr>
+  <mc:AlternateContent xmlns:mc="http://schemas.openxmlformats.org/markup-compatibility/2006" xmlns:p14="http://schemas.microsoft.com/office/powerpoint/2010/main">
+    <mc:Choice Requires="p14">
+      <p:transition spd="med" p14:dur="700">
+        <p:fade/>
+      </p:transition>
+    </mc:Choice>
+    <mc:Fallback xmlns="">
+      <p:transition spd="med">
+        <p:fade/>
+      </p:transition>
+    </mc:Fallback>
+  </mc:AlternateContent>
+</p:sld>
+</file>
+
+<file path=ppt/slides/slide7.xml><?xml version="1.0" encoding="utf-8"?>
+<p:sld xmlns:a="http://schemas.openxmlformats.org/drawingml/2006/main" xmlns:r="http://schemas.openxmlformats.org/officeDocument/2006/relationships" xmlns:p="http://schemas.openxmlformats.org/presentationml/2006/main">
+  <p:cSld>
+    <p:spTree>
+      <p:nvGrpSpPr>
+        <p:cNvPr id="1" name=""/>
+        <p:cNvGrpSpPr/>
+        <p:nvPr/>
+      </p:nvGrpSpPr>
+      <p:grpSpPr>
+        <a:xfrm>
+          <a:off x="0" y="0"/>
+          <a:ext cx="0" cy="0"/>
+          <a:chOff x="0" y="0"/>
+          <a:chExt cx="0" cy="0"/>
+        </a:xfrm>
+      </p:grpSpPr>
+      <p:sp>
+        <p:nvSpPr>
+          <p:cNvPr id="2" name="Title 1"/>
+          <p:cNvSpPr>
+            <a:spLocks noGrp="1"/>
+          </p:cNvSpPr>
+          <p:nvPr>
+            <p:ph type="title"/>
+          </p:nvPr>
+        </p:nvSpPr>
+        <p:spPr/>
+        <p:txBody>
+          <a:bodyPr/>
+          <a:lstStyle/>
+          <a:p>
+            <a:r>
+              <a:rPr lang="en-US" smtClean="0"/>
+              <a:t>Architecture examples?</a:t>
+            </a:r>
+            <a:endParaRPr lang="en-US"/>
+          </a:p>
+        </p:txBody>
+      </p:sp>
+      <p:sp>
+        <p:nvSpPr>
+          <p:cNvPr id="3" name="Content Placeholder 2"/>
+          <p:cNvSpPr>
+            <a:spLocks noGrp="1"/>
+          </p:cNvSpPr>
+          <p:nvPr>
+            <p:ph idx="1"/>
+          </p:nvPr>
+        </p:nvSpPr>
+        <p:spPr/>
+        <p:txBody>
+          <a:bodyPr/>
+          <a:lstStyle/>
+          <a:p>
+            <a:r>
+              <a:rPr lang="en-US" smtClean="0"/>
+              <a:t>Messaging at ProtoLabs?</a:t>
+            </a:r>
+          </a:p>
+          <a:p>
+            <a:r>
+              <a:rPr lang="en-US" smtClean="0"/>
+              <a:t>Microsevice overview at ProtoLabs?</a:t>
+            </a:r>
+          </a:p>
+          <a:p>
+            <a:r>
+              <a:rPr lang="en-US" smtClean="0"/>
+              <a:t>Messaging Patterns we are using.</a:t>
+            </a:r>
+          </a:p>
+          <a:p>
+            <a:r>
+              <a:rPr lang="en-US" smtClean="0"/>
+              <a:t>What works?</a:t>
+            </a:r>
+          </a:p>
+          <a:p>
+            <a:r>
+              <a:rPr lang="en-US" smtClean="0"/>
+              <a:t>What doesn’t work?</a:t>
+            </a:r>
+          </a:p>
+          <a:p>
+            <a:r>
+              <a:rPr lang="en-US" smtClean="0"/>
+              <a:t>HA options</a:t>
+            </a:r>
+          </a:p>
+          <a:p>
+            <a:endParaRPr lang="en-US"/>
+          </a:p>
+        </p:txBody>
+      </p:sp>
+    </p:spTree>
+    <p:extLst>
+      <p:ext uri="{BB962C8B-B14F-4D97-AF65-F5344CB8AC3E}">
+        <p14:creationId xmlns:p14="http://schemas.microsoft.com/office/powerpoint/2010/main" val="652041732"/>
+      </p:ext>
+    </p:extLst>
+  </p:cSld>
+  <p:clrMapOvr>
+    <a:masterClrMapping/>
+  </p:clrMapOvr>
+  <mc:AlternateContent xmlns:mc="http://schemas.openxmlformats.org/markup-compatibility/2006" xmlns:p14="http://schemas.microsoft.com/office/powerpoint/2010/main">
+    <mc:Choice Requires="p14">
+      <p:transition spd="med" p14:dur="700">
+        <p:fade/>
+      </p:transition>
+    </mc:Choice>
+    <mc:Fallback xmlns="">
+      <p:transition spd="med">
+        <p:fade/>
+      </p:transition>
+    </mc:Fallback>
+  </mc:AlternateContent>
+</p:sld>
+</file>
+
+<file path=ppt/slides/slide8.xml><?xml version="1.0" encoding="utf-8"?>
+<p:sld xmlns:a="http://schemas.openxmlformats.org/drawingml/2006/main" xmlns:r="http://schemas.openxmlformats.org/officeDocument/2006/relationships" xmlns:p="http://schemas.openxmlformats.org/presentationml/2006/main">
+  <p:cSld>
+    <p:spTree>
+      <p:nvGrpSpPr>
+        <p:cNvPr id="1" name=""/>
+        <p:cNvGrpSpPr/>
+        <p:nvPr/>
+      </p:nvGrpSpPr>
+      <p:grpSpPr>
+        <a:xfrm>
+          <a:off x="0" y="0"/>
+          <a:ext cx="0" cy="0"/>
+          <a:chOff x="0" y="0"/>
+          <a:chExt cx="0" cy="0"/>
+        </a:xfrm>
+      </p:grpSpPr>
+      <p:sp>
+        <p:nvSpPr>
+          <p:cNvPr id="2" name="Title 1"/>
+          <p:cNvSpPr>
+            <a:spLocks noGrp="1"/>
+          </p:cNvSpPr>
+          <p:nvPr>
+            <p:ph type="title"/>
+          </p:nvPr>
+        </p:nvSpPr>
+        <p:spPr/>
+        <p:txBody>
+          <a:bodyPr/>
+          <a:lstStyle/>
+          <a:p>
+            <a:r>
+              <a:rPr lang="en-US" dirty="0" smtClean="0"/>
+              <a:t>What is </a:t>
+            </a:r>
+            <a:r>
+              <a:rPr lang="en-US" dirty="0" err="1" smtClean="0"/>
+              <a:t>RabbitMQ</a:t>
+            </a:r>
+            <a:r>
+              <a:rPr lang="en-US" dirty="0" smtClean="0"/>
+              <a:t>?</a:t>
+            </a:r>
+            <a:endParaRPr lang="en-US" dirty="0"/>
+          </a:p>
+        </p:txBody>
+      </p:sp>
+      <p:sp>
+        <p:nvSpPr>
+          <p:cNvPr id="3" name="Content Placeholder 2"/>
+          <p:cNvSpPr>
+            <a:spLocks noGrp="1"/>
+          </p:cNvSpPr>
+          <p:nvPr>
+            <p:ph idx="1"/>
+          </p:nvPr>
+        </p:nvSpPr>
+        <p:spPr/>
+        <p:txBody>
+          <a:bodyPr>
+            <a:normAutofit/>
+          </a:bodyPr>
+          <a:lstStyle/>
+          <a:p>
+            <a:r>
+              <a:rPr lang="en-US" dirty="0"/>
+              <a:t>AMQP </a:t>
+            </a:r>
+            <a:r>
+              <a:rPr lang="en-US" dirty="0" smtClean="0"/>
+              <a:t>Protocol </a:t>
+            </a:r>
+            <a:r>
+              <a:rPr lang="en-US" dirty="0"/>
+              <a:t>"core" protocol supported by the broker</a:t>
+            </a:r>
+            <a:endParaRPr lang="en-US" dirty="0" smtClean="0"/>
+          </a:p>
+          <a:p>
+            <a:r>
+              <a:rPr lang="en-US" dirty="0" smtClean="0"/>
+              <a:t>Open Source Messaging System</a:t>
+            </a:r>
+          </a:p>
+          <a:p>
+            <a:r>
+              <a:rPr lang="en-US" dirty="0" smtClean="0"/>
+              <a:t>Reliability</a:t>
+            </a:r>
+          </a:p>
+          <a:p>
+            <a:r>
+              <a:rPr lang="en-US" dirty="0" smtClean="0"/>
+              <a:t>Routing</a:t>
+            </a:r>
+          </a:p>
+          <a:p>
+            <a:r>
+              <a:rPr lang="en-US" dirty="0" smtClean="0"/>
+              <a:t>Clustering and High Availability</a:t>
+            </a:r>
+          </a:p>
+          <a:p>
+            <a:r>
+              <a:rPr lang="en-US" dirty="0" smtClean="0"/>
+              <a:t>Management UI and API</a:t>
+            </a:r>
+          </a:p>
+          <a:p>
+            <a:r>
+              <a:rPr lang="en-US" dirty="0" smtClean="0"/>
+              <a:t>Client Libraries</a:t>
+            </a:r>
+            <a:endParaRPr lang="en-US" dirty="0"/>
+          </a:p>
+        </p:txBody>
+      </p:sp>
+    </p:spTree>
+    <p:extLst>
+      <p:ext uri="{BB962C8B-B14F-4D97-AF65-F5344CB8AC3E}">
+        <p14:creationId xmlns:p14="http://schemas.microsoft.com/office/powerpoint/2010/main" val="1334477121"/>
+      </p:ext>
+    </p:extLst>
+  </p:cSld>
+  <p:clrMapOvr>
+    <a:masterClrMapping/>
+  </p:clrMapOvr>
+  <mc:AlternateContent xmlns:mc="http://schemas.openxmlformats.org/markup-compatibility/2006" xmlns:p14="http://schemas.microsoft.com/office/powerpoint/2010/main">
+    <mc:Choice Requires="p14">
+      <p:transition spd="med" p14:dur="700">
+        <p:fade/>
+      </p:transition>
+    </mc:Choice>
+    <mc:Fallback xmlns="">
+      <p:transition spd="med">
+        <p:fade/>
+      </p:transition>
+    </mc:Fallback>
+  </mc:AlternateContent>
+</p:sld>
+</file>
+
 <file path=ppt/slides/slide9.xml><?xml version="1.0" encoding="utf-8"?>
 <p:sld xmlns:a="http://schemas.openxmlformats.org/drawingml/2006/main" xmlns:r="http://schemas.openxmlformats.org/officeDocument/2006/relationships" xmlns:p="http://schemas.openxmlformats.org/presentationml/2006/main">
   <p:cSld>
@@ -11693,9 +12832,10 @@
           <a:lstStyle/>
           <a:p>
             <a:r>
-              <a:rPr lang="en-US" dirty="0"/>
-              <a:t>Two Content Layout with SmartArt</a:t>
-            </a:r>
+              <a:rPr lang="en-US" dirty="0" smtClean="0"/>
+              <a:t>What is AMQP? </a:t>
+            </a:r>
+            <a:endParaRPr lang="en-US" dirty="0"/>
           </a:p>
         </p:txBody>
       </p:sp>
@@ -11706,7 +12846,7 @@
             <a:spLocks noGrp="1"/>
           </p:cNvSpPr>
           <p:nvPr>
-            <p:ph sz="half" idx="1"/>
+            <p:ph idx="1"/>
           </p:nvPr>
         </p:nvSpPr>
         <p:spPr/>
@@ -11715,53 +12855,91 @@
           <a:lstStyle/>
           <a:p>
             <a:r>
+              <a:rPr lang="en-US" dirty="0" smtClean="0"/>
+              <a:t>Advanced Message Queue Protocol</a:t>
+            </a:r>
+          </a:p>
+          <a:p>
+            <a:r>
+              <a:rPr lang="en-US" dirty="0" smtClean="0"/>
+              <a:t>Network protocol to enable client apps to communicate with compatible messaging systems</a:t>
+            </a:r>
+          </a:p>
+          <a:p>
+            <a:r>
               <a:rPr lang="en-US" dirty="0"/>
-              <a:t>First bullet point here</a:t>
-            </a:r>
+              <a:t>AMQP was designed with the following main characteristics as goals:</a:t>
+            </a:r>
+          </a:p>
+          <a:p>
+            <a:endParaRPr lang="en-US" dirty="0"/>
           </a:p>
           <a:p>
             <a:r>
               <a:rPr lang="en-US" dirty="0"/>
-              <a:t>Second bullet point here</a:t>
+              <a:t>Security</a:t>
             </a:r>
           </a:p>
           <a:p>
             <a:r>
               <a:rPr lang="en-US" dirty="0"/>
-              <a:t>Third bullet point here</a:t>
-            </a:r>
+              <a:t>Reliability</a:t>
+            </a:r>
+          </a:p>
+          <a:p>
+            <a:r>
+              <a:rPr lang="en-US" dirty="0"/>
+              <a:t>Interoperability</a:t>
+            </a:r>
+          </a:p>
+          <a:p>
+            <a:r>
+              <a:rPr lang="en-US" dirty="0"/>
+              <a:t>Standard</a:t>
+            </a:r>
+          </a:p>
+          <a:p>
+            <a:r>
+              <a:rPr lang="en-US" dirty="0"/>
+              <a:t>Open</a:t>
+            </a:r>
+          </a:p>
+          <a:p>
+            <a:endParaRPr lang="en-US" dirty="0" smtClean="0"/>
+          </a:p>
+          <a:p>
+            <a:endParaRPr lang="en-US" dirty="0"/>
           </a:p>
         </p:txBody>
       </p:sp>
-      <p:graphicFrame>
-        <p:nvGraphicFramePr>
-          <p:cNvPr id="5" name="Content Placeholder 4" descr="Staggered process showing 3 tasks arranged one below the other and two downward pointing arrows are used to indicate progression from first task to second task and second task to third task."/>
-          <p:cNvGraphicFramePr>
-            <a:graphicFrameLocks noGrp="1"/>
-          </p:cNvGraphicFramePr>
-          <p:nvPr>
-            <p:ph sz="half" idx="2"/>
-            <p:extLst>
-              <p:ext uri="{D42A27DB-BD31-4B8C-83A1-F6EECF244321}">
-                <p14:modId xmlns:p14="http://schemas.microsoft.com/office/powerpoint/2010/main" val="2561100622"/>
-              </p:ext>
-            </p:extLst>
-          </p:nvPr>
-        </p:nvGraphicFramePr>
-        <p:xfrm>
-          <a:off x="6216650" y="1846263"/>
-          <a:ext cx="4935538" cy="4022725"/>
-        </p:xfrm>
-        <a:graphic>
-          <a:graphicData uri="http://schemas.openxmlformats.org/drawingml/2006/diagram">
-            <dgm:relIds xmlns:dgm="http://schemas.openxmlformats.org/drawingml/2006/diagram" xmlns:r="http://schemas.openxmlformats.org/officeDocument/2006/relationships" r:dm="rId3" r:lo="rId4" r:qs="rId5" r:cs="rId6"/>
-          </a:graphicData>
-        </a:graphic>
-      </p:graphicFrame>
+      <p:pic>
+        <p:nvPicPr>
+          <p:cNvPr id="4" name="Content Placeholder 3"/>
+          <p:cNvPicPr>
+            <a:picLocks noChangeAspect="1"/>
+          </p:cNvPicPr>
+          <p:nvPr/>
+        </p:nvPicPr>
+        <p:blipFill>
+          <a:blip r:embed="rId2"/>
+          <a:stretch>
+            <a:fillRect/>
+          </a:stretch>
+        </p:blipFill>
+        <p:spPr>
+          <a:xfrm>
+            <a:off x="3960812" y="3163790"/>
+            <a:ext cx="7085019" cy="2676121"/>
+          </a:xfrm>
+          <a:prstGeom prst="rect">
+            <a:avLst/>
+          </a:prstGeom>
+        </p:spPr>
+      </p:pic>
     </p:spTree>
     <p:extLst>
       <p:ext uri="{BB962C8B-B14F-4D97-AF65-F5344CB8AC3E}">
-        <p14:creationId xmlns:p14="http://schemas.microsoft.com/office/powerpoint/2010/main" val="4123189245"/>
+        <p14:creationId xmlns:p14="http://schemas.microsoft.com/office/powerpoint/2010/main" val="1749204996"/>
       </p:ext>
     </p:extLst>
   </p:cSld>
@@ -12657,6 +13835,151 @@
 </file>
 
 <file path=customXml/item1.xml><?xml version="1.0" encoding="utf-8"?>
+<?mso-contentType ?>
+<FormTemplates xmlns="http://schemas.microsoft.com/sharepoint/v3/contenttype/forms">
+  <Display>DocumentLibraryForm</Display>
+  <Edit>AssetEditForm</Edit>
+  <New>DocumentLibraryForm</New>
+</FormTemplates>
+</file>
+
+<file path=customXml/item2.xml><?xml version="1.0" encoding="utf-8"?>
+<p:properties xmlns:p="http://schemas.microsoft.com/office/2006/metadata/properties" xmlns:xsi="http://www.w3.org/2001/XMLSchema-instance" xmlns:pc="http://schemas.microsoft.com/office/infopath/2007/PartnerControls">
+  <documentManagement>
+    <LocPublishedLinkedAssetsLookup xmlns="4873beb7-5857-4685-be1f-d57550cc96cc" xsi:nil="true"/>
+    <ApprovalStatus xmlns="4873beb7-5857-4685-be1f-d57550cc96cc">InProgress</ApprovalStatus>
+    <MarketSpecific xmlns="4873beb7-5857-4685-be1f-d57550cc96cc">false</MarketSpecific>
+    <LocComments xmlns="4873beb7-5857-4685-be1f-d57550cc96cc" xsi:nil="true"/>
+    <LocLastLocAttemptVersionTypeLookup xmlns="4873beb7-5857-4685-be1f-d57550cc96cc" xsi:nil="true"/>
+    <DirectSourceMarket xmlns="4873beb7-5857-4685-be1f-d57550cc96cc" xsi:nil="true"/>
+    <ThumbnailAssetId xmlns="4873beb7-5857-4685-be1f-d57550cc96cc" xsi:nil="true"/>
+    <PrimaryImageGen xmlns="4873beb7-5857-4685-be1f-d57550cc96cc">false</PrimaryImageGen>
+    <LocNewPublishedVersionLookup xmlns="4873beb7-5857-4685-be1f-d57550cc96cc" xsi:nil="true"/>
+    <LegacyData xmlns="4873beb7-5857-4685-be1f-d57550cc96cc" xsi:nil="true"/>
+    <LocRecommendedHandoff xmlns="4873beb7-5857-4685-be1f-d57550cc96cc" xsi:nil="true"/>
+    <BusinessGroup xmlns="4873beb7-5857-4685-be1f-d57550cc96cc" xsi:nil="true"/>
+    <BlockPublish xmlns="4873beb7-5857-4685-be1f-d57550cc96cc">false</BlockPublish>
+    <TPFriendlyName xmlns="4873beb7-5857-4685-be1f-d57550cc96cc" xsi:nil="true"/>
+    <LocOverallPublishStatusLookup xmlns="4873beb7-5857-4685-be1f-d57550cc96cc" xsi:nil="true"/>
+    <NumericId xmlns="4873beb7-5857-4685-be1f-d57550cc96cc" xsi:nil="true"/>
+    <APEditor xmlns="4873beb7-5857-4685-be1f-d57550cc96cc">
+      <UserInfo>
+        <DisplayName/>
+        <AccountId xsi:nil="true"/>
+        <AccountType/>
+      </UserInfo>
+    </APEditor>
+    <SourceTitle xmlns="4873beb7-5857-4685-be1f-d57550cc96cc" xsi:nil="true"/>
+    <OpenTemplate xmlns="4873beb7-5857-4685-be1f-d57550cc96cc">true</OpenTemplate>
+    <LocOverallLocStatusLookup xmlns="4873beb7-5857-4685-be1f-d57550cc96cc" xsi:nil="true"/>
+    <UALocComments xmlns="4873beb7-5857-4685-be1f-d57550cc96cc" xsi:nil="true"/>
+    <ParentAssetId xmlns="4873beb7-5857-4685-be1f-d57550cc96cc" xsi:nil="true"/>
+    <IntlLangReviewDate xmlns="4873beb7-5857-4685-be1f-d57550cc96cc" xsi:nil="true"/>
+    <FeatureTagsTaxHTField0 xmlns="4873beb7-5857-4685-be1f-d57550cc96cc">
+      <Terms xmlns="http://schemas.microsoft.com/office/infopath/2007/PartnerControls"/>
+    </FeatureTagsTaxHTField0>
+    <PublishStatusLookup xmlns="4873beb7-5857-4685-be1f-d57550cc96cc">
+      <Value>1345093</Value>
+    </PublishStatusLookup>
+    <Providers xmlns="4873beb7-5857-4685-be1f-d57550cc96cc" xsi:nil="true"/>
+    <MachineTranslated xmlns="4873beb7-5857-4685-be1f-d57550cc96cc">false</MachineTranslated>
+    <OriginalSourceMarket xmlns="4873beb7-5857-4685-be1f-d57550cc96cc" xsi:nil="true"/>
+    <APDescription xmlns="4873beb7-5857-4685-be1f-d57550cc96cc">This simple template design works for technology and  businesses, but it's versatile enough to use in other contexts.  It features multiple slide layouts designed for widescreen (16x9 resolution) and includes a sample SmartArt list and chart that are easily editable.</APDescription>
+    <ClipArtFilename xmlns="4873beb7-5857-4685-be1f-d57550cc96cc" xsi:nil="true"/>
+    <ContentItem xmlns="4873beb7-5857-4685-be1f-d57550cc96cc" xsi:nil="true"/>
+    <TPInstallLocation xmlns="4873beb7-5857-4685-be1f-d57550cc96cc" xsi:nil="true"/>
+    <PublishTargets xmlns="4873beb7-5857-4685-be1f-d57550cc96cc">OfficeOnlineVNext</PublishTargets>
+    <TimesCloned xmlns="4873beb7-5857-4685-be1f-d57550cc96cc" xsi:nil="true"/>
+    <AssetStart xmlns="4873beb7-5857-4685-be1f-d57550cc96cc">2011-11-26T00:30:00+00:00</AssetStart>
+    <Provider xmlns="4873beb7-5857-4685-be1f-d57550cc96cc" xsi:nil="true"/>
+    <AcquiredFrom xmlns="4873beb7-5857-4685-be1f-d57550cc96cc">Internal MS</AcquiredFrom>
+    <FriendlyTitle xmlns="4873beb7-5857-4685-be1f-d57550cc96cc" xsi:nil="true"/>
+    <LastHandOff xmlns="4873beb7-5857-4685-be1f-d57550cc96cc" xsi:nil="true"/>
+    <TPClientViewer xmlns="4873beb7-5857-4685-be1f-d57550cc96cc" xsi:nil="true"/>
+    <TemplateStatus xmlns="4873beb7-5857-4685-be1f-d57550cc96cc">Complete</TemplateStatus>
+    <Downloads xmlns="4873beb7-5857-4685-be1f-d57550cc96cc">0</Downloads>
+    <OOCacheId xmlns="4873beb7-5857-4685-be1f-d57550cc96cc" xsi:nil="true"/>
+    <IsDeleted xmlns="4873beb7-5857-4685-be1f-d57550cc96cc">false</IsDeleted>
+    <LocPublishedDependentAssetsLookup xmlns="4873beb7-5857-4685-be1f-d57550cc96cc" xsi:nil="true"/>
+    <TPExecutable xmlns="4873beb7-5857-4685-be1f-d57550cc96cc" xsi:nil="true"/>
+    <EditorialTags xmlns="4873beb7-5857-4685-be1f-d57550cc96cc" xsi:nil="true"/>
+    <SubmitterId xmlns="4873beb7-5857-4685-be1f-d57550cc96cc" xsi:nil="true"/>
+    <ApprovalLog xmlns="4873beb7-5857-4685-be1f-d57550cc96cc" xsi:nil="true"/>
+    <AssetType xmlns="4873beb7-5857-4685-be1f-d57550cc96cc">TP</AssetType>
+    <BugNumber xmlns="4873beb7-5857-4685-be1f-d57550cc96cc" xsi:nil="true"/>
+    <CSXSubmissionDate xmlns="4873beb7-5857-4685-be1f-d57550cc96cc" xsi:nil="true"/>
+    <CSXUpdate xmlns="4873beb7-5857-4685-be1f-d57550cc96cc">false</CSXUpdate>
+    <Milestone xmlns="4873beb7-5857-4685-be1f-d57550cc96cc" xsi:nil="true"/>
+    <RecommendationsModifier xmlns="4873beb7-5857-4685-be1f-d57550cc96cc" xsi:nil="true"/>
+    <OriginAsset xmlns="4873beb7-5857-4685-be1f-d57550cc96cc" xsi:nil="true"/>
+    <TPComponent xmlns="4873beb7-5857-4685-be1f-d57550cc96cc" xsi:nil="true"/>
+    <AssetId xmlns="4873beb7-5857-4685-be1f-d57550cc96cc">TP102787989</AssetId>
+    <IntlLocPriority xmlns="4873beb7-5857-4685-be1f-d57550cc96cc" xsi:nil="true"/>
+    <PolicheckWords xmlns="4873beb7-5857-4685-be1f-d57550cc96cc" xsi:nil="true"/>
+    <TPLaunchHelpLink xmlns="4873beb7-5857-4685-be1f-d57550cc96cc" xsi:nil="true"/>
+    <TPApplication xmlns="4873beb7-5857-4685-be1f-d57550cc96cc" xsi:nil="true"/>
+    <CrawlForDependencies xmlns="4873beb7-5857-4685-be1f-d57550cc96cc">false</CrawlForDependencies>
+    <HandoffToMSDN xmlns="4873beb7-5857-4685-be1f-d57550cc96cc" xsi:nil="true"/>
+    <PlannedPubDate xmlns="4873beb7-5857-4685-be1f-d57550cc96cc" xsi:nil="true"/>
+    <IntlLangReviewer xmlns="4873beb7-5857-4685-be1f-d57550cc96cc" xsi:nil="true"/>
+    <TrustLevel xmlns="4873beb7-5857-4685-be1f-d57550cc96cc">1 Microsoft Managed Content</TrustLevel>
+    <LocLastLocAttemptVersionLookup xmlns="4873beb7-5857-4685-be1f-d57550cc96cc">694266</LocLastLocAttemptVersionLookup>
+    <LocProcessedForHandoffsLookup xmlns="4873beb7-5857-4685-be1f-d57550cc96cc" xsi:nil="true"/>
+    <IsSearchable xmlns="4873beb7-5857-4685-be1f-d57550cc96cc">true</IsSearchable>
+    <TemplateTemplateType xmlns="4873beb7-5857-4685-be1f-d57550cc96cc">PowerPoint Presentation Template</TemplateTemplateType>
+    <CampaignTagsTaxHTField0 xmlns="4873beb7-5857-4685-be1f-d57550cc96cc">
+      <Terms xmlns="http://schemas.microsoft.com/office/infopath/2007/PartnerControls"/>
+    </CampaignTagsTaxHTField0>
+    <TPNamespace xmlns="4873beb7-5857-4685-be1f-d57550cc96cc" xsi:nil="true"/>
+    <LocOverallPreviewStatusLookup xmlns="4873beb7-5857-4685-be1f-d57550cc96cc" xsi:nil="true"/>
+    <TaxCatchAll xmlns="4873beb7-5857-4685-be1f-d57550cc96cc"/>
+    <Markets xmlns="4873beb7-5857-4685-be1f-d57550cc96cc"/>
+    <UAProjectedTotalWords xmlns="4873beb7-5857-4685-be1f-d57550cc96cc" xsi:nil="true"/>
+    <IntlLangReview xmlns="4873beb7-5857-4685-be1f-d57550cc96cc" xsi:nil="true"/>
+    <OutputCachingOn xmlns="4873beb7-5857-4685-be1f-d57550cc96cc">false</OutputCachingOn>
+    <AverageRating xmlns="4873beb7-5857-4685-be1f-d57550cc96cc" xsi:nil="true"/>
+    <APAuthor xmlns="4873beb7-5857-4685-be1f-d57550cc96cc">
+      <UserInfo>
+        <DisplayName>REDMOND\kristaa</DisplayName>
+        <AccountId>136</AccountId>
+        <AccountType/>
+      </UserInfo>
+    </APAuthor>
+    <LocManualTestRequired xmlns="4873beb7-5857-4685-be1f-d57550cc96cc">false</LocManualTestRequired>
+    <TPCommandLine xmlns="4873beb7-5857-4685-be1f-d57550cc96cc" xsi:nil="true"/>
+    <TPAppVersion xmlns="4873beb7-5857-4685-be1f-d57550cc96cc" xsi:nil="true"/>
+    <EditorialStatus xmlns="4873beb7-5857-4685-be1f-d57550cc96cc">Complete</EditorialStatus>
+    <LastModifiedDateTime xmlns="4873beb7-5857-4685-be1f-d57550cc96cc" xsi:nil="true"/>
+    <ScenarioTagsTaxHTField0 xmlns="4873beb7-5857-4685-be1f-d57550cc96cc">
+      <Terms xmlns="http://schemas.microsoft.com/office/infopath/2007/PartnerControls"/>
+    </ScenarioTagsTaxHTField0>
+    <LocProcessedForMarketsLookup xmlns="4873beb7-5857-4685-be1f-d57550cc96cc" xsi:nil="true"/>
+    <TPLaunchHelpLinkType xmlns="4873beb7-5857-4685-be1f-d57550cc96cc">Template</TPLaunchHelpLinkType>
+    <OriginalRelease xmlns="4873beb7-5857-4685-be1f-d57550cc96cc">15</OriginalRelease>
+    <LocalizationTagsTaxHTField0 xmlns="4873beb7-5857-4685-be1f-d57550cc96cc">
+      <Terms xmlns="http://schemas.microsoft.com/office/infopath/2007/PartnerControls"/>
+    </LocalizationTagsTaxHTField0>
+    <UACurrentWords xmlns="4873beb7-5857-4685-be1f-d57550cc96cc" xsi:nil="true"/>
+    <ArtSampleDocs xmlns="4873beb7-5857-4685-be1f-d57550cc96cc" xsi:nil="true"/>
+    <UALocRecommendation xmlns="4873beb7-5857-4685-be1f-d57550cc96cc">Localize</UALocRecommendation>
+    <Manager xmlns="4873beb7-5857-4685-be1f-d57550cc96cc" xsi:nil="true"/>
+    <LocOverallHandbackStatusLookup xmlns="4873beb7-5857-4685-be1f-d57550cc96cc" xsi:nil="true"/>
+    <ShowIn xmlns="4873beb7-5857-4685-be1f-d57550cc96cc">Show everywhere</ShowIn>
+    <UANotes xmlns="4873beb7-5857-4685-be1f-d57550cc96cc" xsi:nil="true"/>
+    <InternalTagsTaxHTField0 xmlns="4873beb7-5857-4685-be1f-d57550cc96cc">
+      <Terms xmlns="http://schemas.microsoft.com/office/infopath/2007/PartnerControls"/>
+    </InternalTagsTaxHTField0>
+    <CSXHash xmlns="4873beb7-5857-4685-be1f-d57550cc96cc" xsi:nil="true"/>
+    <VoteCount xmlns="4873beb7-5857-4685-be1f-d57550cc96cc" xsi:nil="true"/>
+    <AssetExpire xmlns="4873beb7-5857-4685-be1f-d57550cc96cc">2029-05-12T07:00:00+00:00</AssetExpire>
+    <DSATActionTaken xmlns="4873beb7-5857-4685-be1f-d57550cc96cc" xsi:nil="true"/>
+    <CSXSubmissionMarket xmlns="4873beb7-5857-4685-be1f-d57550cc96cc" xsi:nil="true"/>
+    <LocMarketGroupTiers2 xmlns="4873beb7-5857-4685-be1f-d57550cc96cc" xsi:nil="true"/>
+  </documentManagement>
+</p:properties>
+</file>
+
+<file path=customXml/item3.xml><?xml version="1.0" encoding="utf-8"?>
 <ct:contentTypeSchema xmlns:ct="http://schemas.microsoft.com/office/2006/metadata/contentType" xmlns:ma="http://schemas.microsoft.com/office/2006/metadata/properties/metaAttributes" ct:_="" ma:_="" ma:contentTypeName="TemplateFile" ma:contentTypeID="0x0101006EDDDB5EE6D98C44930B742096920B300400F5B6D36B3EF94B4E9A635CDF2A18F5B8" ma:contentTypeVersion="72" ma:contentTypeDescription="Create a new document." ma:contentTypeScope="" ma:versionID="a23e56308344d904b51738559c3d67c9">
   <xsd:schema xmlns:xsd="http://www.w3.org/2001/XMLSchema" xmlns:xs="http://www.w3.org/2001/XMLSchema" xmlns:p="http://schemas.microsoft.com/office/2006/metadata/properties" xmlns:ns2="4873beb7-5857-4685-be1f-d57550cc96cc" targetNamespace="http://schemas.microsoft.com/office/2006/metadata/properties" ma:root="true" ma:fieldsID="cd0908cc4600e77bf5da051303e00c8d" ns2:_="">
     <xsd:import namespace="4873beb7-5857-4685-be1f-d57550cc96cc"/>
@@ -13696,152 +15019,31 @@
 </ct:contentTypeSchema>
 </file>
 
-<file path=customXml/item2.xml><?xml version="1.0" encoding="utf-8"?>
-<?mso-contentType ?>
-<FormTemplates xmlns="http://schemas.microsoft.com/sharepoint/v3/contenttype/forms">
-  <Display>DocumentLibraryForm</Display>
-  <Edit>AssetEditForm</Edit>
-  <New>DocumentLibraryForm</New>
-</FormTemplates>
+<file path=customXml/itemProps1.xml><?xml version="1.0" encoding="utf-8"?>
+<ds:datastoreItem xmlns:ds="http://schemas.openxmlformats.org/officeDocument/2006/customXml" ds:itemID="{3836F65B-1B07-41EE-A0E8-BC6EF3855225}">
+  <ds:schemaRefs>
+    <ds:schemaRef ds:uri="http://schemas.microsoft.com/sharepoint/v3/contenttype/forms"/>
+  </ds:schemaRefs>
+</ds:datastoreItem>
 </file>
 
-<file path=customXml/item3.xml><?xml version="1.0" encoding="utf-8"?>
-<p:properties xmlns:p="http://schemas.microsoft.com/office/2006/metadata/properties" xmlns:xsi="http://www.w3.org/2001/XMLSchema-instance" xmlns:pc="http://schemas.microsoft.com/office/infopath/2007/PartnerControls">
-  <documentManagement>
-    <LocPublishedLinkedAssetsLookup xmlns="4873beb7-5857-4685-be1f-d57550cc96cc" xsi:nil="true"/>
-    <ApprovalStatus xmlns="4873beb7-5857-4685-be1f-d57550cc96cc">InProgress</ApprovalStatus>
-    <MarketSpecific xmlns="4873beb7-5857-4685-be1f-d57550cc96cc">false</MarketSpecific>
-    <LocComments xmlns="4873beb7-5857-4685-be1f-d57550cc96cc" xsi:nil="true"/>
-    <LocLastLocAttemptVersionTypeLookup xmlns="4873beb7-5857-4685-be1f-d57550cc96cc" xsi:nil="true"/>
-    <DirectSourceMarket xmlns="4873beb7-5857-4685-be1f-d57550cc96cc" xsi:nil="true"/>
-    <ThumbnailAssetId xmlns="4873beb7-5857-4685-be1f-d57550cc96cc" xsi:nil="true"/>
-    <PrimaryImageGen xmlns="4873beb7-5857-4685-be1f-d57550cc96cc">false</PrimaryImageGen>
-    <LocNewPublishedVersionLookup xmlns="4873beb7-5857-4685-be1f-d57550cc96cc" xsi:nil="true"/>
-    <LegacyData xmlns="4873beb7-5857-4685-be1f-d57550cc96cc" xsi:nil="true"/>
-    <LocRecommendedHandoff xmlns="4873beb7-5857-4685-be1f-d57550cc96cc" xsi:nil="true"/>
-    <BusinessGroup xmlns="4873beb7-5857-4685-be1f-d57550cc96cc" xsi:nil="true"/>
-    <BlockPublish xmlns="4873beb7-5857-4685-be1f-d57550cc96cc">false</BlockPublish>
-    <TPFriendlyName xmlns="4873beb7-5857-4685-be1f-d57550cc96cc" xsi:nil="true"/>
-    <LocOverallPublishStatusLookup xmlns="4873beb7-5857-4685-be1f-d57550cc96cc" xsi:nil="true"/>
-    <NumericId xmlns="4873beb7-5857-4685-be1f-d57550cc96cc" xsi:nil="true"/>
-    <APEditor xmlns="4873beb7-5857-4685-be1f-d57550cc96cc">
-      <UserInfo>
-        <DisplayName/>
-        <AccountId xsi:nil="true"/>
-        <AccountType/>
-      </UserInfo>
-    </APEditor>
-    <SourceTitle xmlns="4873beb7-5857-4685-be1f-d57550cc96cc" xsi:nil="true"/>
-    <OpenTemplate xmlns="4873beb7-5857-4685-be1f-d57550cc96cc">true</OpenTemplate>
-    <LocOverallLocStatusLookup xmlns="4873beb7-5857-4685-be1f-d57550cc96cc" xsi:nil="true"/>
-    <UALocComments xmlns="4873beb7-5857-4685-be1f-d57550cc96cc" xsi:nil="true"/>
-    <ParentAssetId xmlns="4873beb7-5857-4685-be1f-d57550cc96cc" xsi:nil="true"/>
-    <IntlLangReviewDate xmlns="4873beb7-5857-4685-be1f-d57550cc96cc" xsi:nil="true"/>
-    <FeatureTagsTaxHTField0 xmlns="4873beb7-5857-4685-be1f-d57550cc96cc">
-      <Terms xmlns="http://schemas.microsoft.com/office/infopath/2007/PartnerControls"/>
-    </FeatureTagsTaxHTField0>
-    <PublishStatusLookup xmlns="4873beb7-5857-4685-be1f-d57550cc96cc">
-      <Value>1345093</Value>
-    </PublishStatusLookup>
-    <Providers xmlns="4873beb7-5857-4685-be1f-d57550cc96cc" xsi:nil="true"/>
-    <MachineTranslated xmlns="4873beb7-5857-4685-be1f-d57550cc96cc">false</MachineTranslated>
-    <OriginalSourceMarket xmlns="4873beb7-5857-4685-be1f-d57550cc96cc" xsi:nil="true"/>
-    <APDescription xmlns="4873beb7-5857-4685-be1f-d57550cc96cc">This simple template design works for technology and  businesses, but it's versatile enough to use in other contexts.  It features multiple slide layouts designed for widescreen (16x9 resolution) and includes a sample SmartArt list and chart that are easily editable.</APDescription>
-    <ClipArtFilename xmlns="4873beb7-5857-4685-be1f-d57550cc96cc" xsi:nil="true"/>
-    <ContentItem xmlns="4873beb7-5857-4685-be1f-d57550cc96cc" xsi:nil="true"/>
-    <TPInstallLocation xmlns="4873beb7-5857-4685-be1f-d57550cc96cc" xsi:nil="true"/>
-    <PublishTargets xmlns="4873beb7-5857-4685-be1f-d57550cc96cc">OfficeOnlineVNext</PublishTargets>
-    <TimesCloned xmlns="4873beb7-5857-4685-be1f-d57550cc96cc" xsi:nil="true"/>
-    <AssetStart xmlns="4873beb7-5857-4685-be1f-d57550cc96cc">2011-11-26T00:30:00+00:00</AssetStart>
-    <Provider xmlns="4873beb7-5857-4685-be1f-d57550cc96cc" xsi:nil="true"/>
-    <AcquiredFrom xmlns="4873beb7-5857-4685-be1f-d57550cc96cc">Internal MS</AcquiredFrom>
-    <FriendlyTitle xmlns="4873beb7-5857-4685-be1f-d57550cc96cc" xsi:nil="true"/>
-    <LastHandOff xmlns="4873beb7-5857-4685-be1f-d57550cc96cc" xsi:nil="true"/>
-    <TPClientViewer xmlns="4873beb7-5857-4685-be1f-d57550cc96cc" xsi:nil="true"/>
-    <TemplateStatus xmlns="4873beb7-5857-4685-be1f-d57550cc96cc">Complete</TemplateStatus>
-    <Downloads xmlns="4873beb7-5857-4685-be1f-d57550cc96cc">0</Downloads>
-    <OOCacheId xmlns="4873beb7-5857-4685-be1f-d57550cc96cc" xsi:nil="true"/>
-    <IsDeleted xmlns="4873beb7-5857-4685-be1f-d57550cc96cc">false</IsDeleted>
-    <LocPublishedDependentAssetsLookup xmlns="4873beb7-5857-4685-be1f-d57550cc96cc" xsi:nil="true"/>
-    <TPExecutable xmlns="4873beb7-5857-4685-be1f-d57550cc96cc" xsi:nil="true"/>
-    <EditorialTags xmlns="4873beb7-5857-4685-be1f-d57550cc96cc" xsi:nil="true"/>
-    <SubmitterId xmlns="4873beb7-5857-4685-be1f-d57550cc96cc" xsi:nil="true"/>
-    <ApprovalLog xmlns="4873beb7-5857-4685-be1f-d57550cc96cc" xsi:nil="true"/>
-    <AssetType xmlns="4873beb7-5857-4685-be1f-d57550cc96cc">TP</AssetType>
-    <BugNumber xmlns="4873beb7-5857-4685-be1f-d57550cc96cc" xsi:nil="true"/>
-    <CSXSubmissionDate xmlns="4873beb7-5857-4685-be1f-d57550cc96cc" xsi:nil="true"/>
-    <CSXUpdate xmlns="4873beb7-5857-4685-be1f-d57550cc96cc">false</CSXUpdate>
-    <Milestone xmlns="4873beb7-5857-4685-be1f-d57550cc96cc" xsi:nil="true"/>
-    <RecommendationsModifier xmlns="4873beb7-5857-4685-be1f-d57550cc96cc" xsi:nil="true"/>
-    <OriginAsset xmlns="4873beb7-5857-4685-be1f-d57550cc96cc" xsi:nil="true"/>
-    <TPComponent xmlns="4873beb7-5857-4685-be1f-d57550cc96cc" xsi:nil="true"/>
-    <AssetId xmlns="4873beb7-5857-4685-be1f-d57550cc96cc">TP102787989</AssetId>
-    <IntlLocPriority xmlns="4873beb7-5857-4685-be1f-d57550cc96cc" xsi:nil="true"/>
-    <PolicheckWords xmlns="4873beb7-5857-4685-be1f-d57550cc96cc" xsi:nil="true"/>
-    <TPLaunchHelpLink xmlns="4873beb7-5857-4685-be1f-d57550cc96cc" xsi:nil="true"/>
-    <TPApplication xmlns="4873beb7-5857-4685-be1f-d57550cc96cc" xsi:nil="true"/>
-    <CrawlForDependencies xmlns="4873beb7-5857-4685-be1f-d57550cc96cc">false</CrawlForDependencies>
-    <HandoffToMSDN xmlns="4873beb7-5857-4685-be1f-d57550cc96cc" xsi:nil="true"/>
-    <PlannedPubDate xmlns="4873beb7-5857-4685-be1f-d57550cc96cc" xsi:nil="true"/>
-    <IntlLangReviewer xmlns="4873beb7-5857-4685-be1f-d57550cc96cc" xsi:nil="true"/>
-    <TrustLevel xmlns="4873beb7-5857-4685-be1f-d57550cc96cc">1 Microsoft Managed Content</TrustLevel>
-    <LocLastLocAttemptVersionLookup xmlns="4873beb7-5857-4685-be1f-d57550cc96cc">694266</LocLastLocAttemptVersionLookup>
-    <LocProcessedForHandoffsLookup xmlns="4873beb7-5857-4685-be1f-d57550cc96cc" xsi:nil="true"/>
-    <IsSearchable xmlns="4873beb7-5857-4685-be1f-d57550cc96cc">true</IsSearchable>
-    <TemplateTemplateType xmlns="4873beb7-5857-4685-be1f-d57550cc96cc">PowerPoint Presentation Template</TemplateTemplateType>
-    <CampaignTagsTaxHTField0 xmlns="4873beb7-5857-4685-be1f-d57550cc96cc">
-      <Terms xmlns="http://schemas.microsoft.com/office/infopath/2007/PartnerControls"/>
-    </CampaignTagsTaxHTField0>
-    <TPNamespace xmlns="4873beb7-5857-4685-be1f-d57550cc96cc" xsi:nil="true"/>
-    <LocOverallPreviewStatusLookup xmlns="4873beb7-5857-4685-be1f-d57550cc96cc" xsi:nil="true"/>
-    <TaxCatchAll xmlns="4873beb7-5857-4685-be1f-d57550cc96cc"/>
-    <Markets xmlns="4873beb7-5857-4685-be1f-d57550cc96cc"/>
-    <UAProjectedTotalWords xmlns="4873beb7-5857-4685-be1f-d57550cc96cc" xsi:nil="true"/>
-    <IntlLangReview xmlns="4873beb7-5857-4685-be1f-d57550cc96cc" xsi:nil="true"/>
-    <OutputCachingOn xmlns="4873beb7-5857-4685-be1f-d57550cc96cc">false</OutputCachingOn>
-    <AverageRating xmlns="4873beb7-5857-4685-be1f-d57550cc96cc" xsi:nil="true"/>
-    <APAuthor xmlns="4873beb7-5857-4685-be1f-d57550cc96cc">
-      <UserInfo>
-        <DisplayName>REDMOND\kristaa</DisplayName>
-        <AccountId>136</AccountId>
-        <AccountType/>
-      </UserInfo>
-    </APAuthor>
-    <LocManualTestRequired xmlns="4873beb7-5857-4685-be1f-d57550cc96cc">false</LocManualTestRequired>
-    <TPCommandLine xmlns="4873beb7-5857-4685-be1f-d57550cc96cc" xsi:nil="true"/>
-    <TPAppVersion xmlns="4873beb7-5857-4685-be1f-d57550cc96cc" xsi:nil="true"/>
-    <EditorialStatus xmlns="4873beb7-5857-4685-be1f-d57550cc96cc">Complete</EditorialStatus>
-    <LastModifiedDateTime xmlns="4873beb7-5857-4685-be1f-d57550cc96cc" xsi:nil="true"/>
-    <ScenarioTagsTaxHTField0 xmlns="4873beb7-5857-4685-be1f-d57550cc96cc">
-      <Terms xmlns="http://schemas.microsoft.com/office/infopath/2007/PartnerControls"/>
-    </ScenarioTagsTaxHTField0>
-    <LocProcessedForMarketsLookup xmlns="4873beb7-5857-4685-be1f-d57550cc96cc" xsi:nil="true"/>
-    <TPLaunchHelpLinkType xmlns="4873beb7-5857-4685-be1f-d57550cc96cc">Template</TPLaunchHelpLinkType>
-    <OriginalRelease xmlns="4873beb7-5857-4685-be1f-d57550cc96cc">15</OriginalRelease>
-    <LocalizationTagsTaxHTField0 xmlns="4873beb7-5857-4685-be1f-d57550cc96cc">
-      <Terms xmlns="http://schemas.microsoft.com/office/infopath/2007/PartnerControls"/>
-    </LocalizationTagsTaxHTField0>
-    <UACurrentWords xmlns="4873beb7-5857-4685-be1f-d57550cc96cc" xsi:nil="true"/>
-    <ArtSampleDocs xmlns="4873beb7-5857-4685-be1f-d57550cc96cc" xsi:nil="true"/>
-    <UALocRecommendation xmlns="4873beb7-5857-4685-be1f-d57550cc96cc">Localize</UALocRecommendation>
-    <Manager xmlns="4873beb7-5857-4685-be1f-d57550cc96cc" xsi:nil="true"/>
-    <LocOverallHandbackStatusLookup xmlns="4873beb7-5857-4685-be1f-d57550cc96cc" xsi:nil="true"/>
-    <ShowIn xmlns="4873beb7-5857-4685-be1f-d57550cc96cc">Show everywhere</ShowIn>
-    <UANotes xmlns="4873beb7-5857-4685-be1f-d57550cc96cc" xsi:nil="true"/>
-    <InternalTagsTaxHTField0 xmlns="4873beb7-5857-4685-be1f-d57550cc96cc">
-      <Terms xmlns="http://schemas.microsoft.com/office/infopath/2007/PartnerControls"/>
-    </InternalTagsTaxHTField0>
-    <CSXHash xmlns="4873beb7-5857-4685-be1f-d57550cc96cc" xsi:nil="true"/>
-    <VoteCount xmlns="4873beb7-5857-4685-be1f-d57550cc96cc" xsi:nil="true"/>
-    <AssetExpire xmlns="4873beb7-5857-4685-be1f-d57550cc96cc">2029-05-12T07:00:00+00:00</AssetExpire>
-    <DSATActionTaken xmlns="4873beb7-5857-4685-be1f-d57550cc96cc" xsi:nil="true"/>
-    <CSXSubmissionMarket xmlns="4873beb7-5857-4685-be1f-d57550cc96cc" xsi:nil="true"/>
-    <LocMarketGroupTiers2 xmlns="4873beb7-5857-4685-be1f-d57550cc96cc" xsi:nil="true"/>
-  </documentManagement>
-</p:properties>
+<file path=customXml/itemProps2.xml><?xml version="1.0" encoding="utf-8"?>
+<ds:datastoreItem xmlns:ds="http://schemas.openxmlformats.org/officeDocument/2006/customXml" ds:itemID="{60C67BEE-D13F-4BD2-98A5-34D8A0977F68}">
+  <ds:schemaRefs>
+    <ds:schemaRef ds:uri="http://purl.org/dc/terms/"/>
+    <ds:schemaRef ds:uri="http://purl.org/dc/dcmitype/"/>
+    <ds:schemaRef ds:uri="http://schemas.microsoft.com/office/2006/documentManagement/types"/>
+    <ds:schemaRef ds:uri="http://purl.org/dc/elements/1.1/"/>
+    <ds:schemaRef ds:uri="http://schemas.microsoft.com/office/2006/metadata/properties"/>
+    <ds:schemaRef ds:uri="http://schemas.openxmlformats.org/package/2006/metadata/core-properties"/>
+    <ds:schemaRef ds:uri="http://schemas.microsoft.com/office/infopath/2007/PartnerControls"/>
+    <ds:schemaRef ds:uri="4873beb7-5857-4685-be1f-d57550cc96cc"/>
+    <ds:schemaRef ds:uri="http://www.w3.org/XML/1998/namespace"/>
+  </ds:schemaRefs>
+</ds:datastoreItem>
 </file>
 
-<file path=customXml/itemProps1.xml><?xml version="1.0" encoding="utf-8"?>
+<file path=customXml/itemProps3.xml><?xml version="1.0" encoding="utf-8"?>
 <ds:datastoreItem xmlns:ds="http://schemas.openxmlformats.org/officeDocument/2006/customXml" ds:itemID="{A09BF4D4-EF60-4196-BFC3-9462D607978C}">
   <ds:schemaRefs>
     <ds:schemaRef ds:uri="http://schemas.microsoft.com/office/2006/metadata/contentType"/>
@@ -13857,28 +15059,4 @@
     <ds:schemaRef ds:uri="http://schemas.microsoft.com/internal/obd"/>
   </ds:schemaRefs>
 </ds:datastoreItem>
-</file>
-
-<file path=customXml/itemProps2.xml><?xml version="1.0" encoding="utf-8"?>
-<ds:datastoreItem xmlns:ds="http://schemas.openxmlformats.org/officeDocument/2006/customXml" ds:itemID="{3836F65B-1B07-41EE-A0E8-BC6EF3855225}">
-  <ds:schemaRefs>
-    <ds:schemaRef ds:uri="http://schemas.microsoft.com/sharepoint/v3/contenttype/forms"/>
-  </ds:schemaRefs>
-</ds:datastoreItem>
-</file>
-
-<file path=customXml/itemProps3.xml><?xml version="1.0" encoding="utf-8"?>
-<ds:datastoreItem xmlns:ds="http://schemas.openxmlformats.org/officeDocument/2006/customXml" ds:itemID="{60C67BEE-D13F-4BD2-98A5-34D8A0977F68}">
-  <ds:schemaRefs>
-    <ds:schemaRef ds:uri="http://schemas.microsoft.com/office/2006/metadata/properties"/>
-    <ds:schemaRef ds:uri="4873beb7-5857-4685-be1f-d57550cc96cc"/>
-    <ds:schemaRef ds:uri="http://schemas.openxmlformats.org/package/2006/metadata/core-properties"/>
-    <ds:schemaRef ds:uri="http://purl.org/dc/terms/"/>
-    <ds:schemaRef ds:uri="http://schemas.microsoft.com/office/infopath/2007/PartnerControls"/>
-    <ds:schemaRef ds:uri="http://schemas.microsoft.com/office/2006/documentManagement/types"/>
-    <ds:schemaRef ds:uri="http://purl.org/dc/elements/1.1/"/>
-    <ds:schemaRef ds:uri="http://www.w3.org/XML/1998/namespace"/>
-    <ds:schemaRef ds:uri="http://purl.org/dc/dcmitype/"/>
-  </ds:schemaRefs>
-</ds:datastoreItem>
 </file>
--- a/Microservice_plumbing_with_RabbitMQ.pptx
+++ b/Microservice_plumbing_with_RabbitMQ.pptx
@@ -5,32 +5,48 @@
     <p:sldMasterId id="2147483702" r:id="rId4"/>
   </p:sldMasterIdLst>
   <p:notesMasterIdLst>
-    <p:notesMasterId r:id="rId25"/>
+    <p:notesMasterId r:id="rId41"/>
   </p:notesMasterIdLst>
   <p:handoutMasterIdLst>
-    <p:handoutMasterId r:id="rId26"/>
+    <p:handoutMasterId r:id="rId42"/>
   </p:handoutMasterIdLst>
   <p:sldIdLst>
     <p:sldId id="257" r:id="rId5"/>
     <p:sldId id="277" r:id="rId6"/>
-    <p:sldId id="279" r:id="rId7"/>
-    <p:sldId id="280" r:id="rId8"/>
-    <p:sldId id="278" r:id="rId9"/>
-    <p:sldId id="275" r:id="rId10"/>
-    <p:sldId id="276" r:id="rId11"/>
-    <p:sldId id="272" r:id="rId12"/>
-    <p:sldId id="273" r:id="rId13"/>
-    <p:sldId id="274" r:id="rId14"/>
-    <p:sldId id="268" r:id="rId15"/>
-    <p:sldId id="267" r:id="rId16"/>
-    <p:sldId id="269" r:id="rId17"/>
-    <p:sldId id="270" r:id="rId18"/>
-    <p:sldId id="259" r:id="rId19"/>
-    <p:sldId id="261" r:id="rId20"/>
-    <p:sldId id="262" r:id="rId21"/>
-    <p:sldId id="263" r:id="rId22"/>
-    <p:sldId id="271" r:id="rId23"/>
-    <p:sldId id="265" r:id="rId24"/>
+    <p:sldId id="296" r:id="rId7"/>
+    <p:sldId id="272" r:id="rId8"/>
+    <p:sldId id="273" r:id="rId9"/>
+    <p:sldId id="290" r:id="rId10"/>
+    <p:sldId id="275" r:id="rId11"/>
+    <p:sldId id="297" r:id="rId12"/>
+    <p:sldId id="279" r:id="rId13"/>
+    <p:sldId id="291" r:id="rId14"/>
+    <p:sldId id="295" r:id="rId15"/>
+    <p:sldId id="292" r:id="rId16"/>
+    <p:sldId id="293" r:id="rId17"/>
+    <p:sldId id="294" r:id="rId18"/>
+    <p:sldId id="281" r:id="rId19"/>
+    <p:sldId id="282" r:id="rId20"/>
+    <p:sldId id="285" r:id="rId21"/>
+    <p:sldId id="274" r:id="rId22"/>
+    <p:sldId id="286" r:id="rId23"/>
+    <p:sldId id="288" r:id="rId24"/>
+    <p:sldId id="287" r:id="rId25"/>
+    <p:sldId id="278" r:id="rId26"/>
+    <p:sldId id="276" r:id="rId27"/>
+    <p:sldId id="289" r:id="rId28"/>
+    <p:sldId id="268" r:id="rId29"/>
+    <p:sldId id="267" r:id="rId30"/>
+    <p:sldId id="269" r:id="rId31"/>
+    <p:sldId id="270" r:id="rId32"/>
+    <p:sldId id="259" r:id="rId33"/>
+    <p:sldId id="261" r:id="rId34"/>
+    <p:sldId id="284" r:id="rId35"/>
+    <p:sldId id="262" r:id="rId36"/>
+    <p:sldId id="263" r:id="rId37"/>
+    <p:sldId id="271" r:id="rId38"/>
+    <p:sldId id="283" r:id="rId39"/>
+    <p:sldId id="265" r:id="rId40"/>
   </p:sldIdLst>
   <p:sldSz cx="12188825" cy="6858000"/>
   <p:notesSz cx="6858000" cy="9144000"/>
@@ -163,7 +179,7 @@
 </file>
 
 <file path=ppt/charts/chart1.xml><?xml version="1.0" encoding="utf-8"?>
-<c:chartSpace xmlns:c="http://schemas.openxmlformats.org/drawingml/2006/chart" xmlns:a="http://schemas.openxmlformats.org/drawingml/2006/main" xmlns:r="http://schemas.openxmlformats.org/officeDocument/2006/relationships">
+<c:chartSpace xmlns:c="http://schemas.openxmlformats.org/drawingml/2006/chart" xmlns:a="http://schemas.openxmlformats.org/drawingml/2006/main" xmlns:r="http://schemas.openxmlformats.org/officeDocument/2006/relationships" xmlns:c16r2="http://schemas.microsoft.com/office/drawing/2015/06/chart">
   <c:date1904 val="0"/>
   <c:lang val="en-US"/>
   <c:roundedCorners val="0"/>
@@ -249,7 +265,7 @@
               </c:numCache>
             </c:numRef>
           </c:val>
-          <c:extLst xmlns:c16r2="http://schemas.microsoft.com/office/drawing/2015/06/chart">
+          <c:extLst>
             <c:ext xmlns:c16="http://schemas.microsoft.com/office/drawing/2014/chart" uri="{C3380CC4-5D6E-409C-BE32-E72D297353CC}">
               <c16:uniqueId val="{00000000-5E92-4051-99BC-2623F45BF7E0}"/>
             </c:ext>
@@ -321,7 +337,7 @@
               </c:numCache>
             </c:numRef>
           </c:val>
-          <c:extLst xmlns:c16r2="http://schemas.microsoft.com/office/drawing/2015/06/chart">
+          <c:extLst>
             <c:ext xmlns:c16="http://schemas.microsoft.com/office/drawing/2014/chart" uri="{C3380CC4-5D6E-409C-BE32-E72D297353CC}">
               <c16:uniqueId val="{00000001-5E92-4051-99BC-2623F45BF7E0}"/>
             </c:ext>
@@ -393,7 +409,7 @@
               </c:numCache>
             </c:numRef>
           </c:val>
-          <c:extLst xmlns:c16r2="http://schemas.microsoft.com/office/drawing/2015/06/chart">
+          <c:extLst>
             <c:ext xmlns:c16="http://schemas.microsoft.com/office/drawing/2014/chart" uri="{C3380CC4-5D6E-409C-BE32-E72D297353CC}">
               <c16:uniqueId val="{00000002-5E92-4051-99BC-2623F45BF7E0}"/>
             </c:ext>
@@ -509,7 +525,6 @@
     </c:plotArea>
     <c:legend>
       <c:legendPos val="t"/>
-      <c:layout/>
       <c:overlay val="0"/>
       <c:spPr>
         <a:noFill/>
@@ -2193,13 +2208,6 @@
         </dgm:presLayoutVars>
       </dgm:prSet>
       <dgm:spPr/>
-      <dgm:t>
-        <a:bodyPr/>
-        <a:lstStyle/>
-        <a:p>
-          <a:endParaRPr lang="en-US"/>
-        </a:p>
-      </dgm:t>
     </dgm:pt>
     <dgm:pt modelId="{3E0E8213-E460-4EB7-9A92-C2B1CC553F0D}" type="pres">
       <dgm:prSet presAssocID="{CD7942A0-B7D2-4B14-8FEA-55FC702F5BE7}" presName="dummyMaxCanvas" presStyleCnt="0">
@@ -2214,13 +2222,6 @@
         </dgm:presLayoutVars>
       </dgm:prSet>
       <dgm:spPr/>
-      <dgm:t>
-        <a:bodyPr/>
-        <a:lstStyle/>
-        <a:p>
-          <a:endParaRPr lang="en-US"/>
-        </a:p>
-      </dgm:t>
     </dgm:pt>
     <dgm:pt modelId="{CA544AF7-F7B2-4CA5-9251-B4CDB8D06634}" type="pres">
       <dgm:prSet presAssocID="{CD7942A0-B7D2-4B14-8FEA-55FC702F5BE7}" presName="ThreeNodes_2" presStyleLbl="node1" presStyleIdx="1" presStyleCnt="3">
@@ -2229,13 +2230,6 @@
         </dgm:presLayoutVars>
       </dgm:prSet>
       <dgm:spPr/>
-      <dgm:t>
-        <a:bodyPr/>
-        <a:lstStyle/>
-        <a:p>
-          <a:endParaRPr lang="en-US"/>
-        </a:p>
-      </dgm:t>
     </dgm:pt>
     <dgm:pt modelId="{2AE92D3F-F0FA-45DD-BB60-4C6FBC6BC016}" type="pres">
       <dgm:prSet presAssocID="{CD7942A0-B7D2-4B14-8FEA-55FC702F5BE7}" presName="ThreeNodes_3" presStyleLbl="node1" presStyleIdx="2" presStyleCnt="3">
@@ -2244,13 +2238,6 @@
         </dgm:presLayoutVars>
       </dgm:prSet>
       <dgm:spPr/>
-      <dgm:t>
-        <a:bodyPr/>
-        <a:lstStyle/>
-        <a:p>
-          <a:endParaRPr lang="en-US"/>
-        </a:p>
-      </dgm:t>
     </dgm:pt>
     <dgm:pt modelId="{9CA877D8-99F8-40A0-89E9-59A61C9A70F4}" type="pres">
       <dgm:prSet presAssocID="{CD7942A0-B7D2-4B14-8FEA-55FC702F5BE7}" presName="ThreeConn_1-2" presStyleLbl="fgAccFollowNode1" presStyleIdx="0" presStyleCnt="2">
@@ -2259,13 +2246,6 @@
         </dgm:presLayoutVars>
       </dgm:prSet>
       <dgm:spPr/>
-      <dgm:t>
-        <a:bodyPr/>
-        <a:lstStyle/>
-        <a:p>
-          <a:endParaRPr lang="en-US"/>
-        </a:p>
-      </dgm:t>
     </dgm:pt>
     <dgm:pt modelId="{62643EF2-016C-41F1-8CBC-398422A85727}" type="pres">
       <dgm:prSet presAssocID="{CD7942A0-B7D2-4B14-8FEA-55FC702F5BE7}" presName="ThreeConn_2-3" presStyleLbl="fgAccFollowNode1" presStyleIdx="1" presStyleCnt="2">
@@ -2274,13 +2254,6 @@
         </dgm:presLayoutVars>
       </dgm:prSet>
       <dgm:spPr/>
-      <dgm:t>
-        <a:bodyPr/>
-        <a:lstStyle/>
-        <a:p>
-          <a:endParaRPr lang="en-US"/>
-        </a:p>
-      </dgm:t>
     </dgm:pt>
     <dgm:pt modelId="{7A2F6994-DA87-4497-BFC7-DD9D6EC5315F}" type="pres">
       <dgm:prSet presAssocID="{CD7942A0-B7D2-4B14-8FEA-55FC702F5BE7}" presName="ThreeNodes_1_text" presStyleLbl="node1" presStyleIdx="2" presStyleCnt="3">
@@ -2289,13 +2262,6 @@
         </dgm:presLayoutVars>
       </dgm:prSet>
       <dgm:spPr/>
-      <dgm:t>
-        <a:bodyPr/>
-        <a:lstStyle/>
-        <a:p>
-          <a:endParaRPr lang="en-US"/>
-        </a:p>
-      </dgm:t>
     </dgm:pt>
     <dgm:pt modelId="{916C48CB-E452-4B79-A9B9-4C9A90B47960}" type="pres">
       <dgm:prSet presAssocID="{CD7942A0-B7D2-4B14-8FEA-55FC702F5BE7}" presName="ThreeNodes_2_text" presStyleLbl="node1" presStyleIdx="2" presStyleCnt="3">
@@ -2304,13 +2270,6 @@
         </dgm:presLayoutVars>
       </dgm:prSet>
       <dgm:spPr/>
-      <dgm:t>
-        <a:bodyPr/>
-        <a:lstStyle/>
-        <a:p>
-          <a:endParaRPr lang="en-US"/>
-        </a:p>
-      </dgm:t>
     </dgm:pt>
     <dgm:pt modelId="{A31D264E-E285-4E5C-8EB7-762CD501BE72}" type="pres">
       <dgm:prSet presAssocID="{CD7942A0-B7D2-4B14-8FEA-55FC702F5BE7}" presName="ThreeNodes_3_text" presStyleLbl="node1" presStyleIdx="2" presStyleCnt="3">
@@ -2319,28 +2278,21 @@
         </dgm:presLayoutVars>
       </dgm:prSet>
       <dgm:spPr/>
-      <dgm:t>
-        <a:bodyPr/>
-        <a:lstStyle/>
-        <a:p>
-          <a:endParaRPr lang="en-US"/>
-        </a:p>
-      </dgm:t>
     </dgm:pt>
   </dgm:ptLst>
   <dgm:cxnLst>
-    <dgm:cxn modelId="{03E7038C-2CC0-496B-88A0-60396CDC31E4}" type="presOf" srcId="{7133ECF5-4190-4604-AA2F-03C9A0A9210F}" destId="{A31D264E-E285-4E5C-8EB7-762CD501BE72}" srcOrd="1" destOrd="0" presId="urn:microsoft.com/office/officeart/2005/8/layout/vProcess5"/>
-    <dgm:cxn modelId="{C2D0E194-BD14-4AD2-9E3A-CE984C34B6CD}" type="presOf" srcId="{CD7942A0-B7D2-4B14-8FEA-55FC702F5BE7}" destId="{1D84D8B6-AB32-4491-B5D2-EFE3D7668B88}" srcOrd="0" destOrd="0" presId="urn:microsoft.com/office/officeart/2005/8/layout/vProcess5"/>
-    <dgm:cxn modelId="{12FC7FDE-4033-4970-A683-61DE6FA84E89}" type="presOf" srcId="{8877691F-1B60-4485-9174-DDEC7EE68B70}" destId="{9CA877D8-99F8-40A0-89E9-59A61C9A70F4}" srcOrd="0" destOrd="0" presId="urn:microsoft.com/office/officeart/2005/8/layout/vProcess5"/>
-    <dgm:cxn modelId="{BB374C9D-646D-46E6-89B4-117F0E21BA34}" type="presOf" srcId="{8EC937D8-BD76-4A12-A3E5-900D5C1E2E05}" destId="{916C48CB-E452-4B79-A9B9-4C9A90B47960}" srcOrd="1" destOrd="0" presId="urn:microsoft.com/office/officeart/2005/8/layout/vProcess5"/>
+    <dgm:cxn modelId="{5A89A138-BC1A-490F-935E-2EC3F74E8E18}" type="presOf" srcId="{7133ECF5-4190-4604-AA2F-03C9A0A9210F}" destId="{2AE92D3F-F0FA-45DD-BB60-4C6FBC6BC016}" srcOrd="0" destOrd="0" presId="urn:microsoft.com/office/officeart/2005/8/layout/vProcess5"/>
     <dgm:cxn modelId="{011A9761-E983-4C7D-AB1D-2038261D8FF8}" srcId="{CD7942A0-B7D2-4B14-8FEA-55FC702F5BE7}" destId="{7133ECF5-4190-4604-AA2F-03C9A0A9210F}" srcOrd="2" destOrd="0" parTransId="{7D1B29D7-21DD-436A-8F7C-E87DE53C1431}" sibTransId="{46037378-034A-4662-877A-B53E1DA069A3}"/>
-    <dgm:cxn modelId="{7C007CEB-6418-4EA7-9CB6-5B93D0C655E6}" type="presOf" srcId="{095A5E99-E976-4550-8F80-53CC813F2F5A}" destId="{7A2F6994-DA87-4497-BFC7-DD9D6EC5315F}" srcOrd="1" destOrd="0" presId="urn:microsoft.com/office/officeart/2005/8/layout/vProcess5"/>
-    <dgm:cxn modelId="{D1A4D8E6-F04E-4AB1-8D0C-63DC7AB1E81F}" srcId="{CD7942A0-B7D2-4B14-8FEA-55FC702F5BE7}" destId="{095A5E99-E976-4550-8F80-53CC813F2F5A}" srcOrd="0" destOrd="0" parTransId="{03339A0D-5DC0-4B29-8353-C5AEBFD4DE86}" sibTransId="{8877691F-1B60-4485-9174-DDEC7EE68B70}"/>
-    <dgm:cxn modelId="{6CF7D6F9-A5F2-48E3-AF5C-A2074559AE21}" type="presOf" srcId="{B3EFD4A5-9FA1-4ABE-B722-05162509509B}" destId="{62643EF2-016C-41F1-8CBC-398422A85727}" srcOrd="0" destOrd="0" presId="urn:microsoft.com/office/officeart/2005/8/layout/vProcess5"/>
-    <dgm:cxn modelId="{5A89A138-BC1A-490F-935E-2EC3F74E8E18}" type="presOf" srcId="{7133ECF5-4190-4604-AA2F-03C9A0A9210F}" destId="{2AE92D3F-F0FA-45DD-BB60-4C6FBC6BC016}" srcOrd="0" destOrd="0" presId="urn:microsoft.com/office/officeart/2005/8/layout/vProcess5"/>
     <dgm:cxn modelId="{8A063A46-8F8D-405A-B2D6-6495FA638F46}" type="presOf" srcId="{8EC937D8-BD76-4A12-A3E5-900D5C1E2E05}" destId="{CA544AF7-F7B2-4CA5-9251-B4CDB8D06634}" srcOrd="0" destOrd="0" presId="urn:microsoft.com/office/officeart/2005/8/layout/vProcess5"/>
     <dgm:cxn modelId="{A071614A-8A85-47B2-A113-0652CAB9B428}" type="presOf" srcId="{095A5E99-E976-4550-8F80-53CC813F2F5A}" destId="{124EF20B-D98C-45B2-BB13-7B93B5373CEB}" srcOrd="0" destOrd="0" presId="urn:microsoft.com/office/officeart/2005/8/layout/vProcess5"/>
     <dgm:cxn modelId="{43DC8383-AEE5-490C-A8E5-1F216F2B8FE6}" srcId="{CD7942A0-B7D2-4B14-8FEA-55FC702F5BE7}" destId="{8EC937D8-BD76-4A12-A3E5-900D5C1E2E05}" srcOrd="1" destOrd="0" parTransId="{8265EE85-9851-494E-A6D3-1CDACE947DF3}" sibTransId="{B3EFD4A5-9FA1-4ABE-B722-05162509509B}"/>
+    <dgm:cxn modelId="{03E7038C-2CC0-496B-88A0-60396CDC31E4}" type="presOf" srcId="{7133ECF5-4190-4604-AA2F-03C9A0A9210F}" destId="{A31D264E-E285-4E5C-8EB7-762CD501BE72}" srcOrd="1" destOrd="0" presId="urn:microsoft.com/office/officeart/2005/8/layout/vProcess5"/>
+    <dgm:cxn modelId="{C2D0E194-BD14-4AD2-9E3A-CE984C34B6CD}" type="presOf" srcId="{CD7942A0-B7D2-4B14-8FEA-55FC702F5BE7}" destId="{1D84D8B6-AB32-4491-B5D2-EFE3D7668B88}" srcOrd="0" destOrd="0" presId="urn:microsoft.com/office/officeart/2005/8/layout/vProcess5"/>
+    <dgm:cxn modelId="{BB374C9D-646D-46E6-89B4-117F0E21BA34}" type="presOf" srcId="{8EC937D8-BD76-4A12-A3E5-900D5C1E2E05}" destId="{916C48CB-E452-4B79-A9B9-4C9A90B47960}" srcOrd="1" destOrd="0" presId="urn:microsoft.com/office/officeart/2005/8/layout/vProcess5"/>
+    <dgm:cxn modelId="{12FC7FDE-4033-4970-A683-61DE6FA84E89}" type="presOf" srcId="{8877691F-1B60-4485-9174-DDEC7EE68B70}" destId="{9CA877D8-99F8-40A0-89E9-59A61C9A70F4}" srcOrd="0" destOrd="0" presId="urn:microsoft.com/office/officeart/2005/8/layout/vProcess5"/>
+    <dgm:cxn modelId="{D1A4D8E6-F04E-4AB1-8D0C-63DC7AB1E81F}" srcId="{CD7942A0-B7D2-4B14-8FEA-55FC702F5BE7}" destId="{095A5E99-E976-4550-8F80-53CC813F2F5A}" srcOrd="0" destOrd="0" parTransId="{03339A0D-5DC0-4B29-8353-C5AEBFD4DE86}" sibTransId="{8877691F-1B60-4485-9174-DDEC7EE68B70}"/>
+    <dgm:cxn modelId="{7C007CEB-6418-4EA7-9CB6-5B93D0C655E6}" type="presOf" srcId="{095A5E99-E976-4550-8F80-53CC813F2F5A}" destId="{7A2F6994-DA87-4497-BFC7-DD9D6EC5315F}" srcOrd="1" destOrd="0" presId="urn:microsoft.com/office/officeart/2005/8/layout/vProcess5"/>
+    <dgm:cxn modelId="{6CF7D6F9-A5F2-48E3-AF5C-A2074559AE21}" type="presOf" srcId="{B3EFD4A5-9FA1-4ABE-B722-05162509509B}" destId="{62643EF2-016C-41F1-8CBC-398422A85727}" srcOrd="0" destOrd="0" presId="urn:microsoft.com/office/officeart/2005/8/layout/vProcess5"/>
     <dgm:cxn modelId="{768DB908-A4BF-48A6-A740-5DD0CBAFBB11}" type="presParOf" srcId="{1D84D8B6-AB32-4491-B5D2-EFE3D7668B88}" destId="{3E0E8213-E460-4EB7-9A92-C2B1CC553F0D}" srcOrd="0" destOrd="0" presId="urn:microsoft.com/office/officeart/2005/8/layout/vProcess5"/>
     <dgm:cxn modelId="{A8B17D3B-E670-4FE0-A845-244C702B8151}" type="presParOf" srcId="{1D84D8B6-AB32-4491-B5D2-EFE3D7668B88}" destId="{124EF20B-D98C-45B2-BB13-7B93B5373CEB}" srcOrd="1" destOrd="0" presId="urn:microsoft.com/office/officeart/2005/8/layout/vProcess5"/>
     <dgm:cxn modelId="{1E8E2D8B-A980-4080-A16E-1F74528DE4D0}" type="presParOf" srcId="{1D84D8B6-AB32-4491-B5D2-EFE3D7668B88}" destId="{CA544AF7-F7B2-4CA5-9251-B4CDB8D06634}" srcOrd="2" destOrd="0" presId="urn:microsoft.com/office/officeart/2005/8/layout/vProcess5"/>
@@ -2434,7 +2386,7 @@
         </a:bodyPr>
         <a:lstStyle/>
         <a:p>
-          <a:pPr lvl="0" algn="l" defTabSz="2311400">
+          <a:pPr marL="0" lvl="0" indent="0" algn="l" defTabSz="2311400">
             <a:lnSpc>
               <a:spcPct val="90000"/>
             </a:lnSpc>
@@ -2444,6 +2396,7 @@
             <a:spcAft>
               <a:spcPct val="35000"/>
             </a:spcAft>
+            <a:buNone/>
           </a:pPr>
           <a:r>
             <a:rPr lang="en-US" sz="5200" kern="1200" dirty="0"/>
@@ -2551,7 +2504,7 @@
         </a:bodyPr>
         <a:lstStyle/>
         <a:p>
-          <a:pPr lvl="0" algn="l" defTabSz="2311400">
+          <a:pPr marL="0" lvl="0" indent="0" algn="l" defTabSz="2311400">
             <a:lnSpc>
               <a:spcPct val="90000"/>
             </a:lnSpc>
@@ -2561,6 +2514,7 @@
             <a:spcAft>
               <a:spcPct val="35000"/>
             </a:spcAft>
+            <a:buNone/>
           </a:pPr>
           <a:r>
             <a:rPr lang="en-US" sz="5200" kern="1200" dirty="0"/>
@@ -2646,7 +2600,7 @@
         </a:bodyPr>
         <a:lstStyle/>
         <a:p>
-          <a:pPr lvl="0" algn="l" defTabSz="2311400">
+          <a:pPr marL="0" lvl="0" indent="0" algn="l" defTabSz="2311400">
             <a:lnSpc>
               <a:spcPct val="90000"/>
             </a:lnSpc>
@@ -2656,6 +2610,7 @@
             <a:spcAft>
               <a:spcPct val="35000"/>
             </a:spcAft>
+            <a:buNone/>
           </a:pPr>
           <a:r>
             <a:rPr lang="en-US" sz="5200" kern="1200" dirty="0"/>
@@ -2727,7 +2682,7 @@
         </a:bodyPr>
         <a:lstStyle/>
         <a:p>
-          <a:pPr lvl="0" algn="ctr" defTabSz="1555750">
+          <a:pPr marL="0" lvl="0" indent="0" algn="ctr" defTabSz="1555750">
             <a:lnSpc>
               <a:spcPct val="90000"/>
             </a:lnSpc>
@@ -2737,6 +2692,7 @@
             <a:spcAft>
               <a:spcPct val="35000"/>
             </a:spcAft>
+            <a:buNone/>
           </a:pPr>
           <a:endParaRPr lang="en-US" sz="3500" kern="1200"/>
         </a:p>
@@ -2805,7 +2761,7 @@
         </a:bodyPr>
         <a:lstStyle/>
         <a:p>
-          <a:pPr lvl="0" algn="ctr" defTabSz="1555750">
+          <a:pPr marL="0" lvl="0" indent="0" algn="ctr" defTabSz="1555750">
             <a:lnSpc>
               <a:spcPct val="90000"/>
             </a:lnSpc>
@@ -2815,6 +2771,7 @@
             <a:spcAft>
               <a:spcPct val="35000"/>
             </a:spcAft>
+            <a:buNone/>
           </a:pPr>
           <a:endParaRPr lang="en-US" sz="3500" kern="1200"/>
         </a:p>
@@ -5170,7 +5127,7 @@
           <a:p>
             <a:fld id="{FE5B4EDC-59C0-49C7-8ADA-5A781B329E02}" type="datetimeFigureOut">
               <a:rPr lang="en-US"/>
-              <a:t>3/20/2019</a:t>
+              <a:t>3/31/2019</a:t>
             </a:fld>
             <a:endParaRPr/>
           </a:p>
@@ -5335,7 +5292,7 @@
           <a:p>
             <a:fld id="{F2D8D46A-B586-417D-BFBD-8C8FE0AAF762}" type="datetimeFigureOut">
               <a:rPr lang="en-US"/>
-              <a:t>3/20/2019</a:t>
+              <a:t>3/31/2019</a:t>
             </a:fld>
             <a:endParaRPr/>
           </a:p>
@@ -5399,35 +5356,30 @@
           <a:p>
             <a:pPr lvl="0"/>
             <a:r>
-              <a:rPr/>
               <a:t>Click to edit Master text styles</a:t>
             </a:r>
           </a:p>
           <a:p>
             <a:pPr lvl="1"/>
             <a:r>
-              <a:rPr/>
               <a:t>Second level</a:t>
             </a:r>
           </a:p>
           <a:p>
             <a:pPr lvl="2"/>
             <a:r>
-              <a:rPr/>
               <a:t>Third level</a:t>
             </a:r>
           </a:p>
           <a:p>
             <a:pPr lvl="3"/>
             <a:r>
-              <a:rPr/>
               <a:t>Fourth level</a:t>
             </a:r>
           </a:p>
           <a:p>
             <a:pPr lvl="4"/>
             <a:r>
-              <a:rPr/>
               <a:t>Fifth level</a:t>
             </a:r>
           </a:p>
@@ -5667,7 +5619,7 @@
           <a:p>
             <a:fld id="{3EBA5BD7-F043-4D1B-AA17-CD412FC534DE}" type="slidenum">
               <a:rPr lang="en-US" smtClean="0"/>
-              <a:t>14</a:t>
+              <a:t>28</a:t>
             </a:fld>
             <a:endParaRPr lang="en-US"/>
           </a:p>
@@ -5816,7 +5768,7 @@
           </a:lstStyle>
           <a:p>
             <a:r>
-              <a:rPr lang="en-US" smtClean="0"/>
+              <a:rPr lang="en-US"/>
               <a:t>Click to edit Master title style</a:t>
             </a:r>
             <a:endParaRPr lang="en-US" dirty="0"/>
@@ -5888,7 +5840,7 @@
           </a:lstStyle>
           <a:p>
             <a:r>
-              <a:rPr lang="en-US" smtClean="0"/>
+              <a:rPr lang="en-US"/>
               <a:t>Click to edit Master subtitle style</a:t>
             </a:r>
             <a:endParaRPr lang="en-US" dirty="0"/>
@@ -5912,7 +5864,7 @@
           <a:p>
             <a:fld id="{F0DFD029-FB74-4578-B929-F66AA97659CA}" type="datetimeFigureOut">
               <a:rPr lang="en-US" smtClean="0"/>
-              <a:t>3/20/2019</a:t>
+              <a:t>3/31/2019</a:t>
             </a:fld>
             <a:endParaRPr lang="en-US"/>
           </a:p>
@@ -6020,13 +5972,6 @@
       </p:transition>
     </mc:Fallback>
   </mc:AlternateContent>
-  <p:timing>
-    <p:tnLst>
-      <p:par>
-        <p:cTn id="1" dur="indefinite" restart="never" nodeType="tmRoot"/>
-      </p:par>
-    </p:tnLst>
-  </p:timing>
 </p:sldLayout>
 </file>
 
@@ -6063,7 +6008,7 @@
           <a:lstStyle/>
           <a:p>
             <a:r>
-              <a:rPr lang="en-US" smtClean="0"/>
+              <a:rPr lang="en-US"/>
               <a:t>Click to edit Master title style</a:t>
             </a:r>
             <a:endParaRPr lang="en-US" dirty="0"/>
@@ -6087,35 +6032,35 @@
           <a:p>
             <a:pPr lvl="0"/>
             <a:r>
-              <a:rPr lang="en-US" smtClean="0"/>
+              <a:rPr lang="en-US"/>
               <a:t>Click to edit Master text styles</a:t>
             </a:r>
           </a:p>
           <a:p>
             <a:pPr lvl="1"/>
             <a:r>
-              <a:rPr lang="en-US" smtClean="0"/>
+              <a:rPr lang="en-US"/>
               <a:t>Second level</a:t>
             </a:r>
           </a:p>
           <a:p>
             <a:pPr lvl="2"/>
             <a:r>
-              <a:rPr lang="en-US" smtClean="0"/>
+              <a:rPr lang="en-US"/>
               <a:t>Third level</a:t>
             </a:r>
           </a:p>
           <a:p>
             <a:pPr lvl="3"/>
             <a:r>
-              <a:rPr lang="en-US" smtClean="0"/>
+              <a:rPr lang="en-US"/>
               <a:t>Fourth level</a:t>
             </a:r>
           </a:p>
           <a:p>
             <a:pPr lvl="4"/>
             <a:r>
-              <a:rPr lang="en-US" smtClean="0"/>
+              <a:rPr lang="en-US"/>
               <a:t>Fifth level</a:t>
             </a:r>
             <a:endParaRPr lang="en-US" dirty="0"/>
@@ -6139,7 +6084,7 @@
           <a:p>
             <a:fld id="{F0DFD029-FB74-4578-B929-F66AA97659CA}" type="datetimeFigureOut">
               <a:rPr lang="en-US" smtClean="0"/>
-              <a:t>3/20/2019</a:t>
+              <a:t>3/31/2019</a:t>
             </a:fld>
             <a:endParaRPr lang="en-US"/>
           </a:p>
@@ -6209,13 +6154,6 @@
       </p:transition>
     </mc:Fallback>
   </mc:AlternateContent>
-  <p:timing>
-    <p:tnLst>
-      <p:par>
-        <p:cTn id="1" dur="indefinite" restart="never" nodeType="tmRoot"/>
-      </p:par>
-    </p:tnLst>
-  </p:timing>
 </p:sldLayout>
 </file>
 
@@ -6333,7 +6271,7 @@
           <a:lstStyle/>
           <a:p>
             <a:r>
-              <a:rPr lang="en-US" smtClean="0"/>
+              <a:rPr lang="en-US"/>
               <a:t>Click to edit Master title style</a:t>
             </a:r>
             <a:endParaRPr lang="en-US" dirty="0"/>
@@ -6362,35 +6300,35 @@
           <a:p>
             <a:pPr lvl="0"/>
             <a:r>
-              <a:rPr lang="en-US" smtClean="0"/>
+              <a:rPr lang="en-US"/>
               <a:t>Click to edit Master text styles</a:t>
             </a:r>
           </a:p>
           <a:p>
             <a:pPr lvl="1"/>
             <a:r>
-              <a:rPr lang="en-US" smtClean="0"/>
+              <a:rPr lang="en-US"/>
               <a:t>Second level</a:t>
             </a:r>
           </a:p>
           <a:p>
             <a:pPr lvl="2"/>
             <a:r>
-              <a:rPr lang="en-US" smtClean="0"/>
+              <a:rPr lang="en-US"/>
               <a:t>Third level</a:t>
             </a:r>
           </a:p>
           <a:p>
             <a:pPr lvl="3"/>
             <a:r>
-              <a:rPr lang="en-US" smtClean="0"/>
+              <a:rPr lang="en-US"/>
               <a:t>Fourth level</a:t>
             </a:r>
           </a:p>
           <a:p>
             <a:pPr lvl="4"/>
             <a:r>
-              <a:rPr lang="en-US" smtClean="0"/>
+              <a:rPr lang="en-US"/>
               <a:t>Fifth level</a:t>
             </a:r>
             <a:endParaRPr lang="en-US" dirty="0"/>
@@ -6414,7 +6352,7 @@
           <a:p>
             <a:fld id="{F0DFD029-FB74-4578-B929-F66AA97659CA}" type="datetimeFigureOut">
               <a:rPr lang="en-US" smtClean="0"/>
-              <a:t>3/20/2019</a:t>
+              <a:t>3/31/2019</a:t>
             </a:fld>
             <a:endParaRPr lang="en-US"/>
           </a:p>
@@ -6484,13 +6422,6 @@
       </p:transition>
     </mc:Fallback>
   </mc:AlternateContent>
-  <p:timing>
-    <p:tnLst>
-      <p:par>
-        <p:cTn id="1" dur="indefinite" restart="never" nodeType="tmRoot"/>
-      </p:par>
-    </p:tnLst>
-  </p:timing>
 </p:sldLayout>
 </file>
 
@@ -6531,7 +6462,7 @@
           </a:lstStyle>
           <a:p>
             <a:r>
-              <a:rPr lang="en-US" smtClean="0"/>
+              <a:rPr lang="en-US"/>
               <a:t>Click to edit Master title style</a:t>
             </a:r>
             <a:endParaRPr lang="en-US" dirty="0"/>
@@ -6555,35 +6486,35 @@
           <a:p>
             <a:pPr lvl="0"/>
             <a:r>
-              <a:rPr lang="en-US" smtClean="0"/>
+              <a:rPr lang="en-US"/>
               <a:t>Click to edit Master text styles</a:t>
             </a:r>
           </a:p>
           <a:p>
             <a:pPr lvl="1"/>
             <a:r>
-              <a:rPr lang="en-US" smtClean="0"/>
+              <a:rPr lang="en-US"/>
               <a:t>Second level</a:t>
             </a:r>
           </a:p>
           <a:p>
             <a:pPr lvl="2"/>
             <a:r>
-              <a:rPr lang="en-US" smtClean="0"/>
+              <a:rPr lang="en-US"/>
               <a:t>Third level</a:t>
             </a:r>
           </a:p>
           <a:p>
             <a:pPr lvl="3"/>
             <a:r>
-              <a:rPr lang="en-US" smtClean="0"/>
+              <a:rPr lang="en-US"/>
               <a:t>Fourth level</a:t>
             </a:r>
           </a:p>
           <a:p>
             <a:pPr lvl="4"/>
             <a:r>
-              <a:rPr lang="en-US" smtClean="0"/>
+              <a:rPr lang="en-US"/>
               <a:t>Fifth level</a:t>
             </a:r>
             <a:endParaRPr lang="en-US" dirty="0"/>
@@ -6607,7 +6538,7 @@
           <a:p>
             <a:fld id="{F0DFD029-FB74-4578-B929-F66AA97659CA}" type="datetimeFigureOut">
               <a:rPr lang="en-US" smtClean="0"/>
-              <a:t>3/20/2019</a:t>
+              <a:t>3/31/2019</a:t>
             </a:fld>
             <a:endParaRPr lang="en-US"/>
           </a:p>
@@ -6677,13 +6608,6 @@
       </p:transition>
     </mc:Fallback>
   </mc:AlternateContent>
-  <p:timing>
-    <p:tnLst>
-      <p:par>
-        <p:cTn id="1" dur="indefinite" restart="never" nodeType="tmRoot"/>
-      </p:par>
-    </p:tnLst>
-  </p:timing>
 </p:sldLayout>
 </file>
 
@@ -6825,7 +6749,7 @@
           </a:lstStyle>
           <a:p>
             <a:r>
-              <a:rPr lang="en-US" smtClean="0"/>
+              <a:rPr lang="en-US"/>
               <a:t>Click to edit Master title style</a:t>
             </a:r>
             <a:endParaRPr lang="en-US" dirty="0"/>
@@ -6946,7 +6870,7 @@
           <a:p>
             <a:pPr lvl="0"/>
             <a:r>
-              <a:rPr lang="en-US" smtClean="0"/>
+              <a:rPr lang="en-US"/>
               <a:t>Click to edit Master text styles</a:t>
             </a:r>
           </a:p>
@@ -6969,7 +6893,7 @@
           <a:p>
             <a:fld id="{F0DFD029-FB74-4578-B929-F66AA97659CA}" type="datetimeFigureOut">
               <a:rPr lang="en-US" smtClean="0"/>
-              <a:t>3/20/2019</a:t>
+              <a:t>3/31/2019</a:t>
             </a:fld>
             <a:endParaRPr lang="en-US"/>
           </a:p>
@@ -7077,13 +7001,6 @@
       </p:transition>
     </mc:Fallback>
   </mc:AlternateContent>
-  <p:timing>
-    <p:tnLst>
-      <p:par>
-        <p:cTn id="1" dur="indefinite" restart="never" nodeType="tmRoot"/>
-      </p:par>
-    </p:tnLst>
-  </p:timing>
 </p:sldLayout>
 </file>
 
@@ -7125,7 +7042,7 @@
           <a:lstStyle/>
           <a:p>
             <a:r>
-              <a:rPr lang="en-US" smtClean="0"/>
+              <a:rPr lang="en-US"/>
               <a:t>Click to edit Master title style</a:t>
             </a:r>
             <a:endParaRPr lang="en-US" dirty="0"/>
@@ -7154,35 +7071,35 @@
           <a:p>
             <a:pPr lvl="0"/>
             <a:r>
-              <a:rPr lang="en-US" smtClean="0"/>
+              <a:rPr lang="en-US"/>
               <a:t>Click to edit Master text styles</a:t>
             </a:r>
           </a:p>
           <a:p>
             <a:pPr lvl="1"/>
             <a:r>
-              <a:rPr lang="en-US" smtClean="0"/>
+              <a:rPr lang="en-US"/>
               <a:t>Second level</a:t>
             </a:r>
           </a:p>
           <a:p>
             <a:pPr lvl="2"/>
             <a:r>
-              <a:rPr lang="en-US" smtClean="0"/>
+              <a:rPr lang="en-US"/>
               <a:t>Third level</a:t>
             </a:r>
           </a:p>
           <a:p>
             <a:pPr lvl="3"/>
             <a:r>
-              <a:rPr lang="en-US" smtClean="0"/>
+              <a:rPr lang="en-US"/>
               <a:t>Fourth level</a:t>
             </a:r>
           </a:p>
           <a:p>
             <a:pPr lvl="4"/>
             <a:r>
-              <a:rPr lang="en-US" smtClean="0"/>
+              <a:rPr lang="en-US"/>
               <a:t>Fifth level</a:t>
             </a:r>
             <a:endParaRPr lang="en-US" dirty="0"/>
@@ -7211,35 +7128,35 @@
           <a:p>
             <a:pPr lvl="0"/>
             <a:r>
-              <a:rPr lang="en-US" smtClean="0"/>
+              <a:rPr lang="en-US"/>
               <a:t>Click to edit Master text styles</a:t>
             </a:r>
           </a:p>
           <a:p>
             <a:pPr lvl="1"/>
             <a:r>
-              <a:rPr lang="en-US" smtClean="0"/>
+              <a:rPr lang="en-US"/>
               <a:t>Second level</a:t>
             </a:r>
           </a:p>
           <a:p>
             <a:pPr lvl="2"/>
             <a:r>
-              <a:rPr lang="en-US" smtClean="0"/>
+              <a:rPr lang="en-US"/>
               <a:t>Third level</a:t>
             </a:r>
           </a:p>
           <a:p>
             <a:pPr lvl="3"/>
             <a:r>
-              <a:rPr lang="en-US" smtClean="0"/>
+              <a:rPr lang="en-US"/>
               <a:t>Fourth level</a:t>
             </a:r>
           </a:p>
           <a:p>
             <a:pPr lvl="4"/>
             <a:r>
-              <a:rPr lang="en-US" smtClean="0"/>
+              <a:rPr lang="en-US"/>
               <a:t>Fifth level</a:t>
             </a:r>
             <a:endParaRPr lang="en-US" dirty="0"/>
@@ -7263,7 +7180,7 @@
           <a:p>
             <a:fld id="{F0DFD029-FB74-4578-B929-F66AA97659CA}" type="datetimeFigureOut">
               <a:rPr lang="en-US" smtClean="0"/>
-              <a:t>3/20/2019</a:t>
+              <a:t>3/31/2019</a:t>
             </a:fld>
             <a:endParaRPr lang="en-US"/>
           </a:p>
@@ -7333,13 +7250,6 @@
       </p:transition>
     </mc:Fallback>
   </mc:AlternateContent>
-  <p:timing>
-    <p:tnLst>
-      <p:par>
-        <p:cTn id="1" dur="indefinite" restart="never" nodeType="tmRoot"/>
-      </p:par>
-    </p:tnLst>
-  </p:timing>
 </p:sldLayout>
 </file>
 
@@ -7381,7 +7291,7 @@
           <a:lstStyle/>
           <a:p>
             <a:r>
-              <a:rPr lang="en-US" smtClean="0"/>
+              <a:rPr lang="en-US"/>
               <a:t>Click to edit Master title style</a:t>
             </a:r>
             <a:endParaRPr lang="en-US" dirty="0"/>
@@ -7453,7 +7363,7 @@
           <a:p>
             <a:pPr lvl="0"/>
             <a:r>
-              <a:rPr lang="en-US" smtClean="0"/>
+              <a:rPr lang="en-US"/>
               <a:t>Click to edit Master text styles</a:t>
             </a:r>
           </a:p>
@@ -7481,35 +7391,35 @@
           <a:p>
             <a:pPr lvl="0"/>
             <a:r>
-              <a:rPr lang="en-US" smtClean="0"/>
+              <a:rPr lang="en-US"/>
               <a:t>Click to edit Master text styles</a:t>
             </a:r>
           </a:p>
           <a:p>
             <a:pPr lvl="1"/>
             <a:r>
-              <a:rPr lang="en-US" smtClean="0"/>
+              <a:rPr lang="en-US"/>
               <a:t>Second level</a:t>
             </a:r>
           </a:p>
           <a:p>
             <a:pPr lvl="2"/>
             <a:r>
-              <a:rPr lang="en-US" smtClean="0"/>
+              <a:rPr lang="en-US"/>
               <a:t>Third level</a:t>
             </a:r>
           </a:p>
           <a:p>
             <a:pPr lvl="3"/>
             <a:r>
-              <a:rPr lang="en-US" smtClean="0"/>
+              <a:rPr lang="en-US"/>
               <a:t>Fourth level</a:t>
             </a:r>
           </a:p>
           <a:p>
             <a:pPr lvl="4"/>
             <a:r>
-              <a:rPr lang="en-US" smtClean="0"/>
+              <a:rPr lang="en-US"/>
               <a:t>Fifth level</a:t>
             </a:r>
             <a:endParaRPr lang="en-US" dirty="0"/>
@@ -7581,7 +7491,7 @@
           <a:p>
             <a:pPr lvl="0"/>
             <a:r>
-              <a:rPr lang="en-US" smtClean="0"/>
+              <a:rPr lang="en-US"/>
               <a:t>Click to edit Master text styles</a:t>
             </a:r>
           </a:p>
@@ -7609,35 +7519,35 @@
           <a:p>
             <a:pPr lvl="0"/>
             <a:r>
-              <a:rPr lang="en-US" smtClean="0"/>
+              <a:rPr lang="en-US"/>
               <a:t>Click to edit Master text styles</a:t>
             </a:r>
           </a:p>
           <a:p>
             <a:pPr lvl="1"/>
             <a:r>
-              <a:rPr lang="en-US" smtClean="0"/>
+              <a:rPr lang="en-US"/>
               <a:t>Second level</a:t>
             </a:r>
           </a:p>
           <a:p>
             <a:pPr lvl="2"/>
             <a:r>
-              <a:rPr lang="en-US" smtClean="0"/>
+              <a:rPr lang="en-US"/>
               <a:t>Third level</a:t>
             </a:r>
           </a:p>
           <a:p>
             <a:pPr lvl="3"/>
             <a:r>
-              <a:rPr lang="en-US" smtClean="0"/>
+              <a:rPr lang="en-US"/>
               <a:t>Fourth level</a:t>
             </a:r>
           </a:p>
           <a:p>
             <a:pPr lvl="4"/>
             <a:r>
-              <a:rPr lang="en-US" smtClean="0"/>
+              <a:rPr lang="en-US"/>
               <a:t>Fifth level</a:t>
             </a:r>
             <a:endParaRPr lang="en-US" dirty="0"/>
@@ -7661,7 +7571,7 @@
           <a:p>
             <a:fld id="{F0DFD029-FB74-4578-B929-F66AA97659CA}" type="datetimeFigureOut">
               <a:rPr lang="en-US" smtClean="0"/>
-              <a:t>3/20/2019</a:t>
+              <a:t>3/31/2019</a:t>
             </a:fld>
             <a:endParaRPr lang="en-US"/>
           </a:p>
@@ -7731,13 +7641,6 @@
       </p:transition>
     </mc:Fallback>
   </mc:AlternateContent>
-  <p:timing>
-    <p:tnLst>
-      <p:par>
-        <p:cTn id="1" dur="indefinite" restart="never" nodeType="tmRoot"/>
-      </p:par>
-    </p:tnLst>
-  </p:timing>
 </p:sldLayout>
 </file>
 
@@ -7774,7 +7677,7 @@
           <a:lstStyle/>
           <a:p>
             <a:r>
-              <a:rPr lang="en-US" smtClean="0"/>
+              <a:rPr lang="en-US"/>
               <a:t>Click to edit Master title style</a:t>
             </a:r>
             <a:endParaRPr lang="en-US" dirty="0"/>
@@ -7798,7 +7701,7 @@
           <a:p>
             <a:fld id="{F0DFD029-FB74-4578-B929-F66AA97659CA}" type="datetimeFigureOut">
               <a:rPr lang="en-US" smtClean="0"/>
-              <a:t>3/20/2019</a:t>
+              <a:t>3/31/2019</a:t>
             </a:fld>
             <a:endParaRPr lang="en-US"/>
           </a:p>
@@ -7868,13 +7771,6 @@
       </p:transition>
     </mc:Fallback>
   </mc:AlternateContent>
-  <p:timing>
-    <p:tnLst>
-      <p:par>
-        <p:cTn id="1" dur="indefinite" restart="never" nodeType="tmRoot"/>
-      </p:par>
-    </p:tnLst>
-  </p:timing>
 </p:sldLayout>
 </file>
 
@@ -7988,7 +7884,7 @@
           <a:p>
             <a:fld id="{F0DFD029-FB74-4578-B929-F66AA97659CA}" type="datetimeFigureOut">
               <a:rPr lang="en-US" smtClean="0"/>
-              <a:t>3/20/2019</a:t>
+              <a:t>3/31/2019</a:t>
             </a:fld>
             <a:endParaRPr lang="en-US"/>
           </a:p>
@@ -8066,13 +7962,6 @@
       </p:transition>
     </mc:Fallback>
   </mc:AlternateContent>
-  <p:timing>
-    <p:tnLst>
-      <p:par>
-        <p:cTn id="1" dur="indefinite" restart="never" nodeType="tmRoot"/>
-      </p:par>
-    </p:tnLst>
-  </p:timing>
 </p:sldLayout>
 </file>
 
@@ -8200,7 +8089,7 @@
           </a:lstStyle>
           <a:p>
             <a:r>
-              <a:rPr lang="en-US" smtClean="0"/>
+              <a:rPr lang="en-US"/>
               <a:t>Click to edit Master title style</a:t>
             </a:r>
             <a:endParaRPr lang="en-US" dirty="0"/>
@@ -8229,35 +8118,35 @@
           <a:p>
             <a:pPr lvl="0"/>
             <a:r>
-              <a:rPr lang="en-US" smtClean="0"/>
+              <a:rPr lang="en-US"/>
               <a:t>Click to edit Master text styles</a:t>
             </a:r>
           </a:p>
           <a:p>
             <a:pPr lvl="1"/>
             <a:r>
-              <a:rPr lang="en-US" smtClean="0"/>
+              <a:rPr lang="en-US"/>
               <a:t>Second level</a:t>
             </a:r>
           </a:p>
           <a:p>
             <a:pPr lvl="2"/>
             <a:r>
-              <a:rPr lang="en-US" smtClean="0"/>
+              <a:rPr lang="en-US"/>
               <a:t>Third level</a:t>
             </a:r>
           </a:p>
           <a:p>
             <a:pPr lvl="3"/>
             <a:r>
-              <a:rPr lang="en-US" smtClean="0"/>
+              <a:rPr lang="en-US"/>
               <a:t>Fourth level</a:t>
             </a:r>
           </a:p>
           <a:p>
             <a:pPr lvl="4"/>
             <a:r>
-              <a:rPr lang="en-US" smtClean="0"/>
+              <a:rPr lang="en-US"/>
               <a:t>Fifth level</a:t>
             </a:r>
             <a:endParaRPr lang="en-US" dirty="0"/>
@@ -8329,7 +8218,7 @@
           <a:p>
             <a:pPr lvl="0"/>
             <a:r>
-              <a:rPr lang="en-US" smtClean="0"/>
+              <a:rPr lang="en-US"/>
               <a:t>Click to edit Master text styles</a:t>
             </a:r>
           </a:p>
@@ -8361,7 +8250,7 @@
           <a:p>
             <a:fld id="{F0DFD029-FB74-4578-B929-F66AA97659CA}" type="datetimeFigureOut">
               <a:rPr lang="en-US" smtClean="0"/>
-              <a:t>3/20/2019</a:t>
+              <a:t>3/31/2019</a:t>
             </a:fld>
             <a:endParaRPr lang="en-US"/>
           </a:p>
@@ -8452,13 +8341,6 @@
       </p:transition>
     </mc:Fallback>
   </mc:AlternateContent>
-  <p:timing>
-    <p:tnLst>
-      <p:par>
-        <p:cTn id="1" dur="indefinite" restart="never" nodeType="tmRoot"/>
-      </p:par>
-    </p:tnLst>
-  </p:timing>
 </p:sldLayout>
 </file>
 
@@ -8586,7 +8468,7 @@
           </a:lstStyle>
           <a:p>
             <a:r>
-              <a:rPr lang="en-US" smtClean="0"/>
+              <a:rPr lang="en-US"/>
               <a:t>Click to edit Master title style</a:t>
             </a:r>
             <a:endParaRPr lang="en-US" dirty="0"/>
@@ -8661,7 +8543,7 @@
           </a:lstStyle>
           <a:p>
             <a:r>
-              <a:rPr lang="en-US" smtClean="0"/>
+              <a:rPr lang="en-US"/>
               <a:t>Click icon to add picture</a:t>
             </a:r>
             <a:endParaRPr lang="en-US" dirty="0"/>
@@ -8739,7 +8621,7 @@
           <a:p>
             <a:pPr lvl="0"/>
             <a:r>
-              <a:rPr lang="en-US" smtClean="0"/>
+              <a:rPr lang="en-US"/>
               <a:t>Click to edit Master text styles</a:t>
             </a:r>
           </a:p>
@@ -8762,7 +8644,7 @@
           <a:p>
             <a:fld id="{F0DFD029-FB74-4578-B929-F66AA97659CA}" type="datetimeFigureOut">
               <a:rPr lang="en-US" smtClean="0"/>
-              <a:t>3/20/2019</a:t>
+              <a:t>3/31/2019</a:t>
             </a:fld>
             <a:endParaRPr lang="en-US"/>
           </a:p>
@@ -8832,13 +8714,6 @@
       </p:transition>
     </mc:Fallback>
   </mc:AlternateContent>
-  <p:timing>
-    <p:tnLst>
-      <p:par>
-        <p:cTn id="1" dur="indefinite" restart="never" nodeType="tmRoot"/>
-      </p:par>
-    </p:tnLst>
-  </p:timing>
 </p:sldLayout>
 </file>
 
@@ -8966,7 +8841,7 @@
           <a:lstStyle/>
           <a:p>
             <a:r>
-              <a:rPr lang="en-US" smtClean="0"/>
+              <a:rPr lang="en-US"/>
               <a:t>Click to edit Master title style</a:t>
             </a:r>
             <a:endParaRPr lang="en-US" dirty="0"/>
@@ -9000,35 +8875,35 @@
           <a:p>
             <a:pPr lvl="0"/>
             <a:r>
-              <a:rPr lang="en-US" smtClean="0"/>
+              <a:rPr lang="en-US"/>
               <a:t>Click to edit Master text styles</a:t>
             </a:r>
           </a:p>
           <a:p>
             <a:pPr lvl="1"/>
             <a:r>
-              <a:rPr lang="en-US" smtClean="0"/>
+              <a:rPr lang="en-US"/>
               <a:t>Second level</a:t>
             </a:r>
           </a:p>
           <a:p>
             <a:pPr lvl="2"/>
             <a:r>
-              <a:rPr lang="en-US" smtClean="0"/>
+              <a:rPr lang="en-US"/>
               <a:t>Third level</a:t>
             </a:r>
           </a:p>
           <a:p>
             <a:pPr lvl="3"/>
             <a:r>
-              <a:rPr lang="en-US" smtClean="0"/>
+              <a:rPr lang="en-US"/>
               <a:t>Fourth level</a:t>
             </a:r>
           </a:p>
           <a:p>
             <a:pPr lvl="4"/>
             <a:r>
-              <a:rPr lang="en-US" smtClean="0"/>
+              <a:rPr lang="en-US"/>
               <a:t>Fifth level</a:t>
             </a:r>
             <a:endParaRPr lang="en-US" dirty="0"/>
@@ -9069,7 +8944,7 @@
             <a:fld id="{F0DFD029-FB74-4578-B929-F66AA97659CA}" type="datetimeFigureOut">
               <a:rPr lang="en-US" smtClean="0"/>
               <a:pPr/>
-              <a:t>3/20/2019</a:t>
+              <a:t>3/31/2019</a:t>
             </a:fld>
             <a:endParaRPr lang="en-US"/>
           </a:p>
@@ -9221,13 +9096,6 @@
       </p:transition>
     </mc:Fallback>
   </mc:AlternateContent>
-  <p:timing>
-    <p:tnLst>
-      <p:par>
-        <p:cTn id="1" dur="indefinite" restart="never" nodeType="tmRoot"/>
-      </p:par>
-    </p:tnLst>
-  </p:timing>
   <p:txStyles>
     <p:titleStyle>
       <a:lvl1pPr algn="l" defTabSz="914126" rtl="0" eaLnBrk="1" latinLnBrk="0" hangingPunct="1">
@@ -9652,19 +9520,7 @@
             </a:r>
             <a:r>
               <a:rPr lang="en-US" sz="4000" dirty="0"/>
-              <a:t> </a:t>
-            </a:r>
-            <a:r>
-              <a:rPr lang="en-US" sz="4000" dirty="0" smtClean="0"/>
-              <a:t>Plumbing </a:t>
-            </a:r>
-            <a:r>
-              <a:rPr lang="en-US" sz="4000" dirty="0"/>
-              <a:t>W</a:t>
-            </a:r>
-            <a:r>
-              <a:rPr lang="en-US" sz="4000" dirty="0" smtClean="0"/>
-              <a:t>ith </a:t>
+              <a:t> Plumbing With </a:t>
             </a:r>
             <a:r>
               <a:rPr lang="en-US" sz="4000" dirty="0" err="1"/>
@@ -9698,11 +9554,7 @@
             </a:r>
             <a:r>
               <a:rPr lang="en-US" sz="2000" b="1"/>
-              <a:t>dumb </a:t>
-            </a:r>
-            <a:r>
-              <a:rPr lang="en-US" sz="2000" b="1" smtClean="0"/>
-              <a:t>pipes</a:t>
+              <a:t>dumb pipes</a:t>
             </a:r>
             <a:endParaRPr lang="en-US" sz="2000" b="1" dirty="0"/>
           </a:p>
@@ -9820,6 +9672,2595 @@
       </p:grpSpPr>
       <p:sp>
         <p:nvSpPr>
+          <p:cNvPr id="2" name="Title 1">
+            <a:extLst>
+              <a:ext uri="{FF2B5EF4-FFF2-40B4-BE49-F238E27FC236}">
+                <a16:creationId xmlns:a16="http://schemas.microsoft.com/office/drawing/2014/main" id="{1DA78D53-10E1-3D47-8D9D-2F50C5A7A488}"/>
+              </a:ext>
+            </a:extLst>
+          </p:cNvPr>
+          <p:cNvSpPr>
+            <a:spLocks noGrp="1"/>
+          </p:cNvSpPr>
+          <p:nvPr>
+            <p:ph type="title"/>
+          </p:nvPr>
+        </p:nvSpPr>
+        <p:spPr/>
+        <p:txBody>
+          <a:bodyPr/>
+          <a:lstStyle/>
+          <a:p>
+            <a:r>
+              <a:rPr lang="en-US"/>
+              <a:t>Fan out example</a:t>
+            </a:r>
+          </a:p>
+        </p:txBody>
+      </p:sp>
+      <p:sp>
+        <p:nvSpPr>
+          <p:cNvPr id="4" name="Oval 3">
+            <a:extLst>
+              <a:ext uri="{FF2B5EF4-FFF2-40B4-BE49-F238E27FC236}">
+                <a16:creationId xmlns:a16="http://schemas.microsoft.com/office/drawing/2014/main" id="{33B998C3-52C7-444E-BB5A-FC8C4EC8A96C}"/>
+              </a:ext>
+            </a:extLst>
+          </p:cNvPr>
+          <p:cNvSpPr/>
+          <p:nvPr/>
+        </p:nvSpPr>
+        <p:spPr>
+          <a:xfrm>
+            <a:off x="752958" y="3097147"/>
+            <a:ext cx="2277069" cy="1080494"/>
+          </a:xfrm>
+          <a:prstGeom prst="ellipse">
+            <a:avLst/>
+          </a:prstGeom>
+        </p:spPr>
+        <p:style>
+          <a:lnRef idx="2">
+            <a:schemeClr val="accent1">
+              <a:shade val="50000"/>
+            </a:schemeClr>
+          </a:lnRef>
+          <a:fillRef idx="1">
+            <a:schemeClr val="accent1"/>
+          </a:fillRef>
+          <a:effectRef idx="0">
+            <a:schemeClr val="accent1"/>
+          </a:effectRef>
+          <a:fontRef idx="minor">
+            <a:schemeClr val="lt1"/>
+          </a:fontRef>
+        </p:style>
+        <p:txBody>
+          <a:bodyPr rtlCol="0" anchor="ctr"/>
+          <a:lstStyle/>
+          <a:p>
+            <a:pPr algn="ctr"/>
+            <a:r>
+              <a:rPr lang="en-US"/>
+              <a:t>Publisher</a:t>
+            </a:r>
+          </a:p>
+        </p:txBody>
+      </p:sp>
+      <p:cxnSp>
+        <p:nvCxnSpPr>
+          <p:cNvPr id="5" name="Straight Arrow Connector 4">
+            <a:extLst>
+              <a:ext uri="{FF2B5EF4-FFF2-40B4-BE49-F238E27FC236}">
+                <a16:creationId xmlns:a16="http://schemas.microsoft.com/office/drawing/2014/main" id="{26063CBA-F54D-394A-A34F-4115EC0D3847}"/>
+              </a:ext>
+            </a:extLst>
+          </p:cNvPr>
+          <p:cNvCxnSpPr>
+            <a:cxnSpLocks/>
+            <a:stCxn id="4" idx="6"/>
+            <a:endCxn id="25" idx="1"/>
+          </p:cNvCxnSpPr>
+          <p:nvPr/>
+        </p:nvCxnSpPr>
+        <p:spPr>
+          <a:xfrm>
+            <a:off x="3030027" y="3637394"/>
+            <a:ext cx="835995" cy="18726"/>
+          </a:xfrm>
+          <a:prstGeom prst="straightConnector1">
+            <a:avLst/>
+          </a:prstGeom>
+          <a:ln>
+            <a:tailEnd type="triangle"/>
+          </a:ln>
+        </p:spPr>
+        <p:style>
+          <a:lnRef idx="1">
+            <a:schemeClr val="accent1"/>
+          </a:lnRef>
+          <a:fillRef idx="0">
+            <a:schemeClr val="accent1"/>
+          </a:fillRef>
+          <a:effectRef idx="0">
+            <a:schemeClr val="accent1"/>
+          </a:effectRef>
+          <a:fontRef idx="minor">
+            <a:schemeClr val="tx1"/>
+          </a:fontRef>
+        </p:style>
+      </p:cxnSp>
+      <p:sp>
+        <p:nvSpPr>
+          <p:cNvPr id="16" name="Oval 15">
+            <a:extLst>
+              <a:ext uri="{FF2B5EF4-FFF2-40B4-BE49-F238E27FC236}">
+                <a16:creationId xmlns:a16="http://schemas.microsoft.com/office/drawing/2014/main" id="{6C975FDF-46CF-B347-8B5B-96D7950F9B9F}"/>
+              </a:ext>
+            </a:extLst>
+          </p:cNvPr>
+          <p:cNvSpPr/>
+          <p:nvPr/>
+        </p:nvSpPr>
+        <p:spPr>
+          <a:xfrm>
+            <a:off x="9180315" y="1922382"/>
+            <a:ext cx="2277069" cy="1080494"/>
+          </a:xfrm>
+          <a:prstGeom prst="ellipse">
+            <a:avLst/>
+          </a:prstGeom>
+        </p:spPr>
+        <p:style>
+          <a:lnRef idx="2">
+            <a:schemeClr val="accent1">
+              <a:shade val="50000"/>
+            </a:schemeClr>
+          </a:lnRef>
+          <a:fillRef idx="1">
+            <a:schemeClr val="accent1"/>
+          </a:fillRef>
+          <a:effectRef idx="0">
+            <a:schemeClr val="accent1"/>
+          </a:effectRef>
+          <a:fontRef idx="minor">
+            <a:schemeClr val="lt1"/>
+          </a:fontRef>
+        </p:style>
+        <p:txBody>
+          <a:bodyPr rtlCol="0" anchor="ctr"/>
+          <a:lstStyle/>
+          <a:p>
+            <a:pPr algn="ctr"/>
+            <a:r>
+              <a:rPr lang="en-US"/>
+              <a:t>Consumer</a:t>
+            </a:r>
+          </a:p>
+        </p:txBody>
+      </p:sp>
+      <p:sp>
+        <p:nvSpPr>
+          <p:cNvPr id="20" name="Oval 19">
+            <a:extLst>
+              <a:ext uri="{FF2B5EF4-FFF2-40B4-BE49-F238E27FC236}">
+                <a16:creationId xmlns:a16="http://schemas.microsoft.com/office/drawing/2014/main" id="{CE4DDD93-BF6A-CA4F-A187-EB21B46E7EE6}"/>
+              </a:ext>
+            </a:extLst>
+          </p:cNvPr>
+          <p:cNvSpPr/>
+          <p:nvPr/>
+        </p:nvSpPr>
+        <p:spPr>
+          <a:xfrm>
+            <a:off x="9188017" y="3104136"/>
+            <a:ext cx="2277069" cy="1080494"/>
+          </a:xfrm>
+          <a:prstGeom prst="ellipse">
+            <a:avLst/>
+          </a:prstGeom>
+        </p:spPr>
+        <p:style>
+          <a:lnRef idx="2">
+            <a:schemeClr val="accent1">
+              <a:shade val="50000"/>
+            </a:schemeClr>
+          </a:lnRef>
+          <a:fillRef idx="1">
+            <a:schemeClr val="accent1"/>
+          </a:fillRef>
+          <a:effectRef idx="0">
+            <a:schemeClr val="accent1"/>
+          </a:effectRef>
+          <a:fontRef idx="minor">
+            <a:schemeClr val="lt1"/>
+          </a:fontRef>
+        </p:style>
+        <p:txBody>
+          <a:bodyPr rtlCol="0" anchor="ctr"/>
+          <a:lstStyle/>
+          <a:p>
+            <a:pPr algn="ctr"/>
+            <a:r>
+              <a:rPr lang="en-US"/>
+              <a:t>Consumer</a:t>
+            </a:r>
+          </a:p>
+        </p:txBody>
+      </p:sp>
+      <p:sp>
+        <p:nvSpPr>
+          <p:cNvPr id="22" name="Oval 21">
+            <a:extLst>
+              <a:ext uri="{FF2B5EF4-FFF2-40B4-BE49-F238E27FC236}">
+                <a16:creationId xmlns:a16="http://schemas.microsoft.com/office/drawing/2014/main" id="{787ACDD4-72C7-3A4D-AA5B-3354BABF069D}"/>
+              </a:ext>
+            </a:extLst>
+          </p:cNvPr>
+          <p:cNvSpPr/>
+          <p:nvPr/>
+        </p:nvSpPr>
+        <p:spPr>
+          <a:xfrm>
+            <a:off x="9180314" y="4453412"/>
+            <a:ext cx="2277069" cy="1080494"/>
+          </a:xfrm>
+          <a:prstGeom prst="ellipse">
+            <a:avLst/>
+          </a:prstGeom>
+        </p:spPr>
+        <p:style>
+          <a:lnRef idx="2">
+            <a:schemeClr val="accent1">
+              <a:shade val="50000"/>
+            </a:schemeClr>
+          </a:lnRef>
+          <a:fillRef idx="1">
+            <a:schemeClr val="accent1"/>
+          </a:fillRef>
+          <a:effectRef idx="0">
+            <a:schemeClr val="accent1"/>
+          </a:effectRef>
+          <a:fontRef idx="minor">
+            <a:schemeClr val="lt1"/>
+          </a:fontRef>
+        </p:style>
+        <p:txBody>
+          <a:bodyPr rtlCol="0" anchor="ctr"/>
+          <a:lstStyle/>
+          <a:p>
+            <a:pPr algn="ctr"/>
+            <a:r>
+              <a:rPr lang="en-US"/>
+              <a:t>Consumer</a:t>
+            </a:r>
+          </a:p>
+        </p:txBody>
+      </p:sp>
+      <p:sp>
+        <p:nvSpPr>
+          <p:cNvPr id="25" name="Rectangle: Rounded Corners 24">
+            <a:extLst>
+              <a:ext uri="{FF2B5EF4-FFF2-40B4-BE49-F238E27FC236}">
+                <a16:creationId xmlns:a16="http://schemas.microsoft.com/office/drawing/2014/main" id="{3F704208-5435-C347-A13F-823382A2FCF3}"/>
+              </a:ext>
+            </a:extLst>
+          </p:cNvPr>
+          <p:cNvSpPr/>
+          <p:nvPr/>
+        </p:nvSpPr>
+        <p:spPr>
+          <a:xfrm>
+            <a:off x="3866022" y="3115873"/>
+            <a:ext cx="2001475" cy="1080494"/>
+          </a:xfrm>
+          <a:prstGeom prst="roundRect">
+            <a:avLst/>
+          </a:prstGeom>
+          <a:solidFill>
+            <a:srgbClr val="C45900"/>
+          </a:solidFill>
+        </p:spPr>
+        <p:style>
+          <a:lnRef idx="2">
+            <a:schemeClr val="accent1">
+              <a:shade val="50000"/>
+            </a:schemeClr>
+          </a:lnRef>
+          <a:fillRef idx="1">
+            <a:schemeClr val="accent1"/>
+          </a:fillRef>
+          <a:effectRef idx="0">
+            <a:schemeClr val="accent1"/>
+          </a:effectRef>
+          <a:fontRef idx="minor">
+            <a:schemeClr val="lt1"/>
+          </a:fontRef>
+        </p:style>
+        <p:txBody>
+          <a:bodyPr rtlCol="0" anchor="ctr"/>
+          <a:lstStyle/>
+          <a:p>
+            <a:pPr algn="ctr"/>
+            <a:r>
+              <a:rPr lang="en-US"/>
+              <a:t>Fan out exchange </a:t>
+            </a:r>
+          </a:p>
+        </p:txBody>
+      </p:sp>
+      <p:sp>
+        <p:nvSpPr>
+          <p:cNvPr id="31" name="Rectangle: Rounded Corners 30">
+            <a:extLst>
+              <a:ext uri="{FF2B5EF4-FFF2-40B4-BE49-F238E27FC236}">
+                <a16:creationId xmlns:a16="http://schemas.microsoft.com/office/drawing/2014/main" id="{9F04162C-BD17-3146-9F79-689FAAE9C26C}"/>
+              </a:ext>
+            </a:extLst>
+          </p:cNvPr>
+          <p:cNvSpPr/>
+          <p:nvPr/>
+        </p:nvSpPr>
+        <p:spPr>
+          <a:xfrm>
+            <a:off x="6615738" y="2172501"/>
+            <a:ext cx="1824038" cy="615257"/>
+          </a:xfrm>
+          <a:prstGeom prst="roundRect">
+            <a:avLst/>
+          </a:prstGeom>
+          <a:solidFill>
+            <a:srgbClr val="C45900"/>
+          </a:solidFill>
+        </p:spPr>
+        <p:style>
+          <a:lnRef idx="2">
+            <a:schemeClr val="accent1">
+              <a:shade val="50000"/>
+            </a:schemeClr>
+          </a:lnRef>
+          <a:fillRef idx="1">
+            <a:schemeClr val="accent1"/>
+          </a:fillRef>
+          <a:effectRef idx="0">
+            <a:schemeClr val="accent1"/>
+          </a:effectRef>
+          <a:fontRef idx="minor">
+            <a:schemeClr val="lt1"/>
+          </a:fontRef>
+        </p:style>
+        <p:txBody>
+          <a:bodyPr rtlCol="0" anchor="ctr"/>
+          <a:lstStyle/>
+          <a:p>
+            <a:pPr algn="ctr"/>
+            <a:r>
+              <a:rPr lang="en-US"/>
+              <a:t>Queue A</a:t>
+            </a:r>
+          </a:p>
+        </p:txBody>
+      </p:sp>
+      <p:sp>
+        <p:nvSpPr>
+          <p:cNvPr id="33" name="Rectangle: Rounded Corners 32">
+            <a:extLst>
+              <a:ext uri="{FF2B5EF4-FFF2-40B4-BE49-F238E27FC236}">
+                <a16:creationId xmlns:a16="http://schemas.microsoft.com/office/drawing/2014/main" id="{D7D8B533-0307-F049-8D0C-C8BE02F5F079}"/>
+              </a:ext>
+            </a:extLst>
+          </p:cNvPr>
+          <p:cNvSpPr/>
+          <p:nvPr/>
+        </p:nvSpPr>
+        <p:spPr>
+          <a:xfrm>
+            <a:off x="6615738" y="3348491"/>
+            <a:ext cx="1824038" cy="615257"/>
+          </a:xfrm>
+          <a:prstGeom prst="roundRect">
+            <a:avLst/>
+          </a:prstGeom>
+          <a:solidFill>
+            <a:srgbClr val="C45900"/>
+          </a:solidFill>
+        </p:spPr>
+        <p:style>
+          <a:lnRef idx="2">
+            <a:schemeClr val="accent1">
+              <a:shade val="50000"/>
+            </a:schemeClr>
+          </a:lnRef>
+          <a:fillRef idx="1">
+            <a:schemeClr val="accent1"/>
+          </a:fillRef>
+          <a:effectRef idx="0">
+            <a:schemeClr val="accent1"/>
+          </a:effectRef>
+          <a:fontRef idx="minor">
+            <a:schemeClr val="lt1"/>
+          </a:fontRef>
+        </p:style>
+        <p:txBody>
+          <a:bodyPr rtlCol="0" anchor="ctr"/>
+          <a:lstStyle/>
+          <a:p>
+            <a:pPr algn="ctr"/>
+            <a:r>
+              <a:rPr lang="en-US"/>
+              <a:t>Queue B</a:t>
+            </a:r>
+          </a:p>
+        </p:txBody>
+      </p:sp>
+      <p:sp>
+        <p:nvSpPr>
+          <p:cNvPr id="35" name="Rectangle: Rounded Corners 34">
+            <a:extLst>
+              <a:ext uri="{FF2B5EF4-FFF2-40B4-BE49-F238E27FC236}">
+                <a16:creationId xmlns:a16="http://schemas.microsoft.com/office/drawing/2014/main" id="{40EE904D-821E-474D-9819-E5D34B320140}"/>
+              </a:ext>
+            </a:extLst>
+          </p:cNvPr>
+          <p:cNvSpPr/>
+          <p:nvPr/>
+        </p:nvSpPr>
+        <p:spPr>
+          <a:xfrm>
+            <a:off x="6615738" y="4686030"/>
+            <a:ext cx="1824038" cy="615257"/>
+          </a:xfrm>
+          <a:prstGeom prst="roundRect">
+            <a:avLst/>
+          </a:prstGeom>
+          <a:solidFill>
+            <a:srgbClr val="C45900"/>
+          </a:solidFill>
+        </p:spPr>
+        <p:style>
+          <a:lnRef idx="2">
+            <a:schemeClr val="accent1">
+              <a:shade val="50000"/>
+            </a:schemeClr>
+          </a:lnRef>
+          <a:fillRef idx="1">
+            <a:schemeClr val="accent1"/>
+          </a:fillRef>
+          <a:effectRef idx="0">
+            <a:schemeClr val="accent1"/>
+          </a:effectRef>
+          <a:fontRef idx="minor">
+            <a:schemeClr val="lt1"/>
+          </a:fontRef>
+        </p:style>
+        <p:txBody>
+          <a:bodyPr rtlCol="0" anchor="ctr"/>
+          <a:lstStyle/>
+          <a:p>
+            <a:pPr algn="ctr"/>
+            <a:r>
+              <a:rPr lang="en-US"/>
+              <a:t>Queue C</a:t>
+            </a:r>
+          </a:p>
+        </p:txBody>
+      </p:sp>
+      <p:cxnSp>
+        <p:nvCxnSpPr>
+          <p:cNvPr id="36" name="Straight Arrow Connector 35">
+            <a:extLst>
+              <a:ext uri="{FF2B5EF4-FFF2-40B4-BE49-F238E27FC236}">
+                <a16:creationId xmlns:a16="http://schemas.microsoft.com/office/drawing/2014/main" id="{F8AAA69A-E8D9-1B4E-996F-34029F7F7E44}"/>
+              </a:ext>
+            </a:extLst>
+          </p:cNvPr>
+          <p:cNvCxnSpPr>
+            <a:cxnSpLocks/>
+            <a:stCxn id="25" idx="3"/>
+            <a:endCxn id="33" idx="1"/>
+          </p:cNvCxnSpPr>
+          <p:nvPr/>
+        </p:nvCxnSpPr>
+        <p:spPr>
+          <a:xfrm>
+            <a:off x="5867497" y="3656120"/>
+            <a:ext cx="748241" cy="0"/>
+          </a:xfrm>
+          <a:prstGeom prst="straightConnector1">
+            <a:avLst/>
+          </a:prstGeom>
+          <a:ln>
+            <a:tailEnd type="triangle"/>
+          </a:ln>
+        </p:spPr>
+        <p:style>
+          <a:lnRef idx="1">
+            <a:schemeClr val="accent1"/>
+          </a:lnRef>
+          <a:fillRef idx="0">
+            <a:schemeClr val="accent1"/>
+          </a:fillRef>
+          <a:effectRef idx="0">
+            <a:schemeClr val="accent1"/>
+          </a:effectRef>
+          <a:fontRef idx="minor">
+            <a:schemeClr val="tx1"/>
+          </a:fontRef>
+        </p:style>
+      </p:cxnSp>
+      <p:cxnSp>
+        <p:nvCxnSpPr>
+          <p:cNvPr id="46" name="Straight Arrow Connector 45">
+            <a:extLst>
+              <a:ext uri="{FF2B5EF4-FFF2-40B4-BE49-F238E27FC236}">
+                <a16:creationId xmlns:a16="http://schemas.microsoft.com/office/drawing/2014/main" id="{6E84F913-E9AC-3A45-B5C8-2D61DB082359}"/>
+              </a:ext>
+            </a:extLst>
+          </p:cNvPr>
+          <p:cNvCxnSpPr>
+            <a:cxnSpLocks/>
+            <a:stCxn id="25" idx="3"/>
+            <a:endCxn id="31" idx="1"/>
+          </p:cNvCxnSpPr>
+          <p:nvPr/>
+        </p:nvCxnSpPr>
+        <p:spPr>
+          <a:xfrm flipV="1">
+            <a:off x="5867497" y="2480130"/>
+            <a:ext cx="748241" cy="1175990"/>
+          </a:xfrm>
+          <a:prstGeom prst="straightConnector1">
+            <a:avLst/>
+          </a:prstGeom>
+          <a:ln>
+            <a:tailEnd type="triangle"/>
+          </a:ln>
+        </p:spPr>
+        <p:style>
+          <a:lnRef idx="1">
+            <a:schemeClr val="accent1"/>
+          </a:lnRef>
+          <a:fillRef idx="0">
+            <a:schemeClr val="accent1"/>
+          </a:fillRef>
+          <a:effectRef idx="0">
+            <a:schemeClr val="accent1"/>
+          </a:effectRef>
+          <a:fontRef idx="minor">
+            <a:schemeClr val="tx1"/>
+          </a:fontRef>
+        </p:style>
+      </p:cxnSp>
+      <p:cxnSp>
+        <p:nvCxnSpPr>
+          <p:cNvPr id="54" name="Straight Arrow Connector 53">
+            <a:extLst>
+              <a:ext uri="{FF2B5EF4-FFF2-40B4-BE49-F238E27FC236}">
+                <a16:creationId xmlns:a16="http://schemas.microsoft.com/office/drawing/2014/main" id="{FA5D730D-1095-5C46-9B9F-63A0C8FF4EC4}"/>
+              </a:ext>
+            </a:extLst>
+          </p:cNvPr>
+          <p:cNvCxnSpPr>
+            <a:cxnSpLocks/>
+            <a:stCxn id="25" idx="3"/>
+            <a:endCxn id="35" idx="1"/>
+          </p:cNvCxnSpPr>
+          <p:nvPr/>
+        </p:nvCxnSpPr>
+        <p:spPr>
+          <a:xfrm>
+            <a:off x="5867497" y="3656120"/>
+            <a:ext cx="748241" cy="1337539"/>
+          </a:xfrm>
+          <a:prstGeom prst="straightConnector1">
+            <a:avLst/>
+          </a:prstGeom>
+          <a:ln>
+            <a:tailEnd type="triangle"/>
+          </a:ln>
+        </p:spPr>
+        <p:style>
+          <a:lnRef idx="1">
+            <a:schemeClr val="accent1"/>
+          </a:lnRef>
+          <a:fillRef idx="0">
+            <a:schemeClr val="accent1"/>
+          </a:fillRef>
+          <a:effectRef idx="0">
+            <a:schemeClr val="accent1"/>
+          </a:effectRef>
+          <a:fontRef idx="minor">
+            <a:schemeClr val="tx1"/>
+          </a:fontRef>
+        </p:style>
+      </p:cxnSp>
+      <p:cxnSp>
+        <p:nvCxnSpPr>
+          <p:cNvPr id="68" name="Straight Arrow Connector 67">
+            <a:extLst>
+              <a:ext uri="{FF2B5EF4-FFF2-40B4-BE49-F238E27FC236}">
+                <a16:creationId xmlns:a16="http://schemas.microsoft.com/office/drawing/2014/main" id="{CD23FC08-D44C-1247-8148-0233A8134F8B}"/>
+              </a:ext>
+            </a:extLst>
+          </p:cNvPr>
+          <p:cNvCxnSpPr>
+            <a:cxnSpLocks/>
+            <a:stCxn id="31" idx="3"/>
+            <a:endCxn id="16" idx="2"/>
+          </p:cNvCxnSpPr>
+          <p:nvPr/>
+        </p:nvCxnSpPr>
+        <p:spPr>
+          <a:xfrm flipV="1">
+            <a:off x="8439776" y="2462629"/>
+            <a:ext cx="740539" cy="17501"/>
+          </a:xfrm>
+          <a:prstGeom prst="straightConnector1">
+            <a:avLst/>
+          </a:prstGeom>
+          <a:ln>
+            <a:tailEnd type="triangle"/>
+          </a:ln>
+        </p:spPr>
+        <p:style>
+          <a:lnRef idx="1">
+            <a:schemeClr val="accent1"/>
+          </a:lnRef>
+          <a:fillRef idx="0">
+            <a:schemeClr val="accent1"/>
+          </a:fillRef>
+          <a:effectRef idx="0">
+            <a:schemeClr val="accent1"/>
+          </a:effectRef>
+          <a:fontRef idx="minor">
+            <a:schemeClr val="tx1"/>
+          </a:fontRef>
+        </p:style>
+      </p:cxnSp>
+      <p:cxnSp>
+        <p:nvCxnSpPr>
+          <p:cNvPr id="3" name="Straight Arrow Connector 2">
+            <a:extLst>
+              <a:ext uri="{FF2B5EF4-FFF2-40B4-BE49-F238E27FC236}">
+                <a16:creationId xmlns:a16="http://schemas.microsoft.com/office/drawing/2014/main" id="{BFC43AB4-1F6A-C64C-9E4B-092E474C78D3}"/>
+              </a:ext>
+            </a:extLst>
+          </p:cNvPr>
+          <p:cNvCxnSpPr>
+            <a:cxnSpLocks/>
+            <a:stCxn id="33" idx="3"/>
+            <a:endCxn id="20" idx="2"/>
+          </p:cNvCxnSpPr>
+          <p:nvPr/>
+        </p:nvCxnSpPr>
+        <p:spPr>
+          <a:xfrm flipV="1">
+            <a:off x="8439776" y="3644383"/>
+            <a:ext cx="748241" cy="11737"/>
+          </a:xfrm>
+          <a:prstGeom prst="straightConnector1">
+            <a:avLst/>
+          </a:prstGeom>
+          <a:ln>
+            <a:tailEnd type="triangle"/>
+          </a:ln>
+        </p:spPr>
+        <p:style>
+          <a:lnRef idx="1">
+            <a:schemeClr val="accent1"/>
+          </a:lnRef>
+          <a:fillRef idx="0">
+            <a:schemeClr val="accent1"/>
+          </a:fillRef>
+          <a:effectRef idx="0">
+            <a:schemeClr val="accent1"/>
+          </a:effectRef>
+          <a:fontRef idx="minor">
+            <a:schemeClr val="tx1"/>
+          </a:fontRef>
+        </p:style>
+      </p:cxnSp>
+      <p:cxnSp>
+        <p:nvCxnSpPr>
+          <p:cNvPr id="8" name="Straight Arrow Connector 7">
+            <a:extLst>
+              <a:ext uri="{FF2B5EF4-FFF2-40B4-BE49-F238E27FC236}">
+                <a16:creationId xmlns:a16="http://schemas.microsoft.com/office/drawing/2014/main" id="{40981754-DC72-6D40-A1E0-9DCF49D13C78}"/>
+              </a:ext>
+            </a:extLst>
+          </p:cNvPr>
+          <p:cNvCxnSpPr>
+            <a:cxnSpLocks/>
+            <a:stCxn id="35" idx="3"/>
+            <a:endCxn id="22" idx="2"/>
+          </p:cNvCxnSpPr>
+          <p:nvPr/>
+        </p:nvCxnSpPr>
+        <p:spPr>
+          <a:xfrm>
+            <a:off x="8439776" y="4993659"/>
+            <a:ext cx="740538" cy="0"/>
+          </a:xfrm>
+          <a:prstGeom prst="straightConnector1">
+            <a:avLst/>
+          </a:prstGeom>
+          <a:ln>
+            <a:tailEnd type="triangle"/>
+          </a:ln>
+        </p:spPr>
+        <p:style>
+          <a:lnRef idx="1">
+            <a:schemeClr val="accent1"/>
+          </a:lnRef>
+          <a:fillRef idx="0">
+            <a:schemeClr val="accent1"/>
+          </a:fillRef>
+          <a:effectRef idx="0">
+            <a:schemeClr val="accent1"/>
+          </a:effectRef>
+          <a:fontRef idx="minor">
+            <a:schemeClr val="tx1"/>
+          </a:fontRef>
+        </p:style>
+      </p:cxnSp>
+    </p:spTree>
+    <p:extLst>
+      <p:ext uri="{BB962C8B-B14F-4D97-AF65-F5344CB8AC3E}">
+        <p14:creationId xmlns:p14="http://schemas.microsoft.com/office/powerpoint/2010/main" val="3866633294"/>
+      </p:ext>
+    </p:extLst>
+  </p:cSld>
+  <p:clrMapOvr>
+    <a:masterClrMapping/>
+  </p:clrMapOvr>
+  <mc:AlternateContent xmlns:mc="http://schemas.openxmlformats.org/markup-compatibility/2006" xmlns:p14="http://schemas.microsoft.com/office/powerpoint/2010/main">
+    <mc:Choice Requires="p14">
+      <p:transition spd="med" p14:dur="700">
+        <p:fade/>
+      </p:transition>
+    </mc:Choice>
+    <mc:Fallback xmlns="">
+      <p:transition spd="med">
+        <p:fade/>
+      </p:transition>
+    </mc:Fallback>
+  </mc:AlternateContent>
+</p:sld>
+</file>
+
+<file path=ppt/slides/slide11.xml><?xml version="1.0" encoding="utf-8"?>
+<p:sld xmlns:a="http://schemas.openxmlformats.org/drawingml/2006/main" xmlns:r="http://schemas.openxmlformats.org/officeDocument/2006/relationships" xmlns:p="http://schemas.openxmlformats.org/presentationml/2006/main">
+  <p:cSld>
+    <p:spTree>
+      <p:nvGrpSpPr>
+        <p:cNvPr id="1" name=""/>
+        <p:cNvGrpSpPr/>
+        <p:nvPr/>
+      </p:nvGrpSpPr>
+      <p:grpSpPr>
+        <a:xfrm>
+          <a:off x="0" y="0"/>
+          <a:ext cx="0" cy="0"/>
+          <a:chOff x="0" y="0"/>
+          <a:chExt cx="0" cy="0"/>
+        </a:xfrm>
+      </p:grpSpPr>
+      <p:sp>
+        <p:nvSpPr>
+          <p:cNvPr id="2" name="Title 1">
+            <a:extLst>
+              <a:ext uri="{FF2B5EF4-FFF2-40B4-BE49-F238E27FC236}">
+                <a16:creationId xmlns:a16="http://schemas.microsoft.com/office/drawing/2014/main" id="{982BC3A4-28FC-CE40-9B85-1AC384A122B3}"/>
+              </a:ext>
+            </a:extLst>
+          </p:cNvPr>
+          <p:cNvSpPr>
+            <a:spLocks noGrp="1"/>
+          </p:cNvSpPr>
+          <p:nvPr>
+            <p:ph type="title"/>
+          </p:nvPr>
+        </p:nvSpPr>
+        <p:spPr/>
+        <p:txBody>
+          <a:bodyPr/>
+          <a:lstStyle/>
+          <a:p>
+            <a:r>
+              <a:rPr lang="en-US"/>
+              <a:t>Direct Exchange</a:t>
+            </a:r>
+          </a:p>
+        </p:txBody>
+      </p:sp>
+      <p:sp>
+        <p:nvSpPr>
+          <p:cNvPr id="4" name="Oval 3">
+            <a:extLst>
+              <a:ext uri="{FF2B5EF4-FFF2-40B4-BE49-F238E27FC236}">
+                <a16:creationId xmlns:a16="http://schemas.microsoft.com/office/drawing/2014/main" id="{98E12714-002A-8F45-B772-89E1E4B6AFAD}"/>
+              </a:ext>
+            </a:extLst>
+          </p:cNvPr>
+          <p:cNvSpPr/>
+          <p:nvPr/>
+        </p:nvSpPr>
+        <p:spPr>
+          <a:xfrm flipH="1">
+            <a:off x="152697" y="3382351"/>
+            <a:ext cx="2129731" cy="1024235"/>
+          </a:xfrm>
+          <a:prstGeom prst="ellipse">
+            <a:avLst/>
+          </a:prstGeom>
+        </p:spPr>
+        <p:style>
+          <a:lnRef idx="2">
+            <a:schemeClr val="accent1">
+              <a:shade val="50000"/>
+            </a:schemeClr>
+          </a:lnRef>
+          <a:fillRef idx="1">
+            <a:schemeClr val="accent1"/>
+          </a:fillRef>
+          <a:effectRef idx="0">
+            <a:schemeClr val="accent1"/>
+          </a:effectRef>
+          <a:fontRef idx="minor">
+            <a:schemeClr val="lt1"/>
+          </a:fontRef>
+        </p:style>
+        <p:txBody>
+          <a:bodyPr rtlCol="0" anchor="ctr"/>
+          <a:lstStyle/>
+          <a:p>
+            <a:pPr algn="ctr"/>
+            <a:r>
+              <a:rPr lang="en-US"/>
+              <a:t>Peblisher</a:t>
+            </a:r>
+          </a:p>
+        </p:txBody>
+      </p:sp>
+      <p:sp>
+        <p:nvSpPr>
+          <p:cNvPr id="5" name="Rectangle: Rounded Corners 4">
+            <a:extLst>
+              <a:ext uri="{FF2B5EF4-FFF2-40B4-BE49-F238E27FC236}">
+                <a16:creationId xmlns:a16="http://schemas.microsoft.com/office/drawing/2014/main" id="{C984AE45-7F4B-3E4E-A4AB-324EA04B080A}"/>
+              </a:ext>
+            </a:extLst>
+          </p:cNvPr>
+          <p:cNvSpPr/>
+          <p:nvPr/>
+        </p:nvSpPr>
+        <p:spPr>
+          <a:xfrm>
+            <a:off x="3953667" y="3382351"/>
+            <a:ext cx="2579392" cy="988517"/>
+          </a:xfrm>
+          <a:prstGeom prst="roundRect">
+            <a:avLst/>
+          </a:prstGeom>
+          <a:solidFill>
+            <a:srgbClr val="C45900"/>
+          </a:solidFill>
+        </p:spPr>
+        <p:style>
+          <a:lnRef idx="2">
+            <a:schemeClr val="accent1">
+              <a:shade val="50000"/>
+            </a:schemeClr>
+          </a:lnRef>
+          <a:fillRef idx="1">
+            <a:schemeClr val="accent1"/>
+          </a:fillRef>
+          <a:effectRef idx="0">
+            <a:schemeClr val="accent1"/>
+          </a:effectRef>
+          <a:fontRef idx="minor">
+            <a:schemeClr val="lt1"/>
+          </a:fontRef>
+        </p:style>
+        <p:txBody>
+          <a:bodyPr rtlCol="0" anchor="ctr"/>
+          <a:lstStyle/>
+          <a:p>
+            <a:pPr algn="ctr"/>
+            <a:r>
+              <a:rPr lang="en-US"/>
+              <a:t>Direct exchange </a:t>
+            </a:r>
+          </a:p>
+        </p:txBody>
+      </p:sp>
+      <p:sp>
+        <p:nvSpPr>
+          <p:cNvPr id="6" name="TextBox 5">
+            <a:extLst>
+              <a:ext uri="{FF2B5EF4-FFF2-40B4-BE49-F238E27FC236}">
+                <a16:creationId xmlns:a16="http://schemas.microsoft.com/office/drawing/2014/main" id="{D0E690B5-65C2-1A4D-84B7-B0BBEA911F8E}"/>
+              </a:ext>
+            </a:extLst>
+          </p:cNvPr>
+          <p:cNvSpPr txBox="1"/>
+          <p:nvPr/>
+        </p:nvSpPr>
+        <p:spPr>
+          <a:xfrm>
+            <a:off x="2318788" y="4067981"/>
+            <a:ext cx="1356572" cy="1631143"/>
+          </a:xfrm>
+          <a:prstGeom prst="rect">
+            <a:avLst/>
+          </a:prstGeom>
+          <a:noFill/>
+        </p:spPr>
+        <p:txBody>
+          <a:bodyPr wrap="square" rtlCol="0">
+            <a:spAutoFit/>
+          </a:bodyPr>
+          <a:lstStyle/>
+          <a:p>
+            <a:pPr algn="l"/>
+            <a:r>
+              <a:rPr lang="en-US"/>
+              <a:t>Created</a:t>
+            </a:r>
+          </a:p>
+          <a:p>
+            <a:pPr algn="l"/>
+            <a:r>
+              <a:rPr lang="en-US"/>
+              <a:t>Modified </a:t>
+            </a:r>
+          </a:p>
+          <a:p>
+            <a:pPr algn="l"/>
+            <a:r>
+              <a:rPr lang="en-US"/>
+              <a:t>Deleted </a:t>
+            </a:r>
+          </a:p>
+          <a:p>
+            <a:pPr algn="l"/>
+            <a:endParaRPr lang="en-US"/>
+          </a:p>
+        </p:txBody>
+      </p:sp>
+      <p:cxnSp>
+        <p:nvCxnSpPr>
+          <p:cNvPr id="7" name="Straight Arrow Connector 6">
+            <a:extLst>
+              <a:ext uri="{FF2B5EF4-FFF2-40B4-BE49-F238E27FC236}">
+                <a16:creationId xmlns:a16="http://schemas.microsoft.com/office/drawing/2014/main" id="{45AAEBCF-749E-FB43-8CB1-EAEA4AE8EF88}"/>
+              </a:ext>
+            </a:extLst>
+          </p:cNvPr>
+          <p:cNvCxnSpPr>
+            <a:cxnSpLocks/>
+            <a:stCxn id="4" idx="2"/>
+            <a:endCxn id="5" idx="1"/>
+          </p:cNvCxnSpPr>
+          <p:nvPr/>
+        </p:nvCxnSpPr>
+        <p:spPr>
+          <a:xfrm flipV="1">
+            <a:off x="2282428" y="3876610"/>
+            <a:ext cx="1671239" cy="17859"/>
+          </a:xfrm>
+          <a:prstGeom prst="straightConnector1">
+            <a:avLst/>
+          </a:prstGeom>
+          <a:ln>
+            <a:tailEnd type="triangle"/>
+          </a:ln>
+        </p:spPr>
+        <p:style>
+          <a:lnRef idx="1">
+            <a:schemeClr val="accent1"/>
+          </a:lnRef>
+          <a:fillRef idx="0">
+            <a:schemeClr val="accent1"/>
+          </a:fillRef>
+          <a:effectRef idx="0">
+            <a:schemeClr val="accent1"/>
+          </a:effectRef>
+          <a:fontRef idx="minor">
+            <a:schemeClr val="tx1"/>
+          </a:fontRef>
+        </p:style>
+      </p:cxnSp>
+      <p:sp>
+        <p:nvSpPr>
+          <p:cNvPr id="20" name="TextBox 19">
+            <a:extLst>
+              <a:ext uri="{FF2B5EF4-FFF2-40B4-BE49-F238E27FC236}">
+                <a16:creationId xmlns:a16="http://schemas.microsoft.com/office/drawing/2014/main" id="{1959D82E-0456-144D-B2D3-6EA944A9C4EA}"/>
+              </a:ext>
+            </a:extLst>
+          </p:cNvPr>
+          <p:cNvSpPr txBox="1"/>
+          <p:nvPr/>
+        </p:nvSpPr>
+        <p:spPr>
+          <a:xfrm>
+            <a:off x="2109589" y="3115800"/>
+            <a:ext cx="1828800" cy="461665"/>
+          </a:xfrm>
+          <a:prstGeom prst="rect">
+            <a:avLst/>
+          </a:prstGeom>
+          <a:noFill/>
+        </p:spPr>
+        <p:txBody>
+          <a:bodyPr wrap="square" rtlCol="0">
+            <a:spAutoFit/>
+          </a:bodyPr>
+          <a:lstStyle/>
+          <a:p>
+            <a:pPr algn="l"/>
+            <a:r>
+              <a:rPr lang="en-US"/>
+              <a:t>Routing Key</a:t>
+            </a:r>
+          </a:p>
+        </p:txBody>
+      </p:sp>
+      <p:sp>
+        <p:nvSpPr>
+          <p:cNvPr id="3" name="Rectangle: Rounded Corners 2">
+            <a:extLst>
+              <a:ext uri="{FF2B5EF4-FFF2-40B4-BE49-F238E27FC236}">
+                <a16:creationId xmlns:a16="http://schemas.microsoft.com/office/drawing/2014/main" id="{F43E48B1-B1C1-FA45-AE69-A78BD07EA765}"/>
+              </a:ext>
+            </a:extLst>
+          </p:cNvPr>
+          <p:cNvSpPr/>
+          <p:nvPr/>
+        </p:nvSpPr>
+        <p:spPr>
+          <a:xfrm>
+            <a:off x="7584581" y="1854595"/>
+            <a:ext cx="2037157" cy="1206358"/>
+          </a:xfrm>
+          <a:prstGeom prst="roundRect">
+            <a:avLst/>
+          </a:prstGeom>
+          <a:solidFill>
+            <a:srgbClr val="C45900"/>
+          </a:solidFill>
+        </p:spPr>
+        <p:style>
+          <a:lnRef idx="2">
+            <a:schemeClr val="accent1">
+              <a:shade val="50000"/>
+            </a:schemeClr>
+          </a:lnRef>
+          <a:fillRef idx="1">
+            <a:schemeClr val="accent1"/>
+          </a:fillRef>
+          <a:effectRef idx="0">
+            <a:schemeClr val="accent1"/>
+          </a:effectRef>
+          <a:fontRef idx="minor">
+            <a:schemeClr val="lt1"/>
+          </a:fontRef>
+        </p:style>
+        <p:txBody>
+          <a:bodyPr rtlCol="0" anchor="ctr"/>
+          <a:lstStyle/>
+          <a:p>
+            <a:pPr algn="ctr"/>
+            <a:r>
+              <a:rPr lang="en-US"/>
+              <a:t>Queue with binding key Created </a:t>
+            </a:r>
+          </a:p>
+        </p:txBody>
+      </p:sp>
+      <p:sp>
+        <p:nvSpPr>
+          <p:cNvPr id="8" name="Rectangle: Rounded Corners 7">
+            <a:extLst>
+              <a:ext uri="{FF2B5EF4-FFF2-40B4-BE49-F238E27FC236}">
+                <a16:creationId xmlns:a16="http://schemas.microsoft.com/office/drawing/2014/main" id="{21B78B04-1092-CF42-80A7-21846DB82B0C}"/>
+              </a:ext>
+            </a:extLst>
+          </p:cNvPr>
+          <p:cNvSpPr/>
+          <p:nvPr/>
+        </p:nvSpPr>
+        <p:spPr>
+          <a:xfrm>
+            <a:off x="7584581" y="3319735"/>
+            <a:ext cx="2037158" cy="1113747"/>
+          </a:xfrm>
+          <a:prstGeom prst="roundRect">
+            <a:avLst/>
+          </a:prstGeom>
+          <a:solidFill>
+            <a:srgbClr val="C45900"/>
+          </a:solidFill>
+        </p:spPr>
+        <p:style>
+          <a:lnRef idx="2">
+            <a:schemeClr val="accent1">
+              <a:shade val="50000"/>
+            </a:schemeClr>
+          </a:lnRef>
+          <a:fillRef idx="1">
+            <a:schemeClr val="accent1"/>
+          </a:fillRef>
+          <a:effectRef idx="0">
+            <a:schemeClr val="accent1"/>
+          </a:effectRef>
+          <a:fontRef idx="minor">
+            <a:schemeClr val="lt1"/>
+          </a:fontRef>
+        </p:style>
+        <p:txBody>
+          <a:bodyPr rtlCol="0" anchor="ctr"/>
+          <a:lstStyle/>
+          <a:p>
+            <a:pPr algn="ctr"/>
+            <a:r>
+              <a:rPr lang="en-US"/>
+              <a:t>Queue with Binding key Modified </a:t>
+            </a:r>
+          </a:p>
+        </p:txBody>
+      </p:sp>
+      <p:sp>
+        <p:nvSpPr>
+          <p:cNvPr id="10" name="Rectangle: Rounded Corners 9">
+            <a:extLst>
+              <a:ext uri="{FF2B5EF4-FFF2-40B4-BE49-F238E27FC236}">
+                <a16:creationId xmlns:a16="http://schemas.microsoft.com/office/drawing/2014/main" id="{1AFE2ACF-FA76-624A-9515-B6DE4BD43A03}"/>
+              </a:ext>
+            </a:extLst>
+          </p:cNvPr>
+          <p:cNvSpPr/>
+          <p:nvPr/>
+        </p:nvSpPr>
+        <p:spPr>
+          <a:xfrm>
+            <a:off x="7599859" y="4692264"/>
+            <a:ext cx="2021880" cy="1221956"/>
+          </a:xfrm>
+          <a:prstGeom prst="roundRect">
+            <a:avLst/>
+          </a:prstGeom>
+          <a:solidFill>
+            <a:srgbClr val="C45900"/>
+          </a:solidFill>
+        </p:spPr>
+        <p:style>
+          <a:lnRef idx="2">
+            <a:schemeClr val="accent1">
+              <a:shade val="50000"/>
+            </a:schemeClr>
+          </a:lnRef>
+          <a:fillRef idx="1">
+            <a:schemeClr val="accent1"/>
+          </a:fillRef>
+          <a:effectRef idx="0">
+            <a:schemeClr val="accent1"/>
+          </a:effectRef>
+          <a:fontRef idx="minor">
+            <a:schemeClr val="lt1"/>
+          </a:fontRef>
+        </p:style>
+        <p:txBody>
+          <a:bodyPr rtlCol="0" anchor="ctr"/>
+          <a:lstStyle/>
+          <a:p>
+            <a:pPr algn="ctr"/>
+            <a:r>
+              <a:rPr lang="en-US"/>
+              <a:t>Queue with binding key Deleted</a:t>
+            </a:r>
+          </a:p>
+        </p:txBody>
+      </p:sp>
+      <p:sp>
+        <p:nvSpPr>
+          <p:cNvPr id="13" name="TextBox 12">
+            <a:extLst>
+              <a:ext uri="{FF2B5EF4-FFF2-40B4-BE49-F238E27FC236}">
+                <a16:creationId xmlns:a16="http://schemas.microsoft.com/office/drawing/2014/main" id="{6E8DC8CA-6C40-B54D-A397-C376073EB55B}"/>
+              </a:ext>
+            </a:extLst>
+          </p:cNvPr>
+          <p:cNvSpPr txBox="1"/>
+          <p:nvPr/>
+        </p:nvSpPr>
+        <p:spPr>
+          <a:xfrm>
+            <a:off x="6027544" y="2168700"/>
+            <a:ext cx="1668460" cy="461665"/>
+          </a:xfrm>
+          <a:prstGeom prst="rect">
+            <a:avLst/>
+          </a:prstGeom>
+          <a:noFill/>
+        </p:spPr>
+        <p:txBody>
+          <a:bodyPr wrap="square" rtlCol="0">
+            <a:spAutoFit/>
+          </a:bodyPr>
+          <a:lstStyle/>
+          <a:p>
+            <a:pPr algn="l"/>
+            <a:r>
+              <a:rPr lang="en-US"/>
+              <a:t>Bindings</a:t>
+            </a:r>
+          </a:p>
+        </p:txBody>
+      </p:sp>
+      <p:cxnSp>
+        <p:nvCxnSpPr>
+          <p:cNvPr id="17" name="Straight Arrow Connector 16">
+            <a:extLst>
+              <a:ext uri="{FF2B5EF4-FFF2-40B4-BE49-F238E27FC236}">
+                <a16:creationId xmlns:a16="http://schemas.microsoft.com/office/drawing/2014/main" id="{43EF946B-702D-7D42-9345-B8E6E59407C7}"/>
+              </a:ext>
+            </a:extLst>
+          </p:cNvPr>
+          <p:cNvCxnSpPr>
+            <a:cxnSpLocks/>
+            <a:stCxn id="5" idx="3"/>
+            <a:endCxn id="3" idx="1"/>
+          </p:cNvCxnSpPr>
+          <p:nvPr/>
+        </p:nvCxnSpPr>
+        <p:spPr>
+          <a:xfrm flipV="1">
+            <a:off x="6533059" y="2457774"/>
+            <a:ext cx="1051522" cy="1418836"/>
+          </a:xfrm>
+          <a:prstGeom prst="straightConnector1">
+            <a:avLst/>
+          </a:prstGeom>
+          <a:ln>
+            <a:tailEnd type="triangle"/>
+          </a:ln>
+        </p:spPr>
+        <p:style>
+          <a:lnRef idx="1">
+            <a:schemeClr val="accent1"/>
+          </a:lnRef>
+          <a:fillRef idx="0">
+            <a:schemeClr val="accent1"/>
+          </a:fillRef>
+          <a:effectRef idx="0">
+            <a:schemeClr val="accent1"/>
+          </a:effectRef>
+          <a:fontRef idx="minor">
+            <a:schemeClr val="tx1"/>
+          </a:fontRef>
+        </p:style>
+      </p:cxnSp>
+      <p:cxnSp>
+        <p:nvCxnSpPr>
+          <p:cNvPr id="32" name="Straight Arrow Connector 31">
+            <a:extLst>
+              <a:ext uri="{FF2B5EF4-FFF2-40B4-BE49-F238E27FC236}">
+                <a16:creationId xmlns:a16="http://schemas.microsoft.com/office/drawing/2014/main" id="{EF4860F9-7D27-A542-A37E-F77796CAAC23}"/>
+              </a:ext>
+            </a:extLst>
+          </p:cNvPr>
+          <p:cNvCxnSpPr>
+            <a:cxnSpLocks/>
+            <a:stCxn id="5" idx="3"/>
+            <a:endCxn id="8" idx="1"/>
+          </p:cNvCxnSpPr>
+          <p:nvPr/>
+        </p:nvCxnSpPr>
+        <p:spPr>
+          <a:xfrm flipV="1">
+            <a:off x="6533059" y="3876609"/>
+            <a:ext cx="1051522" cy="1"/>
+          </a:xfrm>
+          <a:prstGeom prst="straightConnector1">
+            <a:avLst/>
+          </a:prstGeom>
+          <a:ln>
+            <a:tailEnd type="triangle"/>
+          </a:ln>
+        </p:spPr>
+        <p:style>
+          <a:lnRef idx="1">
+            <a:schemeClr val="accent1"/>
+          </a:lnRef>
+          <a:fillRef idx="0">
+            <a:schemeClr val="accent1"/>
+          </a:fillRef>
+          <a:effectRef idx="0">
+            <a:schemeClr val="accent1"/>
+          </a:effectRef>
+          <a:fontRef idx="minor">
+            <a:schemeClr val="tx1"/>
+          </a:fontRef>
+        </p:style>
+      </p:cxnSp>
+      <p:cxnSp>
+        <p:nvCxnSpPr>
+          <p:cNvPr id="38" name="Straight Arrow Connector 37">
+            <a:extLst>
+              <a:ext uri="{FF2B5EF4-FFF2-40B4-BE49-F238E27FC236}">
+                <a16:creationId xmlns:a16="http://schemas.microsoft.com/office/drawing/2014/main" id="{618A4F59-D514-A342-83E8-E31334D078F8}"/>
+              </a:ext>
+            </a:extLst>
+          </p:cNvPr>
+          <p:cNvCxnSpPr>
+            <a:cxnSpLocks/>
+            <a:stCxn id="5" idx="3"/>
+            <a:endCxn id="10" idx="1"/>
+          </p:cNvCxnSpPr>
+          <p:nvPr/>
+        </p:nvCxnSpPr>
+        <p:spPr>
+          <a:xfrm>
+            <a:off x="6533059" y="3876610"/>
+            <a:ext cx="1066800" cy="1426632"/>
+          </a:xfrm>
+          <a:prstGeom prst="straightConnector1">
+            <a:avLst/>
+          </a:prstGeom>
+          <a:ln>
+            <a:tailEnd type="triangle"/>
+          </a:ln>
+        </p:spPr>
+        <p:style>
+          <a:lnRef idx="1">
+            <a:schemeClr val="accent1"/>
+          </a:lnRef>
+          <a:fillRef idx="0">
+            <a:schemeClr val="accent1"/>
+          </a:fillRef>
+          <a:effectRef idx="0">
+            <a:schemeClr val="accent1"/>
+          </a:effectRef>
+          <a:fontRef idx="minor">
+            <a:schemeClr val="tx1"/>
+          </a:fontRef>
+        </p:style>
+      </p:cxnSp>
+      <p:sp>
+        <p:nvSpPr>
+          <p:cNvPr id="68" name="Oval 67">
+            <a:extLst>
+              <a:ext uri="{FF2B5EF4-FFF2-40B4-BE49-F238E27FC236}">
+                <a16:creationId xmlns:a16="http://schemas.microsoft.com/office/drawing/2014/main" id="{4B1ACD04-9615-B147-8D50-5866372EAEA5}"/>
+              </a:ext>
+            </a:extLst>
+          </p:cNvPr>
+          <p:cNvSpPr/>
+          <p:nvPr/>
+        </p:nvSpPr>
+        <p:spPr>
+          <a:xfrm flipH="1">
+            <a:off x="9906397" y="1902142"/>
+            <a:ext cx="2129731" cy="1024235"/>
+          </a:xfrm>
+          <a:prstGeom prst="ellipse">
+            <a:avLst/>
+          </a:prstGeom>
+        </p:spPr>
+        <p:style>
+          <a:lnRef idx="2">
+            <a:schemeClr val="accent1">
+              <a:shade val="50000"/>
+            </a:schemeClr>
+          </a:lnRef>
+          <a:fillRef idx="1">
+            <a:schemeClr val="accent1"/>
+          </a:fillRef>
+          <a:effectRef idx="0">
+            <a:schemeClr val="accent1"/>
+          </a:effectRef>
+          <a:fontRef idx="minor">
+            <a:schemeClr val="lt1"/>
+          </a:fontRef>
+        </p:style>
+        <p:txBody>
+          <a:bodyPr rtlCol="0" anchor="ctr"/>
+          <a:lstStyle/>
+          <a:p>
+            <a:pPr algn="ctr"/>
+            <a:r>
+              <a:rPr lang="en-US"/>
+              <a:t>Consumer </a:t>
+            </a:r>
+          </a:p>
+        </p:txBody>
+      </p:sp>
+      <p:sp>
+        <p:nvSpPr>
+          <p:cNvPr id="70" name="Oval 69">
+            <a:extLst>
+              <a:ext uri="{FF2B5EF4-FFF2-40B4-BE49-F238E27FC236}">
+                <a16:creationId xmlns:a16="http://schemas.microsoft.com/office/drawing/2014/main" id="{479A5C67-41DB-2A49-849D-E8F07512740D}"/>
+              </a:ext>
+            </a:extLst>
+          </p:cNvPr>
+          <p:cNvSpPr/>
+          <p:nvPr/>
+        </p:nvSpPr>
+        <p:spPr>
+          <a:xfrm flipH="1">
+            <a:off x="9906397" y="3346633"/>
+            <a:ext cx="2129731" cy="1024235"/>
+          </a:xfrm>
+          <a:prstGeom prst="ellipse">
+            <a:avLst/>
+          </a:prstGeom>
+        </p:spPr>
+        <p:style>
+          <a:lnRef idx="2">
+            <a:schemeClr val="accent1">
+              <a:shade val="50000"/>
+            </a:schemeClr>
+          </a:lnRef>
+          <a:fillRef idx="1">
+            <a:schemeClr val="accent1"/>
+          </a:fillRef>
+          <a:effectRef idx="0">
+            <a:schemeClr val="accent1"/>
+          </a:effectRef>
+          <a:fontRef idx="minor">
+            <a:schemeClr val="lt1"/>
+          </a:fontRef>
+        </p:style>
+        <p:txBody>
+          <a:bodyPr rtlCol="0" anchor="ctr"/>
+          <a:lstStyle/>
+          <a:p>
+            <a:pPr algn="ctr"/>
+            <a:r>
+              <a:rPr lang="en-US"/>
+              <a:t>Consumer </a:t>
+            </a:r>
+          </a:p>
+        </p:txBody>
+      </p:sp>
+      <p:sp>
+        <p:nvSpPr>
+          <p:cNvPr id="72" name="Oval 71">
+            <a:extLst>
+              <a:ext uri="{FF2B5EF4-FFF2-40B4-BE49-F238E27FC236}">
+                <a16:creationId xmlns:a16="http://schemas.microsoft.com/office/drawing/2014/main" id="{2672164B-4C01-6D44-B5E7-F0293F56E78E}"/>
+              </a:ext>
+            </a:extLst>
+          </p:cNvPr>
+          <p:cNvSpPr/>
+          <p:nvPr/>
+        </p:nvSpPr>
+        <p:spPr>
+          <a:xfrm flipH="1">
+            <a:off x="9906397" y="4791124"/>
+            <a:ext cx="2129731" cy="1024235"/>
+          </a:xfrm>
+          <a:prstGeom prst="ellipse">
+            <a:avLst/>
+          </a:prstGeom>
+        </p:spPr>
+        <p:style>
+          <a:lnRef idx="2">
+            <a:schemeClr val="accent1">
+              <a:shade val="50000"/>
+            </a:schemeClr>
+          </a:lnRef>
+          <a:fillRef idx="1">
+            <a:schemeClr val="accent1"/>
+          </a:fillRef>
+          <a:effectRef idx="0">
+            <a:schemeClr val="accent1"/>
+          </a:effectRef>
+          <a:fontRef idx="minor">
+            <a:schemeClr val="lt1"/>
+          </a:fontRef>
+        </p:style>
+        <p:txBody>
+          <a:bodyPr rtlCol="0" anchor="ctr"/>
+          <a:lstStyle/>
+          <a:p>
+            <a:pPr algn="ctr"/>
+            <a:r>
+              <a:rPr lang="en-US"/>
+              <a:t>Consumer </a:t>
+            </a:r>
+          </a:p>
+        </p:txBody>
+      </p:sp>
+      <p:cxnSp>
+        <p:nvCxnSpPr>
+          <p:cNvPr id="79" name="Straight Arrow Connector 78">
+            <a:extLst>
+              <a:ext uri="{FF2B5EF4-FFF2-40B4-BE49-F238E27FC236}">
+                <a16:creationId xmlns:a16="http://schemas.microsoft.com/office/drawing/2014/main" id="{C26993FA-3054-3244-8ACC-4EB79E2C6E38}"/>
+              </a:ext>
+            </a:extLst>
+          </p:cNvPr>
+          <p:cNvCxnSpPr>
+            <a:cxnSpLocks/>
+            <a:stCxn id="3" idx="3"/>
+            <a:endCxn id="68" idx="6"/>
+          </p:cNvCxnSpPr>
+          <p:nvPr/>
+        </p:nvCxnSpPr>
+        <p:spPr>
+          <a:xfrm flipV="1">
+            <a:off x="9621738" y="2414260"/>
+            <a:ext cx="284659" cy="43514"/>
+          </a:xfrm>
+          <a:prstGeom prst="straightConnector1">
+            <a:avLst/>
+          </a:prstGeom>
+          <a:ln>
+            <a:tailEnd type="triangle"/>
+          </a:ln>
+        </p:spPr>
+        <p:style>
+          <a:lnRef idx="1">
+            <a:schemeClr val="accent1"/>
+          </a:lnRef>
+          <a:fillRef idx="0">
+            <a:schemeClr val="accent1"/>
+          </a:fillRef>
+          <a:effectRef idx="0">
+            <a:schemeClr val="accent1"/>
+          </a:effectRef>
+          <a:fontRef idx="minor">
+            <a:schemeClr val="tx1"/>
+          </a:fontRef>
+        </p:style>
+      </p:cxnSp>
+      <p:cxnSp>
+        <p:nvCxnSpPr>
+          <p:cNvPr id="87" name="Straight Arrow Connector 86">
+            <a:extLst>
+              <a:ext uri="{FF2B5EF4-FFF2-40B4-BE49-F238E27FC236}">
+                <a16:creationId xmlns:a16="http://schemas.microsoft.com/office/drawing/2014/main" id="{880F0F40-144F-B542-9AA7-BE4B29F4CC42}"/>
+              </a:ext>
+            </a:extLst>
+          </p:cNvPr>
+          <p:cNvCxnSpPr>
+            <a:cxnSpLocks/>
+            <a:stCxn id="8" idx="3"/>
+            <a:endCxn id="70" idx="6"/>
+          </p:cNvCxnSpPr>
+          <p:nvPr/>
+        </p:nvCxnSpPr>
+        <p:spPr>
+          <a:xfrm flipV="1">
+            <a:off x="9621739" y="3858751"/>
+            <a:ext cx="284658" cy="17858"/>
+          </a:xfrm>
+          <a:prstGeom prst="straightConnector1">
+            <a:avLst/>
+          </a:prstGeom>
+          <a:ln>
+            <a:tailEnd type="triangle"/>
+          </a:ln>
+        </p:spPr>
+        <p:style>
+          <a:lnRef idx="1">
+            <a:schemeClr val="accent1"/>
+          </a:lnRef>
+          <a:fillRef idx="0">
+            <a:schemeClr val="accent1"/>
+          </a:fillRef>
+          <a:effectRef idx="0">
+            <a:schemeClr val="accent1"/>
+          </a:effectRef>
+          <a:fontRef idx="minor">
+            <a:schemeClr val="tx1"/>
+          </a:fontRef>
+        </p:style>
+      </p:cxnSp>
+      <p:cxnSp>
+        <p:nvCxnSpPr>
+          <p:cNvPr id="92" name="Straight Arrow Connector 91">
+            <a:extLst>
+              <a:ext uri="{FF2B5EF4-FFF2-40B4-BE49-F238E27FC236}">
+                <a16:creationId xmlns:a16="http://schemas.microsoft.com/office/drawing/2014/main" id="{E17C5110-CA13-F741-AD04-1C732E1FE1CA}"/>
+              </a:ext>
+            </a:extLst>
+          </p:cNvPr>
+          <p:cNvCxnSpPr>
+            <a:cxnSpLocks/>
+            <a:stCxn id="10" idx="3"/>
+            <a:endCxn id="72" idx="6"/>
+          </p:cNvCxnSpPr>
+          <p:nvPr/>
+        </p:nvCxnSpPr>
+        <p:spPr>
+          <a:xfrm>
+            <a:off x="9621739" y="5303242"/>
+            <a:ext cx="284658" cy="0"/>
+          </a:xfrm>
+          <a:prstGeom prst="straightConnector1">
+            <a:avLst/>
+          </a:prstGeom>
+          <a:ln>
+            <a:tailEnd type="triangle"/>
+          </a:ln>
+        </p:spPr>
+        <p:style>
+          <a:lnRef idx="1">
+            <a:schemeClr val="accent1"/>
+          </a:lnRef>
+          <a:fillRef idx="0">
+            <a:schemeClr val="accent1"/>
+          </a:fillRef>
+          <a:effectRef idx="0">
+            <a:schemeClr val="accent1"/>
+          </a:effectRef>
+          <a:fontRef idx="minor">
+            <a:schemeClr val="tx1"/>
+          </a:fontRef>
+        </p:style>
+      </p:cxnSp>
+    </p:spTree>
+    <p:extLst>
+      <p:ext uri="{BB962C8B-B14F-4D97-AF65-F5344CB8AC3E}">
+        <p14:creationId xmlns:p14="http://schemas.microsoft.com/office/powerpoint/2010/main" val="1775726652"/>
+      </p:ext>
+    </p:extLst>
+  </p:cSld>
+  <p:clrMapOvr>
+    <a:masterClrMapping/>
+  </p:clrMapOvr>
+  <mc:AlternateContent xmlns:mc="http://schemas.openxmlformats.org/markup-compatibility/2006" xmlns:p14="http://schemas.microsoft.com/office/powerpoint/2010/main">
+    <mc:Choice Requires="p14">
+      <p:transition spd="med" p14:dur="700">
+        <p:fade/>
+      </p:transition>
+    </mc:Choice>
+    <mc:Fallback xmlns="">
+      <p:transition spd="med">
+        <p:fade/>
+      </p:transition>
+    </mc:Fallback>
+  </mc:AlternateContent>
+</p:sld>
+</file>
+
+<file path=ppt/slides/slide12.xml><?xml version="1.0" encoding="utf-8"?>
+<p:sld xmlns:a="http://schemas.openxmlformats.org/drawingml/2006/main" xmlns:r="http://schemas.openxmlformats.org/officeDocument/2006/relationships" xmlns:p="http://schemas.openxmlformats.org/presentationml/2006/main">
+  <p:cSld>
+    <p:spTree>
+      <p:nvGrpSpPr>
+        <p:cNvPr id="1" name=""/>
+        <p:cNvGrpSpPr/>
+        <p:nvPr/>
+      </p:nvGrpSpPr>
+      <p:grpSpPr>
+        <a:xfrm>
+          <a:off x="0" y="0"/>
+          <a:ext cx="0" cy="0"/>
+          <a:chOff x="0" y="0"/>
+          <a:chExt cx="0" cy="0"/>
+        </a:xfrm>
+      </p:grpSpPr>
+      <p:sp>
+        <p:nvSpPr>
+          <p:cNvPr id="2" name="Title 1">
+            <a:extLst>
+              <a:ext uri="{FF2B5EF4-FFF2-40B4-BE49-F238E27FC236}">
+                <a16:creationId xmlns:a16="http://schemas.microsoft.com/office/drawing/2014/main" id="{63695BC3-BEC1-504D-90B9-FB04F79787AF}"/>
+              </a:ext>
+            </a:extLst>
+          </p:cNvPr>
+          <p:cNvSpPr>
+            <a:spLocks noGrp="1"/>
+          </p:cNvSpPr>
+          <p:nvPr>
+            <p:ph type="title"/>
+          </p:nvPr>
+        </p:nvSpPr>
+        <p:spPr/>
+        <p:txBody>
+          <a:bodyPr/>
+          <a:lstStyle/>
+          <a:p>
+            <a:r>
+              <a:rPr lang="en-US"/>
+              <a:t>Topic exchange example</a:t>
+            </a:r>
+          </a:p>
+        </p:txBody>
+      </p:sp>
+      <p:sp>
+        <p:nvSpPr>
+          <p:cNvPr id="4" name="TextBox 3">
+            <a:extLst>
+              <a:ext uri="{FF2B5EF4-FFF2-40B4-BE49-F238E27FC236}">
+                <a16:creationId xmlns:a16="http://schemas.microsoft.com/office/drawing/2014/main" id="{303C0764-6E74-034B-9647-8FDBC08D2676}"/>
+              </a:ext>
+            </a:extLst>
+          </p:cNvPr>
+          <p:cNvSpPr txBox="1"/>
+          <p:nvPr/>
+        </p:nvSpPr>
+        <p:spPr>
+          <a:xfrm>
+            <a:off x="1141413" y="1939133"/>
+            <a:ext cx="4406900" cy="461665"/>
+          </a:xfrm>
+          <a:prstGeom prst="rect">
+            <a:avLst/>
+          </a:prstGeom>
+          <a:noFill/>
+        </p:spPr>
+        <p:txBody>
+          <a:bodyPr wrap="square" rtlCol="0">
+            <a:spAutoFit/>
+          </a:bodyPr>
+          <a:lstStyle/>
+          <a:p>
+            <a:pPr algn="l"/>
+            <a:r>
+              <a:rPr lang="en-US"/>
+              <a:t>Wild card routing by </a:t>
+            </a:r>
+            <a:r>
+              <a:rPr lang="en-US" b="1"/>
+              <a:t>routing key</a:t>
+            </a:r>
+          </a:p>
+        </p:txBody>
+      </p:sp>
+      <p:sp>
+        <p:nvSpPr>
+          <p:cNvPr id="5" name="TextBox 4">
+            <a:extLst>
+              <a:ext uri="{FF2B5EF4-FFF2-40B4-BE49-F238E27FC236}">
+                <a16:creationId xmlns:a16="http://schemas.microsoft.com/office/drawing/2014/main" id="{FEDC0C03-AB5E-DC48-B38D-BFDF7B1A6661}"/>
+              </a:ext>
+            </a:extLst>
+          </p:cNvPr>
+          <p:cNvSpPr txBox="1"/>
+          <p:nvPr/>
+        </p:nvSpPr>
+        <p:spPr>
+          <a:xfrm>
+            <a:off x="1435100" y="2400798"/>
+            <a:ext cx="2732088" cy="461665"/>
+          </a:xfrm>
+          <a:prstGeom prst="rect">
+            <a:avLst/>
+          </a:prstGeom>
+          <a:noFill/>
+        </p:spPr>
+        <p:txBody>
+          <a:bodyPr wrap="square" rtlCol="0">
+            <a:spAutoFit/>
+          </a:bodyPr>
+          <a:lstStyle/>
+          <a:p>
+            <a:pPr algn="l"/>
+            <a:r>
+              <a:rPr lang="en-US"/>
+              <a:t>* = match one word</a:t>
+            </a:r>
+          </a:p>
+        </p:txBody>
+      </p:sp>
+      <p:sp>
+        <p:nvSpPr>
+          <p:cNvPr id="7" name="TextBox 6">
+            <a:extLst>
+              <a:ext uri="{FF2B5EF4-FFF2-40B4-BE49-F238E27FC236}">
+                <a16:creationId xmlns:a16="http://schemas.microsoft.com/office/drawing/2014/main" id="{E3C92A7E-C3E1-1E47-866C-10D054289EAA}"/>
+              </a:ext>
+            </a:extLst>
+          </p:cNvPr>
+          <p:cNvSpPr txBox="1"/>
+          <p:nvPr/>
+        </p:nvSpPr>
+        <p:spPr>
+          <a:xfrm>
+            <a:off x="1435100" y="2775449"/>
+            <a:ext cx="3652838" cy="461665"/>
+          </a:xfrm>
+          <a:prstGeom prst="rect">
+            <a:avLst/>
+          </a:prstGeom>
+          <a:noFill/>
+        </p:spPr>
+        <p:txBody>
+          <a:bodyPr wrap="square" rtlCol="0">
+            <a:spAutoFit/>
+          </a:bodyPr>
+          <a:lstStyle/>
+          <a:p>
+            <a:pPr algn="l"/>
+            <a:r>
+              <a:rPr lang="en-US"/>
+              <a:t># = match multiple  words</a:t>
+            </a:r>
+          </a:p>
+        </p:txBody>
+      </p:sp>
+    </p:spTree>
+    <p:extLst>
+      <p:ext uri="{BB962C8B-B14F-4D97-AF65-F5344CB8AC3E}">
+        <p14:creationId xmlns:p14="http://schemas.microsoft.com/office/powerpoint/2010/main" val="548284844"/>
+      </p:ext>
+    </p:extLst>
+  </p:cSld>
+  <p:clrMapOvr>
+    <a:masterClrMapping/>
+  </p:clrMapOvr>
+  <mc:AlternateContent xmlns:mc="http://schemas.openxmlformats.org/markup-compatibility/2006" xmlns:p14="http://schemas.microsoft.com/office/powerpoint/2010/main">
+    <mc:Choice Requires="p14">
+      <p:transition spd="med" p14:dur="700">
+        <p:fade/>
+      </p:transition>
+    </mc:Choice>
+    <mc:Fallback xmlns="">
+      <p:transition spd="med">
+        <p:fade/>
+      </p:transition>
+    </mc:Fallback>
+  </mc:AlternateContent>
+</p:sld>
+</file>
+
+<file path=ppt/slides/slide13.xml><?xml version="1.0" encoding="utf-8"?>
+<p:sld xmlns:a="http://schemas.openxmlformats.org/drawingml/2006/main" xmlns:r="http://schemas.openxmlformats.org/officeDocument/2006/relationships" xmlns:p="http://schemas.openxmlformats.org/presentationml/2006/main">
+  <p:cSld>
+    <p:spTree>
+      <p:nvGrpSpPr>
+        <p:cNvPr id="1" name=""/>
+        <p:cNvGrpSpPr/>
+        <p:nvPr/>
+      </p:nvGrpSpPr>
+      <p:grpSpPr>
+        <a:xfrm>
+          <a:off x="0" y="0"/>
+          <a:ext cx="0" cy="0"/>
+          <a:chOff x="0" y="0"/>
+          <a:chExt cx="0" cy="0"/>
+        </a:xfrm>
+      </p:grpSpPr>
+      <p:sp>
+        <p:nvSpPr>
+          <p:cNvPr id="2" name="Title 1">
+            <a:extLst>
+              <a:ext uri="{FF2B5EF4-FFF2-40B4-BE49-F238E27FC236}">
+                <a16:creationId xmlns:a16="http://schemas.microsoft.com/office/drawing/2014/main" id="{4FC4142E-6783-FE4B-A9D2-C027FE6A625B}"/>
+              </a:ext>
+            </a:extLst>
+          </p:cNvPr>
+          <p:cNvSpPr>
+            <a:spLocks noGrp="1"/>
+          </p:cNvSpPr>
+          <p:nvPr>
+            <p:ph type="title"/>
+          </p:nvPr>
+        </p:nvSpPr>
+        <p:spPr/>
+        <p:txBody>
+          <a:bodyPr/>
+          <a:lstStyle/>
+          <a:p>
+            <a:r>
+              <a:rPr lang="en-US"/>
+              <a:t>Competing Consumers </a:t>
+            </a:r>
+          </a:p>
+        </p:txBody>
+      </p:sp>
+      <p:sp>
+        <p:nvSpPr>
+          <p:cNvPr id="3" name="Content Placeholder 2">
+            <a:extLst>
+              <a:ext uri="{FF2B5EF4-FFF2-40B4-BE49-F238E27FC236}">
+                <a16:creationId xmlns:a16="http://schemas.microsoft.com/office/drawing/2014/main" id="{D3752558-CD0A-5B4F-8025-DFAE459ACDA1}"/>
+              </a:ext>
+            </a:extLst>
+          </p:cNvPr>
+          <p:cNvSpPr>
+            <a:spLocks noGrp="1"/>
+          </p:cNvSpPr>
+          <p:nvPr>
+            <p:ph idx="1"/>
+          </p:nvPr>
+        </p:nvSpPr>
+        <p:spPr/>
+        <p:txBody>
+          <a:bodyPr/>
+          <a:lstStyle/>
+          <a:p>
+            <a:endParaRPr lang="en-US"/>
+          </a:p>
+        </p:txBody>
+      </p:sp>
+    </p:spTree>
+    <p:extLst>
+      <p:ext uri="{BB962C8B-B14F-4D97-AF65-F5344CB8AC3E}">
+        <p14:creationId xmlns:p14="http://schemas.microsoft.com/office/powerpoint/2010/main" val="2465318013"/>
+      </p:ext>
+    </p:extLst>
+  </p:cSld>
+  <p:clrMapOvr>
+    <a:masterClrMapping/>
+  </p:clrMapOvr>
+  <mc:AlternateContent xmlns:mc="http://schemas.openxmlformats.org/markup-compatibility/2006" xmlns:p14="http://schemas.microsoft.com/office/powerpoint/2010/main">
+    <mc:Choice Requires="p14">
+      <p:transition spd="med" p14:dur="700">
+        <p:fade/>
+      </p:transition>
+    </mc:Choice>
+    <mc:Fallback xmlns="">
+      <p:transition spd="med">
+        <p:fade/>
+      </p:transition>
+    </mc:Fallback>
+  </mc:AlternateContent>
+</p:sld>
+</file>
+
+<file path=ppt/slides/slide14.xml><?xml version="1.0" encoding="utf-8"?>
+<p:sld xmlns:a="http://schemas.openxmlformats.org/drawingml/2006/main" xmlns:r="http://schemas.openxmlformats.org/officeDocument/2006/relationships" xmlns:p="http://schemas.openxmlformats.org/presentationml/2006/main">
+  <p:cSld>
+    <p:spTree>
+      <p:nvGrpSpPr>
+        <p:cNvPr id="1" name=""/>
+        <p:cNvGrpSpPr/>
+        <p:nvPr/>
+      </p:nvGrpSpPr>
+      <p:grpSpPr>
+        <a:xfrm>
+          <a:off x="0" y="0"/>
+          <a:ext cx="0" cy="0"/>
+          <a:chOff x="0" y="0"/>
+          <a:chExt cx="0" cy="0"/>
+        </a:xfrm>
+      </p:grpSpPr>
+      <p:sp>
+        <p:nvSpPr>
+          <p:cNvPr id="2" name="Title 1">
+            <a:extLst>
+              <a:ext uri="{FF2B5EF4-FFF2-40B4-BE49-F238E27FC236}">
+                <a16:creationId xmlns:a16="http://schemas.microsoft.com/office/drawing/2014/main" id="{A61B8EB7-1AB6-CA46-8DB5-A82AD928BAA5}"/>
+              </a:ext>
+            </a:extLst>
+          </p:cNvPr>
+          <p:cNvSpPr>
+            <a:spLocks noGrp="1"/>
+          </p:cNvSpPr>
+          <p:nvPr>
+            <p:ph type="title"/>
+          </p:nvPr>
+        </p:nvSpPr>
+        <p:spPr/>
+        <p:txBody>
+          <a:bodyPr/>
+          <a:lstStyle/>
+          <a:p>
+            <a:r>
+              <a:rPr lang="en-US"/>
+              <a:t>Hashing Exchange Example </a:t>
+            </a:r>
+          </a:p>
+        </p:txBody>
+      </p:sp>
+      <p:sp>
+        <p:nvSpPr>
+          <p:cNvPr id="3" name="Content Placeholder 2">
+            <a:extLst>
+              <a:ext uri="{FF2B5EF4-FFF2-40B4-BE49-F238E27FC236}">
+                <a16:creationId xmlns:a16="http://schemas.microsoft.com/office/drawing/2014/main" id="{A4EF9C51-4C19-3840-990F-0AFB8AF07ACC}"/>
+              </a:ext>
+            </a:extLst>
+          </p:cNvPr>
+          <p:cNvSpPr>
+            <a:spLocks noGrp="1"/>
+          </p:cNvSpPr>
+          <p:nvPr>
+            <p:ph idx="1"/>
+          </p:nvPr>
+        </p:nvSpPr>
+        <p:spPr/>
+        <p:txBody>
+          <a:bodyPr/>
+          <a:lstStyle/>
+          <a:p>
+            <a:endParaRPr lang="en-US"/>
+          </a:p>
+        </p:txBody>
+      </p:sp>
+    </p:spTree>
+    <p:extLst>
+      <p:ext uri="{BB962C8B-B14F-4D97-AF65-F5344CB8AC3E}">
+        <p14:creationId xmlns:p14="http://schemas.microsoft.com/office/powerpoint/2010/main" val="146178992"/>
+      </p:ext>
+    </p:extLst>
+  </p:cSld>
+  <p:clrMapOvr>
+    <a:masterClrMapping/>
+  </p:clrMapOvr>
+  <mc:AlternateContent xmlns:mc="http://schemas.openxmlformats.org/markup-compatibility/2006" xmlns:p14="http://schemas.microsoft.com/office/powerpoint/2010/main">
+    <mc:Choice Requires="p14">
+      <p:transition spd="med" p14:dur="700">
+        <p:fade/>
+      </p:transition>
+    </mc:Choice>
+    <mc:Fallback xmlns="">
+      <p:transition spd="med">
+        <p:fade/>
+      </p:transition>
+    </mc:Fallback>
+  </mc:AlternateContent>
+</p:sld>
+</file>
+
+<file path=ppt/slides/slide15.xml><?xml version="1.0" encoding="utf-8"?>
+<p:sld xmlns:a="http://schemas.openxmlformats.org/drawingml/2006/main" xmlns:r="http://schemas.openxmlformats.org/officeDocument/2006/relationships" xmlns:p="http://schemas.openxmlformats.org/presentationml/2006/main">
+  <p:cSld>
+    <p:spTree>
+      <p:nvGrpSpPr>
+        <p:cNvPr id="1" name=""/>
+        <p:cNvGrpSpPr/>
+        <p:nvPr/>
+      </p:nvGrpSpPr>
+      <p:grpSpPr>
+        <a:xfrm>
+          <a:off x="0" y="0"/>
+          <a:ext cx="0" cy="0"/>
+          <a:chOff x="0" y="0"/>
+          <a:chExt cx="0" cy="0"/>
+        </a:xfrm>
+      </p:grpSpPr>
+      <p:sp>
+        <p:nvSpPr>
+          <p:cNvPr id="2" name="Title 1">
+            <a:extLst>
+              <a:ext uri="{FF2B5EF4-FFF2-40B4-BE49-F238E27FC236}">
+                <a16:creationId xmlns:a16="http://schemas.microsoft.com/office/drawing/2014/main" id="{AC7722AF-A2F1-EA42-9015-BE9DB6B90BA9}"/>
+              </a:ext>
+            </a:extLst>
+          </p:cNvPr>
+          <p:cNvSpPr>
+            <a:spLocks noGrp="1"/>
+          </p:cNvSpPr>
+          <p:nvPr>
+            <p:ph type="title"/>
+          </p:nvPr>
+        </p:nvSpPr>
+        <p:spPr/>
+        <p:txBody>
+          <a:bodyPr/>
+          <a:lstStyle/>
+          <a:p>
+            <a:r>
+              <a:rPr lang="en-US"/>
+              <a:t>Rabbitmq use cases</a:t>
+            </a:r>
+          </a:p>
+        </p:txBody>
+      </p:sp>
+      <p:sp>
+        <p:nvSpPr>
+          <p:cNvPr id="3" name="Content Placeholder 2">
+            <a:extLst>
+              <a:ext uri="{FF2B5EF4-FFF2-40B4-BE49-F238E27FC236}">
+                <a16:creationId xmlns:a16="http://schemas.microsoft.com/office/drawing/2014/main" id="{281E53C3-C76E-E246-B811-36479B204C6E}"/>
+              </a:ext>
+            </a:extLst>
+          </p:cNvPr>
+          <p:cNvSpPr>
+            <a:spLocks noGrp="1"/>
+          </p:cNvSpPr>
+          <p:nvPr>
+            <p:ph idx="1"/>
+          </p:nvPr>
+        </p:nvSpPr>
+        <p:spPr>
+          <a:xfrm>
+            <a:off x="1266658" y="2133892"/>
+            <a:ext cx="10055781" cy="4459827"/>
+          </a:xfrm>
+        </p:spPr>
+        <p:txBody>
+          <a:bodyPr/>
+          <a:lstStyle/>
+          <a:p>
+            <a:r>
+              <a:rPr lang="en-US" b="1"/>
+              <a:t>Good</a:t>
+            </a:r>
+          </a:p>
+          <a:p>
+            <a:r>
+              <a:rPr lang="en-US"/>
+              <a:t>Event Stream</a:t>
+            </a:r>
+          </a:p>
+          <a:p>
+            <a:r>
+              <a:rPr lang="en-US"/>
+              <a:t>Connecting apps new and old written in different languages </a:t>
+            </a:r>
+          </a:p>
+          <a:p>
+            <a:r>
+              <a:rPr lang="en-US"/>
+              <a:t>When you are uncertain Rabbitmq is a certain  choice multi protocol  and patterns </a:t>
+            </a:r>
+          </a:p>
+          <a:p>
+            <a:r>
+              <a:rPr lang="en-US"/>
+              <a:t>Locality global regional </a:t>
+            </a:r>
+          </a:p>
+          <a:p>
+            <a:r>
+              <a:rPr lang="en-US" b="1"/>
+              <a:t>Bad</a:t>
+            </a:r>
+          </a:p>
+          <a:p>
+            <a:r>
+              <a:rPr lang="en-US"/>
+              <a:t>Large binary videos and images</a:t>
+            </a:r>
+          </a:p>
+          <a:p>
+            <a:r>
+              <a:rPr lang="en-US"/>
+              <a:t>Use as a data store large ques</a:t>
+            </a:r>
+          </a:p>
+          <a:p>
+            <a:endParaRPr lang="en-US"/>
+          </a:p>
+          <a:p>
+            <a:endParaRPr lang="en-US"/>
+          </a:p>
+        </p:txBody>
+      </p:sp>
+    </p:spTree>
+    <p:extLst>
+      <p:ext uri="{BB962C8B-B14F-4D97-AF65-F5344CB8AC3E}">
+        <p14:creationId xmlns:p14="http://schemas.microsoft.com/office/powerpoint/2010/main" val="1286628553"/>
+      </p:ext>
+    </p:extLst>
+  </p:cSld>
+  <p:clrMapOvr>
+    <a:masterClrMapping/>
+  </p:clrMapOvr>
+  <mc:AlternateContent xmlns:mc="http://schemas.openxmlformats.org/markup-compatibility/2006" xmlns:p14="http://schemas.microsoft.com/office/powerpoint/2010/main">
+    <mc:Choice Requires="p14">
+      <p:transition spd="med" p14:dur="700">
+        <p:fade/>
+      </p:transition>
+    </mc:Choice>
+    <mc:Fallback xmlns="">
+      <p:transition spd="med">
+        <p:fade/>
+      </p:transition>
+    </mc:Fallback>
+  </mc:AlternateContent>
+</p:sld>
+</file>
+
+<file path=ppt/slides/slide16.xml><?xml version="1.0" encoding="utf-8"?>
+<p:sld xmlns:a="http://schemas.openxmlformats.org/drawingml/2006/main" xmlns:r="http://schemas.openxmlformats.org/officeDocument/2006/relationships" xmlns:p="http://schemas.openxmlformats.org/presentationml/2006/main">
+  <p:cSld>
+    <p:spTree>
+      <p:nvGrpSpPr>
+        <p:cNvPr id="1" name=""/>
+        <p:cNvGrpSpPr/>
+        <p:nvPr/>
+      </p:nvGrpSpPr>
+      <p:grpSpPr>
+        <a:xfrm>
+          <a:off x="0" y="0"/>
+          <a:ext cx="0" cy="0"/>
+          <a:chOff x="0" y="0"/>
+          <a:chExt cx="0" cy="0"/>
+        </a:xfrm>
+      </p:grpSpPr>
+      <p:sp>
+        <p:nvSpPr>
+          <p:cNvPr id="2" name="Title 1">
+            <a:extLst>
+              <a:ext uri="{FF2B5EF4-FFF2-40B4-BE49-F238E27FC236}">
+                <a16:creationId xmlns:a16="http://schemas.microsoft.com/office/drawing/2014/main" id="{D19D98D7-1A37-3B46-9F52-28196C859D7B}"/>
+              </a:ext>
+            </a:extLst>
+          </p:cNvPr>
+          <p:cNvSpPr>
+            <a:spLocks noGrp="1"/>
+          </p:cNvSpPr>
+          <p:nvPr>
+            <p:ph type="title"/>
+          </p:nvPr>
+        </p:nvSpPr>
+        <p:spPr/>
+        <p:txBody>
+          <a:bodyPr/>
+          <a:lstStyle/>
+          <a:p>
+            <a:r>
+              <a:rPr lang="en-US"/>
+              <a:t>Lessons Learned</a:t>
+            </a:r>
+          </a:p>
+        </p:txBody>
+      </p:sp>
+      <p:sp>
+        <p:nvSpPr>
+          <p:cNvPr id="3" name="Content Placeholder 2">
+            <a:extLst>
+              <a:ext uri="{FF2B5EF4-FFF2-40B4-BE49-F238E27FC236}">
+                <a16:creationId xmlns:a16="http://schemas.microsoft.com/office/drawing/2014/main" id="{886AE7E1-E8C6-9946-9790-4CC0B63F0BDC}"/>
+              </a:ext>
+            </a:extLst>
+          </p:cNvPr>
+          <p:cNvSpPr>
+            <a:spLocks noGrp="1"/>
+          </p:cNvSpPr>
+          <p:nvPr>
+            <p:ph idx="1"/>
+          </p:nvPr>
+        </p:nvSpPr>
+        <p:spPr>
+          <a:xfrm>
+            <a:off x="1195221" y="2055582"/>
+            <a:ext cx="10055781" cy="4023360"/>
+          </a:xfrm>
+        </p:spPr>
+        <p:txBody>
+          <a:bodyPr>
+            <a:normAutofit fontScale="92500" lnSpcReduction="20000"/>
+          </a:bodyPr>
+          <a:lstStyle/>
+          <a:p>
+            <a:r>
+              <a:rPr lang="en-US"/>
+              <a:t>Don’t just use a framework without understanding the ramifications </a:t>
+            </a:r>
+          </a:p>
+          <a:p>
+            <a:pPr marL="0" indent="0">
+              <a:buNone/>
+            </a:pPr>
+            <a:r>
+              <a:rPr lang="en-US"/>
+              <a:t>Lots of features extensions that can be used instead recreated the wheel.</a:t>
+            </a:r>
+          </a:p>
+          <a:p>
+            <a:pPr marL="0" indent="0">
+              <a:buNone/>
+            </a:pPr>
+            <a:r>
+              <a:rPr lang="en-US"/>
+              <a:t>Management UI runs on same mode handling messages </a:t>
+            </a:r>
+          </a:p>
+          <a:p>
+            <a:pPr marL="0" indent="0">
+              <a:buNone/>
+            </a:pPr>
+            <a:r>
+              <a:rPr lang="en-US"/>
+              <a:t>Connections - dont open new connections with every message. Connections and channels are expensive. 100kb each.</a:t>
+            </a:r>
+          </a:p>
+          <a:p>
+            <a:pPr marL="0" indent="0">
+              <a:buNone/>
+            </a:pPr>
+            <a:r>
+              <a:rPr lang="en-US"/>
+              <a:t>Reuse connections singleton pattern</a:t>
+            </a:r>
+          </a:p>
+          <a:p>
+            <a:pPr marL="0" indent="0">
+              <a:buNone/>
+            </a:pPr>
+            <a:r>
+              <a:rPr lang="en-US"/>
+              <a:t>RabbitMQ is optimized for long lived connections Don't let queues grow 10 000 messages is too much limit with TTL or max sizeSend persistent messages and use durable queues and exchange </a:t>
+            </a:r>
+          </a:p>
+          <a:p>
+            <a:pPr marL="0" indent="0">
+              <a:buNone/>
+            </a:pPr>
+            <a:r>
+              <a:rPr lang="en-US"/>
+              <a:t>Use publisher confirms</a:t>
+            </a:r>
+          </a:p>
+          <a:p>
+            <a:pPr marL="0" indent="0">
+              <a:buNone/>
+            </a:pPr>
+            <a:r>
+              <a:rPr lang="en-US"/>
+              <a:t>Adjust pre fetch RMPS 3.7 has a default of 50</a:t>
+            </a:r>
+          </a:p>
+          <a:p>
+            <a:pPr marL="0" indent="0">
+              <a:buNone/>
+            </a:pPr>
+            <a:r>
+              <a:rPr lang="en-US"/>
+              <a:t>RabbitMQ in a containers need to persist state</a:t>
+            </a:r>
+          </a:p>
+          <a:p>
+            <a:pPr marL="0" indent="0">
+              <a:buNone/>
+            </a:pPr>
+            <a:r>
+              <a:rPr lang="en-US"/>
+              <a:t>Heartbeats </a:t>
+            </a:r>
+          </a:p>
+        </p:txBody>
+      </p:sp>
+    </p:spTree>
+    <p:extLst>
+      <p:ext uri="{BB962C8B-B14F-4D97-AF65-F5344CB8AC3E}">
+        <p14:creationId xmlns:p14="http://schemas.microsoft.com/office/powerpoint/2010/main" val="4264667607"/>
+      </p:ext>
+    </p:extLst>
+  </p:cSld>
+  <p:clrMapOvr>
+    <a:masterClrMapping/>
+  </p:clrMapOvr>
+  <mc:AlternateContent xmlns:mc="http://schemas.openxmlformats.org/markup-compatibility/2006" xmlns:p14="http://schemas.microsoft.com/office/powerpoint/2010/main">
+    <mc:Choice Requires="p14">
+      <p:transition spd="med" p14:dur="700">
+        <p:fade/>
+      </p:transition>
+    </mc:Choice>
+    <mc:Fallback xmlns="">
+      <p:transition spd="med">
+        <p:fade/>
+      </p:transition>
+    </mc:Fallback>
+  </mc:AlternateContent>
+</p:sld>
+</file>
+
+<file path=ppt/slides/slide17.xml><?xml version="1.0" encoding="utf-8"?>
+<p:sld xmlns:a="http://schemas.openxmlformats.org/drawingml/2006/main" xmlns:r="http://schemas.openxmlformats.org/officeDocument/2006/relationships" xmlns:p="http://schemas.openxmlformats.org/presentationml/2006/main">
+  <p:cSld>
+    <p:spTree>
+      <p:nvGrpSpPr>
+        <p:cNvPr id="1" name=""/>
+        <p:cNvGrpSpPr/>
+        <p:nvPr/>
+      </p:nvGrpSpPr>
+      <p:grpSpPr>
+        <a:xfrm>
+          <a:off x="0" y="0"/>
+          <a:ext cx="0" cy="0"/>
+          <a:chOff x="0" y="0"/>
+          <a:chExt cx="0" cy="0"/>
+        </a:xfrm>
+      </p:grpSpPr>
+      <p:sp>
+        <p:nvSpPr>
+          <p:cNvPr id="2" name="Title 1">
+            <a:extLst>
+              <a:ext uri="{FF2B5EF4-FFF2-40B4-BE49-F238E27FC236}">
+                <a16:creationId xmlns:a16="http://schemas.microsoft.com/office/drawing/2014/main" id="{971608B8-DFEE-304F-9A34-6CFB34F956DC}"/>
+              </a:ext>
+            </a:extLst>
+          </p:cNvPr>
+          <p:cNvSpPr>
+            <a:spLocks noGrp="1"/>
+          </p:cNvSpPr>
+          <p:nvPr>
+            <p:ph type="title"/>
+          </p:nvPr>
+        </p:nvSpPr>
+        <p:spPr>
+          <a:xfrm>
+            <a:off x="1096994" y="286604"/>
+            <a:ext cx="10055781" cy="1450757"/>
+          </a:xfrm>
+        </p:spPr>
+        <p:txBody>
+          <a:bodyPr/>
+          <a:lstStyle/>
+          <a:p>
+            <a:r>
+              <a:rPr lang="en-US"/>
+              <a:t>Investigate / Future 3.8 and beyond</a:t>
+            </a:r>
+          </a:p>
+        </p:txBody>
+      </p:sp>
+      <p:sp>
+        <p:nvSpPr>
+          <p:cNvPr id="3" name="Content Placeholder 2">
+            <a:extLst>
+              <a:ext uri="{FF2B5EF4-FFF2-40B4-BE49-F238E27FC236}">
+                <a16:creationId xmlns:a16="http://schemas.microsoft.com/office/drawing/2014/main" id="{4B048B99-F63C-C94A-B4B2-5BB0B7C84EA9}"/>
+              </a:ext>
+            </a:extLst>
+          </p:cNvPr>
+          <p:cNvSpPr>
+            <a:spLocks noGrp="1"/>
+          </p:cNvSpPr>
+          <p:nvPr>
+            <p:ph idx="1"/>
+          </p:nvPr>
+        </p:nvSpPr>
+        <p:spPr/>
+        <p:txBody>
+          <a:bodyPr>
+            <a:normAutofit fontScale="92500" lnSpcReduction="10000"/>
+          </a:bodyPr>
+          <a:lstStyle/>
+          <a:p>
+            <a:r>
+              <a:rPr lang="en-US"/>
+              <a:t>Event Exchange</a:t>
+            </a:r>
+          </a:p>
+          <a:p>
+            <a:r>
+              <a:rPr lang="en-US"/>
+              <a:t>Churn Statistics </a:t>
+            </a:r>
+          </a:p>
+          <a:p>
+            <a:r>
+              <a:rPr lang="en-US"/>
+              <a:t>Protocol agnostic core</a:t>
+            </a:r>
+          </a:p>
+          <a:p>
+            <a:r>
+              <a:rPr lang="en-US"/>
+              <a:t>Native processing speed up mqtp traffic </a:t>
+            </a:r>
+          </a:p>
+          <a:p>
+            <a:r>
+              <a:rPr lang="en-US"/>
+              <a:t>Moving away from amqp model</a:t>
+            </a:r>
+          </a:p>
+          <a:p>
+            <a:r>
+              <a:rPr lang="en-US"/>
+              <a:t>Graph based queues </a:t>
+            </a:r>
+          </a:p>
+          <a:p>
+            <a:pPr marL="0" indent="0">
+              <a:buNone/>
+            </a:pPr>
+            <a:r>
+              <a:rPr lang="en-US"/>
+              <a:t>Quorum queues data safety replication </a:t>
+            </a:r>
+          </a:p>
+          <a:p>
+            <a:pPr marL="0" indent="0">
+              <a:buNone/>
+            </a:pPr>
+            <a:r>
+              <a:rPr lang="en-US"/>
+              <a:t>http 2/3</a:t>
+            </a:r>
+          </a:p>
+          <a:p>
+            <a:pPr marL="0" indent="0">
+              <a:buNone/>
+            </a:pPr>
+            <a:r>
+              <a:rPr lang="en-US"/>
+              <a:t>More protocols better flow control and cluster  aware</a:t>
+            </a:r>
+          </a:p>
+          <a:p>
+            <a:pPr marL="0" indent="0">
+              <a:buNone/>
+            </a:pPr>
+            <a:r>
+              <a:rPr lang="en-US"/>
+              <a:t>Oauth 2.0 support </a:t>
+            </a:r>
+          </a:p>
+          <a:p>
+            <a:pPr marL="0" indent="0">
+              <a:buNone/>
+            </a:pPr>
+            <a:endParaRPr lang="en-US"/>
+          </a:p>
+          <a:p>
+            <a:pPr marL="0" indent="0">
+              <a:buNone/>
+            </a:pPr>
+            <a:endParaRPr lang="en-US"/>
+          </a:p>
+          <a:p>
+            <a:pPr marL="0" indent="0">
+              <a:buNone/>
+            </a:pPr>
+            <a:endParaRPr lang="en-US"/>
+          </a:p>
+          <a:p>
+            <a:pPr marL="0" indent="0">
+              <a:buNone/>
+            </a:pPr>
+            <a:endParaRPr lang="en-US"/>
+          </a:p>
+          <a:p>
+            <a:endParaRPr lang="en-US"/>
+          </a:p>
+          <a:p>
+            <a:endParaRPr lang="en-US"/>
+          </a:p>
+          <a:p>
+            <a:endParaRPr lang="en-US"/>
+          </a:p>
+        </p:txBody>
+      </p:sp>
+    </p:spTree>
+    <p:extLst>
+      <p:ext uri="{BB962C8B-B14F-4D97-AF65-F5344CB8AC3E}">
+        <p14:creationId xmlns:p14="http://schemas.microsoft.com/office/powerpoint/2010/main" val="200645068"/>
+      </p:ext>
+    </p:extLst>
+  </p:cSld>
+  <p:clrMapOvr>
+    <a:masterClrMapping/>
+  </p:clrMapOvr>
+  <mc:AlternateContent xmlns:mc="http://schemas.openxmlformats.org/markup-compatibility/2006" xmlns:p14="http://schemas.microsoft.com/office/powerpoint/2010/main">
+    <mc:Choice Requires="p14">
+      <p:transition spd="med" p14:dur="700">
+        <p:fade/>
+      </p:transition>
+    </mc:Choice>
+    <mc:Fallback xmlns="">
+      <p:transition spd="med">
+        <p:fade/>
+      </p:transition>
+    </mc:Fallback>
+  </mc:AlternateContent>
+</p:sld>
+</file>
+
+<file path=ppt/slides/slide18.xml><?xml version="1.0" encoding="utf-8"?>
+<p:sld xmlns:a="http://schemas.openxmlformats.org/drawingml/2006/main" xmlns:r="http://schemas.openxmlformats.org/officeDocument/2006/relationships" xmlns:p="http://schemas.openxmlformats.org/presentationml/2006/main">
+  <p:cSld>
+    <p:spTree>
+      <p:nvGrpSpPr>
+        <p:cNvPr id="1" name=""/>
+        <p:cNvGrpSpPr/>
+        <p:nvPr/>
+      </p:nvGrpSpPr>
+      <p:grpSpPr>
+        <a:xfrm>
+          <a:off x="0" y="0"/>
+          <a:ext cx="0" cy="0"/>
+          <a:chOff x="0" y="0"/>
+          <a:chExt cx="0" cy="0"/>
+        </a:xfrm>
+      </p:grpSpPr>
+      <p:sp>
+        <p:nvSpPr>
           <p:cNvPr id="2" name="Title 1"/>
           <p:cNvSpPr>
             <a:spLocks noGrp="1"/>
@@ -9835,13 +12276,8 @@
           <a:p>
             <a:r>
               <a:rPr lang="en-US" dirty="0"/>
-              <a:t>What is </a:t>
-            </a:r>
-            <a:r>
-              <a:rPr lang="en-US" dirty="0" smtClean="0"/>
-              <a:t>AMQP?</a:t>
-            </a:r>
-            <a:endParaRPr lang="en-US" dirty="0"/>
+              <a:t>What is AMQP?</a:t>
+            </a:r>
           </a:p>
         </p:txBody>
       </p:sp>
@@ -10161,32 +12597,18 @@
               <a:rPr lang="en-US" i="1" dirty="0"/>
               <a:t> </a:t>
             </a:r>
-            <a:endParaRPr lang="en-US" i="1" dirty="0" smtClean="0"/>
-          </a:p>
-          <a:p>
-            <a:r>
-              <a:rPr lang="en-US" dirty="0" smtClean="0"/>
-              <a:t>Delivery </a:t>
-            </a:r>
+          </a:p>
+          <a:p>
             <a:r>
               <a:rPr lang="en-US" dirty="0"/>
-              <a:t>and processing </a:t>
-            </a:r>
-            <a:r>
-              <a:rPr lang="en-US" dirty="0" smtClean="0"/>
-              <a:t>confirmation</a:t>
-            </a:r>
-          </a:p>
-          <a:p>
-            <a:r>
-              <a:rPr lang="en-US" dirty="0" smtClean="0"/>
-              <a:t>AMQP </a:t>
-            </a:r>
+              <a:t>Delivery and processing confirmation</a:t>
+            </a:r>
+          </a:p>
+          <a:p>
             <a:r>
               <a:rPr lang="en-US" dirty="0"/>
-              <a:t>0-9-1 </a:t>
-            </a:r>
-            <a:endParaRPr lang="en-US" dirty="0" smtClean="0"/>
+              <a:t>AMQP 0-9-1 </a:t>
+            </a:r>
           </a:p>
         </p:txBody>
       </p:sp>
@@ -10215,7 +12637,7 @@
 </p:sld>
 </file>
 
-<file path=ppt/slides/slide11.xml><?xml version="1.0" encoding="utf-8"?>
+<file path=ppt/slides/slide19.xml><?xml version="1.0" encoding="utf-8"?>
 <p:sld xmlns:a="http://schemas.openxmlformats.org/drawingml/2006/main" xmlns:r="http://schemas.openxmlformats.org/officeDocument/2006/relationships" xmlns:p="http://schemas.openxmlformats.org/presentationml/2006/main">
   <p:cSld>
     <p:spTree>
@@ -10234,6 +12656,950 @@
       </p:grpSpPr>
       <p:sp>
         <p:nvSpPr>
+          <p:cNvPr id="2" name="Title 1">
+            <a:extLst>
+              <a:ext uri="{FF2B5EF4-FFF2-40B4-BE49-F238E27FC236}">
+                <a16:creationId xmlns:a16="http://schemas.microsoft.com/office/drawing/2014/main" id="{21A62E6F-8298-1C47-AF4C-D6B380DC5E27}"/>
+              </a:ext>
+            </a:extLst>
+          </p:cNvPr>
+          <p:cNvSpPr>
+            <a:spLocks noGrp="1"/>
+          </p:cNvSpPr>
+          <p:nvPr>
+            <p:ph type="title"/>
+          </p:nvPr>
+        </p:nvSpPr>
+        <p:spPr/>
+        <p:txBody>
+          <a:bodyPr/>
+          <a:lstStyle/>
+          <a:p>
+            <a:r>
+              <a:rPr lang="en-US"/>
+              <a:t>High Availability</a:t>
+            </a:r>
+          </a:p>
+        </p:txBody>
+      </p:sp>
+      <p:sp>
+        <p:nvSpPr>
+          <p:cNvPr id="3" name="Content Placeholder 2">
+            <a:extLst>
+              <a:ext uri="{FF2B5EF4-FFF2-40B4-BE49-F238E27FC236}">
+                <a16:creationId xmlns:a16="http://schemas.microsoft.com/office/drawing/2014/main" id="{B8E69FE9-10A4-C042-92DF-E8733DFFC11A}"/>
+              </a:ext>
+            </a:extLst>
+          </p:cNvPr>
+          <p:cNvSpPr>
+            <a:spLocks noGrp="1"/>
+          </p:cNvSpPr>
+          <p:nvPr>
+            <p:ph idx="1"/>
+          </p:nvPr>
+        </p:nvSpPr>
+        <p:spPr>
+          <a:xfrm>
+            <a:off x="1102947" y="1751971"/>
+            <a:ext cx="10055781" cy="4023360"/>
+          </a:xfrm>
+        </p:spPr>
+        <p:txBody>
+          <a:bodyPr/>
+          <a:lstStyle/>
+          <a:p>
+            <a:r>
+              <a:rPr lang="en-US"/>
+              <a:t>Extensions- consistantly hash and sharding</a:t>
+            </a:r>
+          </a:p>
+          <a:p>
+            <a:r>
+              <a:rPr lang="en-US"/>
+              <a:t>Do not enable HiPE</a:t>
+            </a:r>
+          </a:p>
+          <a:p>
+            <a:r>
+              <a:rPr lang="en-US"/>
+              <a:t>Durable queues, exchanges </a:t>
+            </a:r>
+          </a:p>
+          <a:p>
+            <a:r>
+              <a:rPr lang="en-US"/>
+              <a:t>Prefetch configuration </a:t>
+            </a:r>
+          </a:p>
+          <a:p>
+            <a:r>
+              <a:rPr lang="en-US"/>
+              <a:t>Publisher confirms</a:t>
+            </a:r>
+          </a:p>
+          <a:p>
+            <a:r>
+              <a:rPr lang="en-US"/>
+              <a:t>Multi nodes with HA policy</a:t>
+            </a:r>
+          </a:p>
+          <a:p>
+            <a:endParaRPr lang="en-US"/>
+          </a:p>
+          <a:p>
+            <a:endParaRPr lang="en-US"/>
+          </a:p>
+        </p:txBody>
+      </p:sp>
+    </p:spTree>
+    <p:extLst>
+      <p:ext uri="{BB962C8B-B14F-4D97-AF65-F5344CB8AC3E}">
+        <p14:creationId xmlns:p14="http://schemas.microsoft.com/office/powerpoint/2010/main" val="1955606666"/>
+      </p:ext>
+    </p:extLst>
+  </p:cSld>
+  <p:clrMapOvr>
+    <a:masterClrMapping/>
+  </p:clrMapOvr>
+  <mc:AlternateContent xmlns:mc="http://schemas.openxmlformats.org/markup-compatibility/2006" xmlns:p14="http://schemas.microsoft.com/office/powerpoint/2010/main">
+    <mc:Choice Requires="p14">
+      <p:transition spd="med" p14:dur="700">
+        <p:fade/>
+      </p:transition>
+    </mc:Choice>
+    <mc:Fallback xmlns="">
+      <p:transition spd="med">
+        <p:fade/>
+      </p:transition>
+    </mc:Fallback>
+  </mc:AlternateContent>
+</p:sld>
+</file>
+
+<file path=ppt/slides/slide2.xml><?xml version="1.0" encoding="utf-8"?>
+<p:sld xmlns:a="http://schemas.openxmlformats.org/drawingml/2006/main" xmlns:r="http://schemas.openxmlformats.org/officeDocument/2006/relationships" xmlns:p="http://schemas.openxmlformats.org/presentationml/2006/main">
+  <p:cSld>
+    <p:spTree>
+      <p:nvGrpSpPr>
+        <p:cNvPr id="1" name=""/>
+        <p:cNvGrpSpPr/>
+        <p:nvPr/>
+      </p:nvGrpSpPr>
+      <p:grpSpPr>
+        <a:xfrm>
+          <a:off x="0" y="0"/>
+          <a:ext cx="0" cy="0"/>
+          <a:chOff x="0" y="0"/>
+          <a:chExt cx="0" cy="0"/>
+        </a:xfrm>
+      </p:grpSpPr>
+      <p:sp>
+        <p:nvSpPr>
+          <p:cNvPr id="2" name="Title 1"/>
+          <p:cNvSpPr>
+            <a:spLocks noGrp="1"/>
+          </p:cNvSpPr>
+          <p:nvPr>
+            <p:ph type="title"/>
+          </p:nvPr>
+        </p:nvSpPr>
+        <p:spPr/>
+        <p:txBody>
+          <a:bodyPr/>
+          <a:lstStyle/>
+          <a:p>
+            <a:r>
+              <a:rPr lang="en-US" dirty="0" err="1"/>
+              <a:t>ProtoLabs</a:t>
+            </a:r>
+            <a:r>
+              <a:rPr lang="en-US" dirty="0"/>
+              <a:t> - </a:t>
+            </a:r>
+            <a:r>
+              <a:rPr lang="en-US" dirty="0" err="1"/>
+              <a:t>Microservice</a:t>
+            </a:r>
+            <a:r>
+              <a:rPr lang="en-US" dirty="0"/>
+              <a:t> and </a:t>
+            </a:r>
+            <a:r>
+              <a:rPr lang="en-US" dirty="0" err="1"/>
+              <a:t>RabbitMQ</a:t>
+            </a:r>
+            <a:endParaRPr lang="en-US" dirty="0"/>
+          </a:p>
+        </p:txBody>
+      </p:sp>
+      <p:sp>
+        <p:nvSpPr>
+          <p:cNvPr id="3" name="Content Placeholder 2"/>
+          <p:cNvSpPr>
+            <a:spLocks noGrp="1"/>
+          </p:cNvSpPr>
+          <p:nvPr>
+            <p:ph idx="1"/>
+          </p:nvPr>
+        </p:nvSpPr>
+        <p:spPr/>
+        <p:txBody>
+          <a:bodyPr>
+            <a:normAutofit fontScale="92500" lnSpcReduction="20000"/>
+          </a:bodyPr>
+          <a:lstStyle/>
+          <a:p>
+            <a:r>
+              <a:rPr lang="en-US" b="1" dirty="0"/>
+              <a:t>Breaking up a </a:t>
+            </a:r>
+            <a:r>
+              <a:rPr lang="en-US" b="1" dirty="0" err="1"/>
+              <a:t>monilith</a:t>
+            </a:r>
+            <a:endParaRPr lang="en-US" b="1" dirty="0"/>
+          </a:p>
+          <a:p>
+            <a:r>
+              <a:rPr lang="en-US" dirty="0"/>
+              <a:t>Teams work in small teams organized around business domains</a:t>
+            </a:r>
+          </a:p>
+          <a:p>
+            <a:r>
+              <a:rPr lang="en-US" dirty="0"/>
+              <a:t>Teams are a combination of developers, BA, SQE, and SRE.</a:t>
+            </a:r>
+          </a:p>
+          <a:p>
+            <a:r>
+              <a:rPr lang="en-US" dirty="0"/>
+              <a:t>Notable Technologies - .NET Core, Vue.js, Docker, Linux, </a:t>
+            </a:r>
+            <a:r>
+              <a:rPr lang="en-US" dirty="0" err="1"/>
+              <a:t>RabbitMQ</a:t>
+            </a:r>
+            <a:r>
+              <a:rPr lang="en-US" dirty="0"/>
+              <a:t>, Chef, </a:t>
+            </a:r>
+            <a:r>
+              <a:rPr lang="en-US" dirty="0" err="1"/>
+              <a:t>RavenDB</a:t>
+            </a:r>
+          </a:p>
+          <a:p>
+            <a:r>
+              <a:rPr lang="en-US" dirty="0"/>
+              <a:t>We needed messaging but unsure what topology was needed.</a:t>
+            </a:r>
+          </a:p>
+          <a:p>
+            <a:endParaRPr lang="en-US" dirty="0"/>
+          </a:p>
+          <a:p>
+            <a:pPr marL="0" indent="0">
+              <a:buNone/>
+            </a:pPr>
+            <a:r>
+              <a:rPr lang="en-US" b="1" dirty="0" err="1"/>
+              <a:t>RabbitMQ</a:t>
+            </a:r>
+            <a:endParaRPr lang="en-US" b="1" dirty="0"/>
+          </a:p>
+          <a:p>
+            <a:pPr marL="0" indent="0">
+              <a:buNone/>
+            </a:pPr>
+            <a:r>
+              <a:rPr lang="en-US" dirty="0"/>
+              <a:t>3.7.7</a:t>
+            </a:r>
+          </a:p>
+          <a:p>
+            <a:pPr marL="0" indent="0">
+              <a:buNone/>
+            </a:pPr>
+            <a:r>
+              <a:rPr lang="en-US" dirty="0"/>
+              <a:t>Clusters of 2 nodes</a:t>
+            </a:r>
+          </a:p>
+          <a:p>
+            <a:pPr marL="0" indent="0">
+              <a:buNone/>
+            </a:pPr>
+            <a:r>
+              <a:rPr lang="en-US" dirty="0" err="1"/>
+              <a:t>HAProxy</a:t>
+            </a:r>
+            <a:r>
+              <a:rPr lang="en-US" dirty="0"/>
+              <a:t> used as </a:t>
+            </a:r>
+            <a:r>
+              <a:rPr lang="en-US" dirty="0" err="1"/>
+              <a:t>loadbalancer</a:t>
+            </a:r>
+            <a:r>
+              <a:rPr lang="en-US" dirty="0"/>
+              <a:t> </a:t>
+            </a:r>
+            <a:r>
+              <a:rPr lang="en-US" dirty="0" err="1"/>
+              <a:t>infront</a:t>
+            </a:r>
+            <a:r>
+              <a:rPr lang="en-US" dirty="0"/>
+              <a:t> of </a:t>
+            </a:r>
+            <a:r>
+              <a:rPr lang="en-US" dirty="0" err="1"/>
+              <a:t>RabbitMQ</a:t>
+            </a:r>
+            <a:r>
+              <a:rPr lang="en-US" dirty="0"/>
+              <a:t> instances</a:t>
+            </a:r>
+          </a:p>
+          <a:p>
+            <a:pPr marL="0" indent="0">
+              <a:buNone/>
+            </a:pPr>
+            <a:r>
+              <a:rPr lang="en-US" dirty="0"/>
+              <a:t>HA queues synced between nodes</a:t>
+            </a:r>
+          </a:p>
+        </p:txBody>
+      </p:sp>
+    </p:spTree>
+    <p:extLst>
+      <p:ext uri="{BB962C8B-B14F-4D97-AF65-F5344CB8AC3E}">
+        <p14:creationId xmlns:p14="http://schemas.microsoft.com/office/powerpoint/2010/main" val="1881652"/>
+      </p:ext>
+    </p:extLst>
+  </p:cSld>
+  <p:clrMapOvr>
+    <a:masterClrMapping/>
+  </p:clrMapOvr>
+  <mc:AlternateContent xmlns:mc="http://schemas.openxmlformats.org/markup-compatibility/2006" xmlns:p14="http://schemas.microsoft.com/office/powerpoint/2010/main">
+    <mc:Choice Requires="p14">
+      <p:transition spd="med" p14:dur="700">
+        <p:fade/>
+      </p:transition>
+    </mc:Choice>
+    <mc:Fallback xmlns="">
+      <p:transition spd="med">
+        <p:fade/>
+      </p:transition>
+    </mc:Fallback>
+  </mc:AlternateContent>
+</p:sld>
+</file>
+
+<file path=ppt/slides/slide20.xml><?xml version="1.0" encoding="utf-8"?>
+<p:sld xmlns:a="http://schemas.openxmlformats.org/drawingml/2006/main" xmlns:r="http://schemas.openxmlformats.org/officeDocument/2006/relationships" xmlns:p="http://schemas.openxmlformats.org/presentationml/2006/main">
+  <p:cSld>
+    <p:spTree>
+      <p:nvGrpSpPr>
+        <p:cNvPr id="1" name=""/>
+        <p:cNvGrpSpPr/>
+        <p:nvPr/>
+      </p:nvGrpSpPr>
+      <p:grpSpPr>
+        <a:xfrm>
+          <a:off x="0" y="0"/>
+          <a:ext cx="0" cy="0"/>
+          <a:chOff x="0" y="0"/>
+          <a:chExt cx="0" cy="0"/>
+        </a:xfrm>
+      </p:grpSpPr>
+      <p:sp>
+        <p:nvSpPr>
+          <p:cNvPr id="2" name="Title 1">
+            <a:extLst>
+              <a:ext uri="{FF2B5EF4-FFF2-40B4-BE49-F238E27FC236}">
+                <a16:creationId xmlns:a16="http://schemas.microsoft.com/office/drawing/2014/main" id="{3750261F-01B5-314F-9B46-E0A4FAD43627}"/>
+              </a:ext>
+            </a:extLst>
+          </p:cNvPr>
+          <p:cNvSpPr>
+            <a:spLocks noGrp="1"/>
+          </p:cNvSpPr>
+          <p:nvPr>
+            <p:ph type="title"/>
+          </p:nvPr>
+        </p:nvSpPr>
+        <p:spPr/>
+        <p:txBody>
+          <a:bodyPr/>
+          <a:lstStyle/>
+          <a:p>
+            <a:r>
+              <a:rPr lang="en-US"/>
+              <a:t>Monitoring</a:t>
+            </a:r>
+          </a:p>
+        </p:txBody>
+      </p:sp>
+      <p:sp>
+        <p:nvSpPr>
+          <p:cNvPr id="3" name="Content Placeholder 2">
+            <a:extLst>
+              <a:ext uri="{FF2B5EF4-FFF2-40B4-BE49-F238E27FC236}">
+                <a16:creationId xmlns:a16="http://schemas.microsoft.com/office/drawing/2014/main" id="{7DB9A663-ECCD-B74B-830D-F0EE31879A9E}"/>
+              </a:ext>
+            </a:extLst>
+          </p:cNvPr>
+          <p:cNvSpPr>
+            <a:spLocks noGrp="1"/>
+          </p:cNvSpPr>
+          <p:nvPr>
+            <p:ph idx="1"/>
+          </p:nvPr>
+        </p:nvSpPr>
+        <p:spPr/>
+        <p:txBody>
+          <a:bodyPr/>
+          <a:lstStyle/>
+          <a:p>
+            <a:r>
+              <a:rPr lang="en-US"/>
+              <a:t>Queue Length</a:t>
+            </a:r>
+          </a:p>
+          <a:p>
+            <a:r>
+              <a:rPr lang="en-US"/>
+              <a:t>Missing Consumers</a:t>
+            </a:r>
+          </a:p>
+          <a:p>
+            <a:r>
+              <a:rPr lang="en-US"/>
+              <a:t>How long messages have been in queue</a:t>
+            </a:r>
+          </a:p>
+          <a:p>
+            <a:r>
+              <a:rPr lang="en-US"/>
+              <a:t>CPU, RAM, Disk</a:t>
+            </a:r>
+          </a:p>
+          <a:p>
+            <a:endParaRPr lang="en-US"/>
+          </a:p>
+        </p:txBody>
+      </p:sp>
+    </p:spTree>
+    <p:extLst>
+      <p:ext uri="{BB962C8B-B14F-4D97-AF65-F5344CB8AC3E}">
+        <p14:creationId xmlns:p14="http://schemas.microsoft.com/office/powerpoint/2010/main" val="3274037585"/>
+      </p:ext>
+    </p:extLst>
+  </p:cSld>
+  <p:clrMapOvr>
+    <a:masterClrMapping/>
+  </p:clrMapOvr>
+  <mc:AlternateContent xmlns:mc="http://schemas.openxmlformats.org/markup-compatibility/2006" xmlns:p14="http://schemas.microsoft.com/office/powerpoint/2010/main">
+    <mc:Choice Requires="p14">
+      <p:transition spd="med" p14:dur="700">
+        <p:fade/>
+      </p:transition>
+    </mc:Choice>
+    <mc:Fallback xmlns="">
+      <p:transition spd="med">
+        <p:fade/>
+      </p:transition>
+    </mc:Fallback>
+  </mc:AlternateContent>
+</p:sld>
+</file>
+
+<file path=ppt/slides/slide21.xml><?xml version="1.0" encoding="utf-8"?>
+<p:sld xmlns:a="http://schemas.openxmlformats.org/drawingml/2006/main" xmlns:r="http://schemas.openxmlformats.org/officeDocument/2006/relationships" xmlns:p="http://schemas.openxmlformats.org/presentationml/2006/main">
+  <p:cSld>
+    <p:spTree>
+      <p:nvGrpSpPr>
+        <p:cNvPr id="1" name=""/>
+        <p:cNvGrpSpPr/>
+        <p:nvPr/>
+      </p:nvGrpSpPr>
+      <p:grpSpPr>
+        <a:xfrm>
+          <a:off x="0" y="0"/>
+          <a:ext cx="0" cy="0"/>
+          <a:chOff x="0" y="0"/>
+          <a:chExt cx="0" cy="0"/>
+        </a:xfrm>
+      </p:grpSpPr>
+      <p:sp>
+        <p:nvSpPr>
+          <p:cNvPr id="2" name="Title 1">
+            <a:extLst>
+              <a:ext uri="{FF2B5EF4-FFF2-40B4-BE49-F238E27FC236}">
+                <a16:creationId xmlns:a16="http://schemas.microsoft.com/office/drawing/2014/main" id="{3361FBBD-A24C-6D42-8F8A-A6AA065CB091}"/>
+              </a:ext>
+            </a:extLst>
+          </p:cNvPr>
+          <p:cNvSpPr>
+            <a:spLocks noGrp="1"/>
+          </p:cNvSpPr>
+          <p:nvPr>
+            <p:ph type="title"/>
+          </p:nvPr>
+        </p:nvSpPr>
+        <p:spPr/>
+        <p:txBody>
+          <a:bodyPr/>
+          <a:lstStyle/>
+          <a:p>
+            <a:r>
+              <a:rPr lang="en-US"/>
+              <a:t>High Performance </a:t>
+            </a:r>
+          </a:p>
+        </p:txBody>
+      </p:sp>
+      <p:sp>
+        <p:nvSpPr>
+          <p:cNvPr id="3" name="Content Placeholder 2">
+            <a:extLst>
+              <a:ext uri="{FF2B5EF4-FFF2-40B4-BE49-F238E27FC236}">
+                <a16:creationId xmlns:a16="http://schemas.microsoft.com/office/drawing/2014/main" id="{6740D746-4A8D-C247-BFC8-427B66B6126A}"/>
+              </a:ext>
+            </a:extLst>
+          </p:cNvPr>
+          <p:cNvSpPr>
+            <a:spLocks noGrp="1"/>
+          </p:cNvSpPr>
+          <p:nvPr>
+            <p:ph idx="1"/>
+          </p:nvPr>
+        </p:nvSpPr>
+        <p:spPr/>
+        <p:txBody>
+          <a:bodyPr/>
+          <a:lstStyle/>
+          <a:p>
+            <a:r>
+              <a:rPr lang="en-US"/>
+              <a:t>Enable HiPE</a:t>
+            </a:r>
+          </a:p>
+          <a:p>
+            <a:r>
+              <a:rPr lang="en-US"/>
+              <a:t>Disable LazyQueue</a:t>
+            </a:r>
+          </a:p>
+          <a:p>
+            <a:r>
+              <a:rPr lang="en-US"/>
+              <a:t>Short queues</a:t>
+            </a:r>
+          </a:p>
+          <a:p>
+            <a:r>
+              <a:rPr lang="en-US"/>
+              <a:t>Avoid multiple nodes </a:t>
+            </a:r>
+          </a:p>
+          <a:p>
+            <a:r>
+              <a:rPr lang="en-US"/>
+              <a:t>Transient  Messages </a:t>
+            </a:r>
+          </a:p>
+          <a:p>
+            <a:r>
+              <a:rPr lang="en-US"/>
+              <a:t>Disable Ha</a:t>
+            </a:r>
+          </a:p>
+          <a:p>
+            <a:endParaRPr lang="en-US"/>
+          </a:p>
+          <a:p>
+            <a:endParaRPr lang="en-US"/>
+          </a:p>
+        </p:txBody>
+      </p:sp>
+    </p:spTree>
+    <p:extLst>
+      <p:ext uri="{BB962C8B-B14F-4D97-AF65-F5344CB8AC3E}">
+        <p14:creationId xmlns:p14="http://schemas.microsoft.com/office/powerpoint/2010/main" val="4279805409"/>
+      </p:ext>
+    </p:extLst>
+  </p:cSld>
+  <p:clrMapOvr>
+    <a:masterClrMapping/>
+  </p:clrMapOvr>
+  <mc:AlternateContent xmlns:mc="http://schemas.openxmlformats.org/markup-compatibility/2006" xmlns:p14="http://schemas.microsoft.com/office/powerpoint/2010/main">
+    <mc:Choice Requires="p14">
+      <p:transition spd="med" p14:dur="700">
+        <p:fade/>
+      </p:transition>
+    </mc:Choice>
+    <mc:Fallback xmlns="">
+      <p:transition spd="med">
+        <p:fade/>
+      </p:transition>
+    </mc:Fallback>
+  </mc:AlternateContent>
+</p:sld>
+</file>
+
+<file path=ppt/slides/slide22.xml><?xml version="1.0" encoding="utf-8"?>
+<p:sld xmlns:a="http://schemas.openxmlformats.org/drawingml/2006/main" xmlns:r="http://schemas.openxmlformats.org/officeDocument/2006/relationships" xmlns:p="http://schemas.openxmlformats.org/presentationml/2006/main">
+  <p:cSld>
+    <p:spTree>
+      <p:nvGrpSpPr>
+        <p:cNvPr id="1" name=""/>
+        <p:cNvGrpSpPr/>
+        <p:nvPr/>
+      </p:nvGrpSpPr>
+      <p:grpSpPr>
+        <a:xfrm>
+          <a:off x="0" y="0"/>
+          <a:ext cx="0" cy="0"/>
+          <a:chOff x="0" y="0"/>
+          <a:chExt cx="0" cy="0"/>
+        </a:xfrm>
+      </p:grpSpPr>
+      <p:sp>
+        <p:nvSpPr>
+          <p:cNvPr id="2" name="Title 1"/>
+          <p:cNvSpPr>
+            <a:spLocks noGrp="1"/>
+          </p:cNvSpPr>
+          <p:nvPr>
+            <p:ph type="title"/>
+          </p:nvPr>
+        </p:nvSpPr>
+        <p:spPr/>
+        <p:txBody>
+          <a:bodyPr>
+            <a:normAutofit/>
+          </a:bodyPr>
+          <a:lstStyle/>
+          <a:p>
+            <a:r>
+              <a:rPr lang="en-US" dirty="0"/>
+              <a:t>Messaging topologies</a:t>
+            </a:r>
+            <a:br>
+              <a:rPr lang="en-US" dirty="0"/>
+            </a:br>
+            <a:endParaRPr lang="en-US" dirty="0"/>
+          </a:p>
+        </p:txBody>
+      </p:sp>
+      <p:sp>
+        <p:nvSpPr>
+          <p:cNvPr id="3" name="Content Placeholder 2"/>
+          <p:cNvSpPr>
+            <a:spLocks noGrp="1"/>
+          </p:cNvSpPr>
+          <p:nvPr>
+            <p:ph idx="1"/>
+          </p:nvPr>
+        </p:nvSpPr>
+        <p:spPr>
+          <a:xfrm>
+            <a:off x="1096994" y="1845734"/>
+            <a:ext cx="10055781" cy="4023360"/>
+          </a:xfrm>
+        </p:spPr>
+        <p:txBody>
+          <a:bodyPr/>
+          <a:lstStyle/>
+          <a:p>
+            <a:r>
+              <a:rPr lang="en-US" dirty="0"/>
+              <a:t>Global routing to regional (federations policies)</a:t>
+            </a:r>
+          </a:p>
+          <a:p>
+            <a:r>
+              <a:rPr lang="en-US" dirty="0"/>
+              <a:t>Short lived queues for browser interactions</a:t>
+            </a:r>
+          </a:p>
+          <a:p>
+            <a:r>
+              <a:rPr lang="en-US" dirty="0"/>
+              <a:t>Private exchanges used inside teams processors Topic exchanges</a:t>
+            </a:r>
+          </a:p>
+          <a:p>
+            <a:endParaRPr lang="en-US" dirty="0"/>
+          </a:p>
+          <a:p>
+            <a:endParaRPr lang="en-US" dirty="0"/>
+          </a:p>
+        </p:txBody>
+      </p:sp>
+    </p:spTree>
+    <p:extLst>
+      <p:ext uri="{BB962C8B-B14F-4D97-AF65-F5344CB8AC3E}">
+        <p14:creationId xmlns:p14="http://schemas.microsoft.com/office/powerpoint/2010/main" val="776094879"/>
+      </p:ext>
+    </p:extLst>
+  </p:cSld>
+  <p:clrMapOvr>
+    <a:masterClrMapping/>
+  </p:clrMapOvr>
+  <mc:AlternateContent xmlns:mc="http://schemas.openxmlformats.org/markup-compatibility/2006" xmlns:p14="http://schemas.microsoft.com/office/powerpoint/2010/main">
+    <mc:Choice Requires="p14">
+      <p:transition spd="med" p14:dur="700">
+        <p:fade/>
+      </p:transition>
+    </mc:Choice>
+    <mc:Fallback xmlns="">
+      <p:transition spd="med">
+        <p:fade/>
+      </p:transition>
+    </mc:Fallback>
+  </mc:AlternateContent>
+</p:sld>
+</file>
+
+<file path=ppt/slides/slide23.xml><?xml version="1.0" encoding="utf-8"?>
+<p:sld xmlns:a="http://schemas.openxmlformats.org/drawingml/2006/main" xmlns:r="http://schemas.openxmlformats.org/officeDocument/2006/relationships" xmlns:p="http://schemas.openxmlformats.org/presentationml/2006/main">
+  <p:cSld>
+    <p:spTree>
+      <p:nvGrpSpPr>
+        <p:cNvPr id="1" name=""/>
+        <p:cNvGrpSpPr/>
+        <p:nvPr/>
+      </p:nvGrpSpPr>
+      <p:grpSpPr>
+        <a:xfrm>
+          <a:off x="0" y="0"/>
+          <a:ext cx="0" cy="0"/>
+          <a:chOff x="0" y="0"/>
+          <a:chExt cx="0" cy="0"/>
+        </a:xfrm>
+      </p:grpSpPr>
+      <p:sp>
+        <p:nvSpPr>
+          <p:cNvPr id="2" name="Title 1"/>
+          <p:cNvSpPr>
+            <a:spLocks noGrp="1"/>
+          </p:cNvSpPr>
+          <p:nvPr>
+            <p:ph type="title"/>
+          </p:nvPr>
+        </p:nvSpPr>
+        <p:spPr/>
+        <p:txBody>
+          <a:bodyPr/>
+          <a:lstStyle/>
+          <a:p>
+            <a:r>
+              <a:rPr lang="en-US"/>
+              <a:t>Architecture examples?</a:t>
+            </a:r>
+          </a:p>
+        </p:txBody>
+      </p:sp>
+      <p:sp>
+        <p:nvSpPr>
+          <p:cNvPr id="3" name="Content Placeholder 2"/>
+          <p:cNvSpPr>
+            <a:spLocks noGrp="1"/>
+          </p:cNvSpPr>
+          <p:nvPr>
+            <p:ph idx="1"/>
+          </p:nvPr>
+        </p:nvSpPr>
+        <p:spPr/>
+        <p:txBody>
+          <a:bodyPr/>
+          <a:lstStyle/>
+          <a:p>
+            <a:r>
+              <a:rPr lang="en-US"/>
+              <a:t>Messaging at ProtoLabs?</a:t>
+            </a:r>
+          </a:p>
+          <a:p>
+            <a:r>
+              <a:rPr lang="en-US"/>
+              <a:t>Microsevice overview at ProtoLabs?</a:t>
+            </a:r>
+          </a:p>
+          <a:p>
+            <a:r>
+              <a:rPr lang="en-US"/>
+              <a:t>Messaging Patterns we are using.</a:t>
+            </a:r>
+          </a:p>
+          <a:p>
+            <a:r>
+              <a:rPr lang="en-US"/>
+              <a:t>What works?</a:t>
+            </a:r>
+          </a:p>
+          <a:p>
+            <a:r>
+              <a:rPr lang="en-US"/>
+              <a:t>What doesn’t work?</a:t>
+            </a:r>
+          </a:p>
+          <a:p>
+            <a:r>
+              <a:rPr lang="en-US"/>
+              <a:t>HA options</a:t>
+            </a:r>
+          </a:p>
+          <a:p>
+            <a:endParaRPr lang="en-US"/>
+          </a:p>
+        </p:txBody>
+      </p:sp>
+    </p:spTree>
+    <p:extLst>
+      <p:ext uri="{BB962C8B-B14F-4D97-AF65-F5344CB8AC3E}">
+        <p14:creationId xmlns:p14="http://schemas.microsoft.com/office/powerpoint/2010/main" val="652041732"/>
+      </p:ext>
+    </p:extLst>
+  </p:cSld>
+  <p:clrMapOvr>
+    <a:masterClrMapping/>
+  </p:clrMapOvr>
+  <mc:AlternateContent xmlns:mc="http://schemas.openxmlformats.org/markup-compatibility/2006" xmlns:p14="http://schemas.microsoft.com/office/powerpoint/2010/main">
+    <mc:Choice Requires="p14">
+      <p:transition spd="med" p14:dur="700">
+        <p:fade/>
+      </p:transition>
+    </mc:Choice>
+    <mc:Fallback xmlns="">
+      <p:transition spd="med">
+        <p:fade/>
+      </p:transition>
+    </mc:Fallback>
+  </mc:AlternateContent>
+</p:sld>
+</file>
+
+<file path=ppt/slides/slide24.xml><?xml version="1.0" encoding="utf-8"?>
+<p:sld xmlns:a="http://schemas.openxmlformats.org/drawingml/2006/main" xmlns:r="http://schemas.openxmlformats.org/officeDocument/2006/relationships" xmlns:p="http://schemas.openxmlformats.org/presentationml/2006/main">
+  <p:cSld>
+    <p:spTree>
+      <p:nvGrpSpPr>
+        <p:cNvPr id="1" name=""/>
+        <p:cNvGrpSpPr/>
+        <p:nvPr/>
+      </p:nvGrpSpPr>
+      <p:grpSpPr>
+        <a:xfrm>
+          <a:off x="0" y="0"/>
+          <a:ext cx="0" cy="0"/>
+          <a:chOff x="0" y="0"/>
+          <a:chExt cx="0" cy="0"/>
+        </a:xfrm>
+      </p:grpSpPr>
+      <p:sp>
+        <p:nvSpPr>
+          <p:cNvPr id="2" name="Title 1">
+            <a:extLst>
+              <a:ext uri="{FF2B5EF4-FFF2-40B4-BE49-F238E27FC236}">
+                <a16:creationId xmlns:a16="http://schemas.microsoft.com/office/drawing/2014/main" id="{9A845546-0EBA-B749-81E6-9E6B688BE3B4}"/>
+              </a:ext>
+            </a:extLst>
+          </p:cNvPr>
+          <p:cNvSpPr>
+            <a:spLocks noGrp="1"/>
+          </p:cNvSpPr>
+          <p:nvPr>
+            <p:ph type="title"/>
+          </p:nvPr>
+        </p:nvSpPr>
+        <p:spPr/>
+        <p:txBody>
+          <a:bodyPr/>
+          <a:lstStyle/>
+          <a:p>
+            <a:r>
+              <a:rPr lang="en-US"/>
+              <a:t>QUESTIONS </a:t>
+            </a:r>
+          </a:p>
+        </p:txBody>
+      </p:sp>
+      <p:sp>
+        <p:nvSpPr>
+          <p:cNvPr id="3" name="Content Placeholder 2">
+            <a:extLst>
+              <a:ext uri="{FF2B5EF4-FFF2-40B4-BE49-F238E27FC236}">
+                <a16:creationId xmlns:a16="http://schemas.microsoft.com/office/drawing/2014/main" id="{6A4BD46C-7294-174E-9C40-D5399D7AF3B9}"/>
+              </a:ext>
+            </a:extLst>
+          </p:cNvPr>
+          <p:cNvSpPr>
+            <a:spLocks noGrp="1"/>
+          </p:cNvSpPr>
+          <p:nvPr>
+            <p:ph idx="1"/>
+          </p:nvPr>
+        </p:nvSpPr>
+        <p:spPr/>
+        <p:txBody>
+          <a:bodyPr/>
+          <a:lstStyle/>
+          <a:p>
+            <a:endParaRPr lang="en-US"/>
+          </a:p>
+        </p:txBody>
+      </p:sp>
+    </p:spTree>
+    <p:extLst>
+      <p:ext uri="{BB962C8B-B14F-4D97-AF65-F5344CB8AC3E}">
+        <p14:creationId xmlns:p14="http://schemas.microsoft.com/office/powerpoint/2010/main" val="1750935718"/>
+      </p:ext>
+    </p:extLst>
+  </p:cSld>
+  <p:clrMapOvr>
+    <a:masterClrMapping/>
+  </p:clrMapOvr>
+  <mc:AlternateContent xmlns:mc="http://schemas.openxmlformats.org/markup-compatibility/2006" xmlns:p14="http://schemas.microsoft.com/office/powerpoint/2010/main">
+    <mc:Choice Requires="p14">
+      <p:transition spd="med" p14:dur="700">
+        <p:fade/>
+      </p:transition>
+    </mc:Choice>
+    <mc:Fallback xmlns="">
+      <p:transition spd="med">
+        <p:fade/>
+      </p:transition>
+    </mc:Fallback>
+  </mc:AlternateContent>
+</p:sld>
+</file>
+
+<file path=ppt/slides/slide25.xml><?xml version="1.0" encoding="utf-8"?>
+<p:sld xmlns:a="http://schemas.openxmlformats.org/drawingml/2006/main" xmlns:r="http://schemas.openxmlformats.org/officeDocument/2006/relationships" xmlns:p="http://schemas.openxmlformats.org/presentationml/2006/main">
+  <p:cSld>
+    <p:spTree>
+      <p:nvGrpSpPr>
+        <p:cNvPr id="1" name=""/>
+        <p:cNvGrpSpPr/>
+        <p:nvPr/>
+      </p:nvGrpSpPr>
+      <p:grpSpPr>
+        <a:xfrm>
+          <a:off x="0" y="0"/>
+          <a:ext cx="0" cy="0"/>
+          <a:chOff x="0" y="0"/>
+          <a:chExt cx="0" cy="0"/>
+        </a:xfrm>
+      </p:grpSpPr>
+      <p:sp>
+        <p:nvSpPr>
           <p:cNvPr id="13" name="Title 12"/>
           <p:cNvSpPr>
             <a:spLocks noGrp="1"/>
@@ -10248,10 +13614,9 @@
           <a:lstStyle/>
           <a:p>
             <a:r>
-              <a:rPr lang="en-US" dirty="0" smtClean="0"/>
+              <a:rPr lang="en-US" dirty="0"/>
               <a:t>Outline (Rough Draft)</a:t>
             </a:r>
-            <a:endParaRPr lang="en-US" dirty="0"/>
           </a:p>
         </p:txBody>
       </p:sp>
@@ -10273,44 +13638,44 @@
           <a:lstStyle/>
           <a:p>
             <a:r>
-              <a:rPr lang="en-US" dirty="0" err="1" smtClean="0"/>
+              <a:rPr lang="en-US" dirty="0" err="1"/>
               <a:t>Microservices</a:t>
             </a:r>
             <a:r>
-              <a:rPr lang="en-US" dirty="0" smtClean="0"/>
+              <a:rPr lang="en-US" dirty="0"/>
               <a:t> connecting </a:t>
             </a:r>
           </a:p>
           <a:p>
             <a:r>
-              <a:rPr lang="en-US" dirty="0" smtClean="0"/>
+              <a:rPr lang="en-US" dirty="0"/>
               <a:t>How </a:t>
             </a:r>
             <a:r>
-              <a:rPr lang="en-US" dirty="0" err="1" smtClean="0"/>
+              <a:rPr lang="en-US" dirty="0" err="1"/>
               <a:t>rabbitmq</a:t>
             </a:r>
             <a:r>
-              <a:rPr lang="en-US" dirty="0" smtClean="0"/>
+              <a:rPr lang="en-US" dirty="0"/>
               <a:t> fits for </a:t>
             </a:r>
             <a:r>
-              <a:rPr lang="en-US" dirty="0" err="1" smtClean="0"/>
+              <a:rPr lang="en-US" dirty="0" err="1"/>
               <a:t>async</a:t>
             </a:r>
             <a:r>
-              <a:rPr lang="en-US" dirty="0" smtClean="0"/>
+              <a:rPr lang="en-US" dirty="0"/>
               <a:t> messaging</a:t>
             </a:r>
           </a:p>
           <a:p>
             <a:pPr lvl="1"/>
             <a:r>
-              <a:rPr lang="en-US" dirty="0" smtClean="0"/>
+              <a:rPr lang="en-US" dirty="0"/>
               <a:t>About </a:t>
             </a:r>
             <a:r>
-              <a:rPr lang="en-US" dirty="0" err="1" smtClean="0"/>
+              <a:rPr lang="en-US" dirty="0" err="1"/>
               <a:t>rabbitmq</a:t>
             </a:r>
             <a:endParaRPr lang="en-US" dirty="0"/>
@@ -10318,57 +13683,57 @@
           <a:p>
             <a:pPr lvl="2"/>
             <a:r>
-              <a:rPr lang="en-US" dirty="0" smtClean="0"/>
+              <a:rPr lang="en-US" dirty="0"/>
               <a:t>Overview</a:t>
             </a:r>
           </a:p>
           <a:p>
             <a:pPr lvl="2"/>
             <a:r>
-              <a:rPr lang="en-US" dirty="0" err="1" smtClean="0"/>
+              <a:rPr lang="en-US" dirty="0" err="1"/>
               <a:t>Amqp</a:t>
             </a:r>
-            <a:endParaRPr lang="en-US" dirty="0" smtClean="0"/>
+            <a:endParaRPr lang="en-US" dirty="0"/>
           </a:p>
           <a:p>
             <a:pPr lvl="2"/>
             <a:r>
-              <a:rPr lang="en-US" dirty="0" smtClean="0"/>
+              <a:rPr lang="en-US" dirty="0"/>
               <a:t>Initial look mgmt. page demo</a:t>
             </a:r>
           </a:p>
           <a:p>
             <a:pPr lvl="1"/>
             <a:r>
-              <a:rPr lang="en-US" dirty="0" smtClean="0"/>
+              <a:rPr lang="en-US" dirty="0"/>
               <a:t>Messaging patterns</a:t>
             </a:r>
           </a:p>
           <a:p>
             <a:pPr lvl="2"/>
             <a:r>
-              <a:rPr lang="en-US" dirty="0" smtClean="0"/>
+              <a:rPr lang="en-US" dirty="0"/>
               <a:t>Example patterns</a:t>
             </a:r>
           </a:p>
           <a:p>
             <a:pPr lvl="2"/>
             <a:r>
-              <a:rPr lang="en-US" dirty="0" smtClean="0"/>
+              <a:rPr lang="en-US" dirty="0"/>
               <a:t>Example failures</a:t>
             </a:r>
           </a:p>
           <a:p>
             <a:pPr lvl="2"/>
             <a:r>
-              <a:rPr lang="en-US" dirty="0" smtClean="0"/>
+              <a:rPr lang="en-US" dirty="0"/>
               <a:t>Example saga?</a:t>
             </a:r>
           </a:p>
           <a:p>
             <a:pPr lvl="1"/>
             <a:r>
-              <a:rPr lang="en-US" dirty="0" smtClean="0"/>
+              <a:rPr lang="en-US" dirty="0"/>
               <a:t>Best practices</a:t>
             </a:r>
           </a:p>
@@ -10376,59 +13741,55 @@
             <a:pPr lvl="1"/>
             <a:r>
               <a:rPr lang="en-US" dirty="0"/>
-              <a:t> </a:t>
-            </a:r>
-            <a:r>
-              <a:rPr lang="en-US" dirty="0" smtClean="0"/>
-              <a:t>Example reliable messaging</a:t>
+              <a:t> Example reliable messaging</a:t>
             </a:r>
           </a:p>
           <a:p>
             <a:pPr lvl="1"/>
             <a:r>
-              <a:rPr lang="en-US" dirty="0" smtClean="0"/>
+              <a:rPr lang="en-US" dirty="0"/>
               <a:t>HA </a:t>
             </a:r>
           </a:p>
           <a:p>
             <a:pPr lvl="1"/>
             <a:r>
-              <a:rPr lang="en-US" dirty="0" smtClean="0"/>
+              <a:rPr lang="en-US" dirty="0"/>
               <a:t>Connection handling</a:t>
             </a:r>
           </a:p>
           <a:p>
             <a:pPr lvl="1"/>
             <a:r>
-              <a:rPr lang="en-US" dirty="0" smtClean="0"/>
+              <a:rPr lang="en-US" dirty="0"/>
               <a:t>Message size</a:t>
             </a:r>
           </a:p>
           <a:p>
             <a:pPr lvl="1"/>
             <a:r>
-              <a:rPr lang="en-US" dirty="0" smtClean="0"/>
+              <a:rPr lang="en-US" dirty="0"/>
               <a:t>Exchange queue </a:t>
             </a:r>
           </a:p>
           <a:p>
             <a:pPr lvl="2"/>
             <a:r>
-              <a:rPr lang="en-US" dirty="0" smtClean="0"/>
+              <a:rPr lang="en-US" dirty="0"/>
               <a:t>Names</a:t>
             </a:r>
           </a:p>
           <a:p>
             <a:pPr lvl="2"/>
             <a:r>
-              <a:rPr lang="en-US" dirty="0" smtClean="0"/>
+              <a:rPr lang="en-US" dirty="0"/>
               <a:t>Routing keys</a:t>
             </a:r>
           </a:p>
           <a:p>
             <a:pPr lvl="2"/>
             <a:r>
-              <a:rPr lang="en-US" dirty="0" smtClean="0"/>
+              <a:rPr lang="en-US" dirty="0"/>
               <a:t>Federation policy</a:t>
             </a:r>
           </a:p>
@@ -10467,16 +13828,8 @@
           <a:lstStyle/>
           <a:p>
             <a:r>
-              <a:rPr lang="en-US" sz="1800" dirty="0" smtClean="0"/>
-              <a:t>What </a:t>
-            </a:r>
-            <a:r>
               <a:rPr lang="en-US" sz="1800" dirty="0"/>
-              <a:t>are the key points that my audience should take away from the </a:t>
-            </a:r>
-            <a:r>
-              <a:rPr lang="en-US" sz="1800" dirty="0" smtClean="0"/>
-              <a:t>talk</a:t>
+              <a:t>What are the key points that my audience should take away from the talk</a:t>
             </a:r>
           </a:p>
           <a:p>
@@ -10485,26 +13838,26 @@
               <a:buChar char="•"/>
             </a:pPr>
             <a:r>
-              <a:rPr lang="en-US" sz="1800" dirty="0" err="1" smtClean="0"/>
+              <a:rPr lang="en-US" sz="1800" dirty="0" err="1"/>
               <a:t>RabbitMQ</a:t>
             </a:r>
             <a:r>
-              <a:rPr lang="en-US" sz="1800" dirty="0" smtClean="0"/>
+              <a:rPr lang="en-US" sz="1800" dirty="0"/>
               <a:t> is a great solution for connecting </a:t>
             </a:r>
             <a:r>
-              <a:rPr lang="en-US" sz="1800" dirty="0" err="1" smtClean="0"/>
+              <a:rPr lang="en-US" sz="1800" dirty="0" err="1"/>
               <a:t>async</a:t>
             </a:r>
             <a:r>
-              <a:rPr lang="en-US" sz="1800" dirty="0" smtClean="0"/>
+              <a:rPr lang="en-US" sz="1800" dirty="0"/>
               <a:t> messaging for </a:t>
             </a:r>
             <a:r>
-              <a:rPr lang="en-US" sz="1800" dirty="0" err="1" smtClean="0"/>
+              <a:rPr lang="en-US" sz="1800" dirty="0" err="1"/>
               <a:t>Microservices</a:t>
             </a:r>
-            <a:endParaRPr lang="en-US" sz="1800" dirty="0" smtClean="0"/>
+            <a:endParaRPr lang="en-US" sz="1800" dirty="0"/>
           </a:p>
           <a:p>
             <a:pPr marL="171450" indent="-171450">
@@ -10512,19 +13865,19 @@
               <a:buChar char="•"/>
             </a:pPr>
             <a:r>
-              <a:rPr lang="en-US" sz="1800" dirty="0" err="1" smtClean="0"/>
+              <a:rPr lang="en-US" sz="1800" dirty="0" err="1"/>
               <a:t>RabbitMQ</a:t>
             </a:r>
             <a:r>
-              <a:rPr lang="en-US" sz="1800" dirty="0" smtClean="0"/>
+              <a:rPr lang="en-US" sz="1800" dirty="0"/>
               <a:t> provides options for high </a:t>
             </a:r>
             <a:r>
-              <a:rPr lang="en-US" sz="1800" dirty="0" err="1" smtClean="0"/>
+              <a:rPr lang="en-US" sz="1800" dirty="0" err="1"/>
               <a:t>performanc</a:t>
             </a:r>
             <a:r>
-              <a:rPr lang="en-US" sz="1800" dirty="0" smtClean="0"/>
+              <a:rPr lang="en-US" sz="1800" dirty="0"/>
               <a:t> and high reliability </a:t>
             </a:r>
           </a:p>
@@ -10534,7 +13887,7 @@
               <a:buChar char="•"/>
             </a:pPr>
             <a:r>
-              <a:rPr lang="en-US" sz="1800" dirty="0" smtClean="0"/>
+              <a:rPr lang="en-US" sz="1800" dirty="0"/>
               <a:t>Messaging doesn’t need to be hard, it can be boring, and boring is good.</a:t>
             </a:r>
           </a:p>
@@ -10551,7 +13904,7 @@
               <a:buChar char="•"/>
             </a:pPr>
             <a:r>
-              <a:rPr lang="en-US" sz="1800" dirty="0" smtClean="0"/>
+              <a:rPr lang="en-US" sz="1800" dirty="0"/>
               <a:t>Monitoring New Relic ? </a:t>
             </a:r>
           </a:p>
@@ -10561,7 +13914,7 @@
               <a:buChar char="•"/>
             </a:pPr>
             <a:r>
-              <a:rPr lang="en-US" sz="1800" dirty="0" smtClean="0"/>
+              <a:rPr lang="en-US" sz="1800" dirty="0"/>
               <a:t>Federation examples</a:t>
             </a:r>
           </a:p>
@@ -10599,7 +13952,7 @@
 </p:sld>
 </file>
 
-<file path=ppt/slides/slide12.xml><?xml version="1.0" encoding="utf-8"?>
+<file path=ppt/slides/slide26.xml><?xml version="1.0" encoding="utf-8"?>
 <p:sld xmlns:a="http://schemas.openxmlformats.org/drawingml/2006/main" xmlns:r="http://schemas.openxmlformats.org/officeDocument/2006/relationships" xmlns:p="http://schemas.openxmlformats.org/presentationml/2006/main">
   <p:cSld>
     <p:spTree>
@@ -10688,7 +14041,7 @@
 </p:sld>
 </file>
 
-<file path=ppt/slides/slide13.xml><?xml version="1.0" encoding="utf-8"?>
+<file path=ppt/slides/slide27.xml><?xml version="1.0" encoding="utf-8"?>
 <p:sld xmlns:a="http://schemas.openxmlformats.org/drawingml/2006/main" xmlns:r="http://schemas.openxmlformats.org/officeDocument/2006/relationships" xmlns:p="http://schemas.openxmlformats.org/presentationml/2006/main">
   <p:cSld>
     <p:spTree>
@@ -10790,21 +14143,21 @@
                 <a:gridCol w="1645179">
                   <a:extLst>
                     <a:ext uri="{9D8B030D-6E8A-4147-A177-3AD203B41FA5}">
-                      <a16:colId xmlns:a16="http://schemas.microsoft.com/office/drawing/2014/main" xmlns="" val="20000"/>
+                      <a16:colId xmlns:a16="http://schemas.microsoft.com/office/drawing/2014/main" val="20000"/>
                     </a:ext>
                   </a:extLst>
                 </a:gridCol>
                 <a:gridCol w="1645179">
                   <a:extLst>
                     <a:ext uri="{9D8B030D-6E8A-4147-A177-3AD203B41FA5}">
-                      <a16:colId xmlns:a16="http://schemas.microsoft.com/office/drawing/2014/main" xmlns="" val="20001"/>
+                      <a16:colId xmlns:a16="http://schemas.microsoft.com/office/drawing/2014/main" val="20001"/>
                     </a:ext>
                   </a:extLst>
                 </a:gridCol>
                 <a:gridCol w="1645179">
                   <a:extLst>
                     <a:ext uri="{9D8B030D-6E8A-4147-A177-3AD203B41FA5}">
-                      <a16:colId xmlns:a16="http://schemas.microsoft.com/office/drawing/2014/main" xmlns="" val="20002"/>
+                      <a16:colId xmlns:a16="http://schemas.microsoft.com/office/drawing/2014/main" val="20002"/>
                     </a:ext>
                   </a:extLst>
                 </a:gridCol>
@@ -10865,7 +14218,7 @@
                 </a:tc>
                 <a:extLst>
                   <a:ext uri="{0D108BD9-81ED-4DB2-BD59-A6C34878D82A}">
-                    <a16:rowId xmlns:a16="http://schemas.microsoft.com/office/drawing/2014/main" xmlns="" val="10000"/>
+                    <a16:rowId xmlns:a16="http://schemas.microsoft.com/office/drawing/2014/main" val="10000"/>
                   </a:ext>
                 </a:extLst>
               </a:tr>
@@ -10913,7 +14266,7 @@
                 </a:tc>
                 <a:extLst>
                   <a:ext uri="{0D108BD9-81ED-4DB2-BD59-A6C34878D82A}">
-                    <a16:rowId xmlns:a16="http://schemas.microsoft.com/office/drawing/2014/main" xmlns="" val="10001"/>
+                    <a16:rowId xmlns:a16="http://schemas.microsoft.com/office/drawing/2014/main" val="10001"/>
                   </a:ext>
                 </a:extLst>
               </a:tr>
@@ -10961,7 +14314,7 @@
                 </a:tc>
                 <a:extLst>
                   <a:ext uri="{0D108BD9-81ED-4DB2-BD59-A6C34878D82A}">
-                    <a16:rowId xmlns:a16="http://schemas.microsoft.com/office/drawing/2014/main" xmlns="" val="10002"/>
+                    <a16:rowId xmlns:a16="http://schemas.microsoft.com/office/drawing/2014/main" val="10002"/>
                   </a:ext>
                 </a:extLst>
               </a:tr>
@@ -11009,7 +14362,7 @@
                 </a:tc>
                 <a:extLst>
                   <a:ext uri="{0D108BD9-81ED-4DB2-BD59-A6C34878D82A}">
-                    <a16:rowId xmlns:a16="http://schemas.microsoft.com/office/drawing/2014/main" xmlns="" val="10003"/>
+                    <a16:rowId xmlns:a16="http://schemas.microsoft.com/office/drawing/2014/main" val="10003"/>
                   </a:ext>
                 </a:extLst>
               </a:tr>
@@ -11042,7 +14395,7 @@
 </p:sld>
 </file>
 
-<file path=ppt/slides/slide14.xml><?xml version="1.0" encoding="utf-8"?>
+<file path=ppt/slides/slide28.xml><?xml version="1.0" encoding="utf-8"?>
 <p:sld xmlns:a="http://schemas.openxmlformats.org/drawingml/2006/main" xmlns:r="http://schemas.openxmlformats.org/officeDocument/2006/relationships" xmlns:p="http://schemas.openxmlformats.org/presentationml/2006/main">
   <p:cSld>
     <p:spTree>
@@ -11165,7 +14518,7 @@
 </p:sld>
 </file>
 
-<file path=ppt/slides/slide15.xml><?xml version="1.0" encoding="utf-8"?>
+<file path=ppt/slides/slide29.xml><?xml version="1.0" encoding="utf-8"?>
 <p:sld xmlns:a="http://schemas.openxmlformats.org/drawingml/2006/main" xmlns:r="http://schemas.openxmlformats.org/officeDocument/2006/relationships" xmlns:p="http://schemas.openxmlformats.org/presentationml/2006/main">
   <p:cSld>
     <p:spTree>
@@ -11248,7 +14601,108 @@
 </p:sld>
 </file>
 
-<file path=ppt/slides/slide16.xml><?xml version="1.0" encoding="utf-8"?>
+<file path=ppt/slides/slide3.xml><?xml version="1.0" encoding="utf-8"?>
+<p:sld xmlns:a="http://schemas.openxmlformats.org/drawingml/2006/main" xmlns:r="http://schemas.openxmlformats.org/officeDocument/2006/relationships" xmlns:p="http://schemas.openxmlformats.org/presentationml/2006/main">
+  <p:cSld>
+    <p:spTree>
+      <p:nvGrpSpPr>
+        <p:cNvPr id="1" name=""/>
+        <p:cNvGrpSpPr/>
+        <p:nvPr/>
+      </p:nvGrpSpPr>
+      <p:grpSpPr>
+        <a:xfrm>
+          <a:off x="0" y="0"/>
+          <a:ext cx="0" cy="0"/>
+          <a:chOff x="0" y="0"/>
+          <a:chExt cx="0" cy="0"/>
+        </a:xfrm>
+      </p:grpSpPr>
+      <p:sp>
+        <p:nvSpPr>
+          <p:cNvPr id="2" name="Title 1">
+            <a:extLst>
+              <a:ext uri="{FF2B5EF4-FFF2-40B4-BE49-F238E27FC236}">
+                <a16:creationId xmlns:a16="http://schemas.microsoft.com/office/drawing/2014/main" id="{5180A417-403A-A546-8F7A-5CC0262BCD45}"/>
+              </a:ext>
+            </a:extLst>
+          </p:cNvPr>
+          <p:cNvSpPr>
+            <a:spLocks noGrp="1"/>
+          </p:cNvSpPr>
+          <p:nvPr>
+            <p:ph type="title"/>
+          </p:nvPr>
+        </p:nvSpPr>
+        <p:spPr/>
+        <p:txBody>
+          <a:bodyPr/>
+          <a:lstStyle/>
+          <a:p>
+            <a:r>
+              <a:rPr lang="en-US"/>
+              <a:t>Pre micro service architecture </a:t>
+            </a:r>
+          </a:p>
+        </p:txBody>
+      </p:sp>
+      <p:sp>
+        <p:nvSpPr>
+          <p:cNvPr id="3" name="Content Placeholder 2">
+            <a:extLst>
+              <a:ext uri="{FF2B5EF4-FFF2-40B4-BE49-F238E27FC236}">
+                <a16:creationId xmlns:a16="http://schemas.microsoft.com/office/drawing/2014/main" id="{BABE2470-6F1E-0C4C-8CF2-5D471897AEC4}"/>
+              </a:ext>
+            </a:extLst>
+          </p:cNvPr>
+          <p:cNvSpPr>
+            <a:spLocks noGrp="1"/>
+          </p:cNvSpPr>
+          <p:nvPr>
+            <p:ph idx="1"/>
+          </p:nvPr>
+        </p:nvSpPr>
+        <p:spPr/>
+        <p:txBody>
+          <a:bodyPr/>
+          <a:lstStyle/>
+          <a:p>
+            <a:r>
+              <a:rPr lang="en-US"/>
+              <a:t>Diagram showing BO and database monolith.</a:t>
+            </a:r>
+          </a:p>
+          <a:p>
+            <a:endParaRPr lang="en-US"/>
+          </a:p>
+        </p:txBody>
+      </p:sp>
+    </p:spTree>
+    <p:extLst>
+      <p:ext uri="{BB962C8B-B14F-4D97-AF65-F5344CB8AC3E}">
+        <p14:creationId xmlns:p14="http://schemas.microsoft.com/office/powerpoint/2010/main" val="2810720022"/>
+      </p:ext>
+    </p:extLst>
+  </p:cSld>
+  <p:clrMapOvr>
+    <a:masterClrMapping/>
+  </p:clrMapOvr>
+  <mc:AlternateContent xmlns:mc="http://schemas.openxmlformats.org/markup-compatibility/2006" xmlns:p14="http://schemas.microsoft.com/office/powerpoint/2010/main">
+    <mc:Choice Requires="p14">
+      <p:transition spd="med" p14:dur="700">
+        <p:fade/>
+      </p:transition>
+    </mc:Choice>
+    <mc:Fallback xmlns="">
+      <p:transition spd="med">
+        <p:fade/>
+      </p:transition>
+    </mc:Fallback>
+  </mc:AlternateContent>
+</p:sld>
+</file>
+
+<file path=ppt/slides/slide30.xml><?xml version="1.0" encoding="utf-8"?>
 <p:sld xmlns:a="http://schemas.openxmlformats.org/drawingml/2006/main" xmlns:r="http://schemas.openxmlformats.org/officeDocument/2006/relationships" xmlns:p="http://schemas.openxmlformats.org/presentationml/2006/main">
   <p:cSld>
     <p:spTree>
@@ -11388,7 +14842,118 @@
 </p:sld>
 </file>
 
-<file path=ppt/slides/slide17.xml><?xml version="1.0" encoding="utf-8"?>
+<file path=ppt/slides/slide31.xml><?xml version="1.0" encoding="utf-8"?>
+<p:sld xmlns:a="http://schemas.openxmlformats.org/drawingml/2006/main" xmlns:r="http://schemas.openxmlformats.org/officeDocument/2006/relationships" xmlns:p="http://schemas.openxmlformats.org/presentationml/2006/main">
+  <p:cSld>
+    <p:spTree>
+      <p:nvGrpSpPr>
+        <p:cNvPr id="1" name=""/>
+        <p:cNvGrpSpPr/>
+        <p:nvPr/>
+      </p:nvGrpSpPr>
+      <p:grpSpPr>
+        <a:xfrm>
+          <a:off x="0" y="0"/>
+          <a:ext cx="0" cy="0"/>
+          <a:chOff x="0" y="0"/>
+          <a:chExt cx="0" cy="0"/>
+        </a:xfrm>
+      </p:grpSpPr>
+      <p:sp>
+        <p:nvSpPr>
+          <p:cNvPr id="2" name="Title 1"/>
+          <p:cNvSpPr>
+            <a:spLocks noGrp="1"/>
+          </p:cNvSpPr>
+          <p:nvPr>
+            <p:ph type="title"/>
+          </p:nvPr>
+        </p:nvSpPr>
+        <p:spPr>
+          <a:xfrm>
+            <a:off x="1016627" y="286604"/>
+            <a:ext cx="10055781" cy="1450757"/>
+          </a:xfrm>
+        </p:spPr>
+        <p:txBody>
+          <a:bodyPr/>
+          <a:lstStyle/>
+          <a:p>
+            <a:r>
+              <a:rPr lang="en-US" dirty="0"/>
+              <a:t>Must Read Topics</a:t>
+            </a:r>
+          </a:p>
+        </p:txBody>
+      </p:sp>
+      <p:sp>
+        <p:nvSpPr>
+          <p:cNvPr id="3" name="Content Placeholder 2"/>
+          <p:cNvSpPr>
+            <a:spLocks noGrp="1"/>
+          </p:cNvSpPr>
+          <p:nvPr>
+            <p:ph idx="1"/>
+          </p:nvPr>
+        </p:nvSpPr>
+        <p:spPr>
+          <a:xfrm>
+            <a:off x="1043416" y="1818945"/>
+            <a:ext cx="10055781" cy="4023360"/>
+          </a:xfrm>
+        </p:spPr>
+        <p:txBody>
+          <a:bodyPr/>
+          <a:lstStyle/>
+          <a:p>
+            <a:r>
+              <a:rPr lang="en-US" dirty="0">
+                <a:hlinkClick r:id="rId2"/>
+              </a:rPr>
+              <a:t>https://www.rabbitmq.com/production-checklist.html</a:t>
+            </a:r>
+            <a:endParaRPr lang="en-US" dirty="0"/>
+          </a:p>
+          <a:p>
+            <a:r>
+              <a:rPr lang="en-US" dirty="0">
+                <a:hlinkClick r:id="rId3"/>
+              </a:rPr>
+              <a:t>https://www.rabbitmq.com/confirms.html</a:t>
+            </a:r>
+            <a:endParaRPr lang="en-US" dirty="0"/>
+          </a:p>
+          <a:p>
+            <a:endParaRPr lang="en-US" dirty="0"/>
+          </a:p>
+        </p:txBody>
+      </p:sp>
+    </p:spTree>
+    <p:extLst>
+      <p:ext uri="{BB962C8B-B14F-4D97-AF65-F5344CB8AC3E}">
+        <p14:creationId xmlns:p14="http://schemas.microsoft.com/office/powerpoint/2010/main" val="3509578844"/>
+      </p:ext>
+    </p:extLst>
+  </p:cSld>
+  <p:clrMapOvr>
+    <a:masterClrMapping/>
+  </p:clrMapOvr>
+  <mc:AlternateContent xmlns:mc="http://schemas.openxmlformats.org/markup-compatibility/2006" xmlns:p14="http://schemas.microsoft.com/office/powerpoint/2010/main">
+    <mc:Choice Requires="p14">
+      <p:transition spd="med" p14:dur="700">
+        <p:fade/>
+      </p:transition>
+    </mc:Choice>
+    <mc:Fallback xmlns="">
+      <p:transition spd="med">
+        <p:fade/>
+      </p:transition>
+    </mc:Fallback>
+  </mc:AlternateContent>
+</p:sld>
+</file>
+
+<file path=ppt/slides/slide32.xml><?xml version="1.0" encoding="utf-8"?>
 <p:sld xmlns:a="http://schemas.openxmlformats.org/drawingml/2006/main" xmlns:r="http://schemas.openxmlformats.org/officeDocument/2006/relationships" xmlns:p="http://schemas.openxmlformats.org/presentationml/2006/main">
   <p:cSld>
     <p:spTree>
@@ -11452,7 +15017,7 @@
 </p:sld>
 </file>
 
-<file path=ppt/slides/slide18.xml><?xml version="1.0" encoding="utf-8"?>
+<file path=ppt/slides/slide33.xml><?xml version="1.0" encoding="utf-8"?>
 <p:sld xmlns:a="http://schemas.openxmlformats.org/drawingml/2006/main" xmlns:r="http://schemas.openxmlformats.org/officeDocument/2006/relationships" xmlns:p="http://schemas.openxmlformats.org/presentationml/2006/main">
   <p:cSld>
     <p:spTree>
@@ -11494,7 +15059,7 @@
 </p:sld>
 </file>
 
-<file path=ppt/slides/slide19.xml><?xml version="1.0" encoding="utf-8"?>
+<file path=ppt/slides/slide34.xml><?xml version="1.0" encoding="utf-8"?>
 <p:sld xmlns:a="http://schemas.openxmlformats.org/drawingml/2006/main" xmlns:r="http://schemas.openxmlformats.org/officeDocument/2006/relationships" xmlns:p="http://schemas.openxmlformats.org/presentationml/2006/main">
   <p:cSld>
     <p:spTree>
@@ -11596,7 +15161,7 @@
 </p:sld>
 </file>
 
-<file path=ppt/slides/slide2.xml><?xml version="1.0" encoding="utf-8"?>
+<file path=ppt/slides/slide35.xml><?xml version="1.0" encoding="utf-8"?>
 <p:sld xmlns:a="http://schemas.openxmlformats.org/drawingml/2006/main" xmlns:r="http://schemas.openxmlformats.org/officeDocument/2006/relationships" xmlns:p="http://schemas.openxmlformats.org/presentationml/2006/main">
   <p:cSld>
     <p:spTree>
@@ -11615,7 +15180,13 @@
       </p:grpSpPr>
       <p:sp>
         <p:nvSpPr>
-          <p:cNvPr id="2" name="Title 1"/>
+          <p:cNvPr id="2" name="Title 1">
+            <a:extLst>
+              <a:ext uri="{FF2B5EF4-FFF2-40B4-BE49-F238E27FC236}">
+                <a16:creationId xmlns:a16="http://schemas.microsoft.com/office/drawing/2014/main" id="{E20F7A20-7845-6848-A015-538A342CFA87}"/>
+              </a:ext>
+            </a:extLst>
+          </p:cNvPr>
           <p:cNvSpPr>
             <a:spLocks noGrp="1"/>
           </p:cNvSpPr>
@@ -11628,33 +15199,19 @@
           <a:bodyPr/>
           <a:lstStyle/>
           <a:p>
-            <a:r>
-              <a:rPr lang="en-US" dirty="0" err="1" smtClean="0"/>
-              <a:t>ProtoLabs</a:t>
-            </a:r>
-            <a:r>
-              <a:rPr lang="en-US" dirty="0" smtClean="0"/>
-              <a:t> - </a:t>
-            </a:r>
-            <a:r>
-              <a:rPr lang="en-US" dirty="0" err="1" smtClean="0"/>
-              <a:t>Microservice</a:t>
-            </a:r>
-            <a:r>
-              <a:rPr lang="en-US" dirty="0" smtClean="0"/>
-              <a:t> and </a:t>
-            </a:r>
-            <a:r>
-              <a:rPr lang="en-US" dirty="0" err="1" smtClean="0"/>
-              <a:t>RabbitMQ</a:t>
-            </a:r>
-            <a:endParaRPr lang="en-US" dirty="0"/>
+            <a:endParaRPr lang="en-US"/>
           </a:p>
         </p:txBody>
       </p:sp>
       <p:sp>
         <p:nvSpPr>
-          <p:cNvPr id="3" name="Content Placeholder 2"/>
+          <p:cNvPr id="3" name="Content Placeholder 2">
+            <a:extLst>
+              <a:ext uri="{FF2B5EF4-FFF2-40B4-BE49-F238E27FC236}">
+                <a16:creationId xmlns:a16="http://schemas.microsoft.com/office/drawing/2014/main" id="{F6E6BE9E-FA8E-EE40-8E0D-9853C42B4BD7}"/>
+              </a:ext>
+            </a:extLst>
+          </p:cNvPr>
           <p:cNvSpPr>
             <a:spLocks noGrp="1"/>
           </p:cNvSpPr>
@@ -11664,135 +15221,42 @@
         </p:nvSpPr>
         <p:spPr/>
         <p:txBody>
-          <a:bodyPr>
-            <a:normAutofit fontScale="92500" lnSpcReduction="10000"/>
-          </a:bodyPr>
+          <a:bodyPr/>
           <a:lstStyle/>
           <a:p>
-            <a:r>
-              <a:rPr lang="en-US" b="1" dirty="0" smtClean="0"/>
-              <a:t>Breaking up a </a:t>
-            </a:r>
-            <a:r>
-              <a:rPr lang="en-US" b="1" dirty="0" err="1" smtClean="0"/>
-              <a:t>monilith</a:t>
-            </a:r>
-            <a:endParaRPr lang="en-US" b="1" dirty="0" smtClean="0"/>
-          </a:p>
-          <a:p>
-            <a:r>
-              <a:rPr lang="en-US" dirty="0" smtClean="0"/>
-              <a:t>Teams work in small teams organized around business domains</a:t>
-            </a:r>
-          </a:p>
-          <a:p>
-            <a:r>
-              <a:rPr lang="en-US" dirty="0" smtClean="0"/>
-              <a:t>Teams are a combination of developers, BA, SQE, and SRE.</a:t>
-            </a:r>
-          </a:p>
-          <a:p>
-            <a:r>
-              <a:rPr lang="en-US" dirty="0" smtClean="0"/>
-              <a:t>Notable Technologies - .NET Core, Vue.js, Docker, Linux, </a:t>
-            </a:r>
-            <a:r>
-              <a:rPr lang="en-US" dirty="0" err="1" smtClean="0"/>
-              <a:t>RabbitMQ</a:t>
-            </a:r>
-            <a:r>
-              <a:rPr lang="en-US" dirty="0" smtClean="0"/>
-              <a:t>, Chef, </a:t>
-            </a:r>
-            <a:r>
-              <a:rPr lang="en-US" dirty="0" err="1" smtClean="0"/>
-              <a:t>RavenDB</a:t>
-            </a:r>
-            <a:endParaRPr lang="en-US" dirty="0" smtClean="0"/>
-          </a:p>
-          <a:p>
-            <a:endParaRPr lang="en-US" dirty="0"/>
-          </a:p>
-          <a:p>
-            <a:pPr marL="0" indent="0">
-              <a:buNone/>
-            </a:pPr>
-            <a:r>
-              <a:rPr lang="en-US" b="1" dirty="0" err="1" smtClean="0"/>
-              <a:t>RabbitMQ</a:t>
-            </a:r>
-            <a:endParaRPr lang="en-US" b="1" dirty="0" smtClean="0"/>
-          </a:p>
-          <a:p>
-            <a:pPr marL="0" indent="0">
-              <a:buNone/>
-            </a:pPr>
-            <a:r>
-              <a:rPr lang="en-US" dirty="0" smtClean="0"/>
-              <a:t>3.7.7</a:t>
-            </a:r>
-          </a:p>
-          <a:p>
-            <a:pPr marL="0" indent="0">
-              <a:buNone/>
-            </a:pPr>
-            <a:r>
-              <a:rPr lang="en-US" dirty="0" smtClean="0"/>
-              <a:t>Clusters of 2 nodes</a:t>
-            </a:r>
-          </a:p>
-          <a:p>
-            <a:pPr marL="0" indent="0">
-              <a:buNone/>
-            </a:pPr>
-            <a:r>
-              <a:rPr lang="en-US" dirty="0" err="1" smtClean="0"/>
-              <a:t>HAProxy</a:t>
-            </a:r>
-            <a:r>
-              <a:rPr lang="en-US" dirty="0" smtClean="0"/>
-              <a:t> used as </a:t>
-            </a:r>
-            <a:r>
-              <a:rPr lang="en-US" dirty="0" err="1" smtClean="0"/>
-              <a:t>loadbalancer</a:t>
-            </a:r>
-            <a:r>
-              <a:rPr lang="en-US" dirty="0"/>
-              <a:t> </a:t>
-            </a:r>
-            <a:r>
-              <a:rPr lang="en-US" dirty="0" err="1" smtClean="0"/>
-              <a:t>infront</a:t>
-            </a:r>
-            <a:r>
-              <a:rPr lang="en-US" dirty="0" smtClean="0"/>
-              <a:t> of </a:t>
-            </a:r>
-            <a:r>
-              <a:rPr lang="en-US" dirty="0" err="1" smtClean="0"/>
-              <a:t>RabbitMQ</a:t>
-            </a:r>
-            <a:r>
-              <a:rPr lang="en-US" dirty="0" smtClean="0"/>
-              <a:t> instances</a:t>
-            </a:r>
-          </a:p>
-          <a:p>
-            <a:pPr marL="0" indent="0">
-              <a:buNone/>
-            </a:pPr>
-            <a:r>
-              <a:rPr lang="en-US" dirty="0" smtClean="0"/>
-              <a:t>HA queues synced between nodes</a:t>
-            </a:r>
+            <a:endParaRPr lang="en-US"/>
+          </a:p>
+        </p:txBody>
+      </p:sp>
+      <p:sp>
+        <p:nvSpPr>
+          <p:cNvPr id="4" name="Text Placeholder 3">
+            <a:extLst>
+              <a:ext uri="{FF2B5EF4-FFF2-40B4-BE49-F238E27FC236}">
+                <a16:creationId xmlns:a16="http://schemas.microsoft.com/office/drawing/2014/main" id="{C632BD8A-DB27-CC44-A04B-F5C0D00D4642}"/>
+              </a:ext>
+            </a:extLst>
+          </p:cNvPr>
+          <p:cNvSpPr>
+            <a:spLocks noGrp="1"/>
+          </p:cNvSpPr>
+          <p:nvPr>
+            <p:ph type="body" sz="half" idx="2"/>
+          </p:nvPr>
+        </p:nvSpPr>
+        <p:spPr/>
+        <p:txBody>
+          <a:bodyPr/>
+          <a:lstStyle/>
+          <a:p>
+            <a:endParaRPr lang="en-US"/>
           </a:p>
         </p:txBody>
       </p:sp>
     </p:spTree>
     <p:extLst>
       <p:ext uri="{BB962C8B-B14F-4D97-AF65-F5344CB8AC3E}">
-        <p14:creationId xmlns:p14="http://schemas.microsoft.com/office/powerpoint/2010/main" val="1881652"/>
+        <p14:creationId xmlns:p14="http://schemas.microsoft.com/office/powerpoint/2010/main" val="2486385681"/>
       </p:ext>
     </p:extLst>
   </p:cSld>
@@ -11814,7 +15278,7 @@
 </p:sld>
 </file>
 
-<file path=ppt/slides/slide20.xml><?xml version="1.0" encoding="utf-8"?>
+<file path=ppt/slides/slide36.xml><?xml version="1.0" encoding="utf-8"?>
 <p:sld xmlns:a="http://schemas.openxmlformats.org/drawingml/2006/main" xmlns:r="http://schemas.openxmlformats.org/officeDocument/2006/relationships" xmlns:p="http://schemas.openxmlformats.org/presentationml/2006/main">
   <p:cSld>
     <p:spTree>
@@ -11888,163 +15352,6 @@
     <p:extLst>
       <p:ext uri="{BB962C8B-B14F-4D97-AF65-F5344CB8AC3E}">
         <p14:creationId xmlns:p14="http://schemas.microsoft.com/office/powerpoint/2010/main" val="3480339974"/>
-      </p:ext>
-    </p:extLst>
-  </p:cSld>
-  <p:clrMapOvr>
-    <a:masterClrMapping/>
-  </p:clrMapOvr>
-  <mc:AlternateContent xmlns:mc="http://schemas.openxmlformats.org/markup-compatibility/2006" xmlns:p14="http://schemas.microsoft.com/office/powerpoint/2010/main">
-    <mc:Choice Requires="p14">
-      <p:transition spd="med" p14:dur="700">
-        <p:fade/>
-      </p:transition>
-    </mc:Choice>
-    <mc:Fallback xmlns="">
-      <p:transition spd="med">
-        <p:fade/>
-      </p:transition>
-    </mc:Fallback>
-  </mc:AlternateContent>
-</p:sld>
-</file>
-
-<file path=ppt/slides/slide3.xml><?xml version="1.0" encoding="utf-8"?>
-<p:sld xmlns:a="http://schemas.openxmlformats.org/drawingml/2006/main" xmlns:r="http://schemas.openxmlformats.org/officeDocument/2006/relationships" xmlns:p="http://schemas.openxmlformats.org/presentationml/2006/main">
-  <p:cSld>
-    <p:spTree>
-      <p:nvGrpSpPr>
-        <p:cNvPr id="1" name=""/>
-        <p:cNvGrpSpPr/>
-        <p:nvPr/>
-      </p:nvGrpSpPr>
-      <p:grpSpPr>
-        <a:xfrm>
-          <a:off x="0" y="0"/>
-          <a:ext cx="0" cy="0"/>
-          <a:chOff x="0" y="0"/>
-          <a:chExt cx="0" cy="0"/>
-        </a:xfrm>
-      </p:grpSpPr>
-      <p:sp>
-        <p:nvSpPr>
-          <p:cNvPr id="2" name="Title 1"/>
-          <p:cNvSpPr>
-            <a:spLocks noGrp="1"/>
-          </p:cNvSpPr>
-          <p:nvPr>
-            <p:ph type="title"/>
-          </p:nvPr>
-        </p:nvSpPr>
-        <p:spPr/>
-        <p:txBody>
-          <a:bodyPr/>
-          <a:lstStyle/>
-          <a:p>
-            <a:r>
-              <a:rPr lang="en-US" dirty="0" err="1" smtClean="0"/>
-              <a:t>ProtoLabs</a:t>
-            </a:r>
-            <a:r>
-              <a:rPr lang="en-US" dirty="0" smtClean="0"/>
-              <a:t> </a:t>
-            </a:r>
-            <a:r>
-              <a:rPr lang="en-US" dirty="0" err="1" smtClean="0"/>
-              <a:t>RabbitMQ</a:t>
-            </a:r>
-            <a:r>
-              <a:rPr lang="en-US" dirty="0" smtClean="0"/>
-              <a:t> Evolution</a:t>
-            </a:r>
-            <a:endParaRPr lang="en-US" dirty="0"/>
-          </a:p>
-        </p:txBody>
-      </p:sp>
-      <p:sp>
-        <p:nvSpPr>
-          <p:cNvPr id="3" name="Content Placeholder 2"/>
-          <p:cNvSpPr>
-            <a:spLocks noGrp="1"/>
-          </p:cNvSpPr>
-          <p:nvPr>
-            <p:ph idx="1"/>
-          </p:nvPr>
-        </p:nvSpPr>
-        <p:spPr/>
-        <p:txBody>
-          <a:bodyPr>
-            <a:normAutofit fontScale="70000" lnSpcReduction="20000"/>
-          </a:bodyPr>
-          <a:lstStyle/>
-          <a:p>
-            <a:r>
-              <a:rPr lang="en-US" dirty="0" smtClean="0"/>
-              <a:t>Started with one team using it for a few high performance messaging where reliability wasn’t much concern (Single node between browser and backend server)</a:t>
-            </a:r>
-          </a:p>
-          <a:p>
-            <a:endParaRPr lang="en-US" dirty="0"/>
-          </a:p>
-          <a:p>
-            <a:endParaRPr lang="en-US" dirty="0" smtClean="0"/>
-          </a:p>
-          <a:p>
-            <a:endParaRPr lang="en-US" dirty="0"/>
-          </a:p>
-          <a:p>
-            <a:r>
-              <a:rPr lang="en-US" dirty="0" smtClean="0"/>
-              <a:t>Another team spun up one instance and started using it for non critical pub sub.</a:t>
-            </a:r>
-          </a:p>
-          <a:p>
-            <a:r>
-              <a:rPr lang="en-US" dirty="0" smtClean="0"/>
-              <a:t>(pub sub between monolith and another team)</a:t>
-            </a:r>
-          </a:p>
-          <a:p>
-            <a:endParaRPr lang="en-US" dirty="0"/>
-          </a:p>
-          <a:p>
-            <a:r>
-              <a:rPr lang="en-US" dirty="0" smtClean="0"/>
-              <a:t>Then new ordering system was developed to use it for submitting orders.</a:t>
-            </a:r>
-          </a:p>
-          <a:p>
-            <a:r>
-              <a:rPr lang="en-US" dirty="0" smtClean="0"/>
-              <a:t>(As the ordering and commerce team broke up they decided to use </a:t>
-            </a:r>
-            <a:r>
-              <a:rPr lang="en-US" dirty="0" err="1" smtClean="0"/>
-              <a:t>RabbitMQ</a:t>
-            </a:r>
-            <a:r>
-              <a:rPr lang="en-US" dirty="0" smtClean="0"/>
-              <a:t>  HA and clustering was added)</a:t>
-            </a:r>
-          </a:p>
-          <a:p>
-            <a:endParaRPr lang="en-US" dirty="0"/>
-          </a:p>
-          <a:p>
-            <a:r>
-              <a:rPr lang="en-US" dirty="0" smtClean="0"/>
-              <a:t>Then another team setup an exchange to coordinate messages from global service to regional services. Then those regional services started using it to publish messages back to global services. Complex topologies evolved with multiple clusters using federation to talk to other clusters.</a:t>
-            </a:r>
-          </a:p>
-          <a:p>
-            <a:endParaRPr lang="en-US" dirty="0"/>
-          </a:p>
-        </p:txBody>
-      </p:sp>
-    </p:spTree>
-    <p:extLst>
-      <p:ext uri="{BB962C8B-B14F-4D97-AF65-F5344CB8AC3E}">
-        <p14:creationId xmlns:p14="http://schemas.microsoft.com/office/powerpoint/2010/main" val="2961694818"/>
       </p:ext>
     </p:extLst>
   </p:cSld>
@@ -12099,8 +15406,8 @@
           <a:lstStyle/>
           <a:p>
             <a:r>
-              <a:rPr lang="en-US" dirty="0" smtClean="0"/>
-              <a:t>Must Read Topics</a:t>
+              <a:rPr lang="en-US" dirty="0" err="1"/>
+              <a:t>RabbitMQ Overview </a:t>
             </a:r>
             <a:endParaRPr lang="en-US" dirty="0"/>
           </a:p>
@@ -12118,47 +15425,76 @@
         </p:nvSpPr>
         <p:spPr/>
         <p:txBody>
-          <a:bodyPr/>
+          <a:bodyPr>
+            <a:normAutofit fontScale="92500" lnSpcReduction="10000"/>
+          </a:bodyPr>
           <a:lstStyle/>
           <a:p>
             <a:r>
-              <a:rPr lang="en-US" dirty="0">
-                <a:hlinkClick r:id="rId2"/>
-              </a:rPr>
-              <a:t>https://</a:t>
-            </a:r>
-            <a:r>
-              <a:rPr lang="en-US" dirty="0" smtClean="0">
-                <a:hlinkClick r:id="rId2"/>
-              </a:rPr>
-              <a:t>www.rabbitmq.com/production-checklist.html</a:t>
-            </a:r>
-            <a:endParaRPr lang="en-US" dirty="0" smtClean="0"/>
-          </a:p>
-          <a:p>
-            <a:r>
-              <a:rPr lang="en-US" dirty="0">
-                <a:hlinkClick r:id="rId3"/>
-              </a:rPr>
-              <a:t>https://</a:t>
-            </a:r>
-            <a:r>
-              <a:rPr lang="en-US" dirty="0" smtClean="0">
-                <a:hlinkClick r:id="rId3"/>
-              </a:rPr>
-              <a:t>www.rabbitmq.com/confirms.html</a:t>
-            </a:r>
-            <a:endParaRPr lang="en-US" dirty="0" smtClean="0"/>
-          </a:p>
-          <a:p>
-            <a:endParaRPr lang="en-US" dirty="0"/>
+              <a:rPr lang="en-US" dirty="0"/>
+              <a:t>Started in 2008</a:t>
+            </a:r>
+          </a:p>
+          <a:p>
+            <a:r>
+              <a:rPr lang="en-US" dirty="0"/>
+              <a:t>AMQP Protocol "core" protocol supported by the broker</a:t>
+            </a:r>
+          </a:p>
+          <a:p>
+            <a:r>
+              <a:rPr lang="en-US" dirty="0"/>
+              <a:t>Open Source Messaging System</a:t>
+            </a:r>
+          </a:p>
+          <a:p>
+            <a:r>
+              <a:rPr lang="en-US" dirty="0"/>
+              <a:t>Reliability</a:t>
+            </a:r>
+          </a:p>
+          <a:p>
+            <a:r>
+              <a:rPr lang="en-US" dirty="0"/>
+              <a:t>Developer centric API and docs are dev focused</a:t>
+            </a:r>
+          </a:p>
+          <a:p>
+            <a:r>
+              <a:rPr lang="en-US" dirty="0"/>
+              <a:t>Routing</a:t>
+            </a:r>
+          </a:p>
+          <a:p>
+            <a:r>
+              <a:rPr lang="en-US" dirty="0"/>
+              <a:t>Clustering and High Availability</a:t>
+            </a:r>
+          </a:p>
+          <a:p>
+            <a:r>
+              <a:rPr lang="en-US" dirty="0"/>
+              <a:t>Management UI and API</a:t>
+            </a:r>
+          </a:p>
+          <a:p>
+            <a:r>
+              <a:rPr lang="en-US" dirty="0"/>
+              <a:t>Client Libraries</a:t>
+            </a:r>
+          </a:p>
+          <a:p>
+            <a:r>
+              <a:rPr lang="en-US" dirty="0"/>
+              <a:t>Docs examples user group </a:t>
+            </a:r>
           </a:p>
         </p:txBody>
       </p:sp>
     </p:spTree>
     <p:extLst>
       <p:ext uri="{BB962C8B-B14F-4D97-AF65-F5344CB8AC3E}">
-        <p14:creationId xmlns:p14="http://schemas.microsoft.com/office/powerpoint/2010/main" val="3509578844"/>
+        <p14:creationId xmlns:p14="http://schemas.microsoft.com/office/powerpoint/2010/main" val="1334477121"/>
       </p:ext>
     </p:extLst>
   </p:cSld>
@@ -12209,27 +15545,13 @@
         </p:nvSpPr>
         <p:spPr/>
         <p:txBody>
-          <a:bodyPr>
-            <a:normAutofit/>
-          </a:bodyPr>
+          <a:bodyPr/>
           <a:lstStyle/>
           <a:p>
             <a:r>
               <a:rPr lang="en-US" dirty="0"/>
-              <a:t>Messaging </a:t>
-            </a:r>
-            <a:r>
-              <a:rPr lang="en-US" dirty="0" smtClean="0"/>
-              <a:t>topologies</a:t>
-            </a:r>
-            <a:r>
-              <a:rPr lang="en-US" dirty="0"/>
-              <a:t/>
-            </a:r>
-            <a:br>
-              <a:rPr lang="en-US" dirty="0"/>
-            </a:br>
-            <a:endParaRPr lang="en-US" dirty="0"/>
+              <a:t>What is AMQP? </a:t>
+            </a:r>
           </a:p>
         </p:txBody>
       </p:sp>
@@ -12250,37 +15572,90 @@
           <a:p>
             <a:r>
               <a:rPr lang="en-US" dirty="0"/>
-              <a:t>Global routing to </a:t>
-            </a:r>
-            <a:r>
-              <a:rPr lang="en-US" dirty="0" smtClean="0"/>
-              <a:t>regional (federations policies)</a:t>
-            </a:r>
-          </a:p>
-          <a:p>
-            <a:r>
-              <a:rPr lang="en-US" dirty="0" smtClean="0"/>
-              <a:t>Short lived queues for browser interactions</a:t>
-            </a:r>
-          </a:p>
-          <a:p>
-            <a:r>
-              <a:rPr lang="en-US" dirty="0" smtClean="0"/>
-              <a:t>Private exchanges used inside teams processors Topic exchanges</a:t>
-            </a:r>
-          </a:p>
-          <a:p>
-            <a:endParaRPr lang="en-US" dirty="0" smtClean="0"/>
+              <a:t>Advanced Message Queue Protocol</a:t>
+            </a:r>
+          </a:p>
+          <a:p>
+            <a:r>
+              <a:rPr lang="en-US" dirty="0"/>
+              <a:t>Network protocol to enable client apps to communicate with compatible messaging systems</a:t>
+            </a:r>
+          </a:p>
+          <a:p>
+            <a:r>
+              <a:rPr lang="en-US" dirty="0"/>
+              <a:t>AMQP was designed with the following main characteristics as goals:</a:t>
+            </a:r>
           </a:p>
           <a:p>
             <a:endParaRPr lang="en-US" dirty="0"/>
           </a:p>
+          <a:p>
+            <a:r>
+              <a:rPr lang="en-US" dirty="0"/>
+              <a:t>Security</a:t>
+            </a:r>
+          </a:p>
+          <a:p>
+            <a:r>
+              <a:rPr lang="en-US" dirty="0"/>
+              <a:t>Reliability</a:t>
+            </a:r>
+          </a:p>
+          <a:p>
+            <a:r>
+              <a:rPr lang="en-US" dirty="0"/>
+              <a:t>Interoperability</a:t>
+            </a:r>
+          </a:p>
+          <a:p>
+            <a:r>
+              <a:rPr lang="en-US" dirty="0"/>
+              <a:t>Standard</a:t>
+            </a:r>
+          </a:p>
+          <a:p>
+            <a:r>
+              <a:rPr lang="en-US" dirty="0"/>
+              <a:t>Open</a:t>
+            </a:r>
+          </a:p>
+          <a:p>
+            <a:endParaRPr lang="en-US" dirty="0"/>
+          </a:p>
+          <a:p>
+            <a:endParaRPr lang="en-US" dirty="0"/>
+          </a:p>
         </p:txBody>
       </p:sp>
+      <p:pic>
+        <p:nvPicPr>
+          <p:cNvPr id="4" name="Content Placeholder 3"/>
+          <p:cNvPicPr>
+            <a:picLocks noChangeAspect="1"/>
+          </p:cNvPicPr>
+          <p:nvPr/>
+        </p:nvPicPr>
+        <p:blipFill>
+          <a:blip r:embed="rId2"/>
+          <a:stretch>
+            <a:fillRect/>
+          </a:stretch>
+        </p:blipFill>
+        <p:spPr>
+          <a:xfrm>
+            <a:off x="3960812" y="3163790"/>
+            <a:ext cx="7085019" cy="2676121"/>
+          </a:xfrm>
+          <a:prstGeom prst="rect">
+            <a:avLst/>
+          </a:prstGeom>
+        </p:spPr>
+      </p:pic>
     </p:spTree>
     <p:extLst>
       <p:ext uri="{BB962C8B-B14F-4D97-AF65-F5344CB8AC3E}">
-        <p14:creationId xmlns:p14="http://schemas.microsoft.com/office/powerpoint/2010/main" val="776094879"/>
+        <p14:creationId xmlns:p14="http://schemas.microsoft.com/office/powerpoint/2010/main" val="1749204996"/>
       </p:ext>
     </p:extLst>
   </p:cSld>
@@ -12321,7 +15696,13 @@
       </p:grpSpPr>
       <p:sp>
         <p:nvSpPr>
-          <p:cNvPr id="2" name="Title 1"/>
+          <p:cNvPr id="2" name="Title 1">
+            <a:extLst>
+              <a:ext uri="{FF2B5EF4-FFF2-40B4-BE49-F238E27FC236}">
+                <a16:creationId xmlns:a16="http://schemas.microsoft.com/office/drawing/2014/main" id="{78D74565-72C9-4B4E-BF3A-366A5626F7A4}"/>
+              </a:ext>
+            </a:extLst>
+          </p:cNvPr>
           <p:cNvSpPr>
             <a:spLocks noGrp="1"/>
           </p:cNvSpPr>
@@ -12335,16 +15716,21 @@
           <a:lstStyle/>
           <a:p>
             <a:r>
-              <a:rPr lang="en-US" smtClean="0"/>
-              <a:t>Microservice messaging landscape</a:t>
-            </a:r>
-            <a:endParaRPr lang="en-US"/>
+              <a:rPr lang="en-US"/>
+              <a:t>AMQP Model</a:t>
+            </a:r>
           </a:p>
         </p:txBody>
       </p:sp>
       <p:sp>
         <p:nvSpPr>
-          <p:cNvPr id="3" name="Content Placeholder 2"/>
+          <p:cNvPr id="3" name="Content Placeholder 2">
+            <a:extLst>
+              <a:ext uri="{FF2B5EF4-FFF2-40B4-BE49-F238E27FC236}">
+                <a16:creationId xmlns:a16="http://schemas.microsoft.com/office/drawing/2014/main" id="{8D949DA3-C480-B44B-8373-4A468AD836F2}"/>
+              </a:ext>
+            </a:extLst>
+          </p:cNvPr>
           <p:cNvSpPr>
             <a:spLocks noGrp="1"/>
           </p:cNvSpPr>
@@ -12352,169 +15738,79 @@
             <p:ph idx="1"/>
           </p:nvPr>
         </p:nvSpPr>
-        <p:spPr/>
+        <p:spPr>
+          <a:xfrm>
+            <a:off x="1141643" y="1805550"/>
+            <a:ext cx="10055781" cy="4023360"/>
+          </a:xfrm>
+        </p:spPr>
         <p:txBody>
           <a:bodyPr>
-            <a:normAutofit/>
+            <a:normAutofit lnSpcReduction="10000"/>
           </a:bodyPr>
           <a:lstStyle/>
           <a:p>
-            <a:pPr marL="0" indent="0">
-              <a:buNone/>
-            </a:pPr>
-            <a:r>
-              <a:rPr lang="en-US" smtClean="0">
-                <a:latin typeface="+mj-lt"/>
-              </a:rPr>
-              <a:t>Historical Context - Control and standardize application integrations.</a:t>
-            </a:r>
-          </a:p>
-          <a:p>
-            <a:pPr>
-              <a:buFont typeface="Arial" panose="020B0604020202020204" pitchFamily="34" charset="0"/>
-              <a:buChar char="•"/>
-            </a:pPr>
-            <a:r>
-              <a:rPr lang="en-US" smtClean="0"/>
-              <a:t> SOA</a:t>
-            </a:r>
-          </a:p>
-          <a:p>
-            <a:pPr>
-              <a:buFont typeface="Arial" panose="020B0604020202020204" pitchFamily="34" charset="0"/>
-              <a:buChar char="•"/>
-            </a:pPr>
-            <a:r>
-              <a:rPr lang="en-US" smtClean="0"/>
-              <a:t> ESB</a:t>
-            </a:r>
-          </a:p>
-          <a:p>
-            <a:pPr>
-              <a:buFont typeface="Arial" panose="020B0604020202020204" pitchFamily="34" charset="0"/>
-              <a:buChar char="•"/>
-            </a:pPr>
-            <a:r>
-              <a:rPr lang="en-US" smtClean="0"/>
-              <a:t> WS-*</a:t>
-            </a:r>
-            <a:endParaRPr lang="en-US"/>
-          </a:p>
-          <a:p>
-            <a:pPr marL="0" indent="0">
-              <a:buNone/>
-            </a:pPr>
-            <a:r>
-              <a:rPr lang="en-US" smtClean="0">
-                <a:latin typeface="+mj-lt"/>
-              </a:rPr>
-              <a:t>Continuing Trends - </a:t>
-            </a:r>
-            <a:r>
-              <a:rPr lang="en-US">
-                <a:latin typeface="+mj-lt"/>
-              </a:rPr>
-              <a:t>D</a:t>
-            </a:r>
-            <a:r>
-              <a:rPr lang="en-US" smtClean="0">
-                <a:latin typeface="+mj-lt"/>
-              </a:rPr>
-              <a:t>ecentralization </a:t>
-            </a:r>
-            <a:r>
-              <a:rPr lang="en-US">
-                <a:latin typeface="+mj-lt"/>
-              </a:rPr>
-              <a:t>and team </a:t>
-            </a:r>
-            <a:r>
-              <a:rPr lang="en-US" smtClean="0">
-                <a:latin typeface="+mj-lt"/>
-              </a:rPr>
-              <a:t>autonomy. </a:t>
-            </a:r>
-          </a:p>
-          <a:p>
-            <a:pPr>
-              <a:buFont typeface="Arial" panose="020B0604020202020204" pitchFamily="34" charset="0"/>
-              <a:buChar char="•"/>
-            </a:pPr>
-            <a:r>
-              <a:rPr lang="en-US" smtClean="0"/>
+            <a:endParaRPr lang="en-US" sz="2800" b="1"/>
+          </a:p>
+          <a:p>
+            <a:r>
+              <a:rPr lang="en-US" sz="2800" b="1"/>
+              <a:t>Exchange -&gt; Binding -&gt;[Queue]</a:t>
+            </a:r>
+          </a:p>
+          <a:p>
+            <a:endParaRPr lang="en-US" b="1"/>
+          </a:p>
+          <a:p>
+            <a:r>
+              <a:rPr lang="en-US" b="1"/>
+              <a:t>Exchanges</a:t>
+            </a:r>
+            <a:r>
+              <a:rPr lang="en-US"/>
               <a:t> </a:t>
             </a:r>
+          </a:p>
+          <a:p>
             <a:r>
               <a:rPr lang="en-US"/>
-              <a:t>I</a:t>
-            </a:r>
-            <a:r>
-              <a:rPr lang="en-US" smtClean="0"/>
-              <a:t>nteractions over </a:t>
-            </a:r>
+              <a:t>Recieves and routes messages </a:t>
+            </a:r>
+          </a:p>
+          <a:p>
+            <a:r>
+              <a:rPr lang="en-US" b="1"/>
+              <a:t>Binding</a:t>
+            </a:r>
+          </a:p>
+          <a:p>
             <a:r>
               <a:rPr lang="en-US"/>
-              <a:t>HTTP or lightweight messaging</a:t>
-            </a:r>
-            <a:endParaRPr lang="en-US" smtClean="0"/>
-          </a:p>
-          <a:p>
-            <a:pPr>
-              <a:buFont typeface="Arial" panose="020B0604020202020204" pitchFamily="34" charset="0"/>
-              <a:buChar char="•"/>
-            </a:pPr>
-            <a:r>
-              <a:rPr lang="en-US" smtClean="0"/>
-              <a:t> Focus </a:t>
+              <a:t>Defines the relationship between exchange and queue </a:t>
+            </a:r>
+          </a:p>
+          <a:p>
+            <a:r>
+              <a:rPr lang="en-US" b="1"/>
+              <a:t>Queues</a:t>
             </a:r>
             <a:r>
               <a:rPr lang="en-US"/>
-              <a:t>on the goals, intended benefits and principles before </a:t>
-            </a:r>
-            <a:r>
-              <a:rPr lang="en-US" smtClean="0"/>
-              <a:t>technologies</a:t>
-            </a:r>
-          </a:p>
-          <a:p>
-            <a:pPr>
-              <a:buFont typeface="Arial" panose="020B0604020202020204" pitchFamily="34" charset="0"/>
-              <a:buChar char="•"/>
-            </a:pPr>
-            <a:r>
-              <a:rPr lang="en-US" smtClean="0"/>
-              <a:t> Follow development </a:t>
-            </a:r>
+              <a:t> </a:t>
+            </a:r>
+          </a:p>
+          <a:p>
             <a:r>
               <a:rPr lang="en-US"/>
-              <a:t>patterns observed within numerous </a:t>
-            </a:r>
-            <a:r>
-              <a:rPr lang="en-US" smtClean="0"/>
-              <a:t>organizations (</a:t>
-            </a:r>
-            <a:r>
-              <a:rPr lang="en-US" b="1" smtClean="0"/>
-              <a:t>TODO RabbiMQ Examples</a:t>
-            </a:r>
-            <a:r>
-              <a:rPr lang="en-US" smtClean="0"/>
-              <a:t>)</a:t>
-            </a:r>
-            <a:endParaRPr lang="en-US"/>
-          </a:p>
-          <a:p>
-            <a:pPr marL="0" indent="0">
-              <a:buNone/>
-            </a:pPr>
-            <a:endParaRPr lang="en-US"/>
+              <a:t>Stores messages until they are processed </a:t>
+            </a:r>
           </a:p>
         </p:txBody>
       </p:sp>
     </p:spTree>
     <p:extLst>
       <p:ext uri="{BB962C8B-B14F-4D97-AF65-F5344CB8AC3E}">
-        <p14:creationId xmlns:p14="http://schemas.microsoft.com/office/powerpoint/2010/main" val="2683457971"/>
+        <p14:creationId xmlns:p14="http://schemas.microsoft.com/office/powerpoint/2010/main" val="3226195672"/>
       </p:ext>
     </p:extLst>
   </p:cSld>
@@ -12569,10 +15865,9 @@
           <a:lstStyle/>
           <a:p>
             <a:r>
-              <a:rPr lang="en-US" smtClean="0"/>
-              <a:t>Architecture examples?</a:t>
-            </a:r>
-            <a:endParaRPr lang="en-US"/>
+              <a:rPr lang="en-US"/>
+              <a:t>Microservice messaging landscape</a:t>
+            </a:r>
           </a:p>
         </p:txBody>
       </p:sp>
@@ -12588,45 +15883,114 @@
         </p:nvSpPr>
         <p:spPr/>
         <p:txBody>
-          <a:bodyPr/>
+          <a:bodyPr>
+            <a:normAutofit lnSpcReduction="10000"/>
+          </a:bodyPr>
           <a:lstStyle/>
           <a:p>
-            <a:r>
-              <a:rPr lang="en-US" smtClean="0"/>
-              <a:t>Messaging at ProtoLabs?</a:t>
-            </a:r>
-          </a:p>
-          <a:p>
-            <a:r>
-              <a:rPr lang="en-US" smtClean="0"/>
-              <a:t>Microsevice overview at ProtoLabs?</a:t>
-            </a:r>
-          </a:p>
-          <a:p>
-            <a:r>
-              <a:rPr lang="en-US" smtClean="0"/>
-              <a:t>Messaging Patterns we are using.</a:t>
-            </a:r>
-          </a:p>
-          <a:p>
-            <a:r>
-              <a:rPr lang="en-US" smtClean="0"/>
-              <a:t>What works?</a:t>
-            </a:r>
-          </a:p>
-          <a:p>
-            <a:r>
-              <a:rPr lang="en-US" smtClean="0"/>
-              <a:t>What doesn’t work?</a:t>
-            </a:r>
-          </a:p>
-          <a:p>
-            <a:r>
-              <a:rPr lang="en-US" smtClean="0"/>
-              <a:t>HA options</a:t>
-            </a:r>
-          </a:p>
-          <a:p>
+            <a:pPr marL="0" indent="0">
+              <a:buNone/>
+            </a:pPr>
+            <a:r>
+              <a:rPr lang="en-US">
+                <a:latin typeface="+mj-lt"/>
+              </a:rPr>
+              <a:t>Historical Context - Control and standardize application integrations.</a:t>
+            </a:r>
+          </a:p>
+          <a:p>
+            <a:pPr>
+              <a:buFont typeface="Arial" panose="020B0604020202020204" pitchFamily="34" charset="0"/>
+              <a:buChar char="•"/>
+            </a:pPr>
+            <a:r>
+              <a:rPr lang="en-US"/>
+              <a:t> SOA</a:t>
+            </a:r>
+          </a:p>
+          <a:p>
+            <a:pPr>
+              <a:buFont typeface="Arial" panose="020B0604020202020204" pitchFamily="34" charset="0"/>
+              <a:buChar char="•"/>
+            </a:pPr>
+            <a:r>
+              <a:rPr lang="en-US"/>
+              <a:t> ESB</a:t>
+            </a:r>
+          </a:p>
+          <a:p>
+            <a:pPr>
+              <a:buFont typeface="Arial" panose="020B0604020202020204" pitchFamily="34" charset="0"/>
+              <a:buChar char="•"/>
+            </a:pPr>
+            <a:r>
+              <a:rPr lang="en-US"/>
+              <a:t> WS-*</a:t>
+            </a:r>
+          </a:p>
+          <a:p>
+            <a:pPr marL="0" indent="0">
+              <a:buNone/>
+            </a:pPr>
+            <a:r>
+              <a:rPr lang="en-US">
+                <a:latin typeface="+mj-lt"/>
+              </a:rPr>
+              <a:t>Continuing Trends - Decentralization and team autonomy. </a:t>
+            </a:r>
+          </a:p>
+          <a:p>
+            <a:pPr>
+              <a:buFont typeface="Arial" panose="020B0604020202020204" pitchFamily="34" charset="0"/>
+              <a:buChar char="•"/>
+            </a:pPr>
+            <a:r>
+              <a:rPr lang="en-US"/>
+              <a:t> Interactions over HTTP or lightweight messaging</a:t>
+            </a:r>
+          </a:p>
+          <a:p>
+            <a:pPr>
+              <a:buFont typeface="Arial" panose="020B0604020202020204" pitchFamily="34" charset="0"/>
+              <a:buChar char="•"/>
+            </a:pPr>
+            <a:r>
+              <a:rPr lang="en-US"/>
+              <a:t> Focus on the goals, intended benefits and principles before technologies</a:t>
+            </a:r>
+          </a:p>
+          <a:p>
+            <a:pPr>
+              <a:buFont typeface="Arial" panose="020B0604020202020204" pitchFamily="34" charset="0"/>
+              <a:buChar char="•"/>
+            </a:pPr>
+            <a:r>
+              <a:rPr lang="en-US"/>
+              <a:t> Follow development patterns observed within numerous organizations (</a:t>
+            </a:r>
+            <a:r>
+              <a:rPr lang="en-US" b="1"/>
+              <a:t>TODO RabbiMQ Examples</a:t>
+            </a:r>
+            <a:r>
+              <a:rPr lang="en-US"/>
+              <a:t>)</a:t>
+            </a:r>
+          </a:p>
+          <a:p>
+            <a:pPr>
+              <a:buFont typeface="Arial" panose="020B0604020202020204" pitchFamily="34" charset="0"/>
+              <a:buChar char="•"/>
+            </a:pPr>
+            <a:r>
+              <a:rPr lang="en-US"/>
+              <a:t>VM configuration deployment pipeline moving towards more optimized containers</a:t>
+            </a:r>
+          </a:p>
+          <a:p>
+            <a:pPr marL="0" indent="0">
+              <a:buNone/>
+            </a:pPr>
             <a:endParaRPr lang="en-US"/>
           </a:p>
         </p:txBody>
@@ -12634,7 +15998,7 @@
     </p:spTree>
     <p:extLst>
       <p:ext uri="{BB962C8B-B14F-4D97-AF65-F5344CB8AC3E}">
-        <p14:creationId xmlns:p14="http://schemas.microsoft.com/office/powerpoint/2010/main" val="652041732"/>
+        <p14:creationId xmlns:p14="http://schemas.microsoft.com/office/powerpoint/2010/main" val="2683457971"/>
       </p:ext>
     </p:extLst>
   </p:cSld>
@@ -12675,7 +16039,13 @@
       </p:grpSpPr>
       <p:sp>
         <p:nvSpPr>
-          <p:cNvPr id="2" name="Title 1"/>
+          <p:cNvPr id="2" name="Title 1">
+            <a:extLst>
+              <a:ext uri="{FF2B5EF4-FFF2-40B4-BE49-F238E27FC236}">
+                <a16:creationId xmlns:a16="http://schemas.microsoft.com/office/drawing/2014/main" id="{FD113C06-51DD-A84F-81FD-6ECE71FB1630}"/>
+              </a:ext>
+            </a:extLst>
+          </p:cNvPr>
           <p:cNvSpPr>
             <a:spLocks noGrp="1"/>
           </p:cNvSpPr>
@@ -12689,24 +16059,21 @@
           <a:lstStyle/>
           <a:p>
             <a:r>
-              <a:rPr lang="en-US" dirty="0" smtClean="0"/>
-              <a:t>What is </a:t>
-            </a:r>
-            <a:r>
-              <a:rPr lang="en-US" dirty="0" err="1" smtClean="0"/>
-              <a:t>RabbitMQ</a:t>
-            </a:r>
-            <a:r>
-              <a:rPr lang="en-US" dirty="0" smtClean="0"/>
-              <a:t>?</a:t>
-            </a:r>
-            <a:endParaRPr lang="en-US" dirty="0"/>
+              <a:rPr lang="en-US"/>
+              <a:t>Service Boundaries </a:t>
+            </a:r>
           </a:p>
         </p:txBody>
       </p:sp>
       <p:sp>
         <p:nvSpPr>
-          <p:cNvPr id="3" name="Content Placeholder 2"/>
+          <p:cNvPr id="3" name="Content Placeholder 2">
+            <a:extLst>
+              <a:ext uri="{FF2B5EF4-FFF2-40B4-BE49-F238E27FC236}">
+                <a16:creationId xmlns:a16="http://schemas.microsoft.com/office/drawing/2014/main" id="{0CD8D037-BF81-134A-A8F3-104988F97E51}"/>
+              </a:ext>
+            </a:extLst>
+          </p:cNvPr>
           <p:cNvSpPr>
             <a:spLocks noGrp="1"/>
           </p:cNvSpPr>
@@ -12716,68 +16083,29 @@
         </p:nvSpPr>
         <p:spPr/>
         <p:txBody>
-          <a:bodyPr>
-            <a:normAutofit/>
-          </a:bodyPr>
+          <a:bodyPr/>
           <a:lstStyle/>
           <a:p>
             <a:r>
-              <a:rPr lang="en-US" dirty="0"/>
-              <a:t>AMQP </a:t>
-            </a:r>
-            <a:r>
-              <a:rPr lang="en-US" dirty="0" smtClean="0"/>
-              <a:t>Protocol </a:t>
-            </a:r>
-            <a:r>
-              <a:rPr lang="en-US" dirty="0"/>
-              <a:t>"core" protocol supported by the broker</a:t>
-            </a:r>
-            <a:endParaRPr lang="en-US" dirty="0" smtClean="0"/>
-          </a:p>
-          <a:p>
-            <a:r>
-              <a:rPr lang="en-US" dirty="0" smtClean="0"/>
-              <a:t>Open Source Messaging System</a:t>
-            </a:r>
-          </a:p>
-          <a:p>
-            <a:r>
-              <a:rPr lang="en-US" dirty="0" smtClean="0"/>
-              <a:t>Reliability</a:t>
-            </a:r>
-          </a:p>
-          <a:p>
-            <a:r>
-              <a:rPr lang="en-US" dirty="0" smtClean="0"/>
-              <a:t>Routing</a:t>
-            </a:r>
-          </a:p>
-          <a:p>
-            <a:r>
-              <a:rPr lang="en-US" dirty="0" smtClean="0"/>
-              <a:t>Clustering and High Availability</a:t>
-            </a:r>
-          </a:p>
-          <a:p>
-            <a:r>
-              <a:rPr lang="en-US" dirty="0" smtClean="0"/>
-              <a:t>Management UI and API</a:t>
-            </a:r>
-          </a:p>
-          <a:p>
-            <a:r>
-              <a:rPr lang="en-US" dirty="0" smtClean="0"/>
-              <a:t>Client Libraries</a:t>
-            </a:r>
-            <a:endParaRPr lang="en-US" dirty="0"/>
+              <a:rPr lang="en-US"/>
+              <a:t>Examples of how we determine service  boundaries  new architecture diagrams</a:t>
+            </a:r>
+          </a:p>
+          <a:p>
+            <a:endParaRPr lang="en-US"/>
+          </a:p>
+          <a:p>
+            <a:r>
+              <a:rPr lang="en-US"/>
+              <a:t>Map to business domains </a:t>
+            </a:r>
           </a:p>
         </p:txBody>
       </p:sp>
     </p:spTree>
     <p:extLst>
       <p:ext uri="{BB962C8B-B14F-4D97-AF65-F5344CB8AC3E}">
-        <p14:creationId xmlns:p14="http://schemas.microsoft.com/office/powerpoint/2010/main" val="1334477121"/>
+        <p14:creationId xmlns:p14="http://schemas.microsoft.com/office/powerpoint/2010/main" val="871599638"/>
       </p:ext>
     </p:extLst>
   </p:cSld>
@@ -12832,10 +16160,21 @@
           <a:lstStyle/>
           <a:p>
             <a:r>
-              <a:rPr lang="en-US" dirty="0" smtClean="0"/>
-              <a:t>What is AMQP? </a:t>
-            </a:r>
-            <a:endParaRPr lang="en-US" dirty="0"/>
+              <a:rPr lang="en-US" dirty="0" err="1"/>
+              <a:t>ProtoLabs</a:t>
+            </a:r>
+            <a:r>
+              <a:rPr lang="en-US" dirty="0"/>
+              <a:t> </a:t>
+            </a:r>
+            <a:r>
+              <a:rPr lang="en-US" dirty="0" err="1"/>
+              <a:t>RabbitMQ</a:t>
+            </a:r>
+            <a:r>
+              <a:rPr lang="en-US" dirty="0"/>
+              <a:t> Evolution</a:t>
+            </a:r>
           </a:p>
         </p:txBody>
       </p:sp>
@@ -12851,95 +16190,72 @@
         </p:nvSpPr>
         <p:spPr/>
         <p:txBody>
-          <a:bodyPr/>
+          <a:bodyPr>
+            <a:normAutofit fontScale="92500" lnSpcReduction="20000"/>
+          </a:bodyPr>
           <a:lstStyle/>
           <a:p>
             <a:r>
-              <a:rPr lang="en-US" dirty="0" smtClean="0"/>
-              <a:t>Advanced Message Queue Protocol</a:t>
-            </a:r>
-          </a:p>
-          <a:p>
-            <a:r>
-              <a:rPr lang="en-US" dirty="0" smtClean="0"/>
-              <a:t>Network protocol to enable client apps to communicate with compatible messaging systems</a:t>
-            </a:r>
-          </a:p>
-          <a:p>
-            <a:r>
               <a:rPr lang="en-US" dirty="0"/>
-              <a:t>AMQP was designed with the following main characteristics as goals:</a:t>
-            </a:r>
-          </a:p>
-          <a:p>
+              <a:t>Started with one team using it for a few high performance messaging where reliability wasn’t much concern (Single node between browser and backend server)</a:t>
+            </a:r>
+          </a:p>
+          <a:p>
+            <a:pPr marL="0" indent="0">
+              <a:buNone/>
+            </a:pPr>
             <a:endParaRPr lang="en-US" dirty="0"/>
           </a:p>
           <a:p>
             <a:r>
               <a:rPr lang="en-US" dirty="0"/>
-              <a:t>Security</a:t>
+              <a:t>Another team spun up one instance and started using it for non critical pub sub.</a:t>
             </a:r>
           </a:p>
           <a:p>
             <a:r>
               <a:rPr lang="en-US" dirty="0"/>
-              <a:t>Reliability</a:t>
-            </a:r>
+              <a:t>(pub sub between monolith and another team)</a:t>
+            </a:r>
+          </a:p>
+          <a:p>
+            <a:endParaRPr lang="en-US" dirty="0"/>
           </a:p>
           <a:p>
             <a:r>
               <a:rPr lang="en-US" dirty="0"/>
-              <a:t>Interoperability</a:t>
+              <a:t>Then new ordering system was developed to use it for submitting orders.</a:t>
             </a:r>
           </a:p>
           <a:p>
             <a:r>
               <a:rPr lang="en-US" dirty="0"/>
-              <a:t>Standard</a:t>
-            </a:r>
-          </a:p>
-          <a:p>
+              <a:t>(As the ordering and commerce team broke up they decided to use </a:t>
+            </a:r>
+            <a:r>
+              <a:rPr lang="en-US" dirty="0" err="1"/>
+              <a:t>RabbitMQ</a:t>
+            </a:r>
             <a:r>
               <a:rPr lang="en-US" dirty="0"/>
-              <a:t>Open</a:t>
-            </a:r>
-          </a:p>
-          <a:p>
-            <a:endParaRPr lang="en-US" dirty="0" smtClean="0"/>
+              <a:t>  HA and clustering was added)</a:t>
+            </a:r>
           </a:p>
           <a:p>
             <a:endParaRPr lang="en-US" dirty="0"/>
           </a:p>
+          <a:p>
+            <a:r>
+              <a:rPr lang="en-US" dirty="0"/>
+              <a:t>Then another team setup an exchange to coordinate messages from global service to regional services. Then those regional services started using it to publish messages back to global services. Complex topologies evolved with multiple clusters using federation to talk to other clusters.</a:t>
+            </a:r>
+          </a:p>
         </p:txBody>
       </p:sp>
-      <p:pic>
-        <p:nvPicPr>
-          <p:cNvPr id="4" name="Content Placeholder 3"/>
-          <p:cNvPicPr>
-            <a:picLocks noChangeAspect="1"/>
-          </p:cNvPicPr>
-          <p:nvPr/>
-        </p:nvPicPr>
-        <p:blipFill>
-          <a:blip r:embed="rId2"/>
-          <a:stretch>
-            <a:fillRect/>
-          </a:stretch>
-        </p:blipFill>
-        <p:spPr>
-          <a:xfrm>
-            <a:off x="3960812" y="3163790"/>
-            <a:ext cx="7085019" cy="2676121"/>
-          </a:xfrm>
-          <a:prstGeom prst="rect">
-            <a:avLst/>
-          </a:prstGeom>
-        </p:spPr>
-      </p:pic>
     </p:spTree>
     <p:extLst>
       <p:ext uri="{BB962C8B-B14F-4D97-AF65-F5344CB8AC3E}">
-        <p14:creationId xmlns:p14="http://schemas.microsoft.com/office/powerpoint/2010/main" val="1749204996"/>
+        <p14:creationId xmlns:p14="http://schemas.microsoft.com/office/powerpoint/2010/main" val="2961694818"/>
       </p:ext>
     </p:extLst>
   </p:cSld>
@@ -13835,15 +17151,6 @@
 </file>
 
 <file path=customXml/item1.xml><?xml version="1.0" encoding="utf-8"?>
-<?mso-contentType ?>
-<FormTemplates xmlns="http://schemas.microsoft.com/sharepoint/v3/contenttype/forms">
-  <Display>DocumentLibraryForm</Display>
-  <Edit>AssetEditForm</Edit>
-  <New>DocumentLibraryForm</New>
-</FormTemplates>
-</file>
-
-<file path=customXml/item2.xml><?xml version="1.0" encoding="utf-8"?>
 <p:properties xmlns:p="http://schemas.microsoft.com/office/2006/metadata/properties" xmlns:xsi="http://www.w3.org/2001/XMLSchema-instance" xmlns:pc="http://schemas.microsoft.com/office/infopath/2007/PartnerControls">
   <documentManagement>
     <LocPublishedLinkedAssetsLookup xmlns="4873beb7-5857-4685-be1f-d57550cc96cc" xsi:nil="true"/>
@@ -13979,7 +17286,7 @@
 </p:properties>
 </file>
 
-<file path=customXml/item3.xml><?xml version="1.0" encoding="utf-8"?>
+<file path=customXml/item2.xml><?xml version="1.0" encoding="utf-8"?>
 <ct:contentTypeSchema xmlns:ct="http://schemas.microsoft.com/office/2006/metadata/contentType" xmlns:ma="http://schemas.microsoft.com/office/2006/metadata/properties/metaAttributes" ct:_="" ma:_="" ma:contentTypeName="TemplateFile" ma:contentTypeID="0x0101006EDDDB5EE6D98C44930B742096920B300400F5B6D36B3EF94B4E9A635CDF2A18F5B8" ma:contentTypeVersion="72" ma:contentTypeDescription="Create a new document." ma:contentTypeScope="" ma:versionID="a23e56308344d904b51738559c3d67c9">
   <xsd:schema xmlns:xsd="http://www.w3.org/2001/XMLSchema" xmlns:xs="http://www.w3.org/2001/XMLSchema" xmlns:p="http://schemas.microsoft.com/office/2006/metadata/properties" xmlns:ns2="4873beb7-5857-4685-be1f-d57550cc96cc" targetNamespace="http://schemas.microsoft.com/office/2006/metadata/properties" ma:root="true" ma:fieldsID="cd0908cc4600e77bf5da051303e00c8d" ns2:_="">
     <xsd:import namespace="4873beb7-5857-4685-be1f-d57550cc96cc"/>
@@ -15019,44 +18326,43 @@
 </ct:contentTypeSchema>
 </file>
 
+<file path=customXml/item3.xml><?xml version="1.0" encoding="utf-8"?>
+<?mso-contentType ?>
+<FormTemplates xmlns="http://schemas.microsoft.com/sharepoint/v3/contenttype/forms">
+  <Display>DocumentLibraryForm</Display>
+  <Edit>AssetEditForm</Edit>
+  <New>DocumentLibraryForm</New>
+</FormTemplates>
+</file>
+
 <file path=customXml/itemProps1.xml><?xml version="1.0" encoding="utf-8"?>
+<ds:datastoreItem xmlns:ds="http://schemas.openxmlformats.org/officeDocument/2006/customXml" ds:itemID="{60C67BEE-D13F-4BD2-98A5-34D8A0977F68}">
+  <ds:schemaRefs>
+    <ds:schemaRef ds:uri="http://schemas.microsoft.com/office/2006/metadata/properties"/>
+    <ds:schemaRef ds:uri="http://www.w3.org/2000/xmlns/"/>
+    <ds:schemaRef ds:uri="4873beb7-5857-4685-be1f-d57550cc96cc"/>
+    <ds:schemaRef ds:uri="http://www.w3.org/2001/XMLSchema-instance"/>
+    <ds:schemaRef ds:uri="http://schemas.microsoft.com/office/infopath/2007/PartnerControls"/>
+  </ds:schemaRefs>
+</ds:datastoreItem>
+</file>
+
+<file path=customXml/itemProps2.xml><?xml version="1.0" encoding="utf-8"?>
+<ds:datastoreItem xmlns:ds="http://schemas.openxmlformats.org/officeDocument/2006/customXml" ds:itemID="{A09BF4D4-EF60-4196-BFC3-9462D607978C}">
+  <ds:schemaRefs>
+    <ds:schemaRef ds:uri="http://schemas.microsoft.com/office/2006/metadata/contentType"/>
+    <ds:schemaRef ds:uri="http://schemas.microsoft.com/office/2006/metadata/properties/metaAttributes"/>
+    <ds:schemaRef ds:uri="http://www.w3.org/2000/xmlns/"/>
+    <ds:schemaRef ds:uri="http://www.w3.org/2001/XMLSchema"/>
+    <ds:schemaRef ds:uri="4873beb7-5857-4685-be1f-d57550cc96cc"/>
+  </ds:schemaRefs>
+</ds:datastoreItem>
+</file>
+
+<file path=customXml/itemProps3.xml><?xml version="1.0" encoding="utf-8"?>
 <ds:datastoreItem xmlns:ds="http://schemas.openxmlformats.org/officeDocument/2006/customXml" ds:itemID="{3836F65B-1B07-41EE-A0E8-BC6EF3855225}">
   <ds:schemaRefs>
     <ds:schemaRef ds:uri="http://schemas.microsoft.com/sharepoint/v3/contenttype/forms"/>
   </ds:schemaRefs>
 </ds:datastoreItem>
-</file>
-
-<file path=customXml/itemProps2.xml><?xml version="1.0" encoding="utf-8"?>
-<ds:datastoreItem xmlns:ds="http://schemas.openxmlformats.org/officeDocument/2006/customXml" ds:itemID="{60C67BEE-D13F-4BD2-98A5-34D8A0977F68}">
-  <ds:schemaRefs>
-    <ds:schemaRef ds:uri="http://purl.org/dc/terms/"/>
-    <ds:schemaRef ds:uri="http://purl.org/dc/dcmitype/"/>
-    <ds:schemaRef ds:uri="http://schemas.microsoft.com/office/2006/documentManagement/types"/>
-    <ds:schemaRef ds:uri="http://purl.org/dc/elements/1.1/"/>
-    <ds:schemaRef ds:uri="http://schemas.microsoft.com/office/2006/metadata/properties"/>
-    <ds:schemaRef ds:uri="http://schemas.openxmlformats.org/package/2006/metadata/core-properties"/>
-    <ds:schemaRef ds:uri="http://schemas.microsoft.com/office/infopath/2007/PartnerControls"/>
-    <ds:schemaRef ds:uri="4873beb7-5857-4685-be1f-d57550cc96cc"/>
-    <ds:schemaRef ds:uri="http://www.w3.org/XML/1998/namespace"/>
-  </ds:schemaRefs>
-</ds:datastoreItem>
-</file>
-
-<file path=customXml/itemProps3.xml><?xml version="1.0" encoding="utf-8"?>
-<ds:datastoreItem xmlns:ds="http://schemas.openxmlformats.org/officeDocument/2006/customXml" ds:itemID="{A09BF4D4-EF60-4196-BFC3-9462D607978C}">
-  <ds:schemaRefs>
-    <ds:schemaRef ds:uri="http://schemas.microsoft.com/office/2006/metadata/contentType"/>
-    <ds:schemaRef ds:uri="http://schemas.microsoft.com/office/2006/metadata/properties/metaAttributes"/>
-    <ds:schemaRef ds:uri="http://www.w3.org/2001/XMLSchema"/>
-    <ds:schemaRef ds:uri="http://schemas.microsoft.com/office/2006/metadata/properties"/>
-    <ds:schemaRef ds:uri="4873beb7-5857-4685-be1f-d57550cc96cc"/>
-    <ds:schemaRef ds:uri="http://schemas.microsoft.com/office/2006/documentManagement/types"/>
-    <ds:schemaRef ds:uri="http://schemas.microsoft.com/office/infopath/2007/PartnerControls"/>
-    <ds:schemaRef ds:uri="http://schemas.openxmlformats.org/package/2006/metadata/core-properties"/>
-    <ds:schemaRef ds:uri="http://purl.org/dc/elements/1.1/"/>
-    <ds:schemaRef ds:uri="http://purl.org/dc/terms/"/>
-    <ds:schemaRef ds:uri="http://schemas.microsoft.com/internal/obd"/>
-  </ds:schemaRefs>
-</ds:datastoreItem>
 </file>
--- a/Microservice_plumbing_with_RabbitMQ.pptx
+++ b/Microservice_plumbing_with_RabbitMQ.pptx
@@ -5,10 +5,10 @@
     <p:sldMasterId id="2147483702" r:id="rId4"/>
   </p:sldMasterIdLst>
   <p:notesMasterIdLst>
-    <p:notesMasterId r:id="rId41"/>
+    <p:notesMasterId r:id="rId39"/>
   </p:notesMasterIdLst>
   <p:handoutMasterIdLst>
-    <p:handoutMasterId r:id="rId42"/>
+    <p:handoutMasterId r:id="rId40"/>
   </p:handoutMasterIdLst>
   <p:sldIdLst>
     <p:sldId id="257" r:id="rId5"/>
@@ -18,35 +18,33 @@
     <p:sldId id="290" r:id="rId9"/>
     <p:sldId id="265" r:id="rId10"/>
     <p:sldId id="298" r:id="rId11"/>
-    <p:sldId id="277" r:id="rId12"/>
-    <p:sldId id="275" r:id="rId13"/>
-    <p:sldId id="297" r:id="rId14"/>
-    <p:sldId id="279" r:id="rId15"/>
-    <p:sldId id="295" r:id="rId16"/>
-    <p:sldId id="291" r:id="rId17"/>
-    <p:sldId id="292" r:id="rId18"/>
-    <p:sldId id="299" r:id="rId19"/>
-    <p:sldId id="293" r:id="rId20"/>
-    <p:sldId id="294" r:id="rId21"/>
-    <p:sldId id="281" r:id="rId22"/>
-    <p:sldId id="282" r:id="rId23"/>
-    <p:sldId id="285" r:id="rId24"/>
-    <p:sldId id="274" r:id="rId25"/>
-    <p:sldId id="286" r:id="rId26"/>
-    <p:sldId id="287" r:id="rId27"/>
-    <p:sldId id="288" r:id="rId28"/>
-    <p:sldId id="278" r:id="rId29"/>
-    <p:sldId id="276" r:id="rId30"/>
-    <p:sldId id="284" r:id="rId31"/>
-    <p:sldId id="289" r:id="rId32"/>
-    <p:sldId id="268" r:id="rId33"/>
-    <p:sldId id="269" r:id="rId34"/>
-    <p:sldId id="270" r:id="rId35"/>
-    <p:sldId id="261" r:id="rId36"/>
-    <p:sldId id="262" r:id="rId37"/>
-    <p:sldId id="263" r:id="rId38"/>
-    <p:sldId id="271" r:id="rId39"/>
-    <p:sldId id="283" r:id="rId40"/>
+    <p:sldId id="275" r:id="rId12"/>
+    <p:sldId id="279" r:id="rId13"/>
+    <p:sldId id="295" r:id="rId14"/>
+    <p:sldId id="291" r:id="rId15"/>
+    <p:sldId id="292" r:id="rId16"/>
+    <p:sldId id="299" r:id="rId17"/>
+    <p:sldId id="293" r:id="rId18"/>
+    <p:sldId id="294" r:id="rId19"/>
+    <p:sldId id="281" r:id="rId20"/>
+    <p:sldId id="282" r:id="rId21"/>
+    <p:sldId id="285" r:id="rId22"/>
+    <p:sldId id="274" r:id="rId23"/>
+    <p:sldId id="286" r:id="rId24"/>
+    <p:sldId id="287" r:id="rId25"/>
+    <p:sldId id="288" r:id="rId26"/>
+    <p:sldId id="278" r:id="rId27"/>
+    <p:sldId id="276" r:id="rId28"/>
+    <p:sldId id="284" r:id="rId29"/>
+    <p:sldId id="289" r:id="rId30"/>
+    <p:sldId id="268" r:id="rId31"/>
+    <p:sldId id="269" r:id="rId32"/>
+    <p:sldId id="270" r:id="rId33"/>
+    <p:sldId id="261" r:id="rId34"/>
+    <p:sldId id="262" r:id="rId35"/>
+    <p:sldId id="263" r:id="rId36"/>
+    <p:sldId id="271" r:id="rId37"/>
+    <p:sldId id="283" r:id="rId38"/>
   </p:sldIdLst>
   <p:sldSz cx="12188825" cy="6858000"/>
   <p:notesSz cx="6858000" cy="9144000"/>
@@ -341,11 +339,11 @@
         </c:dLbls>
         <c:gapWidth val="164"/>
         <c:overlap val="-35"/>
-        <c:axId val="548531560"/>
-        <c:axId val="548530776"/>
+        <c:axId val="411202296"/>
+        <c:axId val="411208568"/>
       </c:barChart>
       <c:catAx>
-        <c:axId val="548531560"/>
+        <c:axId val="411202296"/>
         <c:scaling>
           <c:orientation val="minMax"/>
         </c:scaling>
@@ -441,7 +439,7 @@
             <a:endParaRPr lang="en-US"/>
           </a:p>
         </c:txPr>
-        <c:crossAx val="548530776"/>
+        <c:crossAx val="411208568"/>
         <c:crosses val="autoZero"/>
         <c:auto val="1"/>
         <c:lblAlgn val="ctr"/>
@@ -449,7 +447,7 @@
         <c:noMultiLvlLbl val="0"/>
       </c:catAx>
       <c:valAx>
-        <c:axId val="548530776"/>
+        <c:axId val="411208568"/>
         <c:scaling>
           <c:orientation val="minMax"/>
         </c:scaling>
@@ -552,7 +550,7 @@
             <a:endParaRPr lang="en-US"/>
           </a:p>
         </c:txPr>
-        <c:crossAx val="548531560"/>
+        <c:crossAx val="411202296"/>
         <c:crosses val="autoZero"/>
         <c:crossBetween val="between"/>
       </c:valAx>
@@ -2426,461 +2424,6 @@
       <dsp:cNvGrpSpPr/>
     </dsp:nvGrpSpPr>
     <dsp:grpSpPr/>
-    <dsp:sp modelId="{124EF20B-D98C-45B2-BB13-7B93B5373CEB}">
-      <dsp:nvSpPr>
-        <dsp:cNvPr id="0" name=""/>
-        <dsp:cNvSpPr/>
-      </dsp:nvSpPr>
-      <dsp:spPr>
-        <a:xfrm>
-          <a:off x="0" y="0"/>
-          <a:ext cx="4195207" cy="1206817"/>
-        </a:xfrm>
-        <a:prstGeom prst="roundRect">
-          <a:avLst>
-            <a:gd name="adj" fmla="val 10000"/>
-          </a:avLst>
-        </a:prstGeom>
-        <a:gradFill rotWithShape="0">
-          <a:gsLst>
-            <a:gs pos="0">
-              <a:srgbClr val="703000"/>
-            </a:gs>
-            <a:gs pos="50000">
-              <a:srgbClr val="A44A00"/>
-            </a:gs>
-            <a:gs pos="70000">
-              <a:srgbClr val="BC5500"/>
-            </a:gs>
-            <a:gs pos="100000">
-              <a:srgbClr val="F26D00"/>
-            </a:gs>
-          </a:gsLst>
-          <a:path path="circle">
-            <a:fillToRect l="100000" t="100000" r="100000" b="100000"/>
-          </a:path>
-        </a:gradFill>
-        <a:ln>
-          <a:noFill/>
-        </a:ln>
-        <a:effectLst>
-          <a:outerShdw blurRad="38100" dist="25400" dir="2700000" algn="br" rotWithShape="0">
-            <a:srgbClr val="000000">
-              <a:alpha val="60000"/>
-            </a:srgbClr>
-          </a:outerShdw>
-        </a:effectLst>
-      </dsp:spPr>
-      <dsp:style>
-        <a:lnRef idx="0">
-          <a:scrgbClr r="0" g="0" b="0"/>
-        </a:lnRef>
-        <a:fillRef idx="3">
-          <a:scrgbClr r="0" g="0" b="0"/>
-        </a:fillRef>
-        <a:effectRef idx="2">
-          <a:scrgbClr r="0" g="0" b="0"/>
-        </a:effectRef>
-        <a:fontRef idx="minor">
-          <a:schemeClr val="lt1"/>
-        </a:fontRef>
-      </dsp:style>
-      <dsp:txBody>
-        <a:bodyPr spcFirstLastPara="0" vert="horz" wrap="square" lIns="198120" tIns="198120" rIns="198120" bIns="198120" numCol="1" spcCol="1270" anchor="ctr" anchorCtr="0">
-          <a:noAutofit/>
-        </a:bodyPr>
-        <a:lstStyle/>
-        <a:p>
-          <a:pPr lvl="0" algn="l" defTabSz="2311400">
-            <a:lnSpc>
-              <a:spcPct val="90000"/>
-            </a:lnSpc>
-            <a:spcBef>
-              <a:spcPct val="0"/>
-            </a:spcBef>
-            <a:spcAft>
-              <a:spcPct val="35000"/>
-            </a:spcAft>
-          </a:pPr>
-          <a:r>
-            <a:rPr lang="en-US" sz="5200" kern="1200" dirty="0"/>
-            <a:t>Task 1</a:t>
-          </a:r>
-        </a:p>
-      </dsp:txBody>
-      <dsp:txXfrm>
-        <a:off x="35346" y="35346"/>
-        <a:ext cx="2892958" cy="1136125"/>
-      </dsp:txXfrm>
-    </dsp:sp>
-    <dsp:sp modelId="{CA544AF7-F7B2-4CA5-9251-B4CDB8D06634}">
-      <dsp:nvSpPr>
-        <dsp:cNvPr id="0" name=""/>
-        <dsp:cNvSpPr/>
-      </dsp:nvSpPr>
-      <dsp:spPr>
-        <a:xfrm>
-          <a:off x="370165" y="1407953"/>
-          <a:ext cx="4195207" cy="1206817"/>
-        </a:xfrm>
-        <a:prstGeom prst="roundRect">
-          <a:avLst>
-            <a:gd name="adj" fmla="val 10000"/>
-          </a:avLst>
-        </a:prstGeom>
-        <a:gradFill rotWithShape="0">
-          <a:gsLst>
-            <a:gs pos="0">
-              <a:schemeClr val="accent3">
-                <a:hueOff val="0"/>
-                <a:satOff val="0"/>
-                <a:lumOff val="0"/>
-                <a:alphaOff val="0"/>
-                <a:shade val="85000"/>
-                <a:satMod val="130000"/>
-              </a:schemeClr>
-            </a:gs>
-            <a:gs pos="34000">
-              <a:schemeClr val="accent3">
-                <a:hueOff val="0"/>
-                <a:satOff val="0"/>
-                <a:lumOff val="0"/>
-                <a:alphaOff val="0"/>
-                <a:shade val="87000"/>
-                <a:satMod val="125000"/>
-              </a:schemeClr>
-            </a:gs>
-            <a:gs pos="70000">
-              <a:schemeClr val="accent3">
-                <a:hueOff val="0"/>
-                <a:satOff val="0"/>
-                <a:lumOff val="0"/>
-                <a:alphaOff val="0"/>
-                <a:tint val="100000"/>
-                <a:shade val="90000"/>
-                <a:satMod val="130000"/>
-              </a:schemeClr>
-            </a:gs>
-            <a:gs pos="100000">
-              <a:schemeClr val="accent3">
-                <a:hueOff val="0"/>
-                <a:satOff val="0"/>
-                <a:lumOff val="0"/>
-                <a:alphaOff val="0"/>
-                <a:tint val="100000"/>
-                <a:shade val="100000"/>
-                <a:satMod val="110000"/>
-              </a:schemeClr>
-            </a:gs>
-          </a:gsLst>
-          <a:path path="circle">
-            <a:fillToRect l="100000" t="100000" r="100000" b="100000"/>
-          </a:path>
-        </a:gradFill>
-        <a:ln>
-          <a:noFill/>
-        </a:ln>
-        <a:effectLst>
-          <a:outerShdw blurRad="38100" dist="25400" dir="2700000" algn="br" rotWithShape="0">
-            <a:srgbClr val="000000">
-              <a:alpha val="60000"/>
-            </a:srgbClr>
-          </a:outerShdw>
-        </a:effectLst>
-      </dsp:spPr>
-      <dsp:style>
-        <a:lnRef idx="0">
-          <a:scrgbClr r="0" g="0" b="0"/>
-        </a:lnRef>
-        <a:fillRef idx="3">
-          <a:scrgbClr r="0" g="0" b="0"/>
-        </a:fillRef>
-        <a:effectRef idx="2">
-          <a:scrgbClr r="0" g="0" b="0"/>
-        </a:effectRef>
-        <a:fontRef idx="minor">
-          <a:schemeClr val="lt1"/>
-        </a:fontRef>
-      </dsp:style>
-      <dsp:txBody>
-        <a:bodyPr spcFirstLastPara="0" vert="horz" wrap="square" lIns="198120" tIns="198120" rIns="198120" bIns="198120" numCol="1" spcCol="1270" anchor="ctr" anchorCtr="0">
-          <a:noAutofit/>
-        </a:bodyPr>
-        <a:lstStyle/>
-        <a:p>
-          <a:pPr lvl="0" algn="l" defTabSz="2311400">
-            <a:lnSpc>
-              <a:spcPct val="90000"/>
-            </a:lnSpc>
-            <a:spcBef>
-              <a:spcPct val="0"/>
-            </a:spcBef>
-            <a:spcAft>
-              <a:spcPct val="35000"/>
-            </a:spcAft>
-          </a:pPr>
-          <a:r>
-            <a:rPr lang="en-US" sz="5200" kern="1200" dirty="0"/>
-            <a:t>Task 2</a:t>
-          </a:r>
-        </a:p>
-      </dsp:txBody>
-      <dsp:txXfrm>
-        <a:off x="405511" y="1443299"/>
-        <a:ext cx="2969918" cy="1136125"/>
-      </dsp:txXfrm>
-    </dsp:sp>
-    <dsp:sp modelId="{2AE92D3F-F0FA-45DD-BB60-4C6FBC6BC016}">
-      <dsp:nvSpPr>
-        <dsp:cNvPr id="0" name=""/>
-        <dsp:cNvSpPr/>
-      </dsp:nvSpPr>
-      <dsp:spPr>
-        <a:xfrm>
-          <a:off x="740330" y="2815907"/>
-          <a:ext cx="4195207" cy="1206817"/>
-        </a:xfrm>
-        <a:prstGeom prst="roundRect">
-          <a:avLst>
-            <a:gd name="adj" fmla="val 10000"/>
-          </a:avLst>
-        </a:prstGeom>
-        <a:gradFill rotWithShape="0">
-          <a:gsLst>
-            <a:gs pos="0">
-              <a:srgbClr val="394404"/>
-            </a:gs>
-            <a:gs pos="50000">
-              <a:srgbClr val="5F6F0F"/>
-            </a:gs>
-            <a:gs pos="70000">
-              <a:srgbClr val="65741A"/>
-            </a:gs>
-            <a:gs pos="100000">
-              <a:schemeClr val="accent4">
-                <a:hueOff val="0"/>
-                <a:satOff val="0"/>
-                <a:lumOff val="0"/>
-                <a:alphaOff val="0"/>
-                <a:tint val="100000"/>
-                <a:shade val="100000"/>
-                <a:satMod val="155000"/>
-              </a:schemeClr>
-            </a:gs>
-          </a:gsLst>
-          <a:path path="circle">
-            <a:fillToRect l="100000" t="100000" r="100000" b="100000"/>
-          </a:path>
-        </a:gradFill>
-        <a:ln>
-          <a:noFill/>
-        </a:ln>
-        <a:effectLst>
-          <a:outerShdw blurRad="38100" dist="25400" dir="2700000" algn="br" rotWithShape="0">
-            <a:srgbClr val="000000">
-              <a:alpha val="60000"/>
-            </a:srgbClr>
-          </a:outerShdw>
-        </a:effectLst>
-      </dsp:spPr>
-      <dsp:style>
-        <a:lnRef idx="0">
-          <a:scrgbClr r="0" g="0" b="0"/>
-        </a:lnRef>
-        <a:fillRef idx="3">
-          <a:scrgbClr r="0" g="0" b="0"/>
-        </a:fillRef>
-        <a:effectRef idx="2">
-          <a:scrgbClr r="0" g="0" b="0"/>
-        </a:effectRef>
-        <a:fontRef idx="minor">
-          <a:schemeClr val="lt1"/>
-        </a:fontRef>
-      </dsp:style>
-      <dsp:txBody>
-        <a:bodyPr spcFirstLastPara="0" vert="horz" wrap="square" lIns="198120" tIns="198120" rIns="198120" bIns="198120" numCol="1" spcCol="1270" anchor="ctr" anchorCtr="0">
-          <a:noAutofit/>
-        </a:bodyPr>
-        <a:lstStyle/>
-        <a:p>
-          <a:pPr lvl="0" algn="l" defTabSz="2311400">
-            <a:lnSpc>
-              <a:spcPct val="90000"/>
-            </a:lnSpc>
-            <a:spcBef>
-              <a:spcPct val="0"/>
-            </a:spcBef>
-            <a:spcAft>
-              <a:spcPct val="35000"/>
-            </a:spcAft>
-          </a:pPr>
-          <a:r>
-            <a:rPr lang="en-US" sz="5200" kern="1200" dirty="0"/>
-            <a:t>Task 3</a:t>
-          </a:r>
-        </a:p>
-      </dsp:txBody>
-      <dsp:txXfrm>
-        <a:off x="775676" y="2851253"/>
-        <a:ext cx="2969918" cy="1136125"/>
-      </dsp:txXfrm>
-    </dsp:sp>
-    <dsp:sp modelId="{9CA877D8-99F8-40A0-89E9-59A61C9A70F4}">
-      <dsp:nvSpPr>
-        <dsp:cNvPr id="0" name=""/>
-        <dsp:cNvSpPr/>
-      </dsp:nvSpPr>
-      <dsp:spPr>
-        <a:xfrm>
-          <a:off x="3410775" y="915169"/>
-          <a:ext cx="784431" cy="784431"/>
-        </a:xfrm>
-        <a:prstGeom prst="downArrow">
-          <a:avLst>
-            <a:gd name="adj1" fmla="val 55000"/>
-            <a:gd name="adj2" fmla="val 45000"/>
-          </a:avLst>
-        </a:prstGeom>
-        <a:solidFill>
-          <a:schemeClr val="accent2">
-            <a:tint val="40000"/>
-            <a:alpha val="90000"/>
-            <a:hueOff val="0"/>
-            <a:satOff val="0"/>
-            <a:lumOff val="0"/>
-            <a:alphaOff val="0"/>
-          </a:schemeClr>
-        </a:solidFill>
-        <a:ln w="12700" cap="flat" cmpd="sng" algn="ctr">
-          <a:solidFill>
-            <a:schemeClr val="accent2">
-              <a:tint val="40000"/>
-              <a:alpha val="90000"/>
-              <a:hueOff val="0"/>
-              <a:satOff val="0"/>
-              <a:lumOff val="0"/>
-              <a:alphaOff val="0"/>
-            </a:schemeClr>
-          </a:solidFill>
-          <a:prstDash val="solid"/>
-        </a:ln>
-        <a:effectLst/>
-      </dsp:spPr>
-      <dsp:style>
-        <a:lnRef idx="1">
-          <a:scrgbClr r="0" g="0" b="0"/>
-        </a:lnRef>
-        <a:fillRef idx="1">
-          <a:scrgbClr r="0" g="0" b="0"/>
-        </a:fillRef>
-        <a:effectRef idx="0">
-          <a:scrgbClr r="0" g="0" b="0"/>
-        </a:effectRef>
-        <a:fontRef idx="minor"/>
-      </dsp:style>
-      <dsp:txBody>
-        <a:bodyPr spcFirstLastPara="0" vert="horz" wrap="square" lIns="44450" tIns="44450" rIns="44450" bIns="44450" numCol="1" spcCol="1270" anchor="ctr" anchorCtr="0">
-          <a:noAutofit/>
-        </a:bodyPr>
-        <a:lstStyle/>
-        <a:p>
-          <a:pPr lvl="0" algn="ctr" defTabSz="1555750">
-            <a:lnSpc>
-              <a:spcPct val="90000"/>
-            </a:lnSpc>
-            <a:spcBef>
-              <a:spcPct val="0"/>
-            </a:spcBef>
-            <a:spcAft>
-              <a:spcPct val="35000"/>
-            </a:spcAft>
-          </a:pPr>
-          <a:endParaRPr lang="en-US" sz="3500" kern="1200"/>
-        </a:p>
-      </dsp:txBody>
-      <dsp:txXfrm>
-        <a:off x="3587272" y="915169"/>
-        <a:ext cx="431437" cy="590284"/>
-      </dsp:txXfrm>
-    </dsp:sp>
-    <dsp:sp modelId="{62643EF2-016C-41F1-8CBC-398422A85727}">
-      <dsp:nvSpPr>
-        <dsp:cNvPr id="0" name=""/>
-        <dsp:cNvSpPr/>
-      </dsp:nvSpPr>
-      <dsp:spPr>
-        <a:xfrm>
-          <a:off x="3780941" y="2315078"/>
-          <a:ext cx="784431" cy="784431"/>
-        </a:xfrm>
-        <a:prstGeom prst="downArrow">
-          <a:avLst>
-            <a:gd name="adj1" fmla="val 55000"/>
-            <a:gd name="adj2" fmla="val 45000"/>
-          </a:avLst>
-        </a:prstGeom>
-        <a:solidFill>
-          <a:schemeClr val="accent3">
-            <a:tint val="40000"/>
-            <a:alpha val="90000"/>
-            <a:hueOff val="0"/>
-            <a:satOff val="0"/>
-            <a:lumOff val="0"/>
-            <a:alphaOff val="0"/>
-          </a:schemeClr>
-        </a:solidFill>
-        <a:ln w="12700" cap="flat" cmpd="sng" algn="ctr">
-          <a:solidFill>
-            <a:schemeClr val="accent3">
-              <a:tint val="40000"/>
-              <a:alpha val="90000"/>
-              <a:hueOff val="0"/>
-              <a:satOff val="0"/>
-              <a:lumOff val="0"/>
-              <a:alphaOff val="0"/>
-            </a:schemeClr>
-          </a:solidFill>
-          <a:prstDash val="solid"/>
-        </a:ln>
-        <a:effectLst/>
-      </dsp:spPr>
-      <dsp:style>
-        <a:lnRef idx="1">
-          <a:scrgbClr r="0" g="0" b="0"/>
-        </a:lnRef>
-        <a:fillRef idx="1">
-          <a:scrgbClr r="0" g="0" b="0"/>
-        </a:fillRef>
-        <a:effectRef idx="0">
-          <a:scrgbClr r="0" g="0" b="0"/>
-        </a:effectRef>
-        <a:fontRef idx="minor"/>
-      </dsp:style>
-      <dsp:txBody>
-        <a:bodyPr spcFirstLastPara="0" vert="horz" wrap="square" lIns="44450" tIns="44450" rIns="44450" bIns="44450" numCol="1" spcCol="1270" anchor="ctr" anchorCtr="0">
-          <a:noAutofit/>
-        </a:bodyPr>
-        <a:lstStyle/>
-        <a:p>
-          <a:pPr lvl="0" algn="ctr" defTabSz="1555750">
-            <a:lnSpc>
-              <a:spcPct val="90000"/>
-            </a:lnSpc>
-            <a:spcBef>
-              <a:spcPct val="0"/>
-            </a:spcBef>
-            <a:spcAft>
-              <a:spcPct val="35000"/>
-            </a:spcAft>
-          </a:pPr>
-          <a:endParaRPr lang="en-US" sz="3500" kern="1200"/>
-        </a:p>
-      </dsp:txBody>
-      <dsp:txXfrm>
-        <a:off x="3957438" y="2315078"/>
-        <a:ext cx="431437" cy="590284"/>
-      </dsp:txXfrm>
-    </dsp:sp>
   </dsp:spTree>
 </dsp:drawing>
 </file>
@@ -5227,7 +4770,7 @@
           <a:p>
             <a:fld id="{FE5B4EDC-59C0-49C7-8ADA-5A781B329E02}" type="datetimeFigureOut">
               <a:rPr lang="en-US"/>
-              <a:t>4/5/2019</a:t>
+              <a:t>4/7/2019</a:t>
             </a:fld>
             <a:endParaRPr/>
           </a:p>
@@ -5392,7 +4935,7 @@
           <a:p>
             <a:fld id="{F2D8D46A-B586-417D-BFBD-8C8FE0AAF762}" type="datetimeFigureOut">
               <a:rPr lang="en-US"/>
-              <a:t>4/5/2019</a:t>
+              <a:t>4/7/2019</a:t>
             </a:fld>
             <a:endParaRPr/>
           </a:p>
@@ -6134,90 +5677,6 @@
 </p:notes>
 </file>
 
-<file path=ppt/notesSlides/notesSlide10.xml><?xml version="1.0" encoding="utf-8"?>
-<p:notes xmlns:a="http://schemas.openxmlformats.org/drawingml/2006/main" xmlns:r="http://schemas.openxmlformats.org/officeDocument/2006/relationships" xmlns:p="http://schemas.openxmlformats.org/presentationml/2006/main">
-  <p:cSld>
-    <p:spTree>
-      <p:nvGrpSpPr>
-        <p:cNvPr id="1" name=""/>
-        <p:cNvGrpSpPr/>
-        <p:nvPr/>
-      </p:nvGrpSpPr>
-      <p:grpSpPr>
-        <a:xfrm>
-          <a:off x="0" y="0"/>
-          <a:ext cx="0" cy="0"/>
-          <a:chOff x="0" y="0"/>
-          <a:chExt cx="0" cy="0"/>
-        </a:xfrm>
-      </p:grpSpPr>
-      <p:sp>
-        <p:nvSpPr>
-          <p:cNvPr id="2" name="Slide Image Placeholder 1"/>
-          <p:cNvSpPr>
-            <a:spLocks noGrp="1" noRot="1" noChangeAspect="1"/>
-          </p:cNvSpPr>
-          <p:nvPr>
-            <p:ph type="sldImg"/>
-          </p:nvPr>
-        </p:nvSpPr>
-        <p:spPr/>
-      </p:sp>
-      <p:sp>
-        <p:nvSpPr>
-          <p:cNvPr id="3" name="Notes Placeholder 2"/>
-          <p:cNvSpPr>
-            <a:spLocks noGrp="1"/>
-          </p:cNvSpPr>
-          <p:nvPr>
-            <p:ph type="body" idx="1"/>
-          </p:nvPr>
-        </p:nvSpPr>
-        <p:spPr/>
-        <p:txBody>
-          <a:bodyPr/>
-          <a:lstStyle/>
-          <a:p>
-            <a:endParaRPr lang="en-US" dirty="0"/>
-          </a:p>
-        </p:txBody>
-      </p:sp>
-      <p:sp>
-        <p:nvSpPr>
-          <p:cNvPr id="4" name="Slide Number Placeholder 3"/>
-          <p:cNvSpPr>
-            <a:spLocks noGrp="1"/>
-          </p:cNvSpPr>
-          <p:nvPr>
-            <p:ph type="sldNum" sz="quarter" idx="10"/>
-          </p:nvPr>
-        </p:nvSpPr>
-        <p:spPr/>
-        <p:txBody>
-          <a:bodyPr/>
-          <a:lstStyle/>
-          <a:p>
-            <a:fld id="{3EBA5BD7-F043-4D1B-AA17-CD412FC534DE}" type="slidenum">
-              <a:rPr lang="en-US" smtClean="0"/>
-              <a:t>31</a:t>
-            </a:fld>
-            <a:endParaRPr lang="en-US"/>
-          </a:p>
-        </p:txBody>
-      </p:sp>
-    </p:spTree>
-    <p:extLst>
-      <p:ext uri="{BB962C8B-B14F-4D97-AF65-F5344CB8AC3E}">
-        <p14:creationId xmlns:p14="http://schemas.microsoft.com/office/powerpoint/2010/main" val="4117229062"/>
-      </p:ext>
-    </p:extLst>
-  </p:cSld>
-  <p:clrMapOvr>
-    <a:masterClrMapping/>
-  </p:clrMapOvr>
-</p:notes>
-</file>
-
 <file path=ppt/notesSlides/notesSlide2.xml><?xml version="1.0" encoding="utf-8"?>
 <p:notes xmlns:a="http://schemas.openxmlformats.org/drawingml/2006/main" xmlns:r="http://schemas.openxmlformats.org/officeDocument/2006/relationships" xmlns:p="http://schemas.openxmlformats.org/presentationml/2006/main">
   <p:cSld>
@@ -6737,7 +6196,13 @@
               <a:rPr lang="en-US" dirty="0" smtClean="0">
                 <a:hlinkClick r:id="rId3"/>
               </a:rPr>
-              <a:t>https://www.cloudamqp.com/</a:t>
+              <a:t>https://</a:t>
+            </a:r>
+            <a:r>
+              <a:rPr lang="en-US" dirty="0" smtClean="0">
+                <a:hlinkClick r:id="rId3"/>
+              </a:rPr>
+              <a:t>www.cloudamqp.com/</a:t>
             </a:r>
             <a:endParaRPr lang="en-US" dirty="0" smtClean="0"/>
           </a:p>
@@ -7531,6 +6996,18 @@
           <a:bodyPr/>
           <a:lstStyle/>
           <a:p>
+            <a:r>
+              <a:rPr lang="en-US" sz="1600" b="0" i="0" kern="1200" dirty="0" smtClean="0">
+                <a:solidFill>
+                  <a:schemeClr val="tx1"/>
+                </a:solidFill>
+                <a:effectLst/>
+                <a:latin typeface="+mn-lt"/>
+                <a:ea typeface="+mn-ea"/>
+                <a:cs typeface="+mn-cs"/>
+              </a:rPr>
+              <a:t> if the message's routing key doesn't match the binding key, none of the queues will receive the message.</a:t>
+            </a:r>
             <a:endParaRPr lang="en-US" dirty="0"/>
           </a:p>
         </p:txBody>
@@ -7552,7 +7029,7 @@
           <a:p>
             <a:fld id="{3EBA5BD7-F043-4D1B-AA17-CD412FC534DE}" type="slidenum">
               <a:rPr lang="en-US" smtClean="0"/>
-              <a:t>8</a:t>
+              <a:t>10</a:t>
             </a:fld>
             <a:endParaRPr lang="en-US"/>
           </a:p>
@@ -7561,7 +7038,7 @@
     </p:spTree>
     <p:extLst>
       <p:ext uri="{BB962C8B-B14F-4D97-AF65-F5344CB8AC3E}">
-        <p14:creationId xmlns:p14="http://schemas.microsoft.com/office/powerpoint/2010/main" val="3193070855"/>
+        <p14:creationId xmlns:p14="http://schemas.microsoft.com/office/powerpoint/2010/main" val="2508727422"/>
       </p:ext>
     </p:extLst>
   </p:cSld>
@@ -7625,7 +7102,31 @@
                 <a:ea typeface="+mn-ea"/>
                 <a:cs typeface="+mn-cs"/>
               </a:rPr>
-              <a:t> if the message's routing key doesn't match the binding key, none of the queues will receive the message.</a:t>
+              <a:t>With a </a:t>
+            </a:r>
+            <a:r>
+              <a:rPr lang="en-US" sz="1600" b="0" i="0" kern="1200" dirty="0" err="1" smtClean="0">
+                <a:solidFill>
+                  <a:schemeClr val="tx1"/>
+                </a:solidFill>
+                <a:effectLst/>
+                <a:latin typeface="+mn-lt"/>
+                <a:ea typeface="+mn-ea"/>
+                <a:cs typeface="+mn-cs"/>
+              </a:rPr>
+              <a:t>fanout</a:t>
+            </a:r>
+            <a:r>
+              <a:rPr lang="en-US" sz="1600" b="0" i="0" kern="1200" dirty="0" smtClean="0">
+                <a:solidFill>
+                  <a:schemeClr val="tx1"/>
+                </a:solidFill>
+                <a:effectLst/>
+                <a:latin typeface="+mn-lt"/>
+                <a:ea typeface="+mn-ea"/>
+                <a:cs typeface="+mn-cs"/>
+              </a:rPr>
+              <a:t> exchange, there is no filtering and all messages go to all bound queues.</a:t>
             </a:r>
             <a:endParaRPr lang="en-US" dirty="0"/>
           </a:p>
@@ -7648,7 +7149,7 @@
           <a:p>
             <a:fld id="{3EBA5BD7-F043-4D1B-AA17-CD412FC534DE}" type="slidenum">
               <a:rPr lang="en-US" smtClean="0"/>
-              <a:t>12</a:t>
+              <a:t>11</a:t>
             </a:fld>
             <a:endParaRPr lang="en-US"/>
           </a:p>
@@ -7657,7 +7158,7 @@
     </p:spTree>
     <p:extLst>
       <p:ext uri="{BB962C8B-B14F-4D97-AF65-F5344CB8AC3E}">
-        <p14:creationId xmlns:p14="http://schemas.microsoft.com/office/powerpoint/2010/main" val="2508727422"/>
+        <p14:creationId xmlns:p14="http://schemas.microsoft.com/office/powerpoint/2010/main" val="319848710"/>
       </p:ext>
     </p:extLst>
   </p:cSld>
@@ -7711,42 +7212,6 @@
           <a:bodyPr/>
           <a:lstStyle/>
           <a:p>
-            <a:r>
-              <a:rPr lang="en-US" sz="1600" b="0" i="0" kern="1200" dirty="0" smtClean="0">
-                <a:solidFill>
-                  <a:schemeClr val="tx1"/>
-                </a:solidFill>
-                <a:effectLst/>
-                <a:latin typeface="+mn-lt"/>
-                <a:ea typeface="+mn-ea"/>
-                <a:cs typeface="+mn-cs"/>
-              </a:rPr>
-              <a:t>With a </a:t>
-            </a:r>
-            <a:r>
-              <a:rPr lang="en-US" sz="1600" b="0" i="0" kern="1200" dirty="0" err="1" smtClean="0">
-                <a:solidFill>
-                  <a:schemeClr val="tx1"/>
-                </a:solidFill>
-                <a:effectLst/>
-                <a:latin typeface="+mn-lt"/>
-                <a:ea typeface="+mn-ea"/>
-                <a:cs typeface="+mn-cs"/>
-              </a:rPr>
-              <a:t>fanout</a:t>
-            </a:r>
-            <a:r>
-              <a:rPr lang="en-US" sz="1600" b="0" i="0" kern="1200" dirty="0" smtClean="0">
-                <a:solidFill>
-                  <a:schemeClr val="tx1"/>
-                </a:solidFill>
-                <a:effectLst/>
-                <a:latin typeface="+mn-lt"/>
-                <a:ea typeface="+mn-ea"/>
-                <a:cs typeface="+mn-cs"/>
-              </a:rPr>
-              <a:t> exchange, there is no filtering and all messages go to all bound queues.</a:t>
-            </a:r>
             <a:endParaRPr lang="en-US" dirty="0"/>
           </a:p>
         </p:txBody>
@@ -7768,7 +7233,7 @@
           <a:p>
             <a:fld id="{3EBA5BD7-F043-4D1B-AA17-CD412FC534DE}" type="slidenum">
               <a:rPr lang="en-US" smtClean="0"/>
-              <a:t>13</a:t>
+              <a:t>29</a:t>
             </a:fld>
             <a:endParaRPr lang="en-US"/>
           </a:p>
@@ -7777,7 +7242,7 @@
     </p:spTree>
     <p:extLst>
       <p:ext uri="{BB962C8B-B14F-4D97-AF65-F5344CB8AC3E}">
-        <p14:creationId xmlns:p14="http://schemas.microsoft.com/office/powerpoint/2010/main" val="319848710"/>
+        <p14:creationId xmlns:p14="http://schemas.microsoft.com/office/powerpoint/2010/main" val="4117229062"/>
       </p:ext>
     </p:extLst>
   </p:cSld>
@@ -8013,7 +7478,7 @@
           <a:p>
             <a:fld id="{425A5273-4A92-4E2B-A616-9C53CA80431D}" type="datetime1">
               <a:rPr lang="en-US" smtClean="0"/>
-              <a:t>4/5/2019</a:t>
+              <a:t>4/7/2019</a:t>
             </a:fld>
             <a:endParaRPr lang="en-US"/>
           </a:p>
@@ -8237,7 +7702,7 @@
           <a:p>
             <a:fld id="{B0104835-0441-4E5E-9C58-BB74718A1C90}" type="datetime1">
               <a:rPr lang="en-US" smtClean="0"/>
-              <a:t>4/5/2019</a:t>
+              <a:t>4/7/2019</a:t>
             </a:fld>
             <a:endParaRPr lang="en-US"/>
           </a:p>
@@ -8509,7 +7974,7 @@
           <a:p>
             <a:fld id="{38162AD8-BBAE-4395-88CD-AD98819C927A}" type="datetime1">
               <a:rPr lang="en-US" smtClean="0"/>
-              <a:t>4/5/2019</a:t>
+              <a:t>4/7/2019</a:t>
             </a:fld>
             <a:endParaRPr lang="en-US"/>
           </a:p>
@@ -8699,7 +8164,7 @@
           <a:p>
             <a:fld id="{7EBD01FE-FCB7-49C9-B76B-55C61E2568EB}" type="datetime1">
               <a:rPr lang="en-US" smtClean="0"/>
-              <a:t>4/5/2019</a:t>
+              <a:t>4/7/2019</a:t>
             </a:fld>
             <a:endParaRPr lang="en-US"/>
           </a:p>
@@ -9058,7 +8523,7 @@
           <a:p>
             <a:fld id="{0EEE6AE0-BDDC-46E2-9CF1-E764D02D076B}" type="datetime1">
               <a:rPr lang="en-US" smtClean="0"/>
-              <a:t>4/5/2019</a:t>
+              <a:t>4/7/2019</a:t>
             </a:fld>
             <a:endParaRPr lang="en-US"/>
           </a:p>
@@ -9349,7 +8814,7 @@
           <a:p>
             <a:fld id="{5574084E-0E11-4C80-84A0-CE7193FA4654}" type="datetime1">
               <a:rPr lang="en-US" smtClean="0"/>
-              <a:t>4/5/2019</a:t>
+              <a:t>4/7/2019</a:t>
             </a:fld>
             <a:endParaRPr lang="en-US"/>
           </a:p>
@@ -9744,7 +9209,7 @@
           <a:p>
             <a:fld id="{F9641FBB-4AD5-4348-AAFA-9C7D16E116A1}" type="datetime1">
               <a:rPr lang="en-US" smtClean="0"/>
-              <a:t>4/5/2019</a:t>
+              <a:t>4/7/2019</a:t>
             </a:fld>
             <a:endParaRPr lang="en-US"/>
           </a:p>
@@ -9878,7 +9343,7 @@
           <a:p>
             <a:fld id="{CB8E17E8-F59F-4736-A5AF-C5DA5082F4C4}" type="datetime1">
               <a:rPr lang="en-US" smtClean="0"/>
-              <a:t>4/5/2019</a:t>
+              <a:t>4/7/2019</a:t>
             </a:fld>
             <a:endParaRPr lang="en-US"/>
           </a:p>
@@ -10065,7 +9530,7 @@
           <a:p>
             <a:fld id="{0C0D84EB-296C-4D32-AF08-529ACD4137FA}" type="datetime1">
               <a:rPr lang="en-US" smtClean="0"/>
-              <a:t>4/5/2019</a:t>
+              <a:t>4/7/2019</a:t>
             </a:fld>
             <a:endParaRPr lang="en-US"/>
           </a:p>
@@ -10435,7 +9900,7 @@
           <a:p>
             <a:fld id="{811775C6-CCB8-4FF4-BDF0-E6FD5927766D}" type="datetime1">
               <a:rPr lang="en-US" smtClean="0"/>
-              <a:t>4/5/2019</a:t>
+              <a:t>4/7/2019</a:t>
             </a:fld>
             <a:endParaRPr lang="en-US"/>
           </a:p>
@@ -10833,7 +10298,7 @@
           <a:p>
             <a:fld id="{71A976D0-1055-4775-B26A-B26F49EB2AC6}" type="datetime1">
               <a:rPr lang="en-US" smtClean="0"/>
-              <a:t>4/5/2019</a:t>
+              <a:t>4/7/2019</a:t>
             </a:fld>
             <a:endParaRPr lang="en-US"/>
           </a:p>
@@ -11136,7 +10601,7 @@
           <a:p>
             <a:fld id="{570E9A61-A31B-44AF-81D7-DB6DE242223A}" type="datetime1">
               <a:rPr lang="en-US" smtClean="0"/>
-              <a:t>4/5/2019</a:t>
+              <a:t>4/7/2019</a:t>
             </a:fld>
             <a:endParaRPr lang="en-US"/>
           </a:p>
@@ -11768,7 +11233,7 @@
         </p:nvSpPr>
         <p:spPr>
           <a:xfrm>
-            <a:off x="7389812" y="5221296"/>
+            <a:off x="6780212" y="5029200"/>
             <a:ext cx="4495801" cy="1015663"/>
           </a:xfrm>
           <a:prstGeom prst="rect">
@@ -11784,11 +11249,16 @@
           <a:p>
             <a:pPr algn="r"/>
             <a:r>
-              <a:rPr lang="en-US" sz="2000" dirty="0" err="1" smtClean="0">
-                <a:latin typeface="+mj-lt"/>
+              <a:rPr lang="en-US" sz="2000" dirty="0">
                 <a:cs typeface="Arial" panose="020B0604020202020204" pitchFamily="34" charset="0"/>
               </a:rPr>
-              <a:t>ProtoLabs</a:t>
+              <a:t>@</a:t>
+            </a:r>
+            <a:r>
+              <a:rPr lang="en-US" sz="2000" dirty="0" err="1" smtClean="0">
+                <a:cs typeface="Arial" panose="020B0604020202020204" pitchFamily="34" charset="0"/>
+              </a:rPr>
+              <a:t>jsonrow</a:t>
             </a:r>
             <a:r>
               <a:rPr lang="en-US" sz="2000" dirty="0" smtClean="0">
@@ -11814,11 +11284,12 @@
           <a:p>
             <a:pPr algn="r"/>
             <a:r>
-              <a:rPr lang="en-US" sz="2000" dirty="0" smtClean="0">
-                <a:latin typeface="+mj-lt"/>
-                <a:cs typeface="Arial" panose="020B0604020202020204" pitchFamily="34" charset="0"/>
-              </a:rPr>
-              <a:t>@jsonrow</a:t>
+              <a:rPr lang="en-US" sz="2000" dirty="0" smtClean="0"/>
+              <a:t>https</a:t>
+            </a:r>
+            <a:r>
+              <a:rPr lang="en-US" sz="2000" dirty="0"/>
+              <a:t>://github.com/JasonRowe/TCCC23</a:t>
             </a:r>
             <a:endParaRPr lang="en-US" sz="2000" dirty="0">
               <a:latin typeface="+mj-lt"/>
@@ -11881,7 +11352,7 @@
           <p:cNvPr id="2" name="Title 1">
             <a:extLst>
               <a:ext uri="{FF2B5EF4-FFF2-40B4-BE49-F238E27FC236}">
-                <a16:creationId xmlns:a16="http://schemas.microsoft.com/office/drawing/2014/main" xmlns="" id="{FD113C06-51DD-A84F-81FD-6ECE71FB1630}"/>
+                <a16:creationId xmlns="" xmlns:a16="http://schemas.microsoft.com/office/drawing/2014/main" id="{982BC3A4-28FC-CE40-9B85-1AC384A122B3}"/>
               </a:ext>
             </a:extLst>
           </p:cNvPr>
@@ -11898,309 +11369,6 @@
           <a:lstStyle/>
           <a:p>
             <a:r>
-              <a:rPr lang="en-US"/>
-              <a:t>Service Boundaries </a:t>
-            </a:r>
-          </a:p>
-        </p:txBody>
-      </p:sp>
-      <p:sp>
-        <p:nvSpPr>
-          <p:cNvPr id="3" name="Content Placeholder 2">
-            <a:extLst>
-              <a:ext uri="{FF2B5EF4-FFF2-40B4-BE49-F238E27FC236}">
-                <a16:creationId xmlns:a16="http://schemas.microsoft.com/office/drawing/2014/main" xmlns="" id="{0CD8D037-BF81-134A-A8F3-104988F97E51}"/>
-              </a:ext>
-            </a:extLst>
-          </p:cNvPr>
-          <p:cNvSpPr>
-            <a:spLocks noGrp="1"/>
-          </p:cNvSpPr>
-          <p:nvPr>
-            <p:ph idx="1"/>
-          </p:nvPr>
-        </p:nvSpPr>
-        <p:spPr/>
-        <p:txBody>
-          <a:bodyPr/>
-          <a:lstStyle/>
-          <a:p>
-            <a:r>
-              <a:rPr lang="en-US"/>
-              <a:t>Examples of how we determine service  boundaries  new architecture diagrams</a:t>
-            </a:r>
-          </a:p>
-          <a:p>
-            <a:endParaRPr lang="en-US"/>
-          </a:p>
-          <a:p>
-            <a:r>
-              <a:rPr lang="en-US"/>
-              <a:t>Map to business domains </a:t>
-            </a:r>
-          </a:p>
-        </p:txBody>
-      </p:sp>
-      <p:sp>
-        <p:nvSpPr>
-          <p:cNvPr id="4" name="Footer Placeholder 3"/>
-          <p:cNvSpPr>
-            <a:spLocks noGrp="1"/>
-          </p:cNvSpPr>
-          <p:nvPr>
-            <p:ph type="ftr" sz="quarter" idx="11"/>
-          </p:nvPr>
-        </p:nvSpPr>
-        <p:spPr/>
-        <p:txBody>
-          <a:bodyPr/>
-          <a:lstStyle/>
-          <a:p>
-            <a:r>
-              <a:rPr lang="en-US" dirty="0" smtClean="0"/>
-              <a:t>@jsonrow</a:t>
-            </a:r>
-            <a:endParaRPr lang="en-US" dirty="0"/>
-          </a:p>
-        </p:txBody>
-      </p:sp>
-    </p:spTree>
-    <p:extLst>
-      <p:ext uri="{BB962C8B-B14F-4D97-AF65-F5344CB8AC3E}">
-        <p14:creationId xmlns:p14="http://schemas.microsoft.com/office/powerpoint/2010/main" val="871599638"/>
-      </p:ext>
-    </p:extLst>
-  </p:cSld>
-  <p:clrMapOvr>
-    <a:masterClrMapping/>
-  </p:clrMapOvr>
-  <mc:AlternateContent xmlns:mc="http://schemas.openxmlformats.org/markup-compatibility/2006" xmlns:p14="http://schemas.microsoft.com/office/powerpoint/2010/main">
-    <mc:Choice Requires="p14">
-      <p:transition spd="med" p14:dur="700">
-        <p:fade/>
-      </p:transition>
-    </mc:Choice>
-    <mc:Fallback xmlns="">
-      <p:transition spd="med">
-        <p:fade/>
-      </p:transition>
-    </mc:Fallback>
-  </mc:AlternateContent>
-</p:sld>
-</file>
-
-<file path=ppt/slides/slide11.xml><?xml version="1.0" encoding="utf-8"?>
-<p:sld xmlns:a="http://schemas.openxmlformats.org/drawingml/2006/main" xmlns:r="http://schemas.openxmlformats.org/officeDocument/2006/relationships" xmlns:p="http://schemas.openxmlformats.org/presentationml/2006/main">
-  <p:cSld>
-    <p:spTree>
-      <p:nvGrpSpPr>
-        <p:cNvPr id="1" name=""/>
-        <p:cNvGrpSpPr/>
-        <p:nvPr/>
-      </p:nvGrpSpPr>
-      <p:grpSpPr>
-        <a:xfrm>
-          <a:off x="0" y="0"/>
-          <a:ext cx="0" cy="0"/>
-          <a:chOff x="0" y="0"/>
-          <a:chExt cx="0" cy="0"/>
-        </a:xfrm>
-      </p:grpSpPr>
-      <p:sp>
-        <p:nvSpPr>
-          <p:cNvPr id="2" name="Title 1"/>
-          <p:cNvSpPr>
-            <a:spLocks noGrp="1"/>
-          </p:cNvSpPr>
-          <p:nvPr>
-            <p:ph type="title"/>
-          </p:nvPr>
-        </p:nvSpPr>
-        <p:spPr/>
-        <p:txBody>
-          <a:bodyPr/>
-          <a:lstStyle/>
-          <a:p>
-            <a:r>
-              <a:rPr lang="en-US" dirty="0" err="1"/>
-              <a:t>ProtoLabs</a:t>
-            </a:r>
-            <a:r>
-              <a:rPr lang="en-US" dirty="0"/>
-              <a:t> </a:t>
-            </a:r>
-            <a:r>
-              <a:rPr lang="en-US" dirty="0" err="1"/>
-              <a:t>RabbitMQ</a:t>
-            </a:r>
-            <a:r>
-              <a:rPr lang="en-US" dirty="0"/>
-              <a:t> Evolution</a:t>
-            </a:r>
-          </a:p>
-        </p:txBody>
-      </p:sp>
-      <p:sp>
-        <p:nvSpPr>
-          <p:cNvPr id="3" name="Content Placeholder 2"/>
-          <p:cNvSpPr>
-            <a:spLocks noGrp="1"/>
-          </p:cNvSpPr>
-          <p:nvPr>
-            <p:ph idx="1"/>
-          </p:nvPr>
-        </p:nvSpPr>
-        <p:spPr/>
-        <p:txBody>
-          <a:bodyPr>
-            <a:normAutofit fontScale="92500" lnSpcReduction="20000"/>
-          </a:bodyPr>
-          <a:lstStyle/>
-          <a:p>
-            <a:r>
-              <a:rPr lang="en-US" dirty="0"/>
-              <a:t>Started with one team using it for a few high performance messaging where reliability wasn’t much concern (Single node between browser and backend server)</a:t>
-            </a:r>
-          </a:p>
-          <a:p>
-            <a:pPr marL="0" indent="0">
-              <a:buNone/>
-            </a:pPr>
-            <a:endParaRPr lang="en-US" dirty="0"/>
-          </a:p>
-          <a:p>
-            <a:r>
-              <a:rPr lang="en-US" dirty="0"/>
-              <a:t>Another team spun up one instance and started using it for non critical pub sub.</a:t>
-            </a:r>
-          </a:p>
-          <a:p>
-            <a:r>
-              <a:rPr lang="en-US" dirty="0"/>
-              <a:t>(pub sub between monolith and another team)</a:t>
-            </a:r>
-          </a:p>
-          <a:p>
-            <a:endParaRPr lang="en-US" dirty="0"/>
-          </a:p>
-          <a:p>
-            <a:r>
-              <a:rPr lang="en-US" dirty="0"/>
-              <a:t>Then new ordering system was developed to use it for submitting orders.</a:t>
-            </a:r>
-          </a:p>
-          <a:p>
-            <a:r>
-              <a:rPr lang="en-US" dirty="0"/>
-              <a:t>(As the ordering and commerce team broke up they decided to use </a:t>
-            </a:r>
-            <a:r>
-              <a:rPr lang="en-US" dirty="0" err="1"/>
-              <a:t>RabbitMQ</a:t>
-            </a:r>
-            <a:r>
-              <a:rPr lang="en-US" dirty="0"/>
-              <a:t>  HA and clustering was added)</a:t>
-            </a:r>
-          </a:p>
-          <a:p>
-            <a:endParaRPr lang="en-US" dirty="0"/>
-          </a:p>
-          <a:p>
-            <a:r>
-              <a:rPr lang="en-US" dirty="0"/>
-              <a:t>Then another team setup an exchange to coordinate messages from global service to regional services. Then those regional services started using it to publish messages back to global services. Complex topologies evolved with multiple clusters using federation to talk to other clusters.</a:t>
-            </a:r>
-          </a:p>
-        </p:txBody>
-      </p:sp>
-      <p:sp>
-        <p:nvSpPr>
-          <p:cNvPr id="4" name="Footer Placeholder 3"/>
-          <p:cNvSpPr>
-            <a:spLocks noGrp="1"/>
-          </p:cNvSpPr>
-          <p:nvPr>
-            <p:ph type="ftr" sz="quarter" idx="11"/>
-          </p:nvPr>
-        </p:nvSpPr>
-        <p:spPr/>
-        <p:txBody>
-          <a:bodyPr/>
-          <a:lstStyle/>
-          <a:p>
-            <a:r>
-              <a:rPr lang="en-US" dirty="0" smtClean="0"/>
-              <a:t>@jsonrow</a:t>
-            </a:r>
-            <a:endParaRPr lang="en-US" dirty="0"/>
-          </a:p>
-        </p:txBody>
-      </p:sp>
-    </p:spTree>
-    <p:extLst>
-      <p:ext uri="{BB962C8B-B14F-4D97-AF65-F5344CB8AC3E}">
-        <p14:creationId xmlns:p14="http://schemas.microsoft.com/office/powerpoint/2010/main" val="2961694818"/>
-      </p:ext>
-    </p:extLst>
-  </p:cSld>
-  <p:clrMapOvr>
-    <a:masterClrMapping/>
-  </p:clrMapOvr>
-  <mc:AlternateContent xmlns:mc="http://schemas.openxmlformats.org/markup-compatibility/2006" xmlns:p14="http://schemas.microsoft.com/office/powerpoint/2010/main">
-    <mc:Choice Requires="p14">
-      <p:transition spd="med" p14:dur="700">
-        <p:fade/>
-      </p:transition>
-    </mc:Choice>
-    <mc:Fallback xmlns="">
-      <p:transition spd="med">
-        <p:fade/>
-      </p:transition>
-    </mc:Fallback>
-  </mc:AlternateContent>
-</p:sld>
-</file>
-
-<file path=ppt/slides/slide12.xml><?xml version="1.0" encoding="utf-8"?>
-<p:sld xmlns:a="http://schemas.openxmlformats.org/drawingml/2006/main" xmlns:r="http://schemas.openxmlformats.org/officeDocument/2006/relationships" xmlns:p="http://schemas.openxmlformats.org/presentationml/2006/main">
-  <p:cSld>
-    <p:spTree>
-      <p:nvGrpSpPr>
-        <p:cNvPr id="1" name=""/>
-        <p:cNvGrpSpPr/>
-        <p:nvPr/>
-      </p:nvGrpSpPr>
-      <p:grpSpPr>
-        <a:xfrm>
-          <a:off x="0" y="0"/>
-          <a:ext cx="0" cy="0"/>
-          <a:chOff x="0" y="0"/>
-          <a:chExt cx="0" cy="0"/>
-        </a:xfrm>
-      </p:grpSpPr>
-      <p:sp>
-        <p:nvSpPr>
-          <p:cNvPr id="2" name="Title 1">
-            <a:extLst>
-              <a:ext uri="{FF2B5EF4-FFF2-40B4-BE49-F238E27FC236}">
-                <a16:creationId xmlns:a16="http://schemas.microsoft.com/office/drawing/2014/main" xmlns="" id="{982BC3A4-28FC-CE40-9B85-1AC384A122B3}"/>
-              </a:ext>
-            </a:extLst>
-          </p:cNvPr>
-          <p:cNvSpPr>
-            <a:spLocks noGrp="1"/>
-          </p:cNvSpPr>
-          <p:nvPr>
-            <p:ph type="title"/>
-          </p:nvPr>
-        </p:nvSpPr>
-        <p:spPr/>
-        <p:txBody>
-          <a:bodyPr/>
-          <a:lstStyle/>
-          <a:p>
-            <a:r>
               <a:rPr lang="en-US" dirty="0"/>
               <a:t>Direct Exchange</a:t>
             </a:r>
@@ -12212,7 +11380,7 @@
           <p:cNvPr id="4" name="Oval 3">
             <a:extLst>
               <a:ext uri="{FF2B5EF4-FFF2-40B4-BE49-F238E27FC236}">
-                <a16:creationId xmlns:a16="http://schemas.microsoft.com/office/drawing/2014/main" xmlns="" id="{98E12714-002A-8F45-B772-89E1E4B6AFAD}"/>
+                <a16:creationId xmlns="" xmlns:a16="http://schemas.microsoft.com/office/drawing/2014/main" id="{98E12714-002A-8F45-B772-89E1E4B6AFAD}"/>
               </a:ext>
             </a:extLst>
           </p:cNvPr>
@@ -12262,7 +11430,7 @@
           <p:cNvPr id="5" name="Rectangle: Rounded Corners 4">
             <a:extLst>
               <a:ext uri="{FF2B5EF4-FFF2-40B4-BE49-F238E27FC236}">
-                <a16:creationId xmlns:a16="http://schemas.microsoft.com/office/drawing/2014/main" xmlns="" id="{C984AE45-7F4B-3E4E-A4AB-324EA04B080A}"/>
+                <a16:creationId xmlns="" xmlns:a16="http://schemas.microsoft.com/office/drawing/2014/main" id="{C984AE45-7F4B-3E4E-A4AB-324EA04B080A}"/>
               </a:ext>
             </a:extLst>
           </p:cNvPr>
@@ -12314,7 +11482,7 @@
           <p:cNvPr id="6" name="TextBox 5">
             <a:extLst>
               <a:ext uri="{FF2B5EF4-FFF2-40B4-BE49-F238E27FC236}">
-                <a16:creationId xmlns:a16="http://schemas.microsoft.com/office/drawing/2014/main" xmlns="" id="{D0E690B5-65C2-1A4D-84B7-B0BBEA911F8E}"/>
+                <a16:creationId xmlns="" xmlns:a16="http://schemas.microsoft.com/office/drawing/2014/main" id="{D0E690B5-65C2-1A4D-84B7-B0BBEA911F8E}"/>
               </a:ext>
             </a:extLst>
           </p:cNvPr>
@@ -12368,7 +11536,7 @@
           <p:cNvPr id="7" name="Straight Arrow Connector 6">
             <a:extLst>
               <a:ext uri="{FF2B5EF4-FFF2-40B4-BE49-F238E27FC236}">
-                <a16:creationId xmlns:a16="http://schemas.microsoft.com/office/drawing/2014/main" xmlns="" id="{45AAEBCF-749E-FB43-8CB1-EAEA4AE8EF88}"/>
+                <a16:creationId xmlns="" xmlns:a16="http://schemas.microsoft.com/office/drawing/2014/main" id="{45AAEBCF-749E-FB43-8CB1-EAEA4AE8EF88}"/>
               </a:ext>
             </a:extLst>
           </p:cNvPr>
@@ -12411,7 +11579,7 @@
           <p:cNvPr id="20" name="TextBox 19">
             <a:extLst>
               <a:ext uri="{FF2B5EF4-FFF2-40B4-BE49-F238E27FC236}">
-                <a16:creationId xmlns:a16="http://schemas.microsoft.com/office/drawing/2014/main" xmlns="" id="{1959D82E-0456-144D-B2D3-6EA944A9C4EA}"/>
+                <a16:creationId xmlns="" xmlns:a16="http://schemas.microsoft.com/office/drawing/2014/main" id="{1959D82E-0456-144D-B2D3-6EA944A9C4EA}"/>
               </a:ext>
             </a:extLst>
           </p:cNvPr>
@@ -12452,7 +11620,7 @@
           <p:cNvPr id="3" name="Rectangle: Rounded Corners 2">
             <a:extLst>
               <a:ext uri="{FF2B5EF4-FFF2-40B4-BE49-F238E27FC236}">
-                <a16:creationId xmlns:a16="http://schemas.microsoft.com/office/drawing/2014/main" xmlns="" id="{F43E48B1-B1C1-FA45-AE69-A78BD07EA765}"/>
+                <a16:creationId xmlns="" xmlns:a16="http://schemas.microsoft.com/office/drawing/2014/main" id="{F43E48B1-B1C1-FA45-AE69-A78BD07EA765}"/>
               </a:ext>
             </a:extLst>
           </p:cNvPr>
@@ -12505,7 +11673,7 @@
           <p:cNvPr id="8" name="Rectangle: Rounded Corners 7">
             <a:extLst>
               <a:ext uri="{FF2B5EF4-FFF2-40B4-BE49-F238E27FC236}">
-                <a16:creationId xmlns:a16="http://schemas.microsoft.com/office/drawing/2014/main" xmlns="" id="{21B78B04-1092-CF42-80A7-21846DB82B0C}"/>
+                <a16:creationId xmlns="" xmlns:a16="http://schemas.microsoft.com/office/drawing/2014/main" id="{21B78B04-1092-CF42-80A7-21846DB82B0C}"/>
               </a:ext>
             </a:extLst>
           </p:cNvPr>
@@ -12558,7 +11726,7 @@
           <p:cNvPr id="10" name="Rectangle: Rounded Corners 9">
             <a:extLst>
               <a:ext uri="{FF2B5EF4-FFF2-40B4-BE49-F238E27FC236}">
-                <a16:creationId xmlns:a16="http://schemas.microsoft.com/office/drawing/2014/main" xmlns="" id="{1AFE2ACF-FA76-624A-9515-B6DE4BD43A03}"/>
+                <a16:creationId xmlns="" xmlns:a16="http://schemas.microsoft.com/office/drawing/2014/main" id="{1AFE2ACF-FA76-624A-9515-B6DE4BD43A03}"/>
               </a:ext>
             </a:extLst>
           </p:cNvPr>
@@ -12611,7 +11779,7 @@
           <p:cNvPr id="13" name="TextBox 12">
             <a:extLst>
               <a:ext uri="{FF2B5EF4-FFF2-40B4-BE49-F238E27FC236}">
-                <a16:creationId xmlns:a16="http://schemas.microsoft.com/office/drawing/2014/main" xmlns="" id="{6E8DC8CA-6C40-B54D-A397-C376073EB55B}"/>
+                <a16:creationId xmlns="" xmlns:a16="http://schemas.microsoft.com/office/drawing/2014/main" id="{6E8DC8CA-6C40-B54D-A397-C376073EB55B}"/>
               </a:ext>
             </a:extLst>
           </p:cNvPr>
@@ -12648,7 +11816,7 @@
           <p:cNvPr id="17" name="Straight Arrow Connector 16">
             <a:extLst>
               <a:ext uri="{FF2B5EF4-FFF2-40B4-BE49-F238E27FC236}">
-                <a16:creationId xmlns:a16="http://schemas.microsoft.com/office/drawing/2014/main" xmlns="" id="{43EF946B-702D-7D42-9345-B8E6E59407C7}"/>
+                <a16:creationId xmlns="" xmlns:a16="http://schemas.microsoft.com/office/drawing/2014/main" id="{43EF946B-702D-7D42-9345-B8E6E59407C7}"/>
               </a:ext>
             </a:extLst>
           </p:cNvPr>
@@ -12691,7 +11859,7 @@
           <p:cNvPr id="32" name="Straight Arrow Connector 31">
             <a:extLst>
               <a:ext uri="{FF2B5EF4-FFF2-40B4-BE49-F238E27FC236}">
-                <a16:creationId xmlns:a16="http://schemas.microsoft.com/office/drawing/2014/main" xmlns="" id="{EF4860F9-7D27-A542-A37E-F77796CAAC23}"/>
+                <a16:creationId xmlns="" xmlns:a16="http://schemas.microsoft.com/office/drawing/2014/main" id="{EF4860F9-7D27-A542-A37E-F77796CAAC23}"/>
               </a:ext>
             </a:extLst>
           </p:cNvPr>
@@ -12734,7 +11902,7 @@
           <p:cNvPr id="38" name="Straight Arrow Connector 37">
             <a:extLst>
               <a:ext uri="{FF2B5EF4-FFF2-40B4-BE49-F238E27FC236}">
-                <a16:creationId xmlns:a16="http://schemas.microsoft.com/office/drawing/2014/main" xmlns="" id="{618A4F59-D514-A342-83E8-E31334D078F8}"/>
+                <a16:creationId xmlns="" xmlns:a16="http://schemas.microsoft.com/office/drawing/2014/main" id="{618A4F59-D514-A342-83E8-E31334D078F8}"/>
               </a:ext>
             </a:extLst>
           </p:cNvPr>
@@ -12777,7 +11945,7 @@
           <p:cNvPr id="68" name="Oval 67">
             <a:extLst>
               <a:ext uri="{FF2B5EF4-FFF2-40B4-BE49-F238E27FC236}">
-                <a16:creationId xmlns:a16="http://schemas.microsoft.com/office/drawing/2014/main" xmlns="" id="{4B1ACD04-9615-B147-8D50-5866372EAEA5}"/>
+                <a16:creationId xmlns="" xmlns:a16="http://schemas.microsoft.com/office/drawing/2014/main" id="{4B1ACD04-9615-B147-8D50-5866372EAEA5}"/>
               </a:ext>
             </a:extLst>
           </p:cNvPr>
@@ -12826,7 +11994,7 @@
           <p:cNvPr id="70" name="Oval 69">
             <a:extLst>
               <a:ext uri="{FF2B5EF4-FFF2-40B4-BE49-F238E27FC236}">
-                <a16:creationId xmlns:a16="http://schemas.microsoft.com/office/drawing/2014/main" xmlns="" id="{479A5C67-41DB-2A49-849D-E8F07512740D}"/>
+                <a16:creationId xmlns="" xmlns:a16="http://schemas.microsoft.com/office/drawing/2014/main" id="{479A5C67-41DB-2A49-849D-E8F07512740D}"/>
               </a:ext>
             </a:extLst>
           </p:cNvPr>
@@ -12875,7 +12043,7 @@
           <p:cNvPr id="72" name="Oval 71">
             <a:extLst>
               <a:ext uri="{FF2B5EF4-FFF2-40B4-BE49-F238E27FC236}">
-                <a16:creationId xmlns:a16="http://schemas.microsoft.com/office/drawing/2014/main" xmlns="" id="{2672164B-4C01-6D44-B5E7-F0293F56E78E}"/>
+                <a16:creationId xmlns="" xmlns:a16="http://schemas.microsoft.com/office/drawing/2014/main" id="{2672164B-4C01-6D44-B5E7-F0293F56E78E}"/>
               </a:ext>
             </a:extLst>
           </p:cNvPr>
@@ -12925,7 +12093,7 @@
           <p:cNvPr id="79" name="Straight Arrow Connector 78">
             <a:extLst>
               <a:ext uri="{FF2B5EF4-FFF2-40B4-BE49-F238E27FC236}">
-                <a16:creationId xmlns:a16="http://schemas.microsoft.com/office/drawing/2014/main" xmlns="" id="{C26993FA-3054-3244-8ACC-4EB79E2C6E38}"/>
+                <a16:creationId xmlns="" xmlns:a16="http://schemas.microsoft.com/office/drawing/2014/main" id="{C26993FA-3054-3244-8ACC-4EB79E2C6E38}"/>
               </a:ext>
             </a:extLst>
           </p:cNvPr>
@@ -12968,7 +12136,7 @@
           <p:cNvPr id="87" name="Straight Arrow Connector 86">
             <a:extLst>
               <a:ext uri="{FF2B5EF4-FFF2-40B4-BE49-F238E27FC236}">
-                <a16:creationId xmlns:a16="http://schemas.microsoft.com/office/drawing/2014/main" xmlns="" id="{880F0F40-144F-B542-9AA7-BE4B29F4CC42}"/>
+                <a16:creationId xmlns="" xmlns:a16="http://schemas.microsoft.com/office/drawing/2014/main" id="{880F0F40-144F-B542-9AA7-BE4B29F4CC42}"/>
               </a:ext>
             </a:extLst>
           </p:cNvPr>
@@ -13011,7 +12179,7 @@
           <p:cNvPr id="92" name="Straight Arrow Connector 91">
             <a:extLst>
               <a:ext uri="{FF2B5EF4-FFF2-40B4-BE49-F238E27FC236}">
-                <a16:creationId xmlns:a16="http://schemas.microsoft.com/office/drawing/2014/main" xmlns="" id="{E17C5110-CA13-F741-AD04-1C732E1FE1CA}"/>
+                <a16:creationId xmlns="" xmlns:a16="http://schemas.microsoft.com/office/drawing/2014/main" id="{E17C5110-CA13-F741-AD04-1C732E1FE1CA}"/>
               </a:ext>
             </a:extLst>
           </p:cNvPr>
@@ -13077,7 +12245,7 @@
           <p:cNvPr id="49" name="TextBox 48">
             <a:extLst>
               <a:ext uri="{FF2B5EF4-FFF2-40B4-BE49-F238E27FC236}">
-                <a16:creationId xmlns:a16="http://schemas.microsoft.com/office/drawing/2014/main" xmlns="" id="{6E8DC8CA-6C40-B54D-A397-C376073EB55B}"/>
+                <a16:creationId xmlns="" xmlns:a16="http://schemas.microsoft.com/office/drawing/2014/main" id="{6E8DC8CA-6C40-B54D-A397-C376073EB55B}"/>
               </a:ext>
             </a:extLst>
           </p:cNvPr>
@@ -13114,7 +12282,7 @@
           <p:cNvPr id="50" name="TextBox 49">
             <a:extLst>
               <a:ext uri="{FF2B5EF4-FFF2-40B4-BE49-F238E27FC236}">
-                <a16:creationId xmlns:a16="http://schemas.microsoft.com/office/drawing/2014/main" xmlns="" id="{6E8DC8CA-6C40-B54D-A397-C376073EB55B}"/>
+                <a16:creationId xmlns="" xmlns:a16="http://schemas.microsoft.com/office/drawing/2014/main" id="{6E8DC8CA-6C40-B54D-A397-C376073EB55B}"/>
               </a:ext>
             </a:extLst>
           </p:cNvPr>
@@ -13171,7 +12339,7 @@
 </p:sld>
 </file>
 
-<file path=ppt/slides/slide13.xml><?xml version="1.0" encoding="utf-8"?>
+<file path=ppt/slides/slide11.xml><?xml version="1.0" encoding="utf-8"?>
 <p:sld xmlns:a="http://schemas.openxmlformats.org/drawingml/2006/main" xmlns:r="http://schemas.openxmlformats.org/officeDocument/2006/relationships" xmlns:p="http://schemas.openxmlformats.org/presentationml/2006/main">
   <p:cSld>
     <p:spTree>
@@ -13193,7 +12361,7 @@
           <p:cNvPr id="2" name="Title 1">
             <a:extLst>
               <a:ext uri="{FF2B5EF4-FFF2-40B4-BE49-F238E27FC236}">
-                <a16:creationId xmlns:a16="http://schemas.microsoft.com/office/drawing/2014/main" xmlns="" id="{1DA78D53-10E1-3D47-8D9D-2F50C5A7A488}"/>
+                <a16:creationId xmlns="" xmlns:a16="http://schemas.microsoft.com/office/drawing/2014/main" id="{1DA78D53-10E1-3D47-8D9D-2F50C5A7A488}"/>
               </a:ext>
             </a:extLst>
           </p:cNvPr>
@@ -13221,7 +12389,7 @@
           <p:cNvPr id="4" name="Oval 3">
             <a:extLst>
               <a:ext uri="{FF2B5EF4-FFF2-40B4-BE49-F238E27FC236}">
-                <a16:creationId xmlns:a16="http://schemas.microsoft.com/office/drawing/2014/main" xmlns="" id="{33B998C3-52C7-444E-BB5A-FC8C4EC8A96C}"/>
+                <a16:creationId xmlns="" xmlns:a16="http://schemas.microsoft.com/office/drawing/2014/main" id="{33B998C3-52C7-444E-BB5A-FC8C4EC8A96C}"/>
               </a:ext>
             </a:extLst>
           </p:cNvPr>
@@ -13270,7 +12438,7 @@
           <p:cNvPr id="5" name="Straight Arrow Connector 4">
             <a:extLst>
               <a:ext uri="{FF2B5EF4-FFF2-40B4-BE49-F238E27FC236}">
-                <a16:creationId xmlns:a16="http://schemas.microsoft.com/office/drawing/2014/main" xmlns="" id="{26063CBA-F54D-394A-A34F-4115EC0D3847}"/>
+                <a16:creationId xmlns="" xmlns:a16="http://schemas.microsoft.com/office/drawing/2014/main" id="{26063CBA-F54D-394A-A34F-4115EC0D3847}"/>
               </a:ext>
             </a:extLst>
           </p:cNvPr>
@@ -13313,7 +12481,7 @@
           <p:cNvPr id="16" name="Oval 15">
             <a:extLst>
               <a:ext uri="{FF2B5EF4-FFF2-40B4-BE49-F238E27FC236}">
-                <a16:creationId xmlns:a16="http://schemas.microsoft.com/office/drawing/2014/main" xmlns="" id="{6C975FDF-46CF-B347-8B5B-96D7950F9B9F}"/>
+                <a16:creationId xmlns="" xmlns:a16="http://schemas.microsoft.com/office/drawing/2014/main" id="{6C975FDF-46CF-B347-8B5B-96D7950F9B9F}"/>
               </a:ext>
             </a:extLst>
           </p:cNvPr>
@@ -13362,7 +12530,7 @@
           <p:cNvPr id="20" name="Oval 19">
             <a:extLst>
               <a:ext uri="{FF2B5EF4-FFF2-40B4-BE49-F238E27FC236}">
-                <a16:creationId xmlns:a16="http://schemas.microsoft.com/office/drawing/2014/main" xmlns="" id="{CE4DDD93-BF6A-CA4F-A187-EB21B46E7EE6}"/>
+                <a16:creationId xmlns="" xmlns:a16="http://schemas.microsoft.com/office/drawing/2014/main" id="{CE4DDD93-BF6A-CA4F-A187-EB21B46E7EE6}"/>
               </a:ext>
             </a:extLst>
           </p:cNvPr>
@@ -13411,7 +12579,7 @@
           <p:cNvPr id="22" name="Oval 21">
             <a:extLst>
               <a:ext uri="{FF2B5EF4-FFF2-40B4-BE49-F238E27FC236}">
-                <a16:creationId xmlns:a16="http://schemas.microsoft.com/office/drawing/2014/main" xmlns="" id="{787ACDD4-72C7-3A4D-AA5B-3354BABF069D}"/>
+                <a16:creationId xmlns="" xmlns:a16="http://schemas.microsoft.com/office/drawing/2014/main" id="{787ACDD4-72C7-3A4D-AA5B-3354BABF069D}"/>
               </a:ext>
             </a:extLst>
           </p:cNvPr>
@@ -13460,7 +12628,7 @@
           <p:cNvPr id="25" name="Rectangle: Rounded Corners 24">
             <a:extLst>
               <a:ext uri="{FF2B5EF4-FFF2-40B4-BE49-F238E27FC236}">
-                <a16:creationId xmlns:a16="http://schemas.microsoft.com/office/drawing/2014/main" xmlns="" id="{3F704208-5435-C347-A13F-823382A2FCF3}"/>
+                <a16:creationId xmlns="" xmlns:a16="http://schemas.microsoft.com/office/drawing/2014/main" id="{3F704208-5435-C347-A13F-823382A2FCF3}"/>
               </a:ext>
             </a:extLst>
           </p:cNvPr>
@@ -13512,7 +12680,7 @@
           <p:cNvPr id="31" name="Rectangle: Rounded Corners 30">
             <a:extLst>
               <a:ext uri="{FF2B5EF4-FFF2-40B4-BE49-F238E27FC236}">
-                <a16:creationId xmlns:a16="http://schemas.microsoft.com/office/drawing/2014/main" xmlns="" id="{9F04162C-BD17-3146-9F79-689FAAE9C26C}"/>
+                <a16:creationId xmlns="" xmlns:a16="http://schemas.microsoft.com/office/drawing/2014/main" id="{9F04162C-BD17-3146-9F79-689FAAE9C26C}"/>
               </a:ext>
             </a:extLst>
           </p:cNvPr>
@@ -13564,7 +12732,7 @@
           <p:cNvPr id="33" name="Rectangle: Rounded Corners 32">
             <a:extLst>
               <a:ext uri="{FF2B5EF4-FFF2-40B4-BE49-F238E27FC236}">
-                <a16:creationId xmlns:a16="http://schemas.microsoft.com/office/drawing/2014/main" xmlns="" id="{D7D8B533-0307-F049-8D0C-C8BE02F5F079}"/>
+                <a16:creationId xmlns="" xmlns:a16="http://schemas.microsoft.com/office/drawing/2014/main" id="{D7D8B533-0307-F049-8D0C-C8BE02F5F079}"/>
               </a:ext>
             </a:extLst>
           </p:cNvPr>
@@ -13616,7 +12784,7 @@
           <p:cNvPr id="35" name="Rectangle: Rounded Corners 34">
             <a:extLst>
               <a:ext uri="{FF2B5EF4-FFF2-40B4-BE49-F238E27FC236}">
-                <a16:creationId xmlns:a16="http://schemas.microsoft.com/office/drawing/2014/main" xmlns="" id="{40EE904D-821E-474D-9819-E5D34B320140}"/>
+                <a16:creationId xmlns="" xmlns:a16="http://schemas.microsoft.com/office/drawing/2014/main" id="{40EE904D-821E-474D-9819-E5D34B320140}"/>
               </a:ext>
             </a:extLst>
           </p:cNvPr>
@@ -13668,7 +12836,7 @@
           <p:cNvPr id="36" name="Straight Arrow Connector 35">
             <a:extLst>
               <a:ext uri="{FF2B5EF4-FFF2-40B4-BE49-F238E27FC236}">
-                <a16:creationId xmlns:a16="http://schemas.microsoft.com/office/drawing/2014/main" xmlns="" id="{F8AAA69A-E8D9-1B4E-996F-34029F7F7E44}"/>
+                <a16:creationId xmlns="" xmlns:a16="http://schemas.microsoft.com/office/drawing/2014/main" id="{F8AAA69A-E8D9-1B4E-996F-34029F7F7E44}"/>
               </a:ext>
             </a:extLst>
           </p:cNvPr>
@@ -13711,7 +12879,7 @@
           <p:cNvPr id="46" name="Straight Arrow Connector 45">
             <a:extLst>
               <a:ext uri="{FF2B5EF4-FFF2-40B4-BE49-F238E27FC236}">
-                <a16:creationId xmlns:a16="http://schemas.microsoft.com/office/drawing/2014/main" xmlns="" id="{6E84F913-E9AC-3A45-B5C8-2D61DB082359}"/>
+                <a16:creationId xmlns="" xmlns:a16="http://schemas.microsoft.com/office/drawing/2014/main" id="{6E84F913-E9AC-3A45-B5C8-2D61DB082359}"/>
               </a:ext>
             </a:extLst>
           </p:cNvPr>
@@ -13754,7 +12922,7 @@
           <p:cNvPr id="54" name="Straight Arrow Connector 53">
             <a:extLst>
               <a:ext uri="{FF2B5EF4-FFF2-40B4-BE49-F238E27FC236}">
-                <a16:creationId xmlns:a16="http://schemas.microsoft.com/office/drawing/2014/main" xmlns="" id="{FA5D730D-1095-5C46-9B9F-63A0C8FF4EC4}"/>
+                <a16:creationId xmlns="" xmlns:a16="http://schemas.microsoft.com/office/drawing/2014/main" id="{FA5D730D-1095-5C46-9B9F-63A0C8FF4EC4}"/>
               </a:ext>
             </a:extLst>
           </p:cNvPr>
@@ -13797,7 +12965,7 @@
           <p:cNvPr id="68" name="Straight Arrow Connector 67">
             <a:extLst>
               <a:ext uri="{FF2B5EF4-FFF2-40B4-BE49-F238E27FC236}">
-                <a16:creationId xmlns:a16="http://schemas.microsoft.com/office/drawing/2014/main" xmlns="" id="{CD23FC08-D44C-1247-8148-0233A8134F8B}"/>
+                <a16:creationId xmlns="" xmlns:a16="http://schemas.microsoft.com/office/drawing/2014/main" id="{CD23FC08-D44C-1247-8148-0233A8134F8B}"/>
               </a:ext>
             </a:extLst>
           </p:cNvPr>
@@ -13840,7 +13008,7 @@
           <p:cNvPr id="3" name="Straight Arrow Connector 2">
             <a:extLst>
               <a:ext uri="{FF2B5EF4-FFF2-40B4-BE49-F238E27FC236}">
-                <a16:creationId xmlns:a16="http://schemas.microsoft.com/office/drawing/2014/main" xmlns="" id="{BFC43AB4-1F6A-C64C-9E4B-092E474C78D3}"/>
+                <a16:creationId xmlns="" xmlns:a16="http://schemas.microsoft.com/office/drawing/2014/main" id="{BFC43AB4-1F6A-C64C-9E4B-092E474C78D3}"/>
               </a:ext>
             </a:extLst>
           </p:cNvPr>
@@ -13883,7 +13051,7 @@
           <p:cNvPr id="8" name="Straight Arrow Connector 7">
             <a:extLst>
               <a:ext uri="{FF2B5EF4-FFF2-40B4-BE49-F238E27FC236}">
-                <a16:creationId xmlns:a16="http://schemas.microsoft.com/office/drawing/2014/main" xmlns="" id="{40981754-DC72-6D40-A1E0-9DCF49D13C78}"/>
+                <a16:creationId xmlns="" xmlns:a16="http://schemas.microsoft.com/office/drawing/2014/main" id="{40981754-DC72-6D40-A1E0-9DCF49D13C78}"/>
               </a:ext>
             </a:extLst>
           </p:cNvPr>
@@ -13948,6 +13116,328 @@
     <p:extLst>
       <p:ext uri="{BB962C8B-B14F-4D97-AF65-F5344CB8AC3E}">
         <p14:creationId xmlns:p14="http://schemas.microsoft.com/office/powerpoint/2010/main" val="3866633294"/>
+      </p:ext>
+    </p:extLst>
+  </p:cSld>
+  <p:clrMapOvr>
+    <a:masterClrMapping/>
+  </p:clrMapOvr>
+  <mc:AlternateContent xmlns:mc="http://schemas.openxmlformats.org/markup-compatibility/2006" xmlns:p14="http://schemas.microsoft.com/office/powerpoint/2010/main">
+    <mc:Choice Requires="p14">
+      <p:transition spd="med" p14:dur="700">
+        <p:fade/>
+      </p:transition>
+    </mc:Choice>
+    <mc:Fallback xmlns="">
+      <p:transition spd="med">
+        <p:fade/>
+      </p:transition>
+    </mc:Fallback>
+  </mc:AlternateContent>
+</p:sld>
+</file>
+
+<file path=ppt/slides/slide12.xml><?xml version="1.0" encoding="utf-8"?>
+<p:sld xmlns:a="http://schemas.openxmlformats.org/drawingml/2006/main" xmlns:r="http://schemas.openxmlformats.org/officeDocument/2006/relationships" xmlns:p="http://schemas.openxmlformats.org/presentationml/2006/main">
+  <p:cSld>
+    <p:spTree>
+      <p:nvGrpSpPr>
+        <p:cNvPr id="1" name=""/>
+        <p:cNvGrpSpPr/>
+        <p:nvPr/>
+      </p:nvGrpSpPr>
+      <p:grpSpPr>
+        <a:xfrm>
+          <a:off x="0" y="0"/>
+          <a:ext cx="0" cy="0"/>
+          <a:chOff x="0" y="0"/>
+          <a:chExt cx="0" cy="0"/>
+        </a:xfrm>
+      </p:grpSpPr>
+      <p:sp>
+        <p:nvSpPr>
+          <p:cNvPr id="2" name="Title 1">
+            <a:extLst>
+              <a:ext uri="{FF2B5EF4-FFF2-40B4-BE49-F238E27FC236}">
+                <a16:creationId xmlns="" xmlns:a16="http://schemas.microsoft.com/office/drawing/2014/main" id="{63695BC3-BEC1-504D-90B9-FB04F79787AF}"/>
+              </a:ext>
+            </a:extLst>
+          </p:cNvPr>
+          <p:cNvSpPr>
+            <a:spLocks noGrp="1"/>
+          </p:cNvSpPr>
+          <p:nvPr>
+            <p:ph type="title"/>
+          </p:nvPr>
+        </p:nvSpPr>
+        <p:spPr/>
+        <p:txBody>
+          <a:bodyPr/>
+          <a:lstStyle/>
+          <a:p>
+            <a:r>
+              <a:rPr lang="en-US"/>
+              <a:t>Topic exchange example</a:t>
+            </a:r>
+          </a:p>
+        </p:txBody>
+      </p:sp>
+      <p:sp>
+        <p:nvSpPr>
+          <p:cNvPr id="4" name="TextBox 3">
+            <a:extLst>
+              <a:ext uri="{FF2B5EF4-FFF2-40B4-BE49-F238E27FC236}">
+                <a16:creationId xmlns="" xmlns:a16="http://schemas.microsoft.com/office/drawing/2014/main" id="{303C0764-6E74-034B-9647-8FDBC08D2676}"/>
+              </a:ext>
+            </a:extLst>
+          </p:cNvPr>
+          <p:cNvSpPr txBox="1"/>
+          <p:nvPr/>
+        </p:nvSpPr>
+        <p:spPr>
+          <a:xfrm>
+            <a:off x="1141413" y="1939133"/>
+            <a:ext cx="4406900" cy="461665"/>
+          </a:xfrm>
+          <a:prstGeom prst="rect">
+            <a:avLst/>
+          </a:prstGeom>
+          <a:noFill/>
+        </p:spPr>
+        <p:txBody>
+          <a:bodyPr wrap="square" rtlCol="0">
+            <a:spAutoFit/>
+          </a:bodyPr>
+          <a:lstStyle/>
+          <a:p>
+            <a:pPr algn="l"/>
+            <a:r>
+              <a:rPr lang="en-US"/>
+              <a:t>Wild card routing by </a:t>
+            </a:r>
+            <a:r>
+              <a:rPr lang="en-US" b="1"/>
+              <a:t>routing key</a:t>
+            </a:r>
+          </a:p>
+        </p:txBody>
+      </p:sp>
+      <p:sp>
+        <p:nvSpPr>
+          <p:cNvPr id="5" name="TextBox 4">
+            <a:extLst>
+              <a:ext uri="{FF2B5EF4-FFF2-40B4-BE49-F238E27FC236}">
+                <a16:creationId xmlns="" xmlns:a16="http://schemas.microsoft.com/office/drawing/2014/main" id="{FEDC0C03-AB5E-DC48-B38D-BFDF7B1A6661}"/>
+              </a:ext>
+            </a:extLst>
+          </p:cNvPr>
+          <p:cNvSpPr txBox="1"/>
+          <p:nvPr/>
+        </p:nvSpPr>
+        <p:spPr>
+          <a:xfrm>
+            <a:off x="1435100" y="2400798"/>
+            <a:ext cx="2732088" cy="461665"/>
+          </a:xfrm>
+          <a:prstGeom prst="rect">
+            <a:avLst/>
+          </a:prstGeom>
+          <a:noFill/>
+        </p:spPr>
+        <p:txBody>
+          <a:bodyPr wrap="square" rtlCol="0">
+            <a:spAutoFit/>
+          </a:bodyPr>
+          <a:lstStyle/>
+          <a:p>
+            <a:pPr algn="l"/>
+            <a:r>
+              <a:rPr lang="en-US"/>
+              <a:t>* = match one word</a:t>
+            </a:r>
+          </a:p>
+        </p:txBody>
+      </p:sp>
+      <p:sp>
+        <p:nvSpPr>
+          <p:cNvPr id="7" name="TextBox 6">
+            <a:extLst>
+              <a:ext uri="{FF2B5EF4-FFF2-40B4-BE49-F238E27FC236}">
+                <a16:creationId xmlns="" xmlns:a16="http://schemas.microsoft.com/office/drawing/2014/main" id="{E3C92A7E-C3E1-1E47-866C-10D054289EAA}"/>
+              </a:ext>
+            </a:extLst>
+          </p:cNvPr>
+          <p:cNvSpPr txBox="1"/>
+          <p:nvPr/>
+        </p:nvSpPr>
+        <p:spPr>
+          <a:xfrm>
+            <a:off x="1435100" y="2775449"/>
+            <a:ext cx="3652838" cy="461665"/>
+          </a:xfrm>
+          <a:prstGeom prst="rect">
+            <a:avLst/>
+          </a:prstGeom>
+          <a:noFill/>
+        </p:spPr>
+        <p:txBody>
+          <a:bodyPr wrap="square" rtlCol="0">
+            <a:spAutoFit/>
+          </a:bodyPr>
+          <a:lstStyle/>
+          <a:p>
+            <a:pPr algn="l"/>
+            <a:r>
+              <a:rPr lang="en-US"/>
+              <a:t># = match multiple  words</a:t>
+            </a:r>
+          </a:p>
+        </p:txBody>
+      </p:sp>
+      <p:sp>
+        <p:nvSpPr>
+          <p:cNvPr id="3" name="Footer Placeholder 2"/>
+          <p:cNvSpPr>
+            <a:spLocks noGrp="1"/>
+          </p:cNvSpPr>
+          <p:nvPr>
+            <p:ph type="ftr" sz="quarter" idx="11"/>
+          </p:nvPr>
+        </p:nvSpPr>
+        <p:spPr/>
+        <p:txBody>
+          <a:bodyPr/>
+          <a:lstStyle/>
+          <a:p>
+            <a:r>
+              <a:rPr lang="en-US" dirty="0" smtClean="0"/>
+              <a:t>@jsonrow</a:t>
+            </a:r>
+            <a:endParaRPr lang="en-US" dirty="0"/>
+          </a:p>
+        </p:txBody>
+      </p:sp>
+    </p:spTree>
+    <p:extLst>
+      <p:ext uri="{BB962C8B-B14F-4D97-AF65-F5344CB8AC3E}">
+        <p14:creationId xmlns:p14="http://schemas.microsoft.com/office/powerpoint/2010/main" val="548284844"/>
+      </p:ext>
+    </p:extLst>
+  </p:cSld>
+  <p:clrMapOvr>
+    <a:masterClrMapping/>
+  </p:clrMapOvr>
+  <mc:AlternateContent xmlns:mc="http://schemas.openxmlformats.org/markup-compatibility/2006" xmlns:p14="http://schemas.microsoft.com/office/powerpoint/2010/main">
+    <mc:Choice Requires="p14">
+      <p:transition spd="med" p14:dur="700">
+        <p:fade/>
+      </p:transition>
+    </mc:Choice>
+    <mc:Fallback xmlns="">
+      <p:transition spd="med">
+        <p:fade/>
+      </p:transition>
+    </mc:Fallback>
+  </mc:AlternateContent>
+</p:sld>
+</file>
+
+<file path=ppt/slides/slide13.xml><?xml version="1.0" encoding="utf-8"?>
+<p:sld xmlns:a="http://schemas.openxmlformats.org/drawingml/2006/main" xmlns:r="http://schemas.openxmlformats.org/officeDocument/2006/relationships" xmlns:p="http://schemas.openxmlformats.org/presentationml/2006/main">
+  <p:cSld>
+    <p:spTree>
+      <p:nvGrpSpPr>
+        <p:cNvPr id="1" name=""/>
+        <p:cNvGrpSpPr/>
+        <p:nvPr/>
+      </p:nvGrpSpPr>
+      <p:grpSpPr>
+        <a:xfrm>
+          <a:off x="0" y="0"/>
+          <a:ext cx="0" cy="0"/>
+          <a:chOff x="0" y="0"/>
+          <a:chExt cx="0" cy="0"/>
+        </a:xfrm>
+      </p:grpSpPr>
+      <p:sp>
+        <p:nvSpPr>
+          <p:cNvPr id="2" name="Title 1"/>
+          <p:cNvSpPr>
+            <a:spLocks noGrp="1"/>
+          </p:cNvSpPr>
+          <p:nvPr>
+            <p:ph type="title"/>
+          </p:nvPr>
+        </p:nvSpPr>
+        <p:spPr/>
+        <p:txBody>
+          <a:bodyPr/>
+          <a:lstStyle/>
+          <a:p>
+            <a:r>
+              <a:rPr lang="en-US" dirty="0" smtClean="0"/>
+              <a:t>.NET Core Code Samples</a:t>
+            </a:r>
+            <a:endParaRPr lang="en-US" dirty="0"/>
+          </a:p>
+        </p:txBody>
+      </p:sp>
+      <p:sp>
+        <p:nvSpPr>
+          <p:cNvPr id="3" name="Content Placeholder 2"/>
+          <p:cNvSpPr>
+            <a:spLocks noGrp="1"/>
+          </p:cNvSpPr>
+          <p:nvPr>
+            <p:ph idx="1"/>
+          </p:nvPr>
+        </p:nvSpPr>
+        <p:spPr/>
+        <p:txBody>
+          <a:bodyPr/>
+          <a:lstStyle/>
+          <a:p>
+            <a:r>
+              <a:rPr lang="en-US" dirty="0" smtClean="0"/>
+              <a:t>TODO convert some of these examples to .NET Core </a:t>
+            </a:r>
+            <a:r>
+              <a:rPr lang="en-US" dirty="0">
+                <a:hlinkClick r:id="rId2"/>
+              </a:rPr>
+              <a:t>https://www.manning.com/books/rabbitmq-in-depth</a:t>
+            </a:r>
+            <a:endParaRPr lang="en-US" dirty="0"/>
+          </a:p>
+        </p:txBody>
+      </p:sp>
+      <p:sp>
+        <p:nvSpPr>
+          <p:cNvPr id="4" name="Footer Placeholder 3"/>
+          <p:cNvSpPr>
+            <a:spLocks noGrp="1"/>
+          </p:cNvSpPr>
+          <p:nvPr>
+            <p:ph type="ftr" sz="quarter" idx="11"/>
+          </p:nvPr>
+        </p:nvSpPr>
+        <p:spPr/>
+        <p:txBody>
+          <a:bodyPr/>
+          <a:lstStyle/>
+          <a:p>
+            <a:r>
+              <a:rPr lang="en-US" dirty="0" smtClean="0"/>
+              <a:t>@jsonrow</a:t>
+            </a:r>
+            <a:endParaRPr lang="en-US" dirty="0"/>
+          </a:p>
+        </p:txBody>
+      </p:sp>
+    </p:spTree>
+    <p:extLst>
+      <p:ext uri="{BB962C8B-B14F-4D97-AF65-F5344CB8AC3E}">
+        <p14:creationId xmlns:p14="http://schemas.microsoft.com/office/powerpoint/2010/main" val="2093570548"/>
       </p:ext>
     </p:extLst>
   </p:cSld>
@@ -13991,7 +13481,7 @@
           <p:cNvPr id="2" name="Title 1">
             <a:extLst>
               <a:ext uri="{FF2B5EF4-FFF2-40B4-BE49-F238E27FC236}">
-                <a16:creationId xmlns:a16="http://schemas.microsoft.com/office/drawing/2014/main" xmlns="" id="{63695BC3-BEC1-504D-90B9-FB04F79787AF}"/>
+                <a16:creationId xmlns="" xmlns:a16="http://schemas.microsoft.com/office/drawing/2014/main" id="{4FC4142E-6783-FE4B-A9D2-C027FE6A625B}"/>
               </a:ext>
             </a:extLst>
           </p:cNvPr>
@@ -14009,126 +13499,39 @@
           <a:p>
             <a:r>
               <a:rPr lang="en-US"/>
-              <a:t>Topic exchange example</a:t>
-            </a:r>
-          </a:p>
-        </p:txBody>
-      </p:sp>
-      <p:sp>
-        <p:nvSpPr>
-          <p:cNvPr id="4" name="TextBox 3">
+              <a:t>Competing Consumers </a:t>
+            </a:r>
+          </a:p>
+        </p:txBody>
+      </p:sp>
+      <p:sp>
+        <p:nvSpPr>
+          <p:cNvPr id="3" name="Content Placeholder 2">
             <a:extLst>
               <a:ext uri="{FF2B5EF4-FFF2-40B4-BE49-F238E27FC236}">
-                <a16:creationId xmlns:a16="http://schemas.microsoft.com/office/drawing/2014/main" xmlns="" id="{303C0764-6E74-034B-9647-8FDBC08D2676}"/>
+                <a16:creationId xmlns="" xmlns:a16="http://schemas.microsoft.com/office/drawing/2014/main" id="{D3752558-CD0A-5B4F-8025-DFAE459ACDA1}"/>
               </a:ext>
             </a:extLst>
           </p:cNvPr>
-          <p:cNvSpPr txBox="1"/>
-          <p:nvPr/>
-        </p:nvSpPr>
-        <p:spPr>
-          <a:xfrm>
-            <a:off x="1141413" y="1939133"/>
-            <a:ext cx="4406900" cy="461665"/>
-          </a:xfrm>
-          <a:prstGeom prst="rect">
-            <a:avLst/>
-          </a:prstGeom>
-          <a:noFill/>
-        </p:spPr>
-        <p:txBody>
-          <a:bodyPr wrap="square" rtlCol="0">
-            <a:spAutoFit/>
-          </a:bodyPr>
+          <p:cNvSpPr>
+            <a:spLocks noGrp="1"/>
+          </p:cNvSpPr>
+          <p:nvPr>
+            <p:ph idx="1"/>
+          </p:nvPr>
+        </p:nvSpPr>
+        <p:spPr/>
+        <p:txBody>
+          <a:bodyPr/>
           <a:lstStyle/>
           <a:p>
-            <a:pPr algn="l"/>
-            <a:r>
-              <a:rPr lang="en-US"/>
-              <a:t>Wild card routing by </a:t>
-            </a:r>
-            <a:r>
-              <a:rPr lang="en-US" b="1"/>
-              <a:t>routing key</a:t>
-            </a:r>
-          </a:p>
-        </p:txBody>
-      </p:sp>
-      <p:sp>
-        <p:nvSpPr>
-          <p:cNvPr id="5" name="TextBox 4">
-            <a:extLst>
-              <a:ext uri="{FF2B5EF4-FFF2-40B4-BE49-F238E27FC236}">
-                <a16:creationId xmlns:a16="http://schemas.microsoft.com/office/drawing/2014/main" xmlns="" id="{FEDC0C03-AB5E-DC48-B38D-BFDF7B1A6661}"/>
-              </a:ext>
-            </a:extLst>
-          </p:cNvPr>
-          <p:cNvSpPr txBox="1"/>
-          <p:nvPr/>
-        </p:nvSpPr>
-        <p:spPr>
-          <a:xfrm>
-            <a:off x="1435100" y="2400798"/>
-            <a:ext cx="2732088" cy="461665"/>
-          </a:xfrm>
-          <a:prstGeom prst="rect">
-            <a:avLst/>
-          </a:prstGeom>
-          <a:noFill/>
-        </p:spPr>
-        <p:txBody>
-          <a:bodyPr wrap="square" rtlCol="0">
-            <a:spAutoFit/>
-          </a:bodyPr>
-          <a:lstStyle/>
-          <a:p>
-            <a:pPr algn="l"/>
-            <a:r>
-              <a:rPr lang="en-US"/>
-              <a:t>* = match one word</a:t>
-            </a:r>
-          </a:p>
-        </p:txBody>
-      </p:sp>
-      <p:sp>
-        <p:nvSpPr>
-          <p:cNvPr id="7" name="TextBox 6">
-            <a:extLst>
-              <a:ext uri="{FF2B5EF4-FFF2-40B4-BE49-F238E27FC236}">
-                <a16:creationId xmlns:a16="http://schemas.microsoft.com/office/drawing/2014/main" xmlns="" id="{E3C92A7E-C3E1-1E47-866C-10D054289EAA}"/>
-              </a:ext>
-            </a:extLst>
-          </p:cNvPr>
-          <p:cNvSpPr txBox="1"/>
-          <p:nvPr/>
-        </p:nvSpPr>
-        <p:spPr>
-          <a:xfrm>
-            <a:off x="1435100" y="2775449"/>
-            <a:ext cx="3652838" cy="461665"/>
-          </a:xfrm>
-          <a:prstGeom prst="rect">
-            <a:avLst/>
-          </a:prstGeom>
-          <a:noFill/>
-        </p:spPr>
-        <p:txBody>
-          <a:bodyPr wrap="square" rtlCol="0">
-            <a:spAutoFit/>
-          </a:bodyPr>
-          <a:lstStyle/>
-          <a:p>
-            <a:pPr algn="l"/>
-            <a:r>
-              <a:rPr lang="en-US"/>
-              <a:t># = match multiple  words</a:t>
-            </a:r>
-          </a:p>
-        </p:txBody>
-      </p:sp>
-      <p:sp>
-        <p:nvSpPr>
-          <p:cNvPr id="3" name="Footer Placeholder 2"/>
+            <a:endParaRPr lang="en-US"/>
+          </a:p>
+        </p:txBody>
+      </p:sp>
+      <p:sp>
+        <p:nvSpPr>
+          <p:cNvPr id="4" name="Footer Placeholder 3"/>
           <p:cNvSpPr>
             <a:spLocks noGrp="1"/>
           </p:cNvSpPr>
@@ -14152,7 +13555,7 @@
     </p:spTree>
     <p:extLst>
       <p:ext uri="{BB962C8B-B14F-4D97-AF65-F5344CB8AC3E}">
-        <p14:creationId xmlns:p14="http://schemas.microsoft.com/office/powerpoint/2010/main" val="548284844"/>
+        <p14:creationId xmlns:p14="http://schemas.microsoft.com/office/powerpoint/2010/main" val="2465318013"/>
       </p:ext>
     </p:extLst>
   </p:cSld>
@@ -14193,7 +13596,13 @@
       </p:grpSpPr>
       <p:sp>
         <p:nvSpPr>
-          <p:cNvPr id="2" name="Title 1"/>
+          <p:cNvPr id="2" name="Title 1">
+            <a:extLst>
+              <a:ext uri="{FF2B5EF4-FFF2-40B4-BE49-F238E27FC236}">
+                <a16:creationId xmlns="" xmlns:a16="http://schemas.microsoft.com/office/drawing/2014/main" id="{A61B8EB7-1AB6-CA46-8DB5-A82AD928BAA5}"/>
+              </a:ext>
+            </a:extLst>
+          </p:cNvPr>
           <p:cNvSpPr>
             <a:spLocks noGrp="1"/>
           </p:cNvSpPr>
@@ -14207,16 +13616,21 @@
           <a:lstStyle/>
           <a:p>
             <a:r>
-              <a:rPr lang="en-US" dirty="0" smtClean="0"/>
-              <a:t>.NET Core Code Samples</a:t>
-            </a:r>
-            <a:endParaRPr lang="en-US" dirty="0"/>
-          </a:p>
-        </p:txBody>
-      </p:sp>
-      <p:sp>
-        <p:nvSpPr>
-          <p:cNvPr id="3" name="Content Placeholder 2"/>
+              <a:rPr lang="en-US"/>
+              <a:t>Hashing Exchange Example </a:t>
+            </a:r>
+          </a:p>
+        </p:txBody>
+      </p:sp>
+      <p:sp>
+        <p:nvSpPr>
+          <p:cNvPr id="3" name="Content Placeholder 2">
+            <a:extLst>
+              <a:ext uri="{FF2B5EF4-FFF2-40B4-BE49-F238E27FC236}">
+                <a16:creationId xmlns="" xmlns:a16="http://schemas.microsoft.com/office/drawing/2014/main" id="{A4EF9C51-4C19-3840-990F-0AFB8AF07ACC}"/>
+              </a:ext>
+            </a:extLst>
+          </p:cNvPr>
           <p:cNvSpPr>
             <a:spLocks noGrp="1"/>
           </p:cNvSpPr>
@@ -14229,17 +13643,7 @@
           <a:bodyPr/>
           <a:lstStyle/>
           <a:p>
-            <a:r>
-              <a:rPr lang="en-US" dirty="0" smtClean="0"/>
-              <a:t>TODO convert some of these examples to .NET Core </a:t>
-            </a:r>
-            <a:r>
-              <a:rPr lang="en-US" dirty="0">
-                <a:hlinkClick r:id="rId2"/>
-              </a:rPr>
-              <a:t>https://www.manning.com/books/rabbitmq-in-depth</a:t>
-            </a:r>
-            <a:endParaRPr lang="en-US" dirty="0"/>
+            <a:endParaRPr lang="en-US"/>
           </a:p>
         </p:txBody>
       </p:sp>
@@ -14269,7 +13673,7 @@
     </p:spTree>
     <p:extLst>
       <p:ext uri="{BB962C8B-B14F-4D97-AF65-F5344CB8AC3E}">
-        <p14:creationId xmlns:p14="http://schemas.microsoft.com/office/powerpoint/2010/main" val="2093570548"/>
+        <p14:creationId xmlns:p14="http://schemas.microsoft.com/office/powerpoint/2010/main" val="146178992"/>
       </p:ext>
     </p:extLst>
   </p:cSld>
@@ -14313,7 +13717,7 @@
           <p:cNvPr id="2" name="Title 1">
             <a:extLst>
               <a:ext uri="{FF2B5EF4-FFF2-40B4-BE49-F238E27FC236}">
-                <a16:creationId xmlns:a16="http://schemas.microsoft.com/office/drawing/2014/main" xmlns="" id="{4FC4142E-6783-FE4B-A9D2-C027FE6A625B}"/>
+                <a16:creationId xmlns="" xmlns:a16="http://schemas.microsoft.com/office/drawing/2014/main" id="{AC7722AF-A2F1-EA42-9015-BE9DB6B90BA9}"/>
               </a:ext>
             </a:extLst>
           </p:cNvPr>
@@ -14331,7 +13735,7 @@
           <a:p>
             <a:r>
               <a:rPr lang="en-US"/>
-              <a:t>Competing Consumers </a:t>
+              <a:t>Rabbitmq use cases</a:t>
             </a:r>
           </a:p>
         </p:txBody>
@@ -14341,7 +13745,7 @@
           <p:cNvPr id="3" name="Content Placeholder 2">
             <a:extLst>
               <a:ext uri="{FF2B5EF4-FFF2-40B4-BE49-F238E27FC236}">
-                <a16:creationId xmlns:a16="http://schemas.microsoft.com/office/drawing/2014/main" xmlns="" id="{D3752558-CD0A-5B4F-8025-DFAE459ACDA1}"/>
+                <a16:creationId xmlns="" xmlns:a16="http://schemas.microsoft.com/office/drawing/2014/main" id="{281E53C3-C76E-E246-B811-36479B204C6E}"/>
               </a:ext>
             </a:extLst>
           </p:cNvPr>
@@ -14352,10 +13756,66 @@
             <p:ph idx="1"/>
           </p:nvPr>
         </p:nvSpPr>
-        <p:spPr/>
+        <p:spPr>
+          <a:xfrm>
+            <a:off x="1266658" y="2133892"/>
+            <a:ext cx="10055781" cy="4459827"/>
+          </a:xfrm>
+        </p:spPr>
         <p:txBody>
           <a:bodyPr/>
           <a:lstStyle/>
+          <a:p>
+            <a:r>
+              <a:rPr lang="en-US" b="1"/>
+              <a:t>Good</a:t>
+            </a:r>
+          </a:p>
+          <a:p>
+            <a:r>
+              <a:rPr lang="en-US"/>
+              <a:t>Event Stream</a:t>
+            </a:r>
+          </a:p>
+          <a:p>
+            <a:r>
+              <a:rPr lang="en-US"/>
+              <a:t>Connecting apps new and old written in different languages </a:t>
+            </a:r>
+          </a:p>
+          <a:p>
+            <a:r>
+              <a:rPr lang="en-US"/>
+              <a:t>When you are uncertain Rabbitmq is a certain  choice multi protocol  and patterns </a:t>
+            </a:r>
+          </a:p>
+          <a:p>
+            <a:r>
+              <a:rPr lang="en-US"/>
+              <a:t>Locality global regional </a:t>
+            </a:r>
+          </a:p>
+          <a:p>
+            <a:r>
+              <a:rPr lang="en-US" b="1"/>
+              <a:t>Bad</a:t>
+            </a:r>
+          </a:p>
+          <a:p>
+            <a:r>
+              <a:rPr lang="en-US"/>
+              <a:t>Large binary videos and images</a:t>
+            </a:r>
+          </a:p>
+          <a:p>
+            <a:r>
+              <a:rPr lang="en-US"/>
+              <a:t>Use as a data store large ques</a:t>
+            </a:r>
+          </a:p>
+          <a:p>
+            <a:endParaRPr lang="en-US"/>
+          </a:p>
           <a:p>
             <a:endParaRPr lang="en-US"/>
           </a:p>
@@ -14387,7 +13847,7 @@
     </p:spTree>
     <p:extLst>
       <p:ext uri="{BB962C8B-B14F-4D97-AF65-F5344CB8AC3E}">
-        <p14:creationId xmlns:p14="http://schemas.microsoft.com/office/powerpoint/2010/main" val="2465318013"/>
+        <p14:creationId xmlns:p14="http://schemas.microsoft.com/office/powerpoint/2010/main" val="1286628553"/>
       </p:ext>
     </p:extLst>
   </p:cSld>
@@ -14431,7 +13891,7 @@
           <p:cNvPr id="2" name="Title 1">
             <a:extLst>
               <a:ext uri="{FF2B5EF4-FFF2-40B4-BE49-F238E27FC236}">
-                <a16:creationId xmlns:a16="http://schemas.microsoft.com/office/drawing/2014/main" xmlns="" id="{A61B8EB7-1AB6-CA46-8DB5-A82AD928BAA5}"/>
+                <a16:creationId xmlns="" xmlns:a16="http://schemas.microsoft.com/office/drawing/2014/main" id="{D19D98D7-1A37-3B46-9F52-28196C859D7B}"/>
               </a:ext>
             </a:extLst>
           </p:cNvPr>
@@ -14449,7 +13909,7 @@
           <a:p>
             <a:r>
               <a:rPr lang="en-US"/>
-              <a:t>Hashing Exchange Example </a:t>
+              <a:t>Lessons Learned</a:t>
             </a:r>
           </a:p>
         </p:txBody>
@@ -14459,7 +13919,7 @@
           <p:cNvPr id="3" name="Content Placeholder 2">
             <a:extLst>
               <a:ext uri="{FF2B5EF4-FFF2-40B4-BE49-F238E27FC236}">
-                <a16:creationId xmlns:a16="http://schemas.microsoft.com/office/drawing/2014/main" xmlns="" id="{A4EF9C51-4C19-3840-990F-0AFB8AF07ACC}"/>
+                <a16:creationId xmlns="" xmlns:a16="http://schemas.microsoft.com/office/drawing/2014/main" id="{886AE7E1-E8C6-9946-9790-4CC0B63F0BDC}"/>
               </a:ext>
             </a:extLst>
           </p:cNvPr>
@@ -14470,12 +13930,103 @@
             <p:ph idx="1"/>
           </p:nvPr>
         </p:nvSpPr>
-        <p:spPr/>
-        <p:txBody>
-          <a:bodyPr/>
+        <p:spPr>
+          <a:xfrm>
+            <a:off x="1195221" y="2055582"/>
+            <a:ext cx="10055781" cy="4023360"/>
+          </a:xfrm>
+        </p:spPr>
+        <p:txBody>
+          <a:bodyPr>
+            <a:normAutofit fontScale="92500" lnSpcReduction="20000"/>
+          </a:bodyPr>
           <a:lstStyle/>
           <a:p>
-            <a:endParaRPr lang="en-US"/>
+            <a:r>
+              <a:rPr lang="en-US"/>
+              <a:t>Don’t just use a framework without understanding the ramifications </a:t>
+            </a:r>
+          </a:p>
+          <a:p>
+            <a:pPr marL="0" indent="0">
+              <a:buNone/>
+            </a:pPr>
+            <a:r>
+              <a:rPr lang="en-US"/>
+              <a:t>Lots of features extensions that can be used instead recreated the wheel.</a:t>
+            </a:r>
+          </a:p>
+          <a:p>
+            <a:pPr marL="0" indent="0">
+              <a:buNone/>
+            </a:pPr>
+            <a:r>
+              <a:rPr lang="en-US"/>
+              <a:t>Management UI runs on same mode handling messages </a:t>
+            </a:r>
+          </a:p>
+          <a:p>
+            <a:pPr marL="0" indent="0">
+              <a:buNone/>
+            </a:pPr>
+            <a:r>
+              <a:rPr lang="en-US"/>
+              <a:t>Connections - dont open new connections with every message. Connections and channels are expensive. 100kb each.</a:t>
+            </a:r>
+          </a:p>
+          <a:p>
+            <a:pPr marL="0" indent="0">
+              <a:buNone/>
+            </a:pPr>
+            <a:r>
+              <a:rPr lang="en-US"/>
+              <a:t>Reuse connections singleton pattern</a:t>
+            </a:r>
+          </a:p>
+          <a:p>
+            <a:pPr marL="0" indent="0">
+              <a:buNone/>
+            </a:pPr>
+            <a:r>
+              <a:rPr lang="en-US"/>
+              <a:t>RabbitMQ is optimized for long lived connections Don't let queues grow 10 000 messages is too much limit with TTL or max sizeSend persistent messages and use durable queues and exchange </a:t>
+            </a:r>
+          </a:p>
+          <a:p>
+            <a:pPr marL="0" indent="0">
+              <a:buNone/>
+            </a:pPr>
+            <a:r>
+              <a:rPr lang="en-US"/>
+              <a:t>Use publisher confirms</a:t>
+            </a:r>
+          </a:p>
+          <a:p>
+            <a:pPr marL="0" indent="0">
+              <a:buNone/>
+            </a:pPr>
+            <a:r>
+              <a:rPr lang="en-US"/>
+              <a:t>Adjust pre fetch RMPS 3.7 has a default of 50</a:t>
+            </a:r>
+          </a:p>
+          <a:p>
+            <a:pPr marL="0" indent="0">
+              <a:buNone/>
+            </a:pPr>
+            <a:r>
+              <a:rPr lang="en-US"/>
+              <a:t>RabbitMQ in a containers need to persist state</a:t>
+            </a:r>
+          </a:p>
+          <a:p>
+            <a:pPr marL="0" indent="0">
+              <a:buNone/>
+            </a:pPr>
+            <a:r>
+              <a:rPr lang="en-US"/>
+              <a:t>Heartbeats </a:t>
+            </a:r>
           </a:p>
         </p:txBody>
       </p:sp>
@@ -14505,7 +14056,7 @@
     </p:spTree>
     <p:extLst>
       <p:ext uri="{BB962C8B-B14F-4D97-AF65-F5344CB8AC3E}">
-        <p14:creationId xmlns:p14="http://schemas.microsoft.com/office/powerpoint/2010/main" val="146178992"/>
+        <p14:creationId xmlns:p14="http://schemas.microsoft.com/office/powerpoint/2010/main" val="4264667607"/>
       </p:ext>
     </p:extLst>
   </p:cSld>
@@ -14549,7 +14100,7 @@
           <p:cNvPr id="2" name="Title 1">
             <a:extLst>
               <a:ext uri="{FF2B5EF4-FFF2-40B4-BE49-F238E27FC236}">
-                <a16:creationId xmlns:a16="http://schemas.microsoft.com/office/drawing/2014/main" xmlns="" id="{AC7722AF-A2F1-EA42-9015-BE9DB6B90BA9}"/>
+                <a16:creationId xmlns="" xmlns:a16="http://schemas.microsoft.com/office/drawing/2014/main" id="{971608B8-DFEE-304F-9A34-6CFB34F956DC}"/>
               </a:ext>
             </a:extLst>
           </p:cNvPr>
@@ -14560,544 +14111,6 @@
             <p:ph type="title"/>
           </p:nvPr>
         </p:nvSpPr>
-        <p:spPr/>
-        <p:txBody>
-          <a:bodyPr/>
-          <a:lstStyle/>
-          <a:p>
-            <a:r>
-              <a:rPr lang="en-US"/>
-              <a:t>Rabbitmq use cases</a:t>
-            </a:r>
-          </a:p>
-        </p:txBody>
-      </p:sp>
-      <p:sp>
-        <p:nvSpPr>
-          <p:cNvPr id="3" name="Content Placeholder 2">
-            <a:extLst>
-              <a:ext uri="{FF2B5EF4-FFF2-40B4-BE49-F238E27FC236}">
-                <a16:creationId xmlns:a16="http://schemas.microsoft.com/office/drawing/2014/main" xmlns="" id="{281E53C3-C76E-E246-B811-36479B204C6E}"/>
-              </a:ext>
-            </a:extLst>
-          </p:cNvPr>
-          <p:cNvSpPr>
-            <a:spLocks noGrp="1"/>
-          </p:cNvSpPr>
-          <p:nvPr>
-            <p:ph idx="1"/>
-          </p:nvPr>
-        </p:nvSpPr>
-        <p:spPr>
-          <a:xfrm>
-            <a:off x="1266658" y="2133892"/>
-            <a:ext cx="10055781" cy="4459827"/>
-          </a:xfrm>
-        </p:spPr>
-        <p:txBody>
-          <a:bodyPr/>
-          <a:lstStyle/>
-          <a:p>
-            <a:r>
-              <a:rPr lang="en-US" b="1"/>
-              <a:t>Good</a:t>
-            </a:r>
-          </a:p>
-          <a:p>
-            <a:r>
-              <a:rPr lang="en-US"/>
-              <a:t>Event Stream</a:t>
-            </a:r>
-          </a:p>
-          <a:p>
-            <a:r>
-              <a:rPr lang="en-US"/>
-              <a:t>Connecting apps new and old written in different languages </a:t>
-            </a:r>
-          </a:p>
-          <a:p>
-            <a:r>
-              <a:rPr lang="en-US"/>
-              <a:t>When you are uncertain Rabbitmq is a certain  choice multi protocol  and patterns </a:t>
-            </a:r>
-          </a:p>
-          <a:p>
-            <a:r>
-              <a:rPr lang="en-US"/>
-              <a:t>Locality global regional </a:t>
-            </a:r>
-          </a:p>
-          <a:p>
-            <a:r>
-              <a:rPr lang="en-US" b="1"/>
-              <a:t>Bad</a:t>
-            </a:r>
-          </a:p>
-          <a:p>
-            <a:r>
-              <a:rPr lang="en-US"/>
-              <a:t>Large binary videos and images</a:t>
-            </a:r>
-          </a:p>
-          <a:p>
-            <a:r>
-              <a:rPr lang="en-US"/>
-              <a:t>Use as a data store large ques</a:t>
-            </a:r>
-          </a:p>
-          <a:p>
-            <a:endParaRPr lang="en-US"/>
-          </a:p>
-          <a:p>
-            <a:endParaRPr lang="en-US"/>
-          </a:p>
-        </p:txBody>
-      </p:sp>
-      <p:sp>
-        <p:nvSpPr>
-          <p:cNvPr id="4" name="Footer Placeholder 3"/>
-          <p:cNvSpPr>
-            <a:spLocks noGrp="1"/>
-          </p:cNvSpPr>
-          <p:nvPr>
-            <p:ph type="ftr" sz="quarter" idx="11"/>
-          </p:nvPr>
-        </p:nvSpPr>
-        <p:spPr/>
-        <p:txBody>
-          <a:bodyPr/>
-          <a:lstStyle/>
-          <a:p>
-            <a:r>
-              <a:rPr lang="en-US" dirty="0" smtClean="0"/>
-              <a:t>@jsonrow</a:t>
-            </a:r>
-            <a:endParaRPr lang="en-US" dirty="0"/>
-          </a:p>
-        </p:txBody>
-      </p:sp>
-    </p:spTree>
-    <p:extLst>
-      <p:ext uri="{BB962C8B-B14F-4D97-AF65-F5344CB8AC3E}">
-        <p14:creationId xmlns:p14="http://schemas.microsoft.com/office/powerpoint/2010/main" val="1286628553"/>
-      </p:ext>
-    </p:extLst>
-  </p:cSld>
-  <p:clrMapOvr>
-    <a:masterClrMapping/>
-  </p:clrMapOvr>
-  <mc:AlternateContent xmlns:mc="http://schemas.openxmlformats.org/markup-compatibility/2006" xmlns:p14="http://schemas.microsoft.com/office/powerpoint/2010/main">
-    <mc:Choice Requires="p14">
-      <p:transition spd="med" p14:dur="700">
-        <p:fade/>
-      </p:transition>
-    </mc:Choice>
-    <mc:Fallback xmlns="">
-      <p:transition spd="med">
-        <p:fade/>
-      </p:transition>
-    </mc:Fallback>
-  </mc:AlternateContent>
-</p:sld>
-</file>
-
-<file path=ppt/slides/slide19.xml><?xml version="1.0" encoding="utf-8"?>
-<p:sld xmlns:a="http://schemas.openxmlformats.org/drawingml/2006/main" xmlns:r="http://schemas.openxmlformats.org/officeDocument/2006/relationships" xmlns:p="http://schemas.openxmlformats.org/presentationml/2006/main">
-  <p:cSld>
-    <p:spTree>
-      <p:nvGrpSpPr>
-        <p:cNvPr id="1" name=""/>
-        <p:cNvGrpSpPr/>
-        <p:nvPr/>
-      </p:nvGrpSpPr>
-      <p:grpSpPr>
-        <a:xfrm>
-          <a:off x="0" y="0"/>
-          <a:ext cx="0" cy="0"/>
-          <a:chOff x="0" y="0"/>
-          <a:chExt cx="0" cy="0"/>
-        </a:xfrm>
-      </p:grpSpPr>
-      <p:sp>
-        <p:nvSpPr>
-          <p:cNvPr id="2" name="Title 1">
-            <a:extLst>
-              <a:ext uri="{FF2B5EF4-FFF2-40B4-BE49-F238E27FC236}">
-                <a16:creationId xmlns:a16="http://schemas.microsoft.com/office/drawing/2014/main" xmlns="" id="{D19D98D7-1A37-3B46-9F52-28196C859D7B}"/>
-              </a:ext>
-            </a:extLst>
-          </p:cNvPr>
-          <p:cNvSpPr>
-            <a:spLocks noGrp="1"/>
-          </p:cNvSpPr>
-          <p:nvPr>
-            <p:ph type="title"/>
-          </p:nvPr>
-        </p:nvSpPr>
-        <p:spPr/>
-        <p:txBody>
-          <a:bodyPr/>
-          <a:lstStyle/>
-          <a:p>
-            <a:r>
-              <a:rPr lang="en-US"/>
-              <a:t>Lessons Learned</a:t>
-            </a:r>
-          </a:p>
-        </p:txBody>
-      </p:sp>
-      <p:sp>
-        <p:nvSpPr>
-          <p:cNvPr id="3" name="Content Placeholder 2">
-            <a:extLst>
-              <a:ext uri="{FF2B5EF4-FFF2-40B4-BE49-F238E27FC236}">
-                <a16:creationId xmlns:a16="http://schemas.microsoft.com/office/drawing/2014/main" xmlns="" id="{886AE7E1-E8C6-9946-9790-4CC0B63F0BDC}"/>
-              </a:ext>
-            </a:extLst>
-          </p:cNvPr>
-          <p:cNvSpPr>
-            <a:spLocks noGrp="1"/>
-          </p:cNvSpPr>
-          <p:nvPr>
-            <p:ph idx="1"/>
-          </p:nvPr>
-        </p:nvSpPr>
-        <p:spPr>
-          <a:xfrm>
-            <a:off x="1195221" y="2055582"/>
-            <a:ext cx="10055781" cy="4023360"/>
-          </a:xfrm>
-        </p:spPr>
-        <p:txBody>
-          <a:bodyPr>
-            <a:normAutofit fontScale="92500" lnSpcReduction="20000"/>
-          </a:bodyPr>
-          <a:lstStyle/>
-          <a:p>
-            <a:r>
-              <a:rPr lang="en-US"/>
-              <a:t>Don’t just use a framework without understanding the ramifications </a:t>
-            </a:r>
-          </a:p>
-          <a:p>
-            <a:pPr marL="0" indent="0">
-              <a:buNone/>
-            </a:pPr>
-            <a:r>
-              <a:rPr lang="en-US"/>
-              <a:t>Lots of features extensions that can be used instead recreated the wheel.</a:t>
-            </a:r>
-          </a:p>
-          <a:p>
-            <a:pPr marL="0" indent="0">
-              <a:buNone/>
-            </a:pPr>
-            <a:r>
-              <a:rPr lang="en-US"/>
-              <a:t>Management UI runs on same mode handling messages </a:t>
-            </a:r>
-          </a:p>
-          <a:p>
-            <a:pPr marL="0" indent="0">
-              <a:buNone/>
-            </a:pPr>
-            <a:r>
-              <a:rPr lang="en-US"/>
-              <a:t>Connections - dont open new connections with every message. Connections and channels are expensive. 100kb each.</a:t>
-            </a:r>
-          </a:p>
-          <a:p>
-            <a:pPr marL="0" indent="0">
-              <a:buNone/>
-            </a:pPr>
-            <a:r>
-              <a:rPr lang="en-US"/>
-              <a:t>Reuse connections singleton pattern</a:t>
-            </a:r>
-          </a:p>
-          <a:p>
-            <a:pPr marL="0" indent="0">
-              <a:buNone/>
-            </a:pPr>
-            <a:r>
-              <a:rPr lang="en-US"/>
-              <a:t>RabbitMQ is optimized for long lived connections Don't let queues grow 10 000 messages is too much limit with TTL or max sizeSend persistent messages and use durable queues and exchange </a:t>
-            </a:r>
-          </a:p>
-          <a:p>
-            <a:pPr marL="0" indent="0">
-              <a:buNone/>
-            </a:pPr>
-            <a:r>
-              <a:rPr lang="en-US"/>
-              <a:t>Use publisher confirms</a:t>
-            </a:r>
-          </a:p>
-          <a:p>
-            <a:pPr marL="0" indent="0">
-              <a:buNone/>
-            </a:pPr>
-            <a:r>
-              <a:rPr lang="en-US"/>
-              <a:t>Adjust pre fetch RMPS 3.7 has a default of 50</a:t>
-            </a:r>
-          </a:p>
-          <a:p>
-            <a:pPr marL="0" indent="0">
-              <a:buNone/>
-            </a:pPr>
-            <a:r>
-              <a:rPr lang="en-US"/>
-              <a:t>RabbitMQ in a containers need to persist state</a:t>
-            </a:r>
-          </a:p>
-          <a:p>
-            <a:pPr marL="0" indent="0">
-              <a:buNone/>
-            </a:pPr>
-            <a:r>
-              <a:rPr lang="en-US"/>
-              <a:t>Heartbeats </a:t>
-            </a:r>
-          </a:p>
-        </p:txBody>
-      </p:sp>
-      <p:sp>
-        <p:nvSpPr>
-          <p:cNvPr id="4" name="Footer Placeholder 3"/>
-          <p:cNvSpPr>
-            <a:spLocks noGrp="1"/>
-          </p:cNvSpPr>
-          <p:nvPr>
-            <p:ph type="ftr" sz="quarter" idx="11"/>
-          </p:nvPr>
-        </p:nvSpPr>
-        <p:spPr/>
-        <p:txBody>
-          <a:bodyPr/>
-          <a:lstStyle/>
-          <a:p>
-            <a:r>
-              <a:rPr lang="en-US" dirty="0" smtClean="0"/>
-              <a:t>@jsonrow</a:t>
-            </a:r>
-            <a:endParaRPr lang="en-US" dirty="0"/>
-          </a:p>
-        </p:txBody>
-      </p:sp>
-    </p:spTree>
-    <p:extLst>
-      <p:ext uri="{BB962C8B-B14F-4D97-AF65-F5344CB8AC3E}">
-        <p14:creationId xmlns:p14="http://schemas.microsoft.com/office/powerpoint/2010/main" val="4264667607"/>
-      </p:ext>
-    </p:extLst>
-  </p:cSld>
-  <p:clrMapOvr>
-    <a:masterClrMapping/>
-  </p:clrMapOvr>
-  <mc:AlternateContent xmlns:mc="http://schemas.openxmlformats.org/markup-compatibility/2006" xmlns:p14="http://schemas.microsoft.com/office/powerpoint/2010/main">
-    <mc:Choice Requires="p14">
-      <p:transition spd="med" p14:dur="700">
-        <p:fade/>
-      </p:transition>
-    </mc:Choice>
-    <mc:Fallback xmlns="">
-      <p:transition spd="med">
-        <p:fade/>
-      </p:transition>
-    </mc:Fallback>
-  </mc:AlternateContent>
-</p:sld>
-</file>
-
-<file path=ppt/slides/slide2.xml><?xml version="1.0" encoding="utf-8"?>
-<p:sld xmlns:a="http://schemas.openxmlformats.org/drawingml/2006/main" xmlns:r="http://schemas.openxmlformats.org/officeDocument/2006/relationships" xmlns:p="http://schemas.openxmlformats.org/presentationml/2006/main">
-  <p:cSld>
-    <p:spTree>
-      <p:nvGrpSpPr>
-        <p:cNvPr id="1" name=""/>
-        <p:cNvGrpSpPr/>
-        <p:nvPr/>
-      </p:nvGrpSpPr>
-      <p:grpSpPr>
-        <a:xfrm>
-          <a:off x="0" y="0"/>
-          <a:ext cx="0" cy="0"/>
-          <a:chOff x="0" y="0"/>
-          <a:chExt cx="0" cy="0"/>
-        </a:xfrm>
-      </p:grpSpPr>
-      <p:sp>
-        <p:nvSpPr>
-          <p:cNvPr id="3" name="Title 2"/>
-          <p:cNvSpPr>
-            <a:spLocks noGrp="1"/>
-          </p:cNvSpPr>
-          <p:nvPr>
-            <p:ph type="title"/>
-          </p:nvPr>
-        </p:nvSpPr>
-        <p:spPr/>
-        <p:txBody>
-          <a:bodyPr/>
-          <a:lstStyle/>
-          <a:p>
-            <a:r>
-              <a:rPr lang="en-US" dirty="0" err="1"/>
-              <a:t>RabbitMQ</a:t>
-            </a:r>
-            <a:r>
-              <a:rPr lang="en-US" dirty="0"/>
-              <a:t> Overview </a:t>
-            </a:r>
-            <a:endParaRPr lang="en-US" dirty="0"/>
-          </a:p>
-        </p:txBody>
-      </p:sp>
-      <p:sp>
-        <p:nvSpPr>
-          <p:cNvPr id="5" name="Text Placeholder 4"/>
-          <p:cNvSpPr>
-            <a:spLocks noGrp="1"/>
-          </p:cNvSpPr>
-          <p:nvPr>
-            <p:ph type="body" sz="half" idx="2"/>
-          </p:nvPr>
-        </p:nvSpPr>
-        <p:spPr/>
-        <p:txBody>
-          <a:bodyPr/>
-          <a:lstStyle/>
-          <a:p>
-            <a:r>
-              <a:rPr lang="en-US" dirty="0" smtClean="0"/>
-              <a:t>What is </a:t>
-            </a:r>
-            <a:r>
-              <a:rPr lang="en-US" dirty="0" err="1" smtClean="0"/>
-              <a:t>RabbitMQ</a:t>
-            </a:r>
-            <a:r>
-              <a:rPr lang="en-US" dirty="0" smtClean="0"/>
-              <a:t>?</a:t>
-            </a:r>
-            <a:endParaRPr lang="en-US" dirty="0"/>
-          </a:p>
-        </p:txBody>
-      </p:sp>
-      <p:sp>
-        <p:nvSpPr>
-          <p:cNvPr id="2" name="Footer Placeholder 1"/>
-          <p:cNvSpPr>
-            <a:spLocks noGrp="1"/>
-          </p:cNvSpPr>
-          <p:nvPr>
-            <p:ph type="ftr" sz="quarter" idx="11"/>
-          </p:nvPr>
-        </p:nvSpPr>
-        <p:spPr/>
-        <p:txBody>
-          <a:bodyPr/>
-          <a:lstStyle/>
-          <a:p>
-            <a:r>
-              <a:rPr lang="en-US" dirty="0" smtClean="0"/>
-              <a:t>@jsonrow</a:t>
-            </a:r>
-            <a:endParaRPr lang="en-US" dirty="0"/>
-          </a:p>
-        </p:txBody>
-      </p:sp>
-      <p:pic>
-        <p:nvPicPr>
-          <p:cNvPr id="14" name="Picture Placeholder 13"/>
-          <p:cNvPicPr>
-            <a:picLocks noGrp="1" noChangeAspect="1"/>
-          </p:cNvPicPr>
-          <p:nvPr>
-            <p:ph type="pic" idx="1"/>
-          </p:nvPr>
-        </p:nvPicPr>
-        <p:blipFill>
-          <a:blip r:embed="rId3">
-            <a:extLst>
-              <a:ext uri="{28A0092B-C50C-407E-A947-70E740481C1C}">
-                <a14:useLocalDpi xmlns:a14="http://schemas.microsoft.com/office/drawing/2010/main" val="0"/>
-              </a:ext>
-            </a:extLst>
-          </a:blip>
-          <a:srcRect t="14157" b="14157"/>
-          <a:stretch>
-            <a:fillRect/>
-          </a:stretch>
-        </p:blipFill>
-        <p:spPr/>
-      </p:pic>
-    </p:spTree>
-    <p:extLst>
-      <p:ext uri="{BB962C8B-B14F-4D97-AF65-F5344CB8AC3E}">
-        <p14:creationId xmlns:p14="http://schemas.microsoft.com/office/powerpoint/2010/main" val="4134237954"/>
-      </p:ext>
-    </p:extLst>
-  </p:cSld>
-  <p:clrMapOvr>
-    <a:masterClrMapping/>
-  </p:clrMapOvr>
-  <mc:AlternateContent xmlns:mc="http://schemas.openxmlformats.org/markup-compatibility/2006" xmlns:p14="http://schemas.microsoft.com/office/powerpoint/2010/main">
-    <mc:Choice Requires="p14">
-      <p:transition spd="med" p14:dur="700">
-        <p:fade/>
-      </p:transition>
-    </mc:Choice>
-    <mc:Fallback xmlns="">
-      <p:transition spd="med">
-        <p:fade/>
-      </p:transition>
-    </mc:Fallback>
-  </mc:AlternateContent>
-  <p:timing>
-    <p:tnLst>
-      <p:par>
-        <p:cTn id="1" dur="indefinite" restart="never" nodeType="tmRoot"/>
-      </p:par>
-    </p:tnLst>
-  </p:timing>
-</p:sld>
-</file>
-
-<file path=ppt/slides/slide20.xml><?xml version="1.0" encoding="utf-8"?>
-<p:sld xmlns:a="http://schemas.openxmlformats.org/drawingml/2006/main" xmlns:r="http://schemas.openxmlformats.org/officeDocument/2006/relationships" xmlns:p="http://schemas.openxmlformats.org/presentationml/2006/main">
-  <p:cSld>
-    <p:spTree>
-      <p:nvGrpSpPr>
-        <p:cNvPr id="1" name=""/>
-        <p:cNvGrpSpPr/>
-        <p:nvPr/>
-      </p:nvGrpSpPr>
-      <p:grpSpPr>
-        <a:xfrm>
-          <a:off x="0" y="0"/>
-          <a:ext cx="0" cy="0"/>
-          <a:chOff x="0" y="0"/>
-          <a:chExt cx="0" cy="0"/>
-        </a:xfrm>
-      </p:grpSpPr>
-      <p:sp>
-        <p:nvSpPr>
-          <p:cNvPr id="2" name="Title 1">
-            <a:extLst>
-              <a:ext uri="{FF2B5EF4-FFF2-40B4-BE49-F238E27FC236}">
-                <a16:creationId xmlns:a16="http://schemas.microsoft.com/office/drawing/2014/main" xmlns="" id="{971608B8-DFEE-304F-9A34-6CFB34F956DC}"/>
-              </a:ext>
-            </a:extLst>
-          </p:cNvPr>
-          <p:cNvSpPr>
-            <a:spLocks noGrp="1"/>
-          </p:cNvSpPr>
-          <p:nvPr>
-            <p:ph type="title"/>
-          </p:nvPr>
-        </p:nvSpPr>
         <p:spPr>
           <a:xfrm>
             <a:off x="1096994" y="286604"/>
@@ -15120,7 +14133,7 @@
           <p:cNvPr id="3" name="Content Placeholder 2">
             <a:extLst>
               <a:ext uri="{FF2B5EF4-FFF2-40B4-BE49-F238E27FC236}">
-                <a16:creationId xmlns:a16="http://schemas.microsoft.com/office/drawing/2014/main" xmlns="" id="{4B048B99-F63C-C94A-B4B2-5BB0B7C84EA9}"/>
+                <a16:creationId xmlns="" xmlns:a16="http://schemas.microsoft.com/office/drawing/2014/main" id="{4B048B99-F63C-C94A-B4B2-5BB0B7C84EA9}"/>
               </a:ext>
             </a:extLst>
           </p:cNvPr>
@@ -15292,7 +14305,7 @@
 </p:sld>
 </file>
 
-<file path=ppt/slides/slide21.xml><?xml version="1.0" encoding="utf-8"?>
+<file path=ppt/slides/slide19.xml><?xml version="1.0" encoding="utf-8"?>
 <p:sld xmlns:a="http://schemas.openxmlformats.org/drawingml/2006/main" xmlns:r="http://schemas.openxmlformats.org/officeDocument/2006/relationships" xmlns:p="http://schemas.openxmlformats.org/presentationml/2006/main">
   <p:cSld>
     <p:spTree>
@@ -15710,7 +14723,7 @@
 </p:sld>
 </file>
 
-<file path=ppt/slides/slide22.xml><?xml version="1.0" encoding="utf-8"?>
+<file path=ppt/slides/slide2.xml><?xml version="1.0" encoding="utf-8"?>
 <p:sld xmlns:a="http://schemas.openxmlformats.org/drawingml/2006/main" xmlns:r="http://schemas.openxmlformats.org/officeDocument/2006/relationships" xmlns:p="http://schemas.openxmlformats.org/presentationml/2006/main">
   <p:cSld>
     <p:spTree>
@@ -15729,10 +14742,164 @@
       </p:grpSpPr>
       <p:sp>
         <p:nvSpPr>
+          <p:cNvPr id="3" name="Title 2"/>
+          <p:cNvSpPr>
+            <a:spLocks noGrp="1"/>
+          </p:cNvSpPr>
+          <p:nvPr>
+            <p:ph type="title"/>
+          </p:nvPr>
+        </p:nvSpPr>
+        <p:spPr/>
+        <p:txBody>
+          <a:bodyPr/>
+          <a:lstStyle/>
+          <a:p>
+            <a:r>
+              <a:rPr lang="en-US" dirty="0" err="1"/>
+              <a:t>RabbitMQ</a:t>
+            </a:r>
+            <a:r>
+              <a:rPr lang="en-US" dirty="0"/>
+              <a:t> Overview </a:t>
+            </a:r>
+          </a:p>
+        </p:txBody>
+      </p:sp>
+      <p:sp>
+        <p:nvSpPr>
+          <p:cNvPr id="5" name="Text Placeholder 4"/>
+          <p:cNvSpPr>
+            <a:spLocks noGrp="1"/>
+          </p:cNvSpPr>
+          <p:nvPr>
+            <p:ph type="body" sz="half" idx="2"/>
+          </p:nvPr>
+        </p:nvSpPr>
+        <p:spPr/>
+        <p:txBody>
+          <a:bodyPr/>
+          <a:lstStyle/>
+          <a:p>
+            <a:r>
+              <a:rPr lang="en-US" dirty="0" smtClean="0"/>
+              <a:t>What is </a:t>
+            </a:r>
+            <a:r>
+              <a:rPr lang="en-US" dirty="0" err="1" smtClean="0"/>
+              <a:t>RabbitMQ</a:t>
+            </a:r>
+            <a:r>
+              <a:rPr lang="en-US" dirty="0" smtClean="0"/>
+              <a:t>?</a:t>
+            </a:r>
+            <a:endParaRPr lang="en-US" dirty="0"/>
+          </a:p>
+        </p:txBody>
+      </p:sp>
+      <p:sp>
+        <p:nvSpPr>
+          <p:cNvPr id="2" name="Footer Placeholder 1"/>
+          <p:cNvSpPr>
+            <a:spLocks noGrp="1"/>
+          </p:cNvSpPr>
+          <p:nvPr>
+            <p:ph type="ftr" sz="quarter" idx="11"/>
+          </p:nvPr>
+        </p:nvSpPr>
+        <p:spPr/>
+        <p:txBody>
+          <a:bodyPr/>
+          <a:lstStyle/>
+          <a:p>
+            <a:r>
+              <a:rPr lang="en-US" dirty="0" smtClean="0"/>
+              <a:t>@jsonrow</a:t>
+            </a:r>
+            <a:endParaRPr lang="en-US" dirty="0"/>
+          </a:p>
+        </p:txBody>
+      </p:sp>
+      <p:pic>
+        <p:nvPicPr>
+          <p:cNvPr id="14" name="Picture Placeholder 13"/>
+          <p:cNvPicPr>
+            <a:picLocks noGrp="1" noChangeAspect="1"/>
+          </p:cNvPicPr>
+          <p:nvPr>
+            <p:ph type="pic" idx="1"/>
+          </p:nvPr>
+        </p:nvPicPr>
+        <p:blipFill>
+          <a:blip r:embed="rId3">
+            <a:extLst>
+              <a:ext uri="{28A0092B-C50C-407E-A947-70E740481C1C}">
+                <a14:useLocalDpi xmlns:a14="http://schemas.microsoft.com/office/drawing/2010/main" val="0"/>
+              </a:ext>
+            </a:extLst>
+          </a:blip>
+          <a:srcRect t="14157" b="14157"/>
+          <a:stretch>
+            <a:fillRect/>
+          </a:stretch>
+        </p:blipFill>
+        <p:spPr/>
+      </p:pic>
+    </p:spTree>
+    <p:extLst>
+      <p:ext uri="{BB962C8B-B14F-4D97-AF65-F5344CB8AC3E}">
+        <p14:creationId xmlns:p14="http://schemas.microsoft.com/office/powerpoint/2010/main" val="4134237954"/>
+      </p:ext>
+    </p:extLst>
+  </p:cSld>
+  <p:clrMapOvr>
+    <a:masterClrMapping/>
+  </p:clrMapOvr>
+  <mc:AlternateContent xmlns:mc="http://schemas.openxmlformats.org/markup-compatibility/2006" xmlns:p14="http://schemas.microsoft.com/office/powerpoint/2010/main">
+    <mc:Choice Requires="p14">
+      <p:transition spd="med" p14:dur="700">
+        <p:fade/>
+      </p:transition>
+    </mc:Choice>
+    <mc:Fallback xmlns="">
+      <p:transition spd="med">
+        <p:fade/>
+      </p:transition>
+    </mc:Fallback>
+  </mc:AlternateContent>
+  <p:timing>
+    <p:tnLst>
+      <p:par>
+        <p:cTn id="1" dur="indefinite" restart="never" nodeType="tmRoot"/>
+      </p:par>
+    </p:tnLst>
+  </p:timing>
+</p:sld>
+</file>
+
+<file path=ppt/slides/slide20.xml><?xml version="1.0" encoding="utf-8"?>
+<p:sld xmlns:a="http://schemas.openxmlformats.org/drawingml/2006/main" xmlns:r="http://schemas.openxmlformats.org/officeDocument/2006/relationships" xmlns:p="http://schemas.openxmlformats.org/presentationml/2006/main">
+  <p:cSld>
+    <p:spTree>
+      <p:nvGrpSpPr>
+        <p:cNvPr id="1" name=""/>
+        <p:cNvGrpSpPr/>
+        <p:nvPr/>
+      </p:nvGrpSpPr>
+      <p:grpSpPr>
+        <a:xfrm>
+          <a:off x="0" y="0"/>
+          <a:ext cx="0" cy="0"/>
+          <a:chOff x="0" y="0"/>
+          <a:chExt cx="0" cy="0"/>
+        </a:xfrm>
+      </p:grpSpPr>
+      <p:sp>
+        <p:nvSpPr>
           <p:cNvPr id="2" name="Title 1">
             <a:extLst>
               <a:ext uri="{FF2B5EF4-FFF2-40B4-BE49-F238E27FC236}">
-                <a16:creationId xmlns:a16="http://schemas.microsoft.com/office/drawing/2014/main" xmlns="" id="{21A62E6F-8298-1C47-AF4C-D6B380DC5E27}"/>
+                <a16:creationId xmlns="" xmlns:a16="http://schemas.microsoft.com/office/drawing/2014/main" id="{21A62E6F-8298-1C47-AF4C-D6B380DC5E27}"/>
               </a:ext>
             </a:extLst>
           </p:cNvPr>
@@ -15760,7 +14927,7 @@
           <p:cNvPr id="3" name="Content Placeholder 2">
             <a:extLst>
               <a:ext uri="{FF2B5EF4-FFF2-40B4-BE49-F238E27FC236}">
-                <a16:creationId xmlns:a16="http://schemas.microsoft.com/office/drawing/2014/main" xmlns="" id="{B8E69FE9-10A4-C042-92DF-E8733DFFC11A}"/>
+                <a16:creationId xmlns="" xmlns:a16="http://schemas.microsoft.com/office/drawing/2014/main" id="{B8E69FE9-10A4-C042-92DF-E8733DFFC11A}"/>
               </a:ext>
             </a:extLst>
           </p:cNvPr>
@@ -15933,6 +15100,315 @@
 </p:sld>
 </file>
 
+<file path=ppt/slides/slide21.xml><?xml version="1.0" encoding="utf-8"?>
+<p:sld xmlns:a="http://schemas.openxmlformats.org/drawingml/2006/main" xmlns:r="http://schemas.openxmlformats.org/officeDocument/2006/relationships" xmlns:p="http://schemas.openxmlformats.org/presentationml/2006/main">
+  <p:cSld>
+    <p:spTree>
+      <p:nvGrpSpPr>
+        <p:cNvPr id="1" name=""/>
+        <p:cNvGrpSpPr/>
+        <p:nvPr/>
+      </p:nvGrpSpPr>
+      <p:grpSpPr>
+        <a:xfrm>
+          <a:off x="0" y="0"/>
+          <a:ext cx="0" cy="0"/>
+          <a:chOff x="0" y="0"/>
+          <a:chExt cx="0" cy="0"/>
+        </a:xfrm>
+      </p:grpSpPr>
+      <p:sp>
+        <p:nvSpPr>
+          <p:cNvPr id="2" name="Title 1">
+            <a:extLst>
+              <a:ext uri="{FF2B5EF4-FFF2-40B4-BE49-F238E27FC236}">
+                <a16:creationId xmlns="" xmlns:a16="http://schemas.microsoft.com/office/drawing/2014/main" id="{3361FBBD-A24C-6D42-8F8A-A6AA065CB091}"/>
+              </a:ext>
+            </a:extLst>
+          </p:cNvPr>
+          <p:cNvSpPr>
+            <a:spLocks noGrp="1"/>
+          </p:cNvSpPr>
+          <p:nvPr>
+            <p:ph type="title"/>
+          </p:nvPr>
+        </p:nvSpPr>
+        <p:spPr/>
+        <p:txBody>
+          <a:bodyPr/>
+          <a:lstStyle/>
+          <a:p>
+            <a:r>
+              <a:rPr lang="en-US"/>
+              <a:t>High Performance </a:t>
+            </a:r>
+          </a:p>
+        </p:txBody>
+      </p:sp>
+      <p:sp>
+        <p:nvSpPr>
+          <p:cNvPr id="3" name="Content Placeholder 2">
+            <a:extLst>
+              <a:ext uri="{FF2B5EF4-FFF2-40B4-BE49-F238E27FC236}">
+                <a16:creationId xmlns="" xmlns:a16="http://schemas.microsoft.com/office/drawing/2014/main" id="{6740D746-4A8D-C247-BFC8-427B66B6126A}"/>
+              </a:ext>
+            </a:extLst>
+          </p:cNvPr>
+          <p:cNvSpPr>
+            <a:spLocks noGrp="1"/>
+          </p:cNvSpPr>
+          <p:nvPr>
+            <p:ph idx="1"/>
+          </p:nvPr>
+        </p:nvSpPr>
+        <p:spPr/>
+        <p:txBody>
+          <a:bodyPr/>
+          <a:lstStyle/>
+          <a:p>
+            <a:r>
+              <a:rPr lang="en-US" dirty="0"/>
+              <a:t>Enable </a:t>
+            </a:r>
+            <a:r>
+              <a:rPr lang="en-US" dirty="0" err="1"/>
+              <a:t>HiPE</a:t>
+            </a:r>
+            <a:endParaRPr lang="en-US" dirty="0"/>
+          </a:p>
+          <a:p>
+            <a:r>
+              <a:rPr lang="en-US" dirty="0"/>
+              <a:t>Disable </a:t>
+            </a:r>
+            <a:r>
+              <a:rPr lang="en-US" dirty="0" err="1"/>
+              <a:t>LazyQueue</a:t>
+            </a:r>
+            <a:endParaRPr lang="en-US" dirty="0"/>
+          </a:p>
+          <a:p>
+            <a:r>
+              <a:rPr lang="en-US" dirty="0"/>
+              <a:t>Short queues</a:t>
+            </a:r>
+          </a:p>
+          <a:p>
+            <a:r>
+              <a:rPr lang="en-US" dirty="0"/>
+              <a:t>Avoid multiple nodes </a:t>
+            </a:r>
+          </a:p>
+          <a:p>
+            <a:r>
+              <a:rPr lang="en-US" dirty="0"/>
+              <a:t>Transient  Messages </a:t>
+            </a:r>
+          </a:p>
+          <a:p>
+            <a:r>
+              <a:rPr lang="en-US" dirty="0"/>
+              <a:t>Disable Ha</a:t>
+            </a:r>
+          </a:p>
+          <a:p>
+            <a:endParaRPr lang="en-US" dirty="0"/>
+          </a:p>
+          <a:p>
+            <a:endParaRPr lang="en-US" dirty="0"/>
+          </a:p>
+        </p:txBody>
+      </p:sp>
+      <p:sp>
+        <p:nvSpPr>
+          <p:cNvPr id="4" name="Footer Placeholder 3"/>
+          <p:cNvSpPr>
+            <a:spLocks noGrp="1"/>
+          </p:cNvSpPr>
+          <p:nvPr>
+            <p:ph type="ftr" sz="quarter" idx="11"/>
+          </p:nvPr>
+        </p:nvSpPr>
+        <p:spPr/>
+        <p:txBody>
+          <a:bodyPr/>
+          <a:lstStyle/>
+          <a:p>
+            <a:r>
+              <a:rPr lang="en-US" dirty="0" smtClean="0"/>
+              <a:t>@jsonrow</a:t>
+            </a:r>
+            <a:endParaRPr lang="en-US" dirty="0"/>
+          </a:p>
+        </p:txBody>
+      </p:sp>
+    </p:spTree>
+    <p:extLst>
+      <p:ext uri="{BB962C8B-B14F-4D97-AF65-F5344CB8AC3E}">
+        <p14:creationId xmlns:p14="http://schemas.microsoft.com/office/powerpoint/2010/main" val="4279805409"/>
+      </p:ext>
+    </p:extLst>
+  </p:cSld>
+  <p:clrMapOvr>
+    <a:masterClrMapping/>
+  </p:clrMapOvr>
+  <mc:AlternateContent xmlns:mc="http://schemas.openxmlformats.org/markup-compatibility/2006" xmlns:p14="http://schemas.microsoft.com/office/powerpoint/2010/main">
+    <mc:Choice Requires="p14">
+      <p:transition spd="med" p14:dur="700">
+        <p:fade/>
+      </p:transition>
+    </mc:Choice>
+    <mc:Fallback xmlns="">
+      <p:transition spd="med">
+        <p:fade/>
+      </p:transition>
+    </mc:Fallback>
+  </mc:AlternateContent>
+</p:sld>
+</file>
+
+<file path=ppt/slides/slide22.xml><?xml version="1.0" encoding="utf-8"?>
+<p:sld xmlns:a="http://schemas.openxmlformats.org/drawingml/2006/main" xmlns:r="http://schemas.openxmlformats.org/officeDocument/2006/relationships" xmlns:p="http://schemas.openxmlformats.org/presentationml/2006/main">
+  <p:cSld>
+    <p:spTree>
+      <p:nvGrpSpPr>
+        <p:cNvPr id="1" name=""/>
+        <p:cNvGrpSpPr/>
+        <p:nvPr/>
+      </p:nvGrpSpPr>
+      <p:grpSpPr>
+        <a:xfrm>
+          <a:off x="0" y="0"/>
+          <a:ext cx="0" cy="0"/>
+          <a:chOff x="0" y="0"/>
+          <a:chExt cx="0" cy="0"/>
+        </a:xfrm>
+      </p:grpSpPr>
+      <p:sp>
+        <p:nvSpPr>
+          <p:cNvPr id="2" name="Title 1">
+            <a:extLst>
+              <a:ext uri="{FF2B5EF4-FFF2-40B4-BE49-F238E27FC236}">
+                <a16:creationId xmlns="" xmlns:a16="http://schemas.microsoft.com/office/drawing/2014/main" id="{3750261F-01B5-314F-9B46-E0A4FAD43627}"/>
+              </a:ext>
+            </a:extLst>
+          </p:cNvPr>
+          <p:cNvSpPr>
+            <a:spLocks noGrp="1"/>
+          </p:cNvSpPr>
+          <p:nvPr>
+            <p:ph type="title"/>
+          </p:nvPr>
+        </p:nvSpPr>
+        <p:spPr/>
+        <p:txBody>
+          <a:bodyPr/>
+          <a:lstStyle/>
+          <a:p>
+            <a:r>
+              <a:rPr lang="en-US"/>
+              <a:t>Monitoring</a:t>
+            </a:r>
+          </a:p>
+        </p:txBody>
+      </p:sp>
+      <p:sp>
+        <p:nvSpPr>
+          <p:cNvPr id="3" name="Content Placeholder 2">
+            <a:extLst>
+              <a:ext uri="{FF2B5EF4-FFF2-40B4-BE49-F238E27FC236}">
+                <a16:creationId xmlns="" xmlns:a16="http://schemas.microsoft.com/office/drawing/2014/main" id="{7DB9A663-ECCD-B74B-830D-F0EE31879A9E}"/>
+              </a:ext>
+            </a:extLst>
+          </p:cNvPr>
+          <p:cNvSpPr>
+            <a:spLocks noGrp="1"/>
+          </p:cNvSpPr>
+          <p:nvPr>
+            <p:ph idx="1"/>
+          </p:nvPr>
+        </p:nvSpPr>
+        <p:spPr/>
+        <p:txBody>
+          <a:bodyPr/>
+          <a:lstStyle/>
+          <a:p>
+            <a:r>
+              <a:rPr lang="en-US"/>
+              <a:t>Queue Length</a:t>
+            </a:r>
+          </a:p>
+          <a:p>
+            <a:r>
+              <a:rPr lang="en-US"/>
+              <a:t>Missing Consumers</a:t>
+            </a:r>
+          </a:p>
+          <a:p>
+            <a:r>
+              <a:rPr lang="en-US"/>
+              <a:t>How long messages have been in queue</a:t>
+            </a:r>
+          </a:p>
+          <a:p>
+            <a:r>
+              <a:rPr lang="en-US"/>
+              <a:t>CPU, RAM, Disk</a:t>
+            </a:r>
+          </a:p>
+          <a:p>
+            <a:endParaRPr lang="en-US"/>
+          </a:p>
+        </p:txBody>
+      </p:sp>
+      <p:sp>
+        <p:nvSpPr>
+          <p:cNvPr id="4" name="Footer Placeholder 3"/>
+          <p:cNvSpPr>
+            <a:spLocks noGrp="1"/>
+          </p:cNvSpPr>
+          <p:nvPr>
+            <p:ph type="ftr" sz="quarter" idx="11"/>
+          </p:nvPr>
+        </p:nvSpPr>
+        <p:spPr/>
+        <p:txBody>
+          <a:bodyPr/>
+          <a:lstStyle/>
+          <a:p>
+            <a:r>
+              <a:rPr lang="en-US" dirty="0" smtClean="0"/>
+              <a:t>@jsonrow</a:t>
+            </a:r>
+            <a:endParaRPr lang="en-US" dirty="0"/>
+          </a:p>
+        </p:txBody>
+      </p:sp>
+    </p:spTree>
+    <p:extLst>
+      <p:ext uri="{BB962C8B-B14F-4D97-AF65-F5344CB8AC3E}">
+        <p14:creationId xmlns:p14="http://schemas.microsoft.com/office/powerpoint/2010/main" val="3274037585"/>
+      </p:ext>
+    </p:extLst>
+  </p:cSld>
+  <p:clrMapOvr>
+    <a:masterClrMapping/>
+  </p:clrMapOvr>
+  <mc:AlternateContent xmlns:mc="http://schemas.openxmlformats.org/markup-compatibility/2006" xmlns:p14="http://schemas.microsoft.com/office/powerpoint/2010/main">
+    <mc:Choice Requires="p14">
+      <p:transition spd="med" p14:dur="700">
+        <p:fade/>
+      </p:transition>
+    </mc:Choice>
+    <mc:Fallback xmlns="">
+      <p:transition spd="med">
+        <p:fade/>
+      </p:transition>
+    </mc:Fallback>
+  </mc:AlternateContent>
+</p:sld>
+</file>
+
 <file path=ppt/slides/slide23.xml><?xml version="1.0" encoding="utf-8"?>
 <p:sld xmlns:a="http://schemas.openxmlformats.org/drawingml/2006/main" xmlns:r="http://schemas.openxmlformats.org/officeDocument/2006/relationships" xmlns:p="http://schemas.openxmlformats.org/presentationml/2006/main">
   <p:cSld>
@@ -15952,13 +15428,7 @@
       </p:grpSpPr>
       <p:sp>
         <p:nvSpPr>
-          <p:cNvPr id="2" name="Title 1">
-            <a:extLst>
-              <a:ext uri="{FF2B5EF4-FFF2-40B4-BE49-F238E27FC236}">
-                <a16:creationId xmlns:a16="http://schemas.microsoft.com/office/drawing/2014/main" xmlns="" id="{3361FBBD-A24C-6D42-8F8A-A6AA065CB091}"/>
-              </a:ext>
-            </a:extLst>
-          </p:cNvPr>
+          <p:cNvPr id="2" name="Title 1"/>
           <p:cNvSpPr>
             <a:spLocks noGrp="1"/>
           </p:cNvSpPr>
@@ -15968,25 +15438,25 @@
         </p:nvSpPr>
         <p:spPr/>
         <p:txBody>
-          <a:bodyPr/>
+          <a:bodyPr>
+            <a:normAutofit/>
+          </a:bodyPr>
           <a:lstStyle/>
           <a:p>
             <a:r>
-              <a:rPr lang="en-US"/>
-              <a:t>High Performance </a:t>
-            </a:r>
-          </a:p>
-        </p:txBody>
-      </p:sp>
-      <p:sp>
-        <p:nvSpPr>
-          <p:cNvPr id="3" name="Content Placeholder 2">
-            <a:extLst>
-              <a:ext uri="{FF2B5EF4-FFF2-40B4-BE49-F238E27FC236}">
-                <a16:creationId xmlns:a16="http://schemas.microsoft.com/office/drawing/2014/main" xmlns="" id="{6740D746-4A8D-C247-BFC8-427B66B6126A}"/>
-              </a:ext>
-            </a:extLst>
-          </p:cNvPr>
+              <a:rPr lang="en-US" dirty="0"/>
+              <a:t>Messaging topologies</a:t>
+            </a:r>
+            <a:br>
+              <a:rPr lang="en-US" dirty="0"/>
+            </a:br>
+            <a:endParaRPr lang="en-US" dirty="0"/>
+          </a:p>
+        </p:txBody>
+      </p:sp>
+      <p:sp>
+        <p:nvSpPr>
+          <p:cNvPr id="3" name="Content Placeholder 2"/>
           <p:cNvSpPr>
             <a:spLocks noGrp="1"/>
           </p:cNvSpPr>
@@ -15994,54 +15464,31 @@
             <p:ph idx="1"/>
           </p:nvPr>
         </p:nvSpPr>
-        <p:spPr/>
+        <p:spPr>
+          <a:xfrm>
+            <a:off x="1096994" y="1845734"/>
+            <a:ext cx="10055781" cy="4023360"/>
+          </a:xfrm>
+        </p:spPr>
         <p:txBody>
           <a:bodyPr/>
           <a:lstStyle/>
           <a:p>
             <a:r>
               <a:rPr lang="en-US" dirty="0"/>
-              <a:t>Enable </a:t>
-            </a:r>
-            <a:r>
-              <a:rPr lang="en-US" dirty="0" err="1"/>
-              <a:t>HiPE</a:t>
-            </a:r>
-            <a:endParaRPr lang="en-US" dirty="0"/>
+              <a:t>Global routing to regional (federations policies)</a:t>
+            </a:r>
           </a:p>
           <a:p>
             <a:r>
               <a:rPr lang="en-US" dirty="0"/>
-              <a:t>Disable </a:t>
-            </a:r>
-            <a:r>
-              <a:rPr lang="en-US" dirty="0" err="1"/>
-              <a:t>LazyQueue</a:t>
-            </a:r>
-            <a:endParaRPr lang="en-US" dirty="0"/>
+              <a:t>Short lived queues for browser interactions</a:t>
+            </a:r>
           </a:p>
           <a:p>
             <a:r>
               <a:rPr lang="en-US" dirty="0"/>
-              <a:t>Short queues</a:t>
-            </a:r>
-          </a:p>
-          <a:p>
-            <a:r>
-              <a:rPr lang="en-US" dirty="0"/>
-              <a:t>Avoid multiple nodes </a:t>
-            </a:r>
-          </a:p>
-          <a:p>
-            <a:r>
-              <a:rPr lang="en-US" dirty="0"/>
-              <a:t>Transient  Messages </a:t>
-            </a:r>
-          </a:p>
-          <a:p>
-            <a:r>
-              <a:rPr lang="en-US" dirty="0"/>
-              <a:t>Disable Ha</a:t>
+              <a:t>Private exchanges used inside teams processors Topic exchanges</a:t>
             </a:r>
           </a:p>
           <a:p>
@@ -16078,7 +15525,7 @@
     </p:spTree>
     <p:extLst>
       <p:ext uri="{BB962C8B-B14F-4D97-AF65-F5344CB8AC3E}">
-        <p14:creationId xmlns:p14="http://schemas.microsoft.com/office/powerpoint/2010/main" val="4279805409"/>
+        <p14:creationId xmlns:p14="http://schemas.microsoft.com/office/powerpoint/2010/main" val="776094879"/>
       </p:ext>
     </p:extLst>
   </p:cSld>
@@ -16119,13 +15566,7 @@
       </p:grpSpPr>
       <p:sp>
         <p:nvSpPr>
-          <p:cNvPr id="2" name="Title 1">
-            <a:extLst>
-              <a:ext uri="{FF2B5EF4-FFF2-40B4-BE49-F238E27FC236}">
-                <a16:creationId xmlns:a16="http://schemas.microsoft.com/office/drawing/2014/main" xmlns="" id="{3750261F-01B5-314F-9B46-E0A4FAD43627}"/>
-              </a:ext>
-            </a:extLst>
-          </p:cNvPr>
+          <p:cNvPr id="2" name="Title 1"/>
           <p:cNvSpPr>
             <a:spLocks noGrp="1"/>
           </p:cNvSpPr>
@@ -16140,20 +15581,14 @@
           <a:p>
             <a:r>
               <a:rPr lang="en-US"/>
-              <a:t>Monitoring</a:t>
-            </a:r>
-          </a:p>
-        </p:txBody>
-      </p:sp>
-      <p:sp>
-        <p:nvSpPr>
-          <p:cNvPr id="3" name="Content Placeholder 2">
-            <a:extLst>
-              <a:ext uri="{FF2B5EF4-FFF2-40B4-BE49-F238E27FC236}">
-                <a16:creationId xmlns:a16="http://schemas.microsoft.com/office/drawing/2014/main" xmlns="" id="{7DB9A663-ECCD-B74B-830D-F0EE31879A9E}"/>
-              </a:ext>
-            </a:extLst>
-          </p:cNvPr>
+              <a:t>Architecture examples?</a:t>
+            </a:r>
+          </a:p>
+        </p:txBody>
+      </p:sp>
+      <p:sp>
+        <p:nvSpPr>
+          <p:cNvPr id="3" name="Content Placeholder 2"/>
           <p:cNvSpPr>
             <a:spLocks noGrp="1"/>
           </p:cNvSpPr>
@@ -16168,25 +15603,37 @@
           <a:p>
             <a:r>
               <a:rPr lang="en-US"/>
-              <a:t>Queue Length</a:t>
+              <a:t>Messaging at ProtoLabs?</a:t>
             </a:r>
           </a:p>
           <a:p>
             <a:r>
               <a:rPr lang="en-US"/>
-              <a:t>Missing Consumers</a:t>
+              <a:t>Microsevice overview at ProtoLabs?</a:t>
             </a:r>
           </a:p>
           <a:p>
             <a:r>
               <a:rPr lang="en-US"/>
-              <a:t>How long messages have been in queue</a:t>
+              <a:t>Messaging Patterns we are using.</a:t>
             </a:r>
           </a:p>
           <a:p>
             <a:r>
               <a:rPr lang="en-US"/>
-              <a:t>CPU, RAM, Disk</a:t>
+              <a:t>What works?</a:t>
+            </a:r>
+          </a:p>
+          <a:p>
+            <a:r>
+              <a:rPr lang="en-US"/>
+              <a:t>What doesn’t work?</a:t>
+            </a:r>
+          </a:p>
+          <a:p>
+            <a:r>
+              <a:rPr lang="en-US"/>
+              <a:t>HA options</a:t>
             </a:r>
           </a:p>
           <a:p>
@@ -16220,7 +15667,7 @@
     </p:spTree>
     <p:extLst>
       <p:ext uri="{BB962C8B-B14F-4D97-AF65-F5344CB8AC3E}">
-        <p14:creationId xmlns:p14="http://schemas.microsoft.com/office/powerpoint/2010/main" val="3274037585"/>
+        <p14:creationId xmlns:p14="http://schemas.microsoft.com/office/powerpoint/2010/main" val="652041732"/>
       </p:ext>
     </p:extLst>
   </p:cSld>
@@ -16269,21 +15716,20 @@
             <p:ph type="title"/>
           </p:nvPr>
         </p:nvSpPr>
-        <p:spPr/>
-        <p:txBody>
-          <a:bodyPr>
-            <a:normAutofit/>
-          </a:bodyPr>
+        <p:spPr>
+          <a:xfrm>
+            <a:off x="1016627" y="286604"/>
+            <a:ext cx="10055781" cy="1450757"/>
+          </a:xfrm>
+        </p:spPr>
+        <p:txBody>
+          <a:bodyPr/>
           <a:lstStyle/>
           <a:p>
             <a:r>
               <a:rPr lang="en-US" dirty="0"/>
-              <a:t>Messaging topologies</a:t>
-            </a:r>
-            <a:br>
-              <a:rPr lang="en-US" dirty="0"/>
-            </a:br>
-            <a:endParaRPr lang="en-US" dirty="0"/>
+              <a:t>Must Read Topics</a:t>
+            </a:r>
           </a:p>
         </p:txBody>
       </p:sp>
@@ -16299,7 +15745,7 @@
         </p:nvSpPr>
         <p:spPr>
           <a:xfrm>
-            <a:off x="1096994" y="1845734"/>
+            <a:off x="1043416" y="1818945"/>
             <a:ext cx="10055781" cy="4023360"/>
           </a:xfrm>
         </p:spPr>
@@ -16308,23 +15754,20 @@
           <a:lstStyle/>
           <a:p>
             <a:r>
-              <a:rPr lang="en-US" dirty="0"/>
-              <a:t>Global routing to regional (federations policies)</a:t>
-            </a:r>
-          </a:p>
-          <a:p>
-            <a:r>
-              <a:rPr lang="en-US" dirty="0"/>
-              <a:t>Short lived queues for browser interactions</a:t>
-            </a:r>
-          </a:p>
-          <a:p>
-            <a:r>
-              <a:rPr lang="en-US" dirty="0"/>
-              <a:t>Private exchanges used inside teams processors Topic exchanges</a:t>
-            </a:r>
-          </a:p>
-          <a:p>
+              <a:rPr lang="en-US" dirty="0">
+                <a:hlinkClick r:id="rId2"/>
+              </a:rPr>
+              <a:t>https://www.rabbitmq.com/production-checklist.html</a:t>
+            </a:r>
+            <a:endParaRPr lang="en-US" dirty="0"/>
+          </a:p>
+          <a:p>
+            <a:r>
+              <a:rPr lang="en-US" dirty="0">
+                <a:hlinkClick r:id="rId3"/>
+              </a:rPr>
+              <a:t>https://www.rabbitmq.com/confirms.html</a:t>
+            </a:r>
             <a:endParaRPr lang="en-US" dirty="0"/>
           </a:p>
           <a:p>
@@ -16358,7 +15801,7 @@
     </p:spTree>
     <p:extLst>
       <p:ext uri="{BB962C8B-B14F-4D97-AF65-F5344CB8AC3E}">
-        <p14:creationId xmlns:p14="http://schemas.microsoft.com/office/powerpoint/2010/main" val="776094879"/>
+        <p14:creationId xmlns:p14="http://schemas.microsoft.com/office/powerpoint/2010/main" val="3509578844"/>
       </p:ext>
     </p:extLst>
   </p:cSld>
@@ -16399,7 +15842,13 @@
       </p:grpSpPr>
       <p:sp>
         <p:nvSpPr>
-          <p:cNvPr id="2" name="Title 1"/>
+          <p:cNvPr id="2" name="Title 1">
+            <a:extLst>
+              <a:ext uri="{FF2B5EF4-FFF2-40B4-BE49-F238E27FC236}">
+                <a16:creationId xmlns="" xmlns:a16="http://schemas.microsoft.com/office/drawing/2014/main" id="{9A845546-0EBA-B749-81E6-9E6B688BE3B4}"/>
+              </a:ext>
+            </a:extLst>
+          </p:cNvPr>
           <p:cNvSpPr>
             <a:spLocks noGrp="1"/>
           </p:cNvSpPr>
@@ -16414,14 +15863,20 @@
           <a:p>
             <a:r>
               <a:rPr lang="en-US"/>
-              <a:t>Architecture examples?</a:t>
-            </a:r>
-          </a:p>
-        </p:txBody>
-      </p:sp>
-      <p:sp>
-        <p:nvSpPr>
-          <p:cNvPr id="3" name="Content Placeholder 2"/>
+              <a:t>QUESTIONS </a:t>
+            </a:r>
+          </a:p>
+        </p:txBody>
+      </p:sp>
+      <p:sp>
+        <p:nvSpPr>
+          <p:cNvPr id="3" name="Content Placeholder 2">
+            <a:extLst>
+              <a:ext uri="{FF2B5EF4-FFF2-40B4-BE49-F238E27FC236}">
+                <a16:creationId xmlns="" xmlns:a16="http://schemas.microsoft.com/office/drawing/2014/main" id="{6A4BD46C-7294-174E-9C40-D5399D7AF3B9}"/>
+              </a:ext>
+            </a:extLst>
+          </p:cNvPr>
           <p:cNvSpPr>
             <a:spLocks noGrp="1"/>
           </p:cNvSpPr>
@@ -16433,42 +15888,6 @@
         <p:txBody>
           <a:bodyPr/>
           <a:lstStyle/>
-          <a:p>
-            <a:r>
-              <a:rPr lang="en-US"/>
-              <a:t>Messaging at ProtoLabs?</a:t>
-            </a:r>
-          </a:p>
-          <a:p>
-            <a:r>
-              <a:rPr lang="en-US"/>
-              <a:t>Microsevice overview at ProtoLabs?</a:t>
-            </a:r>
-          </a:p>
-          <a:p>
-            <a:r>
-              <a:rPr lang="en-US"/>
-              <a:t>Messaging Patterns we are using.</a:t>
-            </a:r>
-          </a:p>
-          <a:p>
-            <a:r>
-              <a:rPr lang="en-US"/>
-              <a:t>What works?</a:t>
-            </a:r>
-          </a:p>
-          <a:p>
-            <a:r>
-              <a:rPr lang="en-US"/>
-              <a:t>What doesn’t work?</a:t>
-            </a:r>
-          </a:p>
-          <a:p>
-            <a:r>
-              <a:rPr lang="en-US"/>
-              <a:t>HA options</a:t>
-            </a:r>
-          </a:p>
           <a:p>
             <a:endParaRPr lang="en-US"/>
           </a:p>
@@ -16500,7 +15919,7 @@
     </p:spTree>
     <p:extLst>
       <p:ext uri="{BB962C8B-B14F-4D97-AF65-F5344CB8AC3E}">
-        <p14:creationId xmlns:p14="http://schemas.microsoft.com/office/powerpoint/2010/main" val="652041732"/>
+        <p14:creationId xmlns:p14="http://schemas.microsoft.com/office/powerpoint/2010/main" val="1750935718"/>
       </p:ext>
     </p:extLst>
   </p:cSld>
@@ -16541,7 +15960,7 @@
       </p:grpSpPr>
       <p:sp>
         <p:nvSpPr>
-          <p:cNvPr id="2" name="Title 1"/>
+          <p:cNvPr id="13" name="Title 12"/>
           <p:cNvSpPr>
             <a:spLocks noGrp="1"/>
           </p:cNvSpPr>
@@ -16549,26 +15968,21 @@
             <p:ph type="title"/>
           </p:nvPr>
         </p:nvSpPr>
-        <p:spPr>
-          <a:xfrm>
-            <a:off x="1016627" y="286604"/>
-            <a:ext cx="10055781" cy="1450757"/>
-          </a:xfrm>
-        </p:spPr>
+        <p:spPr/>
         <p:txBody>
           <a:bodyPr/>
           <a:lstStyle/>
           <a:p>
             <a:r>
               <a:rPr lang="en-US" dirty="0"/>
-              <a:t>Must Read Topics</a:t>
-            </a:r>
-          </a:p>
-        </p:txBody>
-      </p:sp>
-      <p:sp>
-        <p:nvSpPr>
-          <p:cNvPr id="3" name="Content Placeholder 2"/>
+              <a:t>Outline (Rough Draft)</a:t>
+            </a:r>
+          </a:p>
+        </p:txBody>
+      </p:sp>
+      <p:sp>
+        <p:nvSpPr>
+          <p:cNvPr id="14" name="Content Placeholder 13"/>
           <p:cNvSpPr>
             <a:spLocks noGrp="1"/>
           </p:cNvSpPr>
@@ -16576,41 +15990,306 @@
             <p:ph idx="1"/>
           </p:nvPr>
         </p:nvSpPr>
+        <p:spPr/>
+        <p:txBody>
+          <a:bodyPr>
+            <a:normAutofit fontScale="55000" lnSpcReduction="20000"/>
+          </a:bodyPr>
+          <a:lstStyle/>
+          <a:p>
+            <a:r>
+              <a:rPr lang="en-US" dirty="0" err="1"/>
+              <a:t>Microservices</a:t>
+            </a:r>
+            <a:r>
+              <a:rPr lang="en-US" dirty="0"/>
+              <a:t> connecting </a:t>
+            </a:r>
+          </a:p>
+          <a:p>
+            <a:r>
+              <a:rPr lang="en-US" dirty="0"/>
+              <a:t>How </a:t>
+            </a:r>
+            <a:r>
+              <a:rPr lang="en-US" dirty="0" err="1"/>
+              <a:t>rabbitmq</a:t>
+            </a:r>
+            <a:r>
+              <a:rPr lang="en-US" dirty="0"/>
+              <a:t> fits for </a:t>
+            </a:r>
+            <a:r>
+              <a:rPr lang="en-US" dirty="0" err="1"/>
+              <a:t>async</a:t>
+            </a:r>
+            <a:r>
+              <a:rPr lang="en-US" dirty="0"/>
+              <a:t> messaging</a:t>
+            </a:r>
+          </a:p>
+          <a:p>
+            <a:pPr lvl="1"/>
+            <a:r>
+              <a:rPr lang="en-US" dirty="0"/>
+              <a:t>About </a:t>
+            </a:r>
+            <a:r>
+              <a:rPr lang="en-US" dirty="0" err="1"/>
+              <a:t>rabbitmq</a:t>
+            </a:r>
+            <a:endParaRPr lang="en-US" dirty="0"/>
+          </a:p>
+          <a:p>
+            <a:pPr lvl="2"/>
+            <a:r>
+              <a:rPr lang="en-US" dirty="0"/>
+              <a:t>Overview</a:t>
+            </a:r>
+          </a:p>
+          <a:p>
+            <a:pPr lvl="2"/>
+            <a:r>
+              <a:rPr lang="en-US" dirty="0" err="1"/>
+              <a:t>Amqp</a:t>
+            </a:r>
+            <a:endParaRPr lang="en-US" dirty="0"/>
+          </a:p>
+          <a:p>
+            <a:pPr lvl="2"/>
+            <a:r>
+              <a:rPr lang="en-US" dirty="0"/>
+              <a:t>Initial look mgmt. page demo</a:t>
+            </a:r>
+          </a:p>
+          <a:p>
+            <a:pPr lvl="1"/>
+            <a:r>
+              <a:rPr lang="en-US" dirty="0"/>
+              <a:t>Messaging patterns</a:t>
+            </a:r>
+          </a:p>
+          <a:p>
+            <a:pPr lvl="2"/>
+            <a:r>
+              <a:rPr lang="en-US" dirty="0"/>
+              <a:t>Example patterns</a:t>
+            </a:r>
+          </a:p>
+          <a:p>
+            <a:pPr lvl="2"/>
+            <a:r>
+              <a:rPr lang="en-US" dirty="0"/>
+              <a:t>Example failures</a:t>
+            </a:r>
+          </a:p>
+          <a:p>
+            <a:pPr lvl="2"/>
+            <a:r>
+              <a:rPr lang="en-US" dirty="0"/>
+              <a:t>Example saga?</a:t>
+            </a:r>
+          </a:p>
+          <a:p>
+            <a:pPr lvl="1"/>
+            <a:r>
+              <a:rPr lang="en-US" dirty="0"/>
+              <a:t>Best practices</a:t>
+            </a:r>
+          </a:p>
+          <a:p>
+            <a:pPr lvl="1"/>
+            <a:r>
+              <a:rPr lang="en-US" dirty="0"/>
+              <a:t> Example reliable messaging</a:t>
+            </a:r>
+          </a:p>
+          <a:p>
+            <a:pPr lvl="1"/>
+            <a:r>
+              <a:rPr lang="en-US" dirty="0"/>
+              <a:t>HA </a:t>
+            </a:r>
+          </a:p>
+          <a:p>
+            <a:pPr lvl="1"/>
+            <a:r>
+              <a:rPr lang="en-US" dirty="0"/>
+              <a:t>Connection handling</a:t>
+            </a:r>
+          </a:p>
+          <a:p>
+            <a:pPr lvl="1"/>
+            <a:r>
+              <a:rPr lang="en-US" dirty="0"/>
+              <a:t>Message size</a:t>
+            </a:r>
+          </a:p>
+          <a:p>
+            <a:pPr lvl="1"/>
+            <a:r>
+              <a:rPr lang="en-US" dirty="0"/>
+              <a:t>Exchange queue </a:t>
+            </a:r>
+          </a:p>
+          <a:p>
+            <a:pPr lvl="2"/>
+            <a:r>
+              <a:rPr lang="en-US" dirty="0"/>
+              <a:t>Names</a:t>
+            </a:r>
+          </a:p>
+          <a:p>
+            <a:pPr lvl="2"/>
+            <a:r>
+              <a:rPr lang="en-US" dirty="0"/>
+              <a:t>Routing keys</a:t>
+            </a:r>
+          </a:p>
+          <a:p>
+            <a:pPr lvl="2"/>
+            <a:r>
+              <a:rPr lang="en-US" dirty="0"/>
+              <a:t>Federation policy</a:t>
+            </a:r>
+          </a:p>
+          <a:p>
+            <a:pPr lvl="1"/>
+            <a:endParaRPr lang="en-US" dirty="0"/>
+          </a:p>
+          <a:p>
+            <a:r>
+              <a:rPr lang="en-US" dirty="0"/>
+              <a:t>Add your third bullet point here</a:t>
+            </a:r>
+          </a:p>
+        </p:txBody>
+      </p:sp>
+      <p:sp>
+        <p:nvSpPr>
+          <p:cNvPr id="2" name="TextBox 1"/>
+          <p:cNvSpPr txBox="1"/>
+          <p:nvPr/>
+        </p:nvSpPr>
         <p:spPr>
           <a:xfrm>
-            <a:off x="1043416" y="1818945"/>
-            <a:ext cx="10055781" cy="4023360"/>
+            <a:off x="4528820" y="1600200"/>
+            <a:ext cx="7715445" cy="2215991"/>
           </a:xfrm>
+          <a:prstGeom prst="rect">
+            <a:avLst/>
+          </a:prstGeom>
+          <a:noFill/>
         </p:spPr>
         <p:txBody>
-          <a:bodyPr/>
+          <a:bodyPr wrap="none" rtlCol="0">
+            <a:spAutoFit/>
+          </a:bodyPr>
           <a:lstStyle/>
           <a:p>
             <a:r>
-              <a:rPr lang="en-US" dirty="0">
-                <a:hlinkClick r:id="rId2"/>
-              </a:rPr>
-              <a:t>https://www.rabbitmq.com/production-checklist.html</a:t>
-            </a:r>
-            <a:endParaRPr lang="en-US" dirty="0"/>
-          </a:p>
-          <a:p>
-            <a:r>
-              <a:rPr lang="en-US" dirty="0">
-                <a:hlinkClick r:id="rId3"/>
-              </a:rPr>
-              <a:t>https://www.rabbitmq.com/confirms.html</a:t>
-            </a:r>
-            <a:endParaRPr lang="en-US" dirty="0"/>
-          </a:p>
-          <a:p>
-            <a:endParaRPr lang="en-US" dirty="0"/>
-          </a:p>
-        </p:txBody>
-      </p:sp>
-      <p:sp>
-        <p:nvSpPr>
-          <p:cNvPr id="4" name="Footer Placeholder 3"/>
+              <a:rPr lang="en-US" sz="1800" dirty="0"/>
+              <a:t>What are the key points that my audience should take away from the talk</a:t>
+            </a:r>
+          </a:p>
+          <a:p>
+            <a:pPr marL="171450" indent="-171450">
+              <a:buFont typeface="Arial" panose="020B0604020202020204" pitchFamily="34" charset="0"/>
+              <a:buChar char="•"/>
+            </a:pPr>
+            <a:r>
+              <a:rPr lang="en-US" sz="1800" dirty="0" err="1"/>
+              <a:t>RabbitMQ</a:t>
+            </a:r>
+            <a:r>
+              <a:rPr lang="en-US" sz="1800" dirty="0"/>
+              <a:t> is a great solution for connecting </a:t>
+            </a:r>
+            <a:r>
+              <a:rPr lang="en-US" sz="1800" dirty="0" err="1"/>
+              <a:t>async</a:t>
+            </a:r>
+            <a:r>
+              <a:rPr lang="en-US" sz="1800" dirty="0"/>
+              <a:t> messaging for </a:t>
+            </a:r>
+            <a:r>
+              <a:rPr lang="en-US" sz="1800" dirty="0" err="1"/>
+              <a:t>Microservices</a:t>
+            </a:r>
+            <a:endParaRPr lang="en-US" sz="1800" dirty="0"/>
+          </a:p>
+          <a:p>
+            <a:pPr marL="171450" indent="-171450">
+              <a:buFont typeface="Arial" panose="020B0604020202020204" pitchFamily="34" charset="0"/>
+              <a:buChar char="•"/>
+            </a:pPr>
+            <a:r>
+              <a:rPr lang="en-US" sz="1800" dirty="0" err="1"/>
+              <a:t>RabbitMQ</a:t>
+            </a:r>
+            <a:r>
+              <a:rPr lang="en-US" sz="1800" dirty="0"/>
+              <a:t> provides options for high </a:t>
+            </a:r>
+            <a:r>
+              <a:rPr lang="en-US" sz="1800" dirty="0" err="1"/>
+              <a:t>performanc</a:t>
+            </a:r>
+            <a:r>
+              <a:rPr lang="en-US" sz="1800" dirty="0"/>
+              <a:t> and high reliability </a:t>
+            </a:r>
+          </a:p>
+          <a:p>
+            <a:pPr marL="171450" indent="-171450">
+              <a:buFont typeface="Arial" panose="020B0604020202020204" pitchFamily="34" charset="0"/>
+              <a:buChar char="•"/>
+            </a:pPr>
+            <a:r>
+              <a:rPr lang="en-US" sz="1800" dirty="0"/>
+              <a:t>Messaging doesn’t need to be hard, it can be boring, and boring is good.</a:t>
+            </a:r>
+          </a:p>
+          <a:p>
+            <a:pPr marL="171450" indent="-171450">
+              <a:buFont typeface="Arial" panose="020B0604020202020204" pitchFamily="34" charset="0"/>
+              <a:buChar char="•"/>
+            </a:pPr>
+            <a:endParaRPr lang="en-US" sz="1800" dirty="0"/>
+          </a:p>
+          <a:p>
+            <a:pPr marL="171450" indent="-171450">
+              <a:buFont typeface="Arial" panose="020B0604020202020204" pitchFamily="34" charset="0"/>
+              <a:buChar char="•"/>
+            </a:pPr>
+            <a:r>
+              <a:rPr lang="en-US" sz="1800" dirty="0"/>
+              <a:t>Monitoring New Relic ? </a:t>
+            </a:r>
+          </a:p>
+          <a:p>
+            <a:pPr marL="171450" indent="-171450">
+              <a:buFont typeface="Arial" panose="020B0604020202020204" pitchFamily="34" charset="0"/>
+              <a:buChar char="•"/>
+            </a:pPr>
+            <a:r>
+              <a:rPr lang="en-US" sz="1800" dirty="0"/>
+              <a:t>Federation examples</a:t>
+            </a:r>
+          </a:p>
+          <a:p>
+            <a:pPr marL="171450" indent="-171450">
+              <a:buFont typeface="Arial" panose="020B0604020202020204" pitchFamily="34" charset="0"/>
+              <a:buChar char="•"/>
+            </a:pPr>
+            <a:endParaRPr lang="en-US" sz="1200" dirty="0"/>
+          </a:p>
+        </p:txBody>
+      </p:sp>
+      <p:sp>
+        <p:nvSpPr>
+          <p:cNvPr id="3" name="Footer Placeholder 2"/>
           <p:cNvSpPr>
             <a:spLocks noGrp="1"/>
           </p:cNvSpPr>
@@ -16634,7 +16313,7 @@
     </p:spTree>
     <p:extLst>
       <p:ext uri="{BB962C8B-B14F-4D97-AF65-F5344CB8AC3E}">
-        <p14:creationId xmlns:p14="http://schemas.microsoft.com/office/powerpoint/2010/main" val="3509578844"/>
+        <p14:creationId xmlns:p14="http://schemas.microsoft.com/office/powerpoint/2010/main" val="3529114326"/>
       </p:ext>
     </p:extLst>
   </p:cSld>
@@ -16675,13 +16354,7 @@
       </p:grpSpPr>
       <p:sp>
         <p:nvSpPr>
-          <p:cNvPr id="2" name="Title 1">
-            <a:extLst>
-              <a:ext uri="{FF2B5EF4-FFF2-40B4-BE49-F238E27FC236}">
-                <a16:creationId xmlns:a16="http://schemas.microsoft.com/office/drawing/2014/main" xmlns="" id="{9A845546-0EBA-B749-81E6-9E6B688BE3B4}"/>
-              </a:ext>
-            </a:extLst>
-          </p:cNvPr>
+          <p:cNvPr id="2" name="Title 1"/>
           <p:cNvSpPr>
             <a:spLocks noGrp="1"/>
           </p:cNvSpPr>
@@ -16695,26 +16368,20 @@
           <a:lstStyle/>
           <a:p>
             <a:r>
-              <a:rPr lang="en-US"/>
-              <a:t>QUESTIONS </a:t>
-            </a:r>
-          </a:p>
-        </p:txBody>
-      </p:sp>
-      <p:sp>
-        <p:nvSpPr>
-          <p:cNvPr id="3" name="Content Placeholder 2">
-            <a:extLst>
-              <a:ext uri="{FF2B5EF4-FFF2-40B4-BE49-F238E27FC236}">
-                <a16:creationId xmlns:a16="http://schemas.microsoft.com/office/drawing/2014/main" xmlns="" id="{6A4BD46C-7294-174E-9C40-D5399D7AF3B9}"/>
-              </a:ext>
-            </a:extLst>
-          </p:cNvPr>
+              <a:rPr lang="en-US" dirty="0"/>
+              <a:t>Two Content Layout with Table</a:t>
+            </a:r>
+          </a:p>
+        </p:txBody>
+      </p:sp>
+      <p:sp>
+        <p:nvSpPr>
+          <p:cNvPr id="3" name="Content Placeholder 2"/>
           <p:cNvSpPr>
             <a:spLocks noGrp="1"/>
           </p:cNvSpPr>
           <p:nvPr>
-            <p:ph idx="1"/>
+            <p:ph sz="half" idx="1"/>
           </p:nvPr>
         </p:nvSpPr>
         <p:spPr/>
@@ -16722,10 +16389,281 @@
           <a:bodyPr/>
           <a:lstStyle/>
           <a:p>
-            <a:endParaRPr lang="en-US"/>
-          </a:p>
-        </p:txBody>
-      </p:sp>
+            <a:r>
+              <a:rPr lang="en-US" dirty="0"/>
+              <a:t>First bullet point here</a:t>
+            </a:r>
+          </a:p>
+          <a:p>
+            <a:r>
+              <a:rPr lang="en-US" dirty="0"/>
+              <a:t>Second bullet point here</a:t>
+            </a:r>
+          </a:p>
+          <a:p>
+            <a:r>
+              <a:rPr lang="en-US" dirty="0"/>
+              <a:t>Third bullet point here</a:t>
+            </a:r>
+          </a:p>
+        </p:txBody>
+      </p:sp>
+      <p:graphicFrame>
+        <p:nvGraphicFramePr>
+          <p:cNvPr id="5" name="Content Placeholder 4"/>
+          <p:cNvGraphicFramePr>
+            <a:graphicFrameLocks noGrp="1"/>
+          </p:cNvGraphicFramePr>
+          <p:nvPr>
+            <p:ph sz="half" idx="2"/>
+            <p:extLst>
+              <p:ext uri="{D42A27DB-BD31-4B8C-83A1-F6EECF244321}">
+                <p14:modId xmlns:p14="http://schemas.microsoft.com/office/powerpoint/2010/main" val="1580206012"/>
+              </p:ext>
+            </p:extLst>
+          </p:nvPr>
+        </p:nvGraphicFramePr>
+        <p:xfrm>
+          <a:off x="6216650" y="1846263"/>
+          <a:ext cx="4935537" cy="2255836"/>
+        </p:xfrm>
+        <a:graphic>
+          <a:graphicData uri="http://schemas.openxmlformats.org/drawingml/2006/table">
+            <a:tbl>
+              <a:tblPr firstRow="1" bandRow="1">
+                <a:tableStyleId>{5C22544A-7EE6-4342-B048-85BDC9FD1C3A}</a:tableStyleId>
+              </a:tblPr>
+              <a:tblGrid>
+                <a:gridCol w="1645179">
+                  <a:extLst>
+                    <a:ext uri="{9D8B030D-6E8A-4147-A177-3AD203B41FA5}">
+                      <a16:colId xmlns="" xmlns:a16="http://schemas.microsoft.com/office/drawing/2014/main" val="20000"/>
+                    </a:ext>
+                  </a:extLst>
+                </a:gridCol>
+                <a:gridCol w="1645179">
+                  <a:extLst>
+                    <a:ext uri="{9D8B030D-6E8A-4147-A177-3AD203B41FA5}">
+                      <a16:colId xmlns="" xmlns:a16="http://schemas.microsoft.com/office/drawing/2014/main" val="20001"/>
+                    </a:ext>
+                  </a:extLst>
+                </a:gridCol>
+                <a:gridCol w="1645179">
+                  <a:extLst>
+                    <a:ext uri="{9D8B030D-6E8A-4147-A177-3AD203B41FA5}">
+                      <a16:colId xmlns="" xmlns:a16="http://schemas.microsoft.com/office/drawing/2014/main" val="20002"/>
+                    </a:ext>
+                  </a:extLst>
+                </a:gridCol>
+              </a:tblGrid>
+              <a:tr h="563959">
+                <a:tc>
+                  <a:txBody>
+                    <a:bodyPr/>
+                    <a:lstStyle/>
+                    <a:p>
+                      <a:r>
+                        <a:rPr lang="en-US" dirty="0"/>
+                        <a:t>Class</a:t>
+                      </a:r>
+                    </a:p>
+                  </a:txBody>
+                  <a:tcPr marL="88867" marR="88867" anchor="ctr">
+                    <a:solidFill>
+                      <a:srgbClr val="008282"/>
+                    </a:solidFill>
+                  </a:tcPr>
+                </a:tc>
+                <a:tc>
+                  <a:txBody>
+                    <a:bodyPr/>
+                    <a:lstStyle/>
+                    <a:p>
+                      <a:pPr algn="ctr"/>
+                      <a:r>
+                        <a:rPr lang="en-US" dirty="0"/>
+                        <a:t>Group 1</a:t>
+                      </a:r>
+                    </a:p>
+                  </a:txBody>
+                  <a:tcPr marL="88867" marR="88867" anchor="ctr">
+                    <a:solidFill>
+                      <a:srgbClr val="008282"/>
+                    </a:solidFill>
+                  </a:tcPr>
+                </a:tc>
+                <a:tc>
+                  <a:txBody>
+                    <a:bodyPr/>
+                    <a:lstStyle/>
+                    <a:p>
+                      <a:pPr algn="ctr"/>
+                      <a:r>
+                        <a:rPr lang="en-US" dirty="0"/>
+                        <a:t>Group 2</a:t>
+                      </a:r>
+                    </a:p>
+                  </a:txBody>
+                  <a:tcPr marL="88867" marR="88867" anchor="ctr">
+                    <a:solidFill>
+                      <a:srgbClr val="008282"/>
+                    </a:solidFill>
+                  </a:tcPr>
+                </a:tc>
+                <a:extLst>
+                  <a:ext uri="{0D108BD9-81ED-4DB2-BD59-A6C34878D82A}">
+                    <a16:rowId xmlns="" xmlns:a16="http://schemas.microsoft.com/office/drawing/2014/main" val="10000"/>
+                  </a:ext>
+                </a:extLst>
+              </a:tr>
+              <a:tr h="563959">
+                <a:tc>
+                  <a:txBody>
+                    <a:bodyPr/>
+                    <a:lstStyle/>
+                    <a:p>
+                      <a:r>
+                        <a:rPr lang="en-US" dirty="0"/>
+                        <a:t>Class 1</a:t>
+                      </a:r>
+                    </a:p>
+                  </a:txBody>
+                  <a:tcPr marL="88867" marR="88867" anchor="ctr"/>
+                </a:tc>
+                <a:tc>
+                  <a:txBody>
+                    <a:bodyPr/>
+                    <a:lstStyle/>
+                    <a:p>
+                      <a:pPr algn="ctr"/>
+                      <a:r>
+                        <a:rPr lang="en-US" dirty="0"/>
+                        <a:t>82</a:t>
+                      </a:r>
+                    </a:p>
+                  </a:txBody>
+                  <a:tcPr marL="88867" marR="88867" anchor="ctr"/>
+                </a:tc>
+                <a:tc>
+                  <a:txBody>
+                    <a:bodyPr/>
+                    <a:lstStyle/>
+                    <a:p>
+                      <a:pPr algn="ctr"/>
+                      <a:r>
+                        <a:rPr lang="en-US" dirty="0"/>
+                        <a:t>95</a:t>
+                      </a:r>
+                    </a:p>
+                  </a:txBody>
+                  <a:tcPr marL="88867" marR="88867" anchor="ctr"/>
+                </a:tc>
+                <a:extLst>
+                  <a:ext uri="{0D108BD9-81ED-4DB2-BD59-A6C34878D82A}">
+                    <a16:rowId xmlns="" xmlns:a16="http://schemas.microsoft.com/office/drawing/2014/main" val="10001"/>
+                  </a:ext>
+                </a:extLst>
+              </a:tr>
+              <a:tr h="563959">
+                <a:tc>
+                  <a:txBody>
+                    <a:bodyPr/>
+                    <a:lstStyle/>
+                    <a:p>
+                      <a:r>
+                        <a:rPr lang="en-US" dirty="0"/>
+                        <a:t>Class 2</a:t>
+                      </a:r>
+                    </a:p>
+                  </a:txBody>
+                  <a:tcPr marL="88867" marR="88867" anchor="ctr"/>
+                </a:tc>
+                <a:tc>
+                  <a:txBody>
+                    <a:bodyPr/>
+                    <a:lstStyle/>
+                    <a:p>
+                      <a:pPr algn="ctr"/>
+                      <a:r>
+                        <a:rPr lang="en-US" dirty="0"/>
+                        <a:t>76</a:t>
+                      </a:r>
+                    </a:p>
+                  </a:txBody>
+                  <a:tcPr marL="88867" marR="88867" anchor="ctr"/>
+                </a:tc>
+                <a:tc>
+                  <a:txBody>
+                    <a:bodyPr/>
+                    <a:lstStyle/>
+                    <a:p>
+                      <a:pPr algn="ctr"/>
+                      <a:r>
+                        <a:rPr lang="en-US" dirty="0"/>
+                        <a:t>88</a:t>
+                      </a:r>
+                    </a:p>
+                  </a:txBody>
+                  <a:tcPr marL="88867" marR="88867" anchor="ctr"/>
+                </a:tc>
+                <a:extLst>
+                  <a:ext uri="{0D108BD9-81ED-4DB2-BD59-A6C34878D82A}">
+                    <a16:rowId xmlns="" xmlns:a16="http://schemas.microsoft.com/office/drawing/2014/main" val="10002"/>
+                  </a:ext>
+                </a:extLst>
+              </a:tr>
+              <a:tr h="563959">
+                <a:tc>
+                  <a:txBody>
+                    <a:bodyPr/>
+                    <a:lstStyle/>
+                    <a:p>
+                      <a:r>
+                        <a:rPr lang="en-US" dirty="0"/>
+                        <a:t>Class 3</a:t>
+                      </a:r>
+                    </a:p>
+                  </a:txBody>
+                  <a:tcPr marL="88867" marR="88867" anchor="ctr"/>
+                </a:tc>
+                <a:tc>
+                  <a:txBody>
+                    <a:bodyPr/>
+                    <a:lstStyle/>
+                    <a:p>
+                      <a:pPr algn="ctr"/>
+                      <a:r>
+                        <a:rPr lang="en-US" dirty="0"/>
+                        <a:t>84</a:t>
+                      </a:r>
+                    </a:p>
+                  </a:txBody>
+                  <a:tcPr marL="88867" marR="88867" anchor="ctr"/>
+                </a:tc>
+                <a:tc>
+                  <a:txBody>
+                    <a:bodyPr/>
+                    <a:lstStyle/>
+                    <a:p>
+                      <a:pPr algn="ctr"/>
+                      <a:r>
+                        <a:rPr lang="en-US" dirty="0"/>
+                        <a:t>90</a:t>
+                      </a:r>
+                    </a:p>
+                  </a:txBody>
+                  <a:tcPr marL="88867" marR="88867" anchor="ctr"/>
+                </a:tc>
+                <a:extLst>
+                  <a:ext uri="{0D108BD9-81ED-4DB2-BD59-A6C34878D82A}">
+                    <a16:rowId xmlns="" xmlns:a16="http://schemas.microsoft.com/office/drawing/2014/main" val="10003"/>
+                  </a:ext>
+                </a:extLst>
+              </a:tr>
+            </a:tbl>
+          </a:graphicData>
+        </a:graphic>
+      </p:graphicFrame>
       <p:sp>
         <p:nvSpPr>
           <p:cNvPr id="4" name="Footer Placeholder 3"/>
@@ -16752,7 +16690,7 @@
     </p:spTree>
     <p:extLst>
       <p:ext uri="{BB962C8B-B14F-4D97-AF65-F5344CB8AC3E}">
-        <p14:creationId xmlns:p14="http://schemas.microsoft.com/office/powerpoint/2010/main" val="1750935718"/>
+        <p14:creationId xmlns:p14="http://schemas.microsoft.com/office/powerpoint/2010/main" val="2341911148"/>
       </p:ext>
     </p:extLst>
   </p:cSld>
@@ -16793,7 +16731,7 @@
       </p:grpSpPr>
       <p:sp>
         <p:nvSpPr>
-          <p:cNvPr id="13" name="Title 12"/>
+          <p:cNvPr id="2" name="Title 1"/>
           <p:cNvSpPr>
             <a:spLocks noGrp="1"/>
           </p:cNvSpPr>
@@ -16808,321 +16746,73 @@
           <a:p>
             <a:r>
               <a:rPr lang="en-US" dirty="0"/>
-              <a:t>Outline (Rough Draft)</a:t>
-            </a:r>
-          </a:p>
-        </p:txBody>
-      </p:sp>
-      <p:sp>
-        <p:nvSpPr>
-          <p:cNvPr id="14" name="Content Placeholder 13"/>
+              <a:t>Two Content Layout with SmartArt</a:t>
+            </a:r>
+          </a:p>
+        </p:txBody>
+      </p:sp>
+      <p:sp>
+        <p:nvSpPr>
+          <p:cNvPr id="3" name="Content Placeholder 2"/>
           <p:cNvSpPr>
             <a:spLocks noGrp="1"/>
           </p:cNvSpPr>
           <p:nvPr>
-            <p:ph idx="1"/>
+            <p:ph sz="half" idx="1"/>
           </p:nvPr>
         </p:nvSpPr>
         <p:spPr/>
         <p:txBody>
-          <a:bodyPr>
-            <a:normAutofit fontScale="55000" lnSpcReduction="20000"/>
-          </a:bodyPr>
+          <a:bodyPr/>
           <a:lstStyle/>
           <a:p>
             <a:r>
-              <a:rPr lang="en-US" dirty="0" err="1"/>
-              <a:t>Microservices</a:t>
-            </a:r>
-            <a:r>
               <a:rPr lang="en-US" dirty="0"/>
-              <a:t> connecting </a:t>
+              <a:t>First bullet point here</a:t>
             </a:r>
           </a:p>
           <a:p>
             <a:r>
               <a:rPr lang="en-US" dirty="0"/>
-              <a:t>How </a:t>
-            </a:r>
-            <a:r>
-              <a:rPr lang="en-US" dirty="0" err="1"/>
-              <a:t>rabbitmq</a:t>
-            </a:r>
+              <a:t>Second bullet point here</a:t>
+            </a:r>
+          </a:p>
+          <a:p>
             <a:r>
               <a:rPr lang="en-US" dirty="0"/>
-              <a:t> fits for </a:t>
-            </a:r>
-            <a:r>
-              <a:rPr lang="en-US" dirty="0" err="1"/>
-              <a:t>async</a:t>
-            </a:r>
-            <a:r>
-              <a:rPr lang="en-US" dirty="0"/>
-              <a:t> messaging</a:t>
-            </a:r>
-          </a:p>
-          <a:p>
-            <a:pPr lvl="1"/>
-            <a:r>
-              <a:rPr lang="en-US" dirty="0"/>
-              <a:t>About </a:t>
-            </a:r>
-            <a:r>
-              <a:rPr lang="en-US" dirty="0" err="1"/>
-              <a:t>rabbitmq</a:t>
-            </a:r>
-            <a:endParaRPr lang="en-US" dirty="0"/>
-          </a:p>
-          <a:p>
-            <a:pPr lvl="2"/>
-            <a:r>
-              <a:rPr lang="en-US" dirty="0"/>
-              <a:t>Overview</a:t>
-            </a:r>
-          </a:p>
-          <a:p>
-            <a:pPr lvl="2"/>
-            <a:r>
-              <a:rPr lang="en-US" dirty="0" err="1"/>
-              <a:t>Amqp</a:t>
-            </a:r>
-            <a:endParaRPr lang="en-US" dirty="0"/>
-          </a:p>
-          <a:p>
-            <a:pPr lvl="2"/>
-            <a:r>
-              <a:rPr lang="en-US" dirty="0"/>
-              <a:t>Initial look mgmt. page demo</a:t>
-            </a:r>
-          </a:p>
-          <a:p>
-            <a:pPr lvl="1"/>
-            <a:r>
-              <a:rPr lang="en-US" dirty="0"/>
-              <a:t>Messaging patterns</a:t>
-            </a:r>
-          </a:p>
-          <a:p>
-            <a:pPr lvl="2"/>
-            <a:r>
-              <a:rPr lang="en-US" dirty="0"/>
-              <a:t>Example patterns</a:t>
-            </a:r>
-          </a:p>
-          <a:p>
-            <a:pPr lvl="2"/>
-            <a:r>
-              <a:rPr lang="en-US" dirty="0"/>
-              <a:t>Example failures</a:t>
-            </a:r>
-          </a:p>
-          <a:p>
-            <a:pPr lvl="2"/>
-            <a:r>
-              <a:rPr lang="en-US" dirty="0"/>
-              <a:t>Example saga?</a:t>
-            </a:r>
-          </a:p>
-          <a:p>
-            <a:pPr lvl="1"/>
-            <a:r>
-              <a:rPr lang="en-US" dirty="0"/>
-              <a:t>Best practices</a:t>
-            </a:r>
-          </a:p>
-          <a:p>
-            <a:pPr lvl="1"/>
-            <a:r>
-              <a:rPr lang="en-US" dirty="0"/>
-              <a:t> Example reliable messaging</a:t>
-            </a:r>
-          </a:p>
-          <a:p>
-            <a:pPr lvl="1"/>
-            <a:r>
-              <a:rPr lang="en-US" dirty="0"/>
-              <a:t>HA </a:t>
-            </a:r>
-          </a:p>
-          <a:p>
-            <a:pPr lvl="1"/>
-            <a:r>
-              <a:rPr lang="en-US" dirty="0"/>
-              <a:t>Connection handling</a:t>
-            </a:r>
-          </a:p>
-          <a:p>
-            <a:pPr lvl="1"/>
-            <a:r>
-              <a:rPr lang="en-US" dirty="0"/>
-              <a:t>Message size</a:t>
-            </a:r>
-          </a:p>
-          <a:p>
-            <a:pPr lvl="1"/>
-            <a:r>
-              <a:rPr lang="en-US" dirty="0"/>
-              <a:t>Exchange queue </a:t>
-            </a:r>
-          </a:p>
-          <a:p>
-            <a:pPr lvl="2"/>
-            <a:r>
-              <a:rPr lang="en-US" dirty="0"/>
-              <a:t>Names</a:t>
-            </a:r>
-          </a:p>
-          <a:p>
-            <a:pPr lvl="2"/>
-            <a:r>
-              <a:rPr lang="en-US" dirty="0"/>
-              <a:t>Routing keys</a:t>
-            </a:r>
-          </a:p>
-          <a:p>
-            <a:pPr lvl="2"/>
-            <a:r>
-              <a:rPr lang="en-US" dirty="0"/>
-              <a:t>Federation policy</a:t>
-            </a:r>
-          </a:p>
-          <a:p>
-            <a:pPr lvl="1"/>
-            <a:endParaRPr lang="en-US" dirty="0"/>
-          </a:p>
-          <a:p>
-            <a:r>
-              <a:rPr lang="en-US" dirty="0"/>
-              <a:t>Add your third bullet point here</a:t>
-            </a:r>
-          </a:p>
-        </p:txBody>
-      </p:sp>
-      <p:sp>
-        <p:nvSpPr>
-          <p:cNvPr id="2" name="TextBox 1"/>
-          <p:cNvSpPr txBox="1"/>
-          <p:nvPr/>
-        </p:nvSpPr>
-        <p:spPr>
-          <a:xfrm>
-            <a:off x="4528820" y="1600200"/>
-            <a:ext cx="7715445" cy="2215991"/>
-          </a:xfrm>
-          <a:prstGeom prst="rect">
-            <a:avLst/>
-          </a:prstGeom>
-          <a:noFill/>
-        </p:spPr>
-        <p:txBody>
-          <a:bodyPr wrap="none" rtlCol="0">
-            <a:spAutoFit/>
-          </a:bodyPr>
-          <a:lstStyle/>
-          <a:p>
-            <a:r>
-              <a:rPr lang="en-US" sz="1800" dirty="0"/>
-              <a:t>What are the key points that my audience should take away from the talk</a:t>
-            </a:r>
-          </a:p>
-          <a:p>
-            <a:pPr marL="171450" indent="-171450">
-              <a:buFont typeface="Arial" panose="020B0604020202020204" pitchFamily="34" charset="0"/>
-              <a:buChar char="•"/>
-            </a:pPr>
-            <a:r>
-              <a:rPr lang="en-US" sz="1800" dirty="0" err="1"/>
-              <a:t>RabbitMQ</a:t>
-            </a:r>
-            <a:r>
-              <a:rPr lang="en-US" sz="1800" dirty="0"/>
-              <a:t> is a great solution for connecting </a:t>
-            </a:r>
-            <a:r>
-              <a:rPr lang="en-US" sz="1800" dirty="0" err="1"/>
-              <a:t>async</a:t>
-            </a:r>
-            <a:r>
-              <a:rPr lang="en-US" sz="1800" dirty="0"/>
-              <a:t> messaging for </a:t>
-            </a:r>
-            <a:r>
-              <a:rPr lang="en-US" sz="1800" dirty="0" err="1"/>
-              <a:t>Microservices</a:t>
-            </a:r>
-            <a:endParaRPr lang="en-US" sz="1800" dirty="0"/>
-          </a:p>
-          <a:p>
-            <a:pPr marL="171450" indent="-171450">
-              <a:buFont typeface="Arial" panose="020B0604020202020204" pitchFamily="34" charset="0"/>
-              <a:buChar char="•"/>
-            </a:pPr>
-            <a:r>
-              <a:rPr lang="en-US" sz="1800" dirty="0" err="1"/>
-              <a:t>RabbitMQ</a:t>
-            </a:r>
-            <a:r>
-              <a:rPr lang="en-US" sz="1800" dirty="0"/>
-              <a:t> provides options for high </a:t>
-            </a:r>
-            <a:r>
-              <a:rPr lang="en-US" sz="1800" dirty="0" err="1"/>
-              <a:t>performanc</a:t>
-            </a:r>
-            <a:r>
-              <a:rPr lang="en-US" sz="1800" dirty="0"/>
-              <a:t> and high reliability </a:t>
-            </a:r>
-          </a:p>
-          <a:p>
-            <a:pPr marL="171450" indent="-171450">
-              <a:buFont typeface="Arial" panose="020B0604020202020204" pitchFamily="34" charset="0"/>
-              <a:buChar char="•"/>
-            </a:pPr>
-            <a:r>
-              <a:rPr lang="en-US" sz="1800" dirty="0"/>
-              <a:t>Messaging doesn’t need to be hard, it can be boring, and boring is good.</a:t>
-            </a:r>
-          </a:p>
-          <a:p>
-            <a:pPr marL="171450" indent="-171450">
-              <a:buFont typeface="Arial" panose="020B0604020202020204" pitchFamily="34" charset="0"/>
-              <a:buChar char="•"/>
-            </a:pPr>
-            <a:endParaRPr lang="en-US" sz="1800" dirty="0"/>
-          </a:p>
-          <a:p>
-            <a:pPr marL="171450" indent="-171450">
-              <a:buFont typeface="Arial" panose="020B0604020202020204" pitchFamily="34" charset="0"/>
-              <a:buChar char="•"/>
-            </a:pPr>
-            <a:r>
-              <a:rPr lang="en-US" sz="1800" dirty="0"/>
-              <a:t>Monitoring New Relic ? </a:t>
-            </a:r>
-          </a:p>
-          <a:p>
-            <a:pPr marL="171450" indent="-171450">
-              <a:buFont typeface="Arial" panose="020B0604020202020204" pitchFamily="34" charset="0"/>
-              <a:buChar char="•"/>
-            </a:pPr>
-            <a:r>
-              <a:rPr lang="en-US" sz="1800" dirty="0"/>
-              <a:t>Federation examples</a:t>
-            </a:r>
-          </a:p>
-          <a:p>
-            <a:pPr marL="171450" indent="-171450">
-              <a:buFont typeface="Arial" panose="020B0604020202020204" pitchFamily="34" charset="0"/>
-              <a:buChar char="•"/>
-            </a:pPr>
-            <a:endParaRPr lang="en-US" sz="1200" dirty="0"/>
-          </a:p>
-        </p:txBody>
-      </p:sp>
-      <p:sp>
-        <p:nvSpPr>
-          <p:cNvPr id="3" name="Footer Placeholder 2"/>
+              <a:t>Third bullet point here</a:t>
+            </a:r>
+          </a:p>
+        </p:txBody>
+      </p:sp>
+      <p:graphicFrame>
+        <p:nvGraphicFramePr>
+          <p:cNvPr id="5" name="Content Placeholder 4" descr="Staggered process showing 3 tasks arranged one below the other and two downward pointing arrows are used to indicate progression from first task to second task and second task to third task."/>
+          <p:cNvGraphicFramePr>
+            <a:graphicFrameLocks noGrp="1"/>
+          </p:cNvGraphicFramePr>
+          <p:nvPr>
+            <p:ph sz="half" idx="2"/>
+            <p:extLst>
+              <p:ext uri="{D42A27DB-BD31-4B8C-83A1-F6EECF244321}">
+                <p14:modId xmlns:p14="http://schemas.microsoft.com/office/powerpoint/2010/main" val="2561100622"/>
+              </p:ext>
+            </p:extLst>
+          </p:nvPr>
+        </p:nvGraphicFramePr>
+        <p:xfrm>
+          <a:off x="6216650" y="1846263"/>
+          <a:ext cx="4935538" cy="4022725"/>
+        </p:xfrm>
+        <a:graphic>
+          <a:graphicData uri="http://schemas.openxmlformats.org/drawingml/2006/diagram">
+            <dgm:relIds xmlns:dgm="http://schemas.openxmlformats.org/drawingml/2006/diagram" xmlns:r="http://schemas.openxmlformats.org/officeDocument/2006/relationships" r:dm="rId3" r:lo="rId4" r:qs="rId5" r:cs="rId6"/>
+          </a:graphicData>
+        </a:graphic>
+      </p:graphicFrame>
+      <p:sp>
+        <p:nvSpPr>
+          <p:cNvPr id="4" name="Footer Placeholder 3"/>
           <p:cNvSpPr>
             <a:spLocks noGrp="1"/>
           </p:cNvSpPr>
@@ -17146,7 +16836,7 @@
     </p:spTree>
     <p:extLst>
       <p:ext uri="{BB962C8B-B14F-4D97-AF65-F5344CB8AC3E}">
-        <p14:creationId xmlns:p14="http://schemas.microsoft.com/office/powerpoint/2010/main" val="3529114326"/>
+        <p14:creationId xmlns:p14="http://schemas.microsoft.com/office/powerpoint/2010/main" val="4123189245"/>
       </p:ext>
     </p:extLst>
   </p:cSld>
@@ -17320,7 +17010,7 @@
       </p:grpSpPr>
       <p:sp>
         <p:nvSpPr>
-          <p:cNvPr id="2" name="Title 1"/>
+          <p:cNvPr id="7" name="Title 6"/>
           <p:cNvSpPr>
             <a:spLocks noGrp="1"/>
           </p:cNvSpPr>
@@ -17335,19 +17025,19 @@
           <a:p>
             <a:r>
               <a:rPr lang="en-US" dirty="0"/>
-              <a:t>Two Content Layout with Table</a:t>
-            </a:r>
-          </a:p>
-        </p:txBody>
-      </p:sp>
-      <p:sp>
-        <p:nvSpPr>
-          <p:cNvPr id="3" name="Content Placeholder 2"/>
+              <a:t>Add a Slide Title - 2</a:t>
+            </a:r>
+          </a:p>
+        </p:txBody>
+      </p:sp>
+      <p:sp>
+        <p:nvSpPr>
+          <p:cNvPr id="8" name="Text Placeholder 7"/>
           <p:cNvSpPr>
             <a:spLocks noGrp="1"/>
           </p:cNvSpPr>
           <p:nvPr>
-            <p:ph sz="half" idx="1"/>
+            <p:ph type="body" idx="1"/>
           </p:nvPr>
         </p:nvSpPr>
         <p:spPr/>
@@ -17355,284 +17045,70 @@
           <a:bodyPr/>
           <a:lstStyle/>
           <a:p>
-            <a:r>
-              <a:rPr lang="en-US" dirty="0"/>
-              <a:t>First bullet point here</a:t>
-            </a:r>
-          </a:p>
-          <a:p>
-            <a:r>
-              <a:rPr lang="en-US" dirty="0"/>
-              <a:t>Second bullet point here</a:t>
-            </a:r>
-          </a:p>
-          <a:p>
-            <a:r>
-              <a:rPr lang="en-US" dirty="0"/>
-              <a:t>Third bullet point here</a:t>
-            </a:r>
-          </a:p>
-        </p:txBody>
-      </p:sp>
-      <p:graphicFrame>
-        <p:nvGraphicFramePr>
-          <p:cNvPr id="5" name="Content Placeholder 4"/>
-          <p:cNvGraphicFramePr>
-            <a:graphicFrameLocks noGrp="1"/>
-          </p:cNvGraphicFramePr>
+            <a:endParaRPr lang="en-US" dirty="0"/>
+          </a:p>
+        </p:txBody>
+      </p:sp>
+      <p:sp>
+        <p:nvSpPr>
+          <p:cNvPr id="10" name="Content Placeholder 9"/>
+          <p:cNvSpPr>
+            <a:spLocks noGrp="1"/>
+          </p:cNvSpPr>
           <p:nvPr>
             <p:ph sz="half" idx="2"/>
-            <p:extLst>
-              <p:ext uri="{D42A27DB-BD31-4B8C-83A1-F6EECF244321}">
-                <p14:modId xmlns:p14="http://schemas.microsoft.com/office/powerpoint/2010/main" val="1580206012"/>
-              </p:ext>
-            </p:extLst>
           </p:nvPr>
-        </p:nvGraphicFramePr>
-        <p:xfrm>
-          <a:off x="6216650" y="1846263"/>
-          <a:ext cx="4935537" cy="2255836"/>
-        </p:xfrm>
-        <a:graphic>
-          <a:graphicData uri="http://schemas.openxmlformats.org/drawingml/2006/table">
-            <a:tbl>
-              <a:tblPr firstRow="1" bandRow="1">
-                <a:tableStyleId>{5C22544A-7EE6-4342-B048-85BDC9FD1C3A}</a:tableStyleId>
-              </a:tblPr>
-              <a:tblGrid>
-                <a:gridCol w="1645179">
-                  <a:extLst>
-                    <a:ext uri="{9D8B030D-6E8A-4147-A177-3AD203B41FA5}">
-                      <a16:colId xmlns:a16="http://schemas.microsoft.com/office/drawing/2014/main" xmlns="" val="20000"/>
-                    </a:ext>
-                  </a:extLst>
-                </a:gridCol>
-                <a:gridCol w="1645179">
-                  <a:extLst>
-                    <a:ext uri="{9D8B030D-6E8A-4147-A177-3AD203B41FA5}">
-                      <a16:colId xmlns:a16="http://schemas.microsoft.com/office/drawing/2014/main" xmlns="" val="20001"/>
-                    </a:ext>
-                  </a:extLst>
-                </a:gridCol>
-                <a:gridCol w="1645179">
-                  <a:extLst>
-                    <a:ext uri="{9D8B030D-6E8A-4147-A177-3AD203B41FA5}">
-                      <a16:colId xmlns:a16="http://schemas.microsoft.com/office/drawing/2014/main" xmlns="" val="20002"/>
-                    </a:ext>
-                  </a:extLst>
-                </a:gridCol>
-              </a:tblGrid>
-              <a:tr h="563959">
-                <a:tc>
-                  <a:txBody>
-                    <a:bodyPr/>
-                    <a:lstStyle/>
-                    <a:p>
-                      <a:r>
-                        <a:rPr lang="en-US" dirty="0"/>
-                        <a:t>Class</a:t>
-                      </a:r>
-                    </a:p>
-                  </a:txBody>
-                  <a:tcPr marL="88867" marR="88867" anchor="ctr">
-                    <a:solidFill>
-                      <a:srgbClr val="008282"/>
-                    </a:solidFill>
-                  </a:tcPr>
-                </a:tc>
-                <a:tc>
-                  <a:txBody>
-                    <a:bodyPr/>
-                    <a:lstStyle/>
-                    <a:p>
-                      <a:pPr algn="ctr"/>
-                      <a:r>
-                        <a:rPr lang="en-US" dirty="0"/>
-                        <a:t>Group 1</a:t>
-                      </a:r>
-                    </a:p>
-                  </a:txBody>
-                  <a:tcPr marL="88867" marR="88867" anchor="ctr">
-                    <a:solidFill>
-                      <a:srgbClr val="008282"/>
-                    </a:solidFill>
-                  </a:tcPr>
-                </a:tc>
-                <a:tc>
-                  <a:txBody>
-                    <a:bodyPr/>
-                    <a:lstStyle/>
-                    <a:p>
-                      <a:pPr algn="ctr"/>
-                      <a:r>
-                        <a:rPr lang="en-US" dirty="0"/>
-                        <a:t>Group 2</a:t>
-                      </a:r>
-                    </a:p>
-                  </a:txBody>
-                  <a:tcPr marL="88867" marR="88867" anchor="ctr">
-                    <a:solidFill>
-                      <a:srgbClr val="008282"/>
-                    </a:solidFill>
-                  </a:tcPr>
-                </a:tc>
-                <a:extLst>
-                  <a:ext uri="{0D108BD9-81ED-4DB2-BD59-A6C34878D82A}">
-                    <a16:rowId xmlns:a16="http://schemas.microsoft.com/office/drawing/2014/main" xmlns="" val="10000"/>
-                  </a:ext>
-                </a:extLst>
-              </a:tr>
-              <a:tr h="563959">
-                <a:tc>
-                  <a:txBody>
-                    <a:bodyPr/>
-                    <a:lstStyle/>
-                    <a:p>
-                      <a:r>
-                        <a:rPr lang="en-US" dirty="0"/>
-                        <a:t>Class 1</a:t>
-                      </a:r>
-                    </a:p>
-                  </a:txBody>
-                  <a:tcPr marL="88867" marR="88867" anchor="ctr"/>
-                </a:tc>
-                <a:tc>
-                  <a:txBody>
-                    <a:bodyPr/>
-                    <a:lstStyle/>
-                    <a:p>
-                      <a:pPr algn="ctr"/>
-                      <a:r>
-                        <a:rPr lang="en-US" dirty="0"/>
-                        <a:t>82</a:t>
-                      </a:r>
-                    </a:p>
-                  </a:txBody>
-                  <a:tcPr marL="88867" marR="88867" anchor="ctr"/>
-                </a:tc>
-                <a:tc>
-                  <a:txBody>
-                    <a:bodyPr/>
-                    <a:lstStyle/>
-                    <a:p>
-                      <a:pPr algn="ctr"/>
-                      <a:r>
-                        <a:rPr lang="en-US" dirty="0"/>
-                        <a:t>95</a:t>
-                      </a:r>
-                    </a:p>
-                  </a:txBody>
-                  <a:tcPr marL="88867" marR="88867" anchor="ctr"/>
-                </a:tc>
-                <a:extLst>
-                  <a:ext uri="{0D108BD9-81ED-4DB2-BD59-A6C34878D82A}">
-                    <a16:rowId xmlns:a16="http://schemas.microsoft.com/office/drawing/2014/main" xmlns="" val="10001"/>
-                  </a:ext>
-                </a:extLst>
-              </a:tr>
-              <a:tr h="563959">
-                <a:tc>
-                  <a:txBody>
-                    <a:bodyPr/>
-                    <a:lstStyle/>
-                    <a:p>
-                      <a:r>
-                        <a:rPr lang="en-US" dirty="0"/>
-                        <a:t>Class 2</a:t>
-                      </a:r>
-                    </a:p>
-                  </a:txBody>
-                  <a:tcPr marL="88867" marR="88867" anchor="ctr"/>
-                </a:tc>
-                <a:tc>
-                  <a:txBody>
-                    <a:bodyPr/>
-                    <a:lstStyle/>
-                    <a:p>
-                      <a:pPr algn="ctr"/>
-                      <a:r>
-                        <a:rPr lang="en-US" dirty="0"/>
-                        <a:t>76</a:t>
-                      </a:r>
-                    </a:p>
-                  </a:txBody>
-                  <a:tcPr marL="88867" marR="88867" anchor="ctr"/>
-                </a:tc>
-                <a:tc>
-                  <a:txBody>
-                    <a:bodyPr/>
-                    <a:lstStyle/>
-                    <a:p>
-                      <a:pPr algn="ctr"/>
-                      <a:r>
-                        <a:rPr lang="en-US" dirty="0"/>
-                        <a:t>88</a:t>
-                      </a:r>
-                    </a:p>
-                  </a:txBody>
-                  <a:tcPr marL="88867" marR="88867" anchor="ctr"/>
-                </a:tc>
-                <a:extLst>
-                  <a:ext uri="{0D108BD9-81ED-4DB2-BD59-A6C34878D82A}">
-                    <a16:rowId xmlns:a16="http://schemas.microsoft.com/office/drawing/2014/main" xmlns="" val="10002"/>
-                  </a:ext>
-                </a:extLst>
-              </a:tr>
-              <a:tr h="563959">
-                <a:tc>
-                  <a:txBody>
-                    <a:bodyPr/>
-                    <a:lstStyle/>
-                    <a:p>
-                      <a:r>
-                        <a:rPr lang="en-US" dirty="0"/>
-                        <a:t>Class 3</a:t>
-                      </a:r>
-                    </a:p>
-                  </a:txBody>
-                  <a:tcPr marL="88867" marR="88867" anchor="ctr"/>
-                </a:tc>
-                <a:tc>
-                  <a:txBody>
-                    <a:bodyPr/>
-                    <a:lstStyle/>
-                    <a:p>
-                      <a:pPr algn="ctr"/>
-                      <a:r>
-                        <a:rPr lang="en-US" dirty="0"/>
-                        <a:t>84</a:t>
-                      </a:r>
-                    </a:p>
-                  </a:txBody>
-                  <a:tcPr marL="88867" marR="88867" anchor="ctr"/>
-                </a:tc>
-                <a:tc>
-                  <a:txBody>
-                    <a:bodyPr/>
-                    <a:lstStyle/>
-                    <a:p>
-                      <a:pPr algn="ctr"/>
-                      <a:r>
-                        <a:rPr lang="en-US" dirty="0"/>
-                        <a:t>90</a:t>
-                      </a:r>
-                    </a:p>
-                  </a:txBody>
-                  <a:tcPr marL="88867" marR="88867" anchor="ctr"/>
-                </a:tc>
-                <a:extLst>
-                  <a:ext uri="{0D108BD9-81ED-4DB2-BD59-A6C34878D82A}">
-                    <a16:rowId xmlns:a16="http://schemas.microsoft.com/office/drawing/2014/main" xmlns="" val="10003"/>
-                  </a:ext>
-                </a:extLst>
-              </a:tr>
-            </a:tbl>
-          </a:graphicData>
-        </a:graphic>
-      </p:graphicFrame>
-      <p:sp>
-        <p:nvSpPr>
-          <p:cNvPr id="4" name="Footer Placeholder 3"/>
+        </p:nvSpPr>
+        <p:spPr/>
+        <p:txBody>
+          <a:bodyPr/>
+          <a:lstStyle/>
+          <a:p>
+            <a:endParaRPr lang="en-US" dirty="0"/>
+          </a:p>
+        </p:txBody>
+      </p:sp>
+      <p:sp>
+        <p:nvSpPr>
+          <p:cNvPr id="9" name="Text Placeholder 8"/>
+          <p:cNvSpPr>
+            <a:spLocks noGrp="1"/>
+          </p:cNvSpPr>
+          <p:nvPr>
+            <p:ph type="body" sz="quarter" idx="3"/>
+          </p:nvPr>
+        </p:nvSpPr>
+        <p:spPr/>
+        <p:txBody>
+          <a:bodyPr/>
+          <a:lstStyle/>
+          <a:p>
+            <a:endParaRPr lang="en-US" dirty="0"/>
+          </a:p>
+        </p:txBody>
+      </p:sp>
+      <p:sp>
+        <p:nvSpPr>
+          <p:cNvPr id="11" name="Content Placeholder 10"/>
+          <p:cNvSpPr>
+            <a:spLocks noGrp="1"/>
+          </p:cNvSpPr>
+          <p:nvPr>
+            <p:ph sz="quarter" idx="4"/>
+          </p:nvPr>
+        </p:nvSpPr>
+        <p:spPr/>
+        <p:txBody>
+          <a:bodyPr/>
+          <a:lstStyle/>
+          <a:p>
+            <a:endParaRPr lang="en-US" dirty="0"/>
+          </a:p>
+        </p:txBody>
+      </p:sp>
+      <p:sp>
+        <p:nvSpPr>
+          <p:cNvPr id="2" name="Footer Placeholder 1"/>
           <p:cNvSpPr>
             <a:spLocks noGrp="1"/>
           </p:cNvSpPr>
@@ -17656,7 +17132,7 @@
     </p:spTree>
     <p:extLst>
       <p:ext uri="{BB962C8B-B14F-4D97-AF65-F5344CB8AC3E}">
-        <p14:creationId xmlns:p14="http://schemas.microsoft.com/office/powerpoint/2010/main" val="2341911148"/>
+        <p14:creationId xmlns:p14="http://schemas.microsoft.com/office/powerpoint/2010/main" val="2672039197"/>
       </p:ext>
     </p:extLst>
   </p:cSld>
@@ -17697,7 +17173,7 @@
       </p:grpSpPr>
       <p:sp>
         <p:nvSpPr>
-          <p:cNvPr id="2" name="Title 1"/>
+          <p:cNvPr id="3" name="Title 2"/>
           <p:cNvSpPr>
             <a:spLocks noGrp="1"/>
           </p:cNvSpPr>
@@ -17712,73 +17188,14 @@
           <a:p>
             <a:r>
               <a:rPr lang="en-US" dirty="0"/>
-              <a:t>Two Content Layout with SmartArt</a:t>
-            </a:r>
-          </a:p>
-        </p:txBody>
-      </p:sp>
-      <p:sp>
-        <p:nvSpPr>
-          <p:cNvPr id="3" name="Content Placeholder 2"/>
-          <p:cNvSpPr>
-            <a:spLocks noGrp="1"/>
-          </p:cNvSpPr>
-          <p:nvPr>
-            <p:ph sz="half" idx="1"/>
-          </p:nvPr>
-        </p:nvSpPr>
-        <p:spPr/>
-        <p:txBody>
-          <a:bodyPr/>
-          <a:lstStyle/>
-          <a:p>
-            <a:r>
-              <a:rPr lang="en-US" dirty="0"/>
-              <a:t>First bullet point here</a:t>
-            </a:r>
-          </a:p>
-          <a:p>
-            <a:r>
-              <a:rPr lang="en-US" dirty="0"/>
-              <a:t>Second bullet point here</a:t>
-            </a:r>
-          </a:p>
-          <a:p>
-            <a:r>
-              <a:rPr lang="en-US" dirty="0"/>
-              <a:t>Third bullet point here</a:t>
-            </a:r>
-          </a:p>
-        </p:txBody>
-      </p:sp>
-      <p:graphicFrame>
-        <p:nvGraphicFramePr>
-          <p:cNvPr id="5" name="Content Placeholder 4" descr="Staggered process showing 3 tasks arranged one below the other and two downward pointing arrows are used to indicate progression from first task to second task and second task to third task."/>
-          <p:cNvGraphicFramePr>
-            <a:graphicFrameLocks noGrp="1"/>
-          </p:cNvGraphicFramePr>
-          <p:nvPr>
-            <p:ph sz="half" idx="2"/>
-            <p:extLst>
-              <p:ext uri="{D42A27DB-BD31-4B8C-83A1-F6EECF244321}">
-                <p14:modId xmlns:p14="http://schemas.microsoft.com/office/powerpoint/2010/main" val="2561100622"/>
-              </p:ext>
-            </p:extLst>
-          </p:nvPr>
-        </p:nvGraphicFramePr>
-        <p:xfrm>
-          <a:off x="6216650" y="1846263"/>
-          <a:ext cx="4935538" cy="4022725"/>
-        </p:xfrm>
-        <a:graphic>
-          <a:graphicData uri="http://schemas.openxmlformats.org/drawingml/2006/diagram">
-            <dgm:relIds xmlns:dgm="http://schemas.openxmlformats.org/drawingml/2006/diagram" xmlns:r="http://schemas.openxmlformats.org/officeDocument/2006/relationships" r:dm="rId3" r:lo="rId4" r:qs="rId5" r:cs="rId6"/>
-          </a:graphicData>
-        </a:graphic>
-      </p:graphicFrame>
-      <p:sp>
-        <p:nvSpPr>
-          <p:cNvPr id="4" name="Footer Placeholder 3"/>
+              <a:t>Add a Slide Title - 3</a:t>
+            </a:r>
+          </a:p>
+        </p:txBody>
+      </p:sp>
+      <p:sp>
+        <p:nvSpPr>
+          <p:cNvPr id="2" name="Footer Placeholder 1"/>
           <p:cNvSpPr>
             <a:spLocks noGrp="1"/>
           </p:cNvSpPr>
@@ -17802,7 +17219,7 @@
     </p:spTree>
     <p:extLst>
       <p:ext uri="{BB962C8B-B14F-4D97-AF65-F5344CB8AC3E}">
-        <p14:creationId xmlns:p14="http://schemas.microsoft.com/office/powerpoint/2010/main" val="4123189245"/>
+        <p14:creationId xmlns:p14="http://schemas.microsoft.com/office/powerpoint/2010/main" val="397710800"/>
       </p:ext>
     </p:extLst>
   </p:cSld>
@@ -17843,104 +17260,6 @@
       </p:grpSpPr>
       <p:sp>
         <p:nvSpPr>
-          <p:cNvPr id="7" name="Title 6"/>
-          <p:cNvSpPr>
-            <a:spLocks noGrp="1"/>
-          </p:cNvSpPr>
-          <p:nvPr>
-            <p:ph type="title"/>
-          </p:nvPr>
-        </p:nvSpPr>
-        <p:spPr/>
-        <p:txBody>
-          <a:bodyPr/>
-          <a:lstStyle/>
-          <a:p>
-            <a:r>
-              <a:rPr lang="en-US" dirty="0"/>
-              <a:t>Add a Slide Title - 2</a:t>
-            </a:r>
-          </a:p>
-        </p:txBody>
-      </p:sp>
-      <p:sp>
-        <p:nvSpPr>
-          <p:cNvPr id="8" name="Text Placeholder 7"/>
-          <p:cNvSpPr>
-            <a:spLocks noGrp="1"/>
-          </p:cNvSpPr>
-          <p:nvPr>
-            <p:ph type="body" idx="1"/>
-          </p:nvPr>
-        </p:nvSpPr>
-        <p:spPr/>
-        <p:txBody>
-          <a:bodyPr/>
-          <a:lstStyle/>
-          <a:p>
-            <a:endParaRPr lang="en-US" dirty="0"/>
-          </a:p>
-        </p:txBody>
-      </p:sp>
-      <p:sp>
-        <p:nvSpPr>
-          <p:cNvPr id="10" name="Content Placeholder 9"/>
-          <p:cNvSpPr>
-            <a:spLocks noGrp="1"/>
-          </p:cNvSpPr>
-          <p:nvPr>
-            <p:ph sz="half" idx="2"/>
-          </p:nvPr>
-        </p:nvSpPr>
-        <p:spPr/>
-        <p:txBody>
-          <a:bodyPr/>
-          <a:lstStyle/>
-          <a:p>
-            <a:endParaRPr lang="en-US" dirty="0"/>
-          </a:p>
-        </p:txBody>
-      </p:sp>
-      <p:sp>
-        <p:nvSpPr>
-          <p:cNvPr id="9" name="Text Placeholder 8"/>
-          <p:cNvSpPr>
-            <a:spLocks noGrp="1"/>
-          </p:cNvSpPr>
-          <p:nvPr>
-            <p:ph type="body" sz="quarter" idx="3"/>
-          </p:nvPr>
-        </p:nvSpPr>
-        <p:spPr/>
-        <p:txBody>
-          <a:bodyPr/>
-          <a:lstStyle/>
-          <a:p>
-            <a:endParaRPr lang="en-US" dirty="0"/>
-          </a:p>
-        </p:txBody>
-      </p:sp>
-      <p:sp>
-        <p:nvSpPr>
-          <p:cNvPr id="11" name="Content Placeholder 10"/>
-          <p:cNvSpPr>
-            <a:spLocks noGrp="1"/>
-          </p:cNvSpPr>
-          <p:nvPr>
-            <p:ph sz="quarter" idx="4"/>
-          </p:nvPr>
-        </p:nvSpPr>
-        <p:spPr/>
-        <p:txBody>
-          <a:bodyPr/>
-          <a:lstStyle/>
-          <a:p>
-            <a:endParaRPr lang="en-US" dirty="0"/>
-          </a:p>
-        </p:txBody>
-      </p:sp>
-      <p:sp>
-        <p:nvSpPr>
           <p:cNvPr id="2" name="Footer Placeholder 1"/>
           <p:cNvSpPr>
             <a:spLocks noGrp="1"/>
@@ -17965,7 +17284,7 @@
     </p:spTree>
     <p:extLst>
       <p:ext uri="{BB962C8B-B14F-4D97-AF65-F5344CB8AC3E}">
-        <p14:creationId xmlns:p14="http://schemas.microsoft.com/office/powerpoint/2010/main" val="2672039197"/>
+        <p14:creationId xmlns:p14="http://schemas.microsoft.com/office/powerpoint/2010/main" val="1405850135"/>
       </p:ext>
     </p:extLst>
   </p:cSld>
@@ -18006,7 +17325,7 @@
       </p:grpSpPr>
       <p:sp>
         <p:nvSpPr>
-          <p:cNvPr id="3" name="Title 2"/>
+          <p:cNvPr id="2" name="Title 1"/>
           <p:cNvSpPr>
             <a:spLocks noGrp="1"/>
           </p:cNvSpPr>
@@ -18021,14 +17340,52 @@
           <a:p>
             <a:r>
               <a:rPr lang="en-US" dirty="0"/>
-              <a:t>Add a Slide Title - 3</a:t>
-            </a:r>
-          </a:p>
-        </p:txBody>
-      </p:sp>
-      <p:sp>
-        <p:nvSpPr>
-          <p:cNvPr id="2" name="Footer Placeholder 1"/>
+              <a:t>Add a Slide Title - 4</a:t>
+            </a:r>
+          </a:p>
+        </p:txBody>
+      </p:sp>
+      <p:sp>
+        <p:nvSpPr>
+          <p:cNvPr id="3" name="Content Placeholder 2"/>
+          <p:cNvSpPr>
+            <a:spLocks noGrp="1"/>
+          </p:cNvSpPr>
+          <p:nvPr>
+            <p:ph idx="1"/>
+          </p:nvPr>
+        </p:nvSpPr>
+        <p:spPr/>
+        <p:txBody>
+          <a:bodyPr/>
+          <a:lstStyle/>
+          <a:p>
+            <a:endParaRPr lang="en-US" dirty="0"/>
+          </a:p>
+        </p:txBody>
+      </p:sp>
+      <p:sp>
+        <p:nvSpPr>
+          <p:cNvPr id="4" name="Text Placeholder 3"/>
+          <p:cNvSpPr>
+            <a:spLocks noGrp="1"/>
+          </p:cNvSpPr>
+          <p:nvPr>
+            <p:ph type="body" sz="half" idx="2"/>
+          </p:nvPr>
+        </p:nvSpPr>
+        <p:spPr/>
+        <p:txBody>
+          <a:bodyPr/>
+          <a:lstStyle/>
+          <a:p>
+            <a:endParaRPr lang="en-US" dirty="0"/>
+          </a:p>
+        </p:txBody>
+      </p:sp>
+      <p:sp>
+        <p:nvSpPr>
+          <p:cNvPr id="5" name="Footer Placeholder 4"/>
           <p:cNvSpPr>
             <a:spLocks noGrp="1"/>
           </p:cNvSpPr>
@@ -18052,7 +17409,7 @@
     </p:spTree>
     <p:extLst>
       <p:ext uri="{BB962C8B-B14F-4D97-AF65-F5344CB8AC3E}">
-        <p14:creationId xmlns:p14="http://schemas.microsoft.com/office/powerpoint/2010/main" val="397710800"/>
+        <p14:creationId xmlns:p14="http://schemas.microsoft.com/office/powerpoint/2010/main" val="2319046984"/>
       </p:ext>
     </p:extLst>
   </p:cSld>
@@ -18093,200 +17450,10 @@
       </p:grpSpPr>
       <p:sp>
         <p:nvSpPr>
-          <p:cNvPr id="2" name="Footer Placeholder 1"/>
-          <p:cNvSpPr>
-            <a:spLocks noGrp="1"/>
-          </p:cNvSpPr>
-          <p:nvPr>
-            <p:ph type="ftr" sz="quarter" idx="11"/>
-          </p:nvPr>
-        </p:nvSpPr>
-        <p:spPr/>
-        <p:txBody>
-          <a:bodyPr/>
-          <a:lstStyle/>
-          <a:p>
-            <a:r>
-              <a:rPr lang="en-US" dirty="0" smtClean="0"/>
-              <a:t>@jsonrow</a:t>
-            </a:r>
-            <a:endParaRPr lang="en-US" dirty="0"/>
-          </a:p>
-        </p:txBody>
-      </p:sp>
-    </p:spTree>
-    <p:extLst>
-      <p:ext uri="{BB962C8B-B14F-4D97-AF65-F5344CB8AC3E}">
-        <p14:creationId xmlns:p14="http://schemas.microsoft.com/office/powerpoint/2010/main" val="1405850135"/>
-      </p:ext>
-    </p:extLst>
-  </p:cSld>
-  <p:clrMapOvr>
-    <a:masterClrMapping/>
-  </p:clrMapOvr>
-  <mc:AlternateContent xmlns:mc="http://schemas.openxmlformats.org/markup-compatibility/2006" xmlns:p14="http://schemas.microsoft.com/office/powerpoint/2010/main">
-    <mc:Choice Requires="p14">
-      <p:transition spd="med" p14:dur="700">
-        <p:fade/>
-      </p:transition>
-    </mc:Choice>
-    <mc:Fallback xmlns="">
-      <p:transition spd="med">
-        <p:fade/>
-      </p:transition>
-    </mc:Fallback>
-  </mc:AlternateContent>
-</p:sld>
-</file>
-
-<file path=ppt/slides/slide35.xml><?xml version="1.0" encoding="utf-8"?>
-<p:sld xmlns:a="http://schemas.openxmlformats.org/drawingml/2006/main" xmlns:r="http://schemas.openxmlformats.org/officeDocument/2006/relationships" xmlns:p="http://schemas.openxmlformats.org/presentationml/2006/main">
-  <p:cSld>
-    <p:spTree>
-      <p:nvGrpSpPr>
-        <p:cNvPr id="1" name=""/>
-        <p:cNvGrpSpPr/>
-        <p:nvPr/>
-      </p:nvGrpSpPr>
-      <p:grpSpPr>
-        <a:xfrm>
-          <a:off x="0" y="0"/>
-          <a:ext cx="0" cy="0"/>
-          <a:chOff x="0" y="0"/>
-          <a:chExt cx="0" cy="0"/>
-        </a:xfrm>
-      </p:grpSpPr>
-      <p:sp>
-        <p:nvSpPr>
-          <p:cNvPr id="2" name="Title 1"/>
-          <p:cNvSpPr>
-            <a:spLocks noGrp="1"/>
-          </p:cNvSpPr>
-          <p:nvPr>
-            <p:ph type="title"/>
-          </p:nvPr>
-        </p:nvSpPr>
-        <p:spPr/>
-        <p:txBody>
-          <a:bodyPr/>
-          <a:lstStyle/>
-          <a:p>
-            <a:r>
-              <a:rPr lang="en-US" dirty="0"/>
-              <a:t>Add a Slide Title - 4</a:t>
-            </a:r>
-          </a:p>
-        </p:txBody>
-      </p:sp>
-      <p:sp>
-        <p:nvSpPr>
-          <p:cNvPr id="3" name="Content Placeholder 2"/>
-          <p:cNvSpPr>
-            <a:spLocks noGrp="1"/>
-          </p:cNvSpPr>
-          <p:nvPr>
-            <p:ph idx="1"/>
-          </p:nvPr>
-        </p:nvSpPr>
-        <p:spPr/>
-        <p:txBody>
-          <a:bodyPr/>
-          <a:lstStyle/>
-          <a:p>
-            <a:endParaRPr lang="en-US" dirty="0"/>
-          </a:p>
-        </p:txBody>
-      </p:sp>
-      <p:sp>
-        <p:nvSpPr>
-          <p:cNvPr id="4" name="Text Placeholder 3"/>
-          <p:cNvSpPr>
-            <a:spLocks noGrp="1"/>
-          </p:cNvSpPr>
-          <p:nvPr>
-            <p:ph type="body" sz="half" idx="2"/>
-          </p:nvPr>
-        </p:nvSpPr>
-        <p:spPr/>
-        <p:txBody>
-          <a:bodyPr/>
-          <a:lstStyle/>
-          <a:p>
-            <a:endParaRPr lang="en-US" dirty="0"/>
-          </a:p>
-        </p:txBody>
-      </p:sp>
-      <p:sp>
-        <p:nvSpPr>
-          <p:cNvPr id="5" name="Footer Placeholder 4"/>
-          <p:cNvSpPr>
-            <a:spLocks noGrp="1"/>
-          </p:cNvSpPr>
-          <p:nvPr>
-            <p:ph type="ftr" sz="quarter" idx="11"/>
-          </p:nvPr>
-        </p:nvSpPr>
-        <p:spPr/>
-        <p:txBody>
-          <a:bodyPr/>
-          <a:lstStyle/>
-          <a:p>
-            <a:r>
-              <a:rPr lang="en-US" dirty="0" smtClean="0"/>
-              <a:t>@jsonrow</a:t>
-            </a:r>
-            <a:endParaRPr lang="en-US" dirty="0"/>
-          </a:p>
-        </p:txBody>
-      </p:sp>
-    </p:spTree>
-    <p:extLst>
-      <p:ext uri="{BB962C8B-B14F-4D97-AF65-F5344CB8AC3E}">
-        <p14:creationId xmlns:p14="http://schemas.microsoft.com/office/powerpoint/2010/main" val="2319046984"/>
-      </p:ext>
-    </p:extLst>
-  </p:cSld>
-  <p:clrMapOvr>
-    <a:masterClrMapping/>
-  </p:clrMapOvr>
-  <mc:AlternateContent xmlns:mc="http://schemas.openxmlformats.org/markup-compatibility/2006" xmlns:p14="http://schemas.microsoft.com/office/powerpoint/2010/main">
-    <mc:Choice Requires="p14">
-      <p:transition spd="med" p14:dur="700">
-        <p:fade/>
-      </p:transition>
-    </mc:Choice>
-    <mc:Fallback xmlns="">
-      <p:transition spd="med">
-        <p:fade/>
-      </p:transition>
-    </mc:Fallback>
-  </mc:AlternateContent>
-</p:sld>
-</file>
-
-<file path=ppt/slides/slide36.xml><?xml version="1.0" encoding="utf-8"?>
-<p:sld xmlns:a="http://schemas.openxmlformats.org/drawingml/2006/main" xmlns:r="http://schemas.openxmlformats.org/officeDocument/2006/relationships" xmlns:p="http://schemas.openxmlformats.org/presentationml/2006/main">
-  <p:cSld>
-    <p:spTree>
-      <p:nvGrpSpPr>
-        <p:cNvPr id="1" name=""/>
-        <p:cNvGrpSpPr/>
-        <p:nvPr/>
-      </p:nvGrpSpPr>
-      <p:grpSpPr>
-        <a:xfrm>
-          <a:off x="0" y="0"/>
-          <a:ext cx="0" cy="0"/>
-          <a:chOff x="0" y="0"/>
-          <a:chExt cx="0" cy="0"/>
-        </a:xfrm>
-      </p:grpSpPr>
-      <p:sp>
-        <p:nvSpPr>
           <p:cNvPr id="2" name="Title 1">
             <a:extLst>
               <a:ext uri="{FF2B5EF4-FFF2-40B4-BE49-F238E27FC236}">
-                <a16:creationId xmlns:a16="http://schemas.microsoft.com/office/drawing/2014/main" xmlns="" id="{E20F7A20-7845-6848-A015-538A342CFA87}"/>
+                <a16:creationId xmlns="" xmlns:a16="http://schemas.microsoft.com/office/drawing/2014/main" id="{E20F7A20-7845-6848-A015-538A342CFA87}"/>
               </a:ext>
             </a:extLst>
           </p:cNvPr>
@@ -18311,7 +17478,7 @@
           <p:cNvPr id="3" name="Content Placeholder 2">
             <a:extLst>
               <a:ext uri="{FF2B5EF4-FFF2-40B4-BE49-F238E27FC236}">
-                <a16:creationId xmlns:a16="http://schemas.microsoft.com/office/drawing/2014/main" xmlns="" id="{F6E6BE9E-FA8E-EE40-8E0D-9853C42B4BD7}"/>
+                <a16:creationId xmlns="" xmlns:a16="http://schemas.microsoft.com/office/drawing/2014/main" id="{F6E6BE9E-FA8E-EE40-8E0D-9853C42B4BD7}"/>
               </a:ext>
             </a:extLst>
           </p:cNvPr>
@@ -18336,7 +17503,7 @@
           <p:cNvPr id="4" name="Text Placeholder 3">
             <a:extLst>
               <a:ext uri="{FF2B5EF4-FFF2-40B4-BE49-F238E27FC236}">
-                <a16:creationId xmlns:a16="http://schemas.microsoft.com/office/drawing/2014/main" xmlns="" id="{C632BD8A-DB27-CC44-A04B-F5C0D00D4642}"/>
+                <a16:creationId xmlns="" xmlns:a16="http://schemas.microsoft.com/office/drawing/2014/main" id="{C632BD8A-DB27-CC44-A04B-F5C0D00D4642}"/>
               </a:ext>
             </a:extLst>
           </p:cNvPr>
@@ -18617,7 +17784,7 @@
           <p:cNvPr id="2" name="Title 1">
             <a:extLst>
               <a:ext uri="{FF2B5EF4-FFF2-40B4-BE49-F238E27FC236}">
-                <a16:creationId xmlns:a16="http://schemas.microsoft.com/office/drawing/2014/main" xmlns="" id="{78D74565-72C9-4B4E-BF3A-366A5626F7A4}"/>
+                <a16:creationId xmlns="" xmlns:a16="http://schemas.microsoft.com/office/drawing/2014/main" id="{78D74565-72C9-4B4E-BF3A-366A5626F7A4}"/>
               </a:ext>
             </a:extLst>
           </p:cNvPr>
@@ -18645,7 +17812,7 @@
           <p:cNvPr id="3" name="Content Placeholder 2">
             <a:extLst>
               <a:ext uri="{FF2B5EF4-FFF2-40B4-BE49-F238E27FC236}">
-                <a16:creationId xmlns:a16="http://schemas.microsoft.com/office/drawing/2014/main" xmlns="" id="{8D949DA3-C480-B44B-8373-4A468AD836F2}"/>
+                <a16:creationId xmlns="" xmlns:a16="http://schemas.microsoft.com/office/drawing/2014/main" id="{8D949DA3-C480-B44B-8373-4A468AD836F2}"/>
               </a:ext>
             </a:extLst>
           </p:cNvPr>
@@ -18828,7 +17995,6 @@
               <a:rPr lang="en-US" dirty="0"/>
               <a:t> success story.</a:t>
             </a:r>
-            <a:endParaRPr lang="en-US" dirty="0"/>
           </a:p>
         </p:txBody>
       </p:sp>
@@ -19093,10 +18259,9 @@
           <a:lstStyle/>
           <a:p>
             <a:r>
-              <a:rPr lang="en-US" dirty="0" smtClean="0"/>
-              <a:t>What I’m currently working on.</a:t>
-            </a:r>
-            <a:endParaRPr lang="en-US" dirty="0"/>
+              <a:rPr lang="en-US"/>
+              <a:t>Microservice messaging landscape</a:t>
+            </a:r>
           </a:p>
         </p:txBody>
       </p:sp>
@@ -19113,132 +18278,114 @@
         <p:spPr/>
         <p:txBody>
           <a:bodyPr>
-            <a:normAutofit fontScale="92500" lnSpcReduction="20000"/>
+            <a:normAutofit lnSpcReduction="10000"/>
           </a:bodyPr>
           <a:lstStyle/>
-          <a:p>
-            <a:r>
-              <a:rPr lang="en-US" b="1" dirty="0"/>
-              <a:t>Breaking up a </a:t>
-            </a:r>
-            <a:r>
-              <a:rPr lang="en-US" b="1" dirty="0" err="1"/>
-              <a:t>monilith</a:t>
-            </a:r>
-            <a:endParaRPr lang="en-US" b="1" dirty="0"/>
-          </a:p>
-          <a:p>
-            <a:r>
-              <a:rPr lang="en-US" dirty="0"/>
-              <a:t>Teams work in small teams organized around business domains</a:t>
-            </a:r>
-          </a:p>
-          <a:p>
-            <a:r>
-              <a:rPr lang="en-US" dirty="0"/>
-              <a:t>Teams are a combination of developers, BA, SQE, and SRE.</a:t>
-            </a:r>
-          </a:p>
-          <a:p>
-            <a:r>
-              <a:rPr lang="en-US" dirty="0"/>
-              <a:t>Notable Technologies - .NET Core, Vue.js, Docker, Linux, </a:t>
-            </a:r>
-            <a:r>
-              <a:rPr lang="en-US" dirty="0" err="1"/>
-              <a:t>RabbitMQ</a:t>
-            </a:r>
-            <a:r>
-              <a:rPr lang="en-US" dirty="0"/>
-              <a:t>, Chef, </a:t>
-            </a:r>
-            <a:r>
-              <a:rPr lang="en-US" dirty="0" err="1"/>
-              <a:t>RavenDB</a:t>
-            </a:r>
-          </a:p>
-          <a:p>
-            <a:r>
-              <a:rPr lang="en-US" dirty="0"/>
-              <a:t>We needed messaging but unsure what topology was needed.</a:t>
-            </a:r>
-          </a:p>
-          <a:p>
-            <a:endParaRPr lang="en-US" dirty="0"/>
-          </a:p>
           <a:p>
             <a:pPr marL="0" indent="0">
               <a:buNone/>
             </a:pPr>
             <a:r>
-              <a:rPr lang="en-US" b="1" dirty="0" err="1"/>
-              <a:t>RabbitMQ</a:t>
-            </a:r>
-            <a:endParaRPr lang="en-US" b="1" dirty="0"/>
+              <a:rPr lang="en-US">
+                <a:latin typeface="+mj-lt"/>
+              </a:rPr>
+              <a:t>Historical Context - Control and standardize application integrations.</a:t>
+            </a:r>
+          </a:p>
+          <a:p>
+            <a:pPr>
+              <a:buFont typeface="Arial" panose="020B0604020202020204" pitchFamily="34" charset="0"/>
+              <a:buChar char="•"/>
+            </a:pPr>
+            <a:r>
+              <a:rPr lang="en-US"/>
+              <a:t> SOA</a:t>
+            </a:r>
+          </a:p>
+          <a:p>
+            <a:pPr>
+              <a:buFont typeface="Arial" panose="020B0604020202020204" pitchFamily="34" charset="0"/>
+              <a:buChar char="•"/>
+            </a:pPr>
+            <a:r>
+              <a:rPr lang="en-US"/>
+              <a:t> ESB</a:t>
+            </a:r>
+          </a:p>
+          <a:p>
+            <a:pPr>
+              <a:buFont typeface="Arial" panose="020B0604020202020204" pitchFamily="34" charset="0"/>
+              <a:buChar char="•"/>
+            </a:pPr>
+            <a:r>
+              <a:rPr lang="en-US"/>
+              <a:t> WS-*</a:t>
+            </a:r>
           </a:p>
           <a:p>
             <a:pPr marL="0" indent="0">
               <a:buNone/>
             </a:pPr>
             <a:r>
-              <a:rPr lang="en-US" dirty="0"/>
-              <a:t>3.7.7</a:t>
+              <a:rPr lang="en-US">
+                <a:latin typeface="+mj-lt"/>
+              </a:rPr>
+              <a:t>Continuing Trends - Decentralization and team autonomy. </a:t>
+            </a:r>
+          </a:p>
+          <a:p>
+            <a:pPr>
+              <a:buFont typeface="Arial" panose="020B0604020202020204" pitchFamily="34" charset="0"/>
+              <a:buChar char="•"/>
+            </a:pPr>
+            <a:r>
+              <a:rPr lang="en-US"/>
+              <a:t> Interactions over HTTP or lightweight messaging</a:t>
+            </a:r>
+          </a:p>
+          <a:p>
+            <a:pPr>
+              <a:buFont typeface="Arial" panose="020B0604020202020204" pitchFamily="34" charset="0"/>
+              <a:buChar char="•"/>
+            </a:pPr>
+            <a:r>
+              <a:rPr lang="en-US"/>
+              <a:t> Focus on the goals, intended benefits and principles before technologies</a:t>
+            </a:r>
+          </a:p>
+          <a:p>
+            <a:pPr>
+              <a:buFont typeface="Arial" panose="020B0604020202020204" pitchFamily="34" charset="0"/>
+              <a:buChar char="•"/>
+            </a:pPr>
+            <a:r>
+              <a:rPr lang="en-US"/>
+              <a:t> Follow development patterns observed within numerous organizations (</a:t>
+            </a:r>
+            <a:r>
+              <a:rPr lang="en-US" b="1"/>
+              <a:t>TODO RabbiMQ Examples</a:t>
+            </a:r>
+            <a:r>
+              <a:rPr lang="en-US"/>
+              <a:t>)</a:t>
+            </a:r>
+          </a:p>
+          <a:p>
+            <a:pPr>
+              <a:buFont typeface="Arial" panose="020B0604020202020204" pitchFamily="34" charset="0"/>
+              <a:buChar char="•"/>
+            </a:pPr>
+            <a:r>
+              <a:rPr lang="en-US"/>
+              <a:t>VM configuration deployment pipeline moving towards more optimized containers</a:t>
             </a:r>
           </a:p>
           <a:p>
             <a:pPr marL="0" indent="0">
               <a:buNone/>
             </a:pPr>
-            <a:r>
-              <a:rPr lang="en-US" dirty="0"/>
-              <a:t>Clusters of 2 nodes</a:t>
-            </a:r>
-          </a:p>
-          <a:p>
-            <a:pPr marL="0" indent="0">
-              <a:buNone/>
-            </a:pPr>
-            <a:r>
-              <a:rPr lang="en-US" dirty="0" err="1"/>
-              <a:t>HAProxy</a:t>
-            </a:r>
-            <a:r>
-              <a:rPr lang="en-US" dirty="0"/>
-              <a:t> used as </a:t>
-            </a:r>
-            <a:r>
-              <a:rPr lang="en-US" dirty="0" err="1"/>
-              <a:t>loadbalancer</a:t>
-            </a:r>
-            <a:r>
-              <a:rPr lang="en-US" dirty="0"/>
-              <a:t> </a:t>
-            </a:r>
-            <a:r>
-              <a:rPr lang="en-US" dirty="0" err="1"/>
-              <a:t>infront</a:t>
-            </a:r>
-            <a:r>
-              <a:rPr lang="en-US" dirty="0"/>
-              <a:t> of </a:t>
-            </a:r>
-            <a:r>
-              <a:rPr lang="en-US" dirty="0" err="1"/>
-              <a:t>RabbitMQ</a:t>
-            </a:r>
-            <a:r>
-              <a:rPr lang="en-US" dirty="0"/>
-              <a:t> instances</a:t>
-            </a:r>
-          </a:p>
-          <a:p>
-            <a:pPr marL="0" indent="0">
-              <a:buNone/>
-            </a:pPr>
-            <a:r>
-              <a:rPr lang="en-US" dirty="0"/>
-              <a:t>HA queues synced between nodes</a:t>
-            </a:r>
+            <a:endParaRPr lang="en-US"/>
           </a:p>
         </p:txBody>
       </p:sp>
@@ -19268,7 +18415,7 @@
     </p:spTree>
     <p:extLst>
       <p:ext uri="{BB962C8B-B14F-4D97-AF65-F5344CB8AC3E}">
-        <p14:creationId xmlns:p14="http://schemas.microsoft.com/office/powerpoint/2010/main" val="1881652"/>
+        <p14:creationId xmlns:p14="http://schemas.microsoft.com/office/powerpoint/2010/main" val="2683457971"/>
       </p:ext>
     </p:extLst>
   </p:cSld>
@@ -19287,13 +18434,6 @@
       </p:transition>
     </mc:Fallback>
   </mc:AlternateContent>
-  <p:timing>
-    <p:tnLst>
-      <p:par>
-        <p:cTn id="1" dur="indefinite" restart="never" nodeType="tmRoot"/>
-      </p:par>
-    </p:tnLst>
-  </p:timing>
 </p:sld>
 </file>
 
@@ -19330,8 +18470,20 @@
           <a:lstStyle/>
           <a:p>
             <a:r>
-              <a:rPr lang="en-US"/>
-              <a:t>Microservice messaging landscape</a:t>
+              <a:rPr lang="en-US" dirty="0" err="1"/>
+              <a:t>ProtoLabs</a:t>
+            </a:r>
+            <a:r>
+              <a:rPr lang="en-US" dirty="0"/>
+              <a:t> </a:t>
+            </a:r>
+            <a:r>
+              <a:rPr lang="en-US" dirty="0" err="1"/>
+              <a:t>RabbitMQ</a:t>
+            </a:r>
+            <a:r>
+              <a:rPr lang="en-US" dirty="0"/>
+              <a:t> Evolution</a:t>
             </a:r>
           </a:p>
         </p:txBody>
@@ -19349,114 +18501,64 @@
         <p:spPr/>
         <p:txBody>
           <a:bodyPr>
-            <a:normAutofit lnSpcReduction="10000"/>
+            <a:normAutofit fontScale="92500" lnSpcReduction="20000"/>
           </a:bodyPr>
           <a:lstStyle/>
+          <a:p>
+            <a:r>
+              <a:rPr lang="en-US" dirty="0"/>
+              <a:t>Started with one team using it for a few high performance messaging where reliability wasn’t much concern (Single node between browser and backend server)</a:t>
+            </a:r>
+          </a:p>
           <a:p>
             <a:pPr marL="0" indent="0">
               <a:buNone/>
             </a:pPr>
-            <a:r>
-              <a:rPr lang="en-US">
-                <a:latin typeface="+mj-lt"/>
-              </a:rPr>
-              <a:t>Historical Context - Control and standardize application integrations.</a:t>
-            </a:r>
-          </a:p>
-          <a:p>
-            <a:pPr>
-              <a:buFont typeface="Arial" panose="020B0604020202020204" pitchFamily="34" charset="0"/>
-              <a:buChar char="•"/>
-            </a:pPr>
-            <a:r>
-              <a:rPr lang="en-US"/>
-              <a:t> SOA</a:t>
-            </a:r>
-          </a:p>
-          <a:p>
-            <a:pPr>
-              <a:buFont typeface="Arial" panose="020B0604020202020204" pitchFamily="34" charset="0"/>
-              <a:buChar char="•"/>
-            </a:pPr>
-            <a:r>
-              <a:rPr lang="en-US"/>
-              <a:t> ESB</a:t>
-            </a:r>
-          </a:p>
-          <a:p>
-            <a:pPr>
-              <a:buFont typeface="Arial" panose="020B0604020202020204" pitchFamily="34" charset="0"/>
-              <a:buChar char="•"/>
-            </a:pPr>
-            <a:r>
-              <a:rPr lang="en-US"/>
-              <a:t> WS-*</a:t>
-            </a:r>
-          </a:p>
-          <a:p>
-            <a:pPr marL="0" indent="0">
-              <a:buNone/>
-            </a:pPr>
-            <a:r>
-              <a:rPr lang="en-US">
-                <a:latin typeface="+mj-lt"/>
-              </a:rPr>
-              <a:t>Continuing Trends - Decentralization and team autonomy. </a:t>
-            </a:r>
-          </a:p>
-          <a:p>
-            <a:pPr>
-              <a:buFont typeface="Arial" panose="020B0604020202020204" pitchFamily="34" charset="0"/>
-              <a:buChar char="•"/>
-            </a:pPr>
-            <a:r>
-              <a:rPr lang="en-US"/>
-              <a:t> Interactions over HTTP or lightweight messaging</a:t>
-            </a:r>
-          </a:p>
-          <a:p>
-            <a:pPr>
-              <a:buFont typeface="Arial" panose="020B0604020202020204" pitchFamily="34" charset="0"/>
-              <a:buChar char="•"/>
-            </a:pPr>
-            <a:r>
-              <a:rPr lang="en-US"/>
-              <a:t> Focus on the goals, intended benefits and principles before technologies</a:t>
-            </a:r>
-          </a:p>
-          <a:p>
-            <a:pPr>
-              <a:buFont typeface="Arial" panose="020B0604020202020204" pitchFamily="34" charset="0"/>
-              <a:buChar char="•"/>
-            </a:pPr>
-            <a:r>
-              <a:rPr lang="en-US"/>
-              <a:t> Follow development patterns observed within numerous organizations (</a:t>
-            </a:r>
-            <a:r>
-              <a:rPr lang="en-US" b="1"/>
-              <a:t>TODO RabbiMQ Examples</a:t>
-            </a:r>
-            <a:r>
-              <a:rPr lang="en-US"/>
-              <a:t>)</a:t>
-            </a:r>
-          </a:p>
-          <a:p>
-            <a:pPr>
-              <a:buFont typeface="Arial" panose="020B0604020202020204" pitchFamily="34" charset="0"/>
-              <a:buChar char="•"/>
-            </a:pPr>
-            <a:r>
-              <a:rPr lang="en-US"/>
-              <a:t>VM configuration deployment pipeline moving towards more optimized containers</a:t>
-            </a:r>
-          </a:p>
-          <a:p>
-            <a:pPr marL="0" indent="0">
-              <a:buNone/>
-            </a:pPr>
-            <a:endParaRPr lang="en-US"/>
+            <a:endParaRPr lang="en-US" dirty="0"/>
+          </a:p>
+          <a:p>
+            <a:r>
+              <a:rPr lang="en-US" dirty="0"/>
+              <a:t>Another team spun up one instance and started using it for non critical pub sub.</a:t>
+            </a:r>
+          </a:p>
+          <a:p>
+            <a:r>
+              <a:rPr lang="en-US" dirty="0"/>
+              <a:t>(pub sub between monolith and another team)</a:t>
+            </a:r>
+          </a:p>
+          <a:p>
+            <a:endParaRPr lang="en-US" dirty="0"/>
+          </a:p>
+          <a:p>
+            <a:r>
+              <a:rPr lang="en-US" dirty="0"/>
+              <a:t>Then new ordering system was developed to use it for submitting orders.</a:t>
+            </a:r>
+          </a:p>
+          <a:p>
+            <a:r>
+              <a:rPr lang="en-US" dirty="0"/>
+              <a:t>(As the ordering and commerce team broke up they decided to use </a:t>
+            </a:r>
+            <a:r>
+              <a:rPr lang="en-US" dirty="0" err="1"/>
+              <a:t>RabbitMQ</a:t>
+            </a:r>
+            <a:r>
+              <a:rPr lang="en-US" dirty="0"/>
+              <a:t>  HA and clustering was added)</a:t>
+            </a:r>
+          </a:p>
+          <a:p>
+            <a:endParaRPr lang="en-US" dirty="0"/>
+          </a:p>
+          <a:p>
+            <a:r>
+              <a:rPr lang="en-US" dirty="0"/>
+              <a:t>Then another team setup an exchange to coordinate messages from global service to regional services. Then those regional services started using it to publish messages back to global services. Complex topologies evolved with multiple clusters using federation to talk to other clusters.</a:t>
+            </a:r>
           </a:p>
         </p:txBody>
       </p:sp>
@@ -19486,7 +18588,7 @@
     </p:spTree>
     <p:extLst>
       <p:ext uri="{BB962C8B-B14F-4D97-AF65-F5344CB8AC3E}">
-        <p14:creationId xmlns:p14="http://schemas.microsoft.com/office/powerpoint/2010/main" val="2683457971"/>
+        <p14:creationId xmlns:p14="http://schemas.microsoft.com/office/powerpoint/2010/main" val="2961694818"/>
       </p:ext>
     </p:extLst>
   </p:cSld>
@@ -20382,6 +19484,142 @@
 </file>
 
 <file path=customXml/item1.xml><?xml version="1.0" encoding="utf-8"?>
+<p:properties xmlns:p="http://schemas.microsoft.com/office/2006/metadata/properties" xmlns:xsi="http://www.w3.org/2001/XMLSchema-instance" xmlns:pc="http://schemas.microsoft.com/office/infopath/2007/PartnerControls">
+  <documentManagement>
+    <LocPublishedLinkedAssetsLookup xmlns="4873beb7-5857-4685-be1f-d57550cc96cc" xsi:nil="true"/>
+    <ApprovalStatus xmlns="4873beb7-5857-4685-be1f-d57550cc96cc">InProgress</ApprovalStatus>
+    <MarketSpecific xmlns="4873beb7-5857-4685-be1f-d57550cc96cc">false</MarketSpecific>
+    <LocComments xmlns="4873beb7-5857-4685-be1f-d57550cc96cc" xsi:nil="true"/>
+    <LocLastLocAttemptVersionTypeLookup xmlns="4873beb7-5857-4685-be1f-d57550cc96cc" xsi:nil="true"/>
+    <DirectSourceMarket xmlns="4873beb7-5857-4685-be1f-d57550cc96cc" xsi:nil="true"/>
+    <ThumbnailAssetId xmlns="4873beb7-5857-4685-be1f-d57550cc96cc" xsi:nil="true"/>
+    <PrimaryImageGen xmlns="4873beb7-5857-4685-be1f-d57550cc96cc">false</PrimaryImageGen>
+    <LocNewPublishedVersionLookup xmlns="4873beb7-5857-4685-be1f-d57550cc96cc" xsi:nil="true"/>
+    <LegacyData xmlns="4873beb7-5857-4685-be1f-d57550cc96cc" xsi:nil="true"/>
+    <LocRecommendedHandoff xmlns="4873beb7-5857-4685-be1f-d57550cc96cc" xsi:nil="true"/>
+    <BusinessGroup xmlns="4873beb7-5857-4685-be1f-d57550cc96cc" xsi:nil="true"/>
+    <BlockPublish xmlns="4873beb7-5857-4685-be1f-d57550cc96cc">false</BlockPublish>
+    <TPFriendlyName xmlns="4873beb7-5857-4685-be1f-d57550cc96cc" xsi:nil="true"/>
+    <LocOverallPublishStatusLookup xmlns="4873beb7-5857-4685-be1f-d57550cc96cc" xsi:nil="true"/>
+    <NumericId xmlns="4873beb7-5857-4685-be1f-d57550cc96cc" xsi:nil="true"/>
+    <APEditor xmlns="4873beb7-5857-4685-be1f-d57550cc96cc">
+      <UserInfo>
+        <DisplayName/>
+        <AccountId xsi:nil="true"/>
+        <AccountType/>
+      </UserInfo>
+    </APEditor>
+    <SourceTitle xmlns="4873beb7-5857-4685-be1f-d57550cc96cc" xsi:nil="true"/>
+    <OpenTemplate xmlns="4873beb7-5857-4685-be1f-d57550cc96cc">true</OpenTemplate>
+    <LocOverallLocStatusLookup xmlns="4873beb7-5857-4685-be1f-d57550cc96cc" xsi:nil="true"/>
+    <UALocComments xmlns="4873beb7-5857-4685-be1f-d57550cc96cc" xsi:nil="true"/>
+    <ParentAssetId xmlns="4873beb7-5857-4685-be1f-d57550cc96cc" xsi:nil="true"/>
+    <IntlLangReviewDate xmlns="4873beb7-5857-4685-be1f-d57550cc96cc" xsi:nil="true"/>
+    <FeatureTagsTaxHTField0 xmlns="4873beb7-5857-4685-be1f-d57550cc96cc">
+      <Terms xmlns="http://schemas.microsoft.com/office/infopath/2007/PartnerControls"/>
+    </FeatureTagsTaxHTField0>
+    <PublishStatusLookup xmlns="4873beb7-5857-4685-be1f-d57550cc96cc">
+      <Value>1345093</Value>
+    </PublishStatusLookup>
+    <Providers xmlns="4873beb7-5857-4685-be1f-d57550cc96cc" xsi:nil="true"/>
+    <MachineTranslated xmlns="4873beb7-5857-4685-be1f-d57550cc96cc">false</MachineTranslated>
+    <OriginalSourceMarket xmlns="4873beb7-5857-4685-be1f-d57550cc96cc" xsi:nil="true"/>
+    <APDescription xmlns="4873beb7-5857-4685-be1f-d57550cc96cc">This simple template design works for technology and  businesses, but it's versatile enough to use in other contexts.  It features multiple slide layouts designed for widescreen (16x9 resolution) and includes a sample SmartArt list and chart that are easily editable.</APDescription>
+    <ClipArtFilename xmlns="4873beb7-5857-4685-be1f-d57550cc96cc" xsi:nil="true"/>
+    <ContentItem xmlns="4873beb7-5857-4685-be1f-d57550cc96cc" xsi:nil="true"/>
+    <TPInstallLocation xmlns="4873beb7-5857-4685-be1f-d57550cc96cc" xsi:nil="true"/>
+    <PublishTargets xmlns="4873beb7-5857-4685-be1f-d57550cc96cc">OfficeOnlineVNext</PublishTargets>
+    <TimesCloned xmlns="4873beb7-5857-4685-be1f-d57550cc96cc" xsi:nil="true"/>
+    <AssetStart xmlns="4873beb7-5857-4685-be1f-d57550cc96cc">2011-11-26T00:30:00+00:00</AssetStart>
+    <Provider xmlns="4873beb7-5857-4685-be1f-d57550cc96cc" xsi:nil="true"/>
+    <AcquiredFrom xmlns="4873beb7-5857-4685-be1f-d57550cc96cc">Internal MS</AcquiredFrom>
+    <FriendlyTitle xmlns="4873beb7-5857-4685-be1f-d57550cc96cc" xsi:nil="true"/>
+    <LastHandOff xmlns="4873beb7-5857-4685-be1f-d57550cc96cc" xsi:nil="true"/>
+    <TPClientViewer xmlns="4873beb7-5857-4685-be1f-d57550cc96cc" xsi:nil="true"/>
+    <TemplateStatus xmlns="4873beb7-5857-4685-be1f-d57550cc96cc">Complete</TemplateStatus>
+    <Downloads xmlns="4873beb7-5857-4685-be1f-d57550cc96cc">0</Downloads>
+    <OOCacheId xmlns="4873beb7-5857-4685-be1f-d57550cc96cc" xsi:nil="true"/>
+    <IsDeleted xmlns="4873beb7-5857-4685-be1f-d57550cc96cc">false</IsDeleted>
+    <LocPublishedDependentAssetsLookup xmlns="4873beb7-5857-4685-be1f-d57550cc96cc" xsi:nil="true"/>
+    <TPExecutable xmlns="4873beb7-5857-4685-be1f-d57550cc96cc" xsi:nil="true"/>
+    <EditorialTags xmlns="4873beb7-5857-4685-be1f-d57550cc96cc" xsi:nil="true"/>
+    <SubmitterId xmlns="4873beb7-5857-4685-be1f-d57550cc96cc" xsi:nil="true"/>
+    <ApprovalLog xmlns="4873beb7-5857-4685-be1f-d57550cc96cc" xsi:nil="true"/>
+    <AssetType xmlns="4873beb7-5857-4685-be1f-d57550cc96cc">TP</AssetType>
+    <BugNumber xmlns="4873beb7-5857-4685-be1f-d57550cc96cc" xsi:nil="true"/>
+    <CSXSubmissionDate xmlns="4873beb7-5857-4685-be1f-d57550cc96cc" xsi:nil="true"/>
+    <CSXUpdate xmlns="4873beb7-5857-4685-be1f-d57550cc96cc">false</CSXUpdate>
+    <Milestone xmlns="4873beb7-5857-4685-be1f-d57550cc96cc" xsi:nil="true"/>
+    <RecommendationsModifier xmlns="4873beb7-5857-4685-be1f-d57550cc96cc" xsi:nil="true"/>
+    <OriginAsset xmlns="4873beb7-5857-4685-be1f-d57550cc96cc" xsi:nil="true"/>
+    <TPComponent xmlns="4873beb7-5857-4685-be1f-d57550cc96cc" xsi:nil="true"/>
+    <AssetId xmlns="4873beb7-5857-4685-be1f-d57550cc96cc">TP102787989</AssetId>
+    <IntlLocPriority xmlns="4873beb7-5857-4685-be1f-d57550cc96cc" xsi:nil="true"/>
+    <PolicheckWords xmlns="4873beb7-5857-4685-be1f-d57550cc96cc" xsi:nil="true"/>
+    <TPLaunchHelpLink xmlns="4873beb7-5857-4685-be1f-d57550cc96cc" xsi:nil="true"/>
+    <TPApplication xmlns="4873beb7-5857-4685-be1f-d57550cc96cc" xsi:nil="true"/>
+    <CrawlForDependencies xmlns="4873beb7-5857-4685-be1f-d57550cc96cc">false</CrawlForDependencies>
+    <HandoffToMSDN xmlns="4873beb7-5857-4685-be1f-d57550cc96cc" xsi:nil="true"/>
+    <PlannedPubDate xmlns="4873beb7-5857-4685-be1f-d57550cc96cc" xsi:nil="true"/>
+    <IntlLangReviewer xmlns="4873beb7-5857-4685-be1f-d57550cc96cc" xsi:nil="true"/>
+    <TrustLevel xmlns="4873beb7-5857-4685-be1f-d57550cc96cc">1 Microsoft Managed Content</TrustLevel>
+    <LocLastLocAttemptVersionLookup xmlns="4873beb7-5857-4685-be1f-d57550cc96cc">694266</LocLastLocAttemptVersionLookup>
+    <LocProcessedForHandoffsLookup xmlns="4873beb7-5857-4685-be1f-d57550cc96cc" xsi:nil="true"/>
+    <IsSearchable xmlns="4873beb7-5857-4685-be1f-d57550cc96cc">true</IsSearchable>
+    <TemplateTemplateType xmlns="4873beb7-5857-4685-be1f-d57550cc96cc">PowerPoint Presentation Template</TemplateTemplateType>
+    <CampaignTagsTaxHTField0 xmlns="4873beb7-5857-4685-be1f-d57550cc96cc">
+      <Terms xmlns="http://schemas.microsoft.com/office/infopath/2007/PartnerControls"/>
+    </CampaignTagsTaxHTField0>
+    <TPNamespace xmlns="4873beb7-5857-4685-be1f-d57550cc96cc" xsi:nil="true"/>
+    <LocOverallPreviewStatusLookup xmlns="4873beb7-5857-4685-be1f-d57550cc96cc" xsi:nil="true"/>
+    <TaxCatchAll xmlns="4873beb7-5857-4685-be1f-d57550cc96cc"/>
+    <Markets xmlns="4873beb7-5857-4685-be1f-d57550cc96cc"/>
+    <UAProjectedTotalWords xmlns="4873beb7-5857-4685-be1f-d57550cc96cc" xsi:nil="true"/>
+    <IntlLangReview xmlns="4873beb7-5857-4685-be1f-d57550cc96cc" xsi:nil="true"/>
+    <OutputCachingOn xmlns="4873beb7-5857-4685-be1f-d57550cc96cc">false</OutputCachingOn>
+    <AverageRating xmlns="4873beb7-5857-4685-be1f-d57550cc96cc" xsi:nil="true"/>
+    <APAuthor xmlns="4873beb7-5857-4685-be1f-d57550cc96cc">
+      <UserInfo>
+        <DisplayName>REDMOND\kristaa</DisplayName>
+        <AccountId>136</AccountId>
+        <AccountType/>
+      </UserInfo>
+    </APAuthor>
+    <LocManualTestRequired xmlns="4873beb7-5857-4685-be1f-d57550cc96cc">false</LocManualTestRequired>
+    <TPCommandLine xmlns="4873beb7-5857-4685-be1f-d57550cc96cc" xsi:nil="true"/>
+    <TPAppVersion xmlns="4873beb7-5857-4685-be1f-d57550cc96cc" xsi:nil="true"/>
+    <EditorialStatus xmlns="4873beb7-5857-4685-be1f-d57550cc96cc">Complete</EditorialStatus>
+    <LastModifiedDateTime xmlns="4873beb7-5857-4685-be1f-d57550cc96cc" xsi:nil="true"/>
+    <ScenarioTagsTaxHTField0 xmlns="4873beb7-5857-4685-be1f-d57550cc96cc">
+      <Terms xmlns="http://schemas.microsoft.com/office/infopath/2007/PartnerControls"/>
+    </ScenarioTagsTaxHTField0>
+    <LocProcessedForMarketsLookup xmlns="4873beb7-5857-4685-be1f-d57550cc96cc" xsi:nil="true"/>
+    <TPLaunchHelpLinkType xmlns="4873beb7-5857-4685-be1f-d57550cc96cc">Template</TPLaunchHelpLinkType>
+    <OriginalRelease xmlns="4873beb7-5857-4685-be1f-d57550cc96cc">15</OriginalRelease>
+    <LocalizationTagsTaxHTField0 xmlns="4873beb7-5857-4685-be1f-d57550cc96cc">
+      <Terms xmlns="http://schemas.microsoft.com/office/infopath/2007/PartnerControls"/>
+    </LocalizationTagsTaxHTField0>
+    <UACurrentWords xmlns="4873beb7-5857-4685-be1f-d57550cc96cc" xsi:nil="true"/>
+    <ArtSampleDocs xmlns="4873beb7-5857-4685-be1f-d57550cc96cc" xsi:nil="true"/>
+    <UALocRecommendation xmlns="4873beb7-5857-4685-be1f-d57550cc96cc">Localize</UALocRecommendation>
+    <Manager xmlns="4873beb7-5857-4685-be1f-d57550cc96cc" xsi:nil="true"/>
+    <LocOverallHandbackStatusLookup xmlns="4873beb7-5857-4685-be1f-d57550cc96cc" xsi:nil="true"/>
+    <ShowIn xmlns="4873beb7-5857-4685-be1f-d57550cc96cc">Show everywhere</ShowIn>
+    <UANotes xmlns="4873beb7-5857-4685-be1f-d57550cc96cc" xsi:nil="true"/>
+    <InternalTagsTaxHTField0 xmlns="4873beb7-5857-4685-be1f-d57550cc96cc">
+      <Terms xmlns="http://schemas.microsoft.com/office/infopath/2007/PartnerControls"/>
+    </InternalTagsTaxHTField0>
+    <CSXHash xmlns="4873beb7-5857-4685-be1f-d57550cc96cc" xsi:nil="true"/>
+    <VoteCount xmlns="4873beb7-5857-4685-be1f-d57550cc96cc" xsi:nil="true"/>
+    <AssetExpire xmlns="4873beb7-5857-4685-be1f-d57550cc96cc">2029-05-12T07:00:00+00:00</AssetExpire>
+    <DSATActionTaken xmlns="4873beb7-5857-4685-be1f-d57550cc96cc" xsi:nil="true"/>
+    <CSXSubmissionMarket xmlns="4873beb7-5857-4685-be1f-d57550cc96cc" xsi:nil="true"/>
+    <LocMarketGroupTiers2 xmlns="4873beb7-5857-4685-be1f-d57550cc96cc" xsi:nil="true"/>
+  </documentManagement>
+</p:properties>
+</file>
+
+<file path=customXml/item2.xml><?xml version="1.0" encoding="utf-8"?>
 <ct:contentTypeSchema xmlns:ct="http://schemas.microsoft.com/office/2006/metadata/contentType" xmlns:ma="http://schemas.microsoft.com/office/2006/metadata/properties/metaAttributes" ct:_="" ma:_="" ma:contentTypeName="TemplateFile" ma:contentTypeID="0x0101006EDDDB5EE6D98C44930B742096920B300400F5B6D36B3EF94B4E9A635CDF2A18F5B8" ma:contentTypeVersion="72" ma:contentTypeDescription="Create a new document." ma:contentTypeScope="" ma:versionID="a23e56308344d904b51738559c3d67c9">
   <xsd:schema xmlns:xsd="http://www.w3.org/2001/XMLSchema" xmlns:xs="http://www.w3.org/2001/XMLSchema" xmlns:p="http://schemas.microsoft.com/office/2006/metadata/properties" xmlns:ns2="4873beb7-5857-4685-be1f-d57550cc96cc" targetNamespace="http://schemas.microsoft.com/office/2006/metadata/properties" ma:root="true" ma:fieldsID="cd0908cc4600e77bf5da051303e00c8d" ns2:_="">
     <xsd:import namespace="4873beb7-5857-4685-be1f-d57550cc96cc"/>
@@ -21421,142 +20659,6 @@
 </ct:contentTypeSchema>
 </file>
 
-<file path=customXml/item2.xml><?xml version="1.0" encoding="utf-8"?>
-<p:properties xmlns:p="http://schemas.microsoft.com/office/2006/metadata/properties" xmlns:xsi="http://www.w3.org/2001/XMLSchema-instance" xmlns:pc="http://schemas.microsoft.com/office/infopath/2007/PartnerControls">
-  <documentManagement>
-    <LocPublishedLinkedAssetsLookup xmlns="4873beb7-5857-4685-be1f-d57550cc96cc" xsi:nil="true"/>
-    <ApprovalStatus xmlns="4873beb7-5857-4685-be1f-d57550cc96cc">InProgress</ApprovalStatus>
-    <MarketSpecific xmlns="4873beb7-5857-4685-be1f-d57550cc96cc">false</MarketSpecific>
-    <LocComments xmlns="4873beb7-5857-4685-be1f-d57550cc96cc" xsi:nil="true"/>
-    <LocLastLocAttemptVersionTypeLookup xmlns="4873beb7-5857-4685-be1f-d57550cc96cc" xsi:nil="true"/>
-    <DirectSourceMarket xmlns="4873beb7-5857-4685-be1f-d57550cc96cc" xsi:nil="true"/>
-    <ThumbnailAssetId xmlns="4873beb7-5857-4685-be1f-d57550cc96cc" xsi:nil="true"/>
-    <PrimaryImageGen xmlns="4873beb7-5857-4685-be1f-d57550cc96cc">false</PrimaryImageGen>
-    <LocNewPublishedVersionLookup xmlns="4873beb7-5857-4685-be1f-d57550cc96cc" xsi:nil="true"/>
-    <LegacyData xmlns="4873beb7-5857-4685-be1f-d57550cc96cc" xsi:nil="true"/>
-    <LocRecommendedHandoff xmlns="4873beb7-5857-4685-be1f-d57550cc96cc" xsi:nil="true"/>
-    <BusinessGroup xmlns="4873beb7-5857-4685-be1f-d57550cc96cc" xsi:nil="true"/>
-    <BlockPublish xmlns="4873beb7-5857-4685-be1f-d57550cc96cc">false</BlockPublish>
-    <TPFriendlyName xmlns="4873beb7-5857-4685-be1f-d57550cc96cc" xsi:nil="true"/>
-    <LocOverallPublishStatusLookup xmlns="4873beb7-5857-4685-be1f-d57550cc96cc" xsi:nil="true"/>
-    <NumericId xmlns="4873beb7-5857-4685-be1f-d57550cc96cc" xsi:nil="true"/>
-    <APEditor xmlns="4873beb7-5857-4685-be1f-d57550cc96cc">
-      <UserInfo>
-        <DisplayName/>
-        <AccountId xsi:nil="true"/>
-        <AccountType/>
-      </UserInfo>
-    </APEditor>
-    <SourceTitle xmlns="4873beb7-5857-4685-be1f-d57550cc96cc" xsi:nil="true"/>
-    <OpenTemplate xmlns="4873beb7-5857-4685-be1f-d57550cc96cc">true</OpenTemplate>
-    <LocOverallLocStatusLookup xmlns="4873beb7-5857-4685-be1f-d57550cc96cc" xsi:nil="true"/>
-    <UALocComments xmlns="4873beb7-5857-4685-be1f-d57550cc96cc" xsi:nil="true"/>
-    <ParentAssetId xmlns="4873beb7-5857-4685-be1f-d57550cc96cc" xsi:nil="true"/>
-    <IntlLangReviewDate xmlns="4873beb7-5857-4685-be1f-d57550cc96cc" xsi:nil="true"/>
-    <FeatureTagsTaxHTField0 xmlns="4873beb7-5857-4685-be1f-d57550cc96cc">
-      <Terms xmlns="http://schemas.microsoft.com/office/infopath/2007/PartnerControls"/>
-    </FeatureTagsTaxHTField0>
-    <PublishStatusLookup xmlns="4873beb7-5857-4685-be1f-d57550cc96cc">
-      <Value>1345093</Value>
-    </PublishStatusLookup>
-    <Providers xmlns="4873beb7-5857-4685-be1f-d57550cc96cc" xsi:nil="true"/>
-    <MachineTranslated xmlns="4873beb7-5857-4685-be1f-d57550cc96cc">false</MachineTranslated>
-    <OriginalSourceMarket xmlns="4873beb7-5857-4685-be1f-d57550cc96cc" xsi:nil="true"/>
-    <APDescription xmlns="4873beb7-5857-4685-be1f-d57550cc96cc">This simple template design works for technology and  businesses, but it's versatile enough to use in other contexts.  It features multiple slide layouts designed for widescreen (16x9 resolution) and includes a sample SmartArt list and chart that are easily editable.</APDescription>
-    <ClipArtFilename xmlns="4873beb7-5857-4685-be1f-d57550cc96cc" xsi:nil="true"/>
-    <ContentItem xmlns="4873beb7-5857-4685-be1f-d57550cc96cc" xsi:nil="true"/>
-    <TPInstallLocation xmlns="4873beb7-5857-4685-be1f-d57550cc96cc" xsi:nil="true"/>
-    <PublishTargets xmlns="4873beb7-5857-4685-be1f-d57550cc96cc">OfficeOnlineVNext</PublishTargets>
-    <TimesCloned xmlns="4873beb7-5857-4685-be1f-d57550cc96cc" xsi:nil="true"/>
-    <AssetStart xmlns="4873beb7-5857-4685-be1f-d57550cc96cc">2011-11-26T00:30:00+00:00</AssetStart>
-    <Provider xmlns="4873beb7-5857-4685-be1f-d57550cc96cc" xsi:nil="true"/>
-    <AcquiredFrom xmlns="4873beb7-5857-4685-be1f-d57550cc96cc">Internal MS</AcquiredFrom>
-    <FriendlyTitle xmlns="4873beb7-5857-4685-be1f-d57550cc96cc" xsi:nil="true"/>
-    <LastHandOff xmlns="4873beb7-5857-4685-be1f-d57550cc96cc" xsi:nil="true"/>
-    <TPClientViewer xmlns="4873beb7-5857-4685-be1f-d57550cc96cc" xsi:nil="true"/>
-    <TemplateStatus xmlns="4873beb7-5857-4685-be1f-d57550cc96cc">Complete</TemplateStatus>
-    <Downloads xmlns="4873beb7-5857-4685-be1f-d57550cc96cc">0</Downloads>
-    <OOCacheId xmlns="4873beb7-5857-4685-be1f-d57550cc96cc" xsi:nil="true"/>
-    <IsDeleted xmlns="4873beb7-5857-4685-be1f-d57550cc96cc">false</IsDeleted>
-    <LocPublishedDependentAssetsLookup xmlns="4873beb7-5857-4685-be1f-d57550cc96cc" xsi:nil="true"/>
-    <TPExecutable xmlns="4873beb7-5857-4685-be1f-d57550cc96cc" xsi:nil="true"/>
-    <EditorialTags xmlns="4873beb7-5857-4685-be1f-d57550cc96cc" xsi:nil="true"/>
-    <SubmitterId xmlns="4873beb7-5857-4685-be1f-d57550cc96cc" xsi:nil="true"/>
-    <ApprovalLog xmlns="4873beb7-5857-4685-be1f-d57550cc96cc" xsi:nil="true"/>
-    <AssetType xmlns="4873beb7-5857-4685-be1f-d57550cc96cc">TP</AssetType>
-    <BugNumber xmlns="4873beb7-5857-4685-be1f-d57550cc96cc" xsi:nil="true"/>
-    <CSXSubmissionDate xmlns="4873beb7-5857-4685-be1f-d57550cc96cc" xsi:nil="true"/>
-    <CSXUpdate xmlns="4873beb7-5857-4685-be1f-d57550cc96cc">false</CSXUpdate>
-    <Milestone xmlns="4873beb7-5857-4685-be1f-d57550cc96cc" xsi:nil="true"/>
-    <RecommendationsModifier xmlns="4873beb7-5857-4685-be1f-d57550cc96cc" xsi:nil="true"/>
-    <OriginAsset xmlns="4873beb7-5857-4685-be1f-d57550cc96cc" xsi:nil="true"/>
-    <TPComponent xmlns="4873beb7-5857-4685-be1f-d57550cc96cc" xsi:nil="true"/>
-    <AssetId xmlns="4873beb7-5857-4685-be1f-d57550cc96cc">TP102787989</AssetId>
-    <IntlLocPriority xmlns="4873beb7-5857-4685-be1f-d57550cc96cc" xsi:nil="true"/>
-    <PolicheckWords xmlns="4873beb7-5857-4685-be1f-d57550cc96cc" xsi:nil="true"/>
-    <TPLaunchHelpLink xmlns="4873beb7-5857-4685-be1f-d57550cc96cc" xsi:nil="true"/>
-    <TPApplication xmlns="4873beb7-5857-4685-be1f-d57550cc96cc" xsi:nil="true"/>
-    <CrawlForDependencies xmlns="4873beb7-5857-4685-be1f-d57550cc96cc">false</CrawlForDependencies>
-    <HandoffToMSDN xmlns="4873beb7-5857-4685-be1f-d57550cc96cc" xsi:nil="true"/>
-    <PlannedPubDate xmlns="4873beb7-5857-4685-be1f-d57550cc96cc" xsi:nil="true"/>
-    <IntlLangReviewer xmlns="4873beb7-5857-4685-be1f-d57550cc96cc" xsi:nil="true"/>
-    <TrustLevel xmlns="4873beb7-5857-4685-be1f-d57550cc96cc">1 Microsoft Managed Content</TrustLevel>
-    <LocLastLocAttemptVersionLookup xmlns="4873beb7-5857-4685-be1f-d57550cc96cc">694266</LocLastLocAttemptVersionLookup>
-    <LocProcessedForHandoffsLookup xmlns="4873beb7-5857-4685-be1f-d57550cc96cc" xsi:nil="true"/>
-    <IsSearchable xmlns="4873beb7-5857-4685-be1f-d57550cc96cc">true</IsSearchable>
-    <TemplateTemplateType xmlns="4873beb7-5857-4685-be1f-d57550cc96cc">PowerPoint Presentation Template</TemplateTemplateType>
-    <CampaignTagsTaxHTField0 xmlns="4873beb7-5857-4685-be1f-d57550cc96cc">
-      <Terms xmlns="http://schemas.microsoft.com/office/infopath/2007/PartnerControls"/>
-    </CampaignTagsTaxHTField0>
-    <TPNamespace xmlns="4873beb7-5857-4685-be1f-d57550cc96cc" xsi:nil="true"/>
-    <LocOverallPreviewStatusLookup xmlns="4873beb7-5857-4685-be1f-d57550cc96cc" xsi:nil="true"/>
-    <TaxCatchAll xmlns="4873beb7-5857-4685-be1f-d57550cc96cc"/>
-    <Markets xmlns="4873beb7-5857-4685-be1f-d57550cc96cc"/>
-    <UAProjectedTotalWords xmlns="4873beb7-5857-4685-be1f-d57550cc96cc" xsi:nil="true"/>
-    <IntlLangReview xmlns="4873beb7-5857-4685-be1f-d57550cc96cc" xsi:nil="true"/>
-    <OutputCachingOn xmlns="4873beb7-5857-4685-be1f-d57550cc96cc">false</OutputCachingOn>
-    <AverageRating xmlns="4873beb7-5857-4685-be1f-d57550cc96cc" xsi:nil="true"/>
-    <APAuthor xmlns="4873beb7-5857-4685-be1f-d57550cc96cc">
-      <UserInfo>
-        <DisplayName>REDMOND\kristaa</DisplayName>
-        <AccountId>136</AccountId>
-        <AccountType/>
-      </UserInfo>
-    </APAuthor>
-    <LocManualTestRequired xmlns="4873beb7-5857-4685-be1f-d57550cc96cc">false</LocManualTestRequired>
-    <TPCommandLine xmlns="4873beb7-5857-4685-be1f-d57550cc96cc" xsi:nil="true"/>
-    <TPAppVersion xmlns="4873beb7-5857-4685-be1f-d57550cc96cc" xsi:nil="true"/>
-    <EditorialStatus xmlns="4873beb7-5857-4685-be1f-d57550cc96cc">Complete</EditorialStatus>
-    <LastModifiedDateTime xmlns="4873beb7-5857-4685-be1f-d57550cc96cc" xsi:nil="true"/>
-    <ScenarioTagsTaxHTField0 xmlns="4873beb7-5857-4685-be1f-d57550cc96cc">
-      <Terms xmlns="http://schemas.microsoft.com/office/infopath/2007/PartnerControls"/>
-    </ScenarioTagsTaxHTField0>
-    <LocProcessedForMarketsLookup xmlns="4873beb7-5857-4685-be1f-d57550cc96cc" xsi:nil="true"/>
-    <TPLaunchHelpLinkType xmlns="4873beb7-5857-4685-be1f-d57550cc96cc">Template</TPLaunchHelpLinkType>
-    <OriginalRelease xmlns="4873beb7-5857-4685-be1f-d57550cc96cc">15</OriginalRelease>
-    <LocalizationTagsTaxHTField0 xmlns="4873beb7-5857-4685-be1f-d57550cc96cc">
-      <Terms xmlns="http://schemas.microsoft.com/office/infopath/2007/PartnerControls"/>
-    </LocalizationTagsTaxHTField0>
-    <UACurrentWords xmlns="4873beb7-5857-4685-be1f-d57550cc96cc" xsi:nil="true"/>
-    <ArtSampleDocs xmlns="4873beb7-5857-4685-be1f-d57550cc96cc" xsi:nil="true"/>
-    <UALocRecommendation xmlns="4873beb7-5857-4685-be1f-d57550cc96cc">Localize</UALocRecommendation>
-    <Manager xmlns="4873beb7-5857-4685-be1f-d57550cc96cc" xsi:nil="true"/>
-    <LocOverallHandbackStatusLookup xmlns="4873beb7-5857-4685-be1f-d57550cc96cc" xsi:nil="true"/>
-    <ShowIn xmlns="4873beb7-5857-4685-be1f-d57550cc96cc">Show everywhere</ShowIn>
-    <UANotes xmlns="4873beb7-5857-4685-be1f-d57550cc96cc" xsi:nil="true"/>
-    <InternalTagsTaxHTField0 xmlns="4873beb7-5857-4685-be1f-d57550cc96cc">
-      <Terms xmlns="http://schemas.microsoft.com/office/infopath/2007/PartnerControls"/>
-    </InternalTagsTaxHTField0>
-    <CSXHash xmlns="4873beb7-5857-4685-be1f-d57550cc96cc" xsi:nil="true"/>
-    <VoteCount xmlns="4873beb7-5857-4685-be1f-d57550cc96cc" xsi:nil="true"/>
-    <AssetExpire xmlns="4873beb7-5857-4685-be1f-d57550cc96cc">2029-05-12T07:00:00+00:00</AssetExpire>
-    <DSATActionTaken xmlns="4873beb7-5857-4685-be1f-d57550cc96cc" xsi:nil="true"/>
-    <CSXSubmissionMarket xmlns="4873beb7-5857-4685-be1f-d57550cc96cc" xsi:nil="true"/>
-    <LocMarketGroupTiers2 xmlns="4873beb7-5857-4685-be1f-d57550cc96cc" xsi:nil="true"/>
-  </documentManagement>
-</p:properties>
-</file>
-
 <file path=customXml/item3.xml><?xml version="1.0" encoding="utf-8"?>
 <?mso-contentType ?>
 <FormTemplates xmlns="http://schemas.microsoft.com/sharepoint/v3/contenttype/forms">
@@ -21567,6 +20669,22 @@
 </file>
 
 <file path=customXml/itemProps1.xml><?xml version="1.0" encoding="utf-8"?>
+<ds:datastoreItem xmlns:ds="http://schemas.openxmlformats.org/officeDocument/2006/customXml" ds:itemID="{60C67BEE-D13F-4BD2-98A5-34D8A0977F68}">
+  <ds:schemaRefs>
+    <ds:schemaRef ds:uri="http://schemas.microsoft.com/office/2006/metadata/properties"/>
+    <ds:schemaRef ds:uri="http://schemas.microsoft.com/office/infopath/2007/PartnerControls"/>
+    <ds:schemaRef ds:uri="http://purl.org/dc/terms/"/>
+    <ds:schemaRef ds:uri="http://schemas.microsoft.com/office/2006/documentManagement/types"/>
+    <ds:schemaRef ds:uri="4873beb7-5857-4685-be1f-d57550cc96cc"/>
+    <ds:schemaRef ds:uri="http://purl.org/dc/elements/1.1/"/>
+    <ds:schemaRef ds:uri="http://schemas.openxmlformats.org/package/2006/metadata/core-properties"/>
+    <ds:schemaRef ds:uri="http://www.w3.org/XML/1998/namespace"/>
+    <ds:schemaRef ds:uri="http://purl.org/dc/dcmitype/"/>
+  </ds:schemaRefs>
+</ds:datastoreItem>
+</file>
+
+<file path=customXml/itemProps2.xml><?xml version="1.0" encoding="utf-8"?>
 <ds:datastoreItem xmlns:ds="http://schemas.openxmlformats.org/officeDocument/2006/customXml" ds:itemID="{A09BF4D4-EF60-4196-BFC3-9462D607978C}">
   <ds:schemaRefs>
     <ds:schemaRef ds:uri="http://schemas.microsoft.com/office/2006/metadata/contentType"/>
@@ -21585,22 +20703,6 @@
 </ds:datastoreItem>
 </file>
 
-<file path=customXml/itemProps2.xml><?xml version="1.0" encoding="utf-8"?>
-<ds:datastoreItem xmlns:ds="http://schemas.openxmlformats.org/officeDocument/2006/customXml" ds:itemID="{60C67BEE-D13F-4BD2-98A5-34D8A0977F68}">
-  <ds:schemaRefs>
-    <ds:schemaRef ds:uri="http://schemas.microsoft.com/office/2006/metadata/properties"/>
-    <ds:schemaRef ds:uri="http://schemas.microsoft.com/office/infopath/2007/PartnerControls"/>
-    <ds:schemaRef ds:uri="http://purl.org/dc/terms/"/>
-    <ds:schemaRef ds:uri="http://schemas.microsoft.com/office/2006/documentManagement/types"/>
-    <ds:schemaRef ds:uri="4873beb7-5857-4685-be1f-d57550cc96cc"/>
-    <ds:schemaRef ds:uri="http://purl.org/dc/elements/1.1/"/>
-    <ds:schemaRef ds:uri="http://schemas.openxmlformats.org/package/2006/metadata/core-properties"/>
-    <ds:schemaRef ds:uri="http://www.w3.org/XML/1998/namespace"/>
-    <ds:schemaRef ds:uri="http://purl.org/dc/dcmitype/"/>
-  </ds:schemaRefs>
-</ds:datastoreItem>
-</file>
-
 <file path=customXml/itemProps3.xml><?xml version="1.0" encoding="utf-8"?>
 <ds:datastoreItem xmlns:ds="http://schemas.openxmlformats.org/officeDocument/2006/customXml" ds:itemID="{3836F65B-1B07-41EE-A0E8-BC6EF3855225}">
   <ds:schemaRefs>

--- a/Microservice_plumbing_with_RabbitMQ.pptx
+++ b/Microservice_plumbing_with_RabbitMQ.pptx
@@ -5,10 +5,10 @@
     <p:sldMasterId id="2147483702" r:id="rId4"/>
   </p:sldMasterIdLst>
   <p:notesMasterIdLst>
-    <p:notesMasterId r:id="rId30"/>
+    <p:notesMasterId r:id="rId29"/>
   </p:notesMasterIdLst>
   <p:handoutMasterIdLst>
-    <p:handoutMasterId r:id="rId31"/>
+    <p:handoutMasterId r:id="rId30"/>
   </p:handoutMasterIdLst>
   <p:sldIdLst>
     <p:sldId id="257" r:id="rId5"/>
@@ -32,13 +32,12 @@
     <p:sldId id="304" r:id="rId23"/>
     <p:sldId id="281" r:id="rId24"/>
     <p:sldId id="282" r:id="rId25"/>
-    <p:sldId id="285" r:id="rId26"/>
-    <p:sldId id="288" r:id="rId27"/>
-    <p:sldId id="308" r:id="rId28"/>
-    <p:sldId id="306" r:id="rId29"/>
+    <p:sldId id="288" r:id="rId26"/>
+    <p:sldId id="308" r:id="rId27"/>
+    <p:sldId id="306" r:id="rId28"/>
   </p:sldIdLst>
   <p:sldSz cx="12188825" cy="6858000"/>
-  <p:notesSz cx="6858000" cy="9144000"/>
+  <p:notesSz cx="7010400" cy="9296400"/>
   <p:defaultTextStyle>
     <a:defPPr>
       <a:defRPr lang="en-US"/>
@@ -151,12 +150,12 @@
     </p:ext>
     <p:ext uri="{2D200454-40CA-4A62-9FC3-DE9A4176ACB9}">
       <p15:notesGuideLst xmlns:p15="http://schemas.microsoft.com/office/powerpoint/2012/main">
-        <p15:guide id="1" orient="horz" pos="2880">
+        <p15:guide id="1" orient="horz" pos="2928" userDrawn="1">
           <p15:clr>
             <a:srgbClr val="A4A3A4"/>
           </p15:clr>
         </p15:guide>
-        <p15:guide id="2" pos="2160">
+        <p15:guide id="2" pos="2208" userDrawn="1">
           <p15:clr>
             <a:srgbClr val="A4A3A4"/>
           </p15:clr>
@@ -330,11 +329,11 @@
         </c:dLbls>
         <c:gapWidth val="164"/>
         <c:overlap val="-35"/>
-        <c:axId val="379195512"/>
-        <c:axId val="331218488"/>
+        <c:axId val="401511784"/>
+        <c:axId val="401509432"/>
       </c:barChart>
       <c:catAx>
-        <c:axId val="379195512"/>
+        <c:axId val="401511784"/>
         <c:scaling>
           <c:orientation val="minMax"/>
         </c:scaling>
@@ -430,7 +429,7 @@
             <a:endParaRPr lang="en-US"/>
           </a:p>
         </c:txPr>
-        <c:crossAx val="331218488"/>
+        <c:crossAx val="401509432"/>
         <c:crosses val="autoZero"/>
         <c:auto val="1"/>
         <c:lblAlgn val="ctr"/>
@@ -438,7 +437,7 @@
         <c:noMultiLvlLbl val="0"/>
       </c:catAx>
       <c:valAx>
-        <c:axId val="331218488"/>
+        <c:axId val="401509432"/>
         <c:scaling>
           <c:orientation val="minMax"/>
         </c:scaling>
@@ -541,7 +540,7 @@
             <a:endParaRPr lang="en-US"/>
           </a:p>
         </c:txPr>
-        <c:crossAx val="379195512"/>
+        <c:crossAx val="401511784"/>
         <c:crosses val="autoZero"/>
         <c:crossBetween val="between"/>
       </c:valAx>
@@ -1172,14 +1171,14 @@
         <p:spPr>
           <a:xfrm>
             <a:off x="0" y="0"/>
-            <a:ext cx="2971800" cy="457200"/>
+            <a:ext cx="3037840" cy="464820"/>
           </a:xfrm>
           <a:prstGeom prst="rect">
             <a:avLst/>
           </a:prstGeom>
         </p:spPr>
         <p:txBody>
-          <a:bodyPr vert="horz" lIns="91440" tIns="45720" rIns="91440" bIns="45720" rtlCol="0"/>
+          <a:bodyPr vert="horz" lIns="93177" tIns="46589" rIns="93177" bIns="46589" rtlCol="0"/>
           <a:lstStyle>
             <a:lvl1pPr algn="l">
               <a:defRPr sz="1200"/>
@@ -1202,15 +1201,15 @@
         </p:nvSpPr>
         <p:spPr>
           <a:xfrm>
-            <a:off x="3884613" y="0"/>
-            <a:ext cx="2971800" cy="457200"/>
+            <a:off x="3970938" y="0"/>
+            <a:ext cx="3037840" cy="464820"/>
           </a:xfrm>
           <a:prstGeom prst="rect">
             <a:avLst/>
           </a:prstGeom>
         </p:spPr>
         <p:txBody>
-          <a:bodyPr vert="horz" lIns="91440" tIns="45720" rIns="91440" bIns="45720" rtlCol="0"/>
+          <a:bodyPr vert="horz" lIns="93177" tIns="46589" rIns="93177" bIns="46589" rtlCol="0"/>
           <a:lstStyle>
             <a:lvl1pPr algn="r">
               <a:defRPr sz="1200"/>
@@ -1219,7 +1218,7 @@
           <a:p>
             <a:fld id="{FE5B4EDC-59C0-49C7-8ADA-5A781B329E02}" type="datetimeFigureOut">
               <a:rPr lang="en-US"/>
-              <a:t>4/8/2019</a:t>
+              <a:t>4/11/2019</a:t>
             </a:fld>
             <a:endParaRPr/>
           </a:p>
@@ -1237,15 +1236,15 @@
         </p:nvSpPr>
         <p:spPr>
           <a:xfrm>
-            <a:off x="0" y="8685213"/>
-            <a:ext cx="2971800" cy="457200"/>
+            <a:off x="0" y="8829967"/>
+            <a:ext cx="3037840" cy="464820"/>
           </a:xfrm>
           <a:prstGeom prst="rect">
             <a:avLst/>
           </a:prstGeom>
         </p:spPr>
         <p:txBody>
-          <a:bodyPr vert="horz" lIns="91440" tIns="45720" rIns="91440" bIns="45720" rtlCol="0" anchor="b"/>
+          <a:bodyPr vert="horz" lIns="93177" tIns="46589" rIns="93177" bIns="46589" rtlCol="0" anchor="b"/>
           <a:lstStyle>
             <a:lvl1pPr algn="l">
               <a:defRPr sz="1200"/>
@@ -1268,15 +1267,15 @@
         </p:nvSpPr>
         <p:spPr>
           <a:xfrm>
-            <a:off x="3884613" y="8685213"/>
-            <a:ext cx="2971800" cy="457200"/>
+            <a:off x="3970938" y="8829967"/>
+            <a:ext cx="3037840" cy="464820"/>
           </a:xfrm>
           <a:prstGeom prst="rect">
             <a:avLst/>
           </a:prstGeom>
         </p:spPr>
         <p:txBody>
-          <a:bodyPr vert="horz" lIns="91440" tIns="45720" rIns="91440" bIns="45720" rtlCol="0" anchor="b"/>
+          <a:bodyPr vert="horz" lIns="93177" tIns="46589" rIns="93177" bIns="46589" rtlCol="0" anchor="b"/>
           <a:lstStyle>
             <a:lvl1pPr algn="r">
               <a:defRPr sz="1200"/>
@@ -1337,14 +1336,14 @@
         <p:spPr>
           <a:xfrm>
             <a:off x="0" y="0"/>
-            <a:ext cx="2971800" cy="457200"/>
+            <a:ext cx="3037840" cy="464820"/>
           </a:xfrm>
           <a:prstGeom prst="rect">
             <a:avLst/>
           </a:prstGeom>
         </p:spPr>
         <p:txBody>
-          <a:bodyPr vert="horz" lIns="91440" tIns="45720" rIns="91440" bIns="45720" rtlCol="0"/>
+          <a:bodyPr vert="horz" lIns="93177" tIns="46589" rIns="93177" bIns="46589" rtlCol="0"/>
           <a:lstStyle>
             <a:lvl1pPr algn="l">
               <a:defRPr sz="1200"/>
@@ -1367,15 +1366,15 @@
         </p:nvSpPr>
         <p:spPr>
           <a:xfrm>
-            <a:off x="3884613" y="0"/>
-            <a:ext cx="2971800" cy="457200"/>
+            <a:off x="3970938" y="0"/>
+            <a:ext cx="3037840" cy="464820"/>
           </a:xfrm>
           <a:prstGeom prst="rect">
             <a:avLst/>
           </a:prstGeom>
         </p:spPr>
         <p:txBody>
-          <a:bodyPr vert="horz" lIns="91440" tIns="45720" rIns="91440" bIns="45720" rtlCol="0"/>
+          <a:bodyPr vert="horz" lIns="93177" tIns="46589" rIns="93177" bIns="46589" rtlCol="0"/>
           <a:lstStyle>
             <a:lvl1pPr algn="r">
               <a:defRPr sz="1200"/>
@@ -1384,7 +1383,7 @@
           <a:p>
             <a:fld id="{F2D8D46A-B586-417D-BFBD-8C8FE0AAF762}" type="datetimeFigureOut">
               <a:rPr lang="en-US"/>
-              <a:t>4/8/2019</a:t>
+              <a:t>4/11/2019</a:t>
             </a:fld>
             <a:endParaRPr/>
           </a:p>
@@ -1402,8 +1401,8 @@
         </p:nvSpPr>
         <p:spPr>
           <a:xfrm>
-            <a:off x="381000" y="685800"/>
-            <a:ext cx="6096000" cy="3429000"/>
+            <a:off x="407988" y="696913"/>
+            <a:ext cx="6194425" cy="3486150"/>
           </a:xfrm>
           <a:prstGeom prst="rect">
             <a:avLst/>
@@ -1416,7 +1415,7 @@
           </a:ln>
         </p:spPr>
         <p:txBody>
-          <a:bodyPr vert="horz" lIns="91440" tIns="45720" rIns="91440" bIns="45720" rtlCol="0" anchor="ctr"/>
+          <a:bodyPr vert="horz" lIns="93177" tIns="46589" rIns="93177" bIns="46589" rtlCol="0" anchor="ctr"/>
           <a:lstStyle/>
           <a:p>
             <a:endParaRPr/>
@@ -1435,15 +1434,15 @@
         </p:nvSpPr>
         <p:spPr>
           <a:xfrm>
-            <a:off x="685800" y="4343400"/>
-            <a:ext cx="5486400" cy="4114800"/>
+            <a:off x="701040" y="4415790"/>
+            <a:ext cx="5608320" cy="4183380"/>
           </a:xfrm>
           <a:prstGeom prst="rect">
             <a:avLst/>
           </a:prstGeom>
         </p:spPr>
         <p:txBody>
-          <a:bodyPr vert="horz" lIns="91440" tIns="45720" rIns="91440" bIns="45720" rtlCol="0"/>
+          <a:bodyPr vert="horz" lIns="93177" tIns="46589" rIns="93177" bIns="46589" rtlCol="0"/>
           <a:lstStyle/>
           <a:p>
             <a:pPr lvl="0"/>
@@ -1489,15 +1488,15 @@
         </p:nvSpPr>
         <p:spPr>
           <a:xfrm>
-            <a:off x="0" y="8685213"/>
-            <a:ext cx="2971800" cy="457200"/>
+            <a:off x="0" y="8829967"/>
+            <a:ext cx="3037840" cy="464820"/>
           </a:xfrm>
           <a:prstGeom prst="rect">
             <a:avLst/>
           </a:prstGeom>
         </p:spPr>
         <p:txBody>
-          <a:bodyPr vert="horz" lIns="91440" tIns="45720" rIns="91440" bIns="45720" rtlCol="0" anchor="b"/>
+          <a:bodyPr vert="horz" lIns="93177" tIns="46589" rIns="93177" bIns="46589" rtlCol="0" anchor="b"/>
           <a:lstStyle>
             <a:lvl1pPr algn="l">
               <a:defRPr sz="1200"/>
@@ -1520,15 +1519,15 @@
         </p:nvSpPr>
         <p:spPr>
           <a:xfrm>
-            <a:off x="3884613" y="8685213"/>
-            <a:ext cx="2971800" cy="457200"/>
+            <a:off x="3970938" y="8829967"/>
+            <a:ext cx="3037840" cy="464820"/>
           </a:xfrm>
           <a:prstGeom prst="rect">
             <a:avLst/>
           </a:prstGeom>
         </p:spPr>
         <p:txBody>
-          <a:bodyPr vert="horz" lIns="91440" tIns="45720" rIns="91440" bIns="45720" rtlCol="0" anchor="b"/>
+          <a:bodyPr vert="horz" lIns="93177" tIns="46589" rIns="93177" bIns="46589" rtlCol="0" anchor="b"/>
           <a:lstStyle>
             <a:lvl1pPr algn="r">
               <a:defRPr sz="1200"/>
@@ -1690,323 +1689,114 @@
           <a:bodyPr/>
           <a:lstStyle/>
           <a:p>
-            <a:pPr marL="0" indent="0">
-              <a:buFont typeface="Arial" panose="020B0604020202020204" pitchFamily="34" charset="0"/>
-              <a:buNone/>
-            </a:pPr>
-            <a:r>
-              <a:rPr lang="en-US" sz="1600" b="0" i="0" kern="1200" dirty="0" smtClean="0">
-                <a:solidFill>
-                  <a:schemeClr val="tx1"/>
-                </a:solidFill>
-                <a:effectLst/>
-                <a:latin typeface="+mn-lt"/>
-                <a:ea typeface="+mn-ea"/>
-                <a:cs typeface="+mn-cs"/>
-              </a:rPr>
+            <a:r>
+              <a:rPr lang="en-US" dirty="0"/>
               <a:t>About this talk </a:t>
             </a:r>
           </a:p>
           <a:p>
-            <a:pPr marL="285750" indent="-285750">
+            <a:pPr marL="291179" indent="-291179">
               <a:buFont typeface="Arial" panose="020B0604020202020204" pitchFamily="34" charset="0"/>
               <a:buChar char="•"/>
             </a:pPr>
             <a:r>
-              <a:rPr lang="en-US" sz="1600" b="0" i="0" kern="1200" dirty="0" err="1" smtClean="0">
-                <a:solidFill>
-                  <a:schemeClr val="tx1"/>
-                </a:solidFill>
-                <a:effectLst/>
-                <a:latin typeface="+mn-lt"/>
-                <a:ea typeface="+mn-ea"/>
-                <a:cs typeface="+mn-cs"/>
-              </a:rPr>
+              <a:rPr lang="en-US" dirty="0" err="1"/>
               <a:t>RabbitMQ</a:t>
             </a:r>
             <a:r>
-              <a:rPr lang="en-US" sz="1600" b="0" i="0" kern="1200" dirty="0" smtClean="0">
-                <a:solidFill>
-                  <a:schemeClr val="tx1"/>
-                </a:solidFill>
-                <a:effectLst/>
-                <a:latin typeface="+mn-lt"/>
-                <a:ea typeface="+mn-ea"/>
-                <a:cs typeface="+mn-cs"/>
-              </a:rPr>
+              <a:rPr lang="en-US" dirty="0"/>
               <a:t> as a message broker between our </a:t>
             </a:r>
             <a:r>
-              <a:rPr lang="en-US" sz="1600" b="0" i="0" kern="1200" dirty="0" err="1" smtClean="0">
-                <a:solidFill>
-                  <a:schemeClr val="tx1"/>
-                </a:solidFill>
-                <a:effectLst/>
-                <a:latin typeface="+mn-lt"/>
-                <a:ea typeface="+mn-ea"/>
-                <a:cs typeface="+mn-cs"/>
-              </a:rPr>
+              <a:rPr lang="en-US" dirty="0" err="1"/>
               <a:t>microservices</a:t>
             </a:r>
             <a:r>
-              <a:rPr lang="en-US" sz="1600" b="0" i="0" kern="1200" dirty="0" smtClean="0">
-                <a:solidFill>
-                  <a:schemeClr val="tx1"/>
-                </a:solidFill>
-                <a:effectLst/>
-                <a:latin typeface="+mn-lt"/>
-                <a:ea typeface="+mn-ea"/>
-                <a:cs typeface="+mn-cs"/>
-              </a:rPr>
+              <a:rPr lang="en-US" dirty="0"/>
               <a:t>. </a:t>
             </a:r>
           </a:p>
           <a:p>
-            <a:pPr marL="285750" indent="-285750">
+            <a:pPr marL="291179" indent="-291179">
               <a:buFont typeface="Arial" panose="020B0604020202020204" pitchFamily="34" charset="0"/>
               <a:buChar char="•"/>
             </a:pPr>
             <a:r>
-              <a:rPr lang="en-US" sz="1600" b="0" i="0" kern="1200" dirty="0" smtClean="0">
-                <a:solidFill>
-                  <a:schemeClr val="tx1"/>
-                </a:solidFill>
-                <a:effectLst/>
-                <a:latin typeface="+mn-lt"/>
-                <a:ea typeface="+mn-ea"/>
-                <a:cs typeface="+mn-cs"/>
-              </a:rPr>
-              <a:t>Success </a:t>
-            </a:r>
-            <a:r>
-              <a:rPr lang="en-US" sz="1600" b="0" i="0" kern="1200" baseline="0" dirty="0" smtClean="0">
-                <a:solidFill>
-                  <a:schemeClr val="tx1"/>
-                </a:solidFill>
-                <a:effectLst/>
-                <a:latin typeface="+mn-lt"/>
-                <a:ea typeface="+mn-ea"/>
-                <a:cs typeface="+mn-cs"/>
-              </a:rPr>
-              <a:t>stories, lessons learned, messaging patterns, and demos.</a:t>
-            </a:r>
-            <a:endParaRPr lang="en-US" sz="1600" b="0" i="0" kern="1200" dirty="0" smtClean="0">
-              <a:solidFill>
-                <a:schemeClr val="tx1"/>
-              </a:solidFill>
-              <a:effectLst/>
-              <a:latin typeface="+mn-lt"/>
-              <a:ea typeface="+mn-ea"/>
-              <a:cs typeface="+mn-cs"/>
-            </a:endParaRPr>
-          </a:p>
-          <a:p>
-            <a:pPr marL="0" indent="0">
-              <a:buFont typeface="Arial" panose="020B0604020202020204" pitchFamily="34" charset="0"/>
-              <a:buNone/>
-            </a:pPr>
-            <a:endParaRPr lang="en-US" sz="1600" b="0" i="0" kern="1200" dirty="0" smtClean="0">
-              <a:solidFill>
-                <a:schemeClr val="tx1"/>
-              </a:solidFill>
-              <a:effectLst/>
-              <a:latin typeface="+mn-lt"/>
-              <a:ea typeface="+mn-ea"/>
-              <a:cs typeface="+mn-cs"/>
-            </a:endParaRPr>
-          </a:p>
-          <a:p>
-            <a:pPr marL="0" indent="0">
-              <a:buFont typeface="Arial" panose="020B0604020202020204" pitchFamily="34" charset="0"/>
-              <a:buNone/>
-            </a:pPr>
-            <a:r>
-              <a:rPr lang="en-US" sz="1600" b="0" i="0" kern="1200" dirty="0" smtClean="0">
-                <a:solidFill>
-                  <a:schemeClr val="tx1"/>
-                </a:solidFill>
-                <a:effectLst/>
-                <a:latin typeface="+mn-lt"/>
-                <a:ea typeface="+mn-ea"/>
-                <a:cs typeface="+mn-cs"/>
-              </a:rPr>
-              <a:t>About me and past</a:t>
-            </a:r>
-            <a:r>
-              <a:rPr lang="en-US" sz="1600" b="0" i="0" kern="1200" baseline="0" dirty="0" smtClean="0">
-                <a:solidFill>
-                  <a:schemeClr val="tx1"/>
-                </a:solidFill>
-                <a:effectLst/>
-                <a:latin typeface="+mn-lt"/>
-                <a:ea typeface="+mn-ea"/>
-                <a:cs typeface="+mn-cs"/>
-              </a:rPr>
-              <a:t> experience with messaging</a:t>
-            </a:r>
-          </a:p>
-          <a:p>
-            <a:pPr marL="285750" indent="-285750">
+              <a:rPr lang="en-US" dirty="0"/>
+              <a:t>Success stories, lessons learned, messaging patterns, and demos.</a:t>
+            </a:r>
+          </a:p>
+          <a:p>
+            <a:endParaRPr lang="en-US" dirty="0"/>
+          </a:p>
+          <a:p>
+            <a:r>
+              <a:rPr lang="en-US" dirty="0"/>
+              <a:t>About me and past experience with messaging</a:t>
+            </a:r>
+          </a:p>
+          <a:p>
+            <a:pPr marL="291179" indent="-291179">
               <a:buFont typeface="Arial" panose="020B0604020202020204" pitchFamily="34" charset="0"/>
               <a:buChar char="•"/>
             </a:pPr>
             <a:r>
-              <a:rPr lang="en-US" sz="1600" b="0" i="0" kern="1200" dirty="0" smtClean="0">
-                <a:solidFill>
-                  <a:schemeClr val="tx1"/>
-                </a:solidFill>
-                <a:effectLst/>
-                <a:latin typeface="+mn-lt"/>
-                <a:ea typeface="+mn-ea"/>
-                <a:cs typeface="+mn-cs"/>
-              </a:rPr>
+              <a:rPr lang="en-US" dirty="0"/>
               <a:t>PAST – Windows, MSMQ, </a:t>
             </a:r>
             <a:r>
-              <a:rPr lang="en-US" sz="1600" b="0" i="0" kern="1200" dirty="0" err="1" smtClean="0">
-                <a:solidFill>
-                  <a:schemeClr val="tx1"/>
-                </a:solidFill>
-                <a:effectLst/>
-                <a:latin typeface="+mn-lt"/>
-                <a:ea typeface="+mn-ea"/>
-                <a:cs typeface="+mn-cs"/>
-              </a:rPr>
+              <a:rPr lang="en-US" dirty="0" err="1"/>
               <a:t>NServiceBus</a:t>
             </a:r>
             <a:r>
-              <a:rPr lang="en-US" sz="1600" b="0" i="0" kern="1200" dirty="0" smtClean="0">
-                <a:solidFill>
-                  <a:schemeClr val="tx1"/>
-                </a:solidFill>
-                <a:effectLst/>
-                <a:latin typeface="+mn-lt"/>
-                <a:ea typeface="+mn-ea"/>
-                <a:cs typeface="+mn-cs"/>
-              </a:rPr>
+              <a:rPr lang="en-US" dirty="0"/>
               <a:t>, </a:t>
             </a:r>
             <a:r>
-              <a:rPr lang="en-US" sz="1600" b="0" i="0" kern="1200" dirty="0" err="1" smtClean="0">
-                <a:solidFill>
-                  <a:schemeClr val="tx1"/>
-                </a:solidFill>
-                <a:effectLst/>
-                <a:latin typeface="+mn-lt"/>
-                <a:ea typeface="+mn-ea"/>
-                <a:cs typeface="+mn-cs"/>
-              </a:rPr>
+              <a:rPr lang="en-US" dirty="0" err="1"/>
               <a:t>MassTransit</a:t>
             </a:r>
             <a:r>
-              <a:rPr lang="en-US" sz="1600" b="0" i="0" kern="1200" dirty="0" smtClean="0">
-                <a:solidFill>
-                  <a:schemeClr val="tx1"/>
-                </a:solidFill>
-                <a:effectLst/>
-                <a:latin typeface="+mn-lt"/>
-                <a:ea typeface="+mn-ea"/>
-                <a:cs typeface="+mn-cs"/>
-              </a:rPr>
+              <a:rPr lang="en-US" dirty="0"/>
               <a:t> and others. </a:t>
             </a:r>
           </a:p>
           <a:p>
-            <a:pPr marL="285750" indent="-285750">
+            <a:pPr marL="291179" indent="-291179">
               <a:buFont typeface="Arial" panose="020B0604020202020204" pitchFamily="34" charset="0"/>
               <a:buChar char="•"/>
             </a:pPr>
             <a:r>
-              <a:rPr lang="en-US" sz="1600" b="0" i="0" kern="1200" dirty="0" smtClean="0">
-                <a:solidFill>
-                  <a:schemeClr val="tx1"/>
-                </a:solidFill>
-                <a:effectLst/>
-                <a:latin typeface="+mn-lt"/>
-                <a:ea typeface="+mn-ea"/>
-                <a:cs typeface="+mn-cs"/>
-              </a:rPr>
+              <a:rPr lang="en-US" dirty="0"/>
               <a:t>Current – .NET Core, Linux, </a:t>
             </a:r>
             <a:r>
-              <a:rPr lang="en-US" sz="1600" b="0" i="0" kern="1200" dirty="0" err="1" smtClean="0">
-                <a:solidFill>
-                  <a:schemeClr val="tx1"/>
-                </a:solidFill>
-                <a:effectLst/>
-                <a:latin typeface="+mn-lt"/>
-                <a:ea typeface="+mn-ea"/>
-                <a:cs typeface="+mn-cs"/>
-              </a:rPr>
+              <a:rPr lang="en-US" dirty="0" err="1"/>
               <a:t>RabbitMQ</a:t>
             </a:r>
             <a:r>
-              <a:rPr lang="en-US" sz="1600" b="0" i="0" kern="1200" dirty="0" smtClean="0">
-                <a:solidFill>
-                  <a:schemeClr val="tx1"/>
-                </a:solidFill>
-                <a:effectLst/>
-                <a:latin typeface="+mn-lt"/>
-                <a:ea typeface="+mn-ea"/>
-                <a:cs typeface="+mn-cs"/>
-              </a:rPr>
+              <a:rPr lang="en-US" dirty="0"/>
               <a:t>, Docker</a:t>
             </a:r>
           </a:p>
           <a:p>
-            <a:pPr marL="0" indent="0">
-              <a:buFont typeface="Arial" panose="020B0604020202020204" pitchFamily="34" charset="0"/>
-              <a:buNone/>
-            </a:pPr>
-            <a:endParaRPr lang="en-US" sz="1600" b="0" i="0" kern="1200" dirty="0" smtClean="0">
-              <a:solidFill>
-                <a:schemeClr val="tx1"/>
-              </a:solidFill>
-              <a:effectLst/>
-              <a:latin typeface="+mn-lt"/>
-              <a:ea typeface="+mn-ea"/>
-              <a:cs typeface="+mn-cs"/>
-            </a:endParaRPr>
-          </a:p>
-          <a:p>
-            <a:pPr marL="285750" indent="-285750">
+            <a:endParaRPr lang="en-US" dirty="0"/>
+          </a:p>
+          <a:p>
+            <a:pPr marL="291179" indent="-291179">
               <a:buFont typeface="Arial" panose="020B0604020202020204" pitchFamily="34" charset="0"/>
               <a:buChar char="•"/>
             </a:pPr>
             <a:r>
-              <a:rPr lang="en-US" sz="1600" b="0" i="0" kern="1200" dirty="0" smtClean="0">
-                <a:solidFill>
-                  <a:schemeClr val="tx1"/>
-                </a:solidFill>
-                <a:effectLst/>
-                <a:latin typeface="+mn-lt"/>
-                <a:ea typeface="+mn-ea"/>
-                <a:cs typeface="+mn-cs"/>
-              </a:rPr>
+              <a:rPr lang="en-US" dirty="0"/>
               <a:t>What I've found is </a:t>
             </a:r>
             <a:r>
-              <a:rPr lang="en-US" sz="1600" b="0" i="0" kern="1200" dirty="0" err="1" smtClean="0">
-                <a:solidFill>
-                  <a:schemeClr val="tx1"/>
-                </a:solidFill>
-                <a:effectLst/>
-                <a:latin typeface="+mn-lt"/>
-                <a:ea typeface="+mn-ea"/>
-                <a:cs typeface="+mn-cs"/>
-              </a:rPr>
+              <a:rPr lang="en-US" dirty="0" err="1"/>
               <a:t>RabbitMQ</a:t>
             </a:r>
             <a:r>
-              <a:rPr lang="en-US" sz="1600" b="0" i="0" kern="1200" dirty="0" smtClean="0">
-                <a:solidFill>
-                  <a:schemeClr val="tx1"/>
-                </a:solidFill>
-                <a:effectLst/>
-                <a:latin typeface="+mn-lt"/>
-                <a:ea typeface="+mn-ea"/>
-                <a:cs typeface="+mn-cs"/>
-              </a:rPr>
+              <a:rPr lang="en-US" dirty="0"/>
               <a:t> just works and is simple to use. </a:t>
             </a:r>
           </a:p>
@@ -2093,37 +1883,24 @@
           <a:lstStyle/>
           <a:p>
             <a:r>
-              <a:rPr lang="en-US" dirty="0" smtClean="0"/>
-              <a:t>I</a:t>
-            </a:r>
-            <a:r>
-              <a:rPr lang="en-US" baseline="0" dirty="0" smtClean="0"/>
-              <a:t> recently took over an application that did some very heavy processing</a:t>
-            </a:r>
-          </a:p>
-          <a:p>
-            <a:endParaRPr lang="en-US" baseline="0" dirty="0" smtClean="0"/>
-          </a:p>
-          <a:p>
-            <a:r>
-              <a:rPr lang="en-US" baseline="0" dirty="0" smtClean="0"/>
-              <a:t>New feature – move the processing service to 2 different data center because of ITAR regulations </a:t>
-            </a:r>
-          </a:p>
-          <a:p>
-            <a:r>
-              <a:rPr lang="en-US" baseline="0" dirty="0" smtClean="0"/>
-              <a:t>Remove shared DB</a:t>
-            </a:r>
-          </a:p>
-          <a:p>
-            <a:r>
-              <a:rPr lang="en-US" baseline="0" dirty="0" smtClean="0"/>
-              <a:t>Allow API to send messages to correct regional processing service</a:t>
-            </a:r>
-          </a:p>
-          <a:p>
-            <a:endParaRPr lang="en-US" baseline="0" dirty="0" smtClean="0"/>
+              <a:rPr lang="en-US" dirty="0" err="1"/>
+              <a:t>QoS</a:t>
+            </a:r>
+            <a:r>
+              <a:rPr lang="en-US" dirty="0"/>
+              <a:t> </a:t>
+            </a:r>
+            <a:r>
+              <a:rPr lang="en-US" dirty="0" err="1"/>
+              <a:t>prefetch</a:t>
+            </a:r>
+            <a:r>
+              <a:rPr lang="en-US" dirty="0"/>
+              <a:t> is basically telling Rabbit how quickly can this one connection, this one channel process messages. </a:t>
+            </a:r>
+          </a:p>
+          <a:p>
+            <a:endParaRPr lang="en-US" dirty="0"/>
           </a:p>
           <a:p>
             <a:endParaRPr lang="en-US" dirty="0"/>
@@ -2147,7 +1924,7 @@
           <a:p>
             <a:fld id="{3EBA5BD7-F043-4D1B-AA17-CD412FC534DE}" type="slidenum">
               <a:rPr lang="en-US" smtClean="0"/>
-              <a:t>13</a:t>
+              <a:t>10</a:t>
             </a:fld>
             <a:endParaRPr lang="en-US"/>
           </a:p>
@@ -2156,7 +1933,7 @@
     </p:spTree>
     <p:extLst>
       <p:ext uri="{BB962C8B-B14F-4D97-AF65-F5344CB8AC3E}">
-        <p14:creationId xmlns:p14="http://schemas.microsoft.com/office/powerpoint/2010/main" val="3273289866"/>
+        <p14:creationId xmlns:p14="http://schemas.microsoft.com/office/powerpoint/2010/main" val="1280429074"/>
       </p:ext>
     </p:extLst>
   </p:cSld>
@@ -2231,7 +2008,7 @@
           <a:p>
             <a:fld id="{3EBA5BD7-F043-4D1B-AA17-CD412FC534DE}" type="slidenum">
               <a:rPr lang="en-US" smtClean="0"/>
-              <a:t>14</a:t>
+              <a:t>11</a:t>
             </a:fld>
             <a:endParaRPr lang="en-US"/>
           </a:p>
@@ -2240,7 +2017,7 @@
     </p:spTree>
     <p:extLst>
       <p:ext uri="{BB962C8B-B14F-4D97-AF65-F5344CB8AC3E}">
-        <p14:creationId xmlns:p14="http://schemas.microsoft.com/office/powerpoint/2010/main" val="662912052"/>
+        <p14:creationId xmlns:p14="http://schemas.microsoft.com/office/powerpoint/2010/main" val="51609100"/>
       </p:ext>
     </p:extLst>
   </p:cSld>
@@ -2294,18 +2071,6 @@
           <a:bodyPr/>
           <a:lstStyle/>
           <a:p>
-            <a:r>
-              <a:rPr lang="en-US" sz="1600" b="0" i="0" kern="1200" dirty="0" smtClean="0">
-                <a:solidFill>
-                  <a:schemeClr val="tx1"/>
-                </a:solidFill>
-                <a:effectLst/>
-                <a:latin typeface="+mn-lt"/>
-                <a:ea typeface="+mn-ea"/>
-                <a:cs typeface="+mn-cs"/>
-              </a:rPr>
-              <a:t> if the message's routing key doesn't match the binding key, none of the queues will receive the message.</a:t>
-            </a:r>
             <a:endParaRPr lang="en-US" dirty="0"/>
           </a:p>
         </p:txBody>
@@ -2327,7 +2092,7 @@
           <a:p>
             <a:fld id="{3EBA5BD7-F043-4D1B-AA17-CD412FC534DE}" type="slidenum">
               <a:rPr lang="en-US" smtClean="0"/>
-              <a:t>15</a:t>
+              <a:t>12</a:t>
             </a:fld>
             <a:endParaRPr lang="en-US"/>
           </a:p>
@@ -2336,7 +2101,7 @@
     </p:spTree>
     <p:extLst>
       <p:ext uri="{BB962C8B-B14F-4D97-AF65-F5344CB8AC3E}">
-        <p14:creationId xmlns:p14="http://schemas.microsoft.com/office/powerpoint/2010/main" val="2508727422"/>
+        <p14:creationId xmlns:p14="http://schemas.microsoft.com/office/powerpoint/2010/main" val="590977083"/>
       </p:ext>
     </p:extLst>
   </p:cSld>
@@ -2391,41 +2156,39 @@
           <a:lstStyle/>
           <a:p>
             <a:r>
-              <a:rPr lang="en-US" sz="1600" b="0" i="0" kern="1200" dirty="0" smtClean="0">
-                <a:solidFill>
-                  <a:schemeClr val="tx1"/>
-                </a:solidFill>
-                <a:effectLst/>
-                <a:latin typeface="+mn-lt"/>
-                <a:ea typeface="+mn-ea"/>
-                <a:cs typeface="+mn-cs"/>
-              </a:rPr>
-              <a:t>With a </a:t>
-            </a:r>
-            <a:r>
-              <a:rPr lang="en-US" sz="1600" b="0" i="0" kern="1200" dirty="0" err="1" smtClean="0">
-                <a:solidFill>
-                  <a:schemeClr val="tx1"/>
-                </a:solidFill>
-                <a:effectLst/>
-                <a:latin typeface="+mn-lt"/>
-                <a:ea typeface="+mn-ea"/>
-                <a:cs typeface="+mn-cs"/>
-              </a:rPr>
-              <a:t>fanout</a:t>
-            </a:r>
-            <a:r>
-              <a:rPr lang="en-US" sz="1600" b="0" i="0" kern="1200" dirty="0" smtClean="0">
-                <a:solidFill>
-                  <a:schemeClr val="tx1"/>
-                </a:solidFill>
-                <a:effectLst/>
-                <a:latin typeface="+mn-lt"/>
-                <a:ea typeface="+mn-ea"/>
-                <a:cs typeface="+mn-cs"/>
-              </a:rPr>
-              <a:t> exchange, there is no filtering and all messages go to all bound queues.</a:t>
-            </a:r>
+              <a:rPr lang="en-US" dirty="0" smtClean="0"/>
+              <a:t>I</a:t>
+            </a:r>
+            <a:r>
+              <a:rPr lang="en-US" baseline="0" dirty="0" smtClean="0"/>
+              <a:t> recently took over an application that did some very heavy processing</a:t>
+            </a:r>
+          </a:p>
+          <a:p>
+            <a:endParaRPr lang="en-US" baseline="0" dirty="0" smtClean="0"/>
+          </a:p>
+          <a:p>
+            <a:r>
+              <a:rPr lang="en-US" baseline="0" dirty="0" smtClean="0"/>
+              <a:t>New feature – move the processing service to 2 different data center because of ITAR regulations </a:t>
+            </a:r>
+          </a:p>
+          <a:p>
+            <a:r>
+              <a:rPr lang="en-US" baseline="0" dirty="0" smtClean="0"/>
+              <a:t>Remove shared DB</a:t>
+            </a:r>
+          </a:p>
+          <a:p>
+            <a:r>
+              <a:rPr lang="en-US" baseline="0" dirty="0" smtClean="0"/>
+              <a:t>Allow API to send messages to correct regional processing service</a:t>
+            </a:r>
+          </a:p>
+          <a:p>
+            <a:endParaRPr lang="en-US" baseline="0" dirty="0" smtClean="0"/>
+          </a:p>
+          <a:p>
             <a:endParaRPr lang="en-US" dirty="0"/>
           </a:p>
         </p:txBody>
@@ -2447,7 +2210,7 @@
           <a:p>
             <a:fld id="{3EBA5BD7-F043-4D1B-AA17-CD412FC534DE}" type="slidenum">
               <a:rPr lang="en-US" smtClean="0"/>
-              <a:t>16</a:t>
+              <a:t>13</a:t>
             </a:fld>
             <a:endParaRPr lang="en-US"/>
           </a:p>
@@ -2456,7 +2219,7 @@
     </p:spTree>
     <p:extLst>
       <p:ext uri="{BB962C8B-B14F-4D97-AF65-F5344CB8AC3E}">
-        <p14:creationId xmlns:p14="http://schemas.microsoft.com/office/powerpoint/2010/main" val="319848710"/>
+        <p14:creationId xmlns:p14="http://schemas.microsoft.com/office/powerpoint/2010/main" val="3273289866"/>
       </p:ext>
     </p:extLst>
   </p:cSld>
@@ -2510,14 +2273,6 @@
           <a:bodyPr/>
           <a:lstStyle/>
           <a:p>
-            <a:r>
-              <a:rPr lang="en-US" dirty="0" err="1" smtClean="0"/>
-              <a:t>docker</a:t>
-            </a:r>
-            <a:r>
-              <a:rPr lang="en-US" dirty="0" smtClean="0"/>
-              <a:t>-compose up --build --abort-on-container-exit</a:t>
-            </a:r>
             <a:endParaRPr lang="en-US" dirty="0"/>
           </a:p>
         </p:txBody>
@@ -2539,7 +2294,7 @@
           <a:p>
             <a:fld id="{3EBA5BD7-F043-4D1B-AA17-CD412FC534DE}" type="slidenum">
               <a:rPr lang="en-US" smtClean="0"/>
-              <a:t>19</a:t>
+              <a:t>14</a:t>
             </a:fld>
             <a:endParaRPr lang="en-US"/>
           </a:p>
@@ -2548,7 +2303,7 @@
     </p:spTree>
     <p:extLst>
       <p:ext uri="{BB962C8B-B14F-4D97-AF65-F5344CB8AC3E}">
-        <p14:creationId xmlns:p14="http://schemas.microsoft.com/office/powerpoint/2010/main" val="3484547216"/>
+        <p14:creationId xmlns:p14="http://schemas.microsoft.com/office/powerpoint/2010/main" val="662912052"/>
       </p:ext>
     </p:extLst>
   </p:cSld>
@@ -2602,6 +2357,10 @@
           <a:bodyPr/>
           <a:lstStyle/>
           <a:p>
+            <a:r>
+              <a:rPr lang="en-US" dirty="0"/>
+              <a:t> if the message's routing key doesn't match the binding key, none of the queues will receive the message.</a:t>
+            </a:r>
             <a:endParaRPr lang="en-US" dirty="0"/>
           </a:p>
         </p:txBody>
@@ -2623,7 +2382,7 @@
           <a:p>
             <a:fld id="{3EBA5BD7-F043-4D1B-AA17-CD412FC534DE}" type="slidenum">
               <a:rPr lang="en-US" smtClean="0"/>
-              <a:t>20</a:t>
+              <a:t>15</a:t>
             </a:fld>
             <a:endParaRPr lang="en-US"/>
           </a:p>
@@ -2632,7 +2391,7 @@
     </p:spTree>
     <p:extLst>
       <p:ext uri="{BB962C8B-B14F-4D97-AF65-F5344CB8AC3E}">
-        <p14:creationId xmlns:p14="http://schemas.microsoft.com/office/powerpoint/2010/main" val="2425376586"/>
+        <p14:creationId xmlns:p14="http://schemas.microsoft.com/office/powerpoint/2010/main" val="2508727422"/>
       </p:ext>
     </p:extLst>
   </p:cSld>
@@ -2687,45 +2446,16 @@
           <a:lstStyle/>
           <a:p>
             <a:r>
-              <a:rPr lang="en-US" dirty="0" smtClean="0">
-                <a:hlinkClick r:id="rId3"/>
-              </a:rPr>
-              <a:t>https://</a:t>
-            </a:r>
-            <a:r>
-              <a:rPr lang="en-US" dirty="0" smtClean="0">
-                <a:hlinkClick r:id="rId3"/>
-              </a:rPr>
-              <a:t>www.cloudamqp.com/blog/2018-01-19-part4-rabbitmq-13-common-errors.html</a:t>
-            </a:r>
-            <a:endParaRPr lang="en-US" dirty="0" smtClean="0"/>
-          </a:p>
-          <a:p>
-            <a:endParaRPr lang="en-US" dirty="0" smtClean="0"/>
-          </a:p>
-          <a:p>
-            <a:r>
-              <a:rPr lang="en-US" dirty="0" smtClean="0"/>
-              <a:t>Story</a:t>
-            </a:r>
-            <a:r>
-              <a:rPr lang="en-US" baseline="0" dirty="0" smtClean="0"/>
-              <a:t> about correlation id.</a:t>
-            </a:r>
-            <a:endParaRPr lang="en-US" dirty="0" smtClean="0"/>
-          </a:p>
-          <a:p>
-            <a:r>
-              <a:rPr lang="en-US" sz="1600" b="0" i="0" kern="1200" dirty="0" smtClean="0">
-                <a:solidFill>
-                  <a:schemeClr val="tx1"/>
-                </a:solidFill>
-                <a:effectLst/>
-                <a:latin typeface="+mn-lt"/>
-                <a:ea typeface="+mn-ea"/>
-                <a:cs typeface="+mn-cs"/>
-              </a:rPr>
-              <a:t> “Hey, use the model. Look at the message properties. Figure out how you can combine exchanges, and routing keys, and message properties to provide the context to your messages so that the message body itself is as terse or limited to the content you actually care about at the message level and go from there.</a:t>
+              <a:rPr lang="en-US" dirty="0"/>
+              <a:t>With a </a:t>
+            </a:r>
+            <a:r>
+              <a:rPr lang="en-US" dirty="0" err="1"/>
+              <a:t>fanout</a:t>
+            </a:r>
+            <a:r>
+              <a:rPr lang="en-US" dirty="0"/>
+              <a:t> exchange, there is no filtering and all messages go to all bound queues.</a:t>
             </a:r>
             <a:endParaRPr lang="en-US" dirty="0"/>
           </a:p>
@@ -2748,7 +2478,7 @@
           <a:p>
             <a:fld id="{3EBA5BD7-F043-4D1B-AA17-CD412FC534DE}" type="slidenum">
               <a:rPr lang="en-US" smtClean="0"/>
-              <a:t>21</a:t>
+              <a:t>16</a:t>
             </a:fld>
             <a:endParaRPr lang="en-US"/>
           </a:p>
@@ -2757,7 +2487,7 @@
     </p:spTree>
     <p:extLst>
       <p:ext uri="{BB962C8B-B14F-4D97-AF65-F5344CB8AC3E}">
-        <p14:creationId xmlns:p14="http://schemas.microsoft.com/office/powerpoint/2010/main" val="1247848373"/>
+        <p14:creationId xmlns:p14="http://schemas.microsoft.com/office/powerpoint/2010/main" val="319848710"/>
       </p:ext>
     </p:extLst>
   </p:cSld>
@@ -2811,7 +2541,7 @@
           <a:bodyPr/>
           <a:lstStyle/>
           <a:p>
-            <a:endParaRPr lang="en-US" dirty="0"/>
+            <a:endParaRPr lang="en-US"/>
           </a:p>
         </p:txBody>
       </p:sp>
@@ -2832,7 +2562,7 @@
           <a:p>
             <a:fld id="{3EBA5BD7-F043-4D1B-AA17-CD412FC534DE}" type="slidenum">
               <a:rPr lang="en-US" smtClean="0"/>
-              <a:t>22</a:t>
+              <a:t>17</a:t>
             </a:fld>
             <a:endParaRPr lang="en-US"/>
           </a:p>
@@ -2841,7 +2571,183 @@
     </p:spTree>
     <p:extLst>
       <p:ext uri="{BB962C8B-B14F-4D97-AF65-F5344CB8AC3E}">
-        <p14:creationId xmlns:p14="http://schemas.microsoft.com/office/powerpoint/2010/main" val="3718640739"/>
+        <p14:creationId xmlns:p14="http://schemas.microsoft.com/office/powerpoint/2010/main" val="858553129"/>
+      </p:ext>
+    </p:extLst>
+  </p:cSld>
+  <p:clrMapOvr>
+    <a:masterClrMapping/>
+  </p:clrMapOvr>
+</p:notes>
+</file>
+
+<file path=ppt/notesSlides/notesSlide18.xml><?xml version="1.0" encoding="utf-8"?>
+<p:notes xmlns:a="http://schemas.openxmlformats.org/drawingml/2006/main" xmlns:r="http://schemas.openxmlformats.org/officeDocument/2006/relationships" xmlns:p="http://schemas.openxmlformats.org/presentationml/2006/main">
+  <p:cSld>
+    <p:spTree>
+      <p:nvGrpSpPr>
+        <p:cNvPr id="1" name=""/>
+        <p:cNvGrpSpPr/>
+        <p:nvPr/>
+      </p:nvGrpSpPr>
+      <p:grpSpPr>
+        <a:xfrm>
+          <a:off x="0" y="0"/>
+          <a:ext cx="0" cy="0"/>
+          <a:chOff x="0" y="0"/>
+          <a:chExt cx="0" cy="0"/>
+        </a:xfrm>
+      </p:grpSpPr>
+      <p:sp>
+        <p:nvSpPr>
+          <p:cNvPr id="2" name="Slide Image Placeholder 1"/>
+          <p:cNvSpPr>
+            <a:spLocks noGrp="1" noRot="1" noChangeAspect="1"/>
+          </p:cNvSpPr>
+          <p:nvPr>
+            <p:ph type="sldImg"/>
+          </p:nvPr>
+        </p:nvSpPr>
+        <p:spPr/>
+      </p:sp>
+      <p:sp>
+        <p:nvSpPr>
+          <p:cNvPr id="3" name="Notes Placeholder 2"/>
+          <p:cNvSpPr>
+            <a:spLocks noGrp="1"/>
+          </p:cNvSpPr>
+          <p:nvPr>
+            <p:ph type="body" idx="1"/>
+          </p:nvPr>
+        </p:nvSpPr>
+        <p:spPr/>
+        <p:txBody>
+          <a:bodyPr/>
+          <a:lstStyle/>
+          <a:p>
+            <a:endParaRPr lang="en-US"/>
+          </a:p>
+        </p:txBody>
+      </p:sp>
+      <p:sp>
+        <p:nvSpPr>
+          <p:cNvPr id="4" name="Slide Number Placeholder 3"/>
+          <p:cNvSpPr>
+            <a:spLocks noGrp="1"/>
+          </p:cNvSpPr>
+          <p:nvPr>
+            <p:ph type="sldNum" sz="quarter" idx="10"/>
+          </p:nvPr>
+        </p:nvSpPr>
+        <p:spPr/>
+        <p:txBody>
+          <a:bodyPr/>
+          <a:lstStyle/>
+          <a:p>
+            <a:fld id="{3EBA5BD7-F043-4D1B-AA17-CD412FC534DE}" type="slidenum">
+              <a:rPr lang="en-US" smtClean="0"/>
+              <a:t>18</a:t>
+            </a:fld>
+            <a:endParaRPr lang="en-US"/>
+          </a:p>
+        </p:txBody>
+      </p:sp>
+    </p:spTree>
+    <p:extLst>
+      <p:ext uri="{BB962C8B-B14F-4D97-AF65-F5344CB8AC3E}">
+        <p14:creationId xmlns:p14="http://schemas.microsoft.com/office/powerpoint/2010/main" val="3035405953"/>
+      </p:ext>
+    </p:extLst>
+  </p:cSld>
+  <p:clrMapOvr>
+    <a:masterClrMapping/>
+  </p:clrMapOvr>
+</p:notes>
+</file>
+
+<file path=ppt/notesSlides/notesSlide19.xml><?xml version="1.0" encoding="utf-8"?>
+<p:notes xmlns:a="http://schemas.openxmlformats.org/drawingml/2006/main" xmlns:r="http://schemas.openxmlformats.org/officeDocument/2006/relationships" xmlns:p="http://schemas.openxmlformats.org/presentationml/2006/main">
+  <p:cSld>
+    <p:spTree>
+      <p:nvGrpSpPr>
+        <p:cNvPr id="1" name=""/>
+        <p:cNvGrpSpPr/>
+        <p:nvPr/>
+      </p:nvGrpSpPr>
+      <p:grpSpPr>
+        <a:xfrm>
+          <a:off x="0" y="0"/>
+          <a:ext cx="0" cy="0"/>
+          <a:chOff x="0" y="0"/>
+          <a:chExt cx="0" cy="0"/>
+        </a:xfrm>
+      </p:grpSpPr>
+      <p:sp>
+        <p:nvSpPr>
+          <p:cNvPr id="2" name="Slide Image Placeholder 1"/>
+          <p:cNvSpPr>
+            <a:spLocks noGrp="1" noRot="1" noChangeAspect="1"/>
+          </p:cNvSpPr>
+          <p:nvPr>
+            <p:ph type="sldImg"/>
+          </p:nvPr>
+        </p:nvSpPr>
+        <p:spPr/>
+      </p:sp>
+      <p:sp>
+        <p:nvSpPr>
+          <p:cNvPr id="3" name="Notes Placeholder 2"/>
+          <p:cNvSpPr>
+            <a:spLocks noGrp="1"/>
+          </p:cNvSpPr>
+          <p:nvPr>
+            <p:ph type="body" idx="1"/>
+          </p:nvPr>
+        </p:nvSpPr>
+        <p:spPr/>
+        <p:txBody>
+          <a:bodyPr/>
+          <a:lstStyle/>
+          <a:p>
+            <a:r>
+              <a:rPr lang="en-US" dirty="0" err="1" smtClean="0"/>
+              <a:t>docker</a:t>
+            </a:r>
+            <a:r>
+              <a:rPr lang="en-US" dirty="0" smtClean="0"/>
+              <a:t>-compose up --build --abort-on-container-exit</a:t>
+            </a:r>
+            <a:endParaRPr lang="en-US" dirty="0"/>
+          </a:p>
+        </p:txBody>
+      </p:sp>
+      <p:sp>
+        <p:nvSpPr>
+          <p:cNvPr id="4" name="Slide Number Placeholder 3"/>
+          <p:cNvSpPr>
+            <a:spLocks noGrp="1"/>
+          </p:cNvSpPr>
+          <p:nvPr>
+            <p:ph type="sldNum" sz="quarter" idx="10"/>
+          </p:nvPr>
+        </p:nvSpPr>
+        <p:spPr/>
+        <p:txBody>
+          <a:bodyPr/>
+          <a:lstStyle/>
+          <a:p>
+            <a:fld id="{3EBA5BD7-F043-4D1B-AA17-CD412FC534DE}" type="slidenum">
+              <a:rPr lang="en-US" smtClean="0"/>
+              <a:t>19</a:t>
+            </a:fld>
+            <a:endParaRPr lang="en-US"/>
+          </a:p>
+        </p:txBody>
+      </p:sp>
+    </p:spTree>
+    <p:extLst>
+      <p:ext uri="{BB962C8B-B14F-4D97-AF65-F5344CB8AC3E}">
+        <p14:creationId xmlns:p14="http://schemas.microsoft.com/office/powerpoint/2010/main" val="3484547216"/>
       </p:ext>
     </p:extLst>
   </p:cSld>
@@ -2895,6 +2801,51 @@
           <a:bodyPr/>
           <a:lstStyle/>
           <a:p>
+            <a:pPr defTabSz="1242148">
+              <a:defRPr/>
+            </a:pPr>
+            <a:r>
+              <a:rPr lang="en-US" dirty="0" smtClean="0"/>
+              <a:t>Started with one team using it for a few high performance messaging where reliability wasn’t much concern (Single node between browser and backend server)</a:t>
+            </a:r>
+          </a:p>
+          <a:p>
+            <a:endParaRPr lang="en-US" b="1" dirty="0" smtClean="0"/>
+          </a:p>
+          <a:p>
+            <a:endParaRPr lang="en-US" b="1" dirty="0" smtClean="0"/>
+          </a:p>
+          <a:p>
+            <a:r>
+              <a:rPr lang="en-US" dirty="0" smtClean="0"/>
+              <a:t>Another team spun up one instance and started using it for non critical pub sub.</a:t>
+            </a:r>
+          </a:p>
+          <a:p>
+            <a:r>
+              <a:rPr lang="en-US" dirty="0" smtClean="0"/>
+              <a:t>(pub sub between monolith and another team)</a:t>
+            </a:r>
+          </a:p>
+          <a:p>
+            <a:endParaRPr lang="en-US" dirty="0" smtClean="0"/>
+          </a:p>
+          <a:p>
+            <a:pPr defTabSz="1242148">
+              <a:defRPr/>
+            </a:pPr>
+            <a:r>
+              <a:rPr lang="en-US" dirty="0" smtClean="0"/>
+              <a:t>Then new ordering system was developed to use it for submitting orders.</a:t>
+            </a:r>
+          </a:p>
+          <a:p>
+            <a:endParaRPr lang="en-US" dirty="0" smtClean="0"/>
+          </a:p>
+          <a:p>
+            <a:endParaRPr lang="en-US" b="1" dirty="0" smtClean="0"/>
+          </a:p>
+          <a:p>
             <a:r>
               <a:rPr lang="en-US" b="1" dirty="0" smtClean="0"/>
               <a:t>Breaking up a </a:t>
@@ -2974,6 +2925,459 @@
     <p:extLst>
       <p:ext uri="{BB962C8B-B14F-4D97-AF65-F5344CB8AC3E}">
         <p14:creationId xmlns:p14="http://schemas.microsoft.com/office/powerpoint/2010/main" val="728192743"/>
+      </p:ext>
+    </p:extLst>
+  </p:cSld>
+  <p:clrMapOvr>
+    <a:masterClrMapping/>
+  </p:clrMapOvr>
+</p:notes>
+</file>
+
+<file path=ppt/notesSlides/notesSlide20.xml><?xml version="1.0" encoding="utf-8"?>
+<p:notes xmlns:a="http://schemas.openxmlformats.org/drawingml/2006/main" xmlns:r="http://schemas.openxmlformats.org/officeDocument/2006/relationships" xmlns:p="http://schemas.openxmlformats.org/presentationml/2006/main">
+  <p:cSld>
+    <p:spTree>
+      <p:nvGrpSpPr>
+        <p:cNvPr id="1" name=""/>
+        <p:cNvGrpSpPr/>
+        <p:nvPr/>
+      </p:nvGrpSpPr>
+      <p:grpSpPr>
+        <a:xfrm>
+          <a:off x="0" y="0"/>
+          <a:ext cx="0" cy="0"/>
+          <a:chOff x="0" y="0"/>
+          <a:chExt cx="0" cy="0"/>
+        </a:xfrm>
+      </p:grpSpPr>
+      <p:sp>
+        <p:nvSpPr>
+          <p:cNvPr id="2" name="Slide Image Placeholder 1"/>
+          <p:cNvSpPr>
+            <a:spLocks noGrp="1" noRot="1" noChangeAspect="1"/>
+          </p:cNvSpPr>
+          <p:nvPr>
+            <p:ph type="sldImg"/>
+          </p:nvPr>
+        </p:nvSpPr>
+        <p:spPr/>
+      </p:sp>
+      <p:sp>
+        <p:nvSpPr>
+          <p:cNvPr id="3" name="Notes Placeholder 2"/>
+          <p:cNvSpPr>
+            <a:spLocks noGrp="1"/>
+          </p:cNvSpPr>
+          <p:nvPr>
+            <p:ph type="body" idx="1"/>
+          </p:nvPr>
+        </p:nvSpPr>
+        <p:spPr/>
+        <p:txBody>
+          <a:bodyPr/>
+          <a:lstStyle/>
+          <a:p>
+            <a:endParaRPr lang="en-US" dirty="0"/>
+          </a:p>
+        </p:txBody>
+      </p:sp>
+      <p:sp>
+        <p:nvSpPr>
+          <p:cNvPr id="4" name="Slide Number Placeholder 3"/>
+          <p:cNvSpPr>
+            <a:spLocks noGrp="1"/>
+          </p:cNvSpPr>
+          <p:nvPr>
+            <p:ph type="sldNum" sz="quarter" idx="10"/>
+          </p:nvPr>
+        </p:nvSpPr>
+        <p:spPr/>
+        <p:txBody>
+          <a:bodyPr/>
+          <a:lstStyle/>
+          <a:p>
+            <a:fld id="{3EBA5BD7-F043-4D1B-AA17-CD412FC534DE}" type="slidenum">
+              <a:rPr lang="en-US" smtClean="0"/>
+              <a:t>20</a:t>
+            </a:fld>
+            <a:endParaRPr lang="en-US"/>
+          </a:p>
+        </p:txBody>
+      </p:sp>
+    </p:spTree>
+    <p:extLst>
+      <p:ext uri="{BB962C8B-B14F-4D97-AF65-F5344CB8AC3E}">
+        <p14:creationId xmlns:p14="http://schemas.microsoft.com/office/powerpoint/2010/main" val="2425376586"/>
+      </p:ext>
+    </p:extLst>
+  </p:cSld>
+  <p:clrMapOvr>
+    <a:masterClrMapping/>
+  </p:clrMapOvr>
+</p:notes>
+</file>
+
+<file path=ppt/notesSlides/notesSlide21.xml><?xml version="1.0" encoding="utf-8"?>
+<p:notes xmlns:a="http://schemas.openxmlformats.org/drawingml/2006/main" xmlns:r="http://schemas.openxmlformats.org/officeDocument/2006/relationships" xmlns:p="http://schemas.openxmlformats.org/presentationml/2006/main">
+  <p:cSld>
+    <p:spTree>
+      <p:nvGrpSpPr>
+        <p:cNvPr id="1" name=""/>
+        <p:cNvGrpSpPr/>
+        <p:nvPr/>
+      </p:nvGrpSpPr>
+      <p:grpSpPr>
+        <a:xfrm>
+          <a:off x="0" y="0"/>
+          <a:ext cx="0" cy="0"/>
+          <a:chOff x="0" y="0"/>
+          <a:chExt cx="0" cy="0"/>
+        </a:xfrm>
+      </p:grpSpPr>
+      <p:sp>
+        <p:nvSpPr>
+          <p:cNvPr id="2" name="Slide Image Placeholder 1"/>
+          <p:cNvSpPr>
+            <a:spLocks noGrp="1" noRot="1" noChangeAspect="1"/>
+          </p:cNvSpPr>
+          <p:nvPr>
+            <p:ph type="sldImg"/>
+          </p:nvPr>
+        </p:nvSpPr>
+        <p:spPr/>
+      </p:sp>
+      <p:sp>
+        <p:nvSpPr>
+          <p:cNvPr id="3" name="Notes Placeholder 2"/>
+          <p:cNvSpPr>
+            <a:spLocks noGrp="1"/>
+          </p:cNvSpPr>
+          <p:nvPr>
+            <p:ph type="body" idx="1"/>
+          </p:nvPr>
+        </p:nvSpPr>
+        <p:spPr/>
+        <p:txBody>
+          <a:bodyPr/>
+          <a:lstStyle/>
+          <a:p>
+            <a:r>
+              <a:rPr lang="en-US" dirty="0" smtClean="0">
+                <a:hlinkClick r:id="rId3"/>
+              </a:rPr>
+              <a:t>https://www.cloudamqp.com/blog/2018-01-19-part4-rabbitmq-13-common-errors.html</a:t>
+            </a:r>
+            <a:endParaRPr lang="en-US" dirty="0" smtClean="0"/>
+          </a:p>
+          <a:p>
+            <a:endParaRPr lang="en-US" dirty="0" smtClean="0"/>
+          </a:p>
+          <a:p>
+            <a:r>
+              <a:rPr lang="en-US" dirty="0" smtClean="0"/>
+              <a:t>Story</a:t>
+            </a:r>
+            <a:r>
+              <a:rPr lang="en-US" baseline="0" dirty="0" smtClean="0"/>
+              <a:t> about correlation id</a:t>
+            </a:r>
+            <a:r>
+              <a:rPr lang="en-US" baseline="0" dirty="0" smtClean="0"/>
+              <a:t>.</a:t>
+            </a:r>
+          </a:p>
+          <a:p>
+            <a:endParaRPr lang="en-US" dirty="0" smtClean="0"/>
+          </a:p>
+          <a:p>
+            <a:r>
+              <a:rPr lang="en-US" dirty="0"/>
+              <a:t> “Hey, use the model. Look at the message properties. Figure out how you can combine exchanges, and routing keys, and message properties to provide the context to your messages so that the message body itself is as terse or limited to the content you actually care about at the message level and go from there.</a:t>
+            </a:r>
+            <a:endParaRPr lang="en-US" dirty="0"/>
+          </a:p>
+        </p:txBody>
+      </p:sp>
+      <p:sp>
+        <p:nvSpPr>
+          <p:cNvPr id="4" name="Slide Number Placeholder 3"/>
+          <p:cNvSpPr>
+            <a:spLocks noGrp="1"/>
+          </p:cNvSpPr>
+          <p:nvPr>
+            <p:ph type="sldNum" sz="quarter" idx="10"/>
+          </p:nvPr>
+        </p:nvSpPr>
+        <p:spPr/>
+        <p:txBody>
+          <a:bodyPr/>
+          <a:lstStyle/>
+          <a:p>
+            <a:fld id="{3EBA5BD7-F043-4D1B-AA17-CD412FC534DE}" type="slidenum">
+              <a:rPr lang="en-US" smtClean="0"/>
+              <a:t>21</a:t>
+            </a:fld>
+            <a:endParaRPr lang="en-US"/>
+          </a:p>
+        </p:txBody>
+      </p:sp>
+    </p:spTree>
+    <p:extLst>
+      <p:ext uri="{BB962C8B-B14F-4D97-AF65-F5344CB8AC3E}">
+        <p14:creationId xmlns:p14="http://schemas.microsoft.com/office/powerpoint/2010/main" val="1247848373"/>
+      </p:ext>
+    </p:extLst>
+  </p:cSld>
+  <p:clrMapOvr>
+    <a:masterClrMapping/>
+  </p:clrMapOvr>
+</p:notes>
+</file>
+
+<file path=ppt/notesSlides/notesSlide22.xml><?xml version="1.0" encoding="utf-8"?>
+<p:notes xmlns:a="http://schemas.openxmlformats.org/drawingml/2006/main" xmlns:r="http://schemas.openxmlformats.org/officeDocument/2006/relationships" xmlns:p="http://schemas.openxmlformats.org/presentationml/2006/main">
+  <p:cSld>
+    <p:spTree>
+      <p:nvGrpSpPr>
+        <p:cNvPr id="1" name=""/>
+        <p:cNvGrpSpPr/>
+        <p:nvPr/>
+      </p:nvGrpSpPr>
+      <p:grpSpPr>
+        <a:xfrm>
+          <a:off x="0" y="0"/>
+          <a:ext cx="0" cy="0"/>
+          <a:chOff x="0" y="0"/>
+          <a:chExt cx="0" cy="0"/>
+        </a:xfrm>
+      </p:grpSpPr>
+      <p:sp>
+        <p:nvSpPr>
+          <p:cNvPr id="2" name="Slide Image Placeholder 1"/>
+          <p:cNvSpPr>
+            <a:spLocks noGrp="1" noRot="1" noChangeAspect="1"/>
+          </p:cNvSpPr>
+          <p:nvPr>
+            <p:ph type="sldImg"/>
+          </p:nvPr>
+        </p:nvSpPr>
+        <p:spPr/>
+      </p:sp>
+      <p:sp>
+        <p:nvSpPr>
+          <p:cNvPr id="3" name="Notes Placeholder 2"/>
+          <p:cNvSpPr>
+            <a:spLocks noGrp="1"/>
+          </p:cNvSpPr>
+          <p:nvPr>
+            <p:ph type="body" idx="1"/>
+          </p:nvPr>
+        </p:nvSpPr>
+        <p:spPr/>
+        <p:txBody>
+          <a:bodyPr/>
+          <a:lstStyle/>
+          <a:p>
+            <a:endParaRPr lang="en-US"/>
+          </a:p>
+        </p:txBody>
+      </p:sp>
+      <p:sp>
+        <p:nvSpPr>
+          <p:cNvPr id="4" name="Slide Number Placeholder 3"/>
+          <p:cNvSpPr>
+            <a:spLocks noGrp="1"/>
+          </p:cNvSpPr>
+          <p:nvPr>
+            <p:ph type="sldNum" sz="quarter" idx="10"/>
+          </p:nvPr>
+        </p:nvSpPr>
+        <p:spPr/>
+        <p:txBody>
+          <a:bodyPr/>
+          <a:lstStyle/>
+          <a:p>
+            <a:fld id="{3EBA5BD7-F043-4D1B-AA17-CD412FC534DE}" type="slidenum">
+              <a:rPr lang="en-US" smtClean="0"/>
+              <a:t>22</a:t>
+            </a:fld>
+            <a:endParaRPr lang="en-US"/>
+          </a:p>
+        </p:txBody>
+      </p:sp>
+    </p:spTree>
+    <p:extLst>
+      <p:ext uri="{BB962C8B-B14F-4D97-AF65-F5344CB8AC3E}">
+        <p14:creationId xmlns:p14="http://schemas.microsoft.com/office/powerpoint/2010/main" val="3503085638"/>
+      </p:ext>
+    </p:extLst>
+  </p:cSld>
+  <p:clrMapOvr>
+    <a:masterClrMapping/>
+  </p:clrMapOvr>
+</p:notes>
+</file>
+
+<file path=ppt/notesSlides/notesSlide23.xml><?xml version="1.0" encoding="utf-8"?>
+<p:notes xmlns:a="http://schemas.openxmlformats.org/drawingml/2006/main" xmlns:r="http://schemas.openxmlformats.org/officeDocument/2006/relationships" xmlns:p="http://schemas.openxmlformats.org/presentationml/2006/main">
+  <p:cSld>
+    <p:spTree>
+      <p:nvGrpSpPr>
+        <p:cNvPr id="1" name=""/>
+        <p:cNvGrpSpPr/>
+        <p:nvPr/>
+      </p:nvGrpSpPr>
+      <p:grpSpPr>
+        <a:xfrm>
+          <a:off x="0" y="0"/>
+          <a:ext cx="0" cy="0"/>
+          <a:chOff x="0" y="0"/>
+          <a:chExt cx="0" cy="0"/>
+        </a:xfrm>
+      </p:grpSpPr>
+      <p:sp>
+        <p:nvSpPr>
+          <p:cNvPr id="2" name="Slide Image Placeholder 1"/>
+          <p:cNvSpPr>
+            <a:spLocks noGrp="1" noRot="1" noChangeAspect="1"/>
+          </p:cNvSpPr>
+          <p:nvPr>
+            <p:ph type="sldImg"/>
+          </p:nvPr>
+        </p:nvSpPr>
+        <p:spPr/>
+      </p:sp>
+      <p:sp>
+        <p:nvSpPr>
+          <p:cNvPr id="3" name="Notes Placeholder 2"/>
+          <p:cNvSpPr>
+            <a:spLocks noGrp="1"/>
+          </p:cNvSpPr>
+          <p:nvPr>
+            <p:ph type="body" idx="1"/>
+          </p:nvPr>
+        </p:nvSpPr>
+        <p:spPr/>
+        <p:txBody>
+          <a:bodyPr/>
+          <a:lstStyle/>
+          <a:p>
+            <a:endParaRPr lang="en-US"/>
+          </a:p>
+        </p:txBody>
+      </p:sp>
+      <p:sp>
+        <p:nvSpPr>
+          <p:cNvPr id="4" name="Slide Number Placeholder 3"/>
+          <p:cNvSpPr>
+            <a:spLocks noGrp="1"/>
+          </p:cNvSpPr>
+          <p:nvPr>
+            <p:ph type="sldNum" sz="quarter" idx="10"/>
+          </p:nvPr>
+        </p:nvSpPr>
+        <p:spPr/>
+        <p:txBody>
+          <a:bodyPr/>
+          <a:lstStyle/>
+          <a:p>
+            <a:fld id="{3EBA5BD7-F043-4D1B-AA17-CD412FC534DE}" type="slidenum">
+              <a:rPr lang="en-US" smtClean="0"/>
+              <a:t>23</a:t>
+            </a:fld>
+            <a:endParaRPr lang="en-US"/>
+          </a:p>
+        </p:txBody>
+      </p:sp>
+    </p:spTree>
+    <p:extLst>
+      <p:ext uri="{BB962C8B-B14F-4D97-AF65-F5344CB8AC3E}">
+        <p14:creationId xmlns:p14="http://schemas.microsoft.com/office/powerpoint/2010/main" val="3530110018"/>
+      </p:ext>
+    </p:extLst>
+  </p:cSld>
+  <p:clrMapOvr>
+    <a:masterClrMapping/>
+  </p:clrMapOvr>
+</p:notes>
+</file>
+
+<file path=ppt/notesSlides/notesSlide24.xml><?xml version="1.0" encoding="utf-8"?>
+<p:notes xmlns:a="http://schemas.openxmlformats.org/drawingml/2006/main" xmlns:r="http://schemas.openxmlformats.org/officeDocument/2006/relationships" xmlns:p="http://schemas.openxmlformats.org/presentationml/2006/main">
+  <p:cSld>
+    <p:spTree>
+      <p:nvGrpSpPr>
+        <p:cNvPr id="1" name=""/>
+        <p:cNvGrpSpPr/>
+        <p:nvPr/>
+      </p:nvGrpSpPr>
+      <p:grpSpPr>
+        <a:xfrm>
+          <a:off x="0" y="0"/>
+          <a:ext cx="0" cy="0"/>
+          <a:chOff x="0" y="0"/>
+          <a:chExt cx="0" cy="0"/>
+        </a:xfrm>
+      </p:grpSpPr>
+      <p:sp>
+        <p:nvSpPr>
+          <p:cNvPr id="2" name="Slide Image Placeholder 1"/>
+          <p:cNvSpPr>
+            <a:spLocks noGrp="1" noRot="1" noChangeAspect="1"/>
+          </p:cNvSpPr>
+          <p:nvPr>
+            <p:ph type="sldImg"/>
+          </p:nvPr>
+        </p:nvSpPr>
+        <p:spPr/>
+      </p:sp>
+      <p:sp>
+        <p:nvSpPr>
+          <p:cNvPr id="3" name="Notes Placeholder 2"/>
+          <p:cNvSpPr>
+            <a:spLocks noGrp="1"/>
+          </p:cNvSpPr>
+          <p:nvPr>
+            <p:ph type="body" idx="1"/>
+          </p:nvPr>
+        </p:nvSpPr>
+        <p:spPr/>
+        <p:txBody>
+          <a:bodyPr/>
+          <a:lstStyle/>
+          <a:p>
+            <a:endParaRPr lang="en-US"/>
+          </a:p>
+        </p:txBody>
+      </p:sp>
+      <p:sp>
+        <p:nvSpPr>
+          <p:cNvPr id="4" name="Slide Number Placeholder 3"/>
+          <p:cNvSpPr>
+            <a:spLocks noGrp="1"/>
+          </p:cNvSpPr>
+          <p:nvPr>
+            <p:ph type="sldNum" sz="quarter" idx="10"/>
+          </p:nvPr>
+        </p:nvSpPr>
+        <p:spPr/>
+        <p:txBody>
+          <a:bodyPr/>
+          <a:lstStyle/>
+          <a:p>
+            <a:fld id="{3EBA5BD7-F043-4D1B-AA17-CD412FC534DE}" type="slidenum">
+              <a:rPr lang="en-US" smtClean="0"/>
+              <a:t>24</a:t>
+            </a:fld>
+            <a:endParaRPr lang="en-US"/>
+          </a:p>
+        </p:txBody>
+      </p:sp>
+    </p:spTree>
+    <p:extLst>
+      <p:ext uri="{BB962C8B-B14F-4D97-AF65-F5344CB8AC3E}">
+        <p14:creationId xmlns:p14="http://schemas.microsoft.com/office/powerpoint/2010/main" val="493682064"/>
       </p:ext>
     </p:extLst>
   </p:cSld>
@@ -3027,323 +3431,7 @@
           <a:bodyPr/>
           <a:lstStyle/>
           <a:p>
-            <a:endParaRPr lang="en-US" baseline="0" dirty="0" smtClean="0"/>
-          </a:p>
-          <a:p>
-            <a:pPr marL="285750" marR="0" lvl="0" indent="-285750" algn="l" defTabSz="1218987" rtl="0" eaLnBrk="1" fontAlgn="auto" latinLnBrk="0" hangingPunct="1">
-              <a:lnSpc>
-                <a:spcPct val="100000"/>
-              </a:lnSpc>
-              <a:spcBef>
-                <a:spcPts val="0"/>
-              </a:spcBef>
-              <a:spcAft>
-                <a:spcPts val="0"/>
-              </a:spcAft>
-              <a:buClrTx/>
-              <a:buSzTx/>
-              <a:buFont typeface="Arial" panose="020B0604020202020204" pitchFamily="34" charset="0"/>
-              <a:buChar char="•"/>
-              <a:tabLst/>
-              <a:defRPr/>
-            </a:pPr>
-            <a:r>
-              <a:rPr lang="en-US" dirty="0" smtClean="0"/>
-              <a:t>Open Source Messaging System (Message Broker)</a:t>
-            </a:r>
-          </a:p>
-          <a:p>
-            <a:pPr marL="285750" indent="-285750">
-              <a:buFont typeface="Arial" panose="020B0604020202020204" pitchFamily="34" charset="0"/>
-              <a:buChar char="•"/>
-            </a:pPr>
-            <a:r>
-              <a:rPr lang="en-US" dirty="0" smtClean="0"/>
-              <a:t>Developer centric API and docs are dev focused</a:t>
-            </a:r>
-          </a:p>
-          <a:p>
-            <a:pPr marL="285750" indent="-285750">
-              <a:buFont typeface="Arial" panose="020B0604020202020204" pitchFamily="34" charset="0"/>
-              <a:buChar char="•"/>
-            </a:pPr>
-            <a:r>
-              <a:rPr lang="en-US" dirty="0" smtClean="0"/>
-              <a:t>Clustering and High Availability</a:t>
-            </a:r>
-          </a:p>
-          <a:p>
-            <a:pPr marL="285750" indent="-285750">
-              <a:buFont typeface="Arial" panose="020B0604020202020204" pitchFamily="34" charset="0"/>
-              <a:buChar char="•"/>
-            </a:pPr>
-            <a:r>
-              <a:rPr lang="en-US" dirty="0" smtClean="0"/>
-              <a:t>Management UI and API</a:t>
-            </a:r>
-          </a:p>
-          <a:p>
-            <a:pPr marL="285750" indent="-285750">
-              <a:buFont typeface="Arial" panose="020B0604020202020204" pitchFamily="34" charset="0"/>
-              <a:buChar char="•"/>
-            </a:pPr>
-            <a:r>
-              <a:rPr lang="en-US" dirty="0" smtClean="0"/>
-              <a:t>Client Libraries</a:t>
-            </a:r>
-          </a:p>
-          <a:p>
-            <a:pPr marL="285750" indent="-285750">
-              <a:buFont typeface="Arial" panose="020B0604020202020204" pitchFamily="34" charset="0"/>
-              <a:buChar char="•"/>
-            </a:pPr>
-            <a:r>
-              <a:rPr lang="en-US" dirty="0" smtClean="0"/>
-              <a:t>Lots of useful plugins</a:t>
-            </a:r>
-          </a:p>
-          <a:p>
-            <a:pPr marL="285750" indent="-285750">
-              <a:buFont typeface="Arial" panose="020B0604020202020204" pitchFamily="34" charset="0"/>
-              <a:buChar char="•"/>
-            </a:pPr>
-            <a:r>
-              <a:rPr lang="en-US" dirty="0" smtClean="0"/>
-              <a:t>Docs examples user group </a:t>
-            </a:r>
-          </a:p>
-          <a:p>
-            <a:pPr marL="285750" marR="0" lvl="0" indent="-285750" algn="l" defTabSz="1218987" rtl="0" eaLnBrk="1" fontAlgn="auto" latinLnBrk="0" hangingPunct="1">
-              <a:lnSpc>
-                <a:spcPct val="100000"/>
-              </a:lnSpc>
-              <a:spcBef>
-                <a:spcPts val="0"/>
-              </a:spcBef>
-              <a:spcAft>
-                <a:spcPts val="0"/>
-              </a:spcAft>
-              <a:buClrTx/>
-              <a:buSzTx/>
-              <a:buFont typeface="Arial" panose="020B0604020202020204" pitchFamily="34" charset="0"/>
-              <a:buChar char="•"/>
-              <a:tabLst/>
-              <a:defRPr/>
-            </a:pPr>
-            <a:r>
-              <a:rPr lang="en-US" dirty="0" smtClean="0"/>
-              <a:t>Started in 2008</a:t>
-            </a:r>
-          </a:p>
-          <a:p>
-            <a:pPr marL="285750" marR="0" lvl="0" indent="-285750" algn="l" defTabSz="1218987" rtl="0" eaLnBrk="1" fontAlgn="auto" latinLnBrk="0" hangingPunct="1">
-              <a:lnSpc>
-                <a:spcPct val="100000"/>
-              </a:lnSpc>
-              <a:spcBef>
-                <a:spcPts val="0"/>
-              </a:spcBef>
-              <a:spcAft>
-                <a:spcPts val="0"/>
-              </a:spcAft>
-              <a:buClrTx/>
-              <a:buSzTx/>
-              <a:buFont typeface="Arial" panose="020B0604020202020204" pitchFamily="34" charset="0"/>
-              <a:buChar char="•"/>
-              <a:tabLst/>
-              <a:defRPr/>
-            </a:pPr>
-            <a:r>
-              <a:rPr lang="en-US" dirty="0" err="1" smtClean="0"/>
-              <a:t>RabbitMQ</a:t>
-            </a:r>
-            <a:r>
-              <a:rPr lang="en-US" dirty="0" smtClean="0"/>
-              <a:t> is the most widely deployed open source message broker.</a:t>
-            </a:r>
-          </a:p>
-          <a:p>
-            <a:pPr marL="285750" indent="-285750">
-              <a:buFont typeface="Arial" panose="020B0604020202020204" pitchFamily="34" charset="0"/>
-              <a:buChar char="•"/>
-            </a:pPr>
-            <a:r>
-              <a:rPr lang="en-US" sz="1600" b="0" i="0" kern="1200" dirty="0" smtClean="0">
-                <a:solidFill>
-                  <a:schemeClr val="tx1"/>
-                </a:solidFill>
-                <a:effectLst/>
-                <a:latin typeface="+mn-lt"/>
-                <a:ea typeface="+mn-ea"/>
-                <a:cs typeface="+mn-cs"/>
-              </a:rPr>
-              <a:t>35,000 production deployments of </a:t>
-            </a:r>
-            <a:r>
-              <a:rPr lang="en-US" sz="1600" b="0" i="0" kern="1200" dirty="0" err="1" smtClean="0">
-                <a:solidFill>
-                  <a:schemeClr val="tx1"/>
-                </a:solidFill>
-                <a:effectLst/>
-                <a:latin typeface="+mn-lt"/>
-                <a:ea typeface="+mn-ea"/>
-                <a:cs typeface="+mn-cs"/>
-              </a:rPr>
-              <a:t>RabbitMQ</a:t>
-            </a:r>
-            <a:endParaRPr lang="en-US" sz="1600" b="0" i="0" kern="1200" dirty="0" smtClean="0">
-              <a:solidFill>
-                <a:schemeClr val="tx1"/>
-              </a:solidFill>
-              <a:effectLst/>
-              <a:latin typeface="+mn-lt"/>
-              <a:ea typeface="+mn-ea"/>
-              <a:cs typeface="+mn-cs"/>
-            </a:endParaRPr>
-          </a:p>
-          <a:p>
-            <a:pPr marL="285750" marR="0" lvl="0" indent="-285750" algn="l" defTabSz="1218987" rtl="0" eaLnBrk="1" fontAlgn="auto" latinLnBrk="0" hangingPunct="1">
-              <a:lnSpc>
-                <a:spcPct val="100000"/>
-              </a:lnSpc>
-              <a:spcBef>
-                <a:spcPts val="0"/>
-              </a:spcBef>
-              <a:spcAft>
-                <a:spcPts val="0"/>
-              </a:spcAft>
-              <a:buClrTx/>
-              <a:buSzTx/>
-              <a:buFont typeface="Arial" panose="020B0604020202020204" pitchFamily="34" charset="0"/>
-              <a:buChar char="•"/>
-              <a:tabLst/>
-              <a:defRPr/>
-            </a:pPr>
-            <a:r>
-              <a:rPr lang="en-US" dirty="0" smtClean="0"/>
-              <a:t>AMQP 0-9-1 Protocol "core" protocol supported by the broker</a:t>
-            </a:r>
-          </a:p>
-          <a:p>
-            <a:pPr marL="0" marR="0" lvl="0" indent="0" algn="l" defTabSz="1218987" rtl="0" eaLnBrk="1" fontAlgn="auto" latinLnBrk="0" hangingPunct="1">
-              <a:lnSpc>
-                <a:spcPct val="100000"/>
-              </a:lnSpc>
-              <a:spcBef>
-                <a:spcPts val="0"/>
-              </a:spcBef>
-              <a:spcAft>
-                <a:spcPts val="0"/>
-              </a:spcAft>
-              <a:buClrTx/>
-              <a:buSzTx/>
-              <a:buFont typeface="Arial" panose="020B0604020202020204" pitchFamily="34" charset="0"/>
-              <a:buNone/>
-              <a:tabLst/>
-              <a:defRPr/>
-            </a:pPr>
-            <a:endParaRPr lang="en-US" dirty="0" smtClean="0"/>
-          </a:p>
-          <a:p>
-            <a:pPr marL="0" indent="0">
-              <a:buNone/>
-            </a:pPr>
-            <a:r>
-              <a:rPr lang="en-US" b="1" dirty="0" smtClean="0"/>
-              <a:t>What we currently use </a:t>
-            </a:r>
-            <a:r>
-              <a:rPr lang="en-US" b="1" dirty="0" err="1" smtClean="0"/>
-              <a:t>RabbitMQ</a:t>
-            </a:r>
-            <a:endParaRPr lang="en-US" b="1" dirty="0" smtClean="0"/>
-          </a:p>
-          <a:p>
-            <a:pPr marL="0" indent="0">
-              <a:buNone/>
-            </a:pPr>
-            <a:r>
-              <a:rPr lang="en-US" dirty="0" smtClean="0"/>
-              <a:t>3.7.7</a:t>
-            </a:r>
-          </a:p>
-          <a:p>
-            <a:pPr marL="0" indent="0">
-              <a:buNone/>
-            </a:pPr>
-            <a:r>
-              <a:rPr lang="en-US" dirty="0" smtClean="0"/>
-              <a:t>Clusters of 2 nodes in QE and above</a:t>
-            </a:r>
-            <a:r>
-              <a:rPr lang="en-US" baseline="0" dirty="0" smtClean="0"/>
-              <a:t> / just </a:t>
-            </a:r>
-            <a:r>
-              <a:rPr lang="en-US" baseline="0" dirty="0" err="1" smtClean="0"/>
-              <a:t>docker</a:t>
-            </a:r>
-            <a:r>
-              <a:rPr lang="en-US" baseline="0" dirty="0" smtClean="0"/>
-              <a:t> in lower</a:t>
-            </a:r>
-            <a:endParaRPr lang="en-US" dirty="0" smtClean="0"/>
-          </a:p>
-          <a:p>
-            <a:pPr marL="0" indent="0">
-              <a:buNone/>
-            </a:pPr>
-            <a:r>
-              <a:rPr lang="en-US" dirty="0" err="1" smtClean="0"/>
-              <a:t>HAProxy</a:t>
-            </a:r>
-            <a:r>
-              <a:rPr lang="en-US" dirty="0" smtClean="0"/>
-              <a:t> used as </a:t>
-            </a:r>
-            <a:r>
-              <a:rPr lang="en-US" dirty="0" err="1" smtClean="0"/>
-              <a:t>loadbalancer</a:t>
-            </a:r>
-            <a:r>
-              <a:rPr lang="en-US" dirty="0" smtClean="0"/>
-              <a:t> </a:t>
-            </a:r>
-            <a:r>
-              <a:rPr lang="en-US" dirty="0" err="1" smtClean="0"/>
-              <a:t>infront</a:t>
-            </a:r>
-            <a:r>
-              <a:rPr lang="en-US" dirty="0" smtClean="0"/>
-              <a:t> of </a:t>
-            </a:r>
-            <a:r>
-              <a:rPr lang="en-US" dirty="0" err="1" smtClean="0"/>
-              <a:t>RabbitMQ</a:t>
-            </a:r>
-            <a:r>
-              <a:rPr lang="en-US" dirty="0" smtClean="0"/>
-              <a:t> instances</a:t>
-            </a:r>
-          </a:p>
-          <a:p>
-            <a:pPr marL="0" indent="0">
-              <a:buNone/>
-            </a:pPr>
-            <a:r>
-              <a:rPr lang="en-US" dirty="0" smtClean="0"/>
-              <a:t>HA queues synced between nodes</a:t>
-            </a:r>
-          </a:p>
-          <a:p>
-            <a:pPr marL="285750" indent="-285750">
-              <a:buFont typeface="Arial" panose="020B0604020202020204" pitchFamily="34" charset="0"/>
-              <a:buChar char="•"/>
-            </a:pPr>
-            <a:endParaRPr lang="en-US" dirty="0" smtClean="0"/>
-          </a:p>
-          <a:p>
-            <a:endParaRPr lang="en-US" dirty="0"/>
+            <a:endParaRPr lang="en-US"/>
           </a:p>
         </p:txBody>
       </p:sp>
@@ -3364,7 +3452,7 @@
           <a:p>
             <a:fld id="{3EBA5BD7-F043-4D1B-AA17-CD412FC534DE}" type="slidenum">
               <a:rPr lang="en-US" smtClean="0"/>
-              <a:t>4</a:t>
+              <a:t>3</a:t>
             </a:fld>
             <a:endParaRPr lang="en-US"/>
           </a:p>
@@ -3373,7 +3461,7 @@
     </p:spTree>
     <p:extLst>
       <p:ext uri="{BB962C8B-B14F-4D97-AF65-F5344CB8AC3E}">
-        <p14:creationId xmlns:p14="http://schemas.microsoft.com/office/powerpoint/2010/main" val="2650121340"/>
+        <p14:creationId xmlns:p14="http://schemas.microsoft.com/office/powerpoint/2010/main" val="1960607745"/>
       </p:ext>
     </p:extLst>
   </p:cSld>
@@ -3427,137 +3515,221 @@
           <a:bodyPr/>
           <a:lstStyle/>
           <a:p>
-            <a:pPr marL="285750" marR="0" lvl="0" indent="-285750" algn="l" defTabSz="1218987" rtl="0" eaLnBrk="1" fontAlgn="auto" latinLnBrk="0" hangingPunct="1">
-              <a:lnSpc>
-                <a:spcPct val="100000"/>
-              </a:lnSpc>
-              <a:spcBef>
-                <a:spcPts val="0"/>
-              </a:spcBef>
-              <a:spcAft>
-                <a:spcPts val="0"/>
-              </a:spcAft>
-              <a:buClrTx/>
-              <a:buSzTx/>
+            <a:endParaRPr lang="en-US" baseline="0" dirty="0" smtClean="0"/>
+          </a:p>
+          <a:p>
+            <a:pPr marL="291179" indent="-291179" defTabSz="1242148">
               <a:buFont typeface="Arial" panose="020B0604020202020204" pitchFamily="34" charset="0"/>
               <a:buChar char="•"/>
-              <a:tabLst/>
               <a:defRPr/>
             </a:pPr>
             <a:r>
-              <a:rPr lang="en-US" sz="1600" b="0" i="0" kern="1200" dirty="0" err="1" smtClean="0">
-                <a:solidFill>
-                  <a:schemeClr val="tx1"/>
-                </a:solidFill>
-                <a:effectLst/>
-                <a:latin typeface="+mn-lt"/>
-                <a:ea typeface="+mn-ea"/>
-                <a:cs typeface="+mn-cs"/>
-              </a:rPr>
-              <a:t>docker</a:t>
-            </a:r>
-            <a:r>
-              <a:rPr lang="en-US" sz="1600" b="0" i="0" kern="1200" dirty="0" smtClean="0">
-                <a:solidFill>
-                  <a:schemeClr val="tx1"/>
-                </a:solidFill>
-                <a:effectLst/>
-                <a:latin typeface="+mn-lt"/>
-                <a:ea typeface="+mn-ea"/>
-                <a:cs typeface="+mn-cs"/>
-              </a:rPr>
-              <a:t> </a:t>
-            </a:r>
-            <a:r>
-              <a:rPr lang="en-US" sz="1600" b="0" i="0" kern="1200" dirty="0" smtClean="0">
-                <a:solidFill>
-                  <a:schemeClr val="tx1"/>
-                </a:solidFill>
-                <a:effectLst/>
-                <a:latin typeface="+mn-lt"/>
-                <a:ea typeface="+mn-ea"/>
-                <a:cs typeface="+mn-cs"/>
-              </a:rPr>
-              <a:t>run -d --</a:t>
-            </a:r>
-            <a:r>
-              <a:rPr lang="en-US" sz="1600" b="0" i="0" kern="1200" dirty="0" err="1" smtClean="0">
-                <a:solidFill>
-                  <a:schemeClr val="tx1"/>
-                </a:solidFill>
-                <a:effectLst/>
-                <a:latin typeface="+mn-lt"/>
-                <a:ea typeface="+mn-ea"/>
-                <a:cs typeface="+mn-cs"/>
-              </a:rPr>
-              <a:t>rm</a:t>
-            </a:r>
-            <a:r>
-              <a:rPr lang="en-US" sz="1600" b="0" i="0" kern="1200" dirty="0" smtClean="0">
-                <a:solidFill>
-                  <a:schemeClr val="tx1"/>
-                </a:solidFill>
-                <a:effectLst/>
-                <a:latin typeface="+mn-lt"/>
-                <a:ea typeface="+mn-ea"/>
-                <a:cs typeface="+mn-cs"/>
-              </a:rPr>
-              <a:t> -p 15672:15672 -p 5672:5672 -p 5671:5671 rabbitmq:3-management</a:t>
-            </a:r>
-            <a:endParaRPr lang="en-US" dirty="0" smtClean="0"/>
-          </a:p>
-          <a:p>
-            <a:pPr marL="285750" marR="0" lvl="0" indent="-285750" algn="l" defTabSz="1218987" rtl="0" eaLnBrk="1" fontAlgn="auto" latinLnBrk="0" hangingPunct="1">
-              <a:lnSpc>
-                <a:spcPct val="100000"/>
-              </a:lnSpc>
-              <a:spcBef>
-                <a:spcPts val="0"/>
-              </a:spcBef>
-              <a:spcAft>
-                <a:spcPts val="0"/>
-              </a:spcAft>
-              <a:buClrTx/>
-              <a:buSzTx/>
+              <a:rPr lang="en-US" dirty="0" smtClean="0"/>
+              <a:t>Open Source Messaging System (Message Broker)</a:t>
+            </a:r>
+          </a:p>
+          <a:p>
+            <a:pPr marL="291179" indent="-291179">
               <a:buFont typeface="Arial" panose="020B0604020202020204" pitchFamily="34" charset="0"/>
               <a:buChar char="•"/>
-              <a:tabLst/>
+            </a:pPr>
+            <a:r>
+              <a:rPr lang="en-US" dirty="0" smtClean="0"/>
+              <a:t>Developer centric API and docs are dev focused</a:t>
+            </a:r>
+          </a:p>
+          <a:p>
+            <a:pPr marL="291179" indent="-291179">
+              <a:buFont typeface="Arial" panose="020B0604020202020204" pitchFamily="34" charset="0"/>
+              <a:buChar char="•"/>
+            </a:pPr>
+            <a:r>
+              <a:rPr lang="en-US" dirty="0" smtClean="0"/>
+              <a:t>Clustering and High Availability</a:t>
+            </a:r>
+          </a:p>
+          <a:p>
+            <a:pPr marL="291179" indent="-291179">
+              <a:buFont typeface="Arial" panose="020B0604020202020204" pitchFamily="34" charset="0"/>
+              <a:buChar char="•"/>
+            </a:pPr>
+            <a:r>
+              <a:rPr lang="en-US" dirty="0" smtClean="0"/>
+              <a:t>Management UI and API</a:t>
+            </a:r>
+          </a:p>
+          <a:p>
+            <a:pPr marL="291179" indent="-291179">
+              <a:buFont typeface="Arial" panose="020B0604020202020204" pitchFamily="34" charset="0"/>
+              <a:buChar char="•"/>
+            </a:pPr>
+            <a:r>
+              <a:rPr lang="en-US" dirty="0" smtClean="0"/>
+              <a:t>Client Libraries</a:t>
+            </a:r>
+          </a:p>
+          <a:p>
+            <a:pPr marL="291179" indent="-291179">
+              <a:buFont typeface="Arial" panose="020B0604020202020204" pitchFamily="34" charset="0"/>
+              <a:buChar char="•"/>
+            </a:pPr>
+            <a:r>
+              <a:rPr lang="en-US" dirty="0" smtClean="0"/>
+              <a:t>Lots of useful plugins</a:t>
+            </a:r>
+          </a:p>
+          <a:p>
+            <a:pPr marL="291179" indent="-291179">
+              <a:buFont typeface="Arial" panose="020B0604020202020204" pitchFamily="34" charset="0"/>
+              <a:buChar char="•"/>
+            </a:pPr>
+            <a:r>
+              <a:rPr lang="en-US" dirty="0" smtClean="0"/>
+              <a:t>Docs examples user group </a:t>
+            </a:r>
+          </a:p>
+          <a:p>
+            <a:pPr marL="291179" indent="-291179" defTabSz="1242148">
+              <a:buFont typeface="Arial" panose="020B0604020202020204" pitchFamily="34" charset="0"/>
+              <a:buChar char="•"/>
               <a:defRPr/>
             </a:pPr>
             <a:r>
+              <a:rPr lang="en-US" dirty="0" smtClean="0"/>
+              <a:t>Started in 2008</a:t>
+            </a:r>
+          </a:p>
+          <a:p>
+            <a:pPr marL="291179" indent="-291179" defTabSz="1242148">
+              <a:buFont typeface="Arial" panose="020B0604020202020204" pitchFamily="34" charset="0"/>
+              <a:buChar char="•"/>
+              <a:defRPr/>
+            </a:pPr>
+            <a:r>
               <a:rPr lang="en-US" dirty="0" err="1" smtClean="0"/>
-              <a:t>CloudAMQP</a:t>
+              <a:t>RabbitMQ</a:t>
+            </a:r>
+            <a:r>
+              <a:rPr lang="en-US" dirty="0" smtClean="0"/>
+              <a:t> is the most widely deployed open source message broker.</a:t>
+            </a:r>
+          </a:p>
+          <a:p>
+            <a:pPr marL="291179" indent="-291179">
+              <a:buFont typeface="Arial" panose="020B0604020202020204" pitchFamily="34" charset="0"/>
+              <a:buChar char="•"/>
+            </a:pPr>
+            <a:r>
+              <a:rPr lang="en-US" dirty="0"/>
+              <a:t>35,000 production deployments of </a:t>
+            </a:r>
+            <a:r>
+              <a:rPr lang="en-US" dirty="0" err="1"/>
+              <a:t>RabbitMQ</a:t>
+            </a:r>
+            <a:endParaRPr lang="en-US" dirty="0"/>
+          </a:p>
+          <a:p>
+            <a:pPr marL="291179" indent="-291179" defTabSz="1242148">
+              <a:buFont typeface="Arial" panose="020B0604020202020204" pitchFamily="34" charset="0"/>
+              <a:buChar char="•"/>
+              <a:defRPr/>
+            </a:pPr>
+            <a:r>
+              <a:rPr lang="en-US" dirty="0" smtClean="0"/>
+              <a:t>AMQP 0-9-1 Protocol "core" protocol supported by the broker</a:t>
+            </a:r>
+          </a:p>
+          <a:p>
+            <a:pPr defTabSz="1242148">
+              <a:defRPr/>
+            </a:pPr>
+            <a:endParaRPr lang="en-US" dirty="0" smtClean="0"/>
+          </a:p>
+          <a:p>
+            <a:r>
+              <a:rPr lang="en-US" b="1" dirty="0" smtClean="0"/>
+              <a:t>What we currently use </a:t>
+            </a:r>
+            <a:r>
+              <a:rPr lang="en-US" b="1" dirty="0" err="1" smtClean="0"/>
+              <a:t>RabbitMQ</a:t>
+            </a:r>
+            <a:endParaRPr lang="en-US" b="1" dirty="0" smtClean="0"/>
+          </a:p>
+          <a:p>
+            <a:r>
+              <a:rPr lang="en-US" dirty="0" smtClean="0"/>
+              <a:t>3.7.7</a:t>
+            </a:r>
+          </a:p>
+          <a:p>
+            <a:r>
+              <a:rPr lang="en-US" dirty="0" smtClean="0"/>
+              <a:t>Clusters of 2 nodes in QE and above</a:t>
+            </a:r>
+            <a:r>
+              <a:rPr lang="en-US" baseline="0" dirty="0" smtClean="0"/>
+              <a:t> / just </a:t>
+            </a:r>
+            <a:r>
+              <a:rPr lang="en-US" baseline="0" dirty="0" err="1" smtClean="0"/>
+              <a:t>docker</a:t>
+            </a:r>
+            <a:r>
+              <a:rPr lang="en-US" baseline="0" dirty="0" smtClean="0"/>
+              <a:t> in lower</a:t>
+            </a:r>
+            <a:endParaRPr lang="en-US" dirty="0" smtClean="0"/>
+          </a:p>
+          <a:p>
+            <a:r>
+              <a:rPr lang="en-US" dirty="0" err="1" smtClean="0"/>
+              <a:t>HAProxy</a:t>
+            </a:r>
+            <a:r>
+              <a:rPr lang="en-US" dirty="0" smtClean="0"/>
+              <a:t> used as </a:t>
+            </a:r>
+            <a:r>
+              <a:rPr lang="en-US" dirty="0" err="1" smtClean="0"/>
+              <a:t>loadbalancer</a:t>
             </a:r>
             <a:r>
               <a:rPr lang="en-US" dirty="0" smtClean="0"/>
               <a:t> </a:t>
             </a:r>
             <a:r>
-              <a:rPr lang="en-US" dirty="0" smtClean="0">
-                <a:hlinkClick r:id="rId3"/>
-              </a:rPr>
-              <a:t>https://www.cloudamqp.com/</a:t>
-            </a:r>
-            <a:endParaRPr lang="en-US" dirty="0" smtClean="0"/>
-          </a:p>
-          <a:p>
-            <a:pPr marL="285750" marR="0" lvl="0" indent="-285750" algn="l" defTabSz="1218987" rtl="0" eaLnBrk="1" fontAlgn="auto" latinLnBrk="0" hangingPunct="1">
-              <a:lnSpc>
-                <a:spcPct val="100000"/>
-              </a:lnSpc>
-              <a:spcBef>
-                <a:spcPts val="0"/>
-              </a:spcBef>
-              <a:spcAft>
-                <a:spcPts val="0"/>
-              </a:spcAft>
-              <a:buClrTx/>
-              <a:buSzTx/>
+              <a:rPr lang="en-US" dirty="0" err="1" smtClean="0"/>
+              <a:t>infront</a:t>
+            </a:r>
+            <a:r>
+              <a:rPr lang="en-US" dirty="0" smtClean="0"/>
+              <a:t> of </a:t>
+            </a:r>
+            <a:r>
+              <a:rPr lang="en-US" dirty="0" err="1" smtClean="0"/>
+              <a:t>RabbitMQ</a:t>
+            </a:r>
+            <a:r>
+              <a:rPr lang="en-US" dirty="0" smtClean="0"/>
+              <a:t> instances</a:t>
+            </a:r>
+          </a:p>
+          <a:p>
+            <a:r>
+              <a:rPr lang="en-US" dirty="0" smtClean="0"/>
+              <a:t>HA queues synced between nodes</a:t>
+            </a:r>
+          </a:p>
+          <a:p>
+            <a:pPr marL="291179" indent="-291179">
               <a:buFont typeface="Arial" panose="020B0604020202020204" pitchFamily="34" charset="0"/>
               <a:buChar char="•"/>
-              <a:tabLst/>
-              <a:defRPr/>
             </a:pPr>
+            <a:endParaRPr lang="en-US" dirty="0" smtClean="0"/>
+          </a:p>
+          <a:p>
             <a:endParaRPr lang="en-US" dirty="0"/>
           </a:p>
         </p:txBody>
@@ -3579,7 +3751,7 @@
           <a:p>
             <a:fld id="{3EBA5BD7-F043-4D1B-AA17-CD412FC534DE}" type="slidenum">
               <a:rPr lang="en-US" smtClean="0"/>
-              <a:t>5</a:t>
+              <a:t>4</a:t>
             </a:fld>
             <a:endParaRPr lang="en-US"/>
           </a:p>
@@ -3588,7 +3760,7 @@
     </p:spTree>
     <p:extLst>
       <p:ext uri="{BB962C8B-B14F-4D97-AF65-F5344CB8AC3E}">
-        <p14:creationId xmlns:p14="http://schemas.microsoft.com/office/powerpoint/2010/main" val="346642253"/>
+        <p14:creationId xmlns:p14="http://schemas.microsoft.com/office/powerpoint/2010/main" val="2650121340"/>
       </p:ext>
     </p:extLst>
   </p:cSld>
@@ -3642,408 +3814,57 @@
           <a:bodyPr/>
           <a:lstStyle/>
           <a:p>
+            <a:pPr marL="291179" indent="-291179" defTabSz="1242148">
+              <a:buFont typeface="Arial" panose="020B0604020202020204" pitchFamily="34" charset="0"/>
+              <a:buChar char="•"/>
+              <a:defRPr/>
+            </a:pPr>
+            <a:r>
+              <a:rPr lang="en-US" dirty="0" err="1"/>
+              <a:t>docker</a:t>
+            </a:r>
+            <a:r>
+              <a:rPr lang="en-US" dirty="0"/>
+              <a:t> run -d --</a:t>
+            </a:r>
+            <a:r>
+              <a:rPr lang="en-US" dirty="0" err="1"/>
+              <a:t>rm</a:t>
+            </a:r>
+            <a:r>
+              <a:rPr lang="en-US" dirty="0"/>
+              <a:t> -p 15672:15672 -p 5672:5672 -p 5671:5671 rabbitmq:3-management</a:t>
+            </a:r>
             <a:endParaRPr lang="en-US" dirty="0" smtClean="0"/>
           </a:p>
           <a:p>
-            <a:r>
-              <a:rPr lang="en-US" sz="1600" b="0" i="0" kern="1200" dirty="0" smtClean="0">
-                <a:solidFill>
-                  <a:schemeClr val="tx1"/>
-                </a:solidFill>
-                <a:effectLst/>
-                <a:latin typeface="+mn-lt"/>
-                <a:ea typeface="+mn-ea"/>
-                <a:cs typeface="+mn-cs"/>
+            <a:pPr marL="291179" indent="-291179" defTabSz="1242148">
+              <a:buFont typeface="Arial" panose="020B0604020202020204" pitchFamily="34" charset="0"/>
+              <a:buChar char="•"/>
+              <a:defRPr/>
+            </a:pPr>
+            <a:r>
+              <a:rPr lang="en-US" dirty="0" err="1" smtClean="0"/>
+              <a:t>CloudAMQP</a:t>
+            </a:r>
+            <a:r>
+              <a:rPr lang="en-US" dirty="0" smtClean="0"/>
+              <a:t> </a:t>
+            </a:r>
+            <a:r>
+              <a:rPr lang="en-US" dirty="0" smtClean="0">
+                <a:hlinkClick r:id="rId3"/>
               </a:rPr>
-              <a:t>AMQP was originated in 2003 by John O'Hara at </a:t>
-            </a:r>
-            <a:r>
-              <a:rPr lang="en-US" sz="1600" b="0" i="0" u="none" strike="noStrike" kern="1200" dirty="0" smtClean="0">
-                <a:solidFill>
-                  <a:schemeClr val="tx1"/>
-                </a:solidFill>
-                <a:effectLst/>
-                <a:latin typeface="+mn-lt"/>
-                <a:ea typeface="+mn-ea"/>
-                <a:cs typeface="+mn-cs"/>
-              </a:rPr>
-              <a:t>JPMorgan Chase</a:t>
-            </a:r>
-            <a:r>
-              <a:rPr lang="en-US" sz="1600" b="0" i="0" kern="1200" dirty="0" smtClean="0">
-                <a:solidFill>
-                  <a:schemeClr val="tx1"/>
-                </a:solidFill>
-                <a:effectLst/>
-                <a:latin typeface="+mn-lt"/>
-                <a:ea typeface="+mn-ea"/>
-                <a:cs typeface="+mn-cs"/>
-              </a:rPr>
-              <a:t> in </a:t>
-            </a:r>
-            <a:r>
-              <a:rPr lang="en-US" sz="1600" b="0" i="0" u="none" strike="noStrike" kern="1200" dirty="0" smtClean="0">
-                <a:solidFill>
-                  <a:schemeClr val="tx1"/>
-                </a:solidFill>
-                <a:effectLst/>
-                <a:latin typeface="+mn-lt"/>
-                <a:ea typeface="+mn-ea"/>
-                <a:cs typeface="+mn-cs"/>
-              </a:rPr>
-              <a:t>London</a:t>
-            </a:r>
-            <a:r>
-              <a:rPr lang="en-US" sz="1600" b="0" i="0" kern="1200" dirty="0" smtClean="0">
-                <a:solidFill>
-                  <a:schemeClr val="tx1"/>
-                </a:solidFill>
-                <a:effectLst/>
-                <a:latin typeface="+mn-lt"/>
-                <a:ea typeface="+mn-ea"/>
-                <a:cs typeface="+mn-cs"/>
-              </a:rPr>
-              <a:t>.</a:t>
-            </a:r>
-          </a:p>
-          <a:p>
-            <a:endParaRPr lang="en-US" sz="1600" b="0" i="0" kern="1200" dirty="0" smtClean="0">
-              <a:solidFill>
-                <a:schemeClr val="tx1"/>
-              </a:solidFill>
-              <a:effectLst/>
-              <a:latin typeface="+mn-lt"/>
-              <a:ea typeface="+mn-ea"/>
-              <a:cs typeface="+mn-cs"/>
-            </a:endParaRPr>
-          </a:p>
-          <a:p>
-            <a:r>
-              <a:rPr lang="en-US" sz="1600" b="0" i="0" kern="1200" dirty="0" smtClean="0">
-                <a:solidFill>
-                  <a:schemeClr val="tx1"/>
-                </a:solidFill>
-                <a:effectLst/>
-                <a:latin typeface="+mn-lt"/>
-                <a:ea typeface="+mn-ea"/>
-                <a:cs typeface="+mn-cs"/>
-              </a:rPr>
-              <a:t> In 2005 JPMorgan Chase approached other firms to form a working group </a:t>
-            </a:r>
-            <a:r>
-              <a:rPr lang="en-US" sz="1600" b="0" i="0" u="none" strike="noStrike" kern="1200" dirty="0" smtClean="0">
-                <a:solidFill>
-                  <a:schemeClr val="tx1"/>
-                </a:solidFill>
-                <a:effectLst/>
-                <a:latin typeface="+mn-lt"/>
-                <a:ea typeface="+mn-ea"/>
-                <a:cs typeface="+mn-cs"/>
-              </a:rPr>
-              <a:t>Cisco Systems</a:t>
-            </a:r>
-            <a:r>
-              <a:rPr lang="en-US" sz="1600" b="0" i="0" kern="1200" dirty="0" smtClean="0">
-                <a:solidFill>
-                  <a:schemeClr val="tx1"/>
-                </a:solidFill>
-                <a:effectLst/>
-                <a:latin typeface="+mn-lt"/>
-                <a:ea typeface="+mn-ea"/>
-                <a:cs typeface="+mn-cs"/>
-              </a:rPr>
-              <a:t>, </a:t>
-            </a:r>
-            <a:r>
-              <a:rPr lang="en-US" sz="1600" b="0" i="0" u="none" strike="noStrike" kern="1200" dirty="0" smtClean="0">
-                <a:solidFill>
-                  <a:schemeClr val="tx1"/>
-                </a:solidFill>
-                <a:effectLst/>
-                <a:latin typeface="+mn-lt"/>
-                <a:ea typeface="+mn-ea"/>
-                <a:cs typeface="+mn-cs"/>
-              </a:rPr>
-              <a:t>Red Hat</a:t>
-            </a:r>
-            <a:r>
-              <a:rPr lang="en-US" sz="1600" b="0" i="0" kern="1200" dirty="0" smtClean="0">
-                <a:solidFill>
-                  <a:schemeClr val="tx1"/>
-                </a:solidFill>
-                <a:effectLst/>
-                <a:latin typeface="+mn-lt"/>
-                <a:ea typeface="+mn-ea"/>
-                <a:cs typeface="+mn-cs"/>
-              </a:rPr>
-              <a:t>, </a:t>
-            </a:r>
-            <a:r>
-              <a:rPr lang="en-US" sz="1600" b="0" i="0" kern="1200" dirty="0" err="1" smtClean="0">
-                <a:solidFill>
-                  <a:schemeClr val="tx1"/>
-                </a:solidFill>
-                <a:effectLst/>
-                <a:latin typeface="+mn-lt"/>
-                <a:ea typeface="+mn-ea"/>
-                <a:cs typeface="+mn-cs"/>
-              </a:rPr>
-              <a:t>etc</a:t>
-            </a:r>
-            <a:endParaRPr lang="en-US" sz="1600" b="0" i="0" kern="1200" dirty="0" smtClean="0">
-              <a:solidFill>
-                <a:schemeClr val="tx1"/>
-              </a:solidFill>
-              <a:effectLst/>
-              <a:latin typeface="+mn-lt"/>
-              <a:ea typeface="+mn-ea"/>
-              <a:cs typeface="+mn-cs"/>
-            </a:endParaRPr>
-          </a:p>
-          <a:p>
-            <a:r>
-              <a:rPr lang="en-US" sz="1600" b="0" i="0" kern="1200" dirty="0" smtClean="0">
-                <a:solidFill>
-                  <a:schemeClr val="tx1"/>
-                </a:solidFill>
-                <a:effectLst/>
-                <a:latin typeface="+mn-lt"/>
-                <a:ea typeface="+mn-ea"/>
-                <a:cs typeface="+mn-cs"/>
-              </a:rPr>
-              <a:t> </a:t>
-            </a:r>
-          </a:p>
-          <a:p>
-            <a:r>
-              <a:rPr lang="en-US" sz="1600" b="0" i="0" u="none" strike="noStrike" kern="1200" dirty="0" err="1" smtClean="0">
-                <a:solidFill>
-                  <a:schemeClr val="tx1"/>
-                </a:solidFill>
-                <a:effectLst/>
-                <a:latin typeface="+mn-lt"/>
-                <a:ea typeface="+mn-ea"/>
-                <a:cs typeface="+mn-cs"/>
-              </a:rPr>
-              <a:t>RabbitMQ</a:t>
-            </a:r>
-            <a:r>
-              <a:rPr lang="en-US" sz="1600" b="0" i="0" kern="1200" dirty="0" smtClean="0">
-                <a:solidFill>
-                  <a:schemeClr val="tx1"/>
-                </a:solidFill>
-                <a:effectLst/>
-                <a:latin typeface="+mn-lt"/>
-                <a:ea typeface="+mn-ea"/>
-                <a:cs typeface="+mn-cs"/>
-              </a:rPr>
-              <a:t> was developed in </a:t>
-            </a:r>
-            <a:r>
-              <a:rPr lang="en-US" sz="1600" b="0" i="0" u="none" strike="noStrike" kern="1200" dirty="0" err="1" smtClean="0">
-                <a:solidFill>
-                  <a:schemeClr val="tx1"/>
-                </a:solidFill>
-                <a:effectLst/>
-                <a:latin typeface="+mn-lt"/>
-                <a:ea typeface="+mn-ea"/>
-                <a:cs typeface="+mn-cs"/>
-              </a:rPr>
-              <a:t>Erlang</a:t>
-            </a:r>
-            <a:r>
-              <a:rPr lang="en-US" sz="1600" b="0" i="0" kern="1200" dirty="0" smtClean="0">
-                <a:solidFill>
-                  <a:schemeClr val="tx1"/>
-                </a:solidFill>
-                <a:effectLst/>
-                <a:latin typeface="+mn-lt"/>
-                <a:ea typeface="+mn-ea"/>
-                <a:cs typeface="+mn-cs"/>
-              </a:rPr>
-              <a:t> by Rabbit Technologies</a:t>
-            </a:r>
-          </a:p>
-          <a:p>
-            <a:endParaRPr lang="en-US" sz="1600" b="0" i="0" kern="1200" dirty="0" smtClean="0">
-              <a:solidFill>
-                <a:schemeClr val="tx1"/>
-              </a:solidFill>
-              <a:effectLst/>
-              <a:latin typeface="+mn-lt"/>
-              <a:ea typeface="+mn-ea"/>
-              <a:cs typeface="+mn-cs"/>
-            </a:endParaRPr>
-          </a:p>
-          <a:p>
-            <a:r>
-              <a:rPr lang="en-US" sz="1600" b="0" i="0" kern="1200" dirty="0" smtClean="0">
-                <a:solidFill>
-                  <a:schemeClr val="tx1"/>
-                </a:solidFill>
-                <a:effectLst/>
-                <a:latin typeface="+mn-lt"/>
-                <a:ea typeface="+mn-ea"/>
-                <a:cs typeface="+mn-cs"/>
-              </a:rPr>
-              <a:t>The working group grew to 23 companies</a:t>
-            </a:r>
-          </a:p>
-          <a:p>
-            <a:endParaRPr lang="en-US" sz="1600" b="0" i="0" kern="1200" dirty="0" smtClean="0">
-              <a:solidFill>
-                <a:schemeClr val="tx1"/>
-              </a:solidFill>
-              <a:effectLst/>
-              <a:latin typeface="+mn-lt"/>
-              <a:ea typeface="+mn-ea"/>
-              <a:cs typeface="+mn-cs"/>
-            </a:endParaRPr>
-          </a:p>
-          <a:p>
-            <a:r>
-              <a:rPr lang="en-US" sz="1600" b="0" i="0" kern="1200" dirty="0" smtClean="0">
-                <a:solidFill>
-                  <a:schemeClr val="tx1"/>
-                </a:solidFill>
-                <a:effectLst/>
-                <a:latin typeface="+mn-lt"/>
-                <a:ea typeface="+mn-ea"/>
-                <a:cs typeface="+mn-cs"/>
-              </a:rPr>
-              <a:t>In August 2011, the AMQP working group announced its reorganization into an </a:t>
-            </a:r>
-            <a:r>
-              <a:rPr lang="en-US" sz="1600" b="0" i="0" u="none" strike="noStrike" kern="1200" dirty="0" smtClean="0">
-                <a:solidFill>
-                  <a:schemeClr val="tx1"/>
-                </a:solidFill>
-                <a:effectLst/>
-                <a:latin typeface="+mn-lt"/>
-                <a:ea typeface="+mn-ea"/>
-                <a:cs typeface="+mn-cs"/>
-              </a:rPr>
-              <a:t>OASIS</a:t>
-            </a:r>
-            <a:r>
-              <a:rPr lang="en-US" sz="1600" b="0" i="0" u="none" strike="noStrike" kern="1200" baseline="0" dirty="0" smtClean="0">
-                <a:solidFill>
-                  <a:schemeClr val="tx1"/>
-                </a:solidFill>
-                <a:effectLst/>
-                <a:latin typeface="+mn-lt"/>
-                <a:ea typeface="+mn-ea"/>
-                <a:cs typeface="+mn-cs"/>
-              </a:rPr>
-              <a:t> </a:t>
-            </a:r>
-            <a:r>
-              <a:rPr lang="en-US" sz="1600" b="0" i="0" kern="1200" dirty="0" smtClean="0">
-                <a:solidFill>
-                  <a:schemeClr val="tx1"/>
-                </a:solidFill>
-                <a:effectLst/>
-                <a:latin typeface="+mn-lt"/>
-                <a:ea typeface="+mn-ea"/>
-                <a:cs typeface="+mn-cs"/>
-              </a:rPr>
-              <a:t>member section.</a:t>
-            </a:r>
-            <a:endParaRPr lang="en-US" sz="1600" b="0" i="0" u="none" strike="noStrike" kern="1200" baseline="30000" dirty="0" smtClean="0">
-              <a:solidFill>
-                <a:schemeClr val="tx1"/>
-              </a:solidFill>
-              <a:effectLst/>
-              <a:latin typeface="+mn-lt"/>
-              <a:ea typeface="+mn-ea"/>
-              <a:cs typeface="+mn-cs"/>
-            </a:endParaRPr>
-          </a:p>
-          <a:p>
+              <a:t>https://www.cloudamqp.com/</a:t>
+            </a:r>
             <a:endParaRPr lang="en-US" dirty="0" smtClean="0"/>
           </a:p>
           <a:p>
-            <a:r>
-              <a:rPr lang="en-US" dirty="0" err="1" smtClean="0"/>
-              <a:t>RabbitMQ</a:t>
-            </a:r>
-            <a:r>
-              <a:rPr lang="en-US" dirty="0" smtClean="0"/>
-              <a:t> - </a:t>
-            </a:r>
-            <a:r>
-              <a:rPr lang="en-US" sz="1600" b="0" i="0" kern="1200" dirty="0" smtClean="0">
-                <a:solidFill>
-                  <a:schemeClr val="tx1"/>
-                </a:solidFill>
-                <a:effectLst/>
-                <a:latin typeface="+mn-lt"/>
-                <a:ea typeface="+mn-ea"/>
-                <a:cs typeface="+mn-cs"/>
-              </a:rPr>
-              <a:t>primarily supports AMQP 0-9-1, with 1.0 via experimental plugin</a:t>
-            </a:r>
-          </a:p>
-          <a:p>
-            <a:endParaRPr lang="en-US" sz="1600" b="0" i="0" kern="1200" dirty="0" smtClean="0">
-              <a:solidFill>
-                <a:schemeClr val="tx1"/>
-              </a:solidFill>
-              <a:effectLst/>
-              <a:latin typeface="+mn-lt"/>
-              <a:ea typeface="+mn-ea"/>
-              <a:cs typeface="+mn-cs"/>
-            </a:endParaRPr>
-          </a:p>
-          <a:p>
-            <a:r>
-              <a:rPr lang="en-US" sz="1600" b="0" i="0" kern="1200" dirty="0" smtClean="0">
-                <a:solidFill>
-                  <a:schemeClr val="tx1"/>
-                </a:solidFill>
-                <a:effectLst/>
-                <a:latin typeface="+mn-lt"/>
-                <a:ea typeface="+mn-ea"/>
-                <a:cs typeface="+mn-cs"/>
-              </a:rPr>
-              <a:t>PL – Java</a:t>
-            </a:r>
-            <a:r>
-              <a:rPr lang="en-US" sz="1600" b="0" i="0" kern="1200" baseline="0" dirty="0" smtClean="0">
-                <a:solidFill>
-                  <a:schemeClr val="tx1"/>
-                </a:solidFill>
-                <a:effectLst/>
-                <a:latin typeface="+mn-lt"/>
-                <a:ea typeface="+mn-ea"/>
-                <a:cs typeface="+mn-cs"/>
-              </a:rPr>
-              <a:t>, </a:t>
-            </a:r>
-            <a:r>
-              <a:rPr lang="en-US" sz="1600" b="0" i="0" kern="1200" baseline="0" dirty="0" err="1" smtClean="0">
-                <a:solidFill>
-                  <a:schemeClr val="tx1"/>
-                </a:solidFill>
-                <a:effectLst/>
-                <a:latin typeface="+mn-lt"/>
-                <a:ea typeface="+mn-ea"/>
-                <a:cs typeface="+mn-cs"/>
-              </a:rPr>
-              <a:t>.Net</a:t>
-            </a:r>
-            <a:r>
-              <a:rPr lang="en-US" sz="1600" b="0" i="0" kern="1200" baseline="0" dirty="0" smtClean="0">
-                <a:solidFill>
-                  <a:schemeClr val="tx1"/>
-                </a:solidFill>
-                <a:effectLst/>
-                <a:latin typeface="+mn-lt"/>
-                <a:ea typeface="+mn-ea"/>
-                <a:cs typeface="+mn-cs"/>
-              </a:rPr>
-              <a:t>, Windows, and Linux.</a:t>
-            </a:r>
+            <a:pPr marL="291179" indent="-291179" defTabSz="1242148">
+              <a:buFont typeface="Arial" panose="020B0604020202020204" pitchFamily="34" charset="0"/>
+              <a:buChar char="•"/>
+              <a:defRPr/>
+            </a:pPr>
             <a:endParaRPr lang="en-US" dirty="0"/>
           </a:p>
         </p:txBody>
@@ -4065,7 +3886,7 @@
           <a:p>
             <a:fld id="{3EBA5BD7-F043-4D1B-AA17-CD412FC534DE}" type="slidenum">
               <a:rPr lang="en-US" smtClean="0"/>
-              <a:t>6</a:t>
+              <a:t>5</a:t>
             </a:fld>
             <a:endParaRPr lang="en-US"/>
           </a:p>
@@ -4074,7 +3895,7 @@
     </p:spTree>
     <p:extLst>
       <p:ext uri="{BB962C8B-B14F-4D97-AF65-F5344CB8AC3E}">
-        <p14:creationId xmlns:p14="http://schemas.microsoft.com/office/powerpoint/2010/main" val="1067361509"/>
+        <p14:creationId xmlns:p14="http://schemas.microsoft.com/office/powerpoint/2010/main" val="346642253"/>
       </p:ext>
     </p:extLst>
   </p:cSld>
@@ -4128,279 +3949,103 @@
           <a:bodyPr/>
           <a:lstStyle/>
           <a:p>
-            <a:r>
-              <a:rPr lang="en-US" sz="1600" b="0" i="0" kern="1200" dirty="0" smtClean="0">
-                <a:solidFill>
-                  <a:schemeClr val="tx1"/>
-                </a:solidFill>
-                <a:effectLst/>
-                <a:latin typeface="+mn-lt"/>
-                <a:ea typeface="+mn-ea"/>
-                <a:cs typeface="+mn-cs"/>
-              </a:rPr>
-              <a:t>Distributed systems</a:t>
-            </a:r>
-            <a:r>
-              <a:rPr lang="en-US" sz="1600" b="0" i="0" kern="1200" baseline="0" dirty="0" smtClean="0">
-                <a:solidFill>
-                  <a:schemeClr val="tx1"/>
-                </a:solidFill>
-                <a:effectLst/>
-                <a:latin typeface="+mn-lt"/>
-                <a:ea typeface="+mn-ea"/>
-                <a:cs typeface="+mn-cs"/>
-              </a:rPr>
+            <a:endParaRPr lang="en-US" dirty="0" smtClean="0"/>
+          </a:p>
+          <a:p>
+            <a:r>
+              <a:rPr lang="en-US" dirty="0"/>
+              <a:t>AMQP was originated in 2003 by John O'Hara at JPMorgan Chase in London.</a:t>
+            </a:r>
+          </a:p>
+          <a:p>
+            <a:endParaRPr lang="en-US" dirty="0"/>
+          </a:p>
+          <a:p>
+            <a:r>
+              <a:rPr lang="en-US" dirty="0"/>
+              <a:t> In 2005 JPMorgan Chase approached other firms to form a working group Cisco Systems, Red Hat, </a:t>
+            </a:r>
+            <a:r>
+              <a:rPr lang="en-US" dirty="0" err="1"/>
+              <a:t>etc</a:t>
+            </a:r>
+            <a:endParaRPr lang="en-US" dirty="0"/>
+          </a:p>
+          <a:p>
+            <a:r>
+              <a:rPr lang="en-US" dirty="0"/>
+              <a:t> </a:t>
+            </a:r>
+          </a:p>
+          <a:p>
+            <a:r>
+              <a:rPr lang="en-US" dirty="0" err="1"/>
+              <a:t>RabbitMQ</a:t>
+            </a:r>
+            <a:r>
+              <a:rPr lang="en-US" dirty="0"/>
+              <a:t> was developed in </a:t>
+            </a:r>
+            <a:r>
+              <a:rPr lang="en-US" dirty="0" err="1"/>
+              <a:t>Erlang</a:t>
+            </a:r>
+            <a:r>
+              <a:rPr lang="en-US" dirty="0"/>
+              <a:t> by Rabbit Technologies</a:t>
+            </a:r>
+          </a:p>
+          <a:p>
+            <a:endParaRPr lang="en-US" dirty="0"/>
+          </a:p>
+          <a:p>
+            <a:r>
+              <a:rPr lang="en-US" dirty="0"/>
+              <a:t>The working group grew to 23 companies</a:t>
+            </a:r>
+          </a:p>
+          <a:p>
+            <a:endParaRPr lang="en-US" dirty="0"/>
+          </a:p>
+          <a:p>
+            <a:r>
+              <a:rPr lang="en-US" dirty="0"/>
+              <a:t>In August 2011, the AMQP working group announced its reorganization into an OASIS member section.</a:t>
+            </a:r>
+            <a:endParaRPr lang="en-US" baseline="30000" dirty="0"/>
+          </a:p>
+          <a:p>
+            <a:endParaRPr lang="en-US" dirty="0" smtClean="0"/>
+          </a:p>
+          <a:p>
+            <a:r>
+              <a:rPr lang="en-US" dirty="0" err="1" smtClean="0"/>
+              <a:t>RabbitMQ</a:t>
+            </a:r>
+            <a:r>
+              <a:rPr lang="en-US" dirty="0" smtClean="0"/>
               <a:t> - </a:t>
             </a:r>
             <a:r>
-              <a:rPr lang="en-US" sz="1600" b="0" i="0" kern="1200" dirty="0" smtClean="0">
-                <a:solidFill>
-                  <a:schemeClr val="tx1"/>
-                </a:solidFill>
-                <a:effectLst/>
-                <a:latin typeface="+mn-lt"/>
-                <a:ea typeface="+mn-ea"/>
-                <a:cs typeface="+mn-cs"/>
-              </a:rPr>
-              <a:t>messages sent are not guaranteed to reach the peer or be successfully processed by it</a:t>
-            </a:r>
-          </a:p>
-          <a:p>
-            <a:endParaRPr lang="en-US" sz="1600" b="0" i="0" kern="1200" dirty="0" smtClean="0">
-              <a:solidFill>
-                <a:schemeClr val="tx1"/>
-              </a:solidFill>
-              <a:effectLst/>
-              <a:latin typeface="+mn-lt"/>
-              <a:ea typeface="+mn-ea"/>
-              <a:cs typeface="+mn-cs"/>
-            </a:endParaRPr>
-          </a:p>
-          <a:p>
-            <a:r>
-              <a:rPr lang="en-US" sz="1600" b="0" i="0" kern="1200" dirty="0" smtClean="0">
-                <a:solidFill>
-                  <a:schemeClr val="tx1"/>
-                </a:solidFill>
-                <a:effectLst/>
-                <a:latin typeface="+mn-lt"/>
-                <a:ea typeface="+mn-ea"/>
-                <a:cs typeface="+mn-cs"/>
-              </a:rPr>
-              <a:t>broker acknowledgements to publishers are a protocol extension called publisher confirms.</a:t>
-            </a:r>
-          </a:p>
-          <a:p>
-            <a:endParaRPr lang="en-US" sz="1600" b="0" i="0" kern="1200" dirty="0" smtClean="0">
-              <a:solidFill>
-                <a:schemeClr val="tx1"/>
-              </a:solidFill>
-              <a:effectLst/>
-              <a:latin typeface="+mn-lt"/>
-              <a:ea typeface="+mn-ea"/>
-              <a:cs typeface="+mn-cs"/>
-            </a:endParaRPr>
-          </a:p>
-          <a:p>
-            <a:endParaRPr lang="en-US" sz="1600" b="0" i="0" kern="1200" dirty="0" smtClean="0">
-              <a:solidFill>
-                <a:schemeClr val="tx1"/>
-              </a:solidFill>
-              <a:effectLst/>
-              <a:latin typeface="+mn-lt"/>
-              <a:ea typeface="+mn-ea"/>
-              <a:cs typeface="+mn-cs"/>
-            </a:endParaRPr>
-          </a:p>
-          <a:p>
-            <a:r>
-              <a:rPr lang="en-US" sz="1600" b="0" i="0" kern="1200" dirty="0" smtClean="0">
-                <a:solidFill>
-                  <a:schemeClr val="tx1"/>
-                </a:solidFill>
-                <a:effectLst/>
-                <a:latin typeface="+mn-lt"/>
-                <a:ea typeface="+mn-ea"/>
-                <a:cs typeface="+mn-cs"/>
-              </a:rPr>
-              <a:t>Both features build on the same idea and are inspired by TCP. They are essential for reliable delivery both from publishers to </a:t>
-            </a:r>
-            <a:r>
-              <a:rPr lang="en-US" sz="1600" b="0" i="0" kern="1200" dirty="0" err="1" smtClean="0">
-                <a:solidFill>
-                  <a:schemeClr val="tx1"/>
-                </a:solidFill>
-                <a:effectLst/>
-                <a:latin typeface="+mn-lt"/>
-                <a:ea typeface="+mn-ea"/>
-                <a:cs typeface="+mn-cs"/>
-              </a:rPr>
-              <a:t>RabbitMQ</a:t>
-            </a:r>
-            <a:r>
-              <a:rPr lang="en-US" sz="1600" b="0" i="0" kern="1200" dirty="0" smtClean="0">
-                <a:solidFill>
-                  <a:schemeClr val="tx1"/>
-                </a:solidFill>
-                <a:effectLst/>
-                <a:latin typeface="+mn-lt"/>
-                <a:ea typeface="+mn-ea"/>
-                <a:cs typeface="+mn-cs"/>
-              </a:rPr>
-              <a:t> nodes and from </a:t>
-            </a:r>
-            <a:r>
-              <a:rPr lang="en-US" sz="1600" b="0" i="0" kern="1200" dirty="0" err="1" smtClean="0">
-                <a:solidFill>
-                  <a:schemeClr val="tx1"/>
-                </a:solidFill>
-                <a:effectLst/>
-                <a:latin typeface="+mn-lt"/>
-                <a:ea typeface="+mn-ea"/>
-                <a:cs typeface="+mn-cs"/>
-              </a:rPr>
-              <a:t>RabbitMQ</a:t>
-            </a:r>
-            <a:r>
-              <a:rPr lang="en-US" sz="1600" b="0" i="0" kern="1200" dirty="0" smtClean="0">
-                <a:solidFill>
-                  <a:schemeClr val="tx1"/>
-                </a:solidFill>
-                <a:effectLst/>
-                <a:latin typeface="+mn-lt"/>
-                <a:ea typeface="+mn-ea"/>
-                <a:cs typeface="+mn-cs"/>
-              </a:rPr>
-              <a:t> nodes to consumers.</a:t>
-            </a:r>
-          </a:p>
-          <a:p>
-            <a:endParaRPr lang="en-US" dirty="0" smtClean="0"/>
-          </a:p>
-          <a:p>
-            <a:endParaRPr lang="en-US" dirty="0" smtClean="0"/>
-          </a:p>
-          <a:p>
-            <a:r>
-              <a:rPr lang="en-US" sz="1600" b="0" i="0" kern="1200" dirty="0" smtClean="0">
-                <a:solidFill>
-                  <a:schemeClr val="tx1"/>
-                </a:solidFill>
-                <a:effectLst/>
-                <a:latin typeface="+mn-lt"/>
-                <a:ea typeface="+mn-ea"/>
-                <a:cs typeface="+mn-cs"/>
-              </a:rPr>
-              <a:t>If a consumer dies (its channel is closed, connection is closed, or TCP connection is lost) without sending an </a:t>
-            </a:r>
-            <a:r>
-              <a:rPr lang="en-US" sz="1600" b="0" i="0" kern="1200" dirty="0" err="1" smtClean="0">
-                <a:solidFill>
-                  <a:schemeClr val="tx1"/>
-                </a:solidFill>
-                <a:effectLst/>
-                <a:latin typeface="+mn-lt"/>
-                <a:ea typeface="+mn-ea"/>
-                <a:cs typeface="+mn-cs"/>
-              </a:rPr>
-              <a:t>ack</a:t>
-            </a:r>
-            <a:r>
-              <a:rPr lang="en-US" sz="1600" b="0" i="0" kern="1200" dirty="0" smtClean="0">
-                <a:solidFill>
-                  <a:schemeClr val="tx1"/>
-                </a:solidFill>
-                <a:effectLst/>
-                <a:latin typeface="+mn-lt"/>
-                <a:ea typeface="+mn-ea"/>
-                <a:cs typeface="+mn-cs"/>
-              </a:rPr>
-              <a:t>, </a:t>
-            </a:r>
-            <a:r>
-              <a:rPr lang="en-US" sz="1600" b="0" i="0" kern="1200" dirty="0" err="1" smtClean="0">
-                <a:solidFill>
-                  <a:schemeClr val="tx1"/>
-                </a:solidFill>
-                <a:effectLst/>
-                <a:latin typeface="+mn-lt"/>
-                <a:ea typeface="+mn-ea"/>
-                <a:cs typeface="+mn-cs"/>
-              </a:rPr>
-              <a:t>RabbitMQ</a:t>
-            </a:r>
-            <a:r>
-              <a:rPr lang="en-US" sz="1600" b="0" i="0" kern="1200" dirty="0" smtClean="0">
-                <a:solidFill>
-                  <a:schemeClr val="tx1"/>
-                </a:solidFill>
-                <a:effectLst/>
-                <a:latin typeface="+mn-lt"/>
-                <a:ea typeface="+mn-ea"/>
-                <a:cs typeface="+mn-cs"/>
-              </a:rPr>
-              <a:t> will understand that a message wasn't processed fully and will re-queue it.</a:t>
-            </a:r>
-          </a:p>
-          <a:p>
-            <a:endParaRPr lang="en-US" sz="1600" b="0" i="0" kern="1200" dirty="0" smtClean="0">
-              <a:solidFill>
-                <a:schemeClr val="tx1"/>
-              </a:solidFill>
-              <a:effectLst/>
-              <a:latin typeface="+mn-lt"/>
-              <a:ea typeface="+mn-ea"/>
-              <a:cs typeface="+mn-cs"/>
-            </a:endParaRPr>
-          </a:p>
-          <a:p>
-            <a:r>
-              <a:rPr lang="en-US" sz="1600" b="0" i="0" kern="1200" dirty="0" smtClean="0">
-                <a:solidFill>
-                  <a:schemeClr val="tx1"/>
-                </a:solidFill>
-                <a:effectLst/>
-                <a:latin typeface="+mn-lt"/>
-                <a:ea typeface="+mn-ea"/>
-                <a:cs typeface="+mn-cs"/>
-              </a:rPr>
-              <a:t>Use durable</a:t>
-            </a:r>
-            <a:r>
-              <a:rPr lang="en-US" sz="1600" b="0" i="0" kern="1200" baseline="0" dirty="0" smtClean="0">
-                <a:solidFill>
-                  <a:schemeClr val="tx1"/>
-                </a:solidFill>
-                <a:effectLst/>
-                <a:latin typeface="+mn-lt"/>
-                <a:ea typeface="+mn-ea"/>
-                <a:cs typeface="+mn-cs"/>
-              </a:rPr>
-              <a:t> to avoid lost queues and exchanges when </a:t>
-            </a:r>
-            <a:r>
-              <a:rPr lang="en-US" sz="1600" b="0" i="0" kern="1200" dirty="0" err="1" smtClean="0">
-                <a:solidFill>
-                  <a:schemeClr val="tx1"/>
-                </a:solidFill>
-                <a:effectLst/>
-                <a:latin typeface="+mn-lt"/>
-                <a:ea typeface="+mn-ea"/>
-                <a:cs typeface="+mn-cs"/>
-              </a:rPr>
-              <a:t>RabbitMQ</a:t>
-            </a:r>
-            <a:r>
-              <a:rPr lang="en-US" sz="1600" b="0" i="0" kern="1200" dirty="0" smtClean="0">
-                <a:solidFill>
-                  <a:schemeClr val="tx1"/>
-                </a:solidFill>
-                <a:effectLst/>
-                <a:latin typeface="+mn-lt"/>
-                <a:ea typeface="+mn-ea"/>
-                <a:cs typeface="+mn-cs"/>
-              </a:rPr>
-              <a:t> quits or crashes.</a:t>
+              <a:rPr lang="en-US" dirty="0"/>
+              <a:t>primarily supports AMQP 0-9-1, with 1.0 via experimental plugin</a:t>
+            </a:r>
+          </a:p>
+          <a:p>
+            <a:endParaRPr lang="en-US" dirty="0"/>
+          </a:p>
+          <a:p>
+            <a:r>
+              <a:rPr lang="en-US" dirty="0"/>
+              <a:t>PL – Java, </a:t>
+            </a:r>
+            <a:r>
+              <a:rPr lang="en-US" dirty="0" err="1"/>
+              <a:t>.Net</a:t>
+            </a:r>
+            <a:r>
+              <a:rPr lang="en-US" dirty="0"/>
+              <a:t>, Windows, and Linux.</a:t>
             </a:r>
             <a:endParaRPr lang="en-US" dirty="0"/>
           </a:p>
@@ -4423,7 +4068,7 @@
           <a:p>
             <a:fld id="{3EBA5BD7-F043-4D1B-AA17-CD412FC534DE}" type="slidenum">
               <a:rPr lang="en-US" smtClean="0"/>
-              <a:t>8</a:t>
+              <a:t>6</a:t>
             </a:fld>
             <a:endParaRPr lang="en-US"/>
           </a:p>
@@ -4432,7 +4077,7 @@
     </p:spTree>
     <p:extLst>
       <p:ext uri="{BB962C8B-B14F-4D97-AF65-F5344CB8AC3E}">
-        <p14:creationId xmlns:p14="http://schemas.microsoft.com/office/powerpoint/2010/main" val="108004177"/>
+        <p14:creationId xmlns:p14="http://schemas.microsoft.com/office/powerpoint/2010/main" val="1067361509"/>
       </p:ext>
     </p:extLst>
   </p:cSld>
@@ -4486,44 +4131,7 @@
           <a:bodyPr/>
           <a:lstStyle/>
           <a:p>
-            <a:r>
-              <a:rPr lang="en-US" sz="1600" b="0" i="0" kern="1200" dirty="0" smtClean="0">
-                <a:solidFill>
-                  <a:schemeClr val="tx1"/>
-                </a:solidFill>
-                <a:effectLst/>
-                <a:latin typeface="+mn-lt"/>
-                <a:ea typeface="+mn-ea"/>
-                <a:cs typeface="+mn-cs"/>
-              </a:rPr>
-              <a:t>fire-and-forget. </a:t>
-            </a:r>
-          </a:p>
-          <a:p>
-            <a:endParaRPr lang="en-US" sz="1600" b="0" i="0" kern="1200" dirty="0" smtClean="0">
-              <a:solidFill>
-                <a:schemeClr val="tx1"/>
-              </a:solidFill>
-              <a:effectLst/>
-              <a:latin typeface="+mn-lt"/>
-              <a:ea typeface="+mn-ea"/>
-              <a:cs typeface="+mn-cs"/>
-            </a:endParaRPr>
-          </a:p>
-          <a:p>
-            <a:r>
-              <a:rPr lang="en-US" sz="1600" b="0" i="0" kern="1200" dirty="0" smtClean="0">
-                <a:solidFill>
-                  <a:schemeClr val="tx1"/>
-                </a:solidFill>
-                <a:effectLst/>
-                <a:latin typeface="+mn-lt"/>
-                <a:ea typeface="+mn-ea"/>
-                <a:cs typeface="+mn-cs"/>
-              </a:rPr>
-              <a:t>As we get to safer and safer guarantees around message delivery, it gets slower.</a:t>
-            </a:r>
-            <a:endParaRPr lang="en-US" dirty="0"/>
+            <a:endParaRPr lang="en-US"/>
           </a:p>
         </p:txBody>
       </p:sp>
@@ -4544,7 +4152,7 @@
           <a:p>
             <a:fld id="{3EBA5BD7-F043-4D1B-AA17-CD412FC534DE}" type="slidenum">
               <a:rPr lang="en-US" smtClean="0"/>
-              <a:t>9</a:t>
+              <a:t>7</a:t>
             </a:fld>
             <a:endParaRPr lang="en-US"/>
           </a:p>
@@ -4553,7 +4161,7 @@
     </p:spTree>
     <p:extLst>
       <p:ext uri="{BB962C8B-B14F-4D97-AF65-F5344CB8AC3E}">
-        <p14:creationId xmlns:p14="http://schemas.microsoft.com/office/powerpoint/2010/main" val="3693886760"/>
+        <p14:creationId xmlns:p14="http://schemas.microsoft.com/office/powerpoint/2010/main" val="2669693048"/>
       </p:ext>
     </p:extLst>
   </p:cSld>
@@ -4608,66 +4216,91 @@
           <a:lstStyle/>
           <a:p>
             <a:r>
-              <a:rPr lang="en-US" sz="1600" b="0" i="0" kern="1200" dirty="0" err="1" smtClean="0">
-                <a:solidFill>
-                  <a:schemeClr val="tx1"/>
-                </a:solidFill>
-                <a:effectLst/>
-                <a:latin typeface="+mn-lt"/>
-                <a:ea typeface="+mn-ea"/>
-                <a:cs typeface="+mn-cs"/>
-              </a:rPr>
-              <a:t>QoS</a:t>
-            </a:r>
-            <a:r>
-              <a:rPr lang="en-US" sz="1600" b="0" i="0" kern="1200" dirty="0" smtClean="0">
-                <a:solidFill>
-                  <a:schemeClr val="tx1"/>
-                </a:solidFill>
-                <a:effectLst/>
-                <a:latin typeface="+mn-lt"/>
-                <a:ea typeface="+mn-ea"/>
-                <a:cs typeface="+mn-cs"/>
-              </a:rPr>
-              <a:t> </a:t>
-            </a:r>
-            <a:r>
-              <a:rPr lang="en-US" sz="1600" b="0" i="0" kern="1200" dirty="0" err="1" smtClean="0">
-                <a:solidFill>
-                  <a:schemeClr val="tx1"/>
-                </a:solidFill>
-                <a:effectLst/>
-                <a:latin typeface="+mn-lt"/>
-                <a:ea typeface="+mn-ea"/>
-                <a:cs typeface="+mn-cs"/>
-              </a:rPr>
-              <a:t>prefetch</a:t>
-            </a:r>
-            <a:r>
-              <a:rPr lang="en-US" sz="1600" b="0" i="0" kern="1200" dirty="0" smtClean="0">
-                <a:solidFill>
-                  <a:schemeClr val="tx1"/>
-                </a:solidFill>
-                <a:effectLst/>
-                <a:latin typeface="+mn-lt"/>
-                <a:ea typeface="+mn-ea"/>
-                <a:cs typeface="+mn-cs"/>
-              </a:rPr>
-              <a:t> is basically telling Rabbit how quickly can this one connection, this one channel process messages. </a:t>
-            </a:r>
-          </a:p>
-          <a:p>
-            <a:endParaRPr lang="en-US" sz="1600" b="0" i="0" kern="1200" dirty="0" smtClean="0">
-              <a:solidFill>
-                <a:schemeClr val="tx1"/>
-              </a:solidFill>
-              <a:effectLst/>
-              <a:latin typeface="+mn-lt"/>
-              <a:ea typeface="+mn-ea"/>
-              <a:cs typeface="+mn-cs"/>
-            </a:endParaRPr>
-          </a:p>
-          <a:p>
+              <a:rPr lang="en-US" dirty="0"/>
+              <a:t>Distributed systems - messages sent are not guaranteed to reach the peer or be successfully processed by it</a:t>
+            </a:r>
+          </a:p>
+          <a:p>
+            <a:endParaRPr lang="en-US" dirty="0"/>
+          </a:p>
+          <a:p>
+            <a:r>
+              <a:rPr lang="en-US" dirty="0"/>
+              <a:t>broker acknowledgements to publishers are a protocol extension called publisher confirms.</a:t>
+            </a:r>
+          </a:p>
+          <a:p>
+            <a:endParaRPr lang="en-US" dirty="0"/>
+          </a:p>
+          <a:p>
+            <a:endParaRPr lang="en-US" dirty="0"/>
+          </a:p>
+          <a:p>
+            <a:r>
+              <a:rPr lang="en-US" dirty="0"/>
+              <a:t>Both features build on the same idea and are inspired by TCP. They are essential for reliable delivery both from publishers to </a:t>
+            </a:r>
+            <a:r>
+              <a:rPr lang="en-US" dirty="0" err="1"/>
+              <a:t>RabbitMQ</a:t>
+            </a:r>
+            <a:r>
+              <a:rPr lang="en-US" dirty="0"/>
+              <a:t> nodes and from </a:t>
+            </a:r>
+            <a:r>
+              <a:rPr lang="en-US" dirty="0" err="1"/>
+              <a:t>RabbitMQ</a:t>
+            </a:r>
+            <a:r>
+              <a:rPr lang="en-US" dirty="0"/>
+              <a:t> nodes to consumers.</a:t>
+            </a:r>
+          </a:p>
+          <a:p>
+            <a:endParaRPr lang="en-US" dirty="0" smtClean="0"/>
+          </a:p>
+          <a:p>
+            <a:endParaRPr lang="en-US" dirty="0" smtClean="0"/>
+          </a:p>
+          <a:p>
+            <a:r>
+              <a:rPr lang="en-US" dirty="0"/>
+              <a:t>If a consumer dies (its channel is closed, connection is closed, or TCP connection is lost) without sending an </a:t>
+            </a:r>
+            <a:r>
+              <a:rPr lang="en-US" dirty="0" err="1"/>
+              <a:t>ack</a:t>
+            </a:r>
+            <a:r>
+              <a:rPr lang="en-US" dirty="0"/>
+              <a:t>, </a:t>
+            </a:r>
+            <a:r>
+              <a:rPr lang="en-US" dirty="0" err="1"/>
+              <a:t>RabbitMQ</a:t>
+            </a:r>
+            <a:r>
+              <a:rPr lang="en-US" dirty="0"/>
+              <a:t> will understand that a message wasn't processed fully and will re-queue it.</a:t>
+            </a:r>
+          </a:p>
+          <a:p>
+            <a:endParaRPr lang="en-US" dirty="0"/>
+          </a:p>
+          <a:p>
+            <a:r>
+              <a:rPr lang="en-US" dirty="0"/>
+              <a:t>Use durable to avoid lost queues and exchanges when </a:t>
+            </a:r>
+            <a:r>
+              <a:rPr lang="en-US" dirty="0" err="1"/>
+              <a:t>RabbitMQ</a:t>
+            </a:r>
+            <a:r>
+              <a:rPr lang="en-US" dirty="0"/>
+              <a:t> quits or crashes.</a:t>
+            </a:r>
             <a:endParaRPr lang="en-US" dirty="0"/>
           </a:p>
         </p:txBody>
@@ -4689,7 +4322,7 @@
           <a:p>
             <a:fld id="{3EBA5BD7-F043-4D1B-AA17-CD412FC534DE}" type="slidenum">
               <a:rPr lang="en-US" smtClean="0"/>
-              <a:t>10</a:t>
+              <a:t>8</a:t>
             </a:fld>
             <a:endParaRPr lang="en-US"/>
           </a:p>
@@ -4698,7 +4331,7 @@
     </p:spTree>
     <p:extLst>
       <p:ext uri="{BB962C8B-B14F-4D97-AF65-F5344CB8AC3E}">
-        <p14:creationId xmlns:p14="http://schemas.microsoft.com/office/powerpoint/2010/main" val="1280429074"/>
+        <p14:creationId xmlns:p14="http://schemas.microsoft.com/office/powerpoint/2010/main" val="108004177"/>
       </p:ext>
     </p:extLst>
   </p:cSld>
@@ -4752,6 +4385,19 @@
           <a:bodyPr/>
           <a:lstStyle/>
           <a:p>
+            <a:r>
+              <a:rPr lang="en-US" dirty="0"/>
+              <a:t>fire-and-forget. </a:t>
+            </a:r>
+          </a:p>
+          <a:p>
+            <a:endParaRPr lang="en-US" dirty="0"/>
+          </a:p>
+          <a:p>
+            <a:r>
+              <a:rPr lang="en-US" dirty="0"/>
+              <a:t>As we get to safer and safer guarantees around message delivery, it gets slower.</a:t>
+            </a:r>
             <a:endParaRPr lang="en-US" dirty="0"/>
           </a:p>
         </p:txBody>
@@ -4773,7 +4419,7 @@
           <a:p>
             <a:fld id="{3EBA5BD7-F043-4D1B-AA17-CD412FC534DE}" type="slidenum">
               <a:rPr lang="en-US" smtClean="0"/>
-              <a:t>11</a:t>
+              <a:t>9</a:t>
             </a:fld>
             <a:endParaRPr lang="en-US"/>
           </a:p>
@@ -4782,7 +4428,7 @@
     </p:spTree>
     <p:extLst>
       <p:ext uri="{BB962C8B-B14F-4D97-AF65-F5344CB8AC3E}">
-        <p14:creationId xmlns:p14="http://schemas.microsoft.com/office/powerpoint/2010/main" val="51609100"/>
+        <p14:creationId xmlns:p14="http://schemas.microsoft.com/office/powerpoint/2010/main" val="3693886760"/>
       </p:ext>
     </p:extLst>
   </p:cSld>
@@ -5018,7 +4664,7 @@
           <a:p>
             <a:fld id="{425A5273-4A92-4E2B-A616-9C53CA80431D}" type="datetime1">
               <a:rPr lang="en-US" smtClean="0"/>
-              <a:t>4/8/2019</a:t>
+              <a:t>4/11/2019</a:t>
             </a:fld>
             <a:endParaRPr lang="en-US"/>
           </a:p>
@@ -5242,7 +4888,7 @@
           <a:p>
             <a:fld id="{B0104835-0441-4E5E-9C58-BB74718A1C90}" type="datetime1">
               <a:rPr lang="en-US" smtClean="0"/>
-              <a:t>4/8/2019</a:t>
+              <a:t>4/11/2019</a:t>
             </a:fld>
             <a:endParaRPr lang="en-US"/>
           </a:p>
@@ -5514,7 +5160,7 @@
           <a:p>
             <a:fld id="{38162AD8-BBAE-4395-88CD-AD98819C927A}" type="datetime1">
               <a:rPr lang="en-US" smtClean="0"/>
-              <a:t>4/8/2019</a:t>
+              <a:t>4/11/2019</a:t>
             </a:fld>
             <a:endParaRPr lang="en-US"/>
           </a:p>
@@ -5704,7 +5350,7 @@
           <a:p>
             <a:fld id="{7EBD01FE-FCB7-49C9-B76B-55C61E2568EB}" type="datetime1">
               <a:rPr lang="en-US" smtClean="0"/>
-              <a:t>4/8/2019</a:t>
+              <a:t>4/11/2019</a:t>
             </a:fld>
             <a:endParaRPr lang="en-US"/>
           </a:p>
@@ -6063,7 +5709,7 @@
           <a:p>
             <a:fld id="{0EEE6AE0-BDDC-46E2-9CF1-E764D02D076B}" type="datetime1">
               <a:rPr lang="en-US" smtClean="0"/>
-              <a:t>4/8/2019</a:t>
+              <a:t>4/11/2019</a:t>
             </a:fld>
             <a:endParaRPr lang="en-US"/>
           </a:p>
@@ -6354,7 +6000,7 @@
           <a:p>
             <a:fld id="{5574084E-0E11-4C80-84A0-CE7193FA4654}" type="datetime1">
               <a:rPr lang="en-US" smtClean="0"/>
-              <a:t>4/8/2019</a:t>
+              <a:t>4/11/2019</a:t>
             </a:fld>
             <a:endParaRPr lang="en-US"/>
           </a:p>
@@ -6749,7 +6395,7 @@
           <a:p>
             <a:fld id="{F9641FBB-4AD5-4348-AAFA-9C7D16E116A1}" type="datetime1">
               <a:rPr lang="en-US" smtClean="0"/>
-              <a:t>4/8/2019</a:t>
+              <a:t>4/11/2019</a:t>
             </a:fld>
             <a:endParaRPr lang="en-US"/>
           </a:p>
@@ -6883,7 +6529,7 @@
           <a:p>
             <a:fld id="{CB8E17E8-F59F-4736-A5AF-C5DA5082F4C4}" type="datetime1">
               <a:rPr lang="en-US" smtClean="0"/>
-              <a:t>4/8/2019</a:t>
+              <a:t>4/11/2019</a:t>
             </a:fld>
             <a:endParaRPr lang="en-US"/>
           </a:p>
@@ -7070,7 +6716,7 @@
           <a:p>
             <a:fld id="{0C0D84EB-296C-4D32-AF08-529ACD4137FA}" type="datetime1">
               <a:rPr lang="en-US" smtClean="0"/>
-              <a:t>4/8/2019</a:t>
+              <a:t>4/11/2019</a:t>
             </a:fld>
             <a:endParaRPr lang="en-US"/>
           </a:p>
@@ -7440,7 +7086,7 @@
           <a:p>
             <a:fld id="{811775C6-CCB8-4FF4-BDF0-E6FD5927766D}" type="datetime1">
               <a:rPr lang="en-US" smtClean="0"/>
-              <a:t>4/8/2019</a:t>
+              <a:t>4/11/2019</a:t>
             </a:fld>
             <a:endParaRPr lang="en-US"/>
           </a:p>
@@ -7838,7 +7484,7 @@
           <a:p>
             <a:fld id="{71A976D0-1055-4775-B26A-B26F49EB2AC6}" type="datetime1">
               <a:rPr lang="en-US" smtClean="0"/>
-              <a:t>4/8/2019</a:t>
+              <a:t>4/11/2019</a:t>
             </a:fld>
             <a:endParaRPr lang="en-US"/>
           </a:p>
@@ -8141,7 +7787,7 @@
           <a:p>
             <a:fld id="{570E9A61-A31B-44AF-81D7-DB6DE242223A}" type="datetime1">
               <a:rPr lang="en-US" smtClean="0"/>
-              <a:t>4/8/2019</a:t>
+              <a:t>4/11/2019</a:t>
             </a:fld>
             <a:endParaRPr lang="en-US"/>
           </a:p>
@@ -9025,6 +8671,13 @@
       </p:transition>
     </mc:Fallback>
   </mc:AlternateContent>
+  <p:timing>
+    <p:tnLst>
+      <p:par>
+        <p:cTn id="1" dur="indefinite" restart="never" nodeType="tmRoot"/>
+      </p:par>
+    </p:tnLst>
+  </p:timing>
 </p:sld>
 </file>
 
@@ -9109,11 +8762,7 @@
           <a:p>
             <a:r>
               <a:rPr lang="en-US" sz="2800" dirty="0" smtClean="0"/>
-              <a:t>Enable </a:t>
-            </a:r>
-            <a:r>
-              <a:rPr lang="en-US" sz="2800" dirty="0" smtClean="0"/>
-              <a:t>Publisher confirms</a:t>
+              <a:t>Enable Publisher confirms</a:t>
             </a:r>
           </a:p>
           <a:p>
@@ -9230,6 +8879,13 @@
       </p:transition>
     </mc:Fallback>
   </mc:AlternateContent>
+  <p:timing>
+    <p:tnLst>
+      <p:par>
+        <p:cTn id="1" dur="indefinite" restart="never" nodeType="tmRoot"/>
+      </p:par>
+    </p:tnLst>
+  </p:timing>
 </p:sld>
 </file>
 
@@ -9333,14 +8989,12 @@
           </a:p>
           <a:p>
             <a:r>
+              <a:rPr lang="en-US" sz="2800" dirty="0" smtClean="0"/>
+              <a:t>Transient  </a:t>
+            </a:r>
+            <a:r>
               <a:rPr lang="en-US" sz="2800" dirty="0"/>
-              <a:t>Avoid multiple nodes </a:t>
-            </a:r>
-          </a:p>
-          <a:p>
-            <a:r>
-              <a:rPr lang="en-US" sz="2800" dirty="0"/>
-              <a:t>Transient  Messages </a:t>
+              <a:t>Messages </a:t>
             </a:r>
           </a:p>
           <a:p>
@@ -9407,6 +9061,13 @@
       </p:transition>
     </mc:Fallback>
   </mc:AlternateContent>
+  <p:timing>
+    <p:tnLst>
+      <p:par>
+        <p:cTn id="1" dur="indefinite" restart="never" nodeType="tmRoot"/>
+      </p:par>
+    </p:tnLst>
+  </p:timing>
 </p:sld>
 </file>
 
@@ -9554,6 +9215,13 @@
       </p:transition>
     </mc:Fallback>
   </mc:AlternateContent>
+  <p:timing>
+    <p:tnLst>
+      <p:par>
+        <p:cTn id="1" dur="indefinite" restart="never" nodeType="tmRoot"/>
+      </p:par>
+    </p:tnLst>
+  </p:timing>
 </p:sld>
 </file>
 
@@ -10720,6 +10388,13 @@
       </p:transition>
     </mc:Fallback>
   </mc:AlternateContent>
+  <p:timing>
+    <p:tnLst>
+      <p:par>
+        <p:cTn id="1" dur="indefinite" restart="never" nodeType="tmRoot"/>
+      </p:par>
+    </p:tnLst>
+  </p:timing>
 </p:sld>
 </file>
 
@@ -11525,6 +11200,13 @@
       </p:transition>
     </mc:Fallback>
   </mc:AlternateContent>
+  <p:timing>
+    <p:tnLst>
+      <p:par>
+        <p:cTn id="1" dur="indefinite" restart="never" nodeType="tmRoot"/>
+      </p:par>
+    </p:tnLst>
+  </p:timing>
 </p:sld>
 </file>
 
@@ -12239,7 +11921,6 @@
               <a:rPr lang="en-US" sz="1800" dirty="0"/>
               <a:t>C</a:t>
             </a:r>
-            <a:endParaRPr lang="en-US" sz="1800" dirty="0"/>
           </a:p>
         </p:txBody>
       </p:sp>
@@ -12610,6 +12291,13 @@
       </p:transition>
     </mc:Fallback>
   </mc:AlternateContent>
+  <p:timing>
+    <p:tnLst>
+      <p:par>
+        <p:cTn id="1" dur="indefinite" restart="never" nodeType="tmRoot"/>
+      </p:par>
+    </p:tnLst>
+  </p:timing>
 </p:sld>
 </file>
 
@@ -12775,7 +12463,6 @@
               <a:rPr lang="en-US" dirty="0"/>
               <a:t>X</a:t>
             </a:r>
-            <a:endParaRPr lang="en-US" dirty="0"/>
           </a:p>
         </p:txBody>
       </p:sp>
@@ -13888,6 +13575,13 @@
       </p:transition>
     </mc:Fallback>
   </mc:AlternateContent>
+  <p:timing>
+    <p:tnLst>
+      <p:par>
+        <p:cTn id="1" dur="indefinite" restart="never" nodeType="tmRoot"/>
+      </p:par>
+    </p:tnLst>
+  </p:timing>
 </p:sld>
 </file>
 
@@ -14000,6 +13694,13 @@
       </p:transition>
     </mc:Fallback>
   </mc:AlternateContent>
+  <p:timing>
+    <p:tnLst>
+      <p:par>
+        <p:cTn id="1" dur="indefinite" restart="never" nodeType="tmRoot"/>
+      </p:par>
+    </p:tnLst>
+  </p:timing>
 </p:sld>
 </file>
 
@@ -14044,8 +13745,12 @@
               <a:t> </a:t>
             </a:r>
             <a:r>
+              <a:rPr lang="en-US" dirty="0" err="1" smtClean="0"/>
+              <a:t>RabbitMQ</a:t>
+            </a:r>
+            <a:r>
               <a:rPr lang="en-US" dirty="0" smtClean="0"/>
-              <a:t>Messaging Evolution</a:t>
+              <a:t> Evolution</a:t>
             </a:r>
             <a:endParaRPr lang="en-US" dirty="0"/>
           </a:p>
@@ -14064,64 +13769,172 @@
         <p:spPr/>
         <p:txBody>
           <a:bodyPr>
-            <a:normAutofit fontScale="92500" lnSpcReduction="20000"/>
+            <a:normAutofit fontScale="92500" lnSpcReduction="10000"/>
           </a:bodyPr>
           <a:lstStyle/>
           <a:p>
+            <a:pPr marL="457200" indent="-457200">
+              <a:buFont typeface="+mj-lt"/>
+              <a:buAutoNum type="arabicPeriod"/>
+            </a:pPr>
+            <a:r>
+              <a:rPr lang="en-US" dirty="0" smtClean="0"/>
+              <a:t>Single </a:t>
+            </a:r>
             <a:r>
               <a:rPr lang="en-US" dirty="0"/>
-              <a:t>Started with one team using it for a few high performance messaging where reliability wasn’t much concern (Single node between browser and backend server)</a:t>
-            </a:r>
-          </a:p>
-          <a:p>
-            <a:pPr marL="0" indent="0">
-              <a:buNone/>
+              <a:t>node between browser and backend </a:t>
+            </a:r>
+            <a:r>
+              <a:rPr lang="en-US" dirty="0" smtClean="0"/>
+              <a:t>server</a:t>
+            </a:r>
+            <a:endParaRPr lang="en-US" dirty="0"/>
+          </a:p>
+          <a:p>
+            <a:pPr marL="457200" indent="-457200">
+              <a:buFont typeface="+mj-lt"/>
+              <a:buAutoNum type="arabicPeriod"/>
             </a:pPr>
+            <a:r>
+              <a:rPr lang="en-US" dirty="0"/>
+              <a:t>P</a:t>
+            </a:r>
+            <a:r>
+              <a:rPr lang="en-US" dirty="0" smtClean="0"/>
+              <a:t>ub </a:t>
+            </a:r>
+            <a:r>
+              <a:rPr lang="en-US" dirty="0"/>
+              <a:t>S</a:t>
+            </a:r>
+            <a:r>
+              <a:rPr lang="en-US" dirty="0" smtClean="0"/>
+              <a:t>ub </a:t>
+            </a:r>
+            <a:r>
+              <a:rPr lang="en-US" dirty="0"/>
+              <a:t>between monolith and another </a:t>
+            </a:r>
+            <a:r>
+              <a:rPr lang="en-US" dirty="0" smtClean="0"/>
+              <a:t>team (C# Client)</a:t>
+            </a:r>
             <a:endParaRPr lang="en-US" dirty="0"/>
           </a:p>
           <a:p>
+            <a:pPr marL="457200" indent="-457200">
+              <a:buFont typeface="+mj-lt"/>
+              <a:buAutoNum type="arabicPeriod"/>
+            </a:pPr>
+            <a:r>
+              <a:rPr lang="en-US" dirty="0" smtClean="0"/>
+              <a:t>Pub Sub between new ecommerce site and ERP for ordering</a:t>
+            </a:r>
+          </a:p>
+          <a:p>
+            <a:pPr marL="457200" indent="-457200">
+              <a:buFont typeface="+mj-lt"/>
+              <a:buAutoNum type="arabicPeriod"/>
+            </a:pPr>
+            <a:r>
+              <a:rPr lang="en-US" dirty="0" smtClean="0"/>
+              <a:t>Experimented with (</a:t>
+            </a:r>
+            <a:r>
+              <a:rPr lang="en-US" dirty="0" err="1" smtClean="0"/>
+              <a:t>EasyNetQ</a:t>
+            </a:r>
+            <a:r>
+              <a:rPr lang="en-US" dirty="0" smtClean="0"/>
+              <a:t> Client between C# clients)</a:t>
+            </a:r>
+          </a:p>
+          <a:p>
+            <a:pPr marL="457200" indent="-457200">
+              <a:buFont typeface="+mj-lt"/>
+              <a:buAutoNum type="arabicPeriod"/>
+            </a:pPr>
+            <a:r>
+              <a:rPr lang="en-US" dirty="0" smtClean="0"/>
+              <a:t>Added in </a:t>
+            </a:r>
+            <a:r>
+              <a:rPr lang="en-US" dirty="0" err="1" smtClean="0"/>
+              <a:t>RabbitMQ</a:t>
+            </a:r>
+            <a:r>
+              <a:rPr lang="en-US" dirty="0" smtClean="0"/>
+              <a:t> federation concepts </a:t>
+            </a:r>
+          </a:p>
+          <a:p>
+            <a:pPr marL="457200" indent="-457200">
+              <a:buFont typeface="+mj-lt"/>
+              <a:buAutoNum type="arabicPeriod"/>
+            </a:pPr>
+            <a:r>
+              <a:rPr lang="en-US" dirty="0" smtClean="0"/>
+              <a:t>Messaging between C# and Java Clients.</a:t>
+            </a:r>
+          </a:p>
+          <a:p>
+            <a:pPr marL="457200" indent="-457200">
+              <a:buFont typeface="+mj-lt"/>
+              <a:buAutoNum type="arabicPeriod"/>
+            </a:pPr>
+            <a:r>
+              <a:rPr lang="en-US" dirty="0" err="1" smtClean="0"/>
+              <a:t>RabbitMQ</a:t>
+            </a:r>
+            <a:r>
+              <a:rPr lang="en-US" dirty="0" smtClean="0"/>
+              <a:t>  moved out of Docker (QE and higher)</a:t>
+            </a:r>
+          </a:p>
+          <a:p>
+            <a:pPr marL="457200" indent="-457200">
+              <a:buFont typeface="+mj-lt"/>
+              <a:buAutoNum type="arabicPeriod"/>
+            </a:pPr>
+            <a:r>
+              <a:rPr lang="en-US" dirty="0" smtClean="0"/>
+              <a:t>Deployment and configuration done via Chef.</a:t>
+            </a:r>
+          </a:p>
+          <a:p>
+            <a:pPr marL="457200" indent="-457200">
+              <a:buFont typeface="+mj-lt"/>
+              <a:buAutoNum type="arabicPeriod"/>
+            </a:pPr>
+            <a:r>
+              <a:rPr lang="en-US" dirty="0" err="1" smtClean="0"/>
+              <a:t>RabbitMQ</a:t>
+            </a:r>
+            <a:r>
+              <a:rPr lang="en-US" dirty="0" smtClean="0"/>
+              <a:t> HA </a:t>
+            </a:r>
             <a:r>
               <a:rPr lang="en-US" dirty="0"/>
-              <a:t>Another team spun up one instance and started using it for non critical pub sub.</a:t>
-            </a:r>
-          </a:p>
-          <a:p>
-            <a:r>
-              <a:rPr lang="en-US" dirty="0"/>
-              <a:t>(pub sub between monolith and another team)</a:t>
-            </a:r>
-          </a:p>
-          <a:p>
+              <a:t>and clustering </a:t>
+            </a:r>
+            <a:r>
+              <a:rPr lang="en-US" dirty="0" smtClean="0"/>
+              <a:t>setup</a:t>
+            </a:r>
             <a:endParaRPr lang="en-US" dirty="0"/>
           </a:p>
           <a:p>
-            <a:r>
-              <a:rPr lang="en-US" dirty="0"/>
-              <a:t>Then new ordering system was developed to use it for submitting orders.</a:t>
-            </a:r>
-          </a:p>
-          <a:p>
-            <a:r>
-              <a:rPr lang="en-US" dirty="0"/>
-              <a:t>(As the ordering and commerce team broke up they decided to use </a:t>
-            </a:r>
-            <a:r>
-              <a:rPr lang="en-US" dirty="0" err="1"/>
-              <a:t>RabbitMQ</a:t>
-            </a:r>
-            <a:r>
-              <a:rPr lang="en-US" dirty="0"/>
-              <a:t>  HA and clustering was added)</a:t>
-            </a:r>
-          </a:p>
-          <a:p>
+            <a:pPr marL="457200" indent="-457200">
+              <a:buFont typeface="+mj-lt"/>
+              <a:buAutoNum type="arabicPeriod"/>
+            </a:pPr>
+            <a:r>
+              <a:rPr lang="en-US" dirty="0" smtClean="0"/>
+              <a:t>Message topologies continue to evolve</a:t>
+            </a:r>
             <a:endParaRPr lang="en-US" dirty="0"/>
-          </a:p>
-          <a:p>
-            <a:r>
-              <a:rPr lang="en-US" dirty="0"/>
-              <a:t>Then another team setup an exchange to coordinate messages from global service to regional services. Then those regional services started using it to publish messages back to global services. Complex topologies evolved with multiple clusters using federation to talk to other clusters.</a:t>
-            </a:r>
           </a:p>
         </p:txBody>
       </p:sp>
@@ -14170,6 +13983,13 @@
       </p:transition>
     </mc:Fallback>
   </mc:AlternateContent>
+  <p:timing>
+    <p:tnLst>
+      <p:par>
+        <p:cTn id="1" dur="indefinite" restart="never" nodeType="tmRoot"/>
+      </p:par>
+    </p:tnLst>
+  </p:timing>
 </p:sld>
 </file>
 
@@ -14305,7 +14125,15 @@
             </a:r>
             <a:r>
               <a:rPr lang="en-US" dirty="0"/>
-              <a:t>multi protocol  and patterns </a:t>
+              <a:t>multi </a:t>
+            </a:r>
+            <a:r>
+              <a:rPr lang="en-US" dirty="0" smtClean="0"/>
+              <a:t>protocol and </a:t>
+            </a:r>
+            <a:r>
+              <a:rPr lang="en-US" dirty="0"/>
+              <a:t>patterns </a:t>
             </a:r>
           </a:p>
           <a:p>
@@ -14391,6 +14219,13 @@
       </p:transition>
     </mc:Fallback>
   </mc:AlternateContent>
+  <p:timing>
+    <p:tnLst>
+      <p:par>
+        <p:cTn id="1" dur="indefinite" restart="never" nodeType="tmRoot"/>
+      </p:par>
+    </p:tnLst>
+  </p:timing>
 </p:sld>
 </file>
 
@@ -14463,7 +14298,7 @@
         </p:spPr>
         <p:txBody>
           <a:bodyPr>
-            <a:normAutofit fontScale="92500" lnSpcReduction="20000"/>
+            <a:normAutofit/>
           </a:bodyPr>
           <a:lstStyle/>
           <a:p>
@@ -14471,17 +14306,42 @@
               <a:buNone/>
             </a:pPr>
             <a:r>
-              <a:rPr lang="en-US" dirty="0"/>
-              <a:t>Don’t just use a framework without understanding the ramifications </a:t>
-            </a:r>
+              <a:rPr lang="en-US" sz="2800" dirty="0" smtClean="0"/>
+              <a:t>Stay up to date with clients, </a:t>
+            </a:r>
+            <a:r>
+              <a:rPr lang="en-US" sz="2800" dirty="0" err="1" smtClean="0"/>
+              <a:t>rabbitmq</a:t>
+            </a:r>
+            <a:r>
+              <a:rPr lang="en-US" sz="2800" dirty="0" smtClean="0"/>
+              <a:t>, and </a:t>
+            </a:r>
+            <a:r>
+              <a:rPr lang="en-US" sz="2800" dirty="0" err="1" smtClean="0"/>
+              <a:t>erlang</a:t>
+            </a:r>
+            <a:endParaRPr lang="en-US" sz="2800" dirty="0"/>
           </a:p>
           <a:p>
             <a:pPr marL="0" indent="0">
               <a:buNone/>
             </a:pPr>
             <a:r>
-              <a:rPr lang="en-US" dirty="0"/>
-              <a:t>Lots of features extensions that can be used instead recreated the wheel.</a:t>
+              <a:rPr lang="en-US" sz="2800" dirty="0" smtClean="0"/>
+              <a:t>Connections </a:t>
+            </a:r>
+            <a:r>
+              <a:rPr lang="en-US" sz="2800" dirty="0"/>
+              <a:t>- </a:t>
+            </a:r>
+            <a:r>
+              <a:rPr lang="en-US" sz="2800" dirty="0" smtClean="0"/>
+              <a:t>don't </a:t>
+            </a:r>
+            <a:r>
+              <a:rPr lang="en-US" sz="2800" dirty="0"/>
+              <a:t>open new connections with every message. </a:t>
             </a:r>
           </a:p>
           <a:p>
@@ -14489,8 +14349,16 @@
               <a:buNone/>
             </a:pPr>
             <a:r>
-              <a:rPr lang="en-US" dirty="0"/>
-              <a:t>Management UI runs on same mode handling messages </a:t>
+              <a:rPr lang="en-US" sz="2800" dirty="0" smtClean="0"/>
+              <a:t>Don't </a:t>
+            </a:r>
+            <a:r>
+              <a:rPr lang="en-US" sz="2800" dirty="0"/>
+              <a:t>let queues grow 10 000 messages is too much limit with TTL or max </a:t>
+            </a:r>
+            <a:r>
+              <a:rPr lang="en-US" sz="2800" dirty="0" smtClean="0"/>
+              <a:t>size</a:t>
             </a:r>
           </a:p>
           <a:p>
@@ -14498,16 +14366,12 @@
               <a:buNone/>
             </a:pPr>
             <a:r>
-              <a:rPr lang="en-US" dirty="0"/>
-              <a:t>Connections - </a:t>
-            </a:r>
-            <a:r>
-              <a:rPr lang="en-US" dirty="0" err="1"/>
-              <a:t>dont</a:t>
-            </a:r>
-            <a:r>
-              <a:rPr lang="en-US" dirty="0"/>
-              <a:t> open new connections with every message. Connections and channels are expensive. 100kb each.</a:t>
+              <a:rPr lang="en-US" sz="2800" dirty="0" smtClean="0"/>
+              <a:t>Send </a:t>
+            </a:r>
+            <a:r>
+              <a:rPr lang="en-US" sz="2800" dirty="0"/>
+              <a:t>persistent messages and use durable queues and exchange </a:t>
             </a:r>
           </a:p>
           <a:p>
@@ -14515,8 +14379,8 @@
               <a:buNone/>
             </a:pPr>
             <a:r>
-              <a:rPr lang="en-US" dirty="0"/>
-              <a:t>Reuse connections singleton pattern</a:t>
+              <a:rPr lang="en-US" sz="2800" dirty="0"/>
+              <a:t>Use publisher confirms</a:t>
             </a:r>
           </a:p>
           <a:p>
@@ -14524,61 +14388,18 @@
               <a:buNone/>
             </a:pPr>
             <a:r>
-              <a:rPr lang="en-US" dirty="0" err="1"/>
-              <a:t>RabbitMQ</a:t>
-            </a:r>
-            <a:r>
-              <a:rPr lang="en-US" dirty="0"/>
-              <a:t> is optimized for long lived connections Don't let queues grow 10 000 messages is too much limit with TTL or max </a:t>
-            </a:r>
-            <a:r>
-              <a:rPr lang="en-US" dirty="0" err="1"/>
-              <a:t>sizeSend</a:t>
-            </a:r>
-            <a:r>
-              <a:rPr lang="en-US" dirty="0"/>
-              <a:t> persistent messages and use durable queues and exchange </a:t>
-            </a:r>
-          </a:p>
-          <a:p>
-            <a:pPr marL="0" indent="0">
-              <a:buNone/>
-            </a:pPr>
-            <a:r>
-              <a:rPr lang="en-US" dirty="0"/>
-              <a:t>Use publisher confirms</a:t>
-            </a:r>
-          </a:p>
-          <a:p>
-            <a:pPr marL="0" indent="0">
-              <a:buNone/>
-            </a:pPr>
-            <a:r>
-              <a:rPr lang="en-US" dirty="0"/>
-              <a:t>Adjust pre fetch RMPS 3.7 has a default of 50</a:t>
-            </a:r>
-          </a:p>
-          <a:p>
-            <a:pPr marL="0" indent="0">
-              <a:buNone/>
-            </a:pPr>
-            <a:r>
-              <a:rPr lang="en-US" dirty="0" err="1"/>
-              <a:t>RabbitMQ</a:t>
-            </a:r>
-            <a:r>
-              <a:rPr lang="en-US" dirty="0"/>
-              <a:t> in a containers need to persist state</a:t>
-            </a:r>
-          </a:p>
-          <a:p>
-            <a:pPr marL="0" indent="0">
-              <a:buNone/>
-            </a:pPr>
-            <a:r>
-              <a:rPr lang="en-US" dirty="0"/>
-              <a:t>Heartbeats </a:t>
-            </a:r>
+              <a:rPr lang="en-US" sz="2800" dirty="0" smtClean="0"/>
+              <a:t>Take a look at </a:t>
+            </a:r>
+            <a:r>
+              <a:rPr lang="en-US" sz="2800" dirty="0" err="1" smtClean="0"/>
+              <a:t>prefetch</a:t>
+            </a:r>
+            <a:r>
+              <a:rPr lang="en-US" sz="2800" dirty="0" smtClean="0"/>
+              <a:t> and adjust if needed.</a:t>
+            </a:r>
+            <a:endParaRPr lang="en-US" sz="2800" dirty="0"/>
           </a:p>
         </p:txBody>
       </p:sp>
@@ -14627,6 +14448,13 @@
       </p:transition>
     </mc:Fallback>
   </mc:AlternateContent>
+  <p:timing>
+    <p:tnLst>
+      <p:par>
+        <p:cTn id="1" dur="indefinite" restart="never" nodeType="tmRoot"/>
+      </p:par>
+    </p:tnLst>
+  </p:timing>
 </p:sld>
 </file>
 
@@ -14652,250 +14480,6 @@
           <p:cNvPr id="2" name="Title 1">
             <a:extLst>
               <a:ext uri="{FF2B5EF4-FFF2-40B4-BE49-F238E27FC236}">
-                <a16:creationId xmlns="" xmlns:a16="http://schemas.microsoft.com/office/drawing/2014/main" id="{971608B8-DFEE-304F-9A34-6CFB34F956DC}"/>
-              </a:ext>
-            </a:extLst>
-          </p:cNvPr>
-          <p:cNvSpPr>
-            <a:spLocks noGrp="1"/>
-          </p:cNvSpPr>
-          <p:nvPr>
-            <p:ph type="title"/>
-          </p:nvPr>
-        </p:nvSpPr>
-        <p:spPr>
-          <a:xfrm>
-            <a:off x="1096994" y="286604"/>
-            <a:ext cx="10055781" cy="1450757"/>
-          </a:xfrm>
-        </p:spPr>
-        <p:txBody>
-          <a:bodyPr/>
-          <a:lstStyle/>
-          <a:p>
-            <a:r>
-              <a:rPr lang="en-US" dirty="0" smtClean="0"/>
-              <a:t>Future </a:t>
-            </a:r>
-            <a:r>
-              <a:rPr lang="en-US" dirty="0"/>
-              <a:t>3.8 and beyond</a:t>
-            </a:r>
-          </a:p>
-        </p:txBody>
-      </p:sp>
-      <p:sp>
-        <p:nvSpPr>
-          <p:cNvPr id="3" name="Content Placeholder 2">
-            <a:extLst>
-              <a:ext uri="{FF2B5EF4-FFF2-40B4-BE49-F238E27FC236}">
-                <a16:creationId xmlns="" xmlns:a16="http://schemas.microsoft.com/office/drawing/2014/main" id="{4B048B99-F63C-C94A-B4B2-5BB0B7C84EA9}"/>
-              </a:ext>
-            </a:extLst>
-          </p:cNvPr>
-          <p:cNvSpPr>
-            <a:spLocks noGrp="1"/>
-          </p:cNvSpPr>
-          <p:nvPr>
-            <p:ph idx="1"/>
-          </p:nvPr>
-        </p:nvSpPr>
-        <p:spPr/>
-        <p:txBody>
-          <a:bodyPr>
-            <a:normAutofit fontScale="92500" lnSpcReduction="10000"/>
-          </a:bodyPr>
-          <a:lstStyle/>
-          <a:p>
-            <a:r>
-              <a:rPr lang="en-US" dirty="0"/>
-              <a:t>Event Exchange</a:t>
-            </a:r>
-          </a:p>
-          <a:p>
-            <a:r>
-              <a:rPr lang="en-US" dirty="0"/>
-              <a:t>Churn Statistics </a:t>
-            </a:r>
-          </a:p>
-          <a:p>
-            <a:r>
-              <a:rPr lang="en-US" dirty="0"/>
-              <a:t>Protocol agnostic core</a:t>
-            </a:r>
-          </a:p>
-          <a:p>
-            <a:r>
-              <a:rPr lang="en-US" dirty="0"/>
-              <a:t>Native processing speed up </a:t>
-            </a:r>
-            <a:r>
-              <a:rPr lang="en-US" dirty="0" err="1"/>
-              <a:t>mqtp</a:t>
-            </a:r>
-            <a:r>
-              <a:rPr lang="en-US" dirty="0"/>
-              <a:t> traffic </a:t>
-            </a:r>
-          </a:p>
-          <a:p>
-            <a:r>
-              <a:rPr lang="en-US" dirty="0"/>
-              <a:t>Moving away from </a:t>
-            </a:r>
-            <a:r>
-              <a:rPr lang="en-US" dirty="0" err="1"/>
-              <a:t>amqp</a:t>
-            </a:r>
-            <a:r>
-              <a:rPr lang="en-US" dirty="0"/>
-              <a:t> </a:t>
-            </a:r>
-            <a:r>
-              <a:rPr lang="en-US" dirty="0" smtClean="0"/>
-              <a:t>model?</a:t>
-            </a:r>
-            <a:endParaRPr lang="en-US" dirty="0"/>
-          </a:p>
-          <a:p>
-            <a:r>
-              <a:rPr lang="en-US" dirty="0"/>
-              <a:t>Graph based queues </a:t>
-            </a:r>
-          </a:p>
-          <a:p>
-            <a:r>
-              <a:rPr lang="en-US" dirty="0"/>
-              <a:t>Quorum queues data safety replication </a:t>
-            </a:r>
-          </a:p>
-          <a:p>
-            <a:r>
-              <a:rPr lang="en-US" dirty="0"/>
-              <a:t>http 2/3</a:t>
-            </a:r>
-          </a:p>
-          <a:p>
-            <a:r>
-              <a:rPr lang="en-US" dirty="0"/>
-              <a:t>More protocols better flow control and cluster  aware</a:t>
-            </a:r>
-          </a:p>
-          <a:p>
-            <a:r>
-              <a:rPr lang="en-US" dirty="0" err="1"/>
-              <a:t>Oauth</a:t>
-            </a:r>
-            <a:r>
-              <a:rPr lang="en-US" dirty="0"/>
-              <a:t> 2.0 support </a:t>
-            </a:r>
-          </a:p>
-          <a:p>
-            <a:pPr marL="0" indent="0">
-              <a:buNone/>
-            </a:pPr>
-            <a:endParaRPr lang="en-US" dirty="0"/>
-          </a:p>
-          <a:p>
-            <a:pPr marL="0" indent="0">
-              <a:buNone/>
-            </a:pPr>
-            <a:endParaRPr lang="en-US" dirty="0"/>
-          </a:p>
-          <a:p>
-            <a:pPr marL="0" indent="0">
-              <a:buNone/>
-            </a:pPr>
-            <a:endParaRPr lang="en-US" dirty="0"/>
-          </a:p>
-          <a:p>
-            <a:pPr marL="0" indent="0">
-              <a:buNone/>
-            </a:pPr>
-            <a:endParaRPr lang="en-US" dirty="0"/>
-          </a:p>
-          <a:p>
-            <a:endParaRPr lang="en-US" dirty="0"/>
-          </a:p>
-          <a:p>
-            <a:endParaRPr lang="en-US" dirty="0"/>
-          </a:p>
-          <a:p>
-            <a:endParaRPr lang="en-US" dirty="0"/>
-          </a:p>
-        </p:txBody>
-      </p:sp>
-      <p:sp>
-        <p:nvSpPr>
-          <p:cNvPr id="4" name="Footer Placeholder 3"/>
-          <p:cNvSpPr>
-            <a:spLocks noGrp="1"/>
-          </p:cNvSpPr>
-          <p:nvPr>
-            <p:ph type="ftr" sz="quarter" idx="11"/>
-          </p:nvPr>
-        </p:nvSpPr>
-        <p:spPr/>
-        <p:txBody>
-          <a:bodyPr/>
-          <a:lstStyle/>
-          <a:p>
-            <a:r>
-              <a:rPr lang="en-US" dirty="0" smtClean="0"/>
-              <a:t>@jsonrow</a:t>
-            </a:r>
-            <a:endParaRPr lang="en-US" dirty="0"/>
-          </a:p>
-        </p:txBody>
-      </p:sp>
-    </p:spTree>
-    <p:extLst>
-      <p:ext uri="{BB962C8B-B14F-4D97-AF65-F5344CB8AC3E}">
-        <p14:creationId xmlns:p14="http://schemas.microsoft.com/office/powerpoint/2010/main" val="200645068"/>
-      </p:ext>
-    </p:extLst>
-  </p:cSld>
-  <p:clrMapOvr>
-    <a:masterClrMapping/>
-  </p:clrMapOvr>
-  <mc:AlternateContent xmlns:mc="http://schemas.openxmlformats.org/markup-compatibility/2006" xmlns:p14="http://schemas.microsoft.com/office/powerpoint/2010/main">
-    <mc:Choice Requires="p14">
-      <p:transition spd="med" p14:dur="700">
-        <p:fade/>
-      </p:transition>
-    </mc:Choice>
-    <mc:Fallback xmlns="">
-      <p:transition spd="med">
-        <p:fade/>
-      </p:transition>
-    </mc:Fallback>
-  </mc:AlternateContent>
-</p:sld>
-</file>
-
-<file path=ppt/slides/slide23.xml><?xml version="1.0" encoding="utf-8"?>
-<p:sld xmlns:a="http://schemas.openxmlformats.org/drawingml/2006/main" xmlns:r="http://schemas.openxmlformats.org/officeDocument/2006/relationships" xmlns:p="http://schemas.openxmlformats.org/presentationml/2006/main">
-  <p:cSld>
-    <p:spTree>
-      <p:nvGrpSpPr>
-        <p:cNvPr id="1" name=""/>
-        <p:cNvGrpSpPr/>
-        <p:nvPr/>
-      </p:nvGrpSpPr>
-      <p:grpSpPr>
-        <a:xfrm>
-          <a:off x="0" y="0"/>
-          <a:ext cx="0" cy="0"/>
-          <a:chOff x="0" y="0"/>
-          <a:chExt cx="0" cy="0"/>
-        </a:xfrm>
-      </p:grpSpPr>
-      <p:sp>
-        <p:nvSpPr>
-          <p:cNvPr id="2" name="Title 1">
-            <a:extLst>
-              <a:ext uri="{FF2B5EF4-FFF2-40B4-BE49-F238E27FC236}">
                 <a16:creationId xmlns="" xmlns:a16="http://schemas.microsoft.com/office/drawing/2014/main" id="{3750261F-01B5-314F-9B46-E0A4FAD43627}"/>
               </a:ext>
             </a:extLst>
@@ -14970,7 +14554,7 @@
           <a:p>
             <a:r>
               <a:rPr lang="en-US" dirty="0">
-                <a:hlinkClick r:id="rId2"/>
+                <a:hlinkClick r:id="rId3"/>
               </a:rPr>
               <a:t>https://www.rabbitmq.com/production-checklist.html</a:t>
             </a:r>
@@ -15029,10 +14613,17 @@
       </p:transition>
     </mc:Fallback>
   </mc:AlternateContent>
+  <p:timing>
+    <p:tnLst>
+      <p:par>
+        <p:cTn id="1" dur="indefinite" restart="never" nodeType="tmRoot"/>
+      </p:par>
+    </p:tnLst>
+  </p:timing>
 </p:sld>
 </file>
 
-<file path=ppt/slides/slide24.xml><?xml version="1.0" encoding="utf-8"?>
+<file path=ppt/slides/slide23.xml><?xml version="1.0" encoding="utf-8"?>
 <p:sld xmlns:a="http://schemas.openxmlformats.org/drawingml/2006/main" xmlns:r="http://schemas.openxmlformats.org/officeDocument/2006/relationships" xmlns:p="http://schemas.openxmlformats.org/presentationml/2006/main">
   <p:cSld>
     <p:spTree>
@@ -15195,10 +14786,17 @@
       </p:transition>
     </mc:Fallback>
   </mc:AlternateContent>
+  <p:timing>
+    <p:tnLst>
+      <p:par>
+        <p:cTn id="1" dur="indefinite" restart="never" nodeType="tmRoot"/>
+      </p:par>
+    </p:tnLst>
+  </p:timing>
 </p:sld>
 </file>
 
-<file path=ppt/slides/slide25.xml><?xml version="1.0" encoding="utf-8"?>
+<file path=ppt/slides/slide24.xml><?xml version="1.0" encoding="utf-8"?>
 <p:sld xmlns:a="http://schemas.openxmlformats.org/drawingml/2006/main" xmlns:r="http://schemas.openxmlformats.org/officeDocument/2006/relationships" xmlns:p="http://schemas.openxmlformats.org/presentationml/2006/main">
   <p:cSld>
     <p:spTree>
@@ -15249,7 +14847,7 @@
           </p:nvPr>
         </p:nvPicPr>
         <p:blipFill>
-          <a:blip r:embed="rId2">
+          <a:blip r:embed="rId3">
             <a:extLst>
               <a:ext uri="{28A0092B-C50C-407E-A947-70E740481C1C}">
                 <a14:useLocalDpi xmlns:a14="http://schemas.microsoft.com/office/drawing/2010/main" val="0"/>
@@ -15308,6 +14906,13 @@
       </p:transition>
     </mc:Fallback>
   </mc:AlternateContent>
+  <p:timing>
+    <p:tnLst>
+      <p:par>
+        <p:cTn id="1" dur="indefinite" restart="never" nodeType="tmRoot"/>
+      </p:par>
+    </p:tnLst>
+  </p:timing>
 </p:sld>
 </file>
 
@@ -15344,8 +14949,12 @@
           <a:lstStyle/>
           <a:p>
             <a:r>
-              <a:rPr lang="en-US"/>
-              <a:t>Microservice messaging landscape</a:t>
+              <a:rPr lang="en-US" dirty="0" err="1"/>
+              <a:t>Microservice</a:t>
+            </a:r>
+            <a:r>
+              <a:rPr lang="en-US" dirty="0"/>
+              <a:t> messaging landscape</a:t>
             </a:r>
           </a:p>
         </p:txBody>
@@ -15523,6 +15132,13 @@
       </p:transition>
     </mc:Fallback>
   </mc:AlternateContent>
+  <p:timing>
+    <p:tnLst>
+      <p:par>
+        <p:cTn id="1" dur="indefinite" restart="never" nodeType="tmRoot"/>
+      </p:par>
+    </p:tnLst>
+  </p:timing>
 </p:sld>
 </file>
 
@@ -16633,6 +16249,13 @@
       </p:transition>
     </mc:Fallback>
   </mc:AlternateContent>
+  <p:timing>
+    <p:tnLst>
+      <p:par>
+        <p:cTn id="1" dur="indefinite" restart="never" nodeType="tmRoot"/>
+      </p:par>
+    </p:tnLst>
+  </p:timing>
 </p:sld>
 </file>
 
@@ -16797,6 +16420,13 @@
       </p:transition>
     </mc:Fallback>
   </mc:AlternateContent>
+  <p:timing>
+    <p:tnLst>
+      <p:par>
+        <p:cTn id="1" dur="indefinite" restart="never" nodeType="tmRoot"/>
+      </p:par>
+    </p:tnLst>
+  </p:timing>
 </p:sld>
 </file>
 
@@ -18862,14 +18492,14 @@
 <ds:datastoreItem xmlns:ds="http://schemas.openxmlformats.org/officeDocument/2006/customXml" ds:itemID="{60C67BEE-D13F-4BD2-98A5-34D8A0977F68}">
   <ds:schemaRefs>
     <ds:schemaRef ds:uri="4873beb7-5857-4685-be1f-d57550cc96cc"/>
+    <ds:schemaRef ds:uri="http://schemas.openxmlformats.org/package/2006/metadata/core-properties"/>
+    <ds:schemaRef ds:uri="http://purl.org/dc/terms/"/>
+    <ds:schemaRef ds:uri="http://schemas.microsoft.com/office/infopath/2007/PartnerControls"/>
+    <ds:schemaRef ds:uri="http://purl.org/dc/dcmitype/"/>
     <ds:schemaRef ds:uri="http://schemas.microsoft.com/office/2006/documentManagement/types"/>
-    <ds:schemaRef ds:uri="http://schemas.microsoft.com/office/infopath/2007/PartnerControls"/>
     <ds:schemaRef ds:uri="http://purl.org/dc/elements/1.1/"/>
     <ds:schemaRef ds:uri="http://schemas.microsoft.com/office/2006/metadata/properties"/>
-    <ds:schemaRef ds:uri="http://purl.org/dc/terms/"/>
-    <ds:schemaRef ds:uri="http://schemas.openxmlformats.org/package/2006/metadata/core-properties"/>
     <ds:schemaRef ds:uri="http://www.w3.org/XML/1998/namespace"/>
-    <ds:schemaRef ds:uri="http://purl.org/dc/dcmitype/"/>
   </ds:schemaRefs>
 </ds:datastoreItem>
 </file>
